--- a/assets/media/thumbnail/template.pptx
+++ b/assets/media/thumbnail/template.pptx
@@ -5,7 +5,7 @@
     <p:sldMasterId id="2147483660" r:id="rId1"/>
   </p:sldMasterIdLst>
   <p:notesMasterIdLst>
-    <p:notesMasterId r:id="rId97"/>
+    <p:notesMasterId r:id="rId98"/>
   </p:notesMasterIdLst>
   <p:sldIdLst>
     <p:sldId id="259" r:id="rId2"/>
@@ -100,9 +100,10 @@
     <p:sldId id="352" r:id="rId91"/>
     <p:sldId id="353" r:id="rId92"/>
     <p:sldId id="354" r:id="rId93"/>
-    <p:sldId id="349" r:id="rId94"/>
-    <p:sldId id="350" r:id="rId95"/>
-    <p:sldId id="332" r:id="rId96"/>
+    <p:sldId id="355" r:id="rId94"/>
+    <p:sldId id="349" r:id="rId95"/>
+    <p:sldId id="350" r:id="rId96"/>
+    <p:sldId id="332" r:id="rId97"/>
   </p:sldIdLst>
   <p:sldSz cx="9144000" cy="5143500" type="screen16x9"/>
   <p:notesSz cx="6858000" cy="9144000"/>
@@ -310,6 +311,7 @@
         <p14:section name="Web Tool" id="{E539C44A-176F-46D9-A494-E02E57FF3620}">
           <p14:sldIdLst>
             <p14:sldId id="354"/>
+            <p14:sldId id="355"/>
           </p14:sldIdLst>
         </p14:section>
         <p14:section name="From Hg" id="{D787E93B-4D07-4FEF-9D4A-1DCAD97C9445}">
@@ -426,7 +428,7 @@
           <a:p>
             <a:fld id="{DAF7419A-5719-4DB0-801F-AE25AB2C4835}" type="datetimeFigureOut">
               <a:rPr lang="en-US" smtClean="0"/>
-              <a:t>3/28/2022</a:t>
+              <a:t>4/7/2022</a:t>
             </a:fld>
             <a:endParaRPr lang="en-US" dirty="0"/>
           </a:p>
@@ -8759,7 +8761,7 @@
     </p:spTree>
     <p:extLst>
       <p:ext uri="{BB962C8B-B14F-4D97-AF65-F5344CB8AC3E}">
-        <p14:creationId xmlns:p14="http://schemas.microsoft.com/office/powerpoint/2010/main" val="418430412"/>
+        <p14:creationId xmlns:p14="http://schemas.microsoft.com/office/powerpoint/2010/main" val="3301698305"/>
       </p:ext>
     </p:extLst>
   </p:cSld>
@@ -8843,7 +8845,7 @@
     </p:spTree>
     <p:extLst>
       <p:ext uri="{BB962C8B-B14F-4D97-AF65-F5344CB8AC3E}">
-        <p14:creationId xmlns:p14="http://schemas.microsoft.com/office/powerpoint/2010/main" val="2087517936"/>
+        <p14:creationId xmlns:p14="http://schemas.microsoft.com/office/powerpoint/2010/main" val="418430412"/>
       </p:ext>
     </p:extLst>
   </p:cSld>
@@ -8919,6 +8921,90 @@
             <a:fld id="{BF1434EF-918F-4A4D-98D1-563F3F7CA387}" type="slidenum">
               <a:rPr lang="en-US" smtClean="0"/>
               <a:t>95</a:t>
+            </a:fld>
+            <a:endParaRPr lang="en-US" dirty="0"/>
+          </a:p>
+        </p:txBody>
+      </p:sp>
+    </p:spTree>
+    <p:extLst>
+      <p:ext uri="{BB962C8B-B14F-4D97-AF65-F5344CB8AC3E}">
+        <p14:creationId xmlns:p14="http://schemas.microsoft.com/office/powerpoint/2010/main" val="2087517936"/>
+      </p:ext>
+    </p:extLst>
+  </p:cSld>
+  <p:clrMapOvr>
+    <a:masterClrMapping/>
+  </p:clrMapOvr>
+</p:notes>
+</file>
+
+<file path=ppt/notesSlides/notesSlide96.xml><?xml version="1.0" encoding="utf-8"?>
+<p:notes xmlns:a="http://schemas.openxmlformats.org/drawingml/2006/main" xmlns:r="http://schemas.openxmlformats.org/officeDocument/2006/relationships" xmlns:p="http://schemas.openxmlformats.org/presentationml/2006/main">
+  <p:cSld>
+    <p:spTree>
+      <p:nvGrpSpPr>
+        <p:cNvPr id="1" name=""/>
+        <p:cNvGrpSpPr/>
+        <p:nvPr/>
+      </p:nvGrpSpPr>
+      <p:grpSpPr>
+        <a:xfrm>
+          <a:off x="0" y="0"/>
+          <a:ext cx="0" cy="0"/>
+          <a:chOff x="0" y="0"/>
+          <a:chExt cx="0" cy="0"/>
+        </a:xfrm>
+      </p:grpSpPr>
+      <p:sp>
+        <p:nvSpPr>
+          <p:cNvPr id="2" name="Slide Image Placeholder 1"/>
+          <p:cNvSpPr>
+            <a:spLocks noGrp="1" noRot="1" noChangeAspect="1"/>
+          </p:cNvSpPr>
+          <p:nvPr>
+            <p:ph type="sldImg"/>
+          </p:nvPr>
+        </p:nvSpPr>
+        <p:spPr/>
+      </p:sp>
+      <p:sp>
+        <p:nvSpPr>
+          <p:cNvPr id="3" name="Notes Placeholder 2"/>
+          <p:cNvSpPr>
+            <a:spLocks noGrp="1"/>
+          </p:cNvSpPr>
+          <p:nvPr>
+            <p:ph type="body" idx="1"/>
+          </p:nvPr>
+        </p:nvSpPr>
+        <p:spPr/>
+        <p:txBody>
+          <a:bodyPr/>
+          <a:lstStyle/>
+          <a:p>
+            <a:endParaRPr lang="vi-VN" dirty="0"/>
+          </a:p>
+        </p:txBody>
+      </p:sp>
+      <p:sp>
+        <p:nvSpPr>
+          <p:cNvPr id="4" name="Slide Number Placeholder 3"/>
+          <p:cNvSpPr>
+            <a:spLocks noGrp="1"/>
+          </p:cNvSpPr>
+          <p:nvPr>
+            <p:ph type="sldNum" sz="quarter" idx="5"/>
+          </p:nvPr>
+        </p:nvSpPr>
+        <p:spPr/>
+        <p:txBody>
+          <a:bodyPr/>
+          <a:lstStyle/>
+          <a:p>
+            <a:fld id="{BF1434EF-918F-4A4D-98D1-563F3F7CA387}" type="slidenum">
+              <a:rPr lang="en-US" smtClean="0"/>
+              <a:t>96</a:t>
             </a:fld>
             <a:endParaRPr lang="en-US" dirty="0"/>
           </a:p>
@@ -9068,7 +9154,7 @@
           <a:p>
             <a:fld id="{6BAADE55-1DD3-44E1-A8C2-24E0E03344A6}" type="datetimeFigureOut">
               <a:rPr lang="en-US" smtClean="0"/>
-              <a:t>3/28/2022</a:t>
+              <a:t>4/7/2022</a:t>
             </a:fld>
             <a:endParaRPr lang="en-US" dirty="0"/>
           </a:p>
@@ -9238,7 +9324,7 @@
           <a:p>
             <a:fld id="{6BAADE55-1DD3-44E1-A8C2-24E0E03344A6}" type="datetimeFigureOut">
               <a:rPr lang="en-US" smtClean="0"/>
-              <a:t>3/28/2022</a:t>
+              <a:t>4/7/2022</a:t>
             </a:fld>
             <a:endParaRPr lang="en-US" dirty="0"/>
           </a:p>
@@ -9418,7 +9504,7 @@
           <a:p>
             <a:fld id="{6BAADE55-1DD3-44E1-A8C2-24E0E03344A6}" type="datetimeFigureOut">
               <a:rPr lang="en-US" smtClean="0"/>
-              <a:t>3/28/2022</a:t>
+              <a:t>4/7/2022</a:t>
             </a:fld>
             <a:endParaRPr lang="en-US" dirty="0"/>
           </a:p>
@@ -9588,7 +9674,7 @@
           <a:p>
             <a:fld id="{6BAADE55-1DD3-44E1-A8C2-24E0E03344A6}" type="datetimeFigureOut">
               <a:rPr lang="en-US" smtClean="0"/>
-              <a:t>3/28/2022</a:t>
+              <a:t>4/7/2022</a:t>
             </a:fld>
             <a:endParaRPr lang="en-US" dirty="0"/>
           </a:p>
@@ -9834,7 +9920,7 @@
           <a:p>
             <a:fld id="{6BAADE55-1DD3-44E1-A8C2-24E0E03344A6}" type="datetimeFigureOut">
               <a:rPr lang="en-US" smtClean="0"/>
-              <a:t>3/28/2022</a:t>
+              <a:t>4/7/2022</a:t>
             </a:fld>
             <a:endParaRPr lang="en-US" dirty="0"/>
           </a:p>
@@ -10066,7 +10152,7 @@
           <a:p>
             <a:fld id="{6BAADE55-1DD3-44E1-A8C2-24E0E03344A6}" type="datetimeFigureOut">
               <a:rPr lang="en-US" smtClean="0"/>
-              <a:t>3/28/2022</a:t>
+              <a:t>4/7/2022</a:t>
             </a:fld>
             <a:endParaRPr lang="en-US" dirty="0"/>
           </a:p>
@@ -10433,7 +10519,7 @@
           <a:p>
             <a:fld id="{6BAADE55-1DD3-44E1-A8C2-24E0E03344A6}" type="datetimeFigureOut">
               <a:rPr lang="en-US" smtClean="0"/>
-              <a:t>3/28/2022</a:t>
+              <a:t>4/7/2022</a:t>
             </a:fld>
             <a:endParaRPr lang="en-US" dirty="0"/>
           </a:p>
@@ -10551,7 +10637,7 @@
           <a:p>
             <a:fld id="{6BAADE55-1DD3-44E1-A8C2-24E0E03344A6}" type="datetimeFigureOut">
               <a:rPr lang="en-US" smtClean="0"/>
-              <a:t>3/28/2022</a:t>
+              <a:t>4/7/2022</a:t>
             </a:fld>
             <a:endParaRPr lang="en-US" dirty="0"/>
           </a:p>
@@ -10646,7 +10732,7 @@
           <a:p>
             <a:fld id="{6BAADE55-1DD3-44E1-A8C2-24E0E03344A6}" type="datetimeFigureOut">
               <a:rPr lang="en-US" smtClean="0"/>
-              <a:t>3/28/2022</a:t>
+              <a:t>4/7/2022</a:t>
             </a:fld>
             <a:endParaRPr lang="en-US" dirty="0"/>
           </a:p>
@@ -10923,7 +11009,7 @@
           <a:p>
             <a:fld id="{6BAADE55-1DD3-44E1-A8C2-24E0E03344A6}" type="datetimeFigureOut">
               <a:rPr lang="en-US" smtClean="0"/>
-              <a:t>3/28/2022</a:t>
+              <a:t>4/7/2022</a:t>
             </a:fld>
             <a:endParaRPr lang="en-US" dirty="0"/>
           </a:p>
@@ -11179,7 +11265,7 @@
           <a:p>
             <a:fld id="{6BAADE55-1DD3-44E1-A8C2-24E0E03344A6}" type="datetimeFigureOut">
               <a:rPr lang="en-US" smtClean="0"/>
-              <a:t>3/28/2022</a:t>
+              <a:t>4/7/2022</a:t>
             </a:fld>
             <a:endParaRPr lang="en-US" dirty="0"/>
           </a:p>
@@ -11398,7 +11484,7 @@
           <a:p>
             <a:fld id="{6BAADE55-1DD3-44E1-A8C2-24E0E03344A6}" type="datetimeFigureOut">
               <a:rPr lang="en-US" smtClean="0"/>
-              <a:t>3/28/2022</a:t>
+              <a:t>4/7/2022</a:t>
             </a:fld>
             <a:endParaRPr lang="en-US" dirty="0"/>
           </a:p>
@@ -44102,6 +44188,171 @@
         </p:nvSpPr>
         <p:spPr>
           <a:xfrm>
+            <a:off x="440099" y="4097899"/>
+            <a:ext cx="8263801" cy="830997"/>
+          </a:xfrm>
+          <a:prstGeom prst="rect">
+            <a:avLst/>
+          </a:prstGeom>
+          <a:noFill/>
+        </p:spPr>
+        <p:txBody>
+          <a:bodyPr wrap="none" rtlCol="0">
+            <a:spAutoFit/>
+          </a:bodyPr>
+          <a:lstStyle/>
+          <a:p>
+            <a:r>
+              <a:rPr lang="vi-VN" sz="4800" dirty="0">
+                <a:ln w="19050">
+                  <a:solidFill>
+                    <a:schemeClr val="tx1"/>
+                  </a:solidFill>
+                </a:ln>
+                <a:solidFill>
+                  <a:srgbClr val="FFFF00"/>
+                </a:solidFill>
+                <a:latin typeface="FVF Fernando 08" panose="02000507020000020003" pitchFamily="2" charset="0"/>
+              </a:rPr>
+              <a:t>Tra kí tự trong Glyph</a:t>
+            </a:r>
+            <a:endParaRPr lang="en-US" sz="4800" dirty="0">
+              <a:ln w="19050">
+                <a:solidFill>
+                  <a:schemeClr val="tx1"/>
+                </a:solidFill>
+              </a:ln>
+              <a:solidFill>
+                <a:srgbClr val="FFFF00"/>
+              </a:solidFill>
+              <a:latin typeface="FVF Fernando 08" panose="02000507020000020003" pitchFamily="2" charset="0"/>
+            </a:endParaRPr>
+          </a:p>
+        </p:txBody>
+      </p:sp>
+      <p:pic>
+        <p:nvPicPr>
+          <p:cNvPr id="14" name="Picture 13">
+            <a:extLst>
+              <a:ext uri="{FF2B5EF4-FFF2-40B4-BE49-F238E27FC236}">
+                <a16:creationId xmlns:a16="http://schemas.microsoft.com/office/drawing/2014/main" id="{E2D411D6-C028-4F7B-96FB-CC2855017620}"/>
+              </a:ext>
+            </a:extLst>
+          </p:cNvPr>
+          <p:cNvPicPr>
+            <a:picLocks noChangeAspect="1"/>
+          </p:cNvPicPr>
+          <p:nvPr/>
+        </p:nvPicPr>
+        <p:blipFill>
+          <a:blip r:embed="rId3">
+            <a:extLst>
+              <a:ext uri="{28A0092B-C50C-407E-A947-70E740481C1C}">
+                <a14:useLocalDpi xmlns:a14="http://schemas.microsoft.com/office/drawing/2010/main" val="0"/>
+              </a:ext>
+            </a:extLst>
+          </a:blip>
+          <a:srcRect/>
+          <a:stretch/>
+        </p:blipFill>
+        <p:spPr>
+          <a:xfrm>
+            <a:off x="7675990" y="30481"/>
+            <a:ext cx="1490870" cy="1490870"/>
+          </a:xfrm>
+          <a:prstGeom prst="rect">
+            <a:avLst/>
+          </a:prstGeom>
+          <a:ln w="19050">
+            <a:noFill/>
+          </a:ln>
+          <a:effectLst>
+            <a:outerShdw blurRad="63500" sx="104000" sy="104000" algn="ctr" rotWithShape="0">
+              <a:srgbClr val="FFFF00"/>
+            </a:outerShdw>
+          </a:effectLst>
+        </p:spPr>
+      </p:pic>
+      <p:pic>
+        <p:nvPicPr>
+          <p:cNvPr id="3" name="Picture 2">
+            <a:extLst>
+              <a:ext uri="{FF2B5EF4-FFF2-40B4-BE49-F238E27FC236}">
+                <a16:creationId xmlns:a16="http://schemas.microsoft.com/office/drawing/2014/main" id="{DB3BC622-D549-4215-B4C7-2020B6078C4A}"/>
+              </a:ext>
+            </a:extLst>
+          </p:cNvPr>
+          <p:cNvPicPr>
+            <a:picLocks noChangeAspect="1"/>
+          </p:cNvPicPr>
+          <p:nvPr/>
+        </p:nvPicPr>
+        <p:blipFill>
+          <a:blip r:embed="rId4">
+            <a:extLst>
+              <a:ext uri="{28A0092B-C50C-407E-A947-70E740481C1C}">
+                <a14:useLocalDpi xmlns:a14="http://schemas.microsoft.com/office/drawing/2010/main" val="0"/>
+              </a:ext>
+            </a:extLst>
+          </a:blip>
+          <a:stretch>
+            <a:fillRect/>
+          </a:stretch>
+        </p:blipFill>
+        <p:spPr>
+          <a:xfrm>
+            <a:off x="3034329" y="602880"/>
+            <a:ext cx="3075339" cy="3075339"/>
+          </a:xfrm>
+          <a:prstGeom prst="rect">
+            <a:avLst/>
+          </a:prstGeom>
+        </p:spPr>
+      </p:pic>
+    </p:spTree>
+    <p:extLst>
+      <p:ext uri="{BB962C8B-B14F-4D97-AF65-F5344CB8AC3E}">
+        <p14:creationId xmlns:p14="http://schemas.microsoft.com/office/powerpoint/2010/main" val="3201819127"/>
+      </p:ext>
+    </p:extLst>
+  </p:cSld>
+  <p:clrMapOvr>
+    <a:masterClrMapping/>
+  </p:clrMapOvr>
+</p:sld>
+</file>
+
+<file path=ppt/slides/slide94.xml><?xml version="1.0" encoding="utf-8"?>
+<p:sld xmlns:a="http://schemas.openxmlformats.org/drawingml/2006/main" xmlns:r="http://schemas.openxmlformats.org/officeDocument/2006/relationships" xmlns:p="http://schemas.openxmlformats.org/presentationml/2006/main">
+  <p:cSld>
+    <p:spTree>
+      <p:nvGrpSpPr>
+        <p:cNvPr id="1" name=""/>
+        <p:cNvGrpSpPr/>
+        <p:nvPr/>
+      </p:nvGrpSpPr>
+      <p:grpSpPr>
+        <a:xfrm>
+          <a:off x="0" y="0"/>
+          <a:ext cx="0" cy="0"/>
+          <a:chOff x="0" y="0"/>
+          <a:chExt cx="0" cy="0"/>
+        </a:xfrm>
+      </p:grpSpPr>
+      <p:sp>
+        <p:nvSpPr>
+          <p:cNvPr id="11" name="TextBox 10">
+            <a:extLst>
+              <a:ext uri="{FF2B5EF4-FFF2-40B4-BE49-F238E27FC236}">
+                <a16:creationId xmlns:a16="http://schemas.microsoft.com/office/drawing/2014/main" id="{49A7B9B6-8455-43BE-8670-E01CE03933DF}"/>
+              </a:ext>
+            </a:extLst>
+          </p:cNvPr>
+          <p:cNvSpPr txBox="1"/>
+          <p:nvPr/>
+        </p:nvSpPr>
+        <p:spPr>
+          <a:xfrm>
             <a:off x="1834712" y="3858413"/>
             <a:ext cx="5474576" cy="1015663"/>
           </a:xfrm>
@@ -44225,7 +44476,7 @@
 </p:sld>
 </file>
 
-<file path=ppt/slides/slide94.xml><?xml version="1.0" encoding="utf-8"?>
+<file path=ppt/slides/slide95.xml><?xml version="1.0" encoding="utf-8"?>
 <p:sld xmlns:a="http://schemas.openxmlformats.org/drawingml/2006/main" xmlns:r="http://schemas.openxmlformats.org/officeDocument/2006/relationships" xmlns:p="http://schemas.openxmlformats.org/presentationml/2006/main">
   <p:cSld>
     <p:spTree>
@@ -44373,7 +44624,7 @@
 </p:sld>
 </file>
 
-<file path=ppt/slides/slide95.xml><?xml version="1.0" encoding="utf-8"?>
+<file path=ppt/slides/slide96.xml><?xml version="1.0" encoding="utf-8"?>
 <p:sld xmlns:a="http://schemas.openxmlformats.org/drawingml/2006/main" xmlns:r="http://schemas.openxmlformats.org/officeDocument/2006/relationships" xmlns:p="http://schemas.openxmlformats.org/presentationml/2006/main">
   <p:cSld>
     <p:spTree>

--- a/assets/media/thumbnail/template.pptx
+++ b/assets/media/thumbnail/template.pptx
@@ -5,7 +5,7 @@
     <p:sldMasterId id="2147483660" r:id="rId1"/>
   </p:sldMasterIdLst>
   <p:notesMasterIdLst>
-    <p:notesMasterId r:id="rId98"/>
+    <p:notesMasterId r:id="rId99"/>
   </p:notesMasterIdLst>
   <p:sldIdLst>
     <p:sldId id="259" r:id="rId2"/>
@@ -94,16 +94,17 @@
     <p:sldId id="348" r:id="rId85"/>
     <p:sldId id="343" r:id="rId86"/>
     <p:sldId id="344" r:id="rId87"/>
-    <p:sldId id="346" r:id="rId88"/>
-    <p:sldId id="347" r:id="rId89"/>
-    <p:sldId id="351" r:id="rId90"/>
-    <p:sldId id="352" r:id="rId91"/>
-    <p:sldId id="353" r:id="rId92"/>
-    <p:sldId id="354" r:id="rId93"/>
-    <p:sldId id="355" r:id="rId94"/>
-    <p:sldId id="349" r:id="rId95"/>
-    <p:sldId id="350" r:id="rId96"/>
-    <p:sldId id="332" r:id="rId97"/>
+    <p:sldId id="356" r:id="rId88"/>
+    <p:sldId id="346" r:id="rId89"/>
+    <p:sldId id="347" r:id="rId90"/>
+    <p:sldId id="351" r:id="rId91"/>
+    <p:sldId id="352" r:id="rId92"/>
+    <p:sldId id="353" r:id="rId93"/>
+    <p:sldId id="354" r:id="rId94"/>
+    <p:sldId id="355" r:id="rId95"/>
+    <p:sldId id="349" r:id="rId96"/>
+    <p:sldId id="350" r:id="rId97"/>
+    <p:sldId id="332" r:id="rId98"/>
   </p:sldIdLst>
   <p:sldSz cx="9144000" cy="5143500" type="screen16x9"/>
   <p:notesSz cx="6858000" cy="9144000"/>
@@ -297,6 +298,7 @@
             <p14:sldId id="348"/>
             <p14:sldId id="343"/>
             <p14:sldId id="344"/>
+            <p14:sldId id="356"/>
             <p14:sldId id="346"/>
             <p14:sldId id="347"/>
           </p14:sldIdLst>
@@ -428,7 +430,7 @@
           <a:p>
             <a:fld id="{DAF7419A-5719-4DB0-801F-AE25AB2C4835}" type="datetimeFigureOut">
               <a:rPr lang="en-US" smtClean="0"/>
-              <a:t>4/7/2022</a:t>
+              <a:t>4/10/2022</a:t>
             </a:fld>
             <a:endParaRPr lang="en-US" dirty="0"/>
           </a:p>
@@ -8167,7 +8169,7 @@
     </p:spTree>
     <p:extLst>
       <p:ext uri="{BB962C8B-B14F-4D97-AF65-F5344CB8AC3E}">
-        <p14:creationId xmlns:p14="http://schemas.microsoft.com/office/powerpoint/2010/main" val="927399378"/>
+        <p14:creationId xmlns:p14="http://schemas.microsoft.com/office/powerpoint/2010/main" val="3497460052"/>
       </p:ext>
     </p:extLst>
   </p:cSld>
@@ -8254,7 +8256,7 @@
     </p:spTree>
     <p:extLst>
       <p:ext uri="{BB962C8B-B14F-4D97-AF65-F5344CB8AC3E}">
-        <p14:creationId xmlns:p14="http://schemas.microsoft.com/office/powerpoint/2010/main" val="3603436678"/>
+        <p14:creationId xmlns:p14="http://schemas.microsoft.com/office/powerpoint/2010/main" val="927399378"/>
       </p:ext>
     </p:extLst>
   </p:cSld>
@@ -8308,7 +8310,10 @@
           <a:bodyPr/>
           <a:lstStyle/>
           <a:p>
-            <a:endParaRPr lang="vi-VN" dirty="0"/>
+            <a:r>
+              <a:rPr lang="vi-VN" dirty="0"/>
+              <a:t>/?</a:t>
+            </a:r>
           </a:p>
         </p:txBody>
       </p:sp>
@@ -8338,7 +8343,7 @@
     </p:spTree>
     <p:extLst>
       <p:ext uri="{BB962C8B-B14F-4D97-AF65-F5344CB8AC3E}">
-        <p14:creationId xmlns:p14="http://schemas.microsoft.com/office/powerpoint/2010/main" val="1580828146"/>
+        <p14:creationId xmlns:p14="http://schemas.microsoft.com/office/powerpoint/2010/main" val="3603436678"/>
       </p:ext>
     </p:extLst>
   </p:cSld>
@@ -8509,7 +8514,7 @@
     </p:spTree>
     <p:extLst>
       <p:ext uri="{BB962C8B-B14F-4D97-AF65-F5344CB8AC3E}">
-        <p14:creationId xmlns:p14="http://schemas.microsoft.com/office/powerpoint/2010/main" val="880678517"/>
+        <p14:creationId xmlns:p14="http://schemas.microsoft.com/office/powerpoint/2010/main" val="1580828146"/>
       </p:ext>
     </p:extLst>
   </p:cSld>
@@ -8593,7 +8598,7 @@
     </p:spTree>
     <p:extLst>
       <p:ext uri="{BB962C8B-B14F-4D97-AF65-F5344CB8AC3E}">
-        <p14:creationId xmlns:p14="http://schemas.microsoft.com/office/powerpoint/2010/main" val="3795521162"/>
+        <p14:creationId xmlns:p14="http://schemas.microsoft.com/office/powerpoint/2010/main" val="880678517"/>
       </p:ext>
     </p:extLst>
   </p:cSld>
@@ -8677,7 +8682,7 @@
     </p:spTree>
     <p:extLst>
       <p:ext uri="{BB962C8B-B14F-4D97-AF65-F5344CB8AC3E}">
-        <p14:creationId xmlns:p14="http://schemas.microsoft.com/office/powerpoint/2010/main" val="232954569"/>
+        <p14:creationId xmlns:p14="http://schemas.microsoft.com/office/powerpoint/2010/main" val="3795521162"/>
       </p:ext>
     </p:extLst>
   </p:cSld>
@@ -8761,7 +8766,7 @@
     </p:spTree>
     <p:extLst>
       <p:ext uri="{BB962C8B-B14F-4D97-AF65-F5344CB8AC3E}">
-        <p14:creationId xmlns:p14="http://schemas.microsoft.com/office/powerpoint/2010/main" val="3301698305"/>
+        <p14:creationId xmlns:p14="http://schemas.microsoft.com/office/powerpoint/2010/main" val="232954569"/>
       </p:ext>
     </p:extLst>
   </p:cSld>
@@ -8845,7 +8850,7 @@
     </p:spTree>
     <p:extLst>
       <p:ext uri="{BB962C8B-B14F-4D97-AF65-F5344CB8AC3E}">
-        <p14:creationId xmlns:p14="http://schemas.microsoft.com/office/powerpoint/2010/main" val="418430412"/>
+        <p14:creationId xmlns:p14="http://schemas.microsoft.com/office/powerpoint/2010/main" val="3301698305"/>
       </p:ext>
     </p:extLst>
   </p:cSld>
@@ -8929,7 +8934,7 @@
     </p:spTree>
     <p:extLst>
       <p:ext uri="{BB962C8B-B14F-4D97-AF65-F5344CB8AC3E}">
-        <p14:creationId xmlns:p14="http://schemas.microsoft.com/office/powerpoint/2010/main" val="2087517936"/>
+        <p14:creationId xmlns:p14="http://schemas.microsoft.com/office/powerpoint/2010/main" val="418430412"/>
       </p:ext>
     </p:extLst>
   </p:cSld>
@@ -9005,6 +9010,90 @@
             <a:fld id="{BF1434EF-918F-4A4D-98D1-563F3F7CA387}" type="slidenum">
               <a:rPr lang="en-US" smtClean="0"/>
               <a:t>96</a:t>
+            </a:fld>
+            <a:endParaRPr lang="en-US" dirty="0"/>
+          </a:p>
+        </p:txBody>
+      </p:sp>
+    </p:spTree>
+    <p:extLst>
+      <p:ext uri="{BB962C8B-B14F-4D97-AF65-F5344CB8AC3E}">
+        <p14:creationId xmlns:p14="http://schemas.microsoft.com/office/powerpoint/2010/main" val="2087517936"/>
+      </p:ext>
+    </p:extLst>
+  </p:cSld>
+  <p:clrMapOvr>
+    <a:masterClrMapping/>
+  </p:clrMapOvr>
+</p:notes>
+</file>
+
+<file path=ppt/notesSlides/notesSlide97.xml><?xml version="1.0" encoding="utf-8"?>
+<p:notes xmlns:a="http://schemas.openxmlformats.org/drawingml/2006/main" xmlns:r="http://schemas.openxmlformats.org/officeDocument/2006/relationships" xmlns:p="http://schemas.openxmlformats.org/presentationml/2006/main">
+  <p:cSld>
+    <p:spTree>
+      <p:nvGrpSpPr>
+        <p:cNvPr id="1" name=""/>
+        <p:cNvGrpSpPr/>
+        <p:nvPr/>
+      </p:nvGrpSpPr>
+      <p:grpSpPr>
+        <a:xfrm>
+          <a:off x="0" y="0"/>
+          <a:ext cx="0" cy="0"/>
+          <a:chOff x="0" y="0"/>
+          <a:chExt cx="0" cy="0"/>
+        </a:xfrm>
+      </p:grpSpPr>
+      <p:sp>
+        <p:nvSpPr>
+          <p:cNvPr id="2" name="Slide Image Placeholder 1"/>
+          <p:cNvSpPr>
+            <a:spLocks noGrp="1" noRot="1" noChangeAspect="1"/>
+          </p:cNvSpPr>
+          <p:nvPr>
+            <p:ph type="sldImg"/>
+          </p:nvPr>
+        </p:nvSpPr>
+        <p:spPr/>
+      </p:sp>
+      <p:sp>
+        <p:nvSpPr>
+          <p:cNvPr id="3" name="Notes Placeholder 2"/>
+          <p:cNvSpPr>
+            <a:spLocks noGrp="1"/>
+          </p:cNvSpPr>
+          <p:nvPr>
+            <p:ph type="body" idx="1"/>
+          </p:nvPr>
+        </p:nvSpPr>
+        <p:spPr/>
+        <p:txBody>
+          <a:bodyPr/>
+          <a:lstStyle/>
+          <a:p>
+            <a:endParaRPr lang="vi-VN" dirty="0"/>
+          </a:p>
+        </p:txBody>
+      </p:sp>
+      <p:sp>
+        <p:nvSpPr>
+          <p:cNvPr id="4" name="Slide Number Placeholder 3"/>
+          <p:cNvSpPr>
+            <a:spLocks noGrp="1"/>
+          </p:cNvSpPr>
+          <p:nvPr>
+            <p:ph type="sldNum" sz="quarter" idx="5"/>
+          </p:nvPr>
+        </p:nvSpPr>
+        <p:spPr/>
+        <p:txBody>
+          <a:bodyPr/>
+          <a:lstStyle/>
+          <a:p>
+            <a:fld id="{BF1434EF-918F-4A4D-98D1-563F3F7CA387}" type="slidenum">
+              <a:rPr lang="en-US" smtClean="0"/>
+              <a:t>97</a:t>
             </a:fld>
             <a:endParaRPr lang="en-US" dirty="0"/>
           </a:p>
@@ -9154,7 +9243,7 @@
           <a:p>
             <a:fld id="{6BAADE55-1DD3-44E1-A8C2-24E0E03344A6}" type="datetimeFigureOut">
               <a:rPr lang="en-US" smtClean="0"/>
-              <a:t>4/7/2022</a:t>
+              <a:t>4/10/2022</a:t>
             </a:fld>
             <a:endParaRPr lang="en-US" dirty="0"/>
           </a:p>
@@ -9324,7 +9413,7 @@
           <a:p>
             <a:fld id="{6BAADE55-1DD3-44E1-A8C2-24E0E03344A6}" type="datetimeFigureOut">
               <a:rPr lang="en-US" smtClean="0"/>
-              <a:t>4/7/2022</a:t>
+              <a:t>4/10/2022</a:t>
             </a:fld>
             <a:endParaRPr lang="en-US" dirty="0"/>
           </a:p>
@@ -9504,7 +9593,7 @@
           <a:p>
             <a:fld id="{6BAADE55-1DD3-44E1-A8C2-24E0E03344A6}" type="datetimeFigureOut">
               <a:rPr lang="en-US" smtClean="0"/>
-              <a:t>4/7/2022</a:t>
+              <a:t>4/10/2022</a:t>
             </a:fld>
             <a:endParaRPr lang="en-US" dirty="0"/>
           </a:p>
@@ -9674,7 +9763,7 @@
           <a:p>
             <a:fld id="{6BAADE55-1DD3-44E1-A8C2-24E0E03344A6}" type="datetimeFigureOut">
               <a:rPr lang="en-US" smtClean="0"/>
-              <a:t>4/7/2022</a:t>
+              <a:t>4/10/2022</a:t>
             </a:fld>
             <a:endParaRPr lang="en-US" dirty="0"/>
           </a:p>
@@ -9920,7 +10009,7 @@
           <a:p>
             <a:fld id="{6BAADE55-1DD3-44E1-A8C2-24E0E03344A6}" type="datetimeFigureOut">
               <a:rPr lang="en-US" smtClean="0"/>
-              <a:t>4/7/2022</a:t>
+              <a:t>4/10/2022</a:t>
             </a:fld>
             <a:endParaRPr lang="en-US" dirty="0"/>
           </a:p>
@@ -10152,7 +10241,7 @@
           <a:p>
             <a:fld id="{6BAADE55-1DD3-44E1-A8C2-24E0E03344A6}" type="datetimeFigureOut">
               <a:rPr lang="en-US" smtClean="0"/>
-              <a:t>4/7/2022</a:t>
+              <a:t>4/10/2022</a:t>
             </a:fld>
             <a:endParaRPr lang="en-US" dirty="0"/>
           </a:p>
@@ -10519,7 +10608,7 @@
           <a:p>
             <a:fld id="{6BAADE55-1DD3-44E1-A8C2-24E0E03344A6}" type="datetimeFigureOut">
               <a:rPr lang="en-US" smtClean="0"/>
-              <a:t>4/7/2022</a:t>
+              <a:t>4/10/2022</a:t>
             </a:fld>
             <a:endParaRPr lang="en-US" dirty="0"/>
           </a:p>
@@ -10637,7 +10726,7 @@
           <a:p>
             <a:fld id="{6BAADE55-1DD3-44E1-A8C2-24E0E03344A6}" type="datetimeFigureOut">
               <a:rPr lang="en-US" smtClean="0"/>
-              <a:t>4/7/2022</a:t>
+              <a:t>4/10/2022</a:t>
             </a:fld>
             <a:endParaRPr lang="en-US" dirty="0"/>
           </a:p>
@@ -10732,7 +10821,7 @@
           <a:p>
             <a:fld id="{6BAADE55-1DD3-44E1-A8C2-24E0E03344A6}" type="datetimeFigureOut">
               <a:rPr lang="en-US" smtClean="0"/>
-              <a:t>4/7/2022</a:t>
+              <a:t>4/10/2022</a:t>
             </a:fld>
             <a:endParaRPr lang="en-US" dirty="0"/>
           </a:p>
@@ -11009,7 +11098,7 @@
           <a:p>
             <a:fld id="{6BAADE55-1DD3-44E1-A8C2-24E0E03344A6}" type="datetimeFigureOut">
               <a:rPr lang="en-US" smtClean="0"/>
-              <a:t>4/7/2022</a:t>
+              <a:t>4/10/2022</a:t>
             </a:fld>
             <a:endParaRPr lang="en-US" dirty="0"/>
           </a:p>
@@ -11265,7 +11354,7 @@
           <a:p>
             <a:fld id="{6BAADE55-1DD3-44E1-A8C2-24E0E03344A6}" type="datetimeFigureOut">
               <a:rPr lang="en-US" smtClean="0"/>
-              <a:t>4/7/2022</a:t>
+              <a:t>4/10/2022</a:t>
             </a:fld>
             <a:endParaRPr lang="en-US" dirty="0"/>
           </a:p>
@@ -11484,7 +11573,7 @@
           <a:p>
             <a:fld id="{6BAADE55-1DD3-44E1-A8C2-24E0E03344A6}" type="datetimeFigureOut">
               <a:rPr lang="en-US" smtClean="0"/>
-              <a:t>4/7/2022</a:t>
+              <a:t>4/10/2022</a:t>
             </a:fld>
             <a:endParaRPr lang="en-US" dirty="0"/>
           </a:p>
@@ -42743,6 +42832,190 @@
         </p:nvSpPr>
         <p:spPr>
           <a:xfrm>
+            <a:off x="2459881" y="3858413"/>
+            <a:ext cx="4224233" cy="1015663"/>
+          </a:xfrm>
+          <a:prstGeom prst="rect">
+            <a:avLst/>
+          </a:prstGeom>
+          <a:noFill/>
+        </p:spPr>
+        <p:txBody>
+          <a:bodyPr wrap="none" rtlCol="0">
+            <a:spAutoFit/>
+          </a:bodyPr>
+          <a:lstStyle/>
+          <a:p>
+            <a:r>
+              <a:rPr lang="vi-VN" sz="6000">
+                <a:ln w="19050">
+                  <a:solidFill>
+                    <a:schemeClr val="tx1"/>
+                  </a:solidFill>
+                </a:ln>
+                <a:solidFill>
+                  <a:srgbClr val="FFFF00"/>
+                </a:solidFill>
+                <a:latin typeface="FVF Fernando 08" panose="02000507020000020003" pitchFamily="2" charset="0"/>
+              </a:rPr>
+              <a:t>Sound </a:t>
+            </a:r>
+            <a:r>
+              <a:rPr lang="vi-VN" sz="6000" dirty="0">
+                <a:ln w="19050">
+                  <a:solidFill>
+                    <a:schemeClr val="tx1"/>
+                  </a:solidFill>
+                </a:ln>
+                <a:solidFill>
+                  <a:srgbClr val="FFFF00"/>
+                </a:solidFill>
+                <a:latin typeface="FVF Fernando 08" panose="02000507020000020003" pitchFamily="2" charset="0"/>
+              </a:rPr>
+              <a:t>Id</a:t>
+            </a:r>
+            <a:endParaRPr lang="en-US" sz="6000" dirty="0">
+              <a:ln w="19050">
+                <a:solidFill>
+                  <a:schemeClr val="tx1"/>
+                </a:solidFill>
+              </a:ln>
+              <a:solidFill>
+                <a:srgbClr val="FFFF00"/>
+              </a:solidFill>
+              <a:latin typeface="FVF Fernando 08" panose="02000507020000020003" pitchFamily="2" charset="0"/>
+            </a:endParaRPr>
+          </a:p>
+        </p:txBody>
+      </p:sp>
+      <p:pic>
+        <p:nvPicPr>
+          <p:cNvPr id="14" name="Picture 13">
+            <a:extLst>
+              <a:ext uri="{FF2B5EF4-FFF2-40B4-BE49-F238E27FC236}">
+                <a16:creationId xmlns:a16="http://schemas.microsoft.com/office/drawing/2014/main" id="{E2D411D6-C028-4F7B-96FB-CC2855017620}"/>
+              </a:ext>
+            </a:extLst>
+          </p:cNvPr>
+          <p:cNvPicPr>
+            <a:picLocks noChangeAspect="1"/>
+          </p:cNvPicPr>
+          <p:nvPr/>
+        </p:nvPicPr>
+        <p:blipFill>
+          <a:blip r:embed="rId3">
+            <a:extLst>
+              <a:ext uri="{28A0092B-C50C-407E-A947-70E740481C1C}">
+                <a14:useLocalDpi xmlns:a14="http://schemas.microsoft.com/office/drawing/2010/main" val="0"/>
+              </a:ext>
+            </a:extLst>
+          </a:blip>
+          <a:srcRect/>
+          <a:stretch/>
+        </p:blipFill>
+        <p:spPr>
+          <a:xfrm>
+            <a:off x="7675990" y="30481"/>
+            <a:ext cx="1490870" cy="1490870"/>
+          </a:xfrm>
+          <a:prstGeom prst="rect">
+            <a:avLst/>
+          </a:prstGeom>
+          <a:ln w="19050">
+            <a:noFill/>
+          </a:ln>
+          <a:effectLst>
+            <a:outerShdw blurRad="63500" sx="104000" sy="104000" algn="ctr" rotWithShape="0">
+              <a:srgbClr val="FFFF00"/>
+            </a:outerShdw>
+          </a:effectLst>
+        </p:spPr>
+      </p:pic>
+      <p:pic>
+        <p:nvPicPr>
+          <p:cNvPr id="3" name="Picture 2">
+            <a:extLst>
+              <a:ext uri="{FF2B5EF4-FFF2-40B4-BE49-F238E27FC236}">
+                <a16:creationId xmlns:a16="http://schemas.microsoft.com/office/drawing/2014/main" id="{5BA2E600-ACA3-41D4-AE81-59539181FF36}"/>
+              </a:ext>
+            </a:extLst>
+          </p:cNvPr>
+          <p:cNvPicPr>
+            <a:picLocks noChangeAspect="1"/>
+          </p:cNvPicPr>
+          <p:nvPr/>
+        </p:nvPicPr>
+        <p:blipFill>
+          <a:blip r:embed="rId4">
+            <a:extLst>
+              <a:ext uri="{28A0092B-C50C-407E-A947-70E740481C1C}">
+                <a14:useLocalDpi xmlns:a14="http://schemas.microsoft.com/office/drawing/2010/main" val="0"/>
+              </a:ext>
+            </a:extLst>
+          </a:blip>
+          <a:stretch>
+            <a:fillRect/>
+          </a:stretch>
+        </p:blipFill>
+        <p:spPr>
+          <a:xfrm>
+            <a:off x="3025669" y="1513735"/>
+            <a:ext cx="3092659" cy="2116030"/>
+          </a:xfrm>
+          <a:prstGeom prst="rect">
+            <a:avLst/>
+          </a:prstGeom>
+          <a:effectLst>
+            <a:glow rad="63500">
+              <a:srgbClr val="FFC000"/>
+            </a:glow>
+          </a:effectLst>
+        </p:spPr>
+      </p:pic>
+    </p:spTree>
+    <p:extLst>
+      <p:ext uri="{BB962C8B-B14F-4D97-AF65-F5344CB8AC3E}">
+        <p14:creationId xmlns:p14="http://schemas.microsoft.com/office/powerpoint/2010/main" val="3275444130"/>
+      </p:ext>
+    </p:extLst>
+  </p:cSld>
+  <p:clrMapOvr>
+    <a:masterClrMapping/>
+  </p:clrMapOvr>
+</p:sld>
+</file>
+
+<file path=ppt/slides/slide88.xml><?xml version="1.0" encoding="utf-8"?>
+<p:sld xmlns:a="http://schemas.openxmlformats.org/drawingml/2006/main" xmlns:r="http://schemas.openxmlformats.org/officeDocument/2006/relationships" xmlns:p="http://schemas.openxmlformats.org/presentationml/2006/main">
+  <p:cSld>
+    <p:spTree>
+      <p:nvGrpSpPr>
+        <p:cNvPr id="1" name=""/>
+        <p:cNvGrpSpPr/>
+        <p:nvPr/>
+      </p:nvGrpSpPr>
+      <p:grpSpPr>
+        <a:xfrm>
+          <a:off x="0" y="0"/>
+          <a:ext cx="0" cy="0"/>
+          <a:chOff x="0" y="0"/>
+          <a:chExt cx="0" cy="0"/>
+        </a:xfrm>
+      </p:grpSpPr>
+      <p:sp>
+        <p:nvSpPr>
+          <p:cNvPr id="11" name="TextBox 10">
+            <a:extLst>
+              <a:ext uri="{FF2B5EF4-FFF2-40B4-BE49-F238E27FC236}">
+                <a16:creationId xmlns:a16="http://schemas.microsoft.com/office/drawing/2014/main" id="{49A7B9B6-8455-43BE-8670-E01CE03933DF}"/>
+              </a:ext>
+            </a:extLst>
+          </p:cNvPr>
+          <p:cNvSpPr txBox="1"/>
+          <p:nvPr/>
+        </p:nvSpPr>
+        <p:spPr>
+          <a:xfrm>
             <a:off x="2604151" y="3858413"/>
             <a:ext cx="3935693" cy="1015663"/>
           </a:xfrm>
@@ -42882,7 +43155,7 @@
 </p:sld>
 </file>
 
-<file path=ppt/slides/slide88.xml><?xml version="1.0" encoding="utf-8"?>
+<file path=ppt/slides/slide89.xml><?xml version="1.0" encoding="utf-8"?>
 <p:sld xmlns:a="http://schemas.openxmlformats.org/drawingml/2006/main" xmlns:r="http://schemas.openxmlformats.org/officeDocument/2006/relationships" xmlns:p="http://schemas.openxmlformats.org/presentationml/2006/main">
   <p:cSld>
     <p:spTree>
@@ -43052,7 +43325,287 @@
 </p:sld>
 </file>
 
-<file path=ppt/slides/slide89.xml><?xml version="1.0" encoding="utf-8"?>
+<file path=ppt/slides/slide9.xml><?xml version="1.0" encoding="utf-8"?>
+<p:sld xmlns:a="http://schemas.openxmlformats.org/drawingml/2006/main" xmlns:r="http://schemas.openxmlformats.org/officeDocument/2006/relationships" xmlns:p="http://schemas.openxmlformats.org/presentationml/2006/main">
+  <p:cSld>
+    <p:spTree>
+      <p:nvGrpSpPr>
+        <p:cNvPr id="1" name=""/>
+        <p:cNvGrpSpPr/>
+        <p:nvPr/>
+      </p:nvGrpSpPr>
+      <p:grpSpPr>
+        <a:xfrm>
+          <a:off x="0" y="0"/>
+          <a:ext cx="0" cy="0"/>
+          <a:chOff x="0" y="0"/>
+          <a:chExt cx="0" cy="0"/>
+        </a:xfrm>
+      </p:grpSpPr>
+      <p:sp>
+        <p:nvSpPr>
+          <p:cNvPr id="11" name="TextBox 10">
+            <a:extLst>
+              <a:ext uri="{FF2B5EF4-FFF2-40B4-BE49-F238E27FC236}">
+                <a16:creationId xmlns:a16="http://schemas.microsoft.com/office/drawing/2014/main" id="{49A7B9B6-8455-43BE-8670-E01CE03933DF}"/>
+              </a:ext>
+            </a:extLst>
+          </p:cNvPr>
+          <p:cNvSpPr txBox="1"/>
+          <p:nvPr/>
+        </p:nvSpPr>
+        <p:spPr>
+          <a:xfrm>
+            <a:off x="2171343" y="3858413"/>
+            <a:ext cx="4801314" cy="1015663"/>
+          </a:xfrm>
+          <a:prstGeom prst="rect">
+            <a:avLst/>
+          </a:prstGeom>
+          <a:noFill/>
+        </p:spPr>
+        <p:txBody>
+          <a:bodyPr wrap="none" rtlCol="0">
+            <a:spAutoFit/>
+          </a:bodyPr>
+          <a:lstStyle/>
+          <a:p>
+            <a:r>
+              <a:rPr lang="vi-VN" sz="6000" dirty="0">
+                <a:ln w="19050">
+                  <a:solidFill>
+                    <a:schemeClr val="tx1"/>
+                  </a:solidFill>
+                </a:ln>
+                <a:solidFill>
+                  <a:srgbClr val="FFFF00"/>
+                </a:solidFill>
+                <a:latin typeface="FVF Fernando 08" panose="02000507020000020003" pitchFamily="2" charset="0"/>
+              </a:rPr>
+              <a:t>/damage</a:t>
+            </a:r>
+            <a:endParaRPr lang="en-US" sz="6000" dirty="0">
+              <a:ln w="19050">
+                <a:solidFill>
+                  <a:schemeClr val="tx1"/>
+                </a:solidFill>
+              </a:ln>
+              <a:solidFill>
+                <a:srgbClr val="FFFF00"/>
+              </a:solidFill>
+              <a:latin typeface="FVF Fernando 08" panose="02000507020000020003" pitchFamily="2" charset="0"/>
+            </a:endParaRPr>
+          </a:p>
+        </p:txBody>
+      </p:sp>
+      <p:pic>
+        <p:nvPicPr>
+          <p:cNvPr id="14" name="Picture 13">
+            <a:extLst>
+              <a:ext uri="{FF2B5EF4-FFF2-40B4-BE49-F238E27FC236}">
+                <a16:creationId xmlns:a16="http://schemas.microsoft.com/office/drawing/2014/main" id="{E2D411D6-C028-4F7B-96FB-CC2855017620}"/>
+              </a:ext>
+            </a:extLst>
+          </p:cNvPr>
+          <p:cNvPicPr>
+            <a:picLocks noChangeAspect="1"/>
+          </p:cNvPicPr>
+          <p:nvPr/>
+        </p:nvPicPr>
+        <p:blipFill>
+          <a:blip r:embed="rId3">
+            <a:extLst>
+              <a:ext uri="{28A0092B-C50C-407E-A947-70E740481C1C}">
+                <a14:useLocalDpi xmlns:a14="http://schemas.microsoft.com/office/drawing/2010/main" val="0"/>
+              </a:ext>
+            </a:extLst>
+          </a:blip>
+          <a:srcRect/>
+          <a:stretch/>
+        </p:blipFill>
+        <p:spPr>
+          <a:xfrm>
+            <a:off x="7675990" y="30481"/>
+            <a:ext cx="1490870" cy="1490870"/>
+          </a:xfrm>
+          <a:prstGeom prst="rect">
+            <a:avLst/>
+          </a:prstGeom>
+          <a:ln w="19050">
+            <a:noFill/>
+          </a:ln>
+          <a:effectLst>
+            <a:outerShdw blurRad="63500" sx="104000" sy="104000" algn="ctr" rotWithShape="0">
+              <a:srgbClr val="FFFF00"/>
+            </a:outerShdw>
+          </a:effectLst>
+        </p:spPr>
+      </p:pic>
+      <p:pic>
+        <p:nvPicPr>
+          <p:cNvPr id="15" name="Picture 14">
+            <a:extLst>
+              <a:ext uri="{FF2B5EF4-FFF2-40B4-BE49-F238E27FC236}">
+                <a16:creationId xmlns:a16="http://schemas.microsoft.com/office/drawing/2014/main" id="{69951C66-AF30-40DF-8A79-77E063C4A1E2}"/>
+              </a:ext>
+            </a:extLst>
+          </p:cNvPr>
+          <p:cNvPicPr>
+            <a:picLocks noChangeAspect="1"/>
+          </p:cNvPicPr>
+          <p:nvPr/>
+        </p:nvPicPr>
+        <p:blipFill>
+          <a:blip r:embed="rId4"/>
+          <a:stretch>
+            <a:fillRect/>
+          </a:stretch>
+        </p:blipFill>
+        <p:spPr>
+          <a:xfrm rot="5400000">
+            <a:off x="3905913" y="682935"/>
+            <a:ext cx="1332171" cy="4380672"/>
+          </a:xfrm>
+          <a:prstGeom prst="rect">
+            <a:avLst/>
+          </a:prstGeom>
+        </p:spPr>
+      </p:pic>
+      <p:pic>
+        <p:nvPicPr>
+          <p:cNvPr id="16" name="Picture 15">
+            <a:extLst>
+              <a:ext uri="{FF2B5EF4-FFF2-40B4-BE49-F238E27FC236}">
+                <a16:creationId xmlns:a16="http://schemas.microsoft.com/office/drawing/2014/main" id="{DF880083-CAF7-4CEF-BDFF-679AF67E6828}"/>
+              </a:ext>
+            </a:extLst>
+          </p:cNvPr>
+          <p:cNvPicPr>
+            <a:picLocks noChangeAspect="1"/>
+          </p:cNvPicPr>
+          <p:nvPr/>
+        </p:nvPicPr>
+        <p:blipFill>
+          <a:blip r:embed="rId5">
+            <a:extLst>
+              <a:ext uri="{28A0092B-C50C-407E-A947-70E740481C1C}">
+                <a14:useLocalDpi xmlns:a14="http://schemas.microsoft.com/office/drawing/2010/main" val="0"/>
+              </a:ext>
+            </a:extLst>
+          </a:blip>
+          <a:stretch>
+            <a:fillRect/>
+          </a:stretch>
+        </p:blipFill>
+        <p:spPr>
+          <a:xfrm>
+            <a:off x="5578044" y="824533"/>
+            <a:ext cx="666750" cy="857250"/>
+          </a:xfrm>
+          <a:prstGeom prst="rect">
+            <a:avLst/>
+          </a:prstGeom>
+        </p:spPr>
+      </p:pic>
+      <p:pic>
+        <p:nvPicPr>
+          <p:cNvPr id="3" name="Picture 2">
+            <a:extLst>
+              <a:ext uri="{FF2B5EF4-FFF2-40B4-BE49-F238E27FC236}">
+                <a16:creationId xmlns:a16="http://schemas.microsoft.com/office/drawing/2014/main" id="{9A783B84-1D0F-4F3A-AE42-9615CCB4AAF0}"/>
+              </a:ext>
+            </a:extLst>
+          </p:cNvPr>
+          <p:cNvPicPr>
+            <a:picLocks noChangeAspect="1"/>
+          </p:cNvPicPr>
+          <p:nvPr/>
+        </p:nvPicPr>
+        <p:blipFill rotWithShape="1">
+          <a:blip r:embed="rId6"/>
+          <a:srcRect t="35048" r="42928" b="36780"/>
+          <a:stretch/>
+        </p:blipFill>
+        <p:spPr>
+          <a:xfrm rot="21229319">
+            <a:off x="1633209" y="586704"/>
+            <a:ext cx="4344975" cy="322003"/>
+          </a:xfrm>
+          <a:prstGeom prst="rect">
+            <a:avLst/>
+          </a:prstGeom>
+        </p:spPr>
+      </p:pic>
+      <p:sp>
+        <p:nvSpPr>
+          <p:cNvPr id="18" name="TextBox 17">
+            <a:extLst>
+              <a:ext uri="{FF2B5EF4-FFF2-40B4-BE49-F238E27FC236}">
+                <a16:creationId xmlns:a16="http://schemas.microsoft.com/office/drawing/2014/main" id="{DE90D33D-101B-4FA2-ABC0-9FE2705D58B8}"/>
+              </a:ext>
+            </a:extLst>
+          </p:cNvPr>
+          <p:cNvSpPr txBox="1"/>
+          <p:nvPr/>
+        </p:nvSpPr>
+        <p:spPr>
+          <a:xfrm rot="21270040">
+            <a:off x="3188893" y="998962"/>
+            <a:ext cx="1915909" cy="923330"/>
+          </a:xfrm>
+          <a:prstGeom prst="rect">
+            <a:avLst/>
+          </a:prstGeom>
+          <a:noFill/>
+        </p:spPr>
+        <p:txBody>
+          <a:bodyPr wrap="square" rtlCol="0">
+            <a:spAutoFit/>
+          </a:bodyPr>
+          <a:lstStyle/>
+          <a:p>
+            <a:r>
+              <a:rPr lang="vi-VN" sz="5400" dirty="0">
+                <a:ln w="19050">
+                  <a:solidFill>
+                    <a:schemeClr val="tx1"/>
+                  </a:solidFill>
+                </a:ln>
+                <a:solidFill>
+                  <a:srgbClr val="FFFF00"/>
+                </a:solidFill>
+                <a:latin typeface="FVF Fernando 08" panose="02000507020000020003" pitchFamily="2" charset="0"/>
+              </a:rPr>
+              <a:t>???</a:t>
+            </a:r>
+            <a:endParaRPr lang="en-US" sz="5400" dirty="0">
+              <a:ln w="19050">
+                <a:solidFill>
+                  <a:schemeClr val="tx1"/>
+                </a:solidFill>
+              </a:ln>
+              <a:solidFill>
+                <a:srgbClr val="FFFF00"/>
+              </a:solidFill>
+              <a:latin typeface="FVF Fernando 08" panose="02000507020000020003" pitchFamily="2" charset="0"/>
+            </a:endParaRPr>
+          </a:p>
+        </p:txBody>
+      </p:sp>
+    </p:spTree>
+    <p:extLst>
+      <p:ext uri="{BB962C8B-B14F-4D97-AF65-F5344CB8AC3E}">
+        <p14:creationId xmlns:p14="http://schemas.microsoft.com/office/powerpoint/2010/main" val="66683334"/>
+      </p:ext>
+    </p:extLst>
+  </p:cSld>
+  <p:clrMapOvr>
+    <a:masterClrMapping/>
+  </p:clrMapOvr>
+</p:sld>
+</file>
+
+<file path=ppt/slides/slide90.xml><?xml version="1.0" encoding="utf-8"?>
 <p:sld xmlns:a="http://schemas.openxmlformats.org/drawingml/2006/main" xmlns:r="http://schemas.openxmlformats.org/officeDocument/2006/relationships" xmlns:p="http://schemas.openxmlformats.org/presentationml/2006/main">
   <p:cSld>
     <p:spTree>
@@ -43237,287 +43790,7 @@
 </p:sld>
 </file>
 
-<file path=ppt/slides/slide9.xml><?xml version="1.0" encoding="utf-8"?>
-<p:sld xmlns:a="http://schemas.openxmlformats.org/drawingml/2006/main" xmlns:r="http://schemas.openxmlformats.org/officeDocument/2006/relationships" xmlns:p="http://schemas.openxmlformats.org/presentationml/2006/main">
-  <p:cSld>
-    <p:spTree>
-      <p:nvGrpSpPr>
-        <p:cNvPr id="1" name=""/>
-        <p:cNvGrpSpPr/>
-        <p:nvPr/>
-      </p:nvGrpSpPr>
-      <p:grpSpPr>
-        <a:xfrm>
-          <a:off x="0" y="0"/>
-          <a:ext cx="0" cy="0"/>
-          <a:chOff x="0" y="0"/>
-          <a:chExt cx="0" cy="0"/>
-        </a:xfrm>
-      </p:grpSpPr>
-      <p:sp>
-        <p:nvSpPr>
-          <p:cNvPr id="11" name="TextBox 10">
-            <a:extLst>
-              <a:ext uri="{FF2B5EF4-FFF2-40B4-BE49-F238E27FC236}">
-                <a16:creationId xmlns:a16="http://schemas.microsoft.com/office/drawing/2014/main" id="{49A7B9B6-8455-43BE-8670-E01CE03933DF}"/>
-              </a:ext>
-            </a:extLst>
-          </p:cNvPr>
-          <p:cNvSpPr txBox="1"/>
-          <p:nvPr/>
-        </p:nvSpPr>
-        <p:spPr>
-          <a:xfrm>
-            <a:off x="2171343" y="3858413"/>
-            <a:ext cx="4801314" cy="1015663"/>
-          </a:xfrm>
-          <a:prstGeom prst="rect">
-            <a:avLst/>
-          </a:prstGeom>
-          <a:noFill/>
-        </p:spPr>
-        <p:txBody>
-          <a:bodyPr wrap="none" rtlCol="0">
-            <a:spAutoFit/>
-          </a:bodyPr>
-          <a:lstStyle/>
-          <a:p>
-            <a:r>
-              <a:rPr lang="vi-VN" sz="6000" dirty="0">
-                <a:ln w="19050">
-                  <a:solidFill>
-                    <a:schemeClr val="tx1"/>
-                  </a:solidFill>
-                </a:ln>
-                <a:solidFill>
-                  <a:srgbClr val="FFFF00"/>
-                </a:solidFill>
-                <a:latin typeface="FVF Fernando 08" panose="02000507020000020003" pitchFamily="2" charset="0"/>
-              </a:rPr>
-              <a:t>/damage</a:t>
-            </a:r>
-            <a:endParaRPr lang="en-US" sz="6000" dirty="0">
-              <a:ln w="19050">
-                <a:solidFill>
-                  <a:schemeClr val="tx1"/>
-                </a:solidFill>
-              </a:ln>
-              <a:solidFill>
-                <a:srgbClr val="FFFF00"/>
-              </a:solidFill>
-              <a:latin typeface="FVF Fernando 08" panose="02000507020000020003" pitchFamily="2" charset="0"/>
-            </a:endParaRPr>
-          </a:p>
-        </p:txBody>
-      </p:sp>
-      <p:pic>
-        <p:nvPicPr>
-          <p:cNvPr id="14" name="Picture 13">
-            <a:extLst>
-              <a:ext uri="{FF2B5EF4-FFF2-40B4-BE49-F238E27FC236}">
-                <a16:creationId xmlns:a16="http://schemas.microsoft.com/office/drawing/2014/main" id="{E2D411D6-C028-4F7B-96FB-CC2855017620}"/>
-              </a:ext>
-            </a:extLst>
-          </p:cNvPr>
-          <p:cNvPicPr>
-            <a:picLocks noChangeAspect="1"/>
-          </p:cNvPicPr>
-          <p:nvPr/>
-        </p:nvPicPr>
-        <p:blipFill>
-          <a:blip r:embed="rId3">
-            <a:extLst>
-              <a:ext uri="{28A0092B-C50C-407E-A947-70E740481C1C}">
-                <a14:useLocalDpi xmlns:a14="http://schemas.microsoft.com/office/drawing/2010/main" val="0"/>
-              </a:ext>
-            </a:extLst>
-          </a:blip>
-          <a:srcRect/>
-          <a:stretch/>
-        </p:blipFill>
-        <p:spPr>
-          <a:xfrm>
-            <a:off x="7675990" y="30481"/>
-            <a:ext cx="1490870" cy="1490870"/>
-          </a:xfrm>
-          <a:prstGeom prst="rect">
-            <a:avLst/>
-          </a:prstGeom>
-          <a:ln w="19050">
-            <a:noFill/>
-          </a:ln>
-          <a:effectLst>
-            <a:outerShdw blurRad="63500" sx="104000" sy="104000" algn="ctr" rotWithShape="0">
-              <a:srgbClr val="FFFF00"/>
-            </a:outerShdw>
-          </a:effectLst>
-        </p:spPr>
-      </p:pic>
-      <p:pic>
-        <p:nvPicPr>
-          <p:cNvPr id="15" name="Picture 14">
-            <a:extLst>
-              <a:ext uri="{FF2B5EF4-FFF2-40B4-BE49-F238E27FC236}">
-                <a16:creationId xmlns:a16="http://schemas.microsoft.com/office/drawing/2014/main" id="{69951C66-AF30-40DF-8A79-77E063C4A1E2}"/>
-              </a:ext>
-            </a:extLst>
-          </p:cNvPr>
-          <p:cNvPicPr>
-            <a:picLocks noChangeAspect="1"/>
-          </p:cNvPicPr>
-          <p:nvPr/>
-        </p:nvPicPr>
-        <p:blipFill>
-          <a:blip r:embed="rId4"/>
-          <a:stretch>
-            <a:fillRect/>
-          </a:stretch>
-        </p:blipFill>
-        <p:spPr>
-          <a:xfrm rot="5400000">
-            <a:off x="3905913" y="682935"/>
-            <a:ext cx="1332171" cy="4380672"/>
-          </a:xfrm>
-          <a:prstGeom prst="rect">
-            <a:avLst/>
-          </a:prstGeom>
-        </p:spPr>
-      </p:pic>
-      <p:pic>
-        <p:nvPicPr>
-          <p:cNvPr id="16" name="Picture 15">
-            <a:extLst>
-              <a:ext uri="{FF2B5EF4-FFF2-40B4-BE49-F238E27FC236}">
-                <a16:creationId xmlns:a16="http://schemas.microsoft.com/office/drawing/2014/main" id="{DF880083-CAF7-4CEF-BDFF-679AF67E6828}"/>
-              </a:ext>
-            </a:extLst>
-          </p:cNvPr>
-          <p:cNvPicPr>
-            <a:picLocks noChangeAspect="1"/>
-          </p:cNvPicPr>
-          <p:nvPr/>
-        </p:nvPicPr>
-        <p:blipFill>
-          <a:blip r:embed="rId5">
-            <a:extLst>
-              <a:ext uri="{28A0092B-C50C-407E-A947-70E740481C1C}">
-                <a14:useLocalDpi xmlns:a14="http://schemas.microsoft.com/office/drawing/2010/main" val="0"/>
-              </a:ext>
-            </a:extLst>
-          </a:blip>
-          <a:stretch>
-            <a:fillRect/>
-          </a:stretch>
-        </p:blipFill>
-        <p:spPr>
-          <a:xfrm>
-            <a:off x="5578044" y="824533"/>
-            <a:ext cx="666750" cy="857250"/>
-          </a:xfrm>
-          <a:prstGeom prst="rect">
-            <a:avLst/>
-          </a:prstGeom>
-        </p:spPr>
-      </p:pic>
-      <p:pic>
-        <p:nvPicPr>
-          <p:cNvPr id="3" name="Picture 2">
-            <a:extLst>
-              <a:ext uri="{FF2B5EF4-FFF2-40B4-BE49-F238E27FC236}">
-                <a16:creationId xmlns:a16="http://schemas.microsoft.com/office/drawing/2014/main" id="{9A783B84-1D0F-4F3A-AE42-9615CCB4AAF0}"/>
-              </a:ext>
-            </a:extLst>
-          </p:cNvPr>
-          <p:cNvPicPr>
-            <a:picLocks noChangeAspect="1"/>
-          </p:cNvPicPr>
-          <p:nvPr/>
-        </p:nvPicPr>
-        <p:blipFill rotWithShape="1">
-          <a:blip r:embed="rId6"/>
-          <a:srcRect t="35048" r="42928" b="36780"/>
-          <a:stretch/>
-        </p:blipFill>
-        <p:spPr>
-          <a:xfrm rot="21229319">
-            <a:off x="1633209" y="586704"/>
-            <a:ext cx="4344975" cy="322003"/>
-          </a:xfrm>
-          <a:prstGeom prst="rect">
-            <a:avLst/>
-          </a:prstGeom>
-        </p:spPr>
-      </p:pic>
-      <p:sp>
-        <p:nvSpPr>
-          <p:cNvPr id="18" name="TextBox 17">
-            <a:extLst>
-              <a:ext uri="{FF2B5EF4-FFF2-40B4-BE49-F238E27FC236}">
-                <a16:creationId xmlns:a16="http://schemas.microsoft.com/office/drawing/2014/main" id="{DE90D33D-101B-4FA2-ABC0-9FE2705D58B8}"/>
-              </a:ext>
-            </a:extLst>
-          </p:cNvPr>
-          <p:cNvSpPr txBox="1"/>
-          <p:nvPr/>
-        </p:nvSpPr>
-        <p:spPr>
-          <a:xfrm rot="21270040">
-            <a:off x="3188893" y="998962"/>
-            <a:ext cx="1915909" cy="923330"/>
-          </a:xfrm>
-          <a:prstGeom prst="rect">
-            <a:avLst/>
-          </a:prstGeom>
-          <a:noFill/>
-        </p:spPr>
-        <p:txBody>
-          <a:bodyPr wrap="square" rtlCol="0">
-            <a:spAutoFit/>
-          </a:bodyPr>
-          <a:lstStyle/>
-          <a:p>
-            <a:r>
-              <a:rPr lang="vi-VN" sz="5400" dirty="0">
-                <a:ln w="19050">
-                  <a:solidFill>
-                    <a:schemeClr val="tx1"/>
-                  </a:solidFill>
-                </a:ln>
-                <a:solidFill>
-                  <a:srgbClr val="FFFF00"/>
-                </a:solidFill>
-                <a:latin typeface="FVF Fernando 08" panose="02000507020000020003" pitchFamily="2" charset="0"/>
-              </a:rPr>
-              <a:t>???</a:t>
-            </a:r>
-            <a:endParaRPr lang="en-US" sz="5400" dirty="0">
-              <a:ln w="19050">
-                <a:solidFill>
-                  <a:schemeClr val="tx1"/>
-                </a:solidFill>
-              </a:ln>
-              <a:solidFill>
-                <a:srgbClr val="FFFF00"/>
-              </a:solidFill>
-              <a:latin typeface="FVF Fernando 08" panose="02000507020000020003" pitchFamily="2" charset="0"/>
-            </a:endParaRPr>
-          </a:p>
-        </p:txBody>
-      </p:sp>
-    </p:spTree>
-    <p:extLst>
-      <p:ext uri="{BB962C8B-B14F-4D97-AF65-F5344CB8AC3E}">
-        <p14:creationId xmlns:p14="http://schemas.microsoft.com/office/powerpoint/2010/main" val="66683334"/>
-      </p:ext>
-    </p:extLst>
-  </p:cSld>
-  <p:clrMapOvr>
-    <a:masterClrMapping/>
-  </p:clrMapOvr>
-</p:sld>
-</file>
-
-<file path=ppt/slides/slide90.xml><?xml version="1.0" encoding="utf-8"?>
+<file path=ppt/slides/slide91.xml><?xml version="1.0" encoding="utf-8"?>
 <p:sld xmlns:a="http://schemas.openxmlformats.org/drawingml/2006/main" xmlns:r="http://schemas.openxmlformats.org/officeDocument/2006/relationships" xmlns:p="http://schemas.openxmlformats.org/presentationml/2006/main">
   <p:cSld>
     <p:spTree>
@@ -43787,7 +44060,7 @@
 </p:sld>
 </file>
 
-<file path=ppt/slides/slide91.xml><?xml version="1.0" encoding="utf-8"?>
+<file path=ppt/slides/slide92.xml><?xml version="1.0" encoding="utf-8"?>
 <p:sld xmlns:a="http://schemas.openxmlformats.org/drawingml/2006/main" xmlns:r="http://schemas.openxmlformats.org/officeDocument/2006/relationships" xmlns:p="http://schemas.openxmlformats.org/presentationml/2006/main">
   <p:cSld>
     <p:spTree>
@@ -43972,7 +44245,7 @@
 </p:sld>
 </file>
 
-<file path=ppt/slides/slide92.xml><?xml version="1.0" encoding="utf-8"?>
+<file path=ppt/slides/slide93.xml><?xml version="1.0" encoding="utf-8"?>
 <p:sld xmlns:a="http://schemas.openxmlformats.org/drawingml/2006/main" xmlns:r="http://schemas.openxmlformats.org/officeDocument/2006/relationships" xmlns:p="http://schemas.openxmlformats.org/presentationml/2006/main">
   <p:cSld>
     <p:spTree>
@@ -44157,7 +44430,7 @@
 </p:sld>
 </file>
 
-<file path=ppt/slides/slide93.xml><?xml version="1.0" encoding="utf-8"?>
+<file path=ppt/slides/slide94.xml><?xml version="1.0" encoding="utf-8"?>
 <p:sld xmlns:a="http://schemas.openxmlformats.org/drawingml/2006/main" xmlns:r="http://schemas.openxmlformats.org/officeDocument/2006/relationships" xmlns:p="http://schemas.openxmlformats.org/presentationml/2006/main">
   <p:cSld>
     <p:spTree>
@@ -44322,7 +44595,7 @@
 </p:sld>
 </file>
 
-<file path=ppt/slides/slide94.xml><?xml version="1.0" encoding="utf-8"?>
+<file path=ppt/slides/slide95.xml><?xml version="1.0" encoding="utf-8"?>
 <p:sld xmlns:a="http://schemas.openxmlformats.org/drawingml/2006/main" xmlns:r="http://schemas.openxmlformats.org/officeDocument/2006/relationships" xmlns:p="http://schemas.openxmlformats.org/presentationml/2006/main">
   <p:cSld>
     <p:spTree>
@@ -44476,7 +44749,7 @@
 </p:sld>
 </file>
 
-<file path=ppt/slides/slide95.xml><?xml version="1.0" encoding="utf-8"?>
+<file path=ppt/slides/slide96.xml><?xml version="1.0" encoding="utf-8"?>
 <p:sld xmlns:a="http://schemas.openxmlformats.org/drawingml/2006/main" xmlns:r="http://schemas.openxmlformats.org/officeDocument/2006/relationships" xmlns:p="http://schemas.openxmlformats.org/presentationml/2006/main">
   <p:cSld>
     <p:spTree>
@@ -44624,7 +44897,7 @@
 </p:sld>
 </file>
 
-<file path=ppt/slides/slide96.xml><?xml version="1.0" encoding="utf-8"?>
+<file path=ppt/slides/slide97.xml><?xml version="1.0" encoding="utf-8"?>
 <p:sld xmlns:a="http://schemas.openxmlformats.org/drawingml/2006/main" xmlns:r="http://schemas.openxmlformats.org/officeDocument/2006/relationships" xmlns:p="http://schemas.openxmlformats.org/presentationml/2006/main">
   <p:cSld>
     <p:spTree>

--- a/assets/media/thumbnail/template.pptx
+++ b/assets/media/thumbnail/template.pptx
@@ -5,7 +5,7 @@
     <p:sldMasterId id="2147483660" r:id="rId1"/>
   </p:sldMasterIdLst>
   <p:notesMasterIdLst>
-    <p:notesMasterId r:id="rId99"/>
+    <p:notesMasterId r:id="rId100"/>
   </p:notesMasterIdLst>
   <p:sldIdLst>
     <p:sldId id="259" r:id="rId2"/>
@@ -102,9 +102,10 @@
     <p:sldId id="353" r:id="rId93"/>
     <p:sldId id="354" r:id="rId94"/>
     <p:sldId id="355" r:id="rId95"/>
-    <p:sldId id="349" r:id="rId96"/>
-    <p:sldId id="350" r:id="rId97"/>
-    <p:sldId id="332" r:id="rId98"/>
+    <p:sldId id="357" r:id="rId96"/>
+    <p:sldId id="349" r:id="rId97"/>
+    <p:sldId id="350" r:id="rId98"/>
+    <p:sldId id="332" r:id="rId99"/>
   </p:sldIdLst>
   <p:sldSz cx="9144000" cy="5143500" type="screen16x9"/>
   <p:notesSz cx="6858000" cy="9144000"/>
@@ -314,6 +315,7 @@
           <p14:sldIdLst>
             <p14:sldId id="354"/>
             <p14:sldId id="355"/>
+            <p14:sldId id="357"/>
           </p14:sldIdLst>
         </p14:section>
         <p14:section name="From Hg" id="{D787E93B-4D07-4FEF-9D4A-1DCAD97C9445}">
@@ -430,7 +432,7 @@
           <a:p>
             <a:fld id="{DAF7419A-5719-4DB0-801F-AE25AB2C4835}" type="datetimeFigureOut">
               <a:rPr lang="en-US" smtClean="0"/>
-              <a:t>4/10/2022</a:t>
+              <a:t>4/15/2022</a:t>
             </a:fld>
             <a:endParaRPr lang="en-US" dirty="0"/>
           </a:p>
@@ -8934,7 +8936,7 @@
     </p:spTree>
     <p:extLst>
       <p:ext uri="{BB962C8B-B14F-4D97-AF65-F5344CB8AC3E}">
-        <p14:creationId xmlns:p14="http://schemas.microsoft.com/office/powerpoint/2010/main" val="418430412"/>
+        <p14:creationId xmlns:p14="http://schemas.microsoft.com/office/powerpoint/2010/main" val="397470668"/>
       </p:ext>
     </p:extLst>
   </p:cSld>
@@ -9018,7 +9020,7 @@
     </p:spTree>
     <p:extLst>
       <p:ext uri="{BB962C8B-B14F-4D97-AF65-F5344CB8AC3E}">
-        <p14:creationId xmlns:p14="http://schemas.microsoft.com/office/powerpoint/2010/main" val="2087517936"/>
+        <p14:creationId xmlns:p14="http://schemas.microsoft.com/office/powerpoint/2010/main" val="418430412"/>
       </p:ext>
     </p:extLst>
   </p:cSld>
@@ -9094,6 +9096,90 @@
             <a:fld id="{BF1434EF-918F-4A4D-98D1-563F3F7CA387}" type="slidenum">
               <a:rPr lang="en-US" smtClean="0"/>
               <a:t>97</a:t>
+            </a:fld>
+            <a:endParaRPr lang="en-US" dirty="0"/>
+          </a:p>
+        </p:txBody>
+      </p:sp>
+    </p:spTree>
+    <p:extLst>
+      <p:ext uri="{BB962C8B-B14F-4D97-AF65-F5344CB8AC3E}">
+        <p14:creationId xmlns:p14="http://schemas.microsoft.com/office/powerpoint/2010/main" val="2087517936"/>
+      </p:ext>
+    </p:extLst>
+  </p:cSld>
+  <p:clrMapOvr>
+    <a:masterClrMapping/>
+  </p:clrMapOvr>
+</p:notes>
+</file>
+
+<file path=ppt/notesSlides/notesSlide98.xml><?xml version="1.0" encoding="utf-8"?>
+<p:notes xmlns:a="http://schemas.openxmlformats.org/drawingml/2006/main" xmlns:r="http://schemas.openxmlformats.org/officeDocument/2006/relationships" xmlns:p="http://schemas.openxmlformats.org/presentationml/2006/main">
+  <p:cSld>
+    <p:spTree>
+      <p:nvGrpSpPr>
+        <p:cNvPr id="1" name=""/>
+        <p:cNvGrpSpPr/>
+        <p:nvPr/>
+      </p:nvGrpSpPr>
+      <p:grpSpPr>
+        <a:xfrm>
+          <a:off x="0" y="0"/>
+          <a:ext cx="0" cy="0"/>
+          <a:chOff x="0" y="0"/>
+          <a:chExt cx="0" cy="0"/>
+        </a:xfrm>
+      </p:grpSpPr>
+      <p:sp>
+        <p:nvSpPr>
+          <p:cNvPr id="2" name="Slide Image Placeholder 1"/>
+          <p:cNvSpPr>
+            <a:spLocks noGrp="1" noRot="1" noChangeAspect="1"/>
+          </p:cNvSpPr>
+          <p:nvPr>
+            <p:ph type="sldImg"/>
+          </p:nvPr>
+        </p:nvSpPr>
+        <p:spPr/>
+      </p:sp>
+      <p:sp>
+        <p:nvSpPr>
+          <p:cNvPr id="3" name="Notes Placeholder 2"/>
+          <p:cNvSpPr>
+            <a:spLocks noGrp="1"/>
+          </p:cNvSpPr>
+          <p:nvPr>
+            <p:ph type="body" idx="1"/>
+          </p:nvPr>
+        </p:nvSpPr>
+        <p:spPr/>
+        <p:txBody>
+          <a:bodyPr/>
+          <a:lstStyle/>
+          <a:p>
+            <a:endParaRPr lang="vi-VN" dirty="0"/>
+          </a:p>
+        </p:txBody>
+      </p:sp>
+      <p:sp>
+        <p:nvSpPr>
+          <p:cNvPr id="4" name="Slide Number Placeholder 3"/>
+          <p:cNvSpPr>
+            <a:spLocks noGrp="1"/>
+          </p:cNvSpPr>
+          <p:nvPr>
+            <p:ph type="sldNum" sz="quarter" idx="5"/>
+          </p:nvPr>
+        </p:nvSpPr>
+        <p:spPr/>
+        <p:txBody>
+          <a:bodyPr/>
+          <a:lstStyle/>
+          <a:p>
+            <a:fld id="{BF1434EF-918F-4A4D-98D1-563F3F7CA387}" type="slidenum">
+              <a:rPr lang="en-US" smtClean="0"/>
+              <a:t>98</a:t>
             </a:fld>
             <a:endParaRPr lang="en-US" dirty="0"/>
           </a:p>
@@ -9243,7 +9329,7 @@
           <a:p>
             <a:fld id="{6BAADE55-1DD3-44E1-A8C2-24E0E03344A6}" type="datetimeFigureOut">
               <a:rPr lang="en-US" smtClean="0"/>
-              <a:t>4/10/2022</a:t>
+              <a:t>4/15/2022</a:t>
             </a:fld>
             <a:endParaRPr lang="en-US" dirty="0"/>
           </a:p>
@@ -9413,7 +9499,7 @@
           <a:p>
             <a:fld id="{6BAADE55-1DD3-44E1-A8C2-24E0E03344A6}" type="datetimeFigureOut">
               <a:rPr lang="en-US" smtClean="0"/>
-              <a:t>4/10/2022</a:t>
+              <a:t>4/15/2022</a:t>
             </a:fld>
             <a:endParaRPr lang="en-US" dirty="0"/>
           </a:p>
@@ -9593,7 +9679,7 @@
           <a:p>
             <a:fld id="{6BAADE55-1DD3-44E1-A8C2-24E0E03344A6}" type="datetimeFigureOut">
               <a:rPr lang="en-US" smtClean="0"/>
-              <a:t>4/10/2022</a:t>
+              <a:t>4/15/2022</a:t>
             </a:fld>
             <a:endParaRPr lang="en-US" dirty="0"/>
           </a:p>
@@ -9763,7 +9849,7 @@
           <a:p>
             <a:fld id="{6BAADE55-1DD3-44E1-A8C2-24E0E03344A6}" type="datetimeFigureOut">
               <a:rPr lang="en-US" smtClean="0"/>
-              <a:t>4/10/2022</a:t>
+              <a:t>4/15/2022</a:t>
             </a:fld>
             <a:endParaRPr lang="en-US" dirty="0"/>
           </a:p>
@@ -10009,7 +10095,7 @@
           <a:p>
             <a:fld id="{6BAADE55-1DD3-44E1-A8C2-24E0E03344A6}" type="datetimeFigureOut">
               <a:rPr lang="en-US" smtClean="0"/>
-              <a:t>4/10/2022</a:t>
+              <a:t>4/15/2022</a:t>
             </a:fld>
             <a:endParaRPr lang="en-US" dirty="0"/>
           </a:p>
@@ -10241,7 +10327,7 @@
           <a:p>
             <a:fld id="{6BAADE55-1DD3-44E1-A8C2-24E0E03344A6}" type="datetimeFigureOut">
               <a:rPr lang="en-US" smtClean="0"/>
-              <a:t>4/10/2022</a:t>
+              <a:t>4/15/2022</a:t>
             </a:fld>
             <a:endParaRPr lang="en-US" dirty="0"/>
           </a:p>
@@ -10608,7 +10694,7 @@
           <a:p>
             <a:fld id="{6BAADE55-1DD3-44E1-A8C2-24E0E03344A6}" type="datetimeFigureOut">
               <a:rPr lang="en-US" smtClean="0"/>
-              <a:t>4/10/2022</a:t>
+              <a:t>4/15/2022</a:t>
             </a:fld>
             <a:endParaRPr lang="en-US" dirty="0"/>
           </a:p>
@@ -10726,7 +10812,7 @@
           <a:p>
             <a:fld id="{6BAADE55-1DD3-44E1-A8C2-24E0E03344A6}" type="datetimeFigureOut">
               <a:rPr lang="en-US" smtClean="0"/>
-              <a:t>4/10/2022</a:t>
+              <a:t>4/15/2022</a:t>
             </a:fld>
             <a:endParaRPr lang="en-US" dirty="0"/>
           </a:p>
@@ -10821,7 +10907,7 @@
           <a:p>
             <a:fld id="{6BAADE55-1DD3-44E1-A8C2-24E0E03344A6}" type="datetimeFigureOut">
               <a:rPr lang="en-US" smtClean="0"/>
-              <a:t>4/10/2022</a:t>
+              <a:t>4/15/2022</a:t>
             </a:fld>
             <a:endParaRPr lang="en-US" dirty="0"/>
           </a:p>
@@ -11098,7 +11184,7 @@
           <a:p>
             <a:fld id="{6BAADE55-1DD3-44E1-A8C2-24E0E03344A6}" type="datetimeFigureOut">
               <a:rPr lang="en-US" smtClean="0"/>
-              <a:t>4/10/2022</a:t>
+              <a:t>4/15/2022</a:t>
             </a:fld>
             <a:endParaRPr lang="en-US" dirty="0"/>
           </a:p>
@@ -11354,7 +11440,7 @@
           <a:p>
             <a:fld id="{6BAADE55-1DD3-44E1-A8C2-24E0E03344A6}" type="datetimeFigureOut">
               <a:rPr lang="en-US" smtClean="0"/>
-              <a:t>4/10/2022</a:t>
+              <a:t>4/15/2022</a:t>
             </a:fld>
             <a:endParaRPr lang="en-US" dirty="0"/>
           </a:p>
@@ -11573,7 +11659,7 @@
           <a:p>
             <a:fld id="{6BAADE55-1DD3-44E1-A8C2-24E0E03344A6}" type="datetimeFigureOut">
               <a:rPr lang="en-US" smtClean="0"/>
-              <a:t>4/10/2022</a:t>
+              <a:t>4/15/2022</a:t>
             </a:fld>
             <a:endParaRPr lang="en-US" dirty="0"/>
           </a:p>
@@ -44626,6 +44712,245 @@
         </p:nvSpPr>
         <p:spPr>
           <a:xfrm>
+            <a:off x="209267" y="4097899"/>
+            <a:ext cx="8725466" cy="830997"/>
+          </a:xfrm>
+          <a:prstGeom prst="rect">
+            <a:avLst/>
+          </a:prstGeom>
+          <a:noFill/>
+        </p:spPr>
+        <p:txBody>
+          <a:bodyPr wrap="none" rtlCol="0">
+            <a:spAutoFit/>
+          </a:bodyPr>
+          <a:lstStyle/>
+          <a:p>
+            <a:r>
+              <a:rPr lang="vi-VN" sz="4800" dirty="0">
+                <a:ln w="19050">
+                  <a:solidFill>
+                    <a:schemeClr val="tx1"/>
+                  </a:solidFill>
+                </a:ln>
+                <a:solidFill>
+                  <a:srgbClr val="FFFF00"/>
+                </a:solidFill>
+                <a:latin typeface="FVF Fernando 08" panose="02000507020000020003" pitchFamily="2" charset="0"/>
+              </a:rPr>
+              <a:t>Hex -&gt; Dec Color Code</a:t>
+            </a:r>
+            <a:endParaRPr lang="en-US" sz="4800" dirty="0">
+              <a:ln w="19050">
+                <a:solidFill>
+                  <a:schemeClr val="tx1"/>
+                </a:solidFill>
+              </a:ln>
+              <a:solidFill>
+                <a:srgbClr val="FFFF00"/>
+              </a:solidFill>
+              <a:latin typeface="FVF Fernando 08" panose="02000507020000020003" pitchFamily="2" charset="0"/>
+            </a:endParaRPr>
+          </a:p>
+        </p:txBody>
+      </p:sp>
+      <p:pic>
+        <p:nvPicPr>
+          <p:cNvPr id="14" name="Picture 13">
+            <a:extLst>
+              <a:ext uri="{FF2B5EF4-FFF2-40B4-BE49-F238E27FC236}">
+                <a16:creationId xmlns:a16="http://schemas.microsoft.com/office/drawing/2014/main" id="{E2D411D6-C028-4F7B-96FB-CC2855017620}"/>
+              </a:ext>
+            </a:extLst>
+          </p:cNvPr>
+          <p:cNvPicPr>
+            <a:picLocks noChangeAspect="1"/>
+          </p:cNvPicPr>
+          <p:nvPr/>
+        </p:nvPicPr>
+        <p:blipFill>
+          <a:blip r:embed="rId3">
+            <a:extLst>
+              <a:ext uri="{28A0092B-C50C-407E-A947-70E740481C1C}">
+                <a14:useLocalDpi xmlns:a14="http://schemas.microsoft.com/office/drawing/2010/main" val="0"/>
+              </a:ext>
+            </a:extLst>
+          </a:blip>
+          <a:srcRect/>
+          <a:stretch/>
+        </p:blipFill>
+        <p:spPr>
+          <a:xfrm>
+            <a:off x="7675990" y="30481"/>
+            <a:ext cx="1490870" cy="1490870"/>
+          </a:xfrm>
+          <a:prstGeom prst="rect">
+            <a:avLst/>
+          </a:prstGeom>
+          <a:ln w="19050">
+            <a:noFill/>
+          </a:ln>
+          <a:effectLst>
+            <a:outerShdw blurRad="63500" sx="104000" sy="104000" algn="ctr" rotWithShape="0">
+              <a:srgbClr val="FFFF00"/>
+            </a:outerShdw>
+          </a:effectLst>
+        </p:spPr>
+      </p:pic>
+      <p:pic>
+        <p:nvPicPr>
+          <p:cNvPr id="4" name="Picture 3">
+            <a:extLst>
+              <a:ext uri="{FF2B5EF4-FFF2-40B4-BE49-F238E27FC236}">
+                <a16:creationId xmlns:a16="http://schemas.microsoft.com/office/drawing/2014/main" id="{758D7E54-5B34-4EEC-86B0-35ACC0F3CD63}"/>
+              </a:ext>
+            </a:extLst>
+          </p:cNvPr>
+          <p:cNvPicPr>
+            <a:picLocks noChangeAspect="1"/>
+          </p:cNvPicPr>
+          <p:nvPr/>
+        </p:nvPicPr>
+        <p:blipFill>
+          <a:blip r:embed="rId4"/>
+          <a:stretch>
+            <a:fillRect/>
+          </a:stretch>
+        </p:blipFill>
+        <p:spPr>
+          <a:xfrm>
+            <a:off x="1434298" y="862016"/>
+            <a:ext cx="2516469" cy="2710044"/>
+          </a:xfrm>
+          <a:prstGeom prst="rect">
+            <a:avLst/>
+          </a:prstGeom>
+        </p:spPr>
+      </p:pic>
+      <p:pic>
+        <p:nvPicPr>
+          <p:cNvPr id="7" name="Picture 6">
+            <a:extLst>
+              <a:ext uri="{FF2B5EF4-FFF2-40B4-BE49-F238E27FC236}">
+                <a16:creationId xmlns:a16="http://schemas.microsoft.com/office/drawing/2014/main" id="{C3FA80FA-A031-4BC6-ACBB-15FF405278B9}"/>
+              </a:ext>
+            </a:extLst>
+          </p:cNvPr>
+          <p:cNvPicPr>
+            <a:picLocks noChangeAspect="1"/>
+          </p:cNvPicPr>
+          <p:nvPr/>
+        </p:nvPicPr>
+        <p:blipFill>
+          <a:blip r:embed="rId5"/>
+          <a:stretch>
+            <a:fillRect/>
+          </a:stretch>
+        </p:blipFill>
+        <p:spPr>
+          <a:xfrm>
+            <a:off x="5193235" y="1765832"/>
+            <a:ext cx="2289702" cy="902412"/>
+          </a:xfrm>
+          <a:prstGeom prst="rect">
+            <a:avLst/>
+          </a:prstGeom>
+        </p:spPr>
+      </p:pic>
+      <p:sp>
+        <p:nvSpPr>
+          <p:cNvPr id="8" name="Arrow: Right 7">
+            <a:extLst>
+              <a:ext uri="{FF2B5EF4-FFF2-40B4-BE49-F238E27FC236}">
+                <a16:creationId xmlns:a16="http://schemas.microsoft.com/office/drawing/2014/main" id="{578FA8B2-6216-4C50-922F-3AE99D8A55ED}"/>
+              </a:ext>
+            </a:extLst>
+          </p:cNvPr>
+          <p:cNvSpPr/>
+          <p:nvPr/>
+        </p:nvSpPr>
+        <p:spPr>
+          <a:xfrm>
+            <a:off x="4167151" y="1996324"/>
+            <a:ext cx="949301" cy="453710"/>
+          </a:xfrm>
+          <a:prstGeom prst="rightArrow">
+            <a:avLst/>
+          </a:prstGeom>
+          <a:solidFill>
+            <a:srgbClr val="FFFF00"/>
+          </a:solidFill>
+          <a:ln>
+            <a:noFill/>
+          </a:ln>
+        </p:spPr>
+        <p:style>
+          <a:lnRef idx="2">
+            <a:schemeClr val="accent6"/>
+          </a:lnRef>
+          <a:fillRef idx="1">
+            <a:schemeClr val="lt1"/>
+          </a:fillRef>
+          <a:effectRef idx="0">
+            <a:schemeClr val="accent6"/>
+          </a:effectRef>
+          <a:fontRef idx="minor">
+            <a:schemeClr val="dk1"/>
+          </a:fontRef>
+        </p:style>
+        <p:txBody>
+          <a:bodyPr rtlCol="0" anchor="ctr"/>
+          <a:lstStyle/>
+          <a:p>
+            <a:pPr algn="ctr"/>
+            <a:endParaRPr lang="en-US" dirty="0"/>
+          </a:p>
+        </p:txBody>
+      </p:sp>
+    </p:spTree>
+    <p:extLst>
+      <p:ext uri="{BB962C8B-B14F-4D97-AF65-F5344CB8AC3E}">
+        <p14:creationId xmlns:p14="http://schemas.microsoft.com/office/powerpoint/2010/main" val="1479140166"/>
+      </p:ext>
+    </p:extLst>
+  </p:cSld>
+  <p:clrMapOvr>
+    <a:masterClrMapping/>
+  </p:clrMapOvr>
+</p:sld>
+</file>
+
+<file path=ppt/slides/slide96.xml><?xml version="1.0" encoding="utf-8"?>
+<p:sld xmlns:a="http://schemas.openxmlformats.org/drawingml/2006/main" xmlns:r="http://schemas.openxmlformats.org/officeDocument/2006/relationships" xmlns:p="http://schemas.openxmlformats.org/presentationml/2006/main">
+  <p:cSld>
+    <p:spTree>
+      <p:nvGrpSpPr>
+        <p:cNvPr id="1" name=""/>
+        <p:cNvGrpSpPr/>
+        <p:nvPr/>
+      </p:nvGrpSpPr>
+      <p:grpSpPr>
+        <a:xfrm>
+          <a:off x="0" y="0"/>
+          <a:ext cx="0" cy="0"/>
+          <a:chOff x="0" y="0"/>
+          <a:chExt cx="0" cy="0"/>
+        </a:xfrm>
+      </p:grpSpPr>
+      <p:sp>
+        <p:nvSpPr>
+          <p:cNvPr id="11" name="TextBox 10">
+            <a:extLst>
+              <a:ext uri="{FF2B5EF4-FFF2-40B4-BE49-F238E27FC236}">
+                <a16:creationId xmlns:a16="http://schemas.microsoft.com/office/drawing/2014/main" id="{49A7B9B6-8455-43BE-8670-E01CE03933DF}"/>
+              </a:ext>
+            </a:extLst>
+          </p:cNvPr>
+          <p:cNvSpPr txBox="1"/>
+          <p:nvPr/>
+        </p:nvSpPr>
+        <p:spPr>
+          <a:xfrm>
             <a:off x="1834712" y="3858413"/>
             <a:ext cx="5474576" cy="1015663"/>
           </a:xfrm>
@@ -44749,7 +45074,7 @@
 </p:sld>
 </file>
 
-<file path=ppt/slides/slide96.xml><?xml version="1.0" encoding="utf-8"?>
+<file path=ppt/slides/slide97.xml><?xml version="1.0" encoding="utf-8"?>
 <p:sld xmlns:a="http://schemas.openxmlformats.org/drawingml/2006/main" xmlns:r="http://schemas.openxmlformats.org/officeDocument/2006/relationships" xmlns:p="http://schemas.openxmlformats.org/presentationml/2006/main">
   <p:cSld>
     <p:spTree>
@@ -44897,7 +45222,7 @@
 </p:sld>
 </file>
 
-<file path=ppt/slides/slide97.xml><?xml version="1.0" encoding="utf-8"?>
+<file path=ppt/slides/slide98.xml><?xml version="1.0" encoding="utf-8"?>
 <p:sld xmlns:a="http://schemas.openxmlformats.org/drawingml/2006/main" xmlns:r="http://schemas.openxmlformats.org/officeDocument/2006/relationships" xmlns:p="http://schemas.openxmlformats.org/presentationml/2006/main">
   <p:cSld>
     <p:spTree>

--- a/assets/media/thumbnail/template.pptx
+++ b/assets/media/thumbnail/template.pptx
@@ -5,7 +5,7 @@
     <p:sldMasterId id="2147483660" r:id="rId1"/>
   </p:sldMasterIdLst>
   <p:notesMasterIdLst>
-    <p:notesMasterId r:id="rId100"/>
+    <p:notesMasterId r:id="rId102"/>
   </p:notesMasterIdLst>
   <p:sldIdLst>
     <p:sldId id="259" r:id="rId2"/>
@@ -75,37 +75,39 @@
     <p:sldId id="322" r:id="rId66"/>
     <p:sldId id="323" r:id="rId67"/>
     <p:sldId id="325" r:id="rId68"/>
-    <p:sldId id="324" r:id="rId69"/>
-    <p:sldId id="326" r:id="rId70"/>
-    <p:sldId id="327" r:id="rId71"/>
-    <p:sldId id="328" r:id="rId72"/>
-    <p:sldId id="329" r:id="rId73"/>
-    <p:sldId id="330" r:id="rId74"/>
-    <p:sldId id="331" r:id="rId75"/>
-    <p:sldId id="345" r:id="rId76"/>
-    <p:sldId id="335" r:id="rId77"/>
-    <p:sldId id="336" r:id="rId78"/>
-    <p:sldId id="337" r:id="rId79"/>
-    <p:sldId id="338" r:id="rId80"/>
-    <p:sldId id="340" r:id="rId81"/>
-    <p:sldId id="341" r:id="rId82"/>
-    <p:sldId id="339" r:id="rId83"/>
-    <p:sldId id="342" r:id="rId84"/>
-    <p:sldId id="348" r:id="rId85"/>
-    <p:sldId id="343" r:id="rId86"/>
-    <p:sldId id="344" r:id="rId87"/>
-    <p:sldId id="356" r:id="rId88"/>
-    <p:sldId id="346" r:id="rId89"/>
-    <p:sldId id="347" r:id="rId90"/>
-    <p:sldId id="351" r:id="rId91"/>
-    <p:sldId id="352" r:id="rId92"/>
-    <p:sldId id="353" r:id="rId93"/>
-    <p:sldId id="354" r:id="rId94"/>
-    <p:sldId id="355" r:id="rId95"/>
-    <p:sldId id="357" r:id="rId96"/>
-    <p:sldId id="349" r:id="rId97"/>
-    <p:sldId id="350" r:id="rId98"/>
-    <p:sldId id="332" r:id="rId99"/>
+    <p:sldId id="359" r:id="rId69"/>
+    <p:sldId id="324" r:id="rId70"/>
+    <p:sldId id="326" r:id="rId71"/>
+    <p:sldId id="327" r:id="rId72"/>
+    <p:sldId id="328" r:id="rId73"/>
+    <p:sldId id="329" r:id="rId74"/>
+    <p:sldId id="330" r:id="rId75"/>
+    <p:sldId id="331" r:id="rId76"/>
+    <p:sldId id="345" r:id="rId77"/>
+    <p:sldId id="335" r:id="rId78"/>
+    <p:sldId id="336" r:id="rId79"/>
+    <p:sldId id="337" r:id="rId80"/>
+    <p:sldId id="338" r:id="rId81"/>
+    <p:sldId id="340" r:id="rId82"/>
+    <p:sldId id="341" r:id="rId83"/>
+    <p:sldId id="339" r:id="rId84"/>
+    <p:sldId id="347" r:id="rId85"/>
+    <p:sldId id="342" r:id="rId86"/>
+    <p:sldId id="348" r:id="rId87"/>
+    <p:sldId id="343" r:id="rId88"/>
+    <p:sldId id="344" r:id="rId89"/>
+    <p:sldId id="356" r:id="rId90"/>
+    <p:sldId id="346" r:id="rId91"/>
+    <p:sldId id="358" r:id="rId92"/>
+    <p:sldId id="351" r:id="rId93"/>
+    <p:sldId id="352" r:id="rId94"/>
+    <p:sldId id="353" r:id="rId95"/>
+    <p:sldId id="354" r:id="rId96"/>
+    <p:sldId id="355" r:id="rId97"/>
+    <p:sldId id="357" r:id="rId98"/>
+    <p:sldId id="349" r:id="rId99"/>
+    <p:sldId id="350" r:id="rId100"/>
+    <p:sldId id="332" r:id="rId101"/>
   </p:sldIdLst>
   <p:sldSz cx="9144000" cy="5143500" type="screen16x9"/>
   <p:notesSz cx="6858000" cy="9144000"/>
@@ -276,6 +278,7 @@
             <p14:sldId id="322"/>
             <p14:sldId id="323"/>
             <p14:sldId id="325"/>
+            <p14:sldId id="359"/>
             <p14:sldId id="324"/>
             <p14:sldId id="326"/>
             <p14:sldId id="327"/>
@@ -295,13 +298,14 @@
             <p14:sldId id="340"/>
             <p14:sldId id="341"/>
             <p14:sldId id="339"/>
+            <p14:sldId id="347"/>
             <p14:sldId id="342"/>
             <p14:sldId id="348"/>
             <p14:sldId id="343"/>
             <p14:sldId id="344"/>
             <p14:sldId id="356"/>
             <p14:sldId id="346"/>
-            <p14:sldId id="347"/>
+            <p14:sldId id="358"/>
           </p14:sldIdLst>
         </p14:section>
         <p14:section name="Thông tin liên quan" id="{CD6A83CE-D8E8-425A-8590-7E36356EE3E0}">
@@ -432,7 +436,7 @@
           <a:p>
             <a:fld id="{DAF7419A-5719-4DB0-801F-AE25AB2C4835}" type="datetimeFigureOut">
               <a:rPr lang="en-US" smtClean="0"/>
-              <a:t>4/15/2022</a:t>
+              <a:t>4/23/2022</a:t>
             </a:fld>
             <a:endParaRPr lang="en-US" dirty="0"/>
           </a:p>
@@ -873,6 +877,90 @@
 </p:notes>
 </file>
 
+<file path=ppt/notesSlides/notesSlide100.xml><?xml version="1.0" encoding="utf-8"?>
+<p:notes xmlns:a="http://schemas.openxmlformats.org/drawingml/2006/main" xmlns:r="http://schemas.openxmlformats.org/officeDocument/2006/relationships" xmlns:p="http://schemas.openxmlformats.org/presentationml/2006/main">
+  <p:cSld>
+    <p:spTree>
+      <p:nvGrpSpPr>
+        <p:cNvPr id="1" name=""/>
+        <p:cNvGrpSpPr/>
+        <p:nvPr/>
+      </p:nvGrpSpPr>
+      <p:grpSpPr>
+        <a:xfrm>
+          <a:off x="0" y="0"/>
+          <a:ext cx="0" cy="0"/>
+          <a:chOff x="0" y="0"/>
+          <a:chExt cx="0" cy="0"/>
+        </a:xfrm>
+      </p:grpSpPr>
+      <p:sp>
+        <p:nvSpPr>
+          <p:cNvPr id="2" name="Slide Image Placeholder 1"/>
+          <p:cNvSpPr>
+            <a:spLocks noGrp="1" noRot="1" noChangeAspect="1"/>
+          </p:cNvSpPr>
+          <p:nvPr>
+            <p:ph type="sldImg"/>
+          </p:nvPr>
+        </p:nvSpPr>
+        <p:spPr/>
+      </p:sp>
+      <p:sp>
+        <p:nvSpPr>
+          <p:cNvPr id="3" name="Notes Placeholder 2"/>
+          <p:cNvSpPr>
+            <a:spLocks noGrp="1"/>
+          </p:cNvSpPr>
+          <p:nvPr>
+            <p:ph type="body" idx="1"/>
+          </p:nvPr>
+        </p:nvSpPr>
+        <p:spPr/>
+        <p:txBody>
+          <a:bodyPr/>
+          <a:lstStyle/>
+          <a:p>
+            <a:endParaRPr lang="vi-VN" dirty="0"/>
+          </a:p>
+        </p:txBody>
+      </p:sp>
+      <p:sp>
+        <p:nvSpPr>
+          <p:cNvPr id="4" name="Slide Number Placeholder 3"/>
+          <p:cNvSpPr>
+            <a:spLocks noGrp="1"/>
+          </p:cNvSpPr>
+          <p:nvPr>
+            <p:ph type="sldNum" sz="quarter" idx="5"/>
+          </p:nvPr>
+        </p:nvSpPr>
+        <p:spPr/>
+        <p:txBody>
+          <a:bodyPr/>
+          <a:lstStyle/>
+          <a:p>
+            <a:fld id="{BF1434EF-918F-4A4D-98D1-563F3F7CA387}" type="slidenum">
+              <a:rPr lang="en-US" smtClean="0"/>
+              <a:t>100</a:t>
+            </a:fld>
+            <a:endParaRPr lang="en-US" dirty="0"/>
+          </a:p>
+        </p:txBody>
+      </p:sp>
+    </p:spTree>
+    <p:extLst>
+      <p:ext uri="{BB962C8B-B14F-4D97-AF65-F5344CB8AC3E}">
+        <p14:creationId xmlns:p14="http://schemas.microsoft.com/office/powerpoint/2010/main" val="3986409411"/>
+      </p:ext>
+    </p:extLst>
+  </p:cSld>
+  <p:clrMapOvr>
+    <a:masterClrMapping/>
+  </p:clrMapOvr>
+</p:notes>
+</file>
+
 <file path=ppt/notesSlides/notesSlide11.xml><?xml version="1.0" encoding="utf-8"?>
 <p:notes xmlns:a="http://schemas.openxmlformats.org/drawingml/2006/main" xmlns:r="http://schemas.openxmlformats.org/officeDocument/2006/relationships" xmlns:p="http://schemas.openxmlformats.org/presentationml/2006/main">
   <p:cSld>
@@ -6344,7 +6432,7 @@
     </p:spTree>
     <p:extLst>
       <p:ext uri="{BB962C8B-B14F-4D97-AF65-F5344CB8AC3E}">
-        <p14:creationId xmlns:p14="http://schemas.microsoft.com/office/powerpoint/2010/main" val="2335092722"/>
+        <p14:creationId xmlns:p14="http://schemas.microsoft.com/office/powerpoint/2010/main" val="431653344"/>
       </p:ext>
     </p:extLst>
   </p:cSld>
@@ -6431,7 +6519,7 @@
     </p:spTree>
     <p:extLst>
       <p:ext uri="{BB962C8B-B14F-4D97-AF65-F5344CB8AC3E}">
-        <p14:creationId xmlns:p14="http://schemas.microsoft.com/office/powerpoint/2010/main" val="1312705917"/>
+        <p14:creationId xmlns:p14="http://schemas.microsoft.com/office/powerpoint/2010/main" val="2335092722"/>
       </p:ext>
     </p:extLst>
   </p:cSld>
@@ -6605,7 +6693,7 @@
     </p:spTree>
     <p:extLst>
       <p:ext uri="{BB962C8B-B14F-4D97-AF65-F5344CB8AC3E}">
-        <p14:creationId xmlns:p14="http://schemas.microsoft.com/office/powerpoint/2010/main" val="1785637746"/>
+        <p14:creationId xmlns:p14="http://schemas.microsoft.com/office/powerpoint/2010/main" val="1312705917"/>
       </p:ext>
     </p:extLst>
   </p:cSld>
@@ -6692,7 +6780,7 @@
     </p:spTree>
     <p:extLst>
       <p:ext uri="{BB962C8B-B14F-4D97-AF65-F5344CB8AC3E}">
-        <p14:creationId xmlns:p14="http://schemas.microsoft.com/office/powerpoint/2010/main" val="3392797855"/>
+        <p14:creationId xmlns:p14="http://schemas.microsoft.com/office/powerpoint/2010/main" val="1785637746"/>
       </p:ext>
     </p:extLst>
   </p:cSld>
@@ -6779,7 +6867,7 @@
     </p:spTree>
     <p:extLst>
       <p:ext uri="{BB962C8B-B14F-4D97-AF65-F5344CB8AC3E}">
-        <p14:creationId xmlns:p14="http://schemas.microsoft.com/office/powerpoint/2010/main" val="832370733"/>
+        <p14:creationId xmlns:p14="http://schemas.microsoft.com/office/powerpoint/2010/main" val="3392797855"/>
       </p:ext>
     </p:extLst>
   </p:cSld>
@@ -6866,7 +6954,7 @@
     </p:spTree>
     <p:extLst>
       <p:ext uri="{BB962C8B-B14F-4D97-AF65-F5344CB8AC3E}">
-        <p14:creationId xmlns:p14="http://schemas.microsoft.com/office/powerpoint/2010/main" val="937602996"/>
+        <p14:creationId xmlns:p14="http://schemas.microsoft.com/office/powerpoint/2010/main" val="832370733"/>
       </p:ext>
     </p:extLst>
   </p:cSld>
@@ -6953,7 +7041,7 @@
     </p:spTree>
     <p:extLst>
       <p:ext uri="{BB962C8B-B14F-4D97-AF65-F5344CB8AC3E}">
-        <p14:creationId xmlns:p14="http://schemas.microsoft.com/office/powerpoint/2010/main" val="3980041424"/>
+        <p14:creationId xmlns:p14="http://schemas.microsoft.com/office/powerpoint/2010/main" val="937602996"/>
       </p:ext>
     </p:extLst>
   </p:cSld>
@@ -7040,7 +7128,7 @@
     </p:spTree>
     <p:extLst>
       <p:ext uri="{BB962C8B-B14F-4D97-AF65-F5344CB8AC3E}">
-        <p14:creationId xmlns:p14="http://schemas.microsoft.com/office/powerpoint/2010/main" val="3971005304"/>
+        <p14:creationId xmlns:p14="http://schemas.microsoft.com/office/powerpoint/2010/main" val="3980041424"/>
       </p:ext>
     </p:extLst>
   </p:cSld>
@@ -7127,7 +7215,7 @@
     </p:spTree>
     <p:extLst>
       <p:ext uri="{BB962C8B-B14F-4D97-AF65-F5344CB8AC3E}">
-        <p14:creationId xmlns:p14="http://schemas.microsoft.com/office/powerpoint/2010/main" val="3799727254"/>
+        <p14:creationId xmlns:p14="http://schemas.microsoft.com/office/powerpoint/2010/main" val="3971005304"/>
       </p:ext>
     </p:extLst>
   </p:cSld>
@@ -7214,7 +7302,7 @@
     </p:spTree>
     <p:extLst>
       <p:ext uri="{BB962C8B-B14F-4D97-AF65-F5344CB8AC3E}">
-        <p14:creationId xmlns:p14="http://schemas.microsoft.com/office/powerpoint/2010/main" val="700827759"/>
+        <p14:creationId xmlns:p14="http://schemas.microsoft.com/office/powerpoint/2010/main" val="3799727254"/>
       </p:ext>
     </p:extLst>
   </p:cSld>
@@ -7301,7 +7389,7 @@
     </p:spTree>
     <p:extLst>
       <p:ext uri="{BB962C8B-B14F-4D97-AF65-F5344CB8AC3E}">
-        <p14:creationId xmlns:p14="http://schemas.microsoft.com/office/powerpoint/2010/main" val="3386018326"/>
+        <p14:creationId xmlns:p14="http://schemas.microsoft.com/office/powerpoint/2010/main" val="700827759"/>
       </p:ext>
     </p:extLst>
   </p:cSld>
@@ -7388,7 +7476,7 @@
     </p:spTree>
     <p:extLst>
       <p:ext uri="{BB962C8B-B14F-4D97-AF65-F5344CB8AC3E}">
-        <p14:creationId xmlns:p14="http://schemas.microsoft.com/office/powerpoint/2010/main" val="4160672596"/>
+        <p14:creationId xmlns:p14="http://schemas.microsoft.com/office/powerpoint/2010/main" val="3386018326"/>
       </p:ext>
     </p:extLst>
   </p:cSld>
@@ -7562,7 +7650,7 @@
     </p:spTree>
     <p:extLst>
       <p:ext uri="{BB962C8B-B14F-4D97-AF65-F5344CB8AC3E}">
-        <p14:creationId xmlns:p14="http://schemas.microsoft.com/office/powerpoint/2010/main" val="3393828665"/>
+        <p14:creationId xmlns:p14="http://schemas.microsoft.com/office/powerpoint/2010/main" val="4160672596"/>
       </p:ext>
     </p:extLst>
   </p:cSld>
@@ -7649,7 +7737,7 @@
     </p:spTree>
     <p:extLst>
       <p:ext uri="{BB962C8B-B14F-4D97-AF65-F5344CB8AC3E}">
-        <p14:creationId xmlns:p14="http://schemas.microsoft.com/office/powerpoint/2010/main" val="990587759"/>
+        <p14:creationId xmlns:p14="http://schemas.microsoft.com/office/powerpoint/2010/main" val="3393828665"/>
       </p:ext>
     </p:extLst>
   </p:cSld>
@@ -7736,7 +7824,7 @@
     </p:spTree>
     <p:extLst>
       <p:ext uri="{BB962C8B-B14F-4D97-AF65-F5344CB8AC3E}">
-        <p14:creationId xmlns:p14="http://schemas.microsoft.com/office/powerpoint/2010/main" val="4172828660"/>
+        <p14:creationId xmlns:p14="http://schemas.microsoft.com/office/powerpoint/2010/main" val="990587759"/>
       </p:ext>
     </p:extLst>
   </p:cSld>
@@ -7823,7 +7911,7 @@
     </p:spTree>
     <p:extLst>
       <p:ext uri="{BB962C8B-B14F-4D97-AF65-F5344CB8AC3E}">
-        <p14:creationId xmlns:p14="http://schemas.microsoft.com/office/powerpoint/2010/main" val="516383350"/>
+        <p14:creationId xmlns:p14="http://schemas.microsoft.com/office/powerpoint/2010/main" val="4172828660"/>
       </p:ext>
     </p:extLst>
   </p:cSld>
@@ -7910,7 +7998,7 @@
     </p:spTree>
     <p:extLst>
       <p:ext uri="{BB962C8B-B14F-4D97-AF65-F5344CB8AC3E}">
-        <p14:creationId xmlns:p14="http://schemas.microsoft.com/office/powerpoint/2010/main" val="4228443951"/>
+        <p14:creationId xmlns:p14="http://schemas.microsoft.com/office/powerpoint/2010/main" val="3603436678"/>
       </p:ext>
     </p:extLst>
   </p:cSld>
@@ -7997,7 +8085,7 @@
     </p:spTree>
     <p:extLst>
       <p:ext uri="{BB962C8B-B14F-4D97-AF65-F5344CB8AC3E}">
-        <p14:creationId xmlns:p14="http://schemas.microsoft.com/office/powerpoint/2010/main" val="1964088912"/>
+        <p14:creationId xmlns:p14="http://schemas.microsoft.com/office/powerpoint/2010/main" val="516383350"/>
       </p:ext>
     </p:extLst>
   </p:cSld>
@@ -8084,7 +8172,7 @@
     </p:spTree>
     <p:extLst>
       <p:ext uri="{BB962C8B-B14F-4D97-AF65-F5344CB8AC3E}">
-        <p14:creationId xmlns:p14="http://schemas.microsoft.com/office/powerpoint/2010/main" val="2947646057"/>
+        <p14:creationId xmlns:p14="http://schemas.microsoft.com/office/powerpoint/2010/main" val="4228443951"/>
       </p:ext>
     </p:extLst>
   </p:cSld>
@@ -8171,7 +8259,7 @@
     </p:spTree>
     <p:extLst>
       <p:ext uri="{BB962C8B-B14F-4D97-AF65-F5344CB8AC3E}">
-        <p14:creationId xmlns:p14="http://schemas.microsoft.com/office/powerpoint/2010/main" val="3497460052"/>
+        <p14:creationId xmlns:p14="http://schemas.microsoft.com/office/powerpoint/2010/main" val="1964088912"/>
       </p:ext>
     </p:extLst>
   </p:cSld>
@@ -8258,7 +8346,7 @@
     </p:spTree>
     <p:extLst>
       <p:ext uri="{BB962C8B-B14F-4D97-AF65-F5344CB8AC3E}">
-        <p14:creationId xmlns:p14="http://schemas.microsoft.com/office/powerpoint/2010/main" val="927399378"/>
+        <p14:creationId xmlns:p14="http://schemas.microsoft.com/office/powerpoint/2010/main" val="2947646057"/>
       </p:ext>
     </p:extLst>
   </p:cSld>
@@ -8345,7 +8433,7 @@
     </p:spTree>
     <p:extLst>
       <p:ext uri="{BB962C8B-B14F-4D97-AF65-F5344CB8AC3E}">
-        <p14:creationId xmlns:p14="http://schemas.microsoft.com/office/powerpoint/2010/main" val="3603436678"/>
+        <p14:creationId xmlns:p14="http://schemas.microsoft.com/office/powerpoint/2010/main" val="3497460052"/>
       </p:ext>
     </p:extLst>
   </p:cSld>
@@ -8486,7 +8574,10 @@
           <a:bodyPr/>
           <a:lstStyle/>
           <a:p>
-            <a:endParaRPr lang="vi-VN" dirty="0"/>
+            <a:r>
+              <a:rPr lang="vi-VN" dirty="0"/>
+              <a:t>/?</a:t>
+            </a:r>
           </a:p>
         </p:txBody>
       </p:sp>
@@ -8516,7 +8607,7 @@
     </p:spTree>
     <p:extLst>
       <p:ext uri="{BB962C8B-B14F-4D97-AF65-F5344CB8AC3E}">
-        <p14:creationId xmlns:p14="http://schemas.microsoft.com/office/powerpoint/2010/main" val="1580828146"/>
+        <p14:creationId xmlns:p14="http://schemas.microsoft.com/office/powerpoint/2010/main" val="927399378"/>
       </p:ext>
     </p:extLst>
   </p:cSld>
@@ -8570,7 +8661,10 @@
           <a:bodyPr/>
           <a:lstStyle/>
           <a:p>
-            <a:endParaRPr lang="vi-VN" dirty="0"/>
+            <a:r>
+              <a:rPr lang="vi-VN" dirty="0"/>
+              <a:t>/?</a:t>
+            </a:r>
           </a:p>
         </p:txBody>
       </p:sp>
@@ -8600,7 +8694,7 @@
     </p:spTree>
     <p:extLst>
       <p:ext uri="{BB962C8B-B14F-4D97-AF65-F5344CB8AC3E}">
-        <p14:creationId xmlns:p14="http://schemas.microsoft.com/office/powerpoint/2010/main" val="880678517"/>
+        <p14:creationId xmlns:p14="http://schemas.microsoft.com/office/powerpoint/2010/main" val="4263109715"/>
       </p:ext>
     </p:extLst>
   </p:cSld>
@@ -8684,7 +8778,7 @@
     </p:spTree>
     <p:extLst>
       <p:ext uri="{BB962C8B-B14F-4D97-AF65-F5344CB8AC3E}">
-        <p14:creationId xmlns:p14="http://schemas.microsoft.com/office/powerpoint/2010/main" val="3795521162"/>
+        <p14:creationId xmlns:p14="http://schemas.microsoft.com/office/powerpoint/2010/main" val="1580828146"/>
       </p:ext>
     </p:extLst>
   </p:cSld>
@@ -8768,7 +8862,7 @@
     </p:spTree>
     <p:extLst>
       <p:ext uri="{BB962C8B-B14F-4D97-AF65-F5344CB8AC3E}">
-        <p14:creationId xmlns:p14="http://schemas.microsoft.com/office/powerpoint/2010/main" val="232954569"/>
+        <p14:creationId xmlns:p14="http://schemas.microsoft.com/office/powerpoint/2010/main" val="880678517"/>
       </p:ext>
     </p:extLst>
   </p:cSld>
@@ -8852,7 +8946,7 @@
     </p:spTree>
     <p:extLst>
       <p:ext uri="{BB962C8B-B14F-4D97-AF65-F5344CB8AC3E}">
-        <p14:creationId xmlns:p14="http://schemas.microsoft.com/office/powerpoint/2010/main" val="3301698305"/>
+        <p14:creationId xmlns:p14="http://schemas.microsoft.com/office/powerpoint/2010/main" val="3795521162"/>
       </p:ext>
     </p:extLst>
   </p:cSld>
@@ -8936,7 +9030,7 @@
     </p:spTree>
     <p:extLst>
       <p:ext uri="{BB962C8B-B14F-4D97-AF65-F5344CB8AC3E}">
-        <p14:creationId xmlns:p14="http://schemas.microsoft.com/office/powerpoint/2010/main" val="397470668"/>
+        <p14:creationId xmlns:p14="http://schemas.microsoft.com/office/powerpoint/2010/main" val="232954569"/>
       </p:ext>
     </p:extLst>
   </p:cSld>
@@ -9020,7 +9114,7 @@
     </p:spTree>
     <p:extLst>
       <p:ext uri="{BB962C8B-B14F-4D97-AF65-F5344CB8AC3E}">
-        <p14:creationId xmlns:p14="http://schemas.microsoft.com/office/powerpoint/2010/main" val="418430412"/>
+        <p14:creationId xmlns:p14="http://schemas.microsoft.com/office/powerpoint/2010/main" val="3301698305"/>
       </p:ext>
     </p:extLst>
   </p:cSld>
@@ -9104,7 +9198,7 @@
     </p:spTree>
     <p:extLst>
       <p:ext uri="{BB962C8B-B14F-4D97-AF65-F5344CB8AC3E}">
-        <p14:creationId xmlns:p14="http://schemas.microsoft.com/office/powerpoint/2010/main" val="2087517936"/>
+        <p14:creationId xmlns:p14="http://schemas.microsoft.com/office/powerpoint/2010/main" val="397470668"/>
       </p:ext>
     </p:extLst>
   </p:cSld>
@@ -9188,7 +9282,91 @@
     </p:spTree>
     <p:extLst>
       <p:ext uri="{BB962C8B-B14F-4D97-AF65-F5344CB8AC3E}">
-        <p14:creationId xmlns:p14="http://schemas.microsoft.com/office/powerpoint/2010/main" val="3986409411"/>
+        <p14:creationId xmlns:p14="http://schemas.microsoft.com/office/powerpoint/2010/main" val="418430412"/>
+      </p:ext>
+    </p:extLst>
+  </p:cSld>
+  <p:clrMapOvr>
+    <a:masterClrMapping/>
+  </p:clrMapOvr>
+</p:notes>
+</file>
+
+<file path=ppt/notesSlides/notesSlide99.xml><?xml version="1.0" encoding="utf-8"?>
+<p:notes xmlns:a="http://schemas.openxmlformats.org/drawingml/2006/main" xmlns:r="http://schemas.openxmlformats.org/officeDocument/2006/relationships" xmlns:p="http://schemas.openxmlformats.org/presentationml/2006/main">
+  <p:cSld>
+    <p:spTree>
+      <p:nvGrpSpPr>
+        <p:cNvPr id="1" name=""/>
+        <p:cNvGrpSpPr/>
+        <p:nvPr/>
+      </p:nvGrpSpPr>
+      <p:grpSpPr>
+        <a:xfrm>
+          <a:off x="0" y="0"/>
+          <a:ext cx="0" cy="0"/>
+          <a:chOff x="0" y="0"/>
+          <a:chExt cx="0" cy="0"/>
+        </a:xfrm>
+      </p:grpSpPr>
+      <p:sp>
+        <p:nvSpPr>
+          <p:cNvPr id="2" name="Slide Image Placeholder 1"/>
+          <p:cNvSpPr>
+            <a:spLocks noGrp="1" noRot="1" noChangeAspect="1"/>
+          </p:cNvSpPr>
+          <p:nvPr>
+            <p:ph type="sldImg"/>
+          </p:nvPr>
+        </p:nvSpPr>
+        <p:spPr/>
+      </p:sp>
+      <p:sp>
+        <p:nvSpPr>
+          <p:cNvPr id="3" name="Notes Placeholder 2"/>
+          <p:cNvSpPr>
+            <a:spLocks noGrp="1"/>
+          </p:cNvSpPr>
+          <p:nvPr>
+            <p:ph type="body" idx="1"/>
+          </p:nvPr>
+        </p:nvSpPr>
+        <p:spPr/>
+        <p:txBody>
+          <a:bodyPr/>
+          <a:lstStyle/>
+          <a:p>
+            <a:endParaRPr lang="vi-VN" dirty="0"/>
+          </a:p>
+        </p:txBody>
+      </p:sp>
+      <p:sp>
+        <p:nvSpPr>
+          <p:cNvPr id="4" name="Slide Number Placeholder 3"/>
+          <p:cNvSpPr>
+            <a:spLocks noGrp="1"/>
+          </p:cNvSpPr>
+          <p:nvPr>
+            <p:ph type="sldNum" sz="quarter" idx="5"/>
+          </p:nvPr>
+        </p:nvSpPr>
+        <p:spPr/>
+        <p:txBody>
+          <a:bodyPr/>
+          <a:lstStyle/>
+          <a:p>
+            <a:fld id="{BF1434EF-918F-4A4D-98D1-563F3F7CA387}" type="slidenum">
+              <a:rPr lang="en-US" smtClean="0"/>
+              <a:t>99</a:t>
+            </a:fld>
+            <a:endParaRPr lang="en-US" dirty="0"/>
+          </a:p>
+        </p:txBody>
+      </p:sp>
+    </p:spTree>
+    <p:extLst>
+      <p:ext uri="{BB962C8B-B14F-4D97-AF65-F5344CB8AC3E}">
+        <p14:creationId xmlns:p14="http://schemas.microsoft.com/office/powerpoint/2010/main" val="2087517936"/>
       </p:ext>
     </p:extLst>
   </p:cSld>
@@ -9329,7 +9507,7 @@
           <a:p>
             <a:fld id="{6BAADE55-1DD3-44E1-A8C2-24E0E03344A6}" type="datetimeFigureOut">
               <a:rPr lang="en-US" smtClean="0"/>
-              <a:t>4/15/2022</a:t>
+              <a:t>4/23/2022</a:t>
             </a:fld>
             <a:endParaRPr lang="en-US" dirty="0"/>
           </a:p>
@@ -9499,7 +9677,7 @@
           <a:p>
             <a:fld id="{6BAADE55-1DD3-44E1-A8C2-24E0E03344A6}" type="datetimeFigureOut">
               <a:rPr lang="en-US" smtClean="0"/>
-              <a:t>4/15/2022</a:t>
+              <a:t>4/23/2022</a:t>
             </a:fld>
             <a:endParaRPr lang="en-US" dirty="0"/>
           </a:p>
@@ -9679,7 +9857,7 @@
           <a:p>
             <a:fld id="{6BAADE55-1DD3-44E1-A8C2-24E0E03344A6}" type="datetimeFigureOut">
               <a:rPr lang="en-US" smtClean="0"/>
-              <a:t>4/15/2022</a:t>
+              <a:t>4/23/2022</a:t>
             </a:fld>
             <a:endParaRPr lang="en-US" dirty="0"/>
           </a:p>
@@ -9849,7 +10027,7 @@
           <a:p>
             <a:fld id="{6BAADE55-1DD3-44E1-A8C2-24E0E03344A6}" type="datetimeFigureOut">
               <a:rPr lang="en-US" smtClean="0"/>
-              <a:t>4/15/2022</a:t>
+              <a:t>4/23/2022</a:t>
             </a:fld>
             <a:endParaRPr lang="en-US" dirty="0"/>
           </a:p>
@@ -10095,7 +10273,7 @@
           <a:p>
             <a:fld id="{6BAADE55-1DD3-44E1-A8C2-24E0E03344A6}" type="datetimeFigureOut">
               <a:rPr lang="en-US" smtClean="0"/>
-              <a:t>4/15/2022</a:t>
+              <a:t>4/23/2022</a:t>
             </a:fld>
             <a:endParaRPr lang="en-US" dirty="0"/>
           </a:p>
@@ -10327,7 +10505,7 @@
           <a:p>
             <a:fld id="{6BAADE55-1DD3-44E1-A8C2-24E0E03344A6}" type="datetimeFigureOut">
               <a:rPr lang="en-US" smtClean="0"/>
-              <a:t>4/15/2022</a:t>
+              <a:t>4/23/2022</a:t>
             </a:fld>
             <a:endParaRPr lang="en-US" dirty="0"/>
           </a:p>
@@ -10694,7 +10872,7 @@
           <a:p>
             <a:fld id="{6BAADE55-1DD3-44E1-A8C2-24E0E03344A6}" type="datetimeFigureOut">
               <a:rPr lang="en-US" smtClean="0"/>
-              <a:t>4/15/2022</a:t>
+              <a:t>4/23/2022</a:t>
             </a:fld>
             <a:endParaRPr lang="en-US" dirty="0"/>
           </a:p>
@@ -10812,7 +10990,7 @@
           <a:p>
             <a:fld id="{6BAADE55-1DD3-44E1-A8C2-24E0E03344A6}" type="datetimeFigureOut">
               <a:rPr lang="en-US" smtClean="0"/>
-              <a:t>4/15/2022</a:t>
+              <a:t>4/23/2022</a:t>
             </a:fld>
             <a:endParaRPr lang="en-US" dirty="0"/>
           </a:p>
@@ -10907,7 +11085,7 @@
           <a:p>
             <a:fld id="{6BAADE55-1DD3-44E1-A8C2-24E0E03344A6}" type="datetimeFigureOut">
               <a:rPr lang="en-US" smtClean="0"/>
-              <a:t>4/15/2022</a:t>
+              <a:t>4/23/2022</a:t>
             </a:fld>
             <a:endParaRPr lang="en-US" dirty="0"/>
           </a:p>
@@ -11184,7 +11362,7 @@
           <a:p>
             <a:fld id="{6BAADE55-1DD3-44E1-A8C2-24E0E03344A6}" type="datetimeFigureOut">
               <a:rPr lang="en-US" smtClean="0"/>
-              <a:t>4/15/2022</a:t>
+              <a:t>4/23/2022</a:t>
             </a:fld>
             <a:endParaRPr lang="en-US" dirty="0"/>
           </a:p>
@@ -11440,7 +11618,7 @@
           <a:p>
             <a:fld id="{6BAADE55-1DD3-44E1-A8C2-24E0E03344A6}" type="datetimeFigureOut">
               <a:rPr lang="en-US" smtClean="0"/>
-              <a:t>4/15/2022</a:t>
+              <a:t>4/23/2022</a:t>
             </a:fld>
             <a:endParaRPr lang="en-US" dirty="0"/>
           </a:p>
@@ -11659,7 +11837,7 @@
           <a:p>
             <a:fld id="{6BAADE55-1DD3-44E1-A8C2-24E0E03344A6}" type="datetimeFigureOut">
               <a:rPr lang="en-US" smtClean="0"/>
-              <a:t>4/15/2022</a:t>
+              <a:t>4/23/2022</a:t>
             </a:fld>
             <a:endParaRPr lang="en-US" dirty="0"/>
           </a:p>
@@ -12419,6 +12597,214 @@
     <p:extLst>
       <p:ext uri="{BB962C8B-B14F-4D97-AF65-F5344CB8AC3E}">
         <p14:creationId xmlns:p14="http://schemas.microsoft.com/office/powerpoint/2010/main" val="331551318"/>
+      </p:ext>
+    </p:extLst>
+  </p:cSld>
+  <p:clrMapOvr>
+    <a:masterClrMapping/>
+  </p:clrMapOvr>
+</p:sld>
+</file>
+
+<file path=ppt/slides/slide100.xml><?xml version="1.0" encoding="utf-8"?>
+<p:sld xmlns:a="http://schemas.openxmlformats.org/drawingml/2006/main" xmlns:r="http://schemas.openxmlformats.org/officeDocument/2006/relationships" xmlns:p="http://schemas.openxmlformats.org/presentationml/2006/main">
+  <p:cSld>
+    <p:spTree>
+      <p:nvGrpSpPr>
+        <p:cNvPr id="1" name=""/>
+        <p:cNvGrpSpPr/>
+        <p:nvPr/>
+      </p:nvGrpSpPr>
+      <p:grpSpPr>
+        <a:xfrm>
+          <a:off x="0" y="0"/>
+          <a:ext cx="0" cy="0"/>
+          <a:chOff x="0" y="0"/>
+          <a:chExt cx="0" cy="0"/>
+        </a:xfrm>
+      </p:grpSpPr>
+      <p:sp>
+        <p:nvSpPr>
+          <p:cNvPr id="11" name="TextBox 10">
+            <a:extLst>
+              <a:ext uri="{FF2B5EF4-FFF2-40B4-BE49-F238E27FC236}">
+                <a16:creationId xmlns:a16="http://schemas.microsoft.com/office/drawing/2014/main" id="{49A7B9B6-8455-43BE-8670-E01CE03933DF}"/>
+              </a:ext>
+            </a:extLst>
+          </p:cNvPr>
+          <p:cNvSpPr txBox="1"/>
+          <p:nvPr/>
+        </p:nvSpPr>
+        <p:spPr>
+          <a:xfrm>
+            <a:off x="2007908" y="3858413"/>
+            <a:ext cx="5186035" cy="1015663"/>
+          </a:xfrm>
+          <a:prstGeom prst="rect">
+            <a:avLst/>
+          </a:prstGeom>
+          <a:noFill/>
+        </p:spPr>
+        <p:txBody>
+          <a:bodyPr wrap="none" rtlCol="0">
+            <a:spAutoFit/>
+          </a:bodyPr>
+          <a:lstStyle/>
+          <a:p>
+            <a:r>
+              <a:rPr lang="en-US" sz="6000" dirty="0">
+                <a:ln w="19050">
+                  <a:solidFill>
+                    <a:schemeClr val="tx1"/>
+                  </a:solidFill>
+                </a:ln>
+                <a:solidFill>
+                  <a:srgbClr val="FFFF00"/>
+                </a:solidFill>
+                <a:latin typeface="FVF Fernando 08" panose="02000507020000020003" pitchFamily="2" charset="0"/>
+              </a:rPr>
+              <a:t>404 Error</a:t>
+            </a:r>
+          </a:p>
+        </p:txBody>
+      </p:sp>
+      <p:pic>
+        <p:nvPicPr>
+          <p:cNvPr id="14" name="Picture 13">
+            <a:extLst>
+              <a:ext uri="{FF2B5EF4-FFF2-40B4-BE49-F238E27FC236}">
+                <a16:creationId xmlns:a16="http://schemas.microsoft.com/office/drawing/2014/main" id="{E2D411D6-C028-4F7B-96FB-CC2855017620}"/>
+              </a:ext>
+            </a:extLst>
+          </p:cNvPr>
+          <p:cNvPicPr>
+            <a:picLocks noChangeAspect="1"/>
+          </p:cNvPicPr>
+          <p:nvPr/>
+        </p:nvPicPr>
+        <p:blipFill>
+          <a:blip r:embed="rId3">
+            <a:extLst>
+              <a:ext uri="{28A0092B-C50C-407E-A947-70E740481C1C}">
+                <a14:useLocalDpi xmlns:a14="http://schemas.microsoft.com/office/drawing/2010/main" val="0"/>
+              </a:ext>
+            </a:extLst>
+          </a:blip>
+          <a:srcRect/>
+          <a:stretch/>
+        </p:blipFill>
+        <p:spPr>
+          <a:xfrm>
+            <a:off x="7675990" y="30481"/>
+            <a:ext cx="1490870" cy="1490870"/>
+          </a:xfrm>
+          <a:prstGeom prst="rect">
+            <a:avLst/>
+          </a:prstGeom>
+          <a:ln w="19050">
+            <a:noFill/>
+          </a:ln>
+          <a:effectLst>
+            <a:outerShdw blurRad="63500" sx="104000" sy="104000" algn="ctr" rotWithShape="0">
+              <a:srgbClr val="FFFF00"/>
+            </a:outerShdw>
+          </a:effectLst>
+        </p:spPr>
+      </p:pic>
+      <p:grpSp>
+        <p:nvGrpSpPr>
+          <p:cNvPr id="2" name="Group 1">
+            <a:extLst>
+              <a:ext uri="{FF2B5EF4-FFF2-40B4-BE49-F238E27FC236}">
+                <a16:creationId xmlns:a16="http://schemas.microsoft.com/office/drawing/2014/main" id="{65CDFB31-8A72-4DF0-84A0-5FDC10714DB0}"/>
+              </a:ext>
+            </a:extLst>
+          </p:cNvPr>
+          <p:cNvGrpSpPr/>
+          <p:nvPr/>
+        </p:nvGrpSpPr>
+        <p:grpSpPr>
+          <a:xfrm>
+            <a:off x="2948294" y="532345"/>
+            <a:ext cx="3247409" cy="3086224"/>
+            <a:chOff x="2806158" y="532345"/>
+            <a:chExt cx="3247409" cy="3086224"/>
+          </a:xfrm>
+        </p:grpSpPr>
+        <p:pic>
+          <p:nvPicPr>
+            <p:cNvPr id="5" name="Picture 4">
+              <a:extLst>
+                <a:ext uri="{FF2B5EF4-FFF2-40B4-BE49-F238E27FC236}">
+                  <a16:creationId xmlns:a16="http://schemas.microsoft.com/office/drawing/2014/main" id="{5FABE839-64CE-4D0E-85FD-280ABA36FC3C}"/>
+                </a:ext>
+              </a:extLst>
+            </p:cNvPr>
+            <p:cNvPicPr>
+              <a:picLocks noChangeAspect="1"/>
+            </p:cNvPicPr>
+            <p:nvPr/>
+          </p:nvPicPr>
+          <p:blipFill>
+            <a:blip r:embed="rId4"/>
+            <a:stretch>
+              <a:fillRect/>
+            </a:stretch>
+          </p:blipFill>
+          <p:spPr>
+            <a:xfrm>
+              <a:off x="2806158" y="532345"/>
+              <a:ext cx="1853521" cy="3086224"/>
+            </a:xfrm>
+            <a:prstGeom prst="rect">
+              <a:avLst/>
+            </a:prstGeom>
+          </p:spPr>
+        </p:pic>
+        <p:pic>
+          <p:nvPicPr>
+            <p:cNvPr id="6" name="Picture 5">
+              <a:extLst>
+                <a:ext uri="{FF2B5EF4-FFF2-40B4-BE49-F238E27FC236}">
+                  <a16:creationId xmlns:a16="http://schemas.microsoft.com/office/drawing/2014/main" id="{87E72DBB-9C9F-48E1-B167-57C5CA9C45C2}"/>
+                </a:ext>
+              </a:extLst>
+            </p:cNvPr>
+            <p:cNvPicPr>
+              <a:picLocks noChangeAspect="1"/>
+            </p:cNvPicPr>
+            <p:nvPr/>
+          </p:nvPicPr>
+          <p:blipFill>
+            <a:blip r:embed="rId3">
+              <a:extLst>
+                <a:ext uri="{28A0092B-C50C-407E-A947-70E740481C1C}">
+                  <a14:useLocalDpi xmlns:a14="http://schemas.microsoft.com/office/drawing/2010/main" val="0"/>
+                </a:ext>
+              </a:extLst>
+            </a:blip>
+            <a:srcRect/>
+            <a:stretch/>
+          </p:blipFill>
+          <p:spPr>
+            <a:xfrm>
+              <a:off x="4458790" y="2023792"/>
+              <a:ext cx="1594777" cy="1594777"/>
+            </a:xfrm>
+            <a:prstGeom prst="rect">
+              <a:avLst/>
+            </a:prstGeom>
+            <a:ln w="19050">
+              <a:noFill/>
+            </a:ln>
+            <a:effectLst/>
+          </p:spPr>
+        </p:pic>
+      </p:grpSp>
+    </p:spTree>
+    <p:extLst>
+      <p:ext uri="{BB962C8B-B14F-4D97-AF65-F5344CB8AC3E}">
+        <p14:creationId xmlns:p14="http://schemas.microsoft.com/office/powerpoint/2010/main" val="1167004895"/>
       </p:ext>
     </p:extLst>
   </p:cSld>
@@ -37797,6 +38183,719 @@
         </p:nvSpPr>
         <p:spPr>
           <a:xfrm>
+            <a:off x="1257625" y="3858413"/>
+            <a:ext cx="6628738" cy="1015663"/>
+          </a:xfrm>
+          <a:prstGeom prst="rect">
+            <a:avLst/>
+          </a:prstGeom>
+          <a:noFill/>
+        </p:spPr>
+        <p:txBody>
+          <a:bodyPr wrap="none" rtlCol="0">
+            <a:spAutoFit/>
+          </a:bodyPr>
+          <a:lstStyle/>
+          <a:p>
+            <a:r>
+              <a:rPr lang="vi-VN" sz="6000" dirty="0">
+                <a:ln w="19050">
+                  <a:solidFill>
+                    <a:schemeClr val="tx1"/>
+                  </a:solidFill>
+                </a:ln>
+                <a:solidFill>
+                  <a:srgbClr val="FFFF00"/>
+                </a:solidFill>
+                <a:latin typeface="FVF Fernando 08" panose="02000507020000020003" pitchFamily="2" charset="0"/>
+              </a:rPr>
+              <a:t>/volumearea</a:t>
+            </a:r>
+            <a:endParaRPr lang="en-US" sz="6000" dirty="0">
+              <a:ln w="19050">
+                <a:solidFill>
+                  <a:schemeClr val="tx1"/>
+                </a:solidFill>
+              </a:ln>
+              <a:solidFill>
+                <a:srgbClr val="FFFF00"/>
+              </a:solidFill>
+              <a:latin typeface="FVF Fernando 08" panose="02000507020000020003" pitchFamily="2" charset="0"/>
+            </a:endParaRPr>
+          </a:p>
+        </p:txBody>
+      </p:sp>
+      <p:pic>
+        <p:nvPicPr>
+          <p:cNvPr id="14" name="Picture 13">
+            <a:extLst>
+              <a:ext uri="{FF2B5EF4-FFF2-40B4-BE49-F238E27FC236}">
+                <a16:creationId xmlns:a16="http://schemas.microsoft.com/office/drawing/2014/main" id="{E2D411D6-C028-4F7B-96FB-CC2855017620}"/>
+              </a:ext>
+            </a:extLst>
+          </p:cNvPr>
+          <p:cNvPicPr>
+            <a:picLocks noChangeAspect="1"/>
+          </p:cNvPicPr>
+          <p:nvPr/>
+        </p:nvPicPr>
+        <p:blipFill>
+          <a:blip r:embed="rId3">
+            <a:extLst>
+              <a:ext uri="{28A0092B-C50C-407E-A947-70E740481C1C}">
+                <a14:useLocalDpi xmlns:a14="http://schemas.microsoft.com/office/drawing/2010/main" val="0"/>
+              </a:ext>
+            </a:extLst>
+          </a:blip>
+          <a:srcRect/>
+          <a:stretch/>
+        </p:blipFill>
+        <p:spPr>
+          <a:xfrm>
+            <a:off x="7675990" y="30481"/>
+            <a:ext cx="1490870" cy="1490870"/>
+          </a:xfrm>
+          <a:prstGeom prst="rect">
+            <a:avLst/>
+          </a:prstGeom>
+          <a:ln w="19050">
+            <a:noFill/>
+          </a:ln>
+          <a:effectLst>
+            <a:outerShdw blurRad="63500" sx="104000" sy="104000" algn="ctr" rotWithShape="0">
+              <a:srgbClr val="FFFF00"/>
+            </a:outerShdw>
+          </a:effectLst>
+        </p:spPr>
+      </p:pic>
+      <p:grpSp>
+        <p:nvGrpSpPr>
+          <p:cNvPr id="4" name="Group 3">
+            <a:extLst>
+              <a:ext uri="{FF2B5EF4-FFF2-40B4-BE49-F238E27FC236}">
+                <a16:creationId xmlns:a16="http://schemas.microsoft.com/office/drawing/2014/main" id="{1F4A11FF-C594-4A76-AFF7-7FEC602D1F83}"/>
+              </a:ext>
+            </a:extLst>
+          </p:cNvPr>
+          <p:cNvGrpSpPr/>
+          <p:nvPr/>
+        </p:nvGrpSpPr>
+        <p:grpSpPr>
+          <a:xfrm>
+            <a:off x="2230328" y="572755"/>
+            <a:ext cx="4683342" cy="3165508"/>
+            <a:chOff x="921375" y="-129740"/>
+            <a:chExt cx="6617190" cy="4472610"/>
+          </a:xfrm>
+        </p:grpSpPr>
+        <p:sp>
+          <p:nvSpPr>
+            <p:cNvPr id="5" name="Diamond 4">
+              <a:extLst>
+                <a:ext uri="{FF2B5EF4-FFF2-40B4-BE49-F238E27FC236}">
+                  <a16:creationId xmlns:a16="http://schemas.microsoft.com/office/drawing/2014/main" id="{686C9919-004D-44AD-B4E8-AB8AE13DB60B}"/>
+                </a:ext>
+              </a:extLst>
+            </p:cNvPr>
+            <p:cNvSpPr/>
+            <p:nvPr/>
+          </p:nvSpPr>
+          <p:spPr>
+            <a:xfrm>
+              <a:off x="4229972" y="615695"/>
+              <a:ext cx="2205729" cy="1490870"/>
+            </a:xfrm>
+            <a:prstGeom prst="diamond">
+              <a:avLst/>
+            </a:prstGeom>
+            <a:noFill/>
+            <a:ln>
+              <a:solidFill>
+                <a:srgbClr val="FF0000"/>
+              </a:solidFill>
+            </a:ln>
+          </p:spPr>
+          <p:style>
+            <a:lnRef idx="2">
+              <a:schemeClr val="accent1">
+                <a:shade val="50000"/>
+              </a:schemeClr>
+            </a:lnRef>
+            <a:fillRef idx="1">
+              <a:schemeClr val="accent1"/>
+            </a:fillRef>
+            <a:effectRef idx="0">
+              <a:schemeClr val="accent1"/>
+            </a:effectRef>
+            <a:fontRef idx="minor">
+              <a:schemeClr val="lt1"/>
+            </a:fontRef>
+          </p:style>
+          <p:txBody>
+            <a:bodyPr rtlCol="0" anchor="ctr"/>
+            <a:lstStyle/>
+            <a:p>
+              <a:pPr algn="ctr"/>
+              <a:endParaRPr lang="en-US" dirty="0"/>
+            </a:p>
+          </p:txBody>
+        </p:sp>
+        <p:sp>
+          <p:nvSpPr>
+            <p:cNvPr id="6" name="Diamond 5">
+              <a:extLst>
+                <a:ext uri="{FF2B5EF4-FFF2-40B4-BE49-F238E27FC236}">
+                  <a16:creationId xmlns:a16="http://schemas.microsoft.com/office/drawing/2014/main" id="{E575EEF5-DA74-4761-A718-429AA891CAD7}"/>
+                </a:ext>
+              </a:extLst>
+            </p:cNvPr>
+            <p:cNvSpPr/>
+            <p:nvPr/>
+          </p:nvSpPr>
+          <p:spPr>
+            <a:xfrm>
+              <a:off x="5332836" y="1361130"/>
+              <a:ext cx="2205729" cy="1490870"/>
+            </a:xfrm>
+            <a:prstGeom prst="diamond">
+              <a:avLst/>
+            </a:prstGeom>
+            <a:noFill/>
+            <a:ln>
+              <a:solidFill>
+                <a:srgbClr val="FF0000"/>
+              </a:solidFill>
+            </a:ln>
+          </p:spPr>
+          <p:style>
+            <a:lnRef idx="2">
+              <a:schemeClr val="accent1">
+                <a:shade val="50000"/>
+              </a:schemeClr>
+            </a:lnRef>
+            <a:fillRef idx="1">
+              <a:schemeClr val="accent1"/>
+            </a:fillRef>
+            <a:effectRef idx="0">
+              <a:schemeClr val="accent1"/>
+            </a:effectRef>
+            <a:fontRef idx="minor">
+              <a:schemeClr val="lt1"/>
+            </a:fontRef>
+          </p:style>
+          <p:txBody>
+            <a:bodyPr rtlCol="0" anchor="ctr"/>
+            <a:lstStyle/>
+            <a:p>
+              <a:pPr algn="ctr"/>
+              <a:endParaRPr lang="en-US" dirty="0"/>
+            </a:p>
+          </p:txBody>
+        </p:sp>
+        <p:sp>
+          <p:nvSpPr>
+            <p:cNvPr id="7" name="Diamond 6">
+              <a:extLst>
+                <a:ext uri="{FF2B5EF4-FFF2-40B4-BE49-F238E27FC236}">
+                  <a16:creationId xmlns:a16="http://schemas.microsoft.com/office/drawing/2014/main" id="{46C58042-E4F8-4E8D-9B51-037627E383FA}"/>
+                </a:ext>
+              </a:extLst>
+            </p:cNvPr>
+            <p:cNvSpPr/>
+            <p:nvPr/>
+          </p:nvSpPr>
+          <p:spPr>
+            <a:xfrm>
+              <a:off x="3127108" y="-129740"/>
+              <a:ext cx="2205729" cy="1490870"/>
+            </a:xfrm>
+            <a:prstGeom prst="diamond">
+              <a:avLst/>
+            </a:prstGeom>
+            <a:noFill/>
+            <a:ln>
+              <a:solidFill>
+                <a:srgbClr val="FF0000"/>
+              </a:solidFill>
+            </a:ln>
+          </p:spPr>
+          <p:style>
+            <a:lnRef idx="2">
+              <a:schemeClr val="accent1">
+                <a:shade val="50000"/>
+              </a:schemeClr>
+            </a:lnRef>
+            <a:fillRef idx="1">
+              <a:schemeClr val="accent1"/>
+            </a:fillRef>
+            <a:effectRef idx="0">
+              <a:schemeClr val="accent1"/>
+            </a:effectRef>
+            <a:fontRef idx="minor">
+              <a:schemeClr val="lt1"/>
+            </a:fontRef>
+          </p:style>
+          <p:txBody>
+            <a:bodyPr rtlCol="0" anchor="ctr"/>
+            <a:lstStyle/>
+            <a:p>
+              <a:pPr algn="ctr"/>
+              <a:endParaRPr lang="en-US" dirty="0"/>
+            </a:p>
+          </p:txBody>
+        </p:sp>
+        <p:sp>
+          <p:nvSpPr>
+            <p:cNvPr id="8" name="Diamond 7">
+              <a:extLst>
+                <a:ext uri="{FF2B5EF4-FFF2-40B4-BE49-F238E27FC236}">
+                  <a16:creationId xmlns:a16="http://schemas.microsoft.com/office/drawing/2014/main" id="{08453C70-CBE4-418C-B5F6-4D9B203D76D4}"/>
+                </a:ext>
+              </a:extLst>
+            </p:cNvPr>
+            <p:cNvSpPr/>
+            <p:nvPr/>
+          </p:nvSpPr>
+          <p:spPr>
+            <a:xfrm>
+              <a:off x="4229970" y="2108235"/>
+              <a:ext cx="2205729" cy="1490870"/>
+            </a:xfrm>
+            <a:prstGeom prst="diamond">
+              <a:avLst/>
+            </a:prstGeom>
+            <a:noFill/>
+            <a:ln>
+              <a:solidFill>
+                <a:srgbClr val="FF0000"/>
+              </a:solidFill>
+            </a:ln>
+          </p:spPr>
+          <p:style>
+            <a:lnRef idx="2">
+              <a:schemeClr val="accent1">
+                <a:shade val="50000"/>
+              </a:schemeClr>
+            </a:lnRef>
+            <a:fillRef idx="1">
+              <a:schemeClr val="accent1"/>
+            </a:fillRef>
+            <a:effectRef idx="0">
+              <a:schemeClr val="accent1"/>
+            </a:effectRef>
+            <a:fontRef idx="minor">
+              <a:schemeClr val="lt1"/>
+            </a:fontRef>
+          </p:style>
+          <p:txBody>
+            <a:bodyPr rtlCol="0" anchor="ctr"/>
+            <a:lstStyle/>
+            <a:p>
+              <a:pPr algn="ctr"/>
+              <a:endParaRPr lang="en-US" dirty="0"/>
+            </a:p>
+          </p:txBody>
+        </p:sp>
+        <p:sp>
+          <p:nvSpPr>
+            <p:cNvPr id="9" name="Diamond 8">
+              <a:extLst>
+                <a:ext uri="{FF2B5EF4-FFF2-40B4-BE49-F238E27FC236}">
+                  <a16:creationId xmlns:a16="http://schemas.microsoft.com/office/drawing/2014/main" id="{F99BE682-7609-49E9-B140-37D5ECF8DE58}"/>
+                </a:ext>
+              </a:extLst>
+            </p:cNvPr>
+            <p:cNvSpPr/>
+            <p:nvPr/>
+          </p:nvSpPr>
+          <p:spPr>
+            <a:xfrm>
+              <a:off x="2024242" y="617365"/>
+              <a:ext cx="2205729" cy="1490870"/>
+            </a:xfrm>
+            <a:prstGeom prst="diamond">
+              <a:avLst/>
+            </a:prstGeom>
+            <a:noFill/>
+            <a:ln>
+              <a:solidFill>
+                <a:srgbClr val="FF0000"/>
+              </a:solidFill>
+            </a:ln>
+          </p:spPr>
+          <p:style>
+            <a:lnRef idx="2">
+              <a:schemeClr val="accent1">
+                <a:shade val="50000"/>
+              </a:schemeClr>
+            </a:lnRef>
+            <a:fillRef idx="1">
+              <a:schemeClr val="accent1"/>
+            </a:fillRef>
+            <a:effectRef idx="0">
+              <a:schemeClr val="accent1"/>
+            </a:effectRef>
+            <a:fontRef idx="minor">
+              <a:schemeClr val="lt1"/>
+            </a:fontRef>
+          </p:style>
+          <p:txBody>
+            <a:bodyPr rtlCol="0" anchor="ctr"/>
+            <a:lstStyle/>
+            <a:p>
+              <a:pPr algn="ctr"/>
+              <a:endParaRPr lang="en-US" dirty="0"/>
+            </a:p>
+          </p:txBody>
+        </p:sp>
+        <p:sp>
+          <p:nvSpPr>
+            <p:cNvPr id="10" name="Diamond 9">
+              <a:extLst>
+                <a:ext uri="{FF2B5EF4-FFF2-40B4-BE49-F238E27FC236}">
+                  <a16:creationId xmlns:a16="http://schemas.microsoft.com/office/drawing/2014/main" id="{87426A2F-5A7F-4FAF-88FF-906C3A75D068}"/>
+                </a:ext>
+              </a:extLst>
+            </p:cNvPr>
+            <p:cNvSpPr/>
+            <p:nvPr/>
+          </p:nvSpPr>
+          <p:spPr>
+            <a:xfrm>
+              <a:off x="2024239" y="2106565"/>
+              <a:ext cx="2205729" cy="1490870"/>
+            </a:xfrm>
+            <a:prstGeom prst="diamond">
+              <a:avLst/>
+            </a:prstGeom>
+            <a:noFill/>
+            <a:ln>
+              <a:solidFill>
+                <a:srgbClr val="FF0000"/>
+              </a:solidFill>
+            </a:ln>
+          </p:spPr>
+          <p:style>
+            <a:lnRef idx="2">
+              <a:schemeClr val="accent1">
+                <a:shade val="50000"/>
+              </a:schemeClr>
+            </a:lnRef>
+            <a:fillRef idx="1">
+              <a:schemeClr val="accent1"/>
+            </a:fillRef>
+            <a:effectRef idx="0">
+              <a:schemeClr val="accent1"/>
+            </a:effectRef>
+            <a:fontRef idx="minor">
+              <a:schemeClr val="lt1"/>
+            </a:fontRef>
+          </p:style>
+          <p:txBody>
+            <a:bodyPr rtlCol="0" anchor="ctr"/>
+            <a:lstStyle/>
+            <a:p>
+              <a:pPr algn="ctr"/>
+              <a:endParaRPr lang="en-US" dirty="0"/>
+            </a:p>
+          </p:txBody>
+        </p:sp>
+        <p:sp>
+          <p:nvSpPr>
+            <p:cNvPr id="12" name="Diamond 11">
+              <a:extLst>
+                <a:ext uri="{FF2B5EF4-FFF2-40B4-BE49-F238E27FC236}">
+                  <a16:creationId xmlns:a16="http://schemas.microsoft.com/office/drawing/2014/main" id="{B8C72B20-59B2-4623-B5DB-38C29CBCA847}"/>
+                </a:ext>
+              </a:extLst>
+            </p:cNvPr>
+            <p:cNvSpPr/>
+            <p:nvPr/>
+          </p:nvSpPr>
+          <p:spPr>
+            <a:xfrm>
+              <a:off x="3127103" y="2852000"/>
+              <a:ext cx="2205729" cy="1490870"/>
+            </a:xfrm>
+            <a:prstGeom prst="diamond">
+              <a:avLst/>
+            </a:prstGeom>
+            <a:noFill/>
+            <a:ln>
+              <a:solidFill>
+                <a:srgbClr val="FF0000"/>
+              </a:solidFill>
+            </a:ln>
+          </p:spPr>
+          <p:style>
+            <a:lnRef idx="2">
+              <a:schemeClr val="accent1">
+                <a:shade val="50000"/>
+              </a:schemeClr>
+            </a:lnRef>
+            <a:fillRef idx="1">
+              <a:schemeClr val="accent1"/>
+            </a:fillRef>
+            <a:effectRef idx="0">
+              <a:schemeClr val="accent1"/>
+            </a:effectRef>
+            <a:fontRef idx="minor">
+              <a:schemeClr val="lt1"/>
+            </a:fontRef>
+          </p:style>
+          <p:txBody>
+            <a:bodyPr rtlCol="0" anchor="ctr"/>
+            <a:lstStyle/>
+            <a:p>
+              <a:pPr algn="ctr"/>
+              <a:endParaRPr lang="en-US" dirty="0"/>
+            </a:p>
+          </p:txBody>
+        </p:sp>
+        <p:sp>
+          <p:nvSpPr>
+            <p:cNvPr id="13" name="Diamond 12">
+              <a:extLst>
+                <a:ext uri="{FF2B5EF4-FFF2-40B4-BE49-F238E27FC236}">
+                  <a16:creationId xmlns:a16="http://schemas.microsoft.com/office/drawing/2014/main" id="{F5F3422A-8DD6-4F8F-B377-25EDB72F89D2}"/>
+                </a:ext>
+              </a:extLst>
+            </p:cNvPr>
+            <p:cNvSpPr/>
+            <p:nvPr/>
+          </p:nvSpPr>
+          <p:spPr>
+            <a:xfrm>
+              <a:off x="921375" y="1361130"/>
+              <a:ext cx="2205729" cy="1490870"/>
+            </a:xfrm>
+            <a:prstGeom prst="diamond">
+              <a:avLst/>
+            </a:prstGeom>
+            <a:noFill/>
+            <a:ln>
+              <a:solidFill>
+                <a:srgbClr val="FF0000"/>
+              </a:solidFill>
+            </a:ln>
+          </p:spPr>
+          <p:style>
+            <a:lnRef idx="2">
+              <a:schemeClr val="accent1">
+                <a:shade val="50000"/>
+              </a:schemeClr>
+            </a:lnRef>
+            <a:fillRef idx="1">
+              <a:schemeClr val="accent1"/>
+            </a:fillRef>
+            <a:effectRef idx="0">
+              <a:schemeClr val="accent1"/>
+            </a:effectRef>
+            <a:fontRef idx="minor">
+              <a:schemeClr val="lt1"/>
+            </a:fontRef>
+          </p:style>
+          <p:txBody>
+            <a:bodyPr rtlCol="0" anchor="ctr"/>
+            <a:lstStyle/>
+            <a:p>
+              <a:pPr algn="ctr"/>
+              <a:endParaRPr lang="en-US" dirty="0"/>
+            </a:p>
+          </p:txBody>
+        </p:sp>
+        <p:sp>
+          <p:nvSpPr>
+            <p:cNvPr id="15" name="Diamond 14">
+              <a:extLst>
+                <a:ext uri="{FF2B5EF4-FFF2-40B4-BE49-F238E27FC236}">
+                  <a16:creationId xmlns:a16="http://schemas.microsoft.com/office/drawing/2014/main" id="{425BF6C2-B5EA-4699-BAB6-7D28FF0F9144}"/>
+                </a:ext>
+              </a:extLst>
+            </p:cNvPr>
+            <p:cNvSpPr/>
+            <p:nvPr/>
+          </p:nvSpPr>
+          <p:spPr>
+            <a:xfrm>
+              <a:off x="3127099" y="1359460"/>
+              <a:ext cx="2205729" cy="1490870"/>
+            </a:xfrm>
+            <a:prstGeom prst="diamond">
+              <a:avLst/>
+            </a:prstGeom>
+            <a:noFill/>
+            <a:ln>
+              <a:solidFill>
+                <a:srgbClr val="18FE00"/>
+              </a:solidFill>
+            </a:ln>
+          </p:spPr>
+          <p:style>
+            <a:lnRef idx="2">
+              <a:schemeClr val="accent1">
+                <a:shade val="50000"/>
+              </a:schemeClr>
+            </a:lnRef>
+            <a:fillRef idx="1">
+              <a:schemeClr val="accent1"/>
+            </a:fillRef>
+            <a:effectRef idx="0">
+              <a:schemeClr val="accent1"/>
+            </a:effectRef>
+            <a:fontRef idx="minor">
+              <a:schemeClr val="lt1"/>
+            </a:fontRef>
+          </p:style>
+          <p:txBody>
+            <a:bodyPr rtlCol="0" anchor="ctr"/>
+            <a:lstStyle/>
+            <a:p>
+              <a:pPr algn="ctr"/>
+              <a:endParaRPr lang="en-US" dirty="0"/>
+            </a:p>
+          </p:txBody>
+        </p:sp>
+      </p:grpSp>
+      <p:pic>
+        <p:nvPicPr>
+          <p:cNvPr id="16" name="Picture 15">
+            <a:extLst>
+              <a:ext uri="{FF2B5EF4-FFF2-40B4-BE49-F238E27FC236}">
+                <a16:creationId xmlns:a16="http://schemas.microsoft.com/office/drawing/2014/main" id="{99DA5A68-B49B-424E-AF66-7D670E186763}"/>
+              </a:ext>
+            </a:extLst>
+          </p:cNvPr>
+          <p:cNvPicPr>
+            <a:picLocks noChangeAspect="1"/>
+          </p:cNvPicPr>
+          <p:nvPr/>
+        </p:nvPicPr>
+        <p:blipFill rotWithShape="1">
+          <a:blip r:embed="rId4">
+            <a:extLst>
+              <a:ext uri="{BEBA8EAE-BF5A-486C-A8C5-ECC9F3942E4B}">
+                <a14:imgProps xmlns:a14="http://schemas.microsoft.com/office/drawing/2010/main">
+                  <a14:imgLayer r:embed="rId5">
+                    <a14:imgEffect>
+                      <a14:brightnessContrast bright="6000"/>
+                    </a14:imgEffect>
+                  </a14:imgLayer>
+                </a14:imgProps>
+              </a:ext>
+            </a:extLst>
+          </a:blip>
+          <a:srcRect b="-2564"/>
+          <a:stretch/>
+        </p:blipFill>
+        <p:spPr>
+          <a:xfrm>
+            <a:off x="4044515" y="951037"/>
+            <a:ext cx="1054966" cy="1430865"/>
+          </a:xfrm>
+          <a:prstGeom prst="rect">
+            <a:avLst/>
+          </a:prstGeom>
+        </p:spPr>
+      </p:pic>
+      <p:sp>
+        <p:nvSpPr>
+          <p:cNvPr id="2" name="Cloud 1">
+            <a:extLst>
+              <a:ext uri="{FF2B5EF4-FFF2-40B4-BE49-F238E27FC236}">
+                <a16:creationId xmlns:a16="http://schemas.microsoft.com/office/drawing/2014/main" id="{D70E1832-3CBE-45C9-AEBE-11C9156CBE0F}"/>
+              </a:ext>
+            </a:extLst>
+          </p:cNvPr>
+          <p:cNvSpPr/>
+          <p:nvPr/>
+        </p:nvSpPr>
+        <p:spPr>
+          <a:xfrm>
+            <a:off x="3974970" y="1446532"/>
+            <a:ext cx="1194046" cy="769052"/>
+          </a:xfrm>
+          <a:prstGeom prst="cloud">
+            <a:avLst/>
+          </a:prstGeom>
+          <a:solidFill>
+            <a:schemeClr val="bg1">
+              <a:alpha val="70000"/>
+            </a:schemeClr>
+          </a:solidFill>
+          <a:ln>
+            <a:noFill/>
+          </a:ln>
+        </p:spPr>
+        <p:style>
+          <a:lnRef idx="2">
+            <a:schemeClr val="accent1">
+              <a:shade val="50000"/>
+            </a:schemeClr>
+          </a:lnRef>
+          <a:fillRef idx="1">
+            <a:schemeClr val="accent1"/>
+          </a:fillRef>
+          <a:effectRef idx="0">
+            <a:schemeClr val="accent1"/>
+          </a:effectRef>
+          <a:fontRef idx="minor">
+            <a:schemeClr val="lt1"/>
+          </a:fontRef>
+        </p:style>
+        <p:txBody>
+          <a:bodyPr rtlCol="0" anchor="ctr"/>
+          <a:lstStyle/>
+          <a:p>
+            <a:pPr algn="ctr"/>
+            <a:endParaRPr lang="en-US" dirty="0"/>
+          </a:p>
+        </p:txBody>
+      </p:sp>
+    </p:spTree>
+    <p:extLst>
+      <p:ext uri="{BB962C8B-B14F-4D97-AF65-F5344CB8AC3E}">
+        <p14:creationId xmlns:p14="http://schemas.microsoft.com/office/powerpoint/2010/main" val="1900923119"/>
+      </p:ext>
+    </p:extLst>
+  </p:cSld>
+  <p:clrMapOvr>
+    <a:masterClrMapping/>
+  </p:clrMapOvr>
+</p:sld>
+</file>
+
+<file path=ppt/slides/slide69.xml><?xml version="1.0" encoding="utf-8"?>
+<p:sld xmlns:a="http://schemas.openxmlformats.org/drawingml/2006/main" xmlns:r="http://schemas.openxmlformats.org/officeDocument/2006/relationships" xmlns:p="http://schemas.openxmlformats.org/presentationml/2006/main">
+  <p:cSld>
+    <p:spTree>
+      <p:nvGrpSpPr>
+        <p:cNvPr id="1" name=""/>
+        <p:cNvGrpSpPr/>
+        <p:nvPr/>
+      </p:nvGrpSpPr>
+      <p:grpSpPr>
+        <a:xfrm>
+          <a:off x="0" y="0"/>
+          <a:ext cx="0" cy="0"/>
+          <a:chOff x="0" y="0"/>
+          <a:chExt cx="0" cy="0"/>
+        </a:xfrm>
+      </p:grpSpPr>
+      <p:sp>
+        <p:nvSpPr>
+          <p:cNvPr id="11" name="TextBox 10">
+            <a:extLst>
+              <a:ext uri="{FF2B5EF4-FFF2-40B4-BE49-F238E27FC236}">
+                <a16:creationId xmlns:a16="http://schemas.microsoft.com/office/drawing/2014/main" id="{49A7B9B6-8455-43BE-8670-E01CE03933DF}"/>
+              </a:ext>
+            </a:extLst>
+          </p:cNvPr>
+          <p:cNvSpPr txBox="1"/>
+          <p:nvPr/>
+        </p:nvSpPr>
+        <p:spPr>
+          <a:xfrm>
             <a:off x="3710225" y="3858413"/>
             <a:ext cx="1723549" cy="1015663"/>
           </a:xfrm>
@@ -38333,7 +39432,303 @@
 </p:sld>
 </file>
 
-<file path=ppt/slides/slide69.xml><?xml version="1.0" encoding="utf-8"?>
+<file path=ppt/slides/slide7.xml><?xml version="1.0" encoding="utf-8"?>
+<p:sld xmlns:a="http://schemas.openxmlformats.org/drawingml/2006/main" xmlns:r="http://schemas.openxmlformats.org/officeDocument/2006/relationships" xmlns:p="http://schemas.openxmlformats.org/presentationml/2006/main">
+  <p:cSld>
+    <p:spTree>
+      <p:nvGrpSpPr>
+        <p:cNvPr id="1" name=""/>
+        <p:cNvGrpSpPr/>
+        <p:nvPr/>
+      </p:nvGrpSpPr>
+      <p:grpSpPr>
+        <a:xfrm>
+          <a:off x="0" y="0"/>
+          <a:ext cx="0" cy="0"/>
+          <a:chOff x="0" y="0"/>
+          <a:chExt cx="0" cy="0"/>
+        </a:xfrm>
+      </p:grpSpPr>
+      <p:sp>
+        <p:nvSpPr>
+          <p:cNvPr id="11" name="TextBox 10">
+            <a:extLst>
+              <a:ext uri="{FF2B5EF4-FFF2-40B4-BE49-F238E27FC236}">
+                <a16:creationId xmlns:a16="http://schemas.microsoft.com/office/drawing/2014/main" id="{49A7B9B6-8455-43BE-8670-E01CE03933DF}"/>
+              </a:ext>
+            </a:extLst>
+          </p:cNvPr>
+          <p:cNvSpPr txBox="1"/>
+          <p:nvPr/>
+        </p:nvSpPr>
+        <p:spPr>
+          <a:xfrm>
+            <a:off x="2844604" y="3858413"/>
+            <a:ext cx="3454792" cy="1015663"/>
+          </a:xfrm>
+          <a:prstGeom prst="rect">
+            <a:avLst/>
+          </a:prstGeom>
+          <a:noFill/>
+        </p:spPr>
+        <p:txBody>
+          <a:bodyPr wrap="none" rtlCol="0">
+            <a:spAutoFit/>
+          </a:bodyPr>
+          <a:lstStyle/>
+          <a:p>
+            <a:r>
+              <a:rPr lang="vi-VN" sz="6000">
+                <a:ln w="19050">
+                  <a:solidFill>
+                    <a:schemeClr val="tx1"/>
+                  </a:solidFill>
+                </a:ln>
+                <a:solidFill>
+                  <a:srgbClr val="FFFF00"/>
+                </a:solidFill>
+                <a:latin typeface="FVF Fernando 08" panose="02000507020000020003" pitchFamily="2" charset="0"/>
+              </a:rPr>
+              <a:t>/clone</a:t>
+            </a:r>
+            <a:endParaRPr lang="en-US" sz="6000" dirty="0">
+              <a:ln w="19050">
+                <a:solidFill>
+                  <a:schemeClr val="tx1"/>
+                </a:solidFill>
+              </a:ln>
+              <a:solidFill>
+                <a:srgbClr val="FFFF00"/>
+              </a:solidFill>
+              <a:latin typeface="FVF Fernando 08" panose="02000507020000020003" pitchFamily="2" charset="0"/>
+            </a:endParaRPr>
+          </a:p>
+        </p:txBody>
+      </p:sp>
+      <p:pic>
+        <p:nvPicPr>
+          <p:cNvPr id="14" name="Picture 13">
+            <a:extLst>
+              <a:ext uri="{FF2B5EF4-FFF2-40B4-BE49-F238E27FC236}">
+                <a16:creationId xmlns:a16="http://schemas.microsoft.com/office/drawing/2014/main" id="{E2D411D6-C028-4F7B-96FB-CC2855017620}"/>
+              </a:ext>
+            </a:extLst>
+          </p:cNvPr>
+          <p:cNvPicPr>
+            <a:picLocks noChangeAspect="1"/>
+          </p:cNvPicPr>
+          <p:nvPr/>
+        </p:nvPicPr>
+        <p:blipFill>
+          <a:blip r:embed="rId3">
+            <a:extLst>
+              <a:ext uri="{28A0092B-C50C-407E-A947-70E740481C1C}">
+                <a14:useLocalDpi xmlns:a14="http://schemas.microsoft.com/office/drawing/2010/main" val="0"/>
+              </a:ext>
+            </a:extLst>
+          </a:blip>
+          <a:srcRect/>
+          <a:stretch/>
+        </p:blipFill>
+        <p:spPr>
+          <a:xfrm>
+            <a:off x="7675990" y="30481"/>
+            <a:ext cx="1490870" cy="1490870"/>
+          </a:xfrm>
+          <a:prstGeom prst="rect">
+            <a:avLst/>
+          </a:prstGeom>
+          <a:ln w="19050">
+            <a:noFill/>
+          </a:ln>
+          <a:effectLst>
+            <a:outerShdw blurRad="63500" sx="104000" sy="104000" algn="ctr" rotWithShape="0">
+              <a:srgbClr val="FFFF00"/>
+            </a:outerShdw>
+          </a:effectLst>
+        </p:spPr>
+      </p:pic>
+      <p:grpSp>
+        <p:nvGrpSpPr>
+          <p:cNvPr id="4" name="Group 3">
+            <a:extLst>
+              <a:ext uri="{FF2B5EF4-FFF2-40B4-BE49-F238E27FC236}">
+                <a16:creationId xmlns:a16="http://schemas.microsoft.com/office/drawing/2014/main" id="{C54B42AB-A536-431E-8017-1407B1450238}"/>
+              </a:ext>
+            </a:extLst>
+          </p:cNvPr>
+          <p:cNvGrpSpPr/>
+          <p:nvPr/>
+        </p:nvGrpSpPr>
+        <p:grpSpPr>
+          <a:xfrm>
+            <a:off x="784550" y="775916"/>
+            <a:ext cx="7574900" cy="3023152"/>
+            <a:chOff x="722134" y="775916"/>
+            <a:chExt cx="7574900" cy="3023152"/>
+          </a:xfrm>
+        </p:grpSpPr>
+        <p:pic>
+          <p:nvPicPr>
+            <p:cNvPr id="2050" name="Picture 2">
+              <a:extLst>
+                <a:ext uri="{FF2B5EF4-FFF2-40B4-BE49-F238E27FC236}">
+                  <a16:creationId xmlns:a16="http://schemas.microsoft.com/office/drawing/2014/main" id="{6DDDF52C-19D3-446B-9AF7-E16A4D556492}"/>
+                </a:ext>
+              </a:extLst>
+            </p:cNvPr>
+            <p:cNvPicPr>
+              <a:picLocks noChangeAspect="1" noChangeArrowheads="1"/>
+            </p:cNvPicPr>
+            <p:nvPr/>
+          </p:nvPicPr>
+          <p:blipFill>
+            <a:blip r:embed="rId4">
+              <a:extLst>
+                <a:ext uri="{28A0092B-C50C-407E-A947-70E740481C1C}">
+                  <a14:useLocalDpi xmlns:a14="http://schemas.microsoft.com/office/drawing/2010/main" val="0"/>
+                </a:ext>
+              </a:extLst>
+            </a:blip>
+            <a:srcRect/>
+            <a:stretch>
+              <a:fillRect/>
+            </a:stretch>
+          </p:blipFill>
+          <p:spPr bwMode="auto">
+            <a:xfrm>
+              <a:off x="722134" y="775916"/>
+              <a:ext cx="3506483" cy="3023152"/>
+            </a:xfrm>
+            <a:prstGeom prst="rect">
+              <a:avLst/>
+            </a:prstGeom>
+            <a:noFill/>
+            <a:extLst>
+              <a:ext uri="{909E8E84-426E-40DD-AFC4-6F175D3DCCD1}">
+                <a14:hiddenFill xmlns:a14="http://schemas.microsoft.com/office/drawing/2010/main">
+                  <a:solidFill>
+                    <a:srgbClr val="FFFFFF"/>
+                  </a:solidFill>
+                </a14:hiddenFill>
+              </a:ext>
+            </a:extLst>
+          </p:spPr>
+        </p:pic>
+        <p:pic>
+          <p:nvPicPr>
+            <p:cNvPr id="5" name="Picture 2">
+              <a:extLst>
+                <a:ext uri="{FF2B5EF4-FFF2-40B4-BE49-F238E27FC236}">
+                  <a16:creationId xmlns:a16="http://schemas.microsoft.com/office/drawing/2014/main" id="{DDAE7FC8-E18E-4C5D-835B-F38B33525A45}"/>
+                </a:ext>
+              </a:extLst>
+            </p:cNvPr>
+            <p:cNvPicPr>
+              <a:picLocks noChangeAspect="1" noChangeArrowheads="1"/>
+            </p:cNvPicPr>
+            <p:nvPr/>
+          </p:nvPicPr>
+          <p:blipFill>
+            <a:blip r:embed="rId4">
+              <a:extLst>
+                <a:ext uri="{28A0092B-C50C-407E-A947-70E740481C1C}">
+                  <a14:useLocalDpi xmlns:a14="http://schemas.microsoft.com/office/drawing/2010/main" val="0"/>
+                </a:ext>
+              </a:extLst>
+            </a:blip>
+            <a:srcRect/>
+            <a:stretch>
+              <a:fillRect/>
+            </a:stretch>
+          </p:blipFill>
+          <p:spPr bwMode="auto">
+            <a:xfrm>
+              <a:off x="4790551" y="775916"/>
+              <a:ext cx="3506483" cy="3023152"/>
+            </a:xfrm>
+            <a:prstGeom prst="rect">
+              <a:avLst/>
+            </a:prstGeom>
+            <a:noFill/>
+            <a:extLst>
+              <a:ext uri="{909E8E84-426E-40DD-AFC4-6F175D3DCCD1}">
+                <a14:hiddenFill xmlns:a14="http://schemas.microsoft.com/office/drawing/2010/main">
+                  <a:solidFill>
+                    <a:srgbClr val="FFFFFF"/>
+                  </a:solidFill>
+                </a14:hiddenFill>
+              </a:ext>
+            </a:extLst>
+          </p:spPr>
+        </p:pic>
+        <p:sp>
+          <p:nvSpPr>
+            <p:cNvPr id="3" name="Arrow: Right 2">
+              <a:extLst>
+                <a:ext uri="{FF2B5EF4-FFF2-40B4-BE49-F238E27FC236}">
+                  <a16:creationId xmlns:a16="http://schemas.microsoft.com/office/drawing/2014/main" id="{752167D9-C3B6-4ECF-ADD2-F5E762D4F1E9}"/>
+                </a:ext>
+              </a:extLst>
+            </p:cNvPr>
+            <p:cNvSpPr/>
+            <p:nvPr/>
+          </p:nvSpPr>
+          <p:spPr>
+            <a:xfrm>
+              <a:off x="3988904" y="2571750"/>
+              <a:ext cx="1166192" cy="529259"/>
+            </a:xfrm>
+            <a:prstGeom prst="rightArrow">
+              <a:avLst/>
+            </a:prstGeom>
+            <a:solidFill>
+              <a:srgbClr val="FF0000"/>
+            </a:solidFill>
+            <a:ln>
+              <a:noFill/>
+            </a:ln>
+          </p:spPr>
+          <p:style>
+            <a:lnRef idx="2">
+              <a:schemeClr val="accent1">
+                <a:shade val="50000"/>
+              </a:schemeClr>
+            </a:lnRef>
+            <a:fillRef idx="1">
+              <a:schemeClr val="accent1"/>
+            </a:fillRef>
+            <a:effectRef idx="0">
+              <a:schemeClr val="accent1"/>
+            </a:effectRef>
+            <a:fontRef idx="minor">
+              <a:schemeClr val="lt1"/>
+            </a:fontRef>
+          </p:style>
+          <p:txBody>
+            <a:bodyPr rtlCol="0" anchor="ctr"/>
+            <a:lstStyle/>
+            <a:p>
+              <a:pPr algn="ctr"/>
+              <a:endParaRPr lang="en-US" dirty="0"/>
+            </a:p>
+          </p:txBody>
+        </p:sp>
+      </p:grpSp>
+    </p:spTree>
+    <p:extLst>
+      <p:ext uri="{BB962C8B-B14F-4D97-AF65-F5344CB8AC3E}">
+        <p14:creationId xmlns:p14="http://schemas.microsoft.com/office/powerpoint/2010/main" val="3729041761"/>
+      </p:ext>
+    </p:extLst>
+  </p:cSld>
+  <p:clrMapOvr>
+    <a:masterClrMapping/>
+  </p:clrMapOvr>
+</p:sld>
+</file>
+
+<file path=ppt/slides/slide70.xml><?xml version="1.0" encoding="utf-8"?>
 <p:sld xmlns:a="http://schemas.openxmlformats.org/drawingml/2006/main" xmlns:r="http://schemas.openxmlformats.org/officeDocument/2006/relationships" xmlns:p="http://schemas.openxmlformats.org/presentationml/2006/main">
   <p:cSld>
     <p:spTree>
@@ -38722,303 +40117,7 @@
 </p:sld>
 </file>
 
-<file path=ppt/slides/slide7.xml><?xml version="1.0" encoding="utf-8"?>
-<p:sld xmlns:a="http://schemas.openxmlformats.org/drawingml/2006/main" xmlns:r="http://schemas.openxmlformats.org/officeDocument/2006/relationships" xmlns:p="http://schemas.openxmlformats.org/presentationml/2006/main">
-  <p:cSld>
-    <p:spTree>
-      <p:nvGrpSpPr>
-        <p:cNvPr id="1" name=""/>
-        <p:cNvGrpSpPr/>
-        <p:nvPr/>
-      </p:nvGrpSpPr>
-      <p:grpSpPr>
-        <a:xfrm>
-          <a:off x="0" y="0"/>
-          <a:ext cx="0" cy="0"/>
-          <a:chOff x="0" y="0"/>
-          <a:chExt cx="0" cy="0"/>
-        </a:xfrm>
-      </p:grpSpPr>
-      <p:sp>
-        <p:nvSpPr>
-          <p:cNvPr id="11" name="TextBox 10">
-            <a:extLst>
-              <a:ext uri="{FF2B5EF4-FFF2-40B4-BE49-F238E27FC236}">
-                <a16:creationId xmlns:a16="http://schemas.microsoft.com/office/drawing/2014/main" id="{49A7B9B6-8455-43BE-8670-E01CE03933DF}"/>
-              </a:ext>
-            </a:extLst>
-          </p:cNvPr>
-          <p:cNvSpPr txBox="1"/>
-          <p:nvPr/>
-        </p:nvSpPr>
-        <p:spPr>
-          <a:xfrm>
-            <a:off x="2844604" y="3858413"/>
-            <a:ext cx="3454792" cy="1015663"/>
-          </a:xfrm>
-          <a:prstGeom prst="rect">
-            <a:avLst/>
-          </a:prstGeom>
-          <a:noFill/>
-        </p:spPr>
-        <p:txBody>
-          <a:bodyPr wrap="none" rtlCol="0">
-            <a:spAutoFit/>
-          </a:bodyPr>
-          <a:lstStyle/>
-          <a:p>
-            <a:r>
-              <a:rPr lang="vi-VN" sz="6000">
-                <a:ln w="19050">
-                  <a:solidFill>
-                    <a:schemeClr val="tx1"/>
-                  </a:solidFill>
-                </a:ln>
-                <a:solidFill>
-                  <a:srgbClr val="FFFF00"/>
-                </a:solidFill>
-                <a:latin typeface="FVF Fernando 08" panose="02000507020000020003" pitchFamily="2" charset="0"/>
-              </a:rPr>
-              <a:t>/clone</a:t>
-            </a:r>
-            <a:endParaRPr lang="en-US" sz="6000" dirty="0">
-              <a:ln w="19050">
-                <a:solidFill>
-                  <a:schemeClr val="tx1"/>
-                </a:solidFill>
-              </a:ln>
-              <a:solidFill>
-                <a:srgbClr val="FFFF00"/>
-              </a:solidFill>
-              <a:latin typeface="FVF Fernando 08" panose="02000507020000020003" pitchFamily="2" charset="0"/>
-            </a:endParaRPr>
-          </a:p>
-        </p:txBody>
-      </p:sp>
-      <p:pic>
-        <p:nvPicPr>
-          <p:cNvPr id="14" name="Picture 13">
-            <a:extLst>
-              <a:ext uri="{FF2B5EF4-FFF2-40B4-BE49-F238E27FC236}">
-                <a16:creationId xmlns:a16="http://schemas.microsoft.com/office/drawing/2014/main" id="{E2D411D6-C028-4F7B-96FB-CC2855017620}"/>
-              </a:ext>
-            </a:extLst>
-          </p:cNvPr>
-          <p:cNvPicPr>
-            <a:picLocks noChangeAspect="1"/>
-          </p:cNvPicPr>
-          <p:nvPr/>
-        </p:nvPicPr>
-        <p:blipFill>
-          <a:blip r:embed="rId3">
-            <a:extLst>
-              <a:ext uri="{28A0092B-C50C-407E-A947-70E740481C1C}">
-                <a14:useLocalDpi xmlns:a14="http://schemas.microsoft.com/office/drawing/2010/main" val="0"/>
-              </a:ext>
-            </a:extLst>
-          </a:blip>
-          <a:srcRect/>
-          <a:stretch/>
-        </p:blipFill>
-        <p:spPr>
-          <a:xfrm>
-            <a:off x="7675990" y="30481"/>
-            <a:ext cx="1490870" cy="1490870"/>
-          </a:xfrm>
-          <a:prstGeom prst="rect">
-            <a:avLst/>
-          </a:prstGeom>
-          <a:ln w="19050">
-            <a:noFill/>
-          </a:ln>
-          <a:effectLst>
-            <a:outerShdw blurRad="63500" sx="104000" sy="104000" algn="ctr" rotWithShape="0">
-              <a:srgbClr val="FFFF00"/>
-            </a:outerShdw>
-          </a:effectLst>
-        </p:spPr>
-      </p:pic>
-      <p:grpSp>
-        <p:nvGrpSpPr>
-          <p:cNvPr id="4" name="Group 3">
-            <a:extLst>
-              <a:ext uri="{FF2B5EF4-FFF2-40B4-BE49-F238E27FC236}">
-                <a16:creationId xmlns:a16="http://schemas.microsoft.com/office/drawing/2014/main" id="{C54B42AB-A536-431E-8017-1407B1450238}"/>
-              </a:ext>
-            </a:extLst>
-          </p:cNvPr>
-          <p:cNvGrpSpPr/>
-          <p:nvPr/>
-        </p:nvGrpSpPr>
-        <p:grpSpPr>
-          <a:xfrm>
-            <a:off x="784550" y="775916"/>
-            <a:ext cx="7574900" cy="3023152"/>
-            <a:chOff x="722134" y="775916"/>
-            <a:chExt cx="7574900" cy="3023152"/>
-          </a:xfrm>
-        </p:grpSpPr>
-        <p:pic>
-          <p:nvPicPr>
-            <p:cNvPr id="2050" name="Picture 2">
-              <a:extLst>
-                <a:ext uri="{FF2B5EF4-FFF2-40B4-BE49-F238E27FC236}">
-                  <a16:creationId xmlns:a16="http://schemas.microsoft.com/office/drawing/2014/main" id="{6DDDF52C-19D3-446B-9AF7-E16A4D556492}"/>
-                </a:ext>
-              </a:extLst>
-            </p:cNvPr>
-            <p:cNvPicPr>
-              <a:picLocks noChangeAspect="1" noChangeArrowheads="1"/>
-            </p:cNvPicPr>
-            <p:nvPr/>
-          </p:nvPicPr>
-          <p:blipFill>
-            <a:blip r:embed="rId4">
-              <a:extLst>
-                <a:ext uri="{28A0092B-C50C-407E-A947-70E740481C1C}">
-                  <a14:useLocalDpi xmlns:a14="http://schemas.microsoft.com/office/drawing/2010/main" val="0"/>
-                </a:ext>
-              </a:extLst>
-            </a:blip>
-            <a:srcRect/>
-            <a:stretch>
-              <a:fillRect/>
-            </a:stretch>
-          </p:blipFill>
-          <p:spPr bwMode="auto">
-            <a:xfrm>
-              <a:off x="722134" y="775916"/>
-              <a:ext cx="3506483" cy="3023152"/>
-            </a:xfrm>
-            <a:prstGeom prst="rect">
-              <a:avLst/>
-            </a:prstGeom>
-            <a:noFill/>
-            <a:extLst>
-              <a:ext uri="{909E8E84-426E-40DD-AFC4-6F175D3DCCD1}">
-                <a14:hiddenFill xmlns:a14="http://schemas.microsoft.com/office/drawing/2010/main">
-                  <a:solidFill>
-                    <a:srgbClr val="FFFFFF"/>
-                  </a:solidFill>
-                </a14:hiddenFill>
-              </a:ext>
-            </a:extLst>
-          </p:spPr>
-        </p:pic>
-        <p:pic>
-          <p:nvPicPr>
-            <p:cNvPr id="5" name="Picture 2">
-              <a:extLst>
-                <a:ext uri="{FF2B5EF4-FFF2-40B4-BE49-F238E27FC236}">
-                  <a16:creationId xmlns:a16="http://schemas.microsoft.com/office/drawing/2014/main" id="{DDAE7FC8-E18E-4C5D-835B-F38B33525A45}"/>
-                </a:ext>
-              </a:extLst>
-            </p:cNvPr>
-            <p:cNvPicPr>
-              <a:picLocks noChangeAspect="1" noChangeArrowheads="1"/>
-            </p:cNvPicPr>
-            <p:nvPr/>
-          </p:nvPicPr>
-          <p:blipFill>
-            <a:blip r:embed="rId4">
-              <a:extLst>
-                <a:ext uri="{28A0092B-C50C-407E-A947-70E740481C1C}">
-                  <a14:useLocalDpi xmlns:a14="http://schemas.microsoft.com/office/drawing/2010/main" val="0"/>
-                </a:ext>
-              </a:extLst>
-            </a:blip>
-            <a:srcRect/>
-            <a:stretch>
-              <a:fillRect/>
-            </a:stretch>
-          </p:blipFill>
-          <p:spPr bwMode="auto">
-            <a:xfrm>
-              <a:off x="4790551" y="775916"/>
-              <a:ext cx="3506483" cy="3023152"/>
-            </a:xfrm>
-            <a:prstGeom prst="rect">
-              <a:avLst/>
-            </a:prstGeom>
-            <a:noFill/>
-            <a:extLst>
-              <a:ext uri="{909E8E84-426E-40DD-AFC4-6F175D3DCCD1}">
-                <a14:hiddenFill xmlns:a14="http://schemas.microsoft.com/office/drawing/2010/main">
-                  <a:solidFill>
-                    <a:srgbClr val="FFFFFF"/>
-                  </a:solidFill>
-                </a14:hiddenFill>
-              </a:ext>
-            </a:extLst>
-          </p:spPr>
-        </p:pic>
-        <p:sp>
-          <p:nvSpPr>
-            <p:cNvPr id="3" name="Arrow: Right 2">
-              <a:extLst>
-                <a:ext uri="{FF2B5EF4-FFF2-40B4-BE49-F238E27FC236}">
-                  <a16:creationId xmlns:a16="http://schemas.microsoft.com/office/drawing/2014/main" id="{752167D9-C3B6-4ECF-ADD2-F5E762D4F1E9}"/>
-                </a:ext>
-              </a:extLst>
-            </p:cNvPr>
-            <p:cNvSpPr/>
-            <p:nvPr/>
-          </p:nvSpPr>
-          <p:spPr>
-            <a:xfrm>
-              <a:off x="3988904" y="2571750"/>
-              <a:ext cx="1166192" cy="529259"/>
-            </a:xfrm>
-            <a:prstGeom prst="rightArrow">
-              <a:avLst/>
-            </a:prstGeom>
-            <a:solidFill>
-              <a:srgbClr val="FF0000"/>
-            </a:solidFill>
-            <a:ln>
-              <a:noFill/>
-            </a:ln>
-          </p:spPr>
-          <p:style>
-            <a:lnRef idx="2">
-              <a:schemeClr val="accent1">
-                <a:shade val="50000"/>
-              </a:schemeClr>
-            </a:lnRef>
-            <a:fillRef idx="1">
-              <a:schemeClr val="accent1"/>
-            </a:fillRef>
-            <a:effectRef idx="0">
-              <a:schemeClr val="accent1"/>
-            </a:effectRef>
-            <a:fontRef idx="minor">
-              <a:schemeClr val="lt1"/>
-            </a:fontRef>
-          </p:style>
-          <p:txBody>
-            <a:bodyPr rtlCol="0" anchor="ctr"/>
-            <a:lstStyle/>
-            <a:p>
-              <a:pPr algn="ctr"/>
-              <a:endParaRPr lang="en-US" dirty="0"/>
-            </a:p>
-          </p:txBody>
-        </p:sp>
-      </p:grpSp>
-    </p:spTree>
-    <p:extLst>
-      <p:ext uri="{BB962C8B-B14F-4D97-AF65-F5344CB8AC3E}">
-        <p14:creationId xmlns:p14="http://schemas.microsoft.com/office/powerpoint/2010/main" val="3729041761"/>
-      </p:ext>
-    </p:extLst>
-  </p:cSld>
-  <p:clrMapOvr>
-    <a:masterClrMapping/>
-  </p:clrMapOvr>
-</p:sld>
-</file>
-
-<file path=ppt/slides/slide70.xml><?xml version="1.0" encoding="utf-8"?>
+<file path=ppt/slides/slide71.xml><?xml version="1.0" encoding="utf-8"?>
 <p:sld xmlns:a="http://schemas.openxmlformats.org/drawingml/2006/main" xmlns:r="http://schemas.openxmlformats.org/officeDocument/2006/relationships" xmlns:p="http://schemas.openxmlformats.org/presentationml/2006/main">
   <p:cSld>
     <p:spTree>
@@ -39312,7 +40411,7 @@
 </p:sld>
 </file>
 
-<file path=ppt/slides/slide71.xml><?xml version="1.0" encoding="utf-8"?>
+<file path=ppt/slides/slide72.xml><?xml version="1.0" encoding="utf-8"?>
 <p:sld xmlns:a="http://schemas.openxmlformats.org/drawingml/2006/main" xmlns:r="http://schemas.openxmlformats.org/officeDocument/2006/relationships" xmlns:p="http://schemas.openxmlformats.org/presentationml/2006/main">
   <p:cSld>
     <p:spTree>
@@ -39698,7 +40797,7 @@
 </p:sld>
 </file>
 
-<file path=ppt/slides/slide72.xml><?xml version="1.0" encoding="utf-8"?>
+<file path=ppt/slides/slide73.xml><?xml version="1.0" encoding="utf-8"?>
 <p:sld xmlns:a="http://schemas.openxmlformats.org/drawingml/2006/main" xmlns:r="http://schemas.openxmlformats.org/officeDocument/2006/relationships" xmlns:p="http://schemas.openxmlformats.org/presentationml/2006/main">
   <p:cSld>
     <p:spTree>
@@ -39967,7 +41066,7 @@
 </p:sld>
 </file>
 
-<file path=ppt/slides/slide73.xml><?xml version="1.0" encoding="utf-8"?>
+<file path=ppt/slides/slide74.xml><?xml version="1.0" encoding="utf-8"?>
 <p:sld xmlns:a="http://schemas.openxmlformats.org/drawingml/2006/main" xmlns:r="http://schemas.openxmlformats.org/officeDocument/2006/relationships" xmlns:p="http://schemas.openxmlformats.org/presentationml/2006/main">
   <p:cSld>
     <p:spTree>
@@ -40435,7 +41534,7 @@
 </p:sld>
 </file>
 
-<file path=ppt/slides/slide74.xml><?xml version="1.0" encoding="utf-8"?>
+<file path=ppt/slides/slide75.xml><?xml version="1.0" encoding="utf-8"?>
 <p:sld xmlns:a="http://schemas.openxmlformats.org/drawingml/2006/main" xmlns:r="http://schemas.openxmlformats.org/officeDocument/2006/relationships" xmlns:p="http://schemas.openxmlformats.org/presentationml/2006/main">
   <p:cSld>
     <p:spTree>
@@ -40564,7 +41663,7 @@
 </p:sld>
 </file>
 
-<file path=ppt/slides/slide75.xml><?xml version="1.0" encoding="utf-8"?>
+<file path=ppt/slides/slide76.xml><?xml version="1.0" encoding="utf-8"?>
 <p:sld xmlns:a="http://schemas.openxmlformats.org/drawingml/2006/main" xmlns:r="http://schemas.openxmlformats.org/officeDocument/2006/relationships" xmlns:p="http://schemas.openxmlformats.org/presentationml/2006/main">
   <p:cSld>
     <p:spTree>
@@ -40734,7 +41833,7 @@
 </p:sld>
 </file>
 
-<file path=ppt/slides/slide76.xml><?xml version="1.0" encoding="utf-8"?>
+<file path=ppt/slides/slide77.xml><?xml version="1.0" encoding="utf-8"?>
 <p:sld xmlns:a="http://schemas.openxmlformats.org/drawingml/2006/main" xmlns:r="http://schemas.openxmlformats.org/officeDocument/2006/relationships" xmlns:p="http://schemas.openxmlformats.org/presentationml/2006/main">
   <p:cSld>
     <p:spTree>
@@ -40904,7 +42003,7 @@
 </p:sld>
 </file>
 
-<file path=ppt/slides/slide77.xml><?xml version="1.0" encoding="utf-8"?>
+<file path=ppt/slides/slide78.xml><?xml version="1.0" encoding="utf-8"?>
 <p:sld xmlns:a="http://schemas.openxmlformats.org/drawingml/2006/main" xmlns:r="http://schemas.openxmlformats.org/officeDocument/2006/relationships" xmlns:p="http://schemas.openxmlformats.org/presentationml/2006/main">
   <p:cSld>
     <p:spTree>
@@ -41074,7 +42173,7 @@
 </p:sld>
 </file>
 
-<file path=ppt/slides/slide78.xml><?xml version="1.0" encoding="utf-8"?>
+<file path=ppt/slides/slide79.xml><?xml version="1.0" encoding="utf-8"?>
 <p:sld xmlns:a="http://schemas.openxmlformats.org/drawingml/2006/main" xmlns:r="http://schemas.openxmlformats.org/officeDocument/2006/relationships" xmlns:p="http://schemas.openxmlformats.org/presentationml/2006/main">
   <p:cSld>
     <p:spTree>
@@ -41235,176 +42334,6 @@
     <p:extLst>
       <p:ext uri="{BB962C8B-B14F-4D97-AF65-F5344CB8AC3E}">
         <p14:creationId xmlns:p14="http://schemas.microsoft.com/office/powerpoint/2010/main" val="3286605201"/>
-      </p:ext>
-    </p:extLst>
-  </p:cSld>
-  <p:clrMapOvr>
-    <a:masterClrMapping/>
-  </p:clrMapOvr>
-</p:sld>
-</file>
-
-<file path=ppt/slides/slide79.xml><?xml version="1.0" encoding="utf-8"?>
-<p:sld xmlns:a="http://schemas.openxmlformats.org/drawingml/2006/main" xmlns:r="http://schemas.openxmlformats.org/officeDocument/2006/relationships" xmlns:p="http://schemas.openxmlformats.org/presentationml/2006/main">
-  <p:cSld>
-    <p:spTree>
-      <p:nvGrpSpPr>
-        <p:cNvPr id="1" name=""/>
-        <p:cNvGrpSpPr/>
-        <p:nvPr/>
-      </p:nvGrpSpPr>
-      <p:grpSpPr>
-        <a:xfrm>
-          <a:off x="0" y="0"/>
-          <a:ext cx="0" cy="0"/>
-          <a:chOff x="0" y="0"/>
-          <a:chExt cx="0" cy="0"/>
-        </a:xfrm>
-      </p:grpSpPr>
-      <p:sp>
-        <p:nvSpPr>
-          <p:cNvPr id="11" name="TextBox 10">
-            <a:extLst>
-              <a:ext uri="{FF2B5EF4-FFF2-40B4-BE49-F238E27FC236}">
-                <a16:creationId xmlns:a16="http://schemas.microsoft.com/office/drawing/2014/main" id="{49A7B9B6-8455-43BE-8670-E01CE03933DF}"/>
-              </a:ext>
-            </a:extLst>
-          </p:cNvPr>
-          <p:cNvSpPr txBox="1"/>
-          <p:nvPr/>
-        </p:nvSpPr>
-        <p:spPr>
-          <a:xfrm>
-            <a:off x="1978980" y="3858413"/>
-            <a:ext cx="5186035" cy="1015663"/>
-          </a:xfrm>
-          <a:prstGeom prst="rect">
-            <a:avLst/>
-          </a:prstGeom>
-          <a:noFill/>
-        </p:spPr>
-        <p:txBody>
-          <a:bodyPr wrap="none" rtlCol="0">
-            <a:spAutoFit/>
-          </a:bodyPr>
-          <a:lstStyle/>
-          <a:p>
-            <a:r>
-              <a:rPr lang="vi-VN" sz="6000" dirty="0">
-                <a:ln w="19050">
-                  <a:solidFill>
-                    <a:schemeClr val="tx1"/>
-                  </a:solidFill>
-                </a:ln>
-                <a:solidFill>
-                  <a:srgbClr val="FFFF00"/>
-                </a:solidFill>
-                <a:latin typeface="FVF Fernando 08" panose="02000507020000020003" pitchFamily="2" charset="0"/>
-              </a:rPr>
-              <a:t>Damage Id</a:t>
-            </a:r>
-            <a:endParaRPr lang="en-US" sz="6000" dirty="0">
-              <a:ln w="19050">
-                <a:solidFill>
-                  <a:schemeClr val="tx1"/>
-                </a:solidFill>
-              </a:ln>
-              <a:solidFill>
-                <a:srgbClr val="FFFF00"/>
-              </a:solidFill>
-              <a:latin typeface="FVF Fernando 08" panose="02000507020000020003" pitchFamily="2" charset="0"/>
-            </a:endParaRPr>
-          </a:p>
-        </p:txBody>
-      </p:sp>
-      <p:pic>
-        <p:nvPicPr>
-          <p:cNvPr id="14" name="Picture 13">
-            <a:extLst>
-              <a:ext uri="{FF2B5EF4-FFF2-40B4-BE49-F238E27FC236}">
-                <a16:creationId xmlns:a16="http://schemas.microsoft.com/office/drawing/2014/main" id="{E2D411D6-C028-4F7B-96FB-CC2855017620}"/>
-              </a:ext>
-            </a:extLst>
-          </p:cNvPr>
-          <p:cNvPicPr>
-            <a:picLocks noChangeAspect="1"/>
-          </p:cNvPicPr>
-          <p:nvPr/>
-        </p:nvPicPr>
-        <p:blipFill>
-          <a:blip r:embed="rId3">
-            <a:extLst>
-              <a:ext uri="{28A0092B-C50C-407E-A947-70E740481C1C}">
-                <a14:useLocalDpi xmlns:a14="http://schemas.microsoft.com/office/drawing/2010/main" val="0"/>
-              </a:ext>
-            </a:extLst>
-          </a:blip>
-          <a:srcRect/>
-          <a:stretch/>
-        </p:blipFill>
-        <p:spPr>
-          <a:xfrm>
-            <a:off x="7675990" y="30481"/>
-            <a:ext cx="1490870" cy="1490870"/>
-          </a:xfrm>
-          <a:prstGeom prst="rect">
-            <a:avLst/>
-          </a:prstGeom>
-          <a:ln w="19050">
-            <a:noFill/>
-          </a:ln>
-          <a:effectLst>
-            <a:outerShdw blurRad="63500" sx="104000" sy="104000" algn="ctr" rotWithShape="0">
-              <a:srgbClr val="FFFF00"/>
-            </a:outerShdw>
-          </a:effectLst>
-        </p:spPr>
-      </p:pic>
-      <p:pic>
-        <p:nvPicPr>
-          <p:cNvPr id="3" name="Picture 2">
-            <a:extLst>
-              <a:ext uri="{FF2B5EF4-FFF2-40B4-BE49-F238E27FC236}">
-                <a16:creationId xmlns:a16="http://schemas.microsoft.com/office/drawing/2014/main" id="{5BA2E600-ACA3-41D4-AE81-59539181FF36}"/>
-              </a:ext>
-            </a:extLst>
-          </p:cNvPr>
-          <p:cNvPicPr>
-            <a:picLocks noChangeAspect="1"/>
-          </p:cNvPicPr>
-          <p:nvPr/>
-        </p:nvPicPr>
-        <p:blipFill>
-          <a:blip r:embed="rId4">
-            <a:extLst>
-              <a:ext uri="{28A0092B-C50C-407E-A947-70E740481C1C}">
-                <a14:useLocalDpi xmlns:a14="http://schemas.microsoft.com/office/drawing/2010/main" val="0"/>
-              </a:ext>
-            </a:extLst>
-          </a:blip>
-          <a:stretch>
-            <a:fillRect/>
-          </a:stretch>
-        </p:blipFill>
-        <p:spPr>
-          <a:xfrm>
-            <a:off x="3025669" y="1513735"/>
-            <a:ext cx="3092659" cy="2116030"/>
-          </a:xfrm>
-          <a:prstGeom prst="rect">
-            <a:avLst/>
-          </a:prstGeom>
-          <a:effectLst>
-            <a:glow rad="63500">
-              <a:srgbClr val="FFC000"/>
-            </a:glow>
-          </a:effectLst>
-        </p:spPr>
-      </p:pic>
-    </p:spTree>
-    <p:extLst>
-      <p:ext uri="{BB962C8B-B14F-4D97-AF65-F5344CB8AC3E}">
-        <p14:creationId xmlns:p14="http://schemas.microsoft.com/office/powerpoint/2010/main" val="261198485"/>
       </p:ext>
     </p:extLst>
   </p:cSld>
@@ -41714,6 +42643,176 @@
         </p:nvSpPr>
         <p:spPr>
           <a:xfrm>
+            <a:off x="1978980" y="3858413"/>
+            <a:ext cx="5186035" cy="1015663"/>
+          </a:xfrm>
+          <a:prstGeom prst="rect">
+            <a:avLst/>
+          </a:prstGeom>
+          <a:noFill/>
+        </p:spPr>
+        <p:txBody>
+          <a:bodyPr wrap="none" rtlCol="0">
+            <a:spAutoFit/>
+          </a:bodyPr>
+          <a:lstStyle/>
+          <a:p>
+            <a:r>
+              <a:rPr lang="vi-VN" sz="6000" dirty="0">
+                <a:ln w="19050">
+                  <a:solidFill>
+                    <a:schemeClr val="tx1"/>
+                  </a:solidFill>
+                </a:ln>
+                <a:solidFill>
+                  <a:srgbClr val="FFFF00"/>
+                </a:solidFill>
+                <a:latin typeface="FVF Fernando 08" panose="02000507020000020003" pitchFamily="2" charset="0"/>
+              </a:rPr>
+              <a:t>Damage Id</a:t>
+            </a:r>
+            <a:endParaRPr lang="en-US" sz="6000" dirty="0">
+              <a:ln w="19050">
+                <a:solidFill>
+                  <a:schemeClr val="tx1"/>
+                </a:solidFill>
+              </a:ln>
+              <a:solidFill>
+                <a:srgbClr val="FFFF00"/>
+              </a:solidFill>
+              <a:latin typeface="FVF Fernando 08" panose="02000507020000020003" pitchFamily="2" charset="0"/>
+            </a:endParaRPr>
+          </a:p>
+        </p:txBody>
+      </p:sp>
+      <p:pic>
+        <p:nvPicPr>
+          <p:cNvPr id="14" name="Picture 13">
+            <a:extLst>
+              <a:ext uri="{FF2B5EF4-FFF2-40B4-BE49-F238E27FC236}">
+                <a16:creationId xmlns:a16="http://schemas.microsoft.com/office/drawing/2014/main" id="{E2D411D6-C028-4F7B-96FB-CC2855017620}"/>
+              </a:ext>
+            </a:extLst>
+          </p:cNvPr>
+          <p:cNvPicPr>
+            <a:picLocks noChangeAspect="1"/>
+          </p:cNvPicPr>
+          <p:nvPr/>
+        </p:nvPicPr>
+        <p:blipFill>
+          <a:blip r:embed="rId3">
+            <a:extLst>
+              <a:ext uri="{28A0092B-C50C-407E-A947-70E740481C1C}">
+                <a14:useLocalDpi xmlns:a14="http://schemas.microsoft.com/office/drawing/2010/main" val="0"/>
+              </a:ext>
+            </a:extLst>
+          </a:blip>
+          <a:srcRect/>
+          <a:stretch/>
+        </p:blipFill>
+        <p:spPr>
+          <a:xfrm>
+            <a:off x="7675990" y="30481"/>
+            <a:ext cx="1490870" cy="1490870"/>
+          </a:xfrm>
+          <a:prstGeom prst="rect">
+            <a:avLst/>
+          </a:prstGeom>
+          <a:ln w="19050">
+            <a:noFill/>
+          </a:ln>
+          <a:effectLst>
+            <a:outerShdw blurRad="63500" sx="104000" sy="104000" algn="ctr" rotWithShape="0">
+              <a:srgbClr val="FFFF00"/>
+            </a:outerShdw>
+          </a:effectLst>
+        </p:spPr>
+      </p:pic>
+      <p:pic>
+        <p:nvPicPr>
+          <p:cNvPr id="3" name="Picture 2">
+            <a:extLst>
+              <a:ext uri="{FF2B5EF4-FFF2-40B4-BE49-F238E27FC236}">
+                <a16:creationId xmlns:a16="http://schemas.microsoft.com/office/drawing/2014/main" id="{5BA2E600-ACA3-41D4-AE81-59539181FF36}"/>
+              </a:ext>
+            </a:extLst>
+          </p:cNvPr>
+          <p:cNvPicPr>
+            <a:picLocks noChangeAspect="1"/>
+          </p:cNvPicPr>
+          <p:nvPr/>
+        </p:nvPicPr>
+        <p:blipFill>
+          <a:blip r:embed="rId4">
+            <a:extLst>
+              <a:ext uri="{28A0092B-C50C-407E-A947-70E740481C1C}">
+                <a14:useLocalDpi xmlns:a14="http://schemas.microsoft.com/office/drawing/2010/main" val="0"/>
+              </a:ext>
+            </a:extLst>
+          </a:blip>
+          <a:stretch>
+            <a:fillRect/>
+          </a:stretch>
+        </p:blipFill>
+        <p:spPr>
+          <a:xfrm>
+            <a:off x="3025669" y="1513735"/>
+            <a:ext cx="3092659" cy="2116030"/>
+          </a:xfrm>
+          <a:prstGeom prst="rect">
+            <a:avLst/>
+          </a:prstGeom>
+          <a:effectLst>
+            <a:glow rad="63500">
+              <a:srgbClr val="FFC000"/>
+            </a:glow>
+          </a:effectLst>
+        </p:spPr>
+      </p:pic>
+    </p:spTree>
+    <p:extLst>
+      <p:ext uri="{BB962C8B-B14F-4D97-AF65-F5344CB8AC3E}">
+        <p14:creationId xmlns:p14="http://schemas.microsoft.com/office/powerpoint/2010/main" val="261198485"/>
+      </p:ext>
+    </p:extLst>
+  </p:cSld>
+  <p:clrMapOvr>
+    <a:masterClrMapping/>
+  </p:clrMapOvr>
+</p:sld>
+</file>
+
+<file path=ppt/slides/slide81.xml><?xml version="1.0" encoding="utf-8"?>
+<p:sld xmlns:a="http://schemas.openxmlformats.org/drawingml/2006/main" xmlns:r="http://schemas.openxmlformats.org/officeDocument/2006/relationships" xmlns:p="http://schemas.openxmlformats.org/presentationml/2006/main">
+  <p:cSld>
+    <p:spTree>
+      <p:nvGrpSpPr>
+        <p:cNvPr id="1" name=""/>
+        <p:cNvGrpSpPr/>
+        <p:nvPr/>
+      </p:nvGrpSpPr>
+      <p:grpSpPr>
+        <a:xfrm>
+          <a:off x="0" y="0"/>
+          <a:ext cx="0" cy="0"/>
+          <a:chOff x="0" y="0"/>
+          <a:chExt cx="0" cy="0"/>
+        </a:xfrm>
+      </p:grpSpPr>
+      <p:sp>
+        <p:nvSpPr>
+          <p:cNvPr id="11" name="TextBox 10">
+            <a:extLst>
+              <a:ext uri="{FF2B5EF4-FFF2-40B4-BE49-F238E27FC236}">
+                <a16:creationId xmlns:a16="http://schemas.microsoft.com/office/drawing/2014/main" id="{49A7B9B6-8455-43BE-8670-E01CE03933DF}"/>
+              </a:ext>
+            </a:extLst>
+          </p:cNvPr>
+          <p:cNvSpPr txBox="1"/>
+          <p:nvPr/>
+        </p:nvSpPr>
+        <p:spPr>
+          <a:xfrm>
             <a:off x="2459881" y="3858413"/>
             <a:ext cx="4224233" cy="1015663"/>
           </a:xfrm>
@@ -41853,7 +42952,7 @@
 </p:sld>
 </file>
 
-<file path=ppt/slides/slide81.xml><?xml version="1.0" encoding="utf-8"?>
+<file path=ppt/slides/slide82.xml><?xml version="1.0" encoding="utf-8"?>
 <p:sld xmlns:a="http://schemas.openxmlformats.org/drawingml/2006/main" xmlns:r="http://schemas.openxmlformats.org/officeDocument/2006/relationships" xmlns:p="http://schemas.openxmlformats.org/presentationml/2006/main">
   <p:cSld>
     <p:spTree>
@@ -42023,7 +43122,7 @@
 </p:sld>
 </file>
 
-<file path=ppt/slides/slide82.xml><?xml version="1.0" encoding="utf-8"?>
+<file path=ppt/slides/slide83.xml><?xml version="1.0" encoding="utf-8"?>
 <p:sld xmlns:a="http://schemas.openxmlformats.org/drawingml/2006/main" xmlns:r="http://schemas.openxmlformats.org/officeDocument/2006/relationships" xmlns:p="http://schemas.openxmlformats.org/presentationml/2006/main">
   <p:cSld>
     <p:spTree>
@@ -42193,7 +43292,191 @@
 </p:sld>
 </file>
 
-<file path=ppt/slides/slide83.xml><?xml version="1.0" encoding="utf-8"?>
+<file path=ppt/slides/slide84.xml><?xml version="1.0" encoding="utf-8"?>
+<p:sld xmlns:a="http://schemas.openxmlformats.org/drawingml/2006/main" xmlns:r="http://schemas.openxmlformats.org/officeDocument/2006/relationships" xmlns:p="http://schemas.openxmlformats.org/presentationml/2006/main">
+  <p:cSld>
+    <p:spTree>
+      <p:nvGrpSpPr>
+        <p:cNvPr id="1" name=""/>
+        <p:cNvGrpSpPr/>
+        <p:nvPr/>
+      </p:nvGrpSpPr>
+      <p:grpSpPr>
+        <a:xfrm>
+          <a:off x="0" y="0"/>
+          <a:ext cx="0" cy="0"/>
+          <a:chOff x="0" y="0"/>
+          <a:chExt cx="0" cy="0"/>
+        </a:xfrm>
+      </p:grpSpPr>
+      <p:sp>
+        <p:nvSpPr>
+          <p:cNvPr id="11" name="TextBox 10">
+            <a:extLst>
+              <a:ext uri="{FF2B5EF4-FFF2-40B4-BE49-F238E27FC236}">
+                <a16:creationId xmlns:a16="http://schemas.microsoft.com/office/drawing/2014/main" id="{49A7B9B6-8455-43BE-8670-E01CE03933DF}"/>
+              </a:ext>
+            </a:extLst>
+          </p:cNvPr>
+          <p:cNvSpPr txBox="1"/>
+          <p:nvPr/>
+        </p:nvSpPr>
+        <p:spPr>
+          <a:xfrm>
+            <a:off x="3085052" y="3858413"/>
+            <a:ext cx="2973891" cy="1015663"/>
+          </a:xfrm>
+          <a:prstGeom prst="rect">
+            <a:avLst/>
+          </a:prstGeom>
+          <a:noFill/>
+        </p:spPr>
+        <p:txBody>
+          <a:bodyPr wrap="none" rtlCol="0">
+            <a:spAutoFit/>
+          </a:bodyPr>
+          <a:lstStyle/>
+          <a:p>
+            <a:r>
+              <a:rPr lang="vi-VN" sz="6000">
+                <a:ln w="19050">
+                  <a:solidFill>
+                    <a:schemeClr val="tx1"/>
+                  </a:solidFill>
+                </a:ln>
+                <a:solidFill>
+                  <a:srgbClr val="FFFF00"/>
+                </a:solidFill>
+                <a:latin typeface="FVF Fernando 08" panose="02000507020000020003" pitchFamily="2" charset="0"/>
+              </a:rPr>
+              <a:t>Fog </a:t>
+            </a:r>
+            <a:r>
+              <a:rPr lang="vi-VN" sz="6000" dirty="0">
+                <a:ln w="19050">
+                  <a:solidFill>
+                    <a:schemeClr val="tx1"/>
+                  </a:solidFill>
+                </a:ln>
+                <a:solidFill>
+                  <a:srgbClr val="FFFF00"/>
+                </a:solidFill>
+                <a:latin typeface="FVF Fernando 08" panose="02000507020000020003" pitchFamily="2" charset="0"/>
+              </a:rPr>
+              <a:t>Id</a:t>
+            </a:r>
+            <a:endParaRPr lang="en-US" sz="6000" dirty="0">
+              <a:ln w="19050">
+                <a:solidFill>
+                  <a:schemeClr val="tx1"/>
+                </a:solidFill>
+              </a:ln>
+              <a:solidFill>
+                <a:srgbClr val="FFFF00"/>
+              </a:solidFill>
+              <a:latin typeface="FVF Fernando 08" panose="02000507020000020003" pitchFamily="2" charset="0"/>
+            </a:endParaRPr>
+          </a:p>
+        </p:txBody>
+      </p:sp>
+      <p:pic>
+        <p:nvPicPr>
+          <p:cNvPr id="14" name="Picture 13">
+            <a:extLst>
+              <a:ext uri="{FF2B5EF4-FFF2-40B4-BE49-F238E27FC236}">
+                <a16:creationId xmlns:a16="http://schemas.microsoft.com/office/drawing/2014/main" id="{E2D411D6-C028-4F7B-96FB-CC2855017620}"/>
+              </a:ext>
+            </a:extLst>
+          </p:cNvPr>
+          <p:cNvPicPr>
+            <a:picLocks noChangeAspect="1"/>
+          </p:cNvPicPr>
+          <p:nvPr/>
+        </p:nvPicPr>
+        <p:blipFill>
+          <a:blip r:embed="rId3">
+            <a:extLst>
+              <a:ext uri="{28A0092B-C50C-407E-A947-70E740481C1C}">
+                <a14:useLocalDpi xmlns:a14="http://schemas.microsoft.com/office/drawing/2010/main" val="0"/>
+              </a:ext>
+            </a:extLst>
+          </a:blip>
+          <a:srcRect/>
+          <a:stretch/>
+        </p:blipFill>
+        <p:spPr>
+          <a:xfrm>
+            <a:off x="7675990" y="30481"/>
+            <a:ext cx="1490870" cy="1490870"/>
+          </a:xfrm>
+          <a:prstGeom prst="rect">
+            <a:avLst/>
+          </a:prstGeom>
+          <a:ln w="19050">
+            <a:noFill/>
+          </a:ln>
+          <a:effectLst>
+            <a:outerShdw blurRad="63500" sx="104000" sy="104000" algn="ctr" rotWithShape="0">
+              <a:srgbClr val="FFFF00"/>
+            </a:outerShdw>
+          </a:effectLst>
+        </p:spPr>
+      </p:pic>
+      <p:pic>
+        <p:nvPicPr>
+          <p:cNvPr id="3" name="Picture 2">
+            <a:extLst>
+              <a:ext uri="{FF2B5EF4-FFF2-40B4-BE49-F238E27FC236}">
+                <a16:creationId xmlns:a16="http://schemas.microsoft.com/office/drawing/2014/main" id="{5BA2E600-ACA3-41D4-AE81-59539181FF36}"/>
+              </a:ext>
+            </a:extLst>
+          </p:cNvPr>
+          <p:cNvPicPr>
+            <a:picLocks noChangeAspect="1"/>
+          </p:cNvPicPr>
+          <p:nvPr/>
+        </p:nvPicPr>
+        <p:blipFill>
+          <a:blip r:embed="rId4">
+            <a:extLst>
+              <a:ext uri="{28A0092B-C50C-407E-A947-70E740481C1C}">
+                <a14:useLocalDpi xmlns:a14="http://schemas.microsoft.com/office/drawing/2010/main" val="0"/>
+              </a:ext>
+            </a:extLst>
+          </a:blip>
+          <a:stretch>
+            <a:fillRect/>
+          </a:stretch>
+        </p:blipFill>
+        <p:spPr>
+          <a:xfrm>
+            <a:off x="3025669" y="1513735"/>
+            <a:ext cx="3092659" cy="2116030"/>
+          </a:xfrm>
+          <a:prstGeom prst="rect">
+            <a:avLst/>
+          </a:prstGeom>
+          <a:effectLst>
+            <a:glow rad="63500">
+              <a:srgbClr val="FFC000"/>
+            </a:glow>
+          </a:effectLst>
+        </p:spPr>
+      </p:pic>
+    </p:spTree>
+    <p:extLst>
+      <p:ext uri="{BB962C8B-B14F-4D97-AF65-F5344CB8AC3E}">
+        <p14:creationId xmlns:p14="http://schemas.microsoft.com/office/powerpoint/2010/main" val="3136922818"/>
+      </p:ext>
+    </p:extLst>
+  </p:cSld>
+  <p:clrMapOvr>
+    <a:masterClrMapping/>
+  </p:clrMapOvr>
+</p:sld>
+</file>
+
+<file path=ppt/slides/slide85.xml><?xml version="1.0" encoding="utf-8"?>
 <p:sld xmlns:a="http://schemas.openxmlformats.org/drawingml/2006/main" xmlns:r="http://schemas.openxmlformats.org/officeDocument/2006/relationships" xmlns:p="http://schemas.openxmlformats.org/presentationml/2006/main">
   <p:cSld>
     <p:spTree>
@@ -42363,7 +43646,7 @@
 </p:sld>
 </file>
 
-<file path=ppt/slides/slide84.xml><?xml version="1.0" encoding="utf-8"?>
+<file path=ppt/slides/slide86.xml><?xml version="1.0" encoding="utf-8"?>
 <p:sld xmlns:a="http://schemas.openxmlformats.org/drawingml/2006/main" xmlns:r="http://schemas.openxmlformats.org/officeDocument/2006/relationships" xmlns:p="http://schemas.openxmlformats.org/presentationml/2006/main">
   <p:cSld>
     <p:spTree>
@@ -42547,7 +43830,7 @@
 </p:sld>
 </file>
 
-<file path=ppt/slides/slide85.xml><?xml version="1.0" encoding="utf-8"?>
+<file path=ppt/slides/slide87.xml><?xml version="1.0" encoding="utf-8"?>
 <p:sld xmlns:a="http://schemas.openxmlformats.org/drawingml/2006/main" xmlns:r="http://schemas.openxmlformats.org/officeDocument/2006/relationships" xmlns:p="http://schemas.openxmlformats.org/presentationml/2006/main">
   <p:cSld>
     <p:spTree>
@@ -42717,7 +44000,7 @@
 </p:sld>
 </file>
 
-<file path=ppt/slides/slide86.xml><?xml version="1.0" encoding="utf-8"?>
+<file path=ppt/slides/slide88.xml><?xml version="1.0" encoding="utf-8"?>
 <p:sld xmlns:a="http://schemas.openxmlformats.org/drawingml/2006/main" xmlns:r="http://schemas.openxmlformats.org/officeDocument/2006/relationships" xmlns:p="http://schemas.openxmlformats.org/presentationml/2006/main">
   <p:cSld>
     <p:spTree>
@@ -42887,7 +44170,7 @@
 </p:sld>
 </file>
 
-<file path=ppt/slides/slide87.xml><?xml version="1.0" encoding="utf-8"?>
+<file path=ppt/slides/slide89.xml><?xml version="1.0" encoding="utf-8"?>
 <p:sld xmlns:a="http://schemas.openxmlformats.org/drawingml/2006/main" xmlns:r="http://schemas.openxmlformats.org/officeDocument/2006/relationships" xmlns:p="http://schemas.openxmlformats.org/presentationml/2006/main">
   <p:cSld>
     <p:spTree>
@@ -43071,7 +44354,287 @@
 </p:sld>
 </file>
 
-<file path=ppt/slides/slide88.xml><?xml version="1.0" encoding="utf-8"?>
+<file path=ppt/slides/slide9.xml><?xml version="1.0" encoding="utf-8"?>
+<p:sld xmlns:a="http://schemas.openxmlformats.org/drawingml/2006/main" xmlns:r="http://schemas.openxmlformats.org/officeDocument/2006/relationships" xmlns:p="http://schemas.openxmlformats.org/presentationml/2006/main">
+  <p:cSld>
+    <p:spTree>
+      <p:nvGrpSpPr>
+        <p:cNvPr id="1" name=""/>
+        <p:cNvGrpSpPr/>
+        <p:nvPr/>
+      </p:nvGrpSpPr>
+      <p:grpSpPr>
+        <a:xfrm>
+          <a:off x="0" y="0"/>
+          <a:ext cx="0" cy="0"/>
+          <a:chOff x="0" y="0"/>
+          <a:chExt cx="0" cy="0"/>
+        </a:xfrm>
+      </p:grpSpPr>
+      <p:sp>
+        <p:nvSpPr>
+          <p:cNvPr id="11" name="TextBox 10">
+            <a:extLst>
+              <a:ext uri="{FF2B5EF4-FFF2-40B4-BE49-F238E27FC236}">
+                <a16:creationId xmlns:a16="http://schemas.microsoft.com/office/drawing/2014/main" id="{49A7B9B6-8455-43BE-8670-E01CE03933DF}"/>
+              </a:ext>
+            </a:extLst>
+          </p:cNvPr>
+          <p:cNvSpPr txBox="1"/>
+          <p:nvPr/>
+        </p:nvSpPr>
+        <p:spPr>
+          <a:xfrm>
+            <a:off x="2171343" y="3858413"/>
+            <a:ext cx="4801314" cy="1015663"/>
+          </a:xfrm>
+          <a:prstGeom prst="rect">
+            <a:avLst/>
+          </a:prstGeom>
+          <a:noFill/>
+        </p:spPr>
+        <p:txBody>
+          <a:bodyPr wrap="none" rtlCol="0">
+            <a:spAutoFit/>
+          </a:bodyPr>
+          <a:lstStyle/>
+          <a:p>
+            <a:r>
+              <a:rPr lang="vi-VN" sz="6000" dirty="0">
+                <a:ln w="19050">
+                  <a:solidFill>
+                    <a:schemeClr val="tx1"/>
+                  </a:solidFill>
+                </a:ln>
+                <a:solidFill>
+                  <a:srgbClr val="FFFF00"/>
+                </a:solidFill>
+                <a:latin typeface="FVF Fernando 08" panose="02000507020000020003" pitchFamily="2" charset="0"/>
+              </a:rPr>
+              <a:t>/damage</a:t>
+            </a:r>
+            <a:endParaRPr lang="en-US" sz="6000" dirty="0">
+              <a:ln w="19050">
+                <a:solidFill>
+                  <a:schemeClr val="tx1"/>
+                </a:solidFill>
+              </a:ln>
+              <a:solidFill>
+                <a:srgbClr val="FFFF00"/>
+              </a:solidFill>
+              <a:latin typeface="FVF Fernando 08" panose="02000507020000020003" pitchFamily="2" charset="0"/>
+            </a:endParaRPr>
+          </a:p>
+        </p:txBody>
+      </p:sp>
+      <p:pic>
+        <p:nvPicPr>
+          <p:cNvPr id="14" name="Picture 13">
+            <a:extLst>
+              <a:ext uri="{FF2B5EF4-FFF2-40B4-BE49-F238E27FC236}">
+                <a16:creationId xmlns:a16="http://schemas.microsoft.com/office/drawing/2014/main" id="{E2D411D6-C028-4F7B-96FB-CC2855017620}"/>
+              </a:ext>
+            </a:extLst>
+          </p:cNvPr>
+          <p:cNvPicPr>
+            <a:picLocks noChangeAspect="1"/>
+          </p:cNvPicPr>
+          <p:nvPr/>
+        </p:nvPicPr>
+        <p:blipFill>
+          <a:blip r:embed="rId3">
+            <a:extLst>
+              <a:ext uri="{28A0092B-C50C-407E-A947-70E740481C1C}">
+                <a14:useLocalDpi xmlns:a14="http://schemas.microsoft.com/office/drawing/2010/main" val="0"/>
+              </a:ext>
+            </a:extLst>
+          </a:blip>
+          <a:srcRect/>
+          <a:stretch/>
+        </p:blipFill>
+        <p:spPr>
+          <a:xfrm>
+            <a:off x="7675990" y="30481"/>
+            <a:ext cx="1490870" cy="1490870"/>
+          </a:xfrm>
+          <a:prstGeom prst="rect">
+            <a:avLst/>
+          </a:prstGeom>
+          <a:ln w="19050">
+            <a:noFill/>
+          </a:ln>
+          <a:effectLst>
+            <a:outerShdw blurRad="63500" sx="104000" sy="104000" algn="ctr" rotWithShape="0">
+              <a:srgbClr val="FFFF00"/>
+            </a:outerShdw>
+          </a:effectLst>
+        </p:spPr>
+      </p:pic>
+      <p:pic>
+        <p:nvPicPr>
+          <p:cNvPr id="15" name="Picture 14">
+            <a:extLst>
+              <a:ext uri="{FF2B5EF4-FFF2-40B4-BE49-F238E27FC236}">
+                <a16:creationId xmlns:a16="http://schemas.microsoft.com/office/drawing/2014/main" id="{69951C66-AF30-40DF-8A79-77E063C4A1E2}"/>
+              </a:ext>
+            </a:extLst>
+          </p:cNvPr>
+          <p:cNvPicPr>
+            <a:picLocks noChangeAspect="1"/>
+          </p:cNvPicPr>
+          <p:nvPr/>
+        </p:nvPicPr>
+        <p:blipFill>
+          <a:blip r:embed="rId4"/>
+          <a:stretch>
+            <a:fillRect/>
+          </a:stretch>
+        </p:blipFill>
+        <p:spPr>
+          <a:xfrm rot="5400000">
+            <a:off x="3905913" y="682935"/>
+            <a:ext cx="1332171" cy="4380672"/>
+          </a:xfrm>
+          <a:prstGeom prst="rect">
+            <a:avLst/>
+          </a:prstGeom>
+        </p:spPr>
+      </p:pic>
+      <p:pic>
+        <p:nvPicPr>
+          <p:cNvPr id="16" name="Picture 15">
+            <a:extLst>
+              <a:ext uri="{FF2B5EF4-FFF2-40B4-BE49-F238E27FC236}">
+                <a16:creationId xmlns:a16="http://schemas.microsoft.com/office/drawing/2014/main" id="{DF880083-CAF7-4CEF-BDFF-679AF67E6828}"/>
+              </a:ext>
+            </a:extLst>
+          </p:cNvPr>
+          <p:cNvPicPr>
+            <a:picLocks noChangeAspect="1"/>
+          </p:cNvPicPr>
+          <p:nvPr/>
+        </p:nvPicPr>
+        <p:blipFill>
+          <a:blip r:embed="rId5">
+            <a:extLst>
+              <a:ext uri="{28A0092B-C50C-407E-A947-70E740481C1C}">
+                <a14:useLocalDpi xmlns:a14="http://schemas.microsoft.com/office/drawing/2010/main" val="0"/>
+              </a:ext>
+            </a:extLst>
+          </a:blip>
+          <a:stretch>
+            <a:fillRect/>
+          </a:stretch>
+        </p:blipFill>
+        <p:spPr>
+          <a:xfrm>
+            <a:off x="5578044" y="824533"/>
+            <a:ext cx="666750" cy="857250"/>
+          </a:xfrm>
+          <a:prstGeom prst="rect">
+            <a:avLst/>
+          </a:prstGeom>
+        </p:spPr>
+      </p:pic>
+      <p:pic>
+        <p:nvPicPr>
+          <p:cNvPr id="3" name="Picture 2">
+            <a:extLst>
+              <a:ext uri="{FF2B5EF4-FFF2-40B4-BE49-F238E27FC236}">
+                <a16:creationId xmlns:a16="http://schemas.microsoft.com/office/drawing/2014/main" id="{9A783B84-1D0F-4F3A-AE42-9615CCB4AAF0}"/>
+              </a:ext>
+            </a:extLst>
+          </p:cNvPr>
+          <p:cNvPicPr>
+            <a:picLocks noChangeAspect="1"/>
+          </p:cNvPicPr>
+          <p:nvPr/>
+        </p:nvPicPr>
+        <p:blipFill rotWithShape="1">
+          <a:blip r:embed="rId6"/>
+          <a:srcRect t="35048" r="42928" b="36780"/>
+          <a:stretch/>
+        </p:blipFill>
+        <p:spPr>
+          <a:xfrm rot="21229319">
+            <a:off x="1633209" y="586704"/>
+            <a:ext cx="4344975" cy="322003"/>
+          </a:xfrm>
+          <a:prstGeom prst="rect">
+            <a:avLst/>
+          </a:prstGeom>
+        </p:spPr>
+      </p:pic>
+      <p:sp>
+        <p:nvSpPr>
+          <p:cNvPr id="18" name="TextBox 17">
+            <a:extLst>
+              <a:ext uri="{FF2B5EF4-FFF2-40B4-BE49-F238E27FC236}">
+                <a16:creationId xmlns:a16="http://schemas.microsoft.com/office/drawing/2014/main" id="{DE90D33D-101B-4FA2-ABC0-9FE2705D58B8}"/>
+              </a:ext>
+            </a:extLst>
+          </p:cNvPr>
+          <p:cNvSpPr txBox="1"/>
+          <p:nvPr/>
+        </p:nvSpPr>
+        <p:spPr>
+          <a:xfrm rot="21270040">
+            <a:off x="3188893" y="998962"/>
+            <a:ext cx="1915909" cy="923330"/>
+          </a:xfrm>
+          <a:prstGeom prst="rect">
+            <a:avLst/>
+          </a:prstGeom>
+          <a:noFill/>
+        </p:spPr>
+        <p:txBody>
+          <a:bodyPr wrap="square" rtlCol="0">
+            <a:spAutoFit/>
+          </a:bodyPr>
+          <a:lstStyle/>
+          <a:p>
+            <a:r>
+              <a:rPr lang="vi-VN" sz="5400" dirty="0">
+                <a:ln w="19050">
+                  <a:solidFill>
+                    <a:schemeClr val="tx1"/>
+                  </a:solidFill>
+                </a:ln>
+                <a:solidFill>
+                  <a:srgbClr val="FFFF00"/>
+                </a:solidFill>
+                <a:latin typeface="FVF Fernando 08" panose="02000507020000020003" pitchFamily="2" charset="0"/>
+              </a:rPr>
+              <a:t>???</a:t>
+            </a:r>
+            <a:endParaRPr lang="en-US" sz="5400" dirty="0">
+              <a:ln w="19050">
+                <a:solidFill>
+                  <a:schemeClr val="tx1"/>
+                </a:solidFill>
+              </a:ln>
+              <a:solidFill>
+                <a:srgbClr val="FFFF00"/>
+              </a:solidFill>
+              <a:latin typeface="FVF Fernando 08" panose="02000507020000020003" pitchFamily="2" charset="0"/>
+            </a:endParaRPr>
+          </a:p>
+        </p:txBody>
+      </p:sp>
+    </p:spTree>
+    <p:extLst>
+      <p:ext uri="{BB962C8B-B14F-4D97-AF65-F5344CB8AC3E}">
+        <p14:creationId xmlns:p14="http://schemas.microsoft.com/office/powerpoint/2010/main" val="66683334"/>
+      </p:ext>
+    </p:extLst>
+  </p:cSld>
+  <p:clrMapOvr>
+    <a:masterClrMapping/>
+  </p:clrMapOvr>
+</p:sld>
+</file>
+
+<file path=ppt/slides/slide90.xml><?xml version="1.0" encoding="utf-8"?>
 <p:sld xmlns:a="http://schemas.openxmlformats.org/drawingml/2006/main" xmlns:r="http://schemas.openxmlformats.org/officeDocument/2006/relationships" xmlns:p="http://schemas.openxmlformats.org/presentationml/2006/main">
   <p:cSld>
     <p:spTree>
@@ -43241,7 +44804,7 @@
 </p:sld>
 </file>
 
-<file path=ppt/slides/slide89.xml><?xml version="1.0" encoding="utf-8"?>
+<file path=ppt/slides/slide91.xml><?xml version="1.0" encoding="utf-8"?>
 <p:sld xmlns:a="http://schemas.openxmlformats.org/drawingml/2006/main" xmlns:r="http://schemas.openxmlformats.org/officeDocument/2006/relationships" xmlns:p="http://schemas.openxmlformats.org/presentationml/2006/main">
   <p:cSld>
     <p:spTree>
@@ -43401,7 +44964,7 @@
     </p:spTree>
     <p:extLst>
       <p:ext uri="{BB962C8B-B14F-4D97-AF65-F5344CB8AC3E}">
-        <p14:creationId xmlns:p14="http://schemas.microsoft.com/office/powerpoint/2010/main" val="3136922818"/>
+        <p14:creationId xmlns:p14="http://schemas.microsoft.com/office/powerpoint/2010/main" val="984933996"/>
       </p:ext>
     </p:extLst>
   </p:cSld>
@@ -43411,287 +44974,7 @@
 </p:sld>
 </file>
 
-<file path=ppt/slides/slide9.xml><?xml version="1.0" encoding="utf-8"?>
-<p:sld xmlns:a="http://schemas.openxmlformats.org/drawingml/2006/main" xmlns:r="http://schemas.openxmlformats.org/officeDocument/2006/relationships" xmlns:p="http://schemas.openxmlformats.org/presentationml/2006/main">
-  <p:cSld>
-    <p:spTree>
-      <p:nvGrpSpPr>
-        <p:cNvPr id="1" name=""/>
-        <p:cNvGrpSpPr/>
-        <p:nvPr/>
-      </p:nvGrpSpPr>
-      <p:grpSpPr>
-        <a:xfrm>
-          <a:off x="0" y="0"/>
-          <a:ext cx="0" cy="0"/>
-          <a:chOff x="0" y="0"/>
-          <a:chExt cx="0" cy="0"/>
-        </a:xfrm>
-      </p:grpSpPr>
-      <p:sp>
-        <p:nvSpPr>
-          <p:cNvPr id="11" name="TextBox 10">
-            <a:extLst>
-              <a:ext uri="{FF2B5EF4-FFF2-40B4-BE49-F238E27FC236}">
-                <a16:creationId xmlns:a16="http://schemas.microsoft.com/office/drawing/2014/main" id="{49A7B9B6-8455-43BE-8670-E01CE03933DF}"/>
-              </a:ext>
-            </a:extLst>
-          </p:cNvPr>
-          <p:cNvSpPr txBox="1"/>
-          <p:nvPr/>
-        </p:nvSpPr>
-        <p:spPr>
-          <a:xfrm>
-            <a:off x="2171343" y="3858413"/>
-            <a:ext cx="4801314" cy="1015663"/>
-          </a:xfrm>
-          <a:prstGeom prst="rect">
-            <a:avLst/>
-          </a:prstGeom>
-          <a:noFill/>
-        </p:spPr>
-        <p:txBody>
-          <a:bodyPr wrap="none" rtlCol="0">
-            <a:spAutoFit/>
-          </a:bodyPr>
-          <a:lstStyle/>
-          <a:p>
-            <a:r>
-              <a:rPr lang="vi-VN" sz="6000" dirty="0">
-                <a:ln w="19050">
-                  <a:solidFill>
-                    <a:schemeClr val="tx1"/>
-                  </a:solidFill>
-                </a:ln>
-                <a:solidFill>
-                  <a:srgbClr val="FFFF00"/>
-                </a:solidFill>
-                <a:latin typeface="FVF Fernando 08" panose="02000507020000020003" pitchFamily="2" charset="0"/>
-              </a:rPr>
-              <a:t>/damage</a:t>
-            </a:r>
-            <a:endParaRPr lang="en-US" sz="6000" dirty="0">
-              <a:ln w="19050">
-                <a:solidFill>
-                  <a:schemeClr val="tx1"/>
-                </a:solidFill>
-              </a:ln>
-              <a:solidFill>
-                <a:srgbClr val="FFFF00"/>
-              </a:solidFill>
-              <a:latin typeface="FVF Fernando 08" panose="02000507020000020003" pitchFamily="2" charset="0"/>
-            </a:endParaRPr>
-          </a:p>
-        </p:txBody>
-      </p:sp>
-      <p:pic>
-        <p:nvPicPr>
-          <p:cNvPr id="14" name="Picture 13">
-            <a:extLst>
-              <a:ext uri="{FF2B5EF4-FFF2-40B4-BE49-F238E27FC236}">
-                <a16:creationId xmlns:a16="http://schemas.microsoft.com/office/drawing/2014/main" id="{E2D411D6-C028-4F7B-96FB-CC2855017620}"/>
-              </a:ext>
-            </a:extLst>
-          </p:cNvPr>
-          <p:cNvPicPr>
-            <a:picLocks noChangeAspect="1"/>
-          </p:cNvPicPr>
-          <p:nvPr/>
-        </p:nvPicPr>
-        <p:blipFill>
-          <a:blip r:embed="rId3">
-            <a:extLst>
-              <a:ext uri="{28A0092B-C50C-407E-A947-70E740481C1C}">
-                <a14:useLocalDpi xmlns:a14="http://schemas.microsoft.com/office/drawing/2010/main" val="0"/>
-              </a:ext>
-            </a:extLst>
-          </a:blip>
-          <a:srcRect/>
-          <a:stretch/>
-        </p:blipFill>
-        <p:spPr>
-          <a:xfrm>
-            <a:off x="7675990" y="30481"/>
-            <a:ext cx="1490870" cy="1490870"/>
-          </a:xfrm>
-          <a:prstGeom prst="rect">
-            <a:avLst/>
-          </a:prstGeom>
-          <a:ln w="19050">
-            <a:noFill/>
-          </a:ln>
-          <a:effectLst>
-            <a:outerShdw blurRad="63500" sx="104000" sy="104000" algn="ctr" rotWithShape="0">
-              <a:srgbClr val="FFFF00"/>
-            </a:outerShdw>
-          </a:effectLst>
-        </p:spPr>
-      </p:pic>
-      <p:pic>
-        <p:nvPicPr>
-          <p:cNvPr id="15" name="Picture 14">
-            <a:extLst>
-              <a:ext uri="{FF2B5EF4-FFF2-40B4-BE49-F238E27FC236}">
-                <a16:creationId xmlns:a16="http://schemas.microsoft.com/office/drawing/2014/main" id="{69951C66-AF30-40DF-8A79-77E063C4A1E2}"/>
-              </a:ext>
-            </a:extLst>
-          </p:cNvPr>
-          <p:cNvPicPr>
-            <a:picLocks noChangeAspect="1"/>
-          </p:cNvPicPr>
-          <p:nvPr/>
-        </p:nvPicPr>
-        <p:blipFill>
-          <a:blip r:embed="rId4"/>
-          <a:stretch>
-            <a:fillRect/>
-          </a:stretch>
-        </p:blipFill>
-        <p:spPr>
-          <a:xfrm rot="5400000">
-            <a:off x="3905913" y="682935"/>
-            <a:ext cx="1332171" cy="4380672"/>
-          </a:xfrm>
-          <a:prstGeom prst="rect">
-            <a:avLst/>
-          </a:prstGeom>
-        </p:spPr>
-      </p:pic>
-      <p:pic>
-        <p:nvPicPr>
-          <p:cNvPr id="16" name="Picture 15">
-            <a:extLst>
-              <a:ext uri="{FF2B5EF4-FFF2-40B4-BE49-F238E27FC236}">
-                <a16:creationId xmlns:a16="http://schemas.microsoft.com/office/drawing/2014/main" id="{DF880083-CAF7-4CEF-BDFF-679AF67E6828}"/>
-              </a:ext>
-            </a:extLst>
-          </p:cNvPr>
-          <p:cNvPicPr>
-            <a:picLocks noChangeAspect="1"/>
-          </p:cNvPicPr>
-          <p:nvPr/>
-        </p:nvPicPr>
-        <p:blipFill>
-          <a:blip r:embed="rId5">
-            <a:extLst>
-              <a:ext uri="{28A0092B-C50C-407E-A947-70E740481C1C}">
-                <a14:useLocalDpi xmlns:a14="http://schemas.microsoft.com/office/drawing/2010/main" val="0"/>
-              </a:ext>
-            </a:extLst>
-          </a:blip>
-          <a:stretch>
-            <a:fillRect/>
-          </a:stretch>
-        </p:blipFill>
-        <p:spPr>
-          <a:xfrm>
-            <a:off x="5578044" y="824533"/>
-            <a:ext cx="666750" cy="857250"/>
-          </a:xfrm>
-          <a:prstGeom prst="rect">
-            <a:avLst/>
-          </a:prstGeom>
-        </p:spPr>
-      </p:pic>
-      <p:pic>
-        <p:nvPicPr>
-          <p:cNvPr id="3" name="Picture 2">
-            <a:extLst>
-              <a:ext uri="{FF2B5EF4-FFF2-40B4-BE49-F238E27FC236}">
-                <a16:creationId xmlns:a16="http://schemas.microsoft.com/office/drawing/2014/main" id="{9A783B84-1D0F-4F3A-AE42-9615CCB4AAF0}"/>
-              </a:ext>
-            </a:extLst>
-          </p:cNvPr>
-          <p:cNvPicPr>
-            <a:picLocks noChangeAspect="1"/>
-          </p:cNvPicPr>
-          <p:nvPr/>
-        </p:nvPicPr>
-        <p:blipFill rotWithShape="1">
-          <a:blip r:embed="rId6"/>
-          <a:srcRect t="35048" r="42928" b="36780"/>
-          <a:stretch/>
-        </p:blipFill>
-        <p:spPr>
-          <a:xfrm rot="21229319">
-            <a:off x="1633209" y="586704"/>
-            <a:ext cx="4344975" cy="322003"/>
-          </a:xfrm>
-          <a:prstGeom prst="rect">
-            <a:avLst/>
-          </a:prstGeom>
-        </p:spPr>
-      </p:pic>
-      <p:sp>
-        <p:nvSpPr>
-          <p:cNvPr id="18" name="TextBox 17">
-            <a:extLst>
-              <a:ext uri="{FF2B5EF4-FFF2-40B4-BE49-F238E27FC236}">
-                <a16:creationId xmlns:a16="http://schemas.microsoft.com/office/drawing/2014/main" id="{DE90D33D-101B-4FA2-ABC0-9FE2705D58B8}"/>
-              </a:ext>
-            </a:extLst>
-          </p:cNvPr>
-          <p:cNvSpPr txBox="1"/>
-          <p:nvPr/>
-        </p:nvSpPr>
-        <p:spPr>
-          <a:xfrm rot="21270040">
-            <a:off x="3188893" y="998962"/>
-            <a:ext cx="1915909" cy="923330"/>
-          </a:xfrm>
-          <a:prstGeom prst="rect">
-            <a:avLst/>
-          </a:prstGeom>
-          <a:noFill/>
-        </p:spPr>
-        <p:txBody>
-          <a:bodyPr wrap="square" rtlCol="0">
-            <a:spAutoFit/>
-          </a:bodyPr>
-          <a:lstStyle/>
-          <a:p>
-            <a:r>
-              <a:rPr lang="vi-VN" sz="5400" dirty="0">
-                <a:ln w="19050">
-                  <a:solidFill>
-                    <a:schemeClr val="tx1"/>
-                  </a:solidFill>
-                </a:ln>
-                <a:solidFill>
-                  <a:srgbClr val="FFFF00"/>
-                </a:solidFill>
-                <a:latin typeface="FVF Fernando 08" panose="02000507020000020003" pitchFamily="2" charset="0"/>
-              </a:rPr>
-              <a:t>???</a:t>
-            </a:r>
-            <a:endParaRPr lang="en-US" sz="5400" dirty="0">
-              <a:ln w="19050">
-                <a:solidFill>
-                  <a:schemeClr val="tx1"/>
-                </a:solidFill>
-              </a:ln>
-              <a:solidFill>
-                <a:srgbClr val="FFFF00"/>
-              </a:solidFill>
-              <a:latin typeface="FVF Fernando 08" panose="02000507020000020003" pitchFamily="2" charset="0"/>
-            </a:endParaRPr>
-          </a:p>
-        </p:txBody>
-      </p:sp>
-    </p:spTree>
-    <p:extLst>
-      <p:ext uri="{BB962C8B-B14F-4D97-AF65-F5344CB8AC3E}">
-        <p14:creationId xmlns:p14="http://schemas.microsoft.com/office/powerpoint/2010/main" val="66683334"/>
-      </p:ext>
-    </p:extLst>
-  </p:cSld>
-  <p:clrMapOvr>
-    <a:masterClrMapping/>
-  </p:clrMapOvr>
-</p:sld>
-</file>
-
-<file path=ppt/slides/slide90.xml><?xml version="1.0" encoding="utf-8"?>
+<file path=ppt/slides/slide92.xml><?xml version="1.0" encoding="utf-8"?>
 <p:sld xmlns:a="http://schemas.openxmlformats.org/drawingml/2006/main" xmlns:r="http://schemas.openxmlformats.org/officeDocument/2006/relationships" xmlns:p="http://schemas.openxmlformats.org/presentationml/2006/main">
   <p:cSld>
     <p:spTree>
@@ -43876,7 +45159,7 @@
 </p:sld>
 </file>
 
-<file path=ppt/slides/slide91.xml><?xml version="1.0" encoding="utf-8"?>
+<file path=ppt/slides/slide93.xml><?xml version="1.0" encoding="utf-8"?>
 <p:sld xmlns:a="http://schemas.openxmlformats.org/drawingml/2006/main" xmlns:r="http://schemas.openxmlformats.org/officeDocument/2006/relationships" xmlns:p="http://schemas.openxmlformats.org/presentationml/2006/main">
   <p:cSld>
     <p:spTree>
@@ -44146,7 +45429,7 @@
 </p:sld>
 </file>
 
-<file path=ppt/slides/slide92.xml><?xml version="1.0" encoding="utf-8"?>
+<file path=ppt/slides/slide94.xml><?xml version="1.0" encoding="utf-8"?>
 <p:sld xmlns:a="http://schemas.openxmlformats.org/drawingml/2006/main" xmlns:r="http://schemas.openxmlformats.org/officeDocument/2006/relationships" xmlns:p="http://schemas.openxmlformats.org/presentationml/2006/main">
   <p:cSld>
     <p:spTree>
@@ -44331,7 +45614,7 @@
 </p:sld>
 </file>
 
-<file path=ppt/slides/slide93.xml><?xml version="1.0" encoding="utf-8"?>
+<file path=ppt/slides/slide95.xml><?xml version="1.0" encoding="utf-8"?>
 <p:sld xmlns:a="http://schemas.openxmlformats.org/drawingml/2006/main" xmlns:r="http://schemas.openxmlformats.org/officeDocument/2006/relationships" xmlns:p="http://schemas.openxmlformats.org/presentationml/2006/main">
   <p:cSld>
     <p:spTree>
@@ -44516,7 +45799,7 @@
 </p:sld>
 </file>
 
-<file path=ppt/slides/slide94.xml><?xml version="1.0" encoding="utf-8"?>
+<file path=ppt/slides/slide96.xml><?xml version="1.0" encoding="utf-8"?>
 <p:sld xmlns:a="http://schemas.openxmlformats.org/drawingml/2006/main" xmlns:r="http://schemas.openxmlformats.org/officeDocument/2006/relationships" xmlns:p="http://schemas.openxmlformats.org/presentationml/2006/main">
   <p:cSld>
     <p:spTree>
@@ -44681,7 +45964,7 @@
 </p:sld>
 </file>
 
-<file path=ppt/slides/slide95.xml><?xml version="1.0" encoding="utf-8"?>
+<file path=ppt/slides/slide97.xml><?xml version="1.0" encoding="utf-8"?>
 <p:sld xmlns:a="http://schemas.openxmlformats.org/drawingml/2006/main" xmlns:r="http://schemas.openxmlformats.org/officeDocument/2006/relationships" xmlns:p="http://schemas.openxmlformats.org/presentationml/2006/main">
   <p:cSld>
     <p:spTree>
@@ -44920,7 +46203,7 @@
 </p:sld>
 </file>
 
-<file path=ppt/slides/slide96.xml><?xml version="1.0" encoding="utf-8"?>
+<file path=ppt/slides/slide98.xml><?xml version="1.0" encoding="utf-8"?>
 <p:sld xmlns:a="http://schemas.openxmlformats.org/drawingml/2006/main" xmlns:r="http://schemas.openxmlformats.org/officeDocument/2006/relationships" xmlns:p="http://schemas.openxmlformats.org/presentationml/2006/main">
   <p:cSld>
     <p:spTree>
@@ -45074,7 +46357,7 @@
 </p:sld>
 </file>
 
-<file path=ppt/slides/slide97.xml><?xml version="1.0" encoding="utf-8"?>
+<file path=ppt/slides/slide99.xml><?xml version="1.0" encoding="utf-8"?>
 <p:sld xmlns:a="http://schemas.openxmlformats.org/drawingml/2006/main" xmlns:r="http://schemas.openxmlformats.org/officeDocument/2006/relationships" xmlns:p="http://schemas.openxmlformats.org/presentationml/2006/main">
   <p:cSld>
     <p:spTree>
@@ -45213,214 +46496,6 @@
     <p:extLst>
       <p:ext uri="{BB962C8B-B14F-4D97-AF65-F5344CB8AC3E}">
         <p14:creationId xmlns:p14="http://schemas.microsoft.com/office/powerpoint/2010/main" val="3296750261"/>
-      </p:ext>
-    </p:extLst>
-  </p:cSld>
-  <p:clrMapOvr>
-    <a:masterClrMapping/>
-  </p:clrMapOvr>
-</p:sld>
-</file>
-
-<file path=ppt/slides/slide98.xml><?xml version="1.0" encoding="utf-8"?>
-<p:sld xmlns:a="http://schemas.openxmlformats.org/drawingml/2006/main" xmlns:r="http://schemas.openxmlformats.org/officeDocument/2006/relationships" xmlns:p="http://schemas.openxmlformats.org/presentationml/2006/main">
-  <p:cSld>
-    <p:spTree>
-      <p:nvGrpSpPr>
-        <p:cNvPr id="1" name=""/>
-        <p:cNvGrpSpPr/>
-        <p:nvPr/>
-      </p:nvGrpSpPr>
-      <p:grpSpPr>
-        <a:xfrm>
-          <a:off x="0" y="0"/>
-          <a:ext cx="0" cy="0"/>
-          <a:chOff x="0" y="0"/>
-          <a:chExt cx="0" cy="0"/>
-        </a:xfrm>
-      </p:grpSpPr>
-      <p:sp>
-        <p:nvSpPr>
-          <p:cNvPr id="11" name="TextBox 10">
-            <a:extLst>
-              <a:ext uri="{FF2B5EF4-FFF2-40B4-BE49-F238E27FC236}">
-                <a16:creationId xmlns:a16="http://schemas.microsoft.com/office/drawing/2014/main" id="{49A7B9B6-8455-43BE-8670-E01CE03933DF}"/>
-              </a:ext>
-            </a:extLst>
-          </p:cNvPr>
-          <p:cNvSpPr txBox="1"/>
-          <p:nvPr/>
-        </p:nvSpPr>
-        <p:spPr>
-          <a:xfrm>
-            <a:off x="2007908" y="3858413"/>
-            <a:ext cx="5186035" cy="1015663"/>
-          </a:xfrm>
-          <a:prstGeom prst="rect">
-            <a:avLst/>
-          </a:prstGeom>
-          <a:noFill/>
-        </p:spPr>
-        <p:txBody>
-          <a:bodyPr wrap="none" rtlCol="0">
-            <a:spAutoFit/>
-          </a:bodyPr>
-          <a:lstStyle/>
-          <a:p>
-            <a:r>
-              <a:rPr lang="en-US" sz="6000" dirty="0">
-                <a:ln w="19050">
-                  <a:solidFill>
-                    <a:schemeClr val="tx1"/>
-                  </a:solidFill>
-                </a:ln>
-                <a:solidFill>
-                  <a:srgbClr val="FFFF00"/>
-                </a:solidFill>
-                <a:latin typeface="FVF Fernando 08" panose="02000507020000020003" pitchFamily="2" charset="0"/>
-              </a:rPr>
-              <a:t>404 Error</a:t>
-            </a:r>
-          </a:p>
-        </p:txBody>
-      </p:sp>
-      <p:pic>
-        <p:nvPicPr>
-          <p:cNvPr id="14" name="Picture 13">
-            <a:extLst>
-              <a:ext uri="{FF2B5EF4-FFF2-40B4-BE49-F238E27FC236}">
-                <a16:creationId xmlns:a16="http://schemas.microsoft.com/office/drawing/2014/main" id="{E2D411D6-C028-4F7B-96FB-CC2855017620}"/>
-              </a:ext>
-            </a:extLst>
-          </p:cNvPr>
-          <p:cNvPicPr>
-            <a:picLocks noChangeAspect="1"/>
-          </p:cNvPicPr>
-          <p:nvPr/>
-        </p:nvPicPr>
-        <p:blipFill>
-          <a:blip r:embed="rId3">
-            <a:extLst>
-              <a:ext uri="{28A0092B-C50C-407E-A947-70E740481C1C}">
-                <a14:useLocalDpi xmlns:a14="http://schemas.microsoft.com/office/drawing/2010/main" val="0"/>
-              </a:ext>
-            </a:extLst>
-          </a:blip>
-          <a:srcRect/>
-          <a:stretch/>
-        </p:blipFill>
-        <p:spPr>
-          <a:xfrm>
-            <a:off x="7675990" y="30481"/>
-            <a:ext cx="1490870" cy="1490870"/>
-          </a:xfrm>
-          <a:prstGeom prst="rect">
-            <a:avLst/>
-          </a:prstGeom>
-          <a:ln w="19050">
-            <a:noFill/>
-          </a:ln>
-          <a:effectLst>
-            <a:outerShdw blurRad="63500" sx="104000" sy="104000" algn="ctr" rotWithShape="0">
-              <a:srgbClr val="FFFF00"/>
-            </a:outerShdw>
-          </a:effectLst>
-        </p:spPr>
-      </p:pic>
-      <p:grpSp>
-        <p:nvGrpSpPr>
-          <p:cNvPr id="2" name="Group 1">
-            <a:extLst>
-              <a:ext uri="{FF2B5EF4-FFF2-40B4-BE49-F238E27FC236}">
-                <a16:creationId xmlns:a16="http://schemas.microsoft.com/office/drawing/2014/main" id="{65CDFB31-8A72-4DF0-84A0-5FDC10714DB0}"/>
-              </a:ext>
-            </a:extLst>
-          </p:cNvPr>
-          <p:cNvGrpSpPr/>
-          <p:nvPr/>
-        </p:nvGrpSpPr>
-        <p:grpSpPr>
-          <a:xfrm>
-            <a:off x="2948294" y="532345"/>
-            <a:ext cx="3247409" cy="3086224"/>
-            <a:chOff x="2806158" y="532345"/>
-            <a:chExt cx="3247409" cy="3086224"/>
-          </a:xfrm>
-        </p:grpSpPr>
-        <p:pic>
-          <p:nvPicPr>
-            <p:cNvPr id="5" name="Picture 4">
-              <a:extLst>
-                <a:ext uri="{FF2B5EF4-FFF2-40B4-BE49-F238E27FC236}">
-                  <a16:creationId xmlns:a16="http://schemas.microsoft.com/office/drawing/2014/main" id="{5FABE839-64CE-4D0E-85FD-280ABA36FC3C}"/>
-                </a:ext>
-              </a:extLst>
-            </p:cNvPr>
-            <p:cNvPicPr>
-              <a:picLocks noChangeAspect="1"/>
-            </p:cNvPicPr>
-            <p:nvPr/>
-          </p:nvPicPr>
-          <p:blipFill>
-            <a:blip r:embed="rId4"/>
-            <a:stretch>
-              <a:fillRect/>
-            </a:stretch>
-          </p:blipFill>
-          <p:spPr>
-            <a:xfrm>
-              <a:off x="2806158" y="532345"/>
-              <a:ext cx="1853521" cy="3086224"/>
-            </a:xfrm>
-            <a:prstGeom prst="rect">
-              <a:avLst/>
-            </a:prstGeom>
-          </p:spPr>
-        </p:pic>
-        <p:pic>
-          <p:nvPicPr>
-            <p:cNvPr id="6" name="Picture 5">
-              <a:extLst>
-                <a:ext uri="{FF2B5EF4-FFF2-40B4-BE49-F238E27FC236}">
-                  <a16:creationId xmlns:a16="http://schemas.microsoft.com/office/drawing/2014/main" id="{87E72DBB-9C9F-48E1-B167-57C5CA9C45C2}"/>
-                </a:ext>
-              </a:extLst>
-            </p:cNvPr>
-            <p:cNvPicPr>
-              <a:picLocks noChangeAspect="1"/>
-            </p:cNvPicPr>
-            <p:nvPr/>
-          </p:nvPicPr>
-          <p:blipFill>
-            <a:blip r:embed="rId3">
-              <a:extLst>
-                <a:ext uri="{28A0092B-C50C-407E-A947-70E740481C1C}">
-                  <a14:useLocalDpi xmlns:a14="http://schemas.microsoft.com/office/drawing/2010/main" val="0"/>
-                </a:ext>
-              </a:extLst>
-            </a:blip>
-            <a:srcRect/>
-            <a:stretch/>
-          </p:blipFill>
-          <p:spPr>
-            <a:xfrm>
-              <a:off x="4458790" y="2023792"/>
-              <a:ext cx="1594777" cy="1594777"/>
-            </a:xfrm>
-            <a:prstGeom prst="rect">
-              <a:avLst/>
-            </a:prstGeom>
-            <a:ln w="19050">
-              <a:noFill/>
-            </a:ln>
-            <a:effectLst/>
-          </p:spPr>
-        </p:pic>
-      </p:grpSp>
-    </p:spTree>
-    <p:extLst>
-      <p:ext uri="{BB962C8B-B14F-4D97-AF65-F5344CB8AC3E}">
-        <p14:creationId xmlns:p14="http://schemas.microsoft.com/office/powerpoint/2010/main" val="1167004895"/>
       </p:ext>
     </p:extLst>
   </p:cSld>

--- a/assets/media/thumbnail/template.pptx
+++ b/assets/media/thumbnail/template.pptx
@@ -5,7 +5,7 @@
     <p:sldMasterId id="2147483660" r:id="rId1"/>
   </p:sldMasterIdLst>
   <p:notesMasterIdLst>
-    <p:notesMasterId r:id="rId102"/>
+    <p:notesMasterId r:id="rId103"/>
   </p:notesMasterIdLst>
   <p:sldIdLst>
     <p:sldId id="259" r:id="rId2"/>
@@ -105,9 +105,10 @@
     <p:sldId id="354" r:id="rId96"/>
     <p:sldId id="355" r:id="rId97"/>
     <p:sldId id="357" r:id="rId98"/>
-    <p:sldId id="349" r:id="rId99"/>
-    <p:sldId id="350" r:id="rId100"/>
-    <p:sldId id="332" r:id="rId101"/>
+    <p:sldId id="360" r:id="rId99"/>
+    <p:sldId id="349" r:id="rId100"/>
+    <p:sldId id="350" r:id="rId101"/>
+    <p:sldId id="332" r:id="rId102"/>
   </p:sldIdLst>
   <p:sldSz cx="9144000" cy="5143500" type="screen16x9"/>
   <p:notesSz cx="6858000" cy="9144000"/>
@@ -320,6 +321,7 @@
             <p14:sldId id="354"/>
             <p14:sldId id="355"/>
             <p14:sldId id="357"/>
+            <p14:sldId id="360"/>
           </p14:sldIdLst>
         </p14:section>
         <p14:section name="From Hg" id="{D787E93B-4D07-4FEF-9D4A-1DCAD97C9445}">
@@ -436,7 +438,7 @@
           <a:p>
             <a:fld id="{DAF7419A-5719-4DB0-801F-AE25AB2C4835}" type="datetimeFigureOut">
               <a:rPr lang="en-US" smtClean="0"/>
-              <a:t>4/23/2022</a:t>
+              <a:t>5/19/2022</a:t>
             </a:fld>
             <a:endParaRPr lang="en-US" dirty="0"/>
           </a:p>
@@ -951,6 +953,90 @@
     </p:spTree>
     <p:extLst>
       <p:ext uri="{BB962C8B-B14F-4D97-AF65-F5344CB8AC3E}">
+        <p14:creationId xmlns:p14="http://schemas.microsoft.com/office/powerpoint/2010/main" val="2087517936"/>
+      </p:ext>
+    </p:extLst>
+  </p:cSld>
+  <p:clrMapOvr>
+    <a:masterClrMapping/>
+  </p:clrMapOvr>
+</p:notes>
+</file>
+
+<file path=ppt/notesSlides/notesSlide101.xml><?xml version="1.0" encoding="utf-8"?>
+<p:notes xmlns:a="http://schemas.openxmlformats.org/drawingml/2006/main" xmlns:r="http://schemas.openxmlformats.org/officeDocument/2006/relationships" xmlns:p="http://schemas.openxmlformats.org/presentationml/2006/main">
+  <p:cSld>
+    <p:spTree>
+      <p:nvGrpSpPr>
+        <p:cNvPr id="1" name=""/>
+        <p:cNvGrpSpPr/>
+        <p:nvPr/>
+      </p:nvGrpSpPr>
+      <p:grpSpPr>
+        <a:xfrm>
+          <a:off x="0" y="0"/>
+          <a:ext cx="0" cy="0"/>
+          <a:chOff x="0" y="0"/>
+          <a:chExt cx="0" cy="0"/>
+        </a:xfrm>
+      </p:grpSpPr>
+      <p:sp>
+        <p:nvSpPr>
+          <p:cNvPr id="2" name="Slide Image Placeholder 1"/>
+          <p:cNvSpPr>
+            <a:spLocks noGrp="1" noRot="1" noChangeAspect="1"/>
+          </p:cNvSpPr>
+          <p:nvPr>
+            <p:ph type="sldImg"/>
+          </p:nvPr>
+        </p:nvSpPr>
+        <p:spPr/>
+      </p:sp>
+      <p:sp>
+        <p:nvSpPr>
+          <p:cNvPr id="3" name="Notes Placeholder 2"/>
+          <p:cNvSpPr>
+            <a:spLocks noGrp="1"/>
+          </p:cNvSpPr>
+          <p:nvPr>
+            <p:ph type="body" idx="1"/>
+          </p:nvPr>
+        </p:nvSpPr>
+        <p:spPr/>
+        <p:txBody>
+          <a:bodyPr/>
+          <a:lstStyle/>
+          <a:p>
+            <a:endParaRPr lang="vi-VN" dirty="0"/>
+          </a:p>
+        </p:txBody>
+      </p:sp>
+      <p:sp>
+        <p:nvSpPr>
+          <p:cNvPr id="4" name="Slide Number Placeholder 3"/>
+          <p:cNvSpPr>
+            <a:spLocks noGrp="1"/>
+          </p:cNvSpPr>
+          <p:nvPr>
+            <p:ph type="sldNum" sz="quarter" idx="5"/>
+          </p:nvPr>
+        </p:nvSpPr>
+        <p:spPr/>
+        <p:txBody>
+          <a:bodyPr/>
+          <a:lstStyle/>
+          <a:p>
+            <a:fld id="{BF1434EF-918F-4A4D-98D1-563F3F7CA387}" type="slidenum">
+              <a:rPr lang="en-US" smtClean="0"/>
+              <a:t>101</a:t>
+            </a:fld>
+            <a:endParaRPr lang="en-US" dirty="0"/>
+          </a:p>
+        </p:txBody>
+      </p:sp>
+    </p:spTree>
+    <p:extLst>
+      <p:ext uri="{BB962C8B-B14F-4D97-AF65-F5344CB8AC3E}">
         <p14:creationId xmlns:p14="http://schemas.microsoft.com/office/powerpoint/2010/main" val="3986409411"/>
       </p:ext>
     </p:extLst>
@@ -9282,7 +9368,7 @@
     </p:spTree>
     <p:extLst>
       <p:ext uri="{BB962C8B-B14F-4D97-AF65-F5344CB8AC3E}">
-        <p14:creationId xmlns:p14="http://schemas.microsoft.com/office/powerpoint/2010/main" val="418430412"/>
+        <p14:creationId xmlns:p14="http://schemas.microsoft.com/office/powerpoint/2010/main" val="2823396353"/>
       </p:ext>
     </p:extLst>
   </p:cSld>
@@ -9366,7 +9452,7 @@
     </p:spTree>
     <p:extLst>
       <p:ext uri="{BB962C8B-B14F-4D97-AF65-F5344CB8AC3E}">
-        <p14:creationId xmlns:p14="http://schemas.microsoft.com/office/powerpoint/2010/main" val="2087517936"/>
+        <p14:creationId xmlns:p14="http://schemas.microsoft.com/office/powerpoint/2010/main" val="418430412"/>
       </p:ext>
     </p:extLst>
   </p:cSld>
@@ -9507,7 +9593,7 @@
           <a:p>
             <a:fld id="{6BAADE55-1DD3-44E1-A8C2-24E0E03344A6}" type="datetimeFigureOut">
               <a:rPr lang="en-US" smtClean="0"/>
-              <a:t>4/23/2022</a:t>
+              <a:t>5/19/2022</a:t>
             </a:fld>
             <a:endParaRPr lang="en-US" dirty="0"/>
           </a:p>
@@ -9677,7 +9763,7 @@
           <a:p>
             <a:fld id="{6BAADE55-1DD3-44E1-A8C2-24E0E03344A6}" type="datetimeFigureOut">
               <a:rPr lang="en-US" smtClean="0"/>
-              <a:t>4/23/2022</a:t>
+              <a:t>5/19/2022</a:t>
             </a:fld>
             <a:endParaRPr lang="en-US" dirty="0"/>
           </a:p>
@@ -9857,7 +9943,7 @@
           <a:p>
             <a:fld id="{6BAADE55-1DD3-44E1-A8C2-24E0E03344A6}" type="datetimeFigureOut">
               <a:rPr lang="en-US" smtClean="0"/>
-              <a:t>4/23/2022</a:t>
+              <a:t>5/19/2022</a:t>
             </a:fld>
             <a:endParaRPr lang="en-US" dirty="0"/>
           </a:p>
@@ -10027,7 +10113,7 @@
           <a:p>
             <a:fld id="{6BAADE55-1DD3-44E1-A8C2-24E0E03344A6}" type="datetimeFigureOut">
               <a:rPr lang="en-US" smtClean="0"/>
-              <a:t>4/23/2022</a:t>
+              <a:t>5/19/2022</a:t>
             </a:fld>
             <a:endParaRPr lang="en-US" dirty="0"/>
           </a:p>
@@ -10273,7 +10359,7 @@
           <a:p>
             <a:fld id="{6BAADE55-1DD3-44E1-A8C2-24E0E03344A6}" type="datetimeFigureOut">
               <a:rPr lang="en-US" smtClean="0"/>
-              <a:t>4/23/2022</a:t>
+              <a:t>5/19/2022</a:t>
             </a:fld>
             <a:endParaRPr lang="en-US" dirty="0"/>
           </a:p>
@@ -10505,7 +10591,7 @@
           <a:p>
             <a:fld id="{6BAADE55-1DD3-44E1-A8C2-24E0E03344A6}" type="datetimeFigureOut">
               <a:rPr lang="en-US" smtClean="0"/>
-              <a:t>4/23/2022</a:t>
+              <a:t>5/19/2022</a:t>
             </a:fld>
             <a:endParaRPr lang="en-US" dirty="0"/>
           </a:p>
@@ -10872,7 +10958,7 @@
           <a:p>
             <a:fld id="{6BAADE55-1DD3-44E1-A8C2-24E0E03344A6}" type="datetimeFigureOut">
               <a:rPr lang="en-US" smtClean="0"/>
-              <a:t>4/23/2022</a:t>
+              <a:t>5/19/2022</a:t>
             </a:fld>
             <a:endParaRPr lang="en-US" dirty="0"/>
           </a:p>
@@ -10990,7 +11076,7 @@
           <a:p>
             <a:fld id="{6BAADE55-1DD3-44E1-A8C2-24E0E03344A6}" type="datetimeFigureOut">
               <a:rPr lang="en-US" smtClean="0"/>
-              <a:t>4/23/2022</a:t>
+              <a:t>5/19/2022</a:t>
             </a:fld>
             <a:endParaRPr lang="en-US" dirty="0"/>
           </a:p>
@@ -11085,7 +11171,7 @@
           <a:p>
             <a:fld id="{6BAADE55-1DD3-44E1-A8C2-24E0E03344A6}" type="datetimeFigureOut">
               <a:rPr lang="en-US" smtClean="0"/>
-              <a:t>4/23/2022</a:t>
+              <a:t>5/19/2022</a:t>
             </a:fld>
             <a:endParaRPr lang="en-US" dirty="0"/>
           </a:p>
@@ -11362,7 +11448,7 @@
           <a:p>
             <a:fld id="{6BAADE55-1DD3-44E1-A8C2-24E0E03344A6}" type="datetimeFigureOut">
               <a:rPr lang="en-US" smtClean="0"/>
-              <a:t>4/23/2022</a:t>
+              <a:t>5/19/2022</a:t>
             </a:fld>
             <a:endParaRPr lang="en-US" dirty="0"/>
           </a:p>
@@ -11618,7 +11704,7 @@
           <a:p>
             <a:fld id="{6BAADE55-1DD3-44E1-A8C2-24E0E03344A6}" type="datetimeFigureOut">
               <a:rPr lang="en-US" smtClean="0"/>
-              <a:t>4/23/2022</a:t>
+              <a:t>5/19/2022</a:t>
             </a:fld>
             <a:endParaRPr lang="en-US" dirty="0"/>
           </a:p>
@@ -11837,7 +11923,7 @@
           <a:p>
             <a:fld id="{6BAADE55-1DD3-44E1-A8C2-24E0E03344A6}" type="datetimeFigureOut">
               <a:rPr lang="en-US" smtClean="0"/>
-              <a:t>4/23/2022</a:t>
+              <a:t>5/19/2022</a:t>
             </a:fld>
             <a:endParaRPr lang="en-US" dirty="0"/>
           </a:p>
@@ -12607,6 +12693,154 @@
 </file>
 
 <file path=ppt/slides/slide100.xml><?xml version="1.0" encoding="utf-8"?>
+<p:sld xmlns:a="http://schemas.openxmlformats.org/drawingml/2006/main" xmlns:r="http://schemas.openxmlformats.org/officeDocument/2006/relationships" xmlns:p="http://schemas.openxmlformats.org/presentationml/2006/main">
+  <p:cSld>
+    <p:spTree>
+      <p:nvGrpSpPr>
+        <p:cNvPr id="1" name=""/>
+        <p:cNvGrpSpPr/>
+        <p:nvPr/>
+      </p:nvGrpSpPr>
+      <p:grpSpPr>
+        <a:xfrm>
+          <a:off x="0" y="0"/>
+          <a:ext cx="0" cy="0"/>
+          <a:chOff x="0" y="0"/>
+          <a:chExt cx="0" cy="0"/>
+        </a:xfrm>
+      </p:grpSpPr>
+      <p:sp>
+        <p:nvSpPr>
+          <p:cNvPr id="11" name="TextBox 10">
+            <a:extLst>
+              <a:ext uri="{FF2B5EF4-FFF2-40B4-BE49-F238E27FC236}">
+                <a16:creationId xmlns:a16="http://schemas.microsoft.com/office/drawing/2014/main" id="{49A7B9B6-8455-43BE-8670-E01CE03933DF}"/>
+              </a:ext>
+            </a:extLst>
+          </p:cNvPr>
+          <p:cNvSpPr txBox="1"/>
+          <p:nvPr/>
+        </p:nvSpPr>
+        <p:spPr>
+          <a:xfrm>
+            <a:off x="3854495" y="3858413"/>
+            <a:ext cx="1435008" cy="1015663"/>
+          </a:xfrm>
+          <a:prstGeom prst="rect">
+            <a:avLst/>
+          </a:prstGeom>
+          <a:noFill/>
+        </p:spPr>
+        <p:txBody>
+          <a:bodyPr wrap="none" rtlCol="0">
+            <a:spAutoFit/>
+          </a:bodyPr>
+          <a:lstStyle/>
+          <a:p>
+            <a:r>
+              <a:rPr lang="en-US" sz="6000" dirty="0">
+                <a:ln w="19050">
+                  <a:solidFill>
+                    <a:schemeClr val="tx1"/>
+                  </a:solidFill>
+                </a:ln>
+                <a:solidFill>
+                  <a:srgbClr val="FFFF00"/>
+                </a:solidFill>
+                <a:latin typeface="FVF Fernando 08" panose="02000507020000020003" pitchFamily="2" charset="0"/>
+              </a:rPr>
+              <a:t>Hg</a:t>
+            </a:r>
+          </a:p>
+        </p:txBody>
+      </p:sp>
+      <p:pic>
+        <p:nvPicPr>
+          <p:cNvPr id="14" name="Picture 13">
+            <a:extLst>
+              <a:ext uri="{FF2B5EF4-FFF2-40B4-BE49-F238E27FC236}">
+                <a16:creationId xmlns:a16="http://schemas.microsoft.com/office/drawing/2014/main" id="{E2D411D6-C028-4F7B-96FB-CC2855017620}"/>
+              </a:ext>
+            </a:extLst>
+          </p:cNvPr>
+          <p:cNvPicPr>
+            <a:picLocks noChangeAspect="1"/>
+          </p:cNvPicPr>
+          <p:nvPr/>
+        </p:nvPicPr>
+        <p:blipFill>
+          <a:blip r:embed="rId3">
+            <a:extLst>
+              <a:ext uri="{28A0092B-C50C-407E-A947-70E740481C1C}">
+                <a14:useLocalDpi xmlns:a14="http://schemas.microsoft.com/office/drawing/2010/main" val="0"/>
+              </a:ext>
+            </a:extLst>
+          </a:blip>
+          <a:srcRect/>
+          <a:stretch/>
+        </p:blipFill>
+        <p:spPr>
+          <a:xfrm>
+            <a:off x="7675990" y="30481"/>
+            <a:ext cx="1490870" cy="1490870"/>
+          </a:xfrm>
+          <a:prstGeom prst="rect">
+            <a:avLst/>
+          </a:prstGeom>
+          <a:ln w="19050">
+            <a:noFill/>
+          </a:ln>
+          <a:effectLst>
+            <a:outerShdw blurRad="63500" sx="104000" sy="104000" algn="ctr" rotWithShape="0">
+              <a:srgbClr val="FFFF00"/>
+            </a:outerShdw>
+          </a:effectLst>
+        </p:spPr>
+      </p:pic>
+      <p:pic>
+        <p:nvPicPr>
+          <p:cNvPr id="5" name="Picture 4">
+            <a:extLst>
+              <a:ext uri="{FF2B5EF4-FFF2-40B4-BE49-F238E27FC236}">
+                <a16:creationId xmlns:a16="http://schemas.microsoft.com/office/drawing/2014/main" id="{1D5482C7-6EE5-411B-8562-76D24A139859}"/>
+              </a:ext>
+            </a:extLst>
+          </p:cNvPr>
+          <p:cNvPicPr>
+            <a:picLocks noChangeAspect="1"/>
+          </p:cNvPicPr>
+          <p:nvPr/>
+        </p:nvPicPr>
+        <p:blipFill>
+          <a:blip r:embed="rId4"/>
+          <a:stretch>
+            <a:fillRect/>
+          </a:stretch>
+        </p:blipFill>
+        <p:spPr>
+          <a:xfrm>
+            <a:off x="3725468" y="619971"/>
+            <a:ext cx="1978944" cy="2999019"/>
+          </a:xfrm>
+          <a:prstGeom prst="rect">
+            <a:avLst/>
+          </a:prstGeom>
+        </p:spPr>
+      </p:pic>
+    </p:spTree>
+    <p:extLst>
+      <p:ext uri="{BB962C8B-B14F-4D97-AF65-F5344CB8AC3E}">
+        <p14:creationId xmlns:p14="http://schemas.microsoft.com/office/powerpoint/2010/main" val="3296750261"/>
+      </p:ext>
+    </p:extLst>
+  </p:cSld>
+  <p:clrMapOvr>
+    <a:masterClrMapping/>
+  </p:clrMapOvr>
+</p:sld>
+</file>
+
+<file path=ppt/slides/slide101.xml><?xml version="1.0" encoding="utf-8"?>
 <p:sld xmlns:a="http://schemas.openxmlformats.org/drawingml/2006/main" xmlns:r="http://schemas.openxmlformats.org/officeDocument/2006/relationships" xmlns:p="http://schemas.openxmlformats.org/presentationml/2006/main">
   <p:cSld>
     <p:spTree>
@@ -46234,6 +46468,218 @@
         </p:nvSpPr>
         <p:spPr>
           <a:xfrm>
+            <a:off x="440098" y="3858413"/>
+            <a:ext cx="8263801" cy="1015663"/>
+          </a:xfrm>
+          <a:prstGeom prst="rect">
+            <a:avLst/>
+          </a:prstGeom>
+          <a:noFill/>
+        </p:spPr>
+        <p:txBody>
+          <a:bodyPr wrap="none" rtlCol="0">
+            <a:spAutoFit/>
+          </a:bodyPr>
+          <a:lstStyle/>
+          <a:p>
+            <a:r>
+              <a:rPr lang="vi-VN" sz="6000">
+                <a:ln w="19050">
+                  <a:solidFill>
+                    <a:schemeClr val="tx1"/>
+                  </a:solidFill>
+                </a:ln>
+                <a:solidFill>
+                  <a:srgbClr val="FFFF00"/>
+                </a:solidFill>
+                <a:latin typeface="FVF Fernando 08" panose="02000507020000020003" pitchFamily="2" charset="0"/>
+              </a:rPr>
+              <a:t>Tạo dialogue.json</a:t>
+            </a:r>
+            <a:endParaRPr lang="en-US" sz="6000" dirty="0">
+              <a:ln w="19050">
+                <a:solidFill>
+                  <a:schemeClr val="tx1"/>
+                </a:solidFill>
+              </a:ln>
+              <a:solidFill>
+                <a:srgbClr val="FFFF00"/>
+              </a:solidFill>
+              <a:latin typeface="FVF Fernando 08" panose="02000507020000020003" pitchFamily="2" charset="0"/>
+            </a:endParaRPr>
+          </a:p>
+        </p:txBody>
+      </p:sp>
+      <p:pic>
+        <p:nvPicPr>
+          <p:cNvPr id="14" name="Picture 13">
+            <a:extLst>
+              <a:ext uri="{FF2B5EF4-FFF2-40B4-BE49-F238E27FC236}">
+                <a16:creationId xmlns:a16="http://schemas.microsoft.com/office/drawing/2014/main" id="{E2D411D6-C028-4F7B-96FB-CC2855017620}"/>
+              </a:ext>
+            </a:extLst>
+          </p:cNvPr>
+          <p:cNvPicPr>
+            <a:picLocks noChangeAspect="1"/>
+          </p:cNvPicPr>
+          <p:nvPr/>
+        </p:nvPicPr>
+        <p:blipFill>
+          <a:blip r:embed="rId3">
+            <a:extLst>
+              <a:ext uri="{28A0092B-C50C-407E-A947-70E740481C1C}">
+                <a14:useLocalDpi xmlns:a14="http://schemas.microsoft.com/office/drawing/2010/main" val="0"/>
+              </a:ext>
+            </a:extLst>
+          </a:blip>
+          <a:srcRect/>
+          <a:stretch/>
+        </p:blipFill>
+        <p:spPr>
+          <a:xfrm>
+            <a:off x="7675990" y="30481"/>
+            <a:ext cx="1490870" cy="1490870"/>
+          </a:xfrm>
+          <a:prstGeom prst="rect">
+            <a:avLst/>
+          </a:prstGeom>
+          <a:ln w="19050">
+            <a:noFill/>
+          </a:ln>
+          <a:effectLst>
+            <a:outerShdw blurRad="63500" sx="104000" sy="104000" algn="ctr" rotWithShape="0">
+              <a:srgbClr val="FFFF00"/>
+            </a:outerShdw>
+          </a:effectLst>
+        </p:spPr>
+      </p:pic>
+      <p:pic>
+        <p:nvPicPr>
+          <p:cNvPr id="5" name="Picture 4">
+            <a:extLst>
+              <a:ext uri="{FF2B5EF4-FFF2-40B4-BE49-F238E27FC236}">
+                <a16:creationId xmlns:a16="http://schemas.microsoft.com/office/drawing/2014/main" id="{75F3E24C-96B8-0C4B-1850-1A2B35D5306B}"/>
+              </a:ext>
+            </a:extLst>
+          </p:cNvPr>
+          <p:cNvPicPr>
+            <a:picLocks noChangeAspect="1" noChangeArrowheads="1"/>
+          </p:cNvPicPr>
+          <p:nvPr/>
+        </p:nvPicPr>
+        <p:blipFill>
+          <a:blip r:embed="rId4">
+            <a:extLst>
+              <a:ext uri="{28A0092B-C50C-407E-A947-70E740481C1C}">
+                <a14:useLocalDpi xmlns:a14="http://schemas.microsoft.com/office/drawing/2010/main" val="0"/>
+              </a:ext>
+            </a:extLst>
+          </a:blip>
+          <a:srcRect/>
+          <a:stretch>
+            <a:fillRect/>
+          </a:stretch>
+        </p:blipFill>
+        <p:spPr bwMode="auto">
+          <a:xfrm>
+            <a:off x="1741170" y="1001397"/>
+            <a:ext cx="5661660" cy="2313193"/>
+          </a:xfrm>
+          <a:prstGeom prst="rect">
+            <a:avLst/>
+          </a:prstGeom>
+          <a:noFill/>
+          <a:extLst>
+            <a:ext uri="{909E8E84-426E-40DD-AFC4-6F175D3DCCD1}">
+              <a14:hiddenFill xmlns:a14="http://schemas.microsoft.com/office/drawing/2010/main">
+                <a:solidFill>
+                  <a:srgbClr val="FFFFFF"/>
+                </a:solidFill>
+              </a14:hiddenFill>
+            </a:ext>
+          </a:extLst>
+        </p:spPr>
+      </p:pic>
+      <p:pic>
+        <p:nvPicPr>
+          <p:cNvPr id="6" name="Picture 5">
+            <a:extLst>
+              <a:ext uri="{FF2B5EF4-FFF2-40B4-BE49-F238E27FC236}">
+                <a16:creationId xmlns:a16="http://schemas.microsoft.com/office/drawing/2014/main" id="{D6E46C92-0DB8-1917-C142-D82B093165D5}"/>
+              </a:ext>
+            </a:extLst>
+          </p:cNvPr>
+          <p:cNvPicPr>
+            <a:picLocks noChangeAspect="1"/>
+          </p:cNvPicPr>
+          <p:nvPr/>
+        </p:nvPicPr>
+        <p:blipFill>
+          <a:blip r:embed="rId5">
+            <a:extLst>
+              <a:ext uri="{28A0092B-C50C-407E-A947-70E740481C1C}">
+                <a14:useLocalDpi xmlns:a14="http://schemas.microsoft.com/office/drawing/2010/main" val="0"/>
+              </a:ext>
+            </a:extLst>
+          </a:blip>
+          <a:stretch>
+            <a:fillRect/>
+          </a:stretch>
+        </p:blipFill>
+        <p:spPr>
+          <a:xfrm>
+            <a:off x="1377070" y="678732"/>
+            <a:ext cx="842619" cy="842619"/>
+          </a:xfrm>
+          <a:prstGeom prst="rect">
+            <a:avLst/>
+          </a:prstGeom>
+        </p:spPr>
+      </p:pic>
+    </p:spTree>
+    <p:extLst>
+      <p:ext uri="{BB962C8B-B14F-4D97-AF65-F5344CB8AC3E}">
+        <p14:creationId xmlns:p14="http://schemas.microsoft.com/office/powerpoint/2010/main" val="3123073807"/>
+      </p:ext>
+    </p:extLst>
+  </p:cSld>
+  <p:clrMapOvr>
+    <a:masterClrMapping/>
+  </p:clrMapOvr>
+</p:sld>
+</file>
+
+<file path=ppt/slides/slide99.xml><?xml version="1.0" encoding="utf-8"?>
+<p:sld xmlns:a="http://schemas.openxmlformats.org/drawingml/2006/main" xmlns:r="http://schemas.openxmlformats.org/officeDocument/2006/relationships" xmlns:p="http://schemas.openxmlformats.org/presentationml/2006/main">
+  <p:cSld>
+    <p:spTree>
+      <p:nvGrpSpPr>
+        <p:cNvPr id="1" name=""/>
+        <p:cNvGrpSpPr/>
+        <p:nvPr/>
+      </p:nvGrpSpPr>
+      <p:grpSpPr>
+        <a:xfrm>
+          <a:off x="0" y="0"/>
+          <a:ext cx="0" cy="0"/>
+          <a:chOff x="0" y="0"/>
+          <a:chExt cx="0" cy="0"/>
+        </a:xfrm>
+      </p:grpSpPr>
+      <p:sp>
+        <p:nvSpPr>
+          <p:cNvPr id="11" name="TextBox 10">
+            <a:extLst>
+              <a:ext uri="{FF2B5EF4-FFF2-40B4-BE49-F238E27FC236}">
+                <a16:creationId xmlns:a16="http://schemas.microsoft.com/office/drawing/2014/main" id="{49A7B9B6-8455-43BE-8670-E01CE03933DF}"/>
+              </a:ext>
+            </a:extLst>
+          </p:cNvPr>
+          <p:cNvSpPr txBox="1"/>
+          <p:nvPr/>
+        </p:nvSpPr>
+        <p:spPr>
+          <a:xfrm>
             <a:off x="1834712" y="3858413"/>
             <a:ext cx="5474576" cy="1015663"/>
           </a:xfrm>
@@ -46348,154 +46794,6 @@
     <p:extLst>
       <p:ext uri="{BB962C8B-B14F-4D97-AF65-F5344CB8AC3E}">
         <p14:creationId xmlns:p14="http://schemas.microsoft.com/office/powerpoint/2010/main" val="312882953"/>
-      </p:ext>
-    </p:extLst>
-  </p:cSld>
-  <p:clrMapOvr>
-    <a:masterClrMapping/>
-  </p:clrMapOvr>
-</p:sld>
-</file>
-
-<file path=ppt/slides/slide99.xml><?xml version="1.0" encoding="utf-8"?>
-<p:sld xmlns:a="http://schemas.openxmlformats.org/drawingml/2006/main" xmlns:r="http://schemas.openxmlformats.org/officeDocument/2006/relationships" xmlns:p="http://schemas.openxmlformats.org/presentationml/2006/main">
-  <p:cSld>
-    <p:spTree>
-      <p:nvGrpSpPr>
-        <p:cNvPr id="1" name=""/>
-        <p:cNvGrpSpPr/>
-        <p:nvPr/>
-      </p:nvGrpSpPr>
-      <p:grpSpPr>
-        <a:xfrm>
-          <a:off x="0" y="0"/>
-          <a:ext cx="0" cy="0"/>
-          <a:chOff x="0" y="0"/>
-          <a:chExt cx="0" cy="0"/>
-        </a:xfrm>
-      </p:grpSpPr>
-      <p:sp>
-        <p:nvSpPr>
-          <p:cNvPr id="11" name="TextBox 10">
-            <a:extLst>
-              <a:ext uri="{FF2B5EF4-FFF2-40B4-BE49-F238E27FC236}">
-                <a16:creationId xmlns:a16="http://schemas.microsoft.com/office/drawing/2014/main" id="{49A7B9B6-8455-43BE-8670-E01CE03933DF}"/>
-              </a:ext>
-            </a:extLst>
-          </p:cNvPr>
-          <p:cNvSpPr txBox="1"/>
-          <p:nvPr/>
-        </p:nvSpPr>
-        <p:spPr>
-          <a:xfrm>
-            <a:off x="3854495" y="3858413"/>
-            <a:ext cx="1435008" cy="1015663"/>
-          </a:xfrm>
-          <a:prstGeom prst="rect">
-            <a:avLst/>
-          </a:prstGeom>
-          <a:noFill/>
-        </p:spPr>
-        <p:txBody>
-          <a:bodyPr wrap="none" rtlCol="0">
-            <a:spAutoFit/>
-          </a:bodyPr>
-          <a:lstStyle/>
-          <a:p>
-            <a:r>
-              <a:rPr lang="en-US" sz="6000" dirty="0">
-                <a:ln w="19050">
-                  <a:solidFill>
-                    <a:schemeClr val="tx1"/>
-                  </a:solidFill>
-                </a:ln>
-                <a:solidFill>
-                  <a:srgbClr val="FFFF00"/>
-                </a:solidFill>
-                <a:latin typeface="FVF Fernando 08" panose="02000507020000020003" pitchFamily="2" charset="0"/>
-              </a:rPr>
-              <a:t>Hg</a:t>
-            </a:r>
-          </a:p>
-        </p:txBody>
-      </p:sp>
-      <p:pic>
-        <p:nvPicPr>
-          <p:cNvPr id="14" name="Picture 13">
-            <a:extLst>
-              <a:ext uri="{FF2B5EF4-FFF2-40B4-BE49-F238E27FC236}">
-                <a16:creationId xmlns:a16="http://schemas.microsoft.com/office/drawing/2014/main" id="{E2D411D6-C028-4F7B-96FB-CC2855017620}"/>
-              </a:ext>
-            </a:extLst>
-          </p:cNvPr>
-          <p:cNvPicPr>
-            <a:picLocks noChangeAspect="1"/>
-          </p:cNvPicPr>
-          <p:nvPr/>
-        </p:nvPicPr>
-        <p:blipFill>
-          <a:blip r:embed="rId3">
-            <a:extLst>
-              <a:ext uri="{28A0092B-C50C-407E-A947-70E740481C1C}">
-                <a14:useLocalDpi xmlns:a14="http://schemas.microsoft.com/office/drawing/2010/main" val="0"/>
-              </a:ext>
-            </a:extLst>
-          </a:blip>
-          <a:srcRect/>
-          <a:stretch/>
-        </p:blipFill>
-        <p:spPr>
-          <a:xfrm>
-            <a:off x="7675990" y="30481"/>
-            <a:ext cx="1490870" cy="1490870"/>
-          </a:xfrm>
-          <a:prstGeom prst="rect">
-            <a:avLst/>
-          </a:prstGeom>
-          <a:ln w="19050">
-            <a:noFill/>
-          </a:ln>
-          <a:effectLst>
-            <a:outerShdw blurRad="63500" sx="104000" sy="104000" algn="ctr" rotWithShape="0">
-              <a:srgbClr val="FFFF00"/>
-            </a:outerShdw>
-          </a:effectLst>
-        </p:spPr>
-      </p:pic>
-      <p:pic>
-        <p:nvPicPr>
-          <p:cNvPr id="5" name="Picture 4">
-            <a:extLst>
-              <a:ext uri="{FF2B5EF4-FFF2-40B4-BE49-F238E27FC236}">
-                <a16:creationId xmlns:a16="http://schemas.microsoft.com/office/drawing/2014/main" id="{1D5482C7-6EE5-411B-8562-76D24A139859}"/>
-              </a:ext>
-            </a:extLst>
-          </p:cNvPr>
-          <p:cNvPicPr>
-            <a:picLocks noChangeAspect="1"/>
-          </p:cNvPicPr>
-          <p:nvPr/>
-        </p:nvPicPr>
-        <p:blipFill>
-          <a:blip r:embed="rId4"/>
-          <a:stretch>
-            <a:fillRect/>
-          </a:stretch>
-        </p:blipFill>
-        <p:spPr>
-          <a:xfrm>
-            <a:off x="3725468" y="619971"/>
-            <a:ext cx="1978944" cy="2999019"/>
-          </a:xfrm>
-          <a:prstGeom prst="rect">
-            <a:avLst/>
-          </a:prstGeom>
-        </p:spPr>
-      </p:pic>
-    </p:spTree>
-    <p:extLst>
-      <p:ext uri="{BB962C8B-B14F-4D97-AF65-F5344CB8AC3E}">
-        <p14:creationId xmlns:p14="http://schemas.microsoft.com/office/powerpoint/2010/main" val="3296750261"/>
       </p:ext>
     </p:extLst>
   </p:cSld>

--- a/assets/media/thumbnail/template.pptx
+++ b/assets/media/thumbnail/template.pptx
@@ -5,7 +5,7 @@
     <p:sldMasterId id="2147483660" r:id="rId1"/>
   </p:sldMasterIdLst>
   <p:notesMasterIdLst>
-    <p:notesMasterId r:id="rId103"/>
+    <p:notesMasterId r:id="rId104"/>
   </p:notesMasterIdLst>
   <p:sldIdLst>
     <p:sldId id="259" r:id="rId2"/>
@@ -99,16 +99,17 @@
     <p:sldId id="356" r:id="rId90"/>
     <p:sldId id="346" r:id="rId91"/>
     <p:sldId id="358" r:id="rId92"/>
-    <p:sldId id="351" r:id="rId93"/>
-    <p:sldId id="352" r:id="rId94"/>
-    <p:sldId id="353" r:id="rId95"/>
-    <p:sldId id="354" r:id="rId96"/>
-    <p:sldId id="355" r:id="rId97"/>
-    <p:sldId id="357" r:id="rId98"/>
-    <p:sldId id="360" r:id="rId99"/>
-    <p:sldId id="349" r:id="rId100"/>
-    <p:sldId id="350" r:id="rId101"/>
-    <p:sldId id="332" r:id="rId102"/>
+    <p:sldId id="353" r:id="rId93"/>
+    <p:sldId id="351" r:id="rId94"/>
+    <p:sldId id="352" r:id="rId95"/>
+    <p:sldId id="361" r:id="rId96"/>
+    <p:sldId id="354" r:id="rId97"/>
+    <p:sldId id="355" r:id="rId98"/>
+    <p:sldId id="357" r:id="rId99"/>
+    <p:sldId id="360" r:id="rId100"/>
+    <p:sldId id="349" r:id="rId101"/>
+    <p:sldId id="350" r:id="rId102"/>
+    <p:sldId id="332" r:id="rId103"/>
   </p:sldIdLst>
   <p:sldSz cx="9144000" cy="5143500" type="screen16x9"/>
   <p:notesSz cx="6858000" cy="9144000"/>
@@ -311,9 +312,10 @@
         </p14:section>
         <p14:section name="Thông tin liên quan" id="{CD6A83CE-D8E8-425A-8590-7E36356EE3E0}">
           <p14:sldIdLst>
+            <p14:sldId id="353"/>
             <p14:sldId id="351"/>
             <p14:sldId id="352"/>
-            <p14:sldId id="353"/>
+            <p14:sldId id="361"/>
           </p14:sldIdLst>
         </p14:section>
         <p14:section name="Web Tool" id="{E539C44A-176F-46D9-A494-E02E57FF3620}">
@@ -438,7 +440,7 @@
           <a:p>
             <a:fld id="{DAF7419A-5719-4DB0-801F-AE25AB2C4835}" type="datetimeFigureOut">
               <a:rPr lang="en-US" smtClean="0"/>
-              <a:t>5/19/2022</a:t>
+              <a:t>7/2/2022</a:t>
             </a:fld>
             <a:endParaRPr lang="en-US" dirty="0"/>
           </a:p>
@@ -953,7 +955,7 @@
     </p:spTree>
     <p:extLst>
       <p:ext uri="{BB962C8B-B14F-4D97-AF65-F5344CB8AC3E}">
-        <p14:creationId xmlns:p14="http://schemas.microsoft.com/office/powerpoint/2010/main" val="2087517936"/>
+        <p14:creationId xmlns:p14="http://schemas.microsoft.com/office/powerpoint/2010/main" val="418430412"/>
       </p:ext>
     </p:extLst>
   </p:cSld>
@@ -1029,6 +1031,90 @@
             <a:fld id="{BF1434EF-918F-4A4D-98D1-563F3F7CA387}" type="slidenum">
               <a:rPr lang="en-US" smtClean="0"/>
               <a:t>101</a:t>
+            </a:fld>
+            <a:endParaRPr lang="en-US" dirty="0"/>
+          </a:p>
+        </p:txBody>
+      </p:sp>
+    </p:spTree>
+    <p:extLst>
+      <p:ext uri="{BB962C8B-B14F-4D97-AF65-F5344CB8AC3E}">
+        <p14:creationId xmlns:p14="http://schemas.microsoft.com/office/powerpoint/2010/main" val="2087517936"/>
+      </p:ext>
+    </p:extLst>
+  </p:cSld>
+  <p:clrMapOvr>
+    <a:masterClrMapping/>
+  </p:clrMapOvr>
+</p:notes>
+</file>
+
+<file path=ppt/notesSlides/notesSlide102.xml><?xml version="1.0" encoding="utf-8"?>
+<p:notes xmlns:a="http://schemas.openxmlformats.org/drawingml/2006/main" xmlns:r="http://schemas.openxmlformats.org/officeDocument/2006/relationships" xmlns:p="http://schemas.openxmlformats.org/presentationml/2006/main">
+  <p:cSld>
+    <p:spTree>
+      <p:nvGrpSpPr>
+        <p:cNvPr id="1" name=""/>
+        <p:cNvGrpSpPr/>
+        <p:nvPr/>
+      </p:nvGrpSpPr>
+      <p:grpSpPr>
+        <a:xfrm>
+          <a:off x="0" y="0"/>
+          <a:ext cx="0" cy="0"/>
+          <a:chOff x="0" y="0"/>
+          <a:chExt cx="0" cy="0"/>
+        </a:xfrm>
+      </p:grpSpPr>
+      <p:sp>
+        <p:nvSpPr>
+          <p:cNvPr id="2" name="Slide Image Placeholder 1"/>
+          <p:cNvSpPr>
+            <a:spLocks noGrp="1" noRot="1" noChangeAspect="1"/>
+          </p:cNvSpPr>
+          <p:nvPr>
+            <p:ph type="sldImg"/>
+          </p:nvPr>
+        </p:nvSpPr>
+        <p:spPr/>
+      </p:sp>
+      <p:sp>
+        <p:nvSpPr>
+          <p:cNvPr id="3" name="Notes Placeholder 2"/>
+          <p:cNvSpPr>
+            <a:spLocks noGrp="1"/>
+          </p:cNvSpPr>
+          <p:nvPr>
+            <p:ph type="body" idx="1"/>
+          </p:nvPr>
+        </p:nvSpPr>
+        <p:spPr/>
+        <p:txBody>
+          <a:bodyPr/>
+          <a:lstStyle/>
+          <a:p>
+            <a:endParaRPr lang="vi-VN" dirty="0"/>
+          </a:p>
+        </p:txBody>
+      </p:sp>
+      <p:sp>
+        <p:nvSpPr>
+          <p:cNvPr id="4" name="Slide Number Placeholder 3"/>
+          <p:cNvSpPr>
+            <a:spLocks noGrp="1"/>
+          </p:cNvSpPr>
+          <p:nvPr>
+            <p:ph type="sldNum" sz="quarter" idx="5"/>
+          </p:nvPr>
+        </p:nvSpPr>
+        <p:spPr/>
+        <p:txBody>
+          <a:bodyPr/>
+          <a:lstStyle/>
+          <a:p>
+            <a:fld id="{BF1434EF-918F-4A4D-98D1-563F3F7CA387}" type="slidenum">
+              <a:rPr lang="en-US" smtClean="0"/>
+              <a:t>102</a:t>
             </a:fld>
             <a:endParaRPr lang="en-US" dirty="0"/>
           </a:p>
@@ -8864,7 +8950,7 @@
     </p:spTree>
     <p:extLst>
       <p:ext uri="{BB962C8B-B14F-4D97-AF65-F5344CB8AC3E}">
-        <p14:creationId xmlns:p14="http://schemas.microsoft.com/office/powerpoint/2010/main" val="1580828146"/>
+        <p14:creationId xmlns:p14="http://schemas.microsoft.com/office/powerpoint/2010/main" val="3795521162"/>
       </p:ext>
     </p:extLst>
   </p:cSld>
@@ -8948,7 +9034,7 @@
     </p:spTree>
     <p:extLst>
       <p:ext uri="{BB962C8B-B14F-4D97-AF65-F5344CB8AC3E}">
-        <p14:creationId xmlns:p14="http://schemas.microsoft.com/office/powerpoint/2010/main" val="880678517"/>
+        <p14:creationId xmlns:p14="http://schemas.microsoft.com/office/powerpoint/2010/main" val="1580828146"/>
       </p:ext>
     </p:extLst>
   </p:cSld>
@@ -9032,7 +9118,7 @@
     </p:spTree>
     <p:extLst>
       <p:ext uri="{BB962C8B-B14F-4D97-AF65-F5344CB8AC3E}">
-        <p14:creationId xmlns:p14="http://schemas.microsoft.com/office/powerpoint/2010/main" val="3795521162"/>
+        <p14:creationId xmlns:p14="http://schemas.microsoft.com/office/powerpoint/2010/main" val="880678517"/>
       </p:ext>
     </p:extLst>
   </p:cSld>
@@ -9116,7 +9202,7 @@
     </p:spTree>
     <p:extLst>
       <p:ext uri="{BB962C8B-B14F-4D97-AF65-F5344CB8AC3E}">
-        <p14:creationId xmlns:p14="http://schemas.microsoft.com/office/powerpoint/2010/main" val="232954569"/>
+        <p14:creationId xmlns:p14="http://schemas.microsoft.com/office/powerpoint/2010/main" val="273468379"/>
       </p:ext>
     </p:extLst>
   </p:cSld>
@@ -9200,7 +9286,7 @@
     </p:spTree>
     <p:extLst>
       <p:ext uri="{BB962C8B-B14F-4D97-AF65-F5344CB8AC3E}">
-        <p14:creationId xmlns:p14="http://schemas.microsoft.com/office/powerpoint/2010/main" val="3301698305"/>
+        <p14:creationId xmlns:p14="http://schemas.microsoft.com/office/powerpoint/2010/main" val="232954569"/>
       </p:ext>
     </p:extLst>
   </p:cSld>
@@ -9284,7 +9370,7 @@
     </p:spTree>
     <p:extLst>
       <p:ext uri="{BB962C8B-B14F-4D97-AF65-F5344CB8AC3E}">
-        <p14:creationId xmlns:p14="http://schemas.microsoft.com/office/powerpoint/2010/main" val="397470668"/>
+        <p14:creationId xmlns:p14="http://schemas.microsoft.com/office/powerpoint/2010/main" val="3301698305"/>
       </p:ext>
     </p:extLst>
   </p:cSld>
@@ -9368,7 +9454,7 @@
     </p:spTree>
     <p:extLst>
       <p:ext uri="{BB962C8B-B14F-4D97-AF65-F5344CB8AC3E}">
-        <p14:creationId xmlns:p14="http://schemas.microsoft.com/office/powerpoint/2010/main" val="2823396353"/>
+        <p14:creationId xmlns:p14="http://schemas.microsoft.com/office/powerpoint/2010/main" val="397470668"/>
       </p:ext>
     </p:extLst>
   </p:cSld>
@@ -9452,7 +9538,7 @@
     </p:spTree>
     <p:extLst>
       <p:ext uri="{BB962C8B-B14F-4D97-AF65-F5344CB8AC3E}">
-        <p14:creationId xmlns:p14="http://schemas.microsoft.com/office/powerpoint/2010/main" val="418430412"/>
+        <p14:creationId xmlns:p14="http://schemas.microsoft.com/office/powerpoint/2010/main" val="2823396353"/>
       </p:ext>
     </p:extLst>
   </p:cSld>
@@ -9593,7 +9679,7 @@
           <a:p>
             <a:fld id="{6BAADE55-1DD3-44E1-A8C2-24E0E03344A6}" type="datetimeFigureOut">
               <a:rPr lang="en-US" smtClean="0"/>
-              <a:t>5/19/2022</a:t>
+              <a:t>7/2/2022</a:t>
             </a:fld>
             <a:endParaRPr lang="en-US" dirty="0"/>
           </a:p>
@@ -9763,7 +9849,7 @@
           <a:p>
             <a:fld id="{6BAADE55-1DD3-44E1-A8C2-24E0E03344A6}" type="datetimeFigureOut">
               <a:rPr lang="en-US" smtClean="0"/>
-              <a:t>5/19/2022</a:t>
+              <a:t>7/2/2022</a:t>
             </a:fld>
             <a:endParaRPr lang="en-US" dirty="0"/>
           </a:p>
@@ -9943,7 +10029,7 @@
           <a:p>
             <a:fld id="{6BAADE55-1DD3-44E1-A8C2-24E0E03344A6}" type="datetimeFigureOut">
               <a:rPr lang="en-US" smtClean="0"/>
-              <a:t>5/19/2022</a:t>
+              <a:t>7/2/2022</a:t>
             </a:fld>
             <a:endParaRPr lang="en-US" dirty="0"/>
           </a:p>
@@ -10113,7 +10199,7 @@
           <a:p>
             <a:fld id="{6BAADE55-1DD3-44E1-A8C2-24E0E03344A6}" type="datetimeFigureOut">
               <a:rPr lang="en-US" smtClean="0"/>
-              <a:t>5/19/2022</a:t>
+              <a:t>7/2/2022</a:t>
             </a:fld>
             <a:endParaRPr lang="en-US" dirty="0"/>
           </a:p>
@@ -10359,7 +10445,7 @@
           <a:p>
             <a:fld id="{6BAADE55-1DD3-44E1-A8C2-24E0E03344A6}" type="datetimeFigureOut">
               <a:rPr lang="en-US" smtClean="0"/>
-              <a:t>5/19/2022</a:t>
+              <a:t>7/2/2022</a:t>
             </a:fld>
             <a:endParaRPr lang="en-US" dirty="0"/>
           </a:p>
@@ -10591,7 +10677,7 @@
           <a:p>
             <a:fld id="{6BAADE55-1DD3-44E1-A8C2-24E0E03344A6}" type="datetimeFigureOut">
               <a:rPr lang="en-US" smtClean="0"/>
-              <a:t>5/19/2022</a:t>
+              <a:t>7/2/2022</a:t>
             </a:fld>
             <a:endParaRPr lang="en-US" dirty="0"/>
           </a:p>
@@ -10958,7 +11044,7 @@
           <a:p>
             <a:fld id="{6BAADE55-1DD3-44E1-A8C2-24E0E03344A6}" type="datetimeFigureOut">
               <a:rPr lang="en-US" smtClean="0"/>
-              <a:t>5/19/2022</a:t>
+              <a:t>7/2/2022</a:t>
             </a:fld>
             <a:endParaRPr lang="en-US" dirty="0"/>
           </a:p>
@@ -11076,7 +11162,7 @@
           <a:p>
             <a:fld id="{6BAADE55-1DD3-44E1-A8C2-24E0E03344A6}" type="datetimeFigureOut">
               <a:rPr lang="en-US" smtClean="0"/>
-              <a:t>5/19/2022</a:t>
+              <a:t>7/2/2022</a:t>
             </a:fld>
             <a:endParaRPr lang="en-US" dirty="0"/>
           </a:p>
@@ -11171,7 +11257,7 @@
           <a:p>
             <a:fld id="{6BAADE55-1DD3-44E1-A8C2-24E0E03344A6}" type="datetimeFigureOut">
               <a:rPr lang="en-US" smtClean="0"/>
-              <a:t>5/19/2022</a:t>
+              <a:t>7/2/2022</a:t>
             </a:fld>
             <a:endParaRPr lang="en-US" dirty="0"/>
           </a:p>
@@ -11448,7 +11534,7 @@
           <a:p>
             <a:fld id="{6BAADE55-1DD3-44E1-A8C2-24E0E03344A6}" type="datetimeFigureOut">
               <a:rPr lang="en-US" smtClean="0"/>
-              <a:t>5/19/2022</a:t>
+              <a:t>7/2/2022</a:t>
             </a:fld>
             <a:endParaRPr lang="en-US" dirty="0"/>
           </a:p>
@@ -11704,7 +11790,7 @@
           <a:p>
             <a:fld id="{6BAADE55-1DD3-44E1-A8C2-24E0E03344A6}" type="datetimeFigureOut">
               <a:rPr lang="en-US" smtClean="0"/>
-              <a:t>5/19/2022</a:t>
+              <a:t>7/2/2022</a:t>
             </a:fld>
             <a:endParaRPr lang="en-US" dirty="0"/>
           </a:p>
@@ -11923,7 +12009,7 @@
           <a:p>
             <a:fld id="{6BAADE55-1DD3-44E1-A8C2-24E0E03344A6}" type="datetimeFigureOut">
               <a:rPr lang="en-US" smtClean="0"/>
-              <a:t>5/19/2022</a:t>
+              <a:t>7/2/2022</a:t>
             </a:fld>
             <a:endParaRPr lang="en-US" dirty="0"/>
           </a:p>
@@ -12723,6 +12809,160 @@
         </p:nvSpPr>
         <p:spPr>
           <a:xfrm>
+            <a:off x="1834712" y="3858413"/>
+            <a:ext cx="5474576" cy="1015663"/>
+          </a:xfrm>
+          <a:prstGeom prst="rect">
+            <a:avLst/>
+          </a:prstGeom>
+          <a:noFill/>
+        </p:spPr>
+        <p:txBody>
+          <a:bodyPr wrap="none" rtlCol="0">
+            <a:spAutoFit/>
+          </a:bodyPr>
+          <a:lstStyle/>
+          <a:p>
+            <a:r>
+              <a:rPr lang="en-US" sz="6000" dirty="0">
+                <a:ln w="19050">
+                  <a:solidFill>
+                    <a:schemeClr val="tx1"/>
+                  </a:solidFill>
+                </a:ln>
+                <a:solidFill>
+                  <a:srgbClr val="FFFF00"/>
+                </a:solidFill>
+                <a:latin typeface="FVF Fernando 08" panose="02000507020000020003" pitchFamily="2" charset="0"/>
+              </a:rPr>
+              <a:t>Easter Egg</a:t>
+            </a:r>
+          </a:p>
+        </p:txBody>
+      </p:sp>
+      <p:pic>
+        <p:nvPicPr>
+          <p:cNvPr id="14" name="Picture 13">
+            <a:extLst>
+              <a:ext uri="{FF2B5EF4-FFF2-40B4-BE49-F238E27FC236}">
+                <a16:creationId xmlns:a16="http://schemas.microsoft.com/office/drawing/2014/main" id="{E2D411D6-C028-4F7B-96FB-CC2855017620}"/>
+              </a:ext>
+            </a:extLst>
+          </p:cNvPr>
+          <p:cNvPicPr>
+            <a:picLocks noChangeAspect="1"/>
+          </p:cNvPicPr>
+          <p:nvPr/>
+        </p:nvPicPr>
+        <p:blipFill>
+          <a:blip r:embed="rId3">
+            <a:extLst>
+              <a:ext uri="{28A0092B-C50C-407E-A947-70E740481C1C}">
+                <a14:useLocalDpi xmlns:a14="http://schemas.microsoft.com/office/drawing/2010/main" val="0"/>
+              </a:ext>
+            </a:extLst>
+          </a:blip>
+          <a:srcRect/>
+          <a:stretch/>
+        </p:blipFill>
+        <p:spPr>
+          <a:xfrm>
+            <a:off x="7675990" y="30481"/>
+            <a:ext cx="1490870" cy="1490870"/>
+          </a:xfrm>
+          <a:prstGeom prst="rect">
+            <a:avLst/>
+          </a:prstGeom>
+          <a:ln w="19050">
+            <a:noFill/>
+          </a:ln>
+          <a:effectLst>
+            <a:outerShdw blurRad="63500" sx="104000" sy="104000" algn="ctr" rotWithShape="0">
+              <a:srgbClr val="FFFF00"/>
+            </a:outerShdw>
+          </a:effectLst>
+        </p:spPr>
+      </p:pic>
+      <p:pic>
+        <p:nvPicPr>
+          <p:cNvPr id="4" name="Picture 3">
+            <a:extLst>
+              <a:ext uri="{FF2B5EF4-FFF2-40B4-BE49-F238E27FC236}">
+                <a16:creationId xmlns:a16="http://schemas.microsoft.com/office/drawing/2014/main" id="{62FA9332-BDFE-41E2-9F3F-7000995C0D5E}"/>
+              </a:ext>
+            </a:extLst>
+          </p:cNvPr>
+          <p:cNvPicPr>
+            <a:picLocks noChangeAspect="1"/>
+          </p:cNvPicPr>
+          <p:nvPr/>
+        </p:nvPicPr>
+        <p:blipFill>
+          <a:blip r:embed="rId4">
+            <a:extLst>
+              <a:ext uri="{28A0092B-C50C-407E-A947-70E740481C1C}">
+                <a14:useLocalDpi xmlns:a14="http://schemas.microsoft.com/office/drawing/2010/main" val="0"/>
+              </a:ext>
+            </a:extLst>
+          </a:blip>
+          <a:stretch>
+            <a:fillRect/>
+          </a:stretch>
+        </p:blipFill>
+        <p:spPr>
+          <a:xfrm>
+            <a:off x="3157937" y="775916"/>
+            <a:ext cx="2828125" cy="2828125"/>
+          </a:xfrm>
+          <a:prstGeom prst="rect">
+            <a:avLst/>
+          </a:prstGeom>
+        </p:spPr>
+      </p:pic>
+    </p:spTree>
+    <p:extLst>
+      <p:ext uri="{BB962C8B-B14F-4D97-AF65-F5344CB8AC3E}">
+        <p14:creationId xmlns:p14="http://schemas.microsoft.com/office/powerpoint/2010/main" val="312882953"/>
+      </p:ext>
+    </p:extLst>
+  </p:cSld>
+  <p:clrMapOvr>
+    <a:masterClrMapping/>
+  </p:clrMapOvr>
+</p:sld>
+</file>
+
+<file path=ppt/slides/slide101.xml><?xml version="1.0" encoding="utf-8"?>
+<p:sld xmlns:a="http://schemas.openxmlformats.org/drawingml/2006/main" xmlns:r="http://schemas.openxmlformats.org/officeDocument/2006/relationships" xmlns:p="http://schemas.openxmlformats.org/presentationml/2006/main">
+  <p:cSld>
+    <p:spTree>
+      <p:nvGrpSpPr>
+        <p:cNvPr id="1" name=""/>
+        <p:cNvGrpSpPr/>
+        <p:nvPr/>
+      </p:nvGrpSpPr>
+      <p:grpSpPr>
+        <a:xfrm>
+          <a:off x="0" y="0"/>
+          <a:ext cx="0" cy="0"/>
+          <a:chOff x="0" y="0"/>
+          <a:chExt cx="0" cy="0"/>
+        </a:xfrm>
+      </p:grpSpPr>
+      <p:sp>
+        <p:nvSpPr>
+          <p:cNvPr id="11" name="TextBox 10">
+            <a:extLst>
+              <a:ext uri="{FF2B5EF4-FFF2-40B4-BE49-F238E27FC236}">
+                <a16:creationId xmlns:a16="http://schemas.microsoft.com/office/drawing/2014/main" id="{49A7B9B6-8455-43BE-8670-E01CE03933DF}"/>
+              </a:ext>
+            </a:extLst>
+          </p:cNvPr>
+          <p:cNvSpPr txBox="1"/>
+          <p:nvPr/>
+        </p:nvSpPr>
+        <p:spPr>
+          <a:xfrm>
             <a:off x="3854495" y="3858413"/>
             <a:ext cx="1435008" cy="1015663"/>
           </a:xfrm>
@@ -12840,7 +13080,7 @@
 </p:sld>
 </file>
 
-<file path=ppt/slides/slide101.xml><?xml version="1.0" encoding="utf-8"?>
+<file path=ppt/slides/slide102.xml><?xml version="1.0" encoding="utf-8"?>
 <p:sld xmlns:a="http://schemas.openxmlformats.org/drawingml/2006/main" xmlns:r="http://schemas.openxmlformats.org/officeDocument/2006/relationships" xmlns:p="http://schemas.openxmlformats.org/presentationml/2006/main">
   <p:cSld>
     <p:spTree>
@@ -45239,6 +45479,191 @@
         </p:nvSpPr>
         <p:spPr>
           <a:xfrm>
+            <a:off x="1353810" y="3961026"/>
+            <a:ext cx="6436377" cy="1015663"/>
+          </a:xfrm>
+          <a:prstGeom prst="rect">
+            <a:avLst/>
+          </a:prstGeom>
+          <a:noFill/>
+        </p:spPr>
+        <p:txBody>
+          <a:bodyPr wrap="none" rtlCol="0">
+            <a:spAutoFit/>
+          </a:bodyPr>
+          <a:lstStyle/>
+          <a:p>
+            <a:r>
+              <a:rPr lang="vi-VN" sz="6000" dirty="0">
+                <a:ln w="19050">
+                  <a:solidFill>
+                    <a:schemeClr val="tx1"/>
+                  </a:solidFill>
+                </a:ln>
+                <a:solidFill>
+                  <a:srgbClr val="FFFF00"/>
+                </a:solidFill>
+                <a:latin typeface="FVF Fernando 08" panose="02000507020000020003" pitchFamily="2" charset="0"/>
+              </a:rPr>
+              <a:t>Toán tử kí tự</a:t>
+            </a:r>
+            <a:endParaRPr lang="en-US" sz="6000" dirty="0">
+              <a:ln w="19050">
+                <a:solidFill>
+                  <a:schemeClr val="tx1"/>
+                </a:solidFill>
+              </a:ln>
+              <a:solidFill>
+                <a:srgbClr val="FFFF00"/>
+              </a:solidFill>
+              <a:latin typeface="FVF Fernando 08" panose="02000507020000020003" pitchFamily="2" charset="0"/>
+            </a:endParaRPr>
+          </a:p>
+        </p:txBody>
+      </p:sp>
+      <p:pic>
+        <p:nvPicPr>
+          <p:cNvPr id="14" name="Picture 13">
+            <a:extLst>
+              <a:ext uri="{FF2B5EF4-FFF2-40B4-BE49-F238E27FC236}">
+                <a16:creationId xmlns:a16="http://schemas.microsoft.com/office/drawing/2014/main" id="{E2D411D6-C028-4F7B-96FB-CC2855017620}"/>
+              </a:ext>
+            </a:extLst>
+          </p:cNvPr>
+          <p:cNvPicPr>
+            <a:picLocks noChangeAspect="1"/>
+          </p:cNvPicPr>
+          <p:nvPr/>
+        </p:nvPicPr>
+        <p:blipFill>
+          <a:blip r:embed="rId3">
+            <a:extLst>
+              <a:ext uri="{28A0092B-C50C-407E-A947-70E740481C1C}">
+                <a14:useLocalDpi xmlns:a14="http://schemas.microsoft.com/office/drawing/2010/main" val="0"/>
+              </a:ext>
+            </a:extLst>
+          </a:blip>
+          <a:srcRect/>
+          <a:stretch/>
+        </p:blipFill>
+        <p:spPr>
+          <a:xfrm>
+            <a:off x="7675990" y="30481"/>
+            <a:ext cx="1490870" cy="1490870"/>
+          </a:xfrm>
+          <a:prstGeom prst="rect">
+            <a:avLst/>
+          </a:prstGeom>
+          <a:ln w="19050">
+            <a:noFill/>
+          </a:ln>
+          <a:effectLst>
+            <a:outerShdw blurRad="63500" sx="104000" sy="104000" algn="ctr" rotWithShape="0">
+              <a:srgbClr val="FFFF00"/>
+            </a:outerShdw>
+          </a:effectLst>
+        </p:spPr>
+      </p:pic>
+      <p:sp>
+        <p:nvSpPr>
+          <p:cNvPr id="7" name="TextBox 6">
+            <a:extLst>
+              <a:ext uri="{FF2B5EF4-FFF2-40B4-BE49-F238E27FC236}">
+                <a16:creationId xmlns:a16="http://schemas.microsoft.com/office/drawing/2014/main" id="{C11996F8-5179-4D29-B915-8A8107AC8A3F}"/>
+              </a:ext>
+            </a:extLst>
+          </p:cNvPr>
+          <p:cNvSpPr txBox="1"/>
+          <p:nvPr/>
+        </p:nvSpPr>
+        <p:spPr>
+          <a:xfrm>
+            <a:off x="2445454" y="2110085"/>
+            <a:ext cx="4253087" cy="923330"/>
+          </a:xfrm>
+          <a:prstGeom prst="rect">
+            <a:avLst/>
+          </a:prstGeom>
+          <a:noFill/>
+        </p:spPr>
+        <p:txBody>
+          <a:bodyPr wrap="none" rtlCol="0">
+            <a:spAutoFit/>
+          </a:bodyPr>
+          <a:lstStyle/>
+          <a:p>
+            <a:r>
+              <a:rPr lang="vi-VN" sz="5400" dirty="0">
+                <a:ln w="19050">
+                  <a:solidFill>
+                    <a:schemeClr val="tx1"/>
+                  </a:solidFill>
+                </a:ln>
+                <a:solidFill>
+                  <a:srgbClr val="FFFF00"/>
+                </a:solidFill>
+                <a:latin typeface="FVF Fernando 08" panose="02000507020000020003" pitchFamily="2" charset="0"/>
+              </a:rPr>
+              <a:t>!   ~   ^   §</a:t>
+            </a:r>
+            <a:endParaRPr lang="en-US" sz="5400" dirty="0">
+              <a:ln w="19050">
+                <a:solidFill>
+                  <a:schemeClr val="tx1"/>
+                </a:solidFill>
+              </a:ln>
+              <a:solidFill>
+                <a:srgbClr val="FFFF00"/>
+              </a:solidFill>
+              <a:latin typeface="FVF Fernando 08" panose="02000507020000020003" pitchFamily="2" charset="0"/>
+            </a:endParaRPr>
+          </a:p>
+        </p:txBody>
+      </p:sp>
+    </p:spTree>
+    <p:extLst>
+      <p:ext uri="{BB962C8B-B14F-4D97-AF65-F5344CB8AC3E}">
+        <p14:creationId xmlns:p14="http://schemas.microsoft.com/office/powerpoint/2010/main" val="3844540494"/>
+      </p:ext>
+    </p:extLst>
+  </p:cSld>
+  <p:clrMapOvr>
+    <a:masterClrMapping/>
+  </p:clrMapOvr>
+</p:sld>
+</file>
+
+<file path=ppt/slides/slide93.xml><?xml version="1.0" encoding="utf-8"?>
+<p:sld xmlns:a="http://schemas.openxmlformats.org/drawingml/2006/main" xmlns:r="http://schemas.openxmlformats.org/officeDocument/2006/relationships" xmlns:p="http://schemas.openxmlformats.org/presentationml/2006/main">
+  <p:cSld>
+    <p:spTree>
+      <p:nvGrpSpPr>
+        <p:cNvPr id="1" name=""/>
+        <p:cNvGrpSpPr/>
+        <p:nvPr/>
+      </p:nvGrpSpPr>
+      <p:grpSpPr>
+        <a:xfrm>
+          <a:off x="0" y="0"/>
+          <a:ext cx="0" cy="0"/>
+          <a:chOff x="0" y="0"/>
+          <a:chExt cx="0" cy="0"/>
+        </a:xfrm>
+      </p:grpSpPr>
+      <p:sp>
+        <p:nvSpPr>
+          <p:cNvPr id="11" name="TextBox 10">
+            <a:extLst>
+              <a:ext uri="{FF2B5EF4-FFF2-40B4-BE49-F238E27FC236}">
+                <a16:creationId xmlns:a16="http://schemas.microsoft.com/office/drawing/2014/main" id="{49A7B9B6-8455-43BE-8670-E01CE03933DF}"/>
+              </a:ext>
+            </a:extLst>
+          </p:cNvPr>
+          <p:cNvSpPr txBox="1"/>
+          <p:nvPr/>
+        </p:nvSpPr>
+        <p:spPr>
+          <a:xfrm>
             <a:off x="267047" y="4149490"/>
             <a:ext cx="8667757" cy="923330"/>
           </a:xfrm>
@@ -45393,7 +45818,7 @@
 </p:sld>
 </file>
 
-<file path=ppt/slides/slide93.xml><?xml version="1.0" encoding="utf-8"?>
+<file path=ppt/slides/slide94.xml><?xml version="1.0" encoding="utf-8"?>
 <p:sld xmlns:a="http://schemas.openxmlformats.org/drawingml/2006/main" xmlns:r="http://schemas.openxmlformats.org/officeDocument/2006/relationships" xmlns:p="http://schemas.openxmlformats.org/presentationml/2006/main">
   <p:cSld>
     <p:spTree>
@@ -45663,7 +46088,7 @@
 </p:sld>
 </file>
 
-<file path=ppt/slides/slide94.xml><?xml version="1.0" encoding="utf-8"?>
+<file path=ppt/slides/slide95.xml><?xml version="1.0" encoding="utf-8"?>
 <p:sld xmlns:a="http://schemas.openxmlformats.org/drawingml/2006/main" xmlns:r="http://schemas.openxmlformats.org/officeDocument/2006/relationships" xmlns:p="http://schemas.openxmlformats.org/presentationml/2006/main">
   <p:cSld>
     <p:spTree>
@@ -45694,8 +46119,8 @@
         </p:nvSpPr>
         <p:spPr>
           <a:xfrm>
-            <a:off x="1353810" y="3961026"/>
-            <a:ext cx="6436377" cy="1015663"/>
+            <a:off x="3527483" y="4016867"/>
+            <a:ext cx="2089033" cy="923330"/>
           </a:xfrm>
           <a:prstGeom prst="rect">
             <a:avLst/>
@@ -45709,7 +46134,7 @@
           <a:lstStyle/>
           <a:p>
             <a:r>
-              <a:rPr lang="vi-VN" sz="6000" dirty="0">
+              <a:rPr lang="vi-VN" sz="5400">
                 <a:ln w="19050">
                   <a:solidFill>
                     <a:schemeClr val="tx1"/>
@@ -45720,9 +46145,9 @@
                 </a:solidFill>
                 <a:latin typeface="FVF Fernando 08" panose="02000507020000020003" pitchFamily="2" charset="0"/>
               </a:rPr>
-              <a:t>Toán tử kí tự</a:t>
+              <a:t>NPC</a:t>
             </a:r>
-            <a:endParaRPr lang="en-US" sz="6000" dirty="0">
+            <a:endParaRPr lang="en-US" sz="5400" dirty="0">
               <a:ln w="19050">
                 <a:solidFill>
                   <a:schemeClr val="tx1"/>
@@ -45779,66 +46204,46 @@
           </a:effectLst>
         </p:spPr>
       </p:pic>
-      <p:sp>
-        <p:nvSpPr>
-          <p:cNvPr id="7" name="TextBox 6">
+      <p:pic>
+        <p:nvPicPr>
+          <p:cNvPr id="3" name="Picture 2">
             <a:extLst>
               <a:ext uri="{FF2B5EF4-FFF2-40B4-BE49-F238E27FC236}">
-                <a16:creationId xmlns:a16="http://schemas.microsoft.com/office/drawing/2014/main" id="{C11996F8-5179-4D29-B915-8A8107AC8A3F}"/>
+                <a16:creationId xmlns:a16="http://schemas.microsoft.com/office/drawing/2014/main" id="{D3B27F49-B261-D44D-F0B4-FC06C91BF72C}"/>
               </a:ext>
             </a:extLst>
           </p:cNvPr>
-          <p:cNvSpPr txBox="1"/>
+          <p:cNvPicPr>
+            <a:picLocks noChangeAspect="1"/>
+          </p:cNvPicPr>
           <p:nvPr/>
-        </p:nvSpPr>
+        </p:nvPicPr>
+        <p:blipFill>
+          <a:blip r:embed="rId4">
+            <a:extLst>
+              <a:ext uri="{28A0092B-C50C-407E-A947-70E740481C1C}">
+                <a14:useLocalDpi xmlns:a14="http://schemas.microsoft.com/office/drawing/2010/main" val="0"/>
+              </a:ext>
+            </a:extLst>
+          </a:blip>
+          <a:stretch>
+            <a:fillRect/>
+          </a:stretch>
+        </p:blipFill>
         <p:spPr>
           <a:xfrm>
-            <a:off x="2445454" y="2110085"/>
-            <a:ext cx="4253087" cy="923330"/>
+            <a:off x="2104516" y="760191"/>
+            <a:ext cx="4934967" cy="2775919"/>
           </a:xfrm>
           <a:prstGeom prst="rect">
             <a:avLst/>
           </a:prstGeom>
-          <a:noFill/>
         </p:spPr>
-        <p:txBody>
-          <a:bodyPr wrap="none" rtlCol="0">
-            <a:spAutoFit/>
-          </a:bodyPr>
-          <a:lstStyle/>
-          <a:p>
-            <a:r>
-              <a:rPr lang="vi-VN" sz="5400" dirty="0">
-                <a:ln w="19050">
-                  <a:solidFill>
-                    <a:schemeClr val="tx1"/>
-                  </a:solidFill>
-                </a:ln>
-                <a:solidFill>
-                  <a:srgbClr val="FFFF00"/>
-                </a:solidFill>
-                <a:latin typeface="FVF Fernando 08" panose="02000507020000020003" pitchFamily="2" charset="0"/>
-              </a:rPr>
-              <a:t>!   ~   ^   §</a:t>
-            </a:r>
-            <a:endParaRPr lang="en-US" sz="5400" dirty="0">
-              <a:ln w="19050">
-                <a:solidFill>
-                  <a:schemeClr val="tx1"/>
-                </a:solidFill>
-              </a:ln>
-              <a:solidFill>
-                <a:srgbClr val="FFFF00"/>
-              </a:solidFill>
-              <a:latin typeface="FVF Fernando 08" panose="02000507020000020003" pitchFamily="2" charset="0"/>
-            </a:endParaRPr>
-          </a:p>
-        </p:txBody>
-      </p:sp>
+      </p:pic>
     </p:spTree>
     <p:extLst>
       <p:ext uri="{BB962C8B-B14F-4D97-AF65-F5344CB8AC3E}">
-        <p14:creationId xmlns:p14="http://schemas.microsoft.com/office/powerpoint/2010/main" val="3844540494"/>
+        <p14:creationId xmlns:p14="http://schemas.microsoft.com/office/powerpoint/2010/main" val="3730852028"/>
       </p:ext>
     </p:extLst>
   </p:cSld>
@@ -45848,7 +46253,7 @@
 </p:sld>
 </file>
 
-<file path=ppt/slides/slide95.xml><?xml version="1.0" encoding="utf-8"?>
+<file path=ppt/slides/slide96.xml><?xml version="1.0" encoding="utf-8"?>
 <p:sld xmlns:a="http://schemas.openxmlformats.org/drawingml/2006/main" xmlns:r="http://schemas.openxmlformats.org/officeDocument/2006/relationships" xmlns:p="http://schemas.openxmlformats.org/presentationml/2006/main">
   <p:cSld>
     <p:spTree>
@@ -46033,7 +46438,7 @@
 </p:sld>
 </file>
 
-<file path=ppt/slides/slide96.xml><?xml version="1.0" encoding="utf-8"?>
+<file path=ppt/slides/slide97.xml><?xml version="1.0" encoding="utf-8"?>
 <p:sld xmlns:a="http://schemas.openxmlformats.org/drawingml/2006/main" xmlns:r="http://schemas.openxmlformats.org/officeDocument/2006/relationships" xmlns:p="http://schemas.openxmlformats.org/presentationml/2006/main">
   <p:cSld>
     <p:spTree>
@@ -46198,7 +46603,7 @@
 </p:sld>
 </file>
 
-<file path=ppt/slides/slide97.xml><?xml version="1.0" encoding="utf-8"?>
+<file path=ppt/slides/slide98.xml><?xml version="1.0" encoding="utf-8"?>
 <p:sld xmlns:a="http://schemas.openxmlformats.org/drawingml/2006/main" xmlns:r="http://schemas.openxmlformats.org/officeDocument/2006/relationships" xmlns:p="http://schemas.openxmlformats.org/presentationml/2006/main">
   <p:cSld>
     <p:spTree>
@@ -46437,7 +46842,7 @@
 </p:sld>
 </file>
 
-<file path=ppt/slides/slide98.xml><?xml version="1.0" encoding="utf-8"?>
+<file path=ppt/slides/slide99.xml><?xml version="1.0" encoding="utf-8"?>
 <p:sld xmlns:a="http://schemas.openxmlformats.org/drawingml/2006/main" xmlns:r="http://schemas.openxmlformats.org/officeDocument/2006/relationships" xmlns:p="http://schemas.openxmlformats.org/presentationml/2006/main">
   <p:cSld>
     <p:spTree>
@@ -46640,160 +47045,6 @@
     <p:extLst>
       <p:ext uri="{BB962C8B-B14F-4D97-AF65-F5344CB8AC3E}">
         <p14:creationId xmlns:p14="http://schemas.microsoft.com/office/powerpoint/2010/main" val="3123073807"/>
-      </p:ext>
-    </p:extLst>
-  </p:cSld>
-  <p:clrMapOvr>
-    <a:masterClrMapping/>
-  </p:clrMapOvr>
-</p:sld>
-</file>
-
-<file path=ppt/slides/slide99.xml><?xml version="1.0" encoding="utf-8"?>
-<p:sld xmlns:a="http://schemas.openxmlformats.org/drawingml/2006/main" xmlns:r="http://schemas.openxmlformats.org/officeDocument/2006/relationships" xmlns:p="http://schemas.openxmlformats.org/presentationml/2006/main">
-  <p:cSld>
-    <p:spTree>
-      <p:nvGrpSpPr>
-        <p:cNvPr id="1" name=""/>
-        <p:cNvGrpSpPr/>
-        <p:nvPr/>
-      </p:nvGrpSpPr>
-      <p:grpSpPr>
-        <a:xfrm>
-          <a:off x="0" y="0"/>
-          <a:ext cx="0" cy="0"/>
-          <a:chOff x="0" y="0"/>
-          <a:chExt cx="0" cy="0"/>
-        </a:xfrm>
-      </p:grpSpPr>
-      <p:sp>
-        <p:nvSpPr>
-          <p:cNvPr id="11" name="TextBox 10">
-            <a:extLst>
-              <a:ext uri="{FF2B5EF4-FFF2-40B4-BE49-F238E27FC236}">
-                <a16:creationId xmlns:a16="http://schemas.microsoft.com/office/drawing/2014/main" id="{49A7B9B6-8455-43BE-8670-E01CE03933DF}"/>
-              </a:ext>
-            </a:extLst>
-          </p:cNvPr>
-          <p:cNvSpPr txBox="1"/>
-          <p:nvPr/>
-        </p:nvSpPr>
-        <p:spPr>
-          <a:xfrm>
-            <a:off x="1834712" y="3858413"/>
-            <a:ext cx="5474576" cy="1015663"/>
-          </a:xfrm>
-          <a:prstGeom prst="rect">
-            <a:avLst/>
-          </a:prstGeom>
-          <a:noFill/>
-        </p:spPr>
-        <p:txBody>
-          <a:bodyPr wrap="none" rtlCol="0">
-            <a:spAutoFit/>
-          </a:bodyPr>
-          <a:lstStyle/>
-          <a:p>
-            <a:r>
-              <a:rPr lang="en-US" sz="6000" dirty="0">
-                <a:ln w="19050">
-                  <a:solidFill>
-                    <a:schemeClr val="tx1"/>
-                  </a:solidFill>
-                </a:ln>
-                <a:solidFill>
-                  <a:srgbClr val="FFFF00"/>
-                </a:solidFill>
-                <a:latin typeface="FVF Fernando 08" panose="02000507020000020003" pitchFamily="2" charset="0"/>
-              </a:rPr>
-              <a:t>Easter Egg</a:t>
-            </a:r>
-          </a:p>
-        </p:txBody>
-      </p:sp>
-      <p:pic>
-        <p:nvPicPr>
-          <p:cNvPr id="14" name="Picture 13">
-            <a:extLst>
-              <a:ext uri="{FF2B5EF4-FFF2-40B4-BE49-F238E27FC236}">
-                <a16:creationId xmlns:a16="http://schemas.microsoft.com/office/drawing/2014/main" id="{E2D411D6-C028-4F7B-96FB-CC2855017620}"/>
-              </a:ext>
-            </a:extLst>
-          </p:cNvPr>
-          <p:cNvPicPr>
-            <a:picLocks noChangeAspect="1"/>
-          </p:cNvPicPr>
-          <p:nvPr/>
-        </p:nvPicPr>
-        <p:blipFill>
-          <a:blip r:embed="rId3">
-            <a:extLst>
-              <a:ext uri="{28A0092B-C50C-407E-A947-70E740481C1C}">
-                <a14:useLocalDpi xmlns:a14="http://schemas.microsoft.com/office/drawing/2010/main" val="0"/>
-              </a:ext>
-            </a:extLst>
-          </a:blip>
-          <a:srcRect/>
-          <a:stretch/>
-        </p:blipFill>
-        <p:spPr>
-          <a:xfrm>
-            <a:off x="7675990" y="30481"/>
-            <a:ext cx="1490870" cy="1490870"/>
-          </a:xfrm>
-          <a:prstGeom prst="rect">
-            <a:avLst/>
-          </a:prstGeom>
-          <a:ln w="19050">
-            <a:noFill/>
-          </a:ln>
-          <a:effectLst>
-            <a:outerShdw blurRad="63500" sx="104000" sy="104000" algn="ctr" rotWithShape="0">
-              <a:srgbClr val="FFFF00"/>
-            </a:outerShdw>
-          </a:effectLst>
-        </p:spPr>
-      </p:pic>
-      <p:pic>
-        <p:nvPicPr>
-          <p:cNvPr id="4" name="Picture 3">
-            <a:extLst>
-              <a:ext uri="{FF2B5EF4-FFF2-40B4-BE49-F238E27FC236}">
-                <a16:creationId xmlns:a16="http://schemas.microsoft.com/office/drawing/2014/main" id="{62FA9332-BDFE-41E2-9F3F-7000995C0D5E}"/>
-              </a:ext>
-            </a:extLst>
-          </p:cNvPr>
-          <p:cNvPicPr>
-            <a:picLocks noChangeAspect="1"/>
-          </p:cNvPicPr>
-          <p:nvPr/>
-        </p:nvPicPr>
-        <p:blipFill>
-          <a:blip r:embed="rId4">
-            <a:extLst>
-              <a:ext uri="{28A0092B-C50C-407E-A947-70E740481C1C}">
-                <a14:useLocalDpi xmlns:a14="http://schemas.microsoft.com/office/drawing/2010/main" val="0"/>
-              </a:ext>
-            </a:extLst>
-          </a:blip>
-          <a:stretch>
-            <a:fillRect/>
-          </a:stretch>
-        </p:blipFill>
-        <p:spPr>
-          <a:xfrm>
-            <a:off x="3157937" y="775916"/>
-            <a:ext cx="2828125" cy="2828125"/>
-          </a:xfrm>
-          <a:prstGeom prst="rect">
-            <a:avLst/>
-          </a:prstGeom>
-        </p:spPr>
-      </p:pic>
-    </p:spTree>
-    <p:extLst>
-      <p:ext uri="{BB962C8B-B14F-4D97-AF65-F5344CB8AC3E}">
-        <p14:creationId xmlns:p14="http://schemas.microsoft.com/office/powerpoint/2010/main" val="312882953"/>
       </p:ext>
     </p:extLst>
   </p:cSld>

--- a/assets/media/thumbnail/template.pptx
+++ b/assets/media/thumbnail/template.pptx
@@ -5,7 +5,7 @@
     <p:sldMasterId id="2147483660" r:id="rId1"/>
   </p:sldMasterIdLst>
   <p:notesMasterIdLst>
-    <p:notesMasterId r:id="rId105"/>
+    <p:notesMasterId r:id="rId106"/>
   </p:notesMasterIdLst>
   <p:sldIdLst>
     <p:sldId id="259" r:id="rId2"/>
@@ -84,10 +84,10 @@
     <p:sldId id="329" r:id="rId75"/>
     <p:sldId id="330" r:id="rId76"/>
     <p:sldId id="331" r:id="rId77"/>
-    <p:sldId id="345" r:id="rId78"/>
-    <p:sldId id="335" r:id="rId79"/>
-    <p:sldId id="336" r:id="rId80"/>
-    <p:sldId id="337" r:id="rId81"/>
+    <p:sldId id="335" r:id="rId78"/>
+    <p:sldId id="336" r:id="rId79"/>
+    <p:sldId id="337" r:id="rId80"/>
+    <p:sldId id="363" r:id="rId81"/>
     <p:sldId id="338" r:id="rId82"/>
     <p:sldId id="340" r:id="rId83"/>
     <p:sldId id="341" r:id="rId84"/>
@@ -98,19 +98,20 @@
     <p:sldId id="343" r:id="rId89"/>
     <p:sldId id="344" r:id="rId90"/>
     <p:sldId id="356" r:id="rId91"/>
-    <p:sldId id="346" r:id="rId92"/>
-    <p:sldId id="358" r:id="rId93"/>
-    <p:sldId id="353" r:id="rId94"/>
-    <p:sldId id="351" r:id="rId95"/>
-    <p:sldId id="352" r:id="rId96"/>
-    <p:sldId id="361" r:id="rId97"/>
-    <p:sldId id="354" r:id="rId98"/>
-    <p:sldId id="355" r:id="rId99"/>
-    <p:sldId id="357" r:id="rId100"/>
-    <p:sldId id="360" r:id="rId101"/>
-    <p:sldId id="349" r:id="rId102"/>
-    <p:sldId id="350" r:id="rId103"/>
-    <p:sldId id="332" r:id="rId104"/>
+    <p:sldId id="345" r:id="rId92"/>
+    <p:sldId id="346" r:id="rId93"/>
+    <p:sldId id="358" r:id="rId94"/>
+    <p:sldId id="353" r:id="rId95"/>
+    <p:sldId id="351" r:id="rId96"/>
+    <p:sldId id="352" r:id="rId97"/>
+    <p:sldId id="361" r:id="rId98"/>
+    <p:sldId id="354" r:id="rId99"/>
+    <p:sldId id="355" r:id="rId100"/>
+    <p:sldId id="357" r:id="rId101"/>
+    <p:sldId id="360" r:id="rId102"/>
+    <p:sldId id="349" r:id="rId103"/>
+    <p:sldId id="350" r:id="rId104"/>
+    <p:sldId id="332" r:id="rId105"/>
   </p:sldIdLst>
   <p:sldSz cx="9144000" cy="5143500" type="screen16x9"/>
   <p:notesSz cx="6858000" cy="9144000"/>
@@ -294,10 +295,10 @@
         </p14:section>
         <p14:section name="Danh sách Id" id="{985F79B8-524D-48A3-BC00-D04F70CFF844}">
           <p14:sldIdLst>
-            <p14:sldId id="345"/>
             <p14:sldId id="335"/>
             <p14:sldId id="336"/>
             <p14:sldId id="337"/>
+            <p14:sldId id="363"/>
             <p14:sldId id="338"/>
             <p14:sldId id="340"/>
             <p14:sldId id="341"/>
@@ -308,6 +309,7 @@
             <p14:sldId id="343"/>
             <p14:sldId id="344"/>
             <p14:sldId id="356"/>
+            <p14:sldId id="345"/>
             <p14:sldId id="346"/>
             <p14:sldId id="358"/>
           </p14:sldIdLst>
@@ -442,7 +444,7 @@
           <a:p>
             <a:fld id="{DAF7419A-5719-4DB0-801F-AE25AB2C4835}" type="datetimeFigureOut">
               <a:rPr lang="en-US" smtClean="0"/>
-              <a:t>7/7/2022</a:t>
+              <a:t>7/12/2022</a:t>
             </a:fld>
             <a:endParaRPr lang="en-US" dirty="0"/>
           </a:p>
@@ -957,7 +959,7 @@
     </p:spTree>
     <p:extLst>
       <p:ext uri="{BB962C8B-B14F-4D97-AF65-F5344CB8AC3E}">
-        <p14:creationId xmlns:p14="http://schemas.microsoft.com/office/powerpoint/2010/main" val="2823396353"/>
+        <p14:creationId xmlns:p14="http://schemas.microsoft.com/office/powerpoint/2010/main" val="397470668"/>
       </p:ext>
     </p:extLst>
   </p:cSld>
@@ -1041,7 +1043,7 @@
     </p:spTree>
     <p:extLst>
       <p:ext uri="{BB962C8B-B14F-4D97-AF65-F5344CB8AC3E}">
-        <p14:creationId xmlns:p14="http://schemas.microsoft.com/office/powerpoint/2010/main" val="418430412"/>
+        <p14:creationId xmlns:p14="http://schemas.microsoft.com/office/powerpoint/2010/main" val="2823396353"/>
       </p:ext>
     </p:extLst>
   </p:cSld>
@@ -1125,7 +1127,7 @@
     </p:spTree>
     <p:extLst>
       <p:ext uri="{BB962C8B-B14F-4D97-AF65-F5344CB8AC3E}">
-        <p14:creationId xmlns:p14="http://schemas.microsoft.com/office/powerpoint/2010/main" val="2087517936"/>
+        <p14:creationId xmlns:p14="http://schemas.microsoft.com/office/powerpoint/2010/main" val="418430412"/>
       </p:ext>
     </p:extLst>
   </p:cSld>
@@ -1201,6 +1203,90 @@
             <a:fld id="{BF1434EF-918F-4A4D-98D1-563F3F7CA387}" type="slidenum">
               <a:rPr lang="en-US" smtClean="0"/>
               <a:t>103</a:t>
+            </a:fld>
+            <a:endParaRPr lang="en-US" dirty="0"/>
+          </a:p>
+        </p:txBody>
+      </p:sp>
+    </p:spTree>
+    <p:extLst>
+      <p:ext uri="{BB962C8B-B14F-4D97-AF65-F5344CB8AC3E}">
+        <p14:creationId xmlns:p14="http://schemas.microsoft.com/office/powerpoint/2010/main" val="2087517936"/>
+      </p:ext>
+    </p:extLst>
+  </p:cSld>
+  <p:clrMapOvr>
+    <a:masterClrMapping/>
+  </p:clrMapOvr>
+</p:notes>
+</file>
+
+<file path=ppt/notesSlides/notesSlide104.xml><?xml version="1.0" encoding="utf-8"?>
+<p:notes xmlns:a="http://schemas.openxmlformats.org/drawingml/2006/main" xmlns:r="http://schemas.openxmlformats.org/officeDocument/2006/relationships" xmlns:p="http://schemas.openxmlformats.org/presentationml/2006/main">
+  <p:cSld>
+    <p:spTree>
+      <p:nvGrpSpPr>
+        <p:cNvPr id="1" name=""/>
+        <p:cNvGrpSpPr/>
+        <p:nvPr/>
+      </p:nvGrpSpPr>
+      <p:grpSpPr>
+        <a:xfrm>
+          <a:off x="0" y="0"/>
+          <a:ext cx="0" cy="0"/>
+          <a:chOff x="0" y="0"/>
+          <a:chExt cx="0" cy="0"/>
+        </a:xfrm>
+      </p:grpSpPr>
+      <p:sp>
+        <p:nvSpPr>
+          <p:cNvPr id="2" name="Slide Image Placeholder 1"/>
+          <p:cNvSpPr>
+            <a:spLocks noGrp="1" noRot="1" noChangeAspect="1"/>
+          </p:cNvSpPr>
+          <p:nvPr>
+            <p:ph type="sldImg"/>
+          </p:nvPr>
+        </p:nvSpPr>
+        <p:spPr/>
+      </p:sp>
+      <p:sp>
+        <p:nvSpPr>
+          <p:cNvPr id="3" name="Notes Placeholder 2"/>
+          <p:cNvSpPr>
+            <a:spLocks noGrp="1"/>
+          </p:cNvSpPr>
+          <p:nvPr>
+            <p:ph type="body" idx="1"/>
+          </p:nvPr>
+        </p:nvSpPr>
+        <p:spPr/>
+        <p:txBody>
+          <a:bodyPr/>
+          <a:lstStyle/>
+          <a:p>
+            <a:endParaRPr lang="vi-VN" dirty="0"/>
+          </a:p>
+        </p:txBody>
+      </p:sp>
+      <p:sp>
+        <p:nvSpPr>
+          <p:cNvPr id="4" name="Slide Number Placeholder 3"/>
+          <p:cNvSpPr>
+            <a:spLocks noGrp="1"/>
+          </p:cNvSpPr>
+          <p:nvPr>
+            <p:ph type="sldNum" sz="quarter" idx="5"/>
+          </p:nvPr>
+        </p:nvSpPr>
+        <p:spPr/>
+        <p:txBody>
+          <a:bodyPr/>
+          <a:lstStyle/>
+          <a:p>
+            <a:fld id="{BF1434EF-918F-4A4D-98D1-563F3F7CA387}" type="slidenum">
+              <a:rPr lang="en-US" smtClean="0"/>
+              <a:t>104</a:t>
             </a:fld>
             <a:endParaRPr lang="en-US" dirty="0"/>
           </a:p>
@@ -7560,7 +7646,7 @@
     </p:spTree>
     <p:extLst>
       <p:ext uri="{BB962C8B-B14F-4D97-AF65-F5344CB8AC3E}">
-        <p14:creationId xmlns:p14="http://schemas.microsoft.com/office/powerpoint/2010/main" val="3971005304"/>
+        <p14:creationId xmlns:p14="http://schemas.microsoft.com/office/powerpoint/2010/main" val="3799727254"/>
       </p:ext>
     </p:extLst>
   </p:cSld>
@@ -7647,7 +7733,7 @@
     </p:spTree>
     <p:extLst>
       <p:ext uri="{BB962C8B-B14F-4D97-AF65-F5344CB8AC3E}">
-        <p14:creationId xmlns:p14="http://schemas.microsoft.com/office/powerpoint/2010/main" val="3799727254"/>
+        <p14:creationId xmlns:p14="http://schemas.microsoft.com/office/powerpoint/2010/main" val="700827759"/>
       </p:ext>
     </p:extLst>
   </p:cSld>
@@ -7734,7 +7820,7 @@
     </p:spTree>
     <p:extLst>
       <p:ext uri="{BB962C8B-B14F-4D97-AF65-F5344CB8AC3E}">
-        <p14:creationId xmlns:p14="http://schemas.microsoft.com/office/powerpoint/2010/main" val="700827759"/>
+        <p14:creationId xmlns:p14="http://schemas.microsoft.com/office/powerpoint/2010/main" val="3386018326"/>
       </p:ext>
     </p:extLst>
   </p:cSld>
@@ -7908,7 +7994,7 @@
     </p:spTree>
     <p:extLst>
       <p:ext uri="{BB962C8B-B14F-4D97-AF65-F5344CB8AC3E}">
-        <p14:creationId xmlns:p14="http://schemas.microsoft.com/office/powerpoint/2010/main" val="3386018326"/>
+        <p14:creationId xmlns:p14="http://schemas.microsoft.com/office/powerpoint/2010/main" val="1146554716"/>
       </p:ext>
     </p:extLst>
   </p:cSld>
@@ -8952,7 +9038,7 @@
     </p:spTree>
     <p:extLst>
       <p:ext uri="{BB962C8B-B14F-4D97-AF65-F5344CB8AC3E}">
-        <p14:creationId xmlns:p14="http://schemas.microsoft.com/office/powerpoint/2010/main" val="927399378"/>
+        <p14:creationId xmlns:p14="http://schemas.microsoft.com/office/powerpoint/2010/main" val="3971005304"/>
       </p:ext>
     </p:extLst>
   </p:cSld>
@@ -9039,7 +9125,7 @@
     </p:spTree>
     <p:extLst>
       <p:ext uri="{BB962C8B-B14F-4D97-AF65-F5344CB8AC3E}">
-        <p14:creationId xmlns:p14="http://schemas.microsoft.com/office/powerpoint/2010/main" val="4263109715"/>
+        <p14:creationId xmlns:p14="http://schemas.microsoft.com/office/powerpoint/2010/main" val="927399378"/>
       </p:ext>
     </p:extLst>
   </p:cSld>
@@ -9093,7 +9179,10 @@
           <a:bodyPr/>
           <a:lstStyle/>
           <a:p>
-            <a:endParaRPr lang="vi-VN" dirty="0"/>
+            <a:r>
+              <a:rPr lang="vi-VN" dirty="0"/>
+              <a:t>/?</a:t>
+            </a:r>
           </a:p>
         </p:txBody>
       </p:sp>
@@ -9123,7 +9212,7 @@
     </p:spTree>
     <p:extLst>
       <p:ext uri="{BB962C8B-B14F-4D97-AF65-F5344CB8AC3E}">
-        <p14:creationId xmlns:p14="http://schemas.microsoft.com/office/powerpoint/2010/main" val="3795521162"/>
+        <p14:creationId xmlns:p14="http://schemas.microsoft.com/office/powerpoint/2010/main" val="4263109715"/>
       </p:ext>
     </p:extLst>
   </p:cSld>
@@ -9207,7 +9296,7 @@
     </p:spTree>
     <p:extLst>
       <p:ext uri="{BB962C8B-B14F-4D97-AF65-F5344CB8AC3E}">
-        <p14:creationId xmlns:p14="http://schemas.microsoft.com/office/powerpoint/2010/main" val="1580828146"/>
+        <p14:creationId xmlns:p14="http://schemas.microsoft.com/office/powerpoint/2010/main" val="3795521162"/>
       </p:ext>
     </p:extLst>
   </p:cSld>
@@ -9291,7 +9380,7 @@
     </p:spTree>
     <p:extLst>
       <p:ext uri="{BB962C8B-B14F-4D97-AF65-F5344CB8AC3E}">
-        <p14:creationId xmlns:p14="http://schemas.microsoft.com/office/powerpoint/2010/main" val="880678517"/>
+        <p14:creationId xmlns:p14="http://schemas.microsoft.com/office/powerpoint/2010/main" val="1580828146"/>
       </p:ext>
     </p:extLst>
   </p:cSld>
@@ -9375,7 +9464,7 @@
     </p:spTree>
     <p:extLst>
       <p:ext uri="{BB962C8B-B14F-4D97-AF65-F5344CB8AC3E}">
-        <p14:creationId xmlns:p14="http://schemas.microsoft.com/office/powerpoint/2010/main" val="273468379"/>
+        <p14:creationId xmlns:p14="http://schemas.microsoft.com/office/powerpoint/2010/main" val="880678517"/>
       </p:ext>
     </p:extLst>
   </p:cSld>
@@ -9459,7 +9548,7 @@
     </p:spTree>
     <p:extLst>
       <p:ext uri="{BB962C8B-B14F-4D97-AF65-F5344CB8AC3E}">
-        <p14:creationId xmlns:p14="http://schemas.microsoft.com/office/powerpoint/2010/main" val="232954569"/>
+        <p14:creationId xmlns:p14="http://schemas.microsoft.com/office/powerpoint/2010/main" val="273468379"/>
       </p:ext>
     </p:extLst>
   </p:cSld>
@@ -9543,7 +9632,7 @@
     </p:spTree>
     <p:extLst>
       <p:ext uri="{BB962C8B-B14F-4D97-AF65-F5344CB8AC3E}">
-        <p14:creationId xmlns:p14="http://schemas.microsoft.com/office/powerpoint/2010/main" val="3301698305"/>
+        <p14:creationId xmlns:p14="http://schemas.microsoft.com/office/powerpoint/2010/main" val="232954569"/>
       </p:ext>
     </p:extLst>
   </p:cSld>
@@ -9627,7 +9716,7 @@
     </p:spTree>
     <p:extLst>
       <p:ext uri="{BB962C8B-B14F-4D97-AF65-F5344CB8AC3E}">
-        <p14:creationId xmlns:p14="http://schemas.microsoft.com/office/powerpoint/2010/main" val="397470668"/>
+        <p14:creationId xmlns:p14="http://schemas.microsoft.com/office/powerpoint/2010/main" val="3301698305"/>
       </p:ext>
     </p:extLst>
   </p:cSld>
@@ -9768,7 +9857,7 @@
           <a:p>
             <a:fld id="{6BAADE55-1DD3-44E1-A8C2-24E0E03344A6}" type="datetimeFigureOut">
               <a:rPr lang="en-US" smtClean="0"/>
-              <a:t>7/7/2022</a:t>
+              <a:t>7/12/2022</a:t>
             </a:fld>
             <a:endParaRPr lang="en-US" dirty="0"/>
           </a:p>
@@ -9938,7 +10027,7 @@
           <a:p>
             <a:fld id="{6BAADE55-1DD3-44E1-A8C2-24E0E03344A6}" type="datetimeFigureOut">
               <a:rPr lang="en-US" smtClean="0"/>
-              <a:t>7/7/2022</a:t>
+              <a:t>7/12/2022</a:t>
             </a:fld>
             <a:endParaRPr lang="en-US" dirty="0"/>
           </a:p>
@@ -10118,7 +10207,7 @@
           <a:p>
             <a:fld id="{6BAADE55-1DD3-44E1-A8C2-24E0E03344A6}" type="datetimeFigureOut">
               <a:rPr lang="en-US" smtClean="0"/>
-              <a:t>7/7/2022</a:t>
+              <a:t>7/12/2022</a:t>
             </a:fld>
             <a:endParaRPr lang="en-US" dirty="0"/>
           </a:p>
@@ -10288,7 +10377,7 @@
           <a:p>
             <a:fld id="{6BAADE55-1DD3-44E1-A8C2-24E0E03344A6}" type="datetimeFigureOut">
               <a:rPr lang="en-US" smtClean="0"/>
-              <a:t>7/7/2022</a:t>
+              <a:t>7/12/2022</a:t>
             </a:fld>
             <a:endParaRPr lang="en-US" dirty="0"/>
           </a:p>
@@ -10534,7 +10623,7 @@
           <a:p>
             <a:fld id="{6BAADE55-1DD3-44E1-A8C2-24E0E03344A6}" type="datetimeFigureOut">
               <a:rPr lang="en-US" smtClean="0"/>
-              <a:t>7/7/2022</a:t>
+              <a:t>7/12/2022</a:t>
             </a:fld>
             <a:endParaRPr lang="en-US" dirty="0"/>
           </a:p>
@@ -10766,7 +10855,7 @@
           <a:p>
             <a:fld id="{6BAADE55-1DD3-44E1-A8C2-24E0E03344A6}" type="datetimeFigureOut">
               <a:rPr lang="en-US" smtClean="0"/>
-              <a:t>7/7/2022</a:t>
+              <a:t>7/12/2022</a:t>
             </a:fld>
             <a:endParaRPr lang="en-US" dirty="0"/>
           </a:p>
@@ -11133,7 +11222,7 @@
           <a:p>
             <a:fld id="{6BAADE55-1DD3-44E1-A8C2-24E0E03344A6}" type="datetimeFigureOut">
               <a:rPr lang="en-US" smtClean="0"/>
-              <a:t>7/7/2022</a:t>
+              <a:t>7/12/2022</a:t>
             </a:fld>
             <a:endParaRPr lang="en-US" dirty="0"/>
           </a:p>
@@ -11251,7 +11340,7 @@
           <a:p>
             <a:fld id="{6BAADE55-1DD3-44E1-A8C2-24E0E03344A6}" type="datetimeFigureOut">
               <a:rPr lang="en-US" smtClean="0"/>
-              <a:t>7/7/2022</a:t>
+              <a:t>7/12/2022</a:t>
             </a:fld>
             <a:endParaRPr lang="en-US" dirty="0"/>
           </a:p>
@@ -11346,7 +11435,7 @@
           <a:p>
             <a:fld id="{6BAADE55-1DD3-44E1-A8C2-24E0E03344A6}" type="datetimeFigureOut">
               <a:rPr lang="en-US" smtClean="0"/>
-              <a:t>7/7/2022</a:t>
+              <a:t>7/12/2022</a:t>
             </a:fld>
             <a:endParaRPr lang="en-US" dirty="0"/>
           </a:p>
@@ -11623,7 +11712,7 @@
           <a:p>
             <a:fld id="{6BAADE55-1DD3-44E1-A8C2-24E0E03344A6}" type="datetimeFigureOut">
               <a:rPr lang="en-US" smtClean="0"/>
-              <a:t>7/7/2022</a:t>
+              <a:t>7/12/2022</a:t>
             </a:fld>
             <a:endParaRPr lang="en-US" dirty="0"/>
           </a:p>
@@ -11879,7 +11968,7 @@
           <a:p>
             <a:fld id="{6BAADE55-1DD3-44E1-A8C2-24E0E03344A6}" type="datetimeFigureOut">
               <a:rPr lang="en-US" smtClean="0"/>
-              <a:t>7/7/2022</a:t>
+              <a:t>7/12/2022</a:t>
             </a:fld>
             <a:endParaRPr lang="en-US" dirty="0"/>
           </a:p>
@@ -12098,7 +12187,7 @@
           <a:p>
             <a:fld id="{6BAADE55-1DD3-44E1-A8C2-24E0E03344A6}" type="datetimeFigureOut">
               <a:rPr lang="en-US" smtClean="0"/>
-              <a:t>7/7/2022</a:t>
+              <a:t>7/12/2022</a:t>
             </a:fld>
             <a:endParaRPr lang="en-US" dirty="0"/>
           </a:p>
@@ -12956,6 +13045,245 @@
         </p:nvSpPr>
         <p:spPr>
           <a:xfrm>
+            <a:off x="209267" y="4097899"/>
+            <a:ext cx="8725466" cy="830997"/>
+          </a:xfrm>
+          <a:prstGeom prst="rect">
+            <a:avLst/>
+          </a:prstGeom>
+          <a:noFill/>
+        </p:spPr>
+        <p:txBody>
+          <a:bodyPr wrap="none" rtlCol="0">
+            <a:spAutoFit/>
+          </a:bodyPr>
+          <a:lstStyle/>
+          <a:p>
+            <a:r>
+              <a:rPr lang="vi-VN" sz="4800" dirty="0">
+                <a:ln w="19050">
+                  <a:solidFill>
+                    <a:schemeClr val="tx1"/>
+                  </a:solidFill>
+                </a:ln>
+                <a:solidFill>
+                  <a:srgbClr val="FFFF00"/>
+                </a:solidFill>
+                <a:latin typeface="FVF Fernando 08" panose="02000507020000020003" pitchFamily="2" charset="0"/>
+              </a:rPr>
+              <a:t>Hex -&gt; Dec Color Code</a:t>
+            </a:r>
+            <a:endParaRPr lang="en-US" sz="4800" dirty="0">
+              <a:ln w="19050">
+                <a:solidFill>
+                  <a:schemeClr val="tx1"/>
+                </a:solidFill>
+              </a:ln>
+              <a:solidFill>
+                <a:srgbClr val="FFFF00"/>
+              </a:solidFill>
+              <a:latin typeface="FVF Fernando 08" panose="02000507020000020003" pitchFamily="2" charset="0"/>
+            </a:endParaRPr>
+          </a:p>
+        </p:txBody>
+      </p:sp>
+      <p:pic>
+        <p:nvPicPr>
+          <p:cNvPr id="14" name="Picture 13">
+            <a:extLst>
+              <a:ext uri="{FF2B5EF4-FFF2-40B4-BE49-F238E27FC236}">
+                <a16:creationId xmlns:a16="http://schemas.microsoft.com/office/drawing/2014/main" id="{E2D411D6-C028-4F7B-96FB-CC2855017620}"/>
+              </a:ext>
+            </a:extLst>
+          </p:cNvPr>
+          <p:cNvPicPr>
+            <a:picLocks noChangeAspect="1"/>
+          </p:cNvPicPr>
+          <p:nvPr/>
+        </p:nvPicPr>
+        <p:blipFill>
+          <a:blip r:embed="rId3">
+            <a:extLst>
+              <a:ext uri="{28A0092B-C50C-407E-A947-70E740481C1C}">
+                <a14:useLocalDpi xmlns:a14="http://schemas.microsoft.com/office/drawing/2010/main" val="0"/>
+              </a:ext>
+            </a:extLst>
+          </a:blip>
+          <a:srcRect/>
+          <a:stretch/>
+        </p:blipFill>
+        <p:spPr>
+          <a:xfrm>
+            <a:off x="7675990" y="30481"/>
+            <a:ext cx="1490870" cy="1490870"/>
+          </a:xfrm>
+          <a:prstGeom prst="rect">
+            <a:avLst/>
+          </a:prstGeom>
+          <a:ln w="19050">
+            <a:noFill/>
+          </a:ln>
+          <a:effectLst>
+            <a:outerShdw blurRad="63500" sx="104000" sy="104000" algn="ctr" rotWithShape="0">
+              <a:srgbClr val="FFFF00"/>
+            </a:outerShdw>
+          </a:effectLst>
+        </p:spPr>
+      </p:pic>
+      <p:pic>
+        <p:nvPicPr>
+          <p:cNvPr id="4" name="Picture 3">
+            <a:extLst>
+              <a:ext uri="{FF2B5EF4-FFF2-40B4-BE49-F238E27FC236}">
+                <a16:creationId xmlns:a16="http://schemas.microsoft.com/office/drawing/2014/main" id="{758D7E54-5B34-4EEC-86B0-35ACC0F3CD63}"/>
+              </a:ext>
+            </a:extLst>
+          </p:cNvPr>
+          <p:cNvPicPr>
+            <a:picLocks noChangeAspect="1"/>
+          </p:cNvPicPr>
+          <p:nvPr/>
+        </p:nvPicPr>
+        <p:blipFill>
+          <a:blip r:embed="rId4"/>
+          <a:stretch>
+            <a:fillRect/>
+          </a:stretch>
+        </p:blipFill>
+        <p:spPr>
+          <a:xfrm>
+            <a:off x="1434298" y="862016"/>
+            <a:ext cx="2516469" cy="2710044"/>
+          </a:xfrm>
+          <a:prstGeom prst="rect">
+            <a:avLst/>
+          </a:prstGeom>
+        </p:spPr>
+      </p:pic>
+      <p:pic>
+        <p:nvPicPr>
+          <p:cNvPr id="7" name="Picture 6">
+            <a:extLst>
+              <a:ext uri="{FF2B5EF4-FFF2-40B4-BE49-F238E27FC236}">
+                <a16:creationId xmlns:a16="http://schemas.microsoft.com/office/drawing/2014/main" id="{C3FA80FA-A031-4BC6-ACBB-15FF405278B9}"/>
+              </a:ext>
+            </a:extLst>
+          </p:cNvPr>
+          <p:cNvPicPr>
+            <a:picLocks noChangeAspect="1"/>
+          </p:cNvPicPr>
+          <p:nvPr/>
+        </p:nvPicPr>
+        <p:blipFill>
+          <a:blip r:embed="rId5"/>
+          <a:stretch>
+            <a:fillRect/>
+          </a:stretch>
+        </p:blipFill>
+        <p:spPr>
+          <a:xfrm>
+            <a:off x="5193235" y="1765832"/>
+            <a:ext cx="2289702" cy="902412"/>
+          </a:xfrm>
+          <a:prstGeom prst="rect">
+            <a:avLst/>
+          </a:prstGeom>
+        </p:spPr>
+      </p:pic>
+      <p:sp>
+        <p:nvSpPr>
+          <p:cNvPr id="8" name="Arrow: Right 7">
+            <a:extLst>
+              <a:ext uri="{FF2B5EF4-FFF2-40B4-BE49-F238E27FC236}">
+                <a16:creationId xmlns:a16="http://schemas.microsoft.com/office/drawing/2014/main" id="{578FA8B2-6216-4C50-922F-3AE99D8A55ED}"/>
+              </a:ext>
+            </a:extLst>
+          </p:cNvPr>
+          <p:cNvSpPr/>
+          <p:nvPr/>
+        </p:nvSpPr>
+        <p:spPr>
+          <a:xfrm>
+            <a:off x="4167151" y="1996324"/>
+            <a:ext cx="949301" cy="453710"/>
+          </a:xfrm>
+          <a:prstGeom prst="rightArrow">
+            <a:avLst/>
+          </a:prstGeom>
+          <a:solidFill>
+            <a:srgbClr val="FFFF00"/>
+          </a:solidFill>
+          <a:ln>
+            <a:noFill/>
+          </a:ln>
+        </p:spPr>
+        <p:style>
+          <a:lnRef idx="2">
+            <a:schemeClr val="accent6"/>
+          </a:lnRef>
+          <a:fillRef idx="1">
+            <a:schemeClr val="lt1"/>
+          </a:fillRef>
+          <a:effectRef idx="0">
+            <a:schemeClr val="accent6"/>
+          </a:effectRef>
+          <a:fontRef idx="minor">
+            <a:schemeClr val="dk1"/>
+          </a:fontRef>
+        </p:style>
+        <p:txBody>
+          <a:bodyPr rtlCol="0" anchor="ctr"/>
+          <a:lstStyle/>
+          <a:p>
+            <a:pPr algn="ctr"/>
+            <a:endParaRPr lang="en-US" dirty="0"/>
+          </a:p>
+        </p:txBody>
+      </p:sp>
+    </p:spTree>
+    <p:extLst>
+      <p:ext uri="{BB962C8B-B14F-4D97-AF65-F5344CB8AC3E}">
+        <p14:creationId xmlns:p14="http://schemas.microsoft.com/office/powerpoint/2010/main" val="1479140166"/>
+      </p:ext>
+    </p:extLst>
+  </p:cSld>
+  <p:clrMapOvr>
+    <a:masterClrMapping/>
+  </p:clrMapOvr>
+</p:sld>
+</file>
+
+<file path=ppt/slides/slide101.xml><?xml version="1.0" encoding="utf-8"?>
+<p:sld xmlns:a="http://schemas.openxmlformats.org/drawingml/2006/main" xmlns:r="http://schemas.openxmlformats.org/officeDocument/2006/relationships" xmlns:p="http://schemas.openxmlformats.org/presentationml/2006/main">
+  <p:cSld>
+    <p:spTree>
+      <p:nvGrpSpPr>
+        <p:cNvPr id="1" name=""/>
+        <p:cNvGrpSpPr/>
+        <p:nvPr/>
+      </p:nvGrpSpPr>
+      <p:grpSpPr>
+        <a:xfrm>
+          <a:off x="0" y="0"/>
+          <a:ext cx="0" cy="0"/>
+          <a:chOff x="0" y="0"/>
+          <a:chExt cx="0" cy="0"/>
+        </a:xfrm>
+      </p:grpSpPr>
+      <p:sp>
+        <p:nvSpPr>
+          <p:cNvPr id="11" name="TextBox 10">
+            <a:extLst>
+              <a:ext uri="{FF2B5EF4-FFF2-40B4-BE49-F238E27FC236}">
+                <a16:creationId xmlns:a16="http://schemas.microsoft.com/office/drawing/2014/main" id="{49A7B9B6-8455-43BE-8670-E01CE03933DF}"/>
+              </a:ext>
+            </a:extLst>
+          </p:cNvPr>
+          <p:cNvSpPr txBox="1"/>
+          <p:nvPr/>
+        </p:nvSpPr>
+        <p:spPr>
+          <a:xfrm>
             <a:off x="440098" y="3858413"/>
             <a:ext cx="8263801" cy="1015663"/>
           </a:xfrm>
@@ -13137,7 +13465,7 @@
 </p:sld>
 </file>
 
-<file path=ppt/slides/slide101.xml><?xml version="1.0" encoding="utf-8"?>
+<file path=ppt/slides/slide102.xml><?xml version="1.0" encoding="utf-8"?>
 <p:sld xmlns:a="http://schemas.openxmlformats.org/drawingml/2006/main" xmlns:r="http://schemas.openxmlformats.org/officeDocument/2006/relationships" xmlns:p="http://schemas.openxmlformats.org/presentationml/2006/main">
   <p:cSld>
     <p:spTree>
@@ -13291,7 +13619,7 @@
 </p:sld>
 </file>
 
-<file path=ppt/slides/slide102.xml><?xml version="1.0" encoding="utf-8"?>
+<file path=ppt/slides/slide103.xml><?xml version="1.0" encoding="utf-8"?>
 <p:sld xmlns:a="http://schemas.openxmlformats.org/drawingml/2006/main" xmlns:r="http://schemas.openxmlformats.org/officeDocument/2006/relationships" xmlns:p="http://schemas.openxmlformats.org/presentationml/2006/main">
   <p:cSld>
     <p:spTree>
@@ -13439,7 +13767,7 @@
 </p:sld>
 </file>
 
-<file path=ppt/slides/slide103.xml><?xml version="1.0" encoding="utf-8"?>
+<file path=ppt/slides/slide104.xml><?xml version="1.0" encoding="utf-8"?>
 <p:sld xmlns:a="http://schemas.openxmlformats.org/drawingml/2006/main" xmlns:r="http://schemas.openxmlformats.org/officeDocument/2006/relationships" xmlns:p="http://schemas.openxmlformats.org/presentationml/2006/main">
   <p:cSld>
     <p:spTree>
@@ -42629,176 +42957,6 @@
         </p:nvSpPr>
         <p:spPr>
           <a:xfrm>
-            <a:off x="2844602" y="3858413"/>
-            <a:ext cx="3454792" cy="1015663"/>
-          </a:xfrm>
-          <a:prstGeom prst="rect">
-            <a:avLst/>
-          </a:prstGeom>
-          <a:noFill/>
-        </p:spPr>
-        <p:txBody>
-          <a:bodyPr wrap="none" rtlCol="0">
-            <a:spAutoFit/>
-          </a:bodyPr>
-          <a:lstStyle/>
-          <a:p>
-            <a:r>
-              <a:rPr lang="vi-VN" sz="6000" dirty="0">
-                <a:ln w="19050">
-                  <a:solidFill>
-                    <a:schemeClr val="tx1"/>
-                  </a:solidFill>
-                </a:ln>
-                <a:solidFill>
-                  <a:srgbClr val="FFFF00"/>
-                </a:solidFill>
-                <a:latin typeface="FVF Fernando 08" panose="02000507020000020003" pitchFamily="2" charset="0"/>
-              </a:rPr>
-              <a:t>Target</a:t>
-            </a:r>
-            <a:endParaRPr lang="en-US" sz="6000" dirty="0">
-              <a:ln w="19050">
-                <a:solidFill>
-                  <a:schemeClr val="tx1"/>
-                </a:solidFill>
-              </a:ln>
-              <a:solidFill>
-                <a:srgbClr val="FFFF00"/>
-              </a:solidFill>
-              <a:latin typeface="FVF Fernando 08" panose="02000507020000020003" pitchFamily="2" charset="0"/>
-            </a:endParaRPr>
-          </a:p>
-        </p:txBody>
-      </p:sp>
-      <p:pic>
-        <p:nvPicPr>
-          <p:cNvPr id="14" name="Picture 13">
-            <a:extLst>
-              <a:ext uri="{FF2B5EF4-FFF2-40B4-BE49-F238E27FC236}">
-                <a16:creationId xmlns:a16="http://schemas.microsoft.com/office/drawing/2014/main" id="{E2D411D6-C028-4F7B-96FB-CC2855017620}"/>
-              </a:ext>
-            </a:extLst>
-          </p:cNvPr>
-          <p:cNvPicPr>
-            <a:picLocks noChangeAspect="1"/>
-          </p:cNvPicPr>
-          <p:nvPr/>
-        </p:nvPicPr>
-        <p:blipFill>
-          <a:blip r:embed="rId3">
-            <a:extLst>
-              <a:ext uri="{28A0092B-C50C-407E-A947-70E740481C1C}">
-                <a14:useLocalDpi xmlns:a14="http://schemas.microsoft.com/office/drawing/2010/main" val="0"/>
-              </a:ext>
-            </a:extLst>
-          </a:blip>
-          <a:srcRect/>
-          <a:stretch/>
-        </p:blipFill>
-        <p:spPr>
-          <a:xfrm>
-            <a:off x="7675990" y="30481"/>
-            <a:ext cx="1490870" cy="1490870"/>
-          </a:xfrm>
-          <a:prstGeom prst="rect">
-            <a:avLst/>
-          </a:prstGeom>
-          <a:ln w="19050">
-            <a:noFill/>
-          </a:ln>
-          <a:effectLst>
-            <a:outerShdw blurRad="63500" sx="104000" sy="104000" algn="ctr" rotWithShape="0">
-              <a:srgbClr val="FFFF00"/>
-            </a:outerShdw>
-          </a:effectLst>
-        </p:spPr>
-      </p:pic>
-      <p:pic>
-        <p:nvPicPr>
-          <p:cNvPr id="3" name="Picture 2">
-            <a:extLst>
-              <a:ext uri="{FF2B5EF4-FFF2-40B4-BE49-F238E27FC236}">
-                <a16:creationId xmlns:a16="http://schemas.microsoft.com/office/drawing/2014/main" id="{5BA2E600-ACA3-41D4-AE81-59539181FF36}"/>
-              </a:ext>
-            </a:extLst>
-          </p:cNvPr>
-          <p:cNvPicPr>
-            <a:picLocks noChangeAspect="1"/>
-          </p:cNvPicPr>
-          <p:nvPr/>
-        </p:nvPicPr>
-        <p:blipFill>
-          <a:blip r:embed="rId4">
-            <a:extLst>
-              <a:ext uri="{28A0092B-C50C-407E-A947-70E740481C1C}">
-                <a14:useLocalDpi xmlns:a14="http://schemas.microsoft.com/office/drawing/2010/main" val="0"/>
-              </a:ext>
-            </a:extLst>
-          </a:blip>
-          <a:stretch>
-            <a:fillRect/>
-          </a:stretch>
-        </p:blipFill>
-        <p:spPr>
-          <a:xfrm>
-            <a:off x="3025669" y="1513735"/>
-            <a:ext cx="3092659" cy="2116030"/>
-          </a:xfrm>
-          <a:prstGeom prst="rect">
-            <a:avLst/>
-          </a:prstGeom>
-          <a:effectLst>
-            <a:glow rad="63500">
-              <a:srgbClr val="FFC000"/>
-            </a:glow>
-          </a:effectLst>
-        </p:spPr>
-      </p:pic>
-    </p:spTree>
-    <p:extLst>
-      <p:ext uri="{BB962C8B-B14F-4D97-AF65-F5344CB8AC3E}">
-        <p14:creationId xmlns:p14="http://schemas.microsoft.com/office/powerpoint/2010/main" val="15081348"/>
-      </p:ext>
-    </p:extLst>
-  </p:cSld>
-  <p:clrMapOvr>
-    <a:masterClrMapping/>
-  </p:clrMapOvr>
-</p:sld>
-</file>
-
-<file path=ppt/slides/slide78.xml><?xml version="1.0" encoding="utf-8"?>
-<p:sld xmlns:a="http://schemas.openxmlformats.org/drawingml/2006/main" xmlns:r="http://schemas.openxmlformats.org/officeDocument/2006/relationships" xmlns:p="http://schemas.openxmlformats.org/presentationml/2006/main">
-  <p:cSld>
-    <p:spTree>
-      <p:nvGrpSpPr>
-        <p:cNvPr id="1" name=""/>
-        <p:cNvGrpSpPr/>
-        <p:nvPr/>
-      </p:nvGrpSpPr>
-      <p:grpSpPr>
-        <a:xfrm>
-          <a:off x="0" y="0"/>
-          <a:ext cx="0" cy="0"/>
-          <a:chOff x="0" y="0"/>
-          <a:chExt cx="0" cy="0"/>
-        </a:xfrm>
-      </p:grpSpPr>
-      <p:sp>
-        <p:nvSpPr>
-          <p:cNvPr id="11" name="TextBox 10">
-            <a:extLst>
-              <a:ext uri="{FF2B5EF4-FFF2-40B4-BE49-F238E27FC236}">
-                <a16:creationId xmlns:a16="http://schemas.microsoft.com/office/drawing/2014/main" id="{49A7B9B6-8455-43BE-8670-E01CE03933DF}"/>
-              </a:ext>
-            </a:extLst>
-          </p:cNvPr>
-          <p:cNvSpPr txBox="1"/>
-          <p:nvPr/>
-        </p:nvSpPr>
-        <p:spPr>
-          <a:xfrm>
             <a:off x="1498079" y="3858413"/>
             <a:ext cx="6147837" cy="1015663"/>
           </a:xfrm>
@@ -42938,7 +43096,7 @@
 </p:sld>
 </file>
 
-<file path=ppt/slides/slide79.xml><?xml version="1.0" encoding="utf-8"?>
+<file path=ppt/slides/slide78.xml><?xml version="1.0" encoding="utf-8"?>
 <p:sld xmlns:a="http://schemas.openxmlformats.org/drawingml/2006/main" xmlns:r="http://schemas.openxmlformats.org/officeDocument/2006/relationships" xmlns:p="http://schemas.openxmlformats.org/presentationml/2006/main">
   <p:cSld>
     <p:spTree>
@@ -43099,6 +43257,176 @@
     <p:extLst>
       <p:ext uri="{BB962C8B-B14F-4D97-AF65-F5344CB8AC3E}">
         <p14:creationId xmlns:p14="http://schemas.microsoft.com/office/powerpoint/2010/main" val="1834945509"/>
+      </p:ext>
+    </p:extLst>
+  </p:cSld>
+  <p:clrMapOvr>
+    <a:masterClrMapping/>
+  </p:clrMapOvr>
+</p:sld>
+</file>
+
+<file path=ppt/slides/slide79.xml><?xml version="1.0" encoding="utf-8"?>
+<p:sld xmlns:a="http://schemas.openxmlformats.org/drawingml/2006/main" xmlns:r="http://schemas.openxmlformats.org/officeDocument/2006/relationships" xmlns:p="http://schemas.openxmlformats.org/presentationml/2006/main">
+  <p:cSld>
+    <p:spTree>
+      <p:nvGrpSpPr>
+        <p:cNvPr id="1" name=""/>
+        <p:cNvGrpSpPr/>
+        <p:nvPr/>
+      </p:nvGrpSpPr>
+      <p:grpSpPr>
+        <a:xfrm>
+          <a:off x="0" y="0"/>
+          <a:ext cx="0" cy="0"/>
+          <a:chOff x="0" y="0"/>
+          <a:chExt cx="0" cy="0"/>
+        </a:xfrm>
+      </p:grpSpPr>
+      <p:sp>
+        <p:nvSpPr>
+          <p:cNvPr id="11" name="TextBox 10">
+            <a:extLst>
+              <a:ext uri="{FF2B5EF4-FFF2-40B4-BE49-F238E27FC236}">
+                <a16:creationId xmlns:a16="http://schemas.microsoft.com/office/drawing/2014/main" id="{49A7B9B6-8455-43BE-8670-E01CE03933DF}"/>
+              </a:ext>
+            </a:extLst>
+          </p:cNvPr>
+          <p:cNvSpPr txBox="1"/>
+          <p:nvPr/>
+        </p:nvSpPr>
+        <p:spPr>
+          <a:xfrm>
+            <a:off x="1161449" y="3858413"/>
+            <a:ext cx="6821098" cy="1015663"/>
+          </a:xfrm>
+          <a:prstGeom prst="rect">
+            <a:avLst/>
+          </a:prstGeom>
+          <a:noFill/>
+        </p:spPr>
+        <p:txBody>
+          <a:bodyPr wrap="none" rtlCol="0">
+            <a:spAutoFit/>
+          </a:bodyPr>
+          <a:lstStyle/>
+          <a:p>
+            <a:r>
+              <a:rPr lang="vi-VN" sz="6000" dirty="0">
+                <a:ln w="19050">
+                  <a:solidFill>
+                    <a:schemeClr val="tx1"/>
+                  </a:solidFill>
+                </a:ln>
+                <a:solidFill>
+                  <a:srgbClr val="FFFF00"/>
+                </a:solidFill>
+                <a:latin typeface="FVF Fernando 08" panose="02000507020000020003" pitchFamily="2" charset="0"/>
+              </a:rPr>
+              <a:t>Component Id</a:t>
+            </a:r>
+            <a:endParaRPr lang="en-US" sz="6000" dirty="0">
+              <a:ln w="19050">
+                <a:solidFill>
+                  <a:schemeClr val="tx1"/>
+                </a:solidFill>
+              </a:ln>
+              <a:solidFill>
+                <a:srgbClr val="FFFF00"/>
+              </a:solidFill>
+              <a:latin typeface="FVF Fernando 08" panose="02000507020000020003" pitchFamily="2" charset="0"/>
+            </a:endParaRPr>
+          </a:p>
+        </p:txBody>
+      </p:sp>
+      <p:pic>
+        <p:nvPicPr>
+          <p:cNvPr id="14" name="Picture 13">
+            <a:extLst>
+              <a:ext uri="{FF2B5EF4-FFF2-40B4-BE49-F238E27FC236}">
+                <a16:creationId xmlns:a16="http://schemas.microsoft.com/office/drawing/2014/main" id="{E2D411D6-C028-4F7B-96FB-CC2855017620}"/>
+              </a:ext>
+            </a:extLst>
+          </p:cNvPr>
+          <p:cNvPicPr>
+            <a:picLocks noChangeAspect="1"/>
+          </p:cNvPicPr>
+          <p:nvPr/>
+        </p:nvPicPr>
+        <p:blipFill>
+          <a:blip r:embed="rId3">
+            <a:extLst>
+              <a:ext uri="{28A0092B-C50C-407E-A947-70E740481C1C}">
+                <a14:useLocalDpi xmlns:a14="http://schemas.microsoft.com/office/drawing/2010/main" val="0"/>
+              </a:ext>
+            </a:extLst>
+          </a:blip>
+          <a:srcRect/>
+          <a:stretch/>
+        </p:blipFill>
+        <p:spPr>
+          <a:xfrm>
+            <a:off x="7675990" y="30481"/>
+            <a:ext cx="1490870" cy="1490870"/>
+          </a:xfrm>
+          <a:prstGeom prst="rect">
+            <a:avLst/>
+          </a:prstGeom>
+          <a:ln w="19050">
+            <a:noFill/>
+          </a:ln>
+          <a:effectLst>
+            <a:outerShdw blurRad="63500" sx="104000" sy="104000" algn="ctr" rotWithShape="0">
+              <a:srgbClr val="FFFF00"/>
+            </a:outerShdw>
+          </a:effectLst>
+        </p:spPr>
+      </p:pic>
+      <p:pic>
+        <p:nvPicPr>
+          <p:cNvPr id="3" name="Picture 2">
+            <a:extLst>
+              <a:ext uri="{FF2B5EF4-FFF2-40B4-BE49-F238E27FC236}">
+                <a16:creationId xmlns:a16="http://schemas.microsoft.com/office/drawing/2014/main" id="{5BA2E600-ACA3-41D4-AE81-59539181FF36}"/>
+              </a:ext>
+            </a:extLst>
+          </p:cNvPr>
+          <p:cNvPicPr>
+            <a:picLocks noChangeAspect="1"/>
+          </p:cNvPicPr>
+          <p:nvPr/>
+        </p:nvPicPr>
+        <p:blipFill>
+          <a:blip r:embed="rId4">
+            <a:extLst>
+              <a:ext uri="{28A0092B-C50C-407E-A947-70E740481C1C}">
+                <a14:useLocalDpi xmlns:a14="http://schemas.microsoft.com/office/drawing/2010/main" val="0"/>
+              </a:ext>
+            </a:extLst>
+          </a:blip>
+          <a:stretch>
+            <a:fillRect/>
+          </a:stretch>
+        </p:blipFill>
+        <p:spPr>
+          <a:xfrm>
+            <a:off x="3025669" y="1513735"/>
+            <a:ext cx="3092659" cy="2116030"/>
+          </a:xfrm>
+          <a:prstGeom prst="rect">
+            <a:avLst/>
+          </a:prstGeom>
+          <a:effectLst>
+            <a:glow rad="63500">
+              <a:srgbClr val="FFC000"/>
+            </a:glow>
+          </a:effectLst>
+        </p:spPr>
+      </p:pic>
+    </p:spTree>
+    <p:extLst>
+      <p:ext uri="{BB962C8B-B14F-4D97-AF65-F5344CB8AC3E}">
+        <p14:creationId xmlns:p14="http://schemas.microsoft.com/office/powerpoint/2010/main" val="3286605201"/>
       </p:ext>
     </p:extLst>
   </p:cSld>
@@ -43435,8 +43763,8 @@
         </p:nvSpPr>
         <p:spPr>
           <a:xfrm>
-            <a:off x="1161449" y="3858413"/>
-            <a:ext cx="6821098" cy="1015663"/>
+            <a:off x="1546169" y="3858413"/>
+            <a:ext cx="6051657" cy="1015663"/>
           </a:xfrm>
           <a:prstGeom prst="rect">
             <a:avLst/>
@@ -43450,6 +43778,20 @@
           <a:lstStyle/>
           <a:p>
             <a:r>
+              <a:rPr lang="vi-VN" sz="6000">
+                <a:ln w="19050">
+                  <a:solidFill>
+                    <a:schemeClr val="tx1"/>
+                  </a:solidFill>
+                </a:ln>
+                <a:solidFill>
+                  <a:srgbClr val="FFFF00"/>
+                </a:solidFill>
+                <a:latin typeface="FVF Fernando 08" panose="02000507020000020003" pitchFamily="2" charset="0"/>
+              </a:rPr>
+              <a:t>Controller </a:t>
+            </a:r>
+            <a:r>
               <a:rPr lang="vi-VN" sz="6000" dirty="0">
                 <a:ln w="19050">
                   <a:solidFill>
@@ -43461,7 +43803,7 @@
                 </a:solidFill>
                 <a:latin typeface="FVF Fernando 08" panose="02000507020000020003" pitchFamily="2" charset="0"/>
               </a:rPr>
-              <a:t>Component Id</a:t>
+              <a:t>Id</a:t>
             </a:r>
             <a:endParaRPr lang="en-US" sz="6000" dirty="0">
               <a:ln w="19050">
@@ -43564,7 +43906,7 @@
     </p:spTree>
     <p:extLst>
       <p:ext uri="{BB962C8B-B14F-4D97-AF65-F5344CB8AC3E}">
-        <p14:creationId xmlns:p14="http://schemas.microsoft.com/office/powerpoint/2010/main" val="3286605201"/>
+        <p14:creationId xmlns:p14="http://schemas.microsoft.com/office/powerpoint/2010/main" val="381972949"/>
       </p:ext>
     </p:extLst>
   </p:cSld>
@@ -45616,6 +45958,176 @@
         </p:nvSpPr>
         <p:spPr>
           <a:xfrm>
+            <a:off x="2844602" y="3858413"/>
+            <a:ext cx="3454792" cy="1015663"/>
+          </a:xfrm>
+          <a:prstGeom prst="rect">
+            <a:avLst/>
+          </a:prstGeom>
+          <a:noFill/>
+        </p:spPr>
+        <p:txBody>
+          <a:bodyPr wrap="none" rtlCol="0">
+            <a:spAutoFit/>
+          </a:bodyPr>
+          <a:lstStyle/>
+          <a:p>
+            <a:r>
+              <a:rPr lang="vi-VN" sz="6000" dirty="0">
+                <a:ln w="19050">
+                  <a:solidFill>
+                    <a:schemeClr val="tx1"/>
+                  </a:solidFill>
+                </a:ln>
+                <a:solidFill>
+                  <a:srgbClr val="FFFF00"/>
+                </a:solidFill>
+                <a:latin typeface="FVF Fernando 08" panose="02000507020000020003" pitchFamily="2" charset="0"/>
+              </a:rPr>
+              <a:t>Target</a:t>
+            </a:r>
+            <a:endParaRPr lang="en-US" sz="6000" dirty="0">
+              <a:ln w="19050">
+                <a:solidFill>
+                  <a:schemeClr val="tx1"/>
+                </a:solidFill>
+              </a:ln>
+              <a:solidFill>
+                <a:srgbClr val="FFFF00"/>
+              </a:solidFill>
+              <a:latin typeface="FVF Fernando 08" panose="02000507020000020003" pitchFamily="2" charset="0"/>
+            </a:endParaRPr>
+          </a:p>
+        </p:txBody>
+      </p:sp>
+      <p:pic>
+        <p:nvPicPr>
+          <p:cNvPr id="14" name="Picture 13">
+            <a:extLst>
+              <a:ext uri="{FF2B5EF4-FFF2-40B4-BE49-F238E27FC236}">
+                <a16:creationId xmlns:a16="http://schemas.microsoft.com/office/drawing/2014/main" id="{E2D411D6-C028-4F7B-96FB-CC2855017620}"/>
+              </a:ext>
+            </a:extLst>
+          </p:cNvPr>
+          <p:cNvPicPr>
+            <a:picLocks noChangeAspect="1"/>
+          </p:cNvPicPr>
+          <p:nvPr/>
+        </p:nvPicPr>
+        <p:blipFill>
+          <a:blip r:embed="rId3">
+            <a:extLst>
+              <a:ext uri="{28A0092B-C50C-407E-A947-70E740481C1C}">
+                <a14:useLocalDpi xmlns:a14="http://schemas.microsoft.com/office/drawing/2010/main" val="0"/>
+              </a:ext>
+            </a:extLst>
+          </a:blip>
+          <a:srcRect/>
+          <a:stretch/>
+        </p:blipFill>
+        <p:spPr>
+          <a:xfrm>
+            <a:off x="7675990" y="30481"/>
+            <a:ext cx="1490870" cy="1490870"/>
+          </a:xfrm>
+          <a:prstGeom prst="rect">
+            <a:avLst/>
+          </a:prstGeom>
+          <a:ln w="19050">
+            <a:noFill/>
+          </a:ln>
+          <a:effectLst>
+            <a:outerShdw blurRad="63500" sx="104000" sy="104000" algn="ctr" rotWithShape="0">
+              <a:srgbClr val="FFFF00"/>
+            </a:outerShdw>
+          </a:effectLst>
+        </p:spPr>
+      </p:pic>
+      <p:pic>
+        <p:nvPicPr>
+          <p:cNvPr id="3" name="Picture 2">
+            <a:extLst>
+              <a:ext uri="{FF2B5EF4-FFF2-40B4-BE49-F238E27FC236}">
+                <a16:creationId xmlns:a16="http://schemas.microsoft.com/office/drawing/2014/main" id="{5BA2E600-ACA3-41D4-AE81-59539181FF36}"/>
+              </a:ext>
+            </a:extLst>
+          </p:cNvPr>
+          <p:cNvPicPr>
+            <a:picLocks noChangeAspect="1"/>
+          </p:cNvPicPr>
+          <p:nvPr/>
+        </p:nvPicPr>
+        <p:blipFill>
+          <a:blip r:embed="rId4">
+            <a:extLst>
+              <a:ext uri="{28A0092B-C50C-407E-A947-70E740481C1C}">
+                <a14:useLocalDpi xmlns:a14="http://schemas.microsoft.com/office/drawing/2010/main" val="0"/>
+              </a:ext>
+            </a:extLst>
+          </a:blip>
+          <a:stretch>
+            <a:fillRect/>
+          </a:stretch>
+        </p:blipFill>
+        <p:spPr>
+          <a:xfrm>
+            <a:off x="3025669" y="1513735"/>
+            <a:ext cx="3092659" cy="2116030"/>
+          </a:xfrm>
+          <a:prstGeom prst="rect">
+            <a:avLst/>
+          </a:prstGeom>
+          <a:effectLst>
+            <a:glow rad="63500">
+              <a:srgbClr val="FFC000"/>
+            </a:glow>
+          </a:effectLst>
+        </p:spPr>
+      </p:pic>
+    </p:spTree>
+    <p:extLst>
+      <p:ext uri="{BB962C8B-B14F-4D97-AF65-F5344CB8AC3E}">
+        <p14:creationId xmlns:p14="http://schemas.microsoft.com/office/powerpoint/2010/main" val="15081348"/>
+      </p:ext>
+    </p:extLst>
+  </p:cSld>
+  <p:clrMapOvr>
+    <a:masterClrMapping/>
+  </p:clrMapOvr>
+</p:sld>
+</file>
+
+<file path=ppt/slides/slide92.xml><?xml version="1.0" encoding="utf-8"?>
+<p:sld xmlns:a="http://schemas.openxmlformats.org/drawingml/2006/main" xmlns:r="http://schemas.openxmlformats.org/officeDocument/2006/relationships" xmlns:p="http://schemas.openxmlformats.org/presentationml/2006/main">
+  <p:cSld>
+    <p:spTree>
+      <p:nvGrpSpPr>
+        <p:cNvPr id="1" name=""/>
+        <p:cNvGrpSpPr/>
+        <p:nvPr/>
+      </p:nvGrpSpPr>
+      <p:grpSpPr>
+        <a:xfrm>
+          <a:off x="0" y="0"/>
+          <a:ext cx="0" cy="0"/>
+          <a:chOff x="0" y="0"/>
+          <a:chExt cx="0" cy="0"/>
+        </a:xfrm>
+      </p:grpSpPr>
+      <p:sp>
+        <p:nvSpPr>
+          <p:cNvPr id="11" name="TextBox 10">
+            <a:extLst>
+              <a:ext uri="{FF2B5EF4-FFF2-40B4-BE49-F238E27FC236}">
+                <a16:creationId xmlns:a16="http://schemas.microsoft.com/office/drawing/2014/main" id="{49A7B9B6-8455-43BE-8670-E01CE03933DF}"/>
+              </a:ext>
+            </a:extLst>
+          </p:cNvPr>
+          <p:cNvSpPr txBox="1"/>
+          <p:nvPr/>
+        </p:nvSpPr>
+        <p:spPr>
+          <a:xfrm>
             <a:off x="2604151" y="3858413"/>
             <a:ext cx="3935693" cy="1015663"/>
           </a:xfrm>
@@ -45755,7 +46267,7 @@
 </p:sld>
 </file>
 
-<file path=ppt/slides/slide92.xml><?xml version="1.0" encoding="utf-8"?>
+<file path=ppt/slides/slide93.xml><?xml version="1.0" encoding="utf-8"?>
 <p:sld xmlns:a="http://schemas.openxmlformats.org/drawingml/2006/main" xmlns:r="http://schemas.openxmlformats.org/officeDocument/2006/relationships" xmlns:p="http://schemas.openxmlformats.org/presentationml/2006/main">
   <p:cSld>
     <p:spTree>
@@ -45925,7 +46437,7 @@
 </p:sld>
 </file>
 
-<file path=ppt/slides/slide93.xml><?xml version="1.0" encoding="utf-8"?>
+<file path=ppt/slides/slide94.xml><?xml version="1.0" encoding="utf-8"?>
 <p:sld xmlns:a="http://schemas.openxmlformats.org/drawingml/2006/main" xmlns:r="http://schemas.openxmlformats.org/officeDocument/2006/relationships" xmlns:p="http://schemas.openxmlformats.org/presentationml/2006/main">
   <p:cSld>
     <p:spTree>
@@ -46110,7 +46622,7 @@
 </p:sld>
 </file>
 
-<file path=ppt/slides/slide94.xml><?xml version="1.0" encoding="utf-8"?>
+<file path=ppt/slides/slide95.xml><?xml version="1.0" encoding="utf-8"?>
 <p:sld xmlns:a="http://schemas.openxmlformats.org/drawingml/2006/main" xmlns:r="http://schemas.openxmlformats.org/officeDocument/2006/relationships" xmlns:p="http://schemas.openxmlformats.org/presentationml/2006/main">
   <p:cSld>
     <p:spTree>
@@ -46295,7 +46807,7 @@
 </p:sld>
 </file>
 
-<file path=ppt/slides/slide95.xml><?xml version="1.0" encoding="utf-8"?>
+<file path=ppt/slides/slide96.xml><?xml version="1.0" encoding="utf-8"?>
 <p:sld xmlns:a="http://schemas.openxmlformats.org/drawingml/2006/main" xmlns:r="http://schemas.openxmlformats.org/officeDocument/2006/relationships" xmlns:p="http://schemas.openxmlformats.org/presentationml/2006/main">
   <p:cSld>
     <p:spTree>
@@ -46565,7 +47077,7 @@
 </p:sld>
 </file>
 
-<file path=ppt/slides/slide96.xml><?xml version="1.0" encoding="utf-8"?>
+<file path=ppt/slides/slide97.xml><?xml version="1.0" encoding="utf-8"?>
 <p:sld xmlns:a="http://schemas.openxmlformats.org/drawingml/2006/main" xmlns:r="http://schemas.openxmlformats.org/officeDocument/2006/relationships" xmlns:p="http://schemas.openxmlformats.org/presentationml/2006/main">
   <p:cSld>
     <p:spTree>
@@ -46730,7 +47242,7 @@
 </p:sld>
 </file>
 
-<file path=ppt/slides/slide97.xml><?xml version="1.0" encoding="utf-8"?>
+<file path=ppt/slides/slide98.xml><?xml version="1.0" encoding="utf-8"?>
 <p:sld xmlns:a="http://schemas.openxmlformats.org/drawingml/2006/main" xmlns:r="http://schemas.openxmlformats.org/officeDocument/2006/relationships" xmlns:p="http://schemas.openxmlformats.org/presentationml/2006/main">
   <p:cSld>
     <p:spTree>
@@ -46915,7 +47427,7 @@
 </p:sld>
 </file>
 
-<file path=ppt/slides/slide98.xml><?xml version="1.0" encoding="utf-8"?>
+<file path=ppt/slides/slide99.xml><?xml version="1.0" encoding="utf-8"?>
 <p:sld xmlns:a="http://schemas.openxmlformats.org/drawingml/2006/main" xmlns:r="http://schemas.openxmlformats.org/officeDocument/2006/relationships" xmlns:p="http://schemas.openxmlformats.org/presentationml/2006/main">
   <p:cSld>
     <p:spTree>
@@ -47071,245 +47583,6 @@
     <p:extLst>
       <p:ext uri="{BB962C8B-B14F-4D97-AF65-F5344CB8AC3E}">
         <p14:creationId xmlns:p14="http://schemas.microsoft.com/office/powerpoint/2010/main" val="3201819127"/>
-      </p:ext>
-    </p:extLst>
-  </p:cSld>
-  <p:clrMapOvr>
-    <a:masterClrMapping/>
-  </p:clrMapOvr>
-</p:sld>
-</file>
-
-<file path=ppt/slides/slide99.xml><?xml version="1.0" encoding="utf-8"?>
-<p:sld xmlns:a="http://schemas.openxmlformats.org/drawingml/2006/main" xmlns:r="http://schemas.openxmlformats.org/officeDocument/2006/relationships" xmlns:p="http://schemas.openxmlformats.org/presentationml/2006/main">
-  <p:cSld>
-    <p:spTree>
-      <p:nvGrpSpPr>
-        <p:cNvPr id="1" name=""/>
-        <p:cNvGrpSpPr/>
-        <p:nvPr/>
-      </p:nvGrpSpPr>
-      <p:grpSpPr>
-        <a:xfrm>
-          <a:off x="0" y="0"/>
-          <a:ext cx="0" cy="0"/>
-          <a:chOff x="0" y="0"/>
-          <a:chExt cx="0" cy="0"/>
-        </a:xfrm>
-      </p:grpSpPr>
-      <p:sp>
-        <p:nvSpPr>
-          <p:cNvPr id="11" name="TextBox 10">
-            <a:extLst>
-              <a:ext uri="{FF2B5EF4-FFF2-40B4-BE49-F238E27FC236}">
-                <a16:creationId xmlns:a16="http://schemas.microsoft.com/office/drawing/2014/main" id="{49A7B9B6-8455-43BE-8670-E01CE03933DF}"/>
-              </a:ext>
-            </a:extLst>
-          </p:cNvPr>
-          <p:cNvSpPr txBox="1"/>
-          <p:nvPr/>
-        </p:nvSpPr>
-        <p:spPr>
-          <a:xfrm>
-            <a:off x="209267" y="4097899"/>
-            <a:ext cx="8725466" cy="830997"/>
-          </a:xfrm>
-          <a:prstGeom prst="rect">
-            <a:avLst/>
-          </a:prstGeom>
-          <a:noFill/>
-        </p:spPr>
-        <p:txBody>
-          <a:bodyPr wrap="none" rtlCol="0">
-            <a:spAutoFit/>
-          </a:bodyPr>
-          <a:lstStyle/>
-          <a:p>
-            <a:r>
-              <a:rPr lang="vi-VN" sz="4800" dirty="0">
-                <a:ln w="19050">
-                  <a:solidFill>
-                    <a:schemeClr val="tx1"/>
-                  </a:solidFill>
-                </a:ln>
-                <a:solidFill>
-                  <a:srgbClr val="FFFF00"/>
-                </a:solidFill>
-                <a:latin typeface="FVF Fernando 08" panose="02000507020000020003" pitchFamily="2" charset="0"/>
-              </a:rPr>
-              <a:t>Hex -&gt; Dec Color Code</a:t>
-            </a:r>
-            <a:endParaRPr lang="en-US" sz="4800" dirty="0">
-              <a:ln w="19050">
-                <a:solidFill>
-                  <a:schemeClr val="tx1"/>
-                </a:solidFill>
-              </a:ln>
-              <a:solidFill>
-                <a:srgbClr val="FFFF00"/>
-              </a:solidFill>
-              <a:latin typeface="FVF Fernando 08" panose="02000507020000020003" pitchFamily="2" charset="0"/>
-            </a:endParaRPr>
-          </a:p>
-        </p:txBody>
-      </p:sp>
-      <p:pic>
-        <p:nvPicPr>
-          <p:cNvPr id="14" name="Picture 13">
-            <a:extLst>
-              <a:ext uri="{FF2B5EF4-FFF2-40B4-BE49-F238E27FC236}">
-                <a16:creationId xmlns:a16="http://schemas.microsoft.com/office/drawing/2014/main" id="{E2D411D6-C028-4F7B-96FB-CC2855017620}"/>
-              </a:ext>
-            </a:extLst>
-          </p:cNvPr>
-          <p:cNvPicPr>
-            <a:picLocks noChangeAspect="1"/>
-          </p:cNvPicPr>
-          <p:nvPr/>
-        </p:nvPicPr>
-        <p:blipFill>
-          <a:blip r:embed="rId3">
-            <a:extLst>
-              <a:ext uri="{28A0092B-C50C-407E-A947-70E740481C1C}">
-                <a14:useLocalDpi xmlns:a14="http://schemas.microsoft.com/office/drawing/2010/main" val="0"/>
-              </a:ext>
-            </a:extLst>
-          </a:blip>
-          <a:srcRect/>
-          <a:stretch/>
-        </p:blipFill>
-        <p:spPr>
-          <a:xfrm>
-            <a:off x="7675990" y="30481"/>
-            <a:ext cx="1490870" cy="1490870"/>
-          </a:xfrm>
-          <a:prstGeom prst="rect">
-            <a:avLst/>
-          </a:prstGeom>
-          <a:ln w="19050">
-            <a:noFill/>
-          </a:ln>
-          <a:effectLst>
-            <a:outerShdw blurRad="63500" sx="104000" sy="104000" algn="ctr" rotWithShape="0">
-              <a:srgbClr val="FFFF00"/>
-            </a:outerShdw>
-          </a:effectLst>
-        </p:spPr>
-      </p:pic>
-      <p:pic>
-        <p:nvPicPr>
-          <p:cNvPr id="4" name="Picture 3">
-            <a:extLst>
-              <a:ext uri="{FF2B5EF4-FFF2-40B4-BE49-F238E27FC236}">
-                <a16:creationId xmlns:a16="http://schemas.microsoft.com/office/drawing/2014/main" id="{758D7E54-5B34-4EEC-86B0-35ACC0F3CD63}"/>
-              </a:ext>
-            </a:extLst>
-          </p:cNvPr>
-          <p:cNvPicPr>
-            <a:picLocks noChangeAspect="1"/>
-          </p:cNvPicPr>
-          <p:nvPr/>
-        </p:nvPicPr>
-        <p:blipFill>
-          <a:blip r:embed="rId4"/>
-          <a:stretch>
-            <a:fillRect/>
-          </a:stretch>
-        </p:blipFill>
-        <p:spPr>
-          <a:xfrm>
-            <a:off x="1434298" y="862016"/>
-            <a:ext cx="2516469" cy="2710044"/>
-          </a:xfrm>
-          <a:prstGeom prst="rect">
-            <a:avLst/>
-          </a:prstGeom>
-        </p:spPr>
-      </p:pic>
-      <p:pic>
-        <p:nvPicPr>
-          <p:cNvPr id="7" name="Picture 6">
-            <a:extLst>
-              <a:ext uri="{FF2B5EF4-FFF2-40B4-BE49-F238E27FC236}">
-                <a16:creationId xmlns:a16="http://schemas.microsoft.com/office/drawing/2014/main" id="{C3FA80FA-A031-4BC6-ACBB-15FF405278B9}"/>
-              </a:ext>
-            </a:extLst>
-          </p:cNvPr>
-          <p:cNvPicPr>
-            <a:picLocks noChangeAspect="1"/>
-          </p:cNvPicPr>
-          <p:nvPr/>
-        </p:nvPicPr>
-        <p:blipFill>
-          <a:blip r:embed="rId5"/>
-          <a:stretch>
-            <a:fillRect/>
-          </a:stretch>
-        </p:blipFill>
-        <p:spPr>
-          <a:xfrm>
-            <a:off x="5193235" y="1765832"/>
-            <a:ext cx="2289702" cy="902412"/>
-          </a:xfrm>
-          <a:prstGeom prst="rect">
-            <a:avLst/>
-          </a:prstGeom>
-        </p:spPr>
-      </p:pic>
-      <p:sp>
-        <p:nvSpPr>
-          <p:cNvPr id="8" name="Arrow: Right 7">
-            <a:extLst>
-              <a:ext uri="{FF2B5EF4-FFF2-40B4-BE49-F238E27FC236}">
-                <a16:creationId xmlns:a16="http://schemas.microsoft.com/office/drawing/2014/main" id="{578FA8B2-6216-4C50-922F-3AE99D8A55ED}"/>
-              </a:ext>
-            </a:extLst>
-          </p:cNvPr>
-          <p:cNvSpPr/>
-          <p:nvPr/>
-        </p:nvSpPr>
-        <p:spPr>
-          <a:xfrm>
-            <a:off x="4167151" y="1996324"/>
-            <a:ext cx="949301" cy="453710"/>
-          </a:xfrm>
-          <a:prstGeom prst="rightArrow">
-            <a:avLst/>
-          </a:prstGeom>
-          <a:solidFill>
-            <a:srgbClr val="FFFF00"/>
-          </a:solidFill>
-          <a:ln>
-            <a:noFill/>
-          </a:ln>
-        </p:spPr>
-        <p:style>
-          <a:lnRef idx="2">
-            <a:schemeClr val="accent6"/>
-          </a:lnRef>
-          <a:fillRef idx="1">
-            <a:schemeClr val="lt1"/>
-          </a:fillRef>
-          <a:effectRef idx="0">
-            <a:schemeClr val="accent6"/>
-          </a:effectRef>
-          <a:fontRef idx="minor">
-            <a:schemeClr val="dk1"/>
-          </a:fontRef>
-        </p:style>
-        <p:txBody>
-          <a:bodyPr rtlCol="0" anchor="ctr"/>
-          <a:lstStyle/>
-          <a:p>
-            <a:pPr algn="ctr"/>
-            <a:endParaRPr lang="en-US" dirty="0"/>
-          </a:p>
-        </p:txBody>
-      </p:sp>
-    </p:spTree>
-    <p:extLst>
-      <p:ext uri="{BB962C8B-B14F-4D97-AF65-F5344CB8AC3E}">
-        <p14:creationId xmlns:p14="http://schemas.microsoft.com/office/powerpoint/2010/main" val="1479140166"/>
       </p:ext>
     </p:extLst>
   </p:cSld>

--- a/assets/media/thumbnail/template.pptx
+++ b/assets/media/thumbnail/template.pptx
@@ -5,7 +5,7 @@
     <p:sldMasterId id="2147483660" r:id="rId1"/>
   </p:sldMasterIdLst>
   <p:notesMasterIdLst>
-    <p:notesMasterId r:id="rId106"/>
+    <p:notesMasterId r:id="rId108"/>
   </p:notesMasterIdLst>
   <p:sldIdLst>
     <p:sldId id="259" r:id="rId2"/>
@@ -26,92 +26,94 @@
     <p:sldId id="272" r:id="rId17"/>
     <p:sldId id="273" r:id="rId18"/>
     <p:sldId id="274" r:id="rId19"/>
-    <p:sldId id="275" r:id="rId20"/>
-    <p:sldId id="276" r:id="rId21"/>
-    <p:sldId id="277" r:id="rId22"/>
-    <p:sldId id="278" r:id="rId23"/>
-    <p:sldId id="279" r:id="rId24"/>
-    <p:sldId id="280" r:id="rId25"/>
-    <p:sldId id="281" r:id="rId26"/>
-    <p:sldId id="282" r:id="rId27"/>
-    <p:sldId id="286" r:id="rId28"/>
-    <p:sldId id="283" r:id="rId29"/>
-    <p:sldId id="284" r:id="rId30"/>
-    <p:sldId id="285" r:id="rId31"/>
-    <p:sldId id="287" r:id="rId32"/>
-    <p:sldId id="288" r:id="rId33"/>
-    <p:sldId id="289" r:id="rId34"/>
-    <p:sldId id="290" r:id="rId35"/>
-    <p:sldId id="291" r:id="rId36"/>
-    <p:sldId id="292" r:id="rId37"/>
-    <p:sldId id="293" r:id="rId38"/>
-    <p:sldId id="294" r:id="rId39"/>
-    <p:sldId id="295" r:id="rId40"/>
-    <p:sldId id="296" r:id="rId41"/>
-    <p:sldId id="297" r:id="rId42"/>
-    <p:sldId id="298" r:id="rId43"/>
-    <p:sldId id="299" r:id="rId44"/>
-    <p:sldId id="300" r:id="rId45"/>
-    <p:sldId id="301" r:id="rId46"/>
-    <p:sldId id="302" r:id="rId47"/>
-    <p:sldId id="303" r:id="rId48"/>
-    <p:sldId id="304" r:id="rId49"/>
-    <p:sldId id="305" r:id="rId50"/>
-    <p:sldId id="306" r:id="rId51"/>
-    <p:sldId id="307" r:id="rId52"/>
-    <p:sldId id="308" r:id="rId53"/>
-    <p:sldId id="309" r:id="rId54"/>
-    <p:sldId id="310" r:id="rId55"/>
-    <p:sldId id="311" r:id="rId56"/>
-    <p:sldId id="312" r:id="rId57"/>
-    <p:sldId id="313" r:id="rId58"/>
-    <p:sldId id="314" r:id="rId59"/>
-    <p:sldId id="315" r:id="rId60"/>
-    <p:sldId id="316" r:id="rId61"/>
-    <p:sldId id="317" r:id="rId62"/>
-    <p:sldId id="318" r:id="rId63"/>
-    <p:sldId id="319" r:id="rId64"/>
-    <p:sldId id="320" r:id="rId65"/>
-    <p:sldId id="321" r:id="rId66"/>
-    <p:sldId id="322" r:id="rId67"/>
-    <p:sldId id="323" r:id="rId68"/>
-    <p:sldId id="325" r:id="rId69"/>
-    <p:sldId id="359" r:id="rId70"/>
-    <p:sldId id="324" r:id="rId71"/>
-    <p:sldId id="326" r:id="rId72"/>
-    <p:sldId id="327" r:id="rId73"/>
-    <p:sldId id="328" r:id="rId74"/>
-    <p:sldId id="329" r:id="rId75"/>
-    <p:sldId id="330" r:id="rId76"/>
-    <p:sldId id="331" r:id="rId77"/>
-    <p:sldId id="335" r:id="rId78"/>
-    <p:sldId id="336" r:id="rId79"/>
-    <p:sldId id="337" r:id="rId80"/>
-    <p:sldId id="363" r:id="rId81"/>
-    <p:sldId id="338" r:id="rId82"/>
-    <p:sldId id="340" r:id="rId83"/>
-    <p:sldId id="341" r:id="rId84"/>
-    <p:sldId id="339" r:id="rId85"/>
-    <p:sldId id="347" r:id="rId86"/>
-    <p:sldId id="342" r:id="rId87"/>
-    <p:sldId id="348" r:id="rId88"/>
-    <p:sldId id="343" r:id="rId89"/>
-    <p:sldId id="344" r:id="rId90"/>
-    <p:sldId id="356" r:id="rId91"/>
-    <p:sldId id="345" r:id="rId92"/>
-    <p:sldId id="346" r:id="rId93"/>
-    <p:sldId id="358" r:id="rId94"/>
-    <p:sldId id="353" r:id="rId95"/>
-    <p:sldId id="351" r:id="rId96"/>
-    <p:sldId id="352" r:id="rId97"/>
-    <p:sldId id="361" r:id="rId98"/>
-    <p:sldId id="354" r:id="rId99"/>
-    <p:sldId id="355" r:id="rId100"/>
-    <p:sldId id="357" r:id="rId101"/>
-    <p:sldId id="360" r:id="rId102"/>
-    <p:sldId id="349" r:id="rId103"/>
-    <p:sldId id="350" r:id="rId104"/>
-    <p:sldId id="332" r:id="rId105"/>
+    <p:sldId id="365" r:id="rId20"/>
+    <p:sldId id="275" r:id="rId21"/>
+    <p:sldId id="276" r:id="rId22"/>
+    <p:sldId id="277" r:id="rId23"/>
+    <p:sldId id="278" r:id="rId24"/>
+    <p:sldId id="279" r:id="rId25"/>
+    <p:sldId id="280" r:id="rId26"/>
+    <p:sldId id="281" r:id="rId27"/>
+    <p:sldId id="282" r:id="rId28"/>
+    <p:sldId id="286" r:id="rId29"/>
+    <p:sldId id="283" r:id="rId30"/>
+    <p:sldId id="284" r:id="rId31"/>
+    <p:sldId id="285" r:id="rId32"/>
+    <p:sldId id="287" r:id="rId33"/>
+    <p:sldId id="288" r:id="rId34"/>
+    <p:sldId id="289" r:id="rId35"/>
+    <p:sldId id="290" r:id="rId36"/>
+    <p:sldId id="291" r:id="rId37"/>
+    <p:sldId id="292" r:id="rId38"/>
+    <p:sldId id="293" r:id="rId39"/>
+    <p:sldId id="294" r:id="rId40"/>
+    <p:sldId id="295" r:id="rId41"/>
+    <p:sldId id="296" r:id="rId42"/>
+    <p:sldId id="297" r:id="rId43"/>
+    <p:sldId id="298" r:id="rId44"/>
+    <p:sldId id="299" r:id="rId45"/>
+    <p:sldId id="300" r:id="rId46"/>
+    <p:sldId id="301" r:id="rId47"/>
+    <p:sldId id="302" r:id="rId48"/>
+    <p:sldId id="303" r:id="rId49"/>
+    <p:sldId id="304" r:id="rId50"/>
+    <p:sldId id="305" r:id="rId51"/>
+    <p:sldId id="306" r:id="rId52"/>
+    <p:sldId id="307" r:id="rId53"/>
+    <p:sldId id="308" r:id="rId54"/>
+    <p:sldId id="309" r:id="rId55"/>
+    <p:sldId id="310" r:id="rId56"/>
+    <p:sldId id="311" r:id="rId57"/>
+    <p:sldId id="312" r:id="rId58"/>
+    <p:sldId id="313" r:id="rId59"/>
+    <p:sldId id="314" r:id="rId60"/>
+    <p:sldId id="315" r:id="rId61"/>
+    <p:sldId id="316" r:id="rId62"/>
+    <p:sldId id="317" r:id="rId63"/>
+    <p:sldId id="318" r:id="rId64"/>
+    <p:sldId id="319" r:id="rId65"/>
+    <p:sldId id="320" r:id="rId66"/>
+    <p:sldId id="321" r:id="rId67"/>
+    <p:sldId id="322" r:id="rId68"/>
+    <p:sldId id="323" r:id="rId69"/>
+    <p:sldId id="325" r:id="rId70"/>
+    <p:sldId id="359" r:id="rId71"/>
+    <p:sldId id="324" r:id="rId72"/>
+    <p:sldId id="326" r:id="rId73"/>
+    <p:sldId id="327" r:id="rId74"/>
+    <p:sldId id="328" r:id="rId75"/>
+    <p:sldId id="329" r:id="rId76"/>
+    <p:sldId id="330" r:id="rId77"/>
+    <p:sldId id="331" r:id="rId78"/>
+    <p:sldId id="335" r:id="rId79"/>
+    <p:sldId id="364" r:id="rId80"/>
+    <p:sldId id="336" r:id="rId81"/>
+    <p:sldId id="337" r:id="rId82"/>
+    <p:sldId id="363" r:id="rId83"/>
+    <p:sldId id="338" r:id="rId84"/>
+    <p:sldId id="340" r:id="rId85"/>
+    <p:sldId id="341" r:id="rId86"/>
+    <p:sldId id="339" r:id="rId87"/>
+    <p:sldId id="347" r:id="rId88"/>
+    <p:sldId id="342" r:id="rId89"/>
+    <p:sldId id="348" r:id="rId90"/>
+    <p:sldId id="343" r:id="rId91"/>
+    <p:sldId id="344" r:id="rId92"/>
+    <p:sldId id="356" r:id="rId93"/>
+    <p:sldId id="345" r:id="rId94"/>
+    <p:sldId id="346" r:id="rId95"/>
+    <p:sldId id="358" r:id="rId96"/>
+    <p:sldId id="353" r:id="rId97"/>
+    <p:sldId id="351" r:id="rId98"/>
+    <p:sldId id="352" r:id="rId99"/>
+    <p:sldId id="361" r:id="rId100"/>
+    <p:sldId id="354" r:id="rId101"/>
+    <p:sldId id="355" r:id="rId102"/>
+    <p:sldId id="357" r:id="rId103"/>
+    <p:sldId id="360" r:id="rId104"/>
+    <p:sldId id="349" r:id="rId105"/>
+    <p:sldId id="350" r:id="rId106"/>
+    <p:sldId id="332" r:id="rId107"/>
   </p:sldIdLst>
   <p:sldSz cx="9144000" cy="5143500" type="screen16x9"/>
   <p:notesSz cx="6858000" cy="9144000"/>
@@ -233,6 +235,7 @@
             <p14:sldId id="272"/>
             <p14:sldId id="273"/>
             <p14:sldId id="274"/>
+            <p14:sldId id="365"/>
             <p14:sldId id="275"/>
             <p14:sldId id="276"/>
             <p14:sldId id="277"/>
@@ -296,6 +299,7 @@
         <p14:section name="Danh sách Id" id="{985F79B8-524D-48A3-BC00-D04F70CFF844}">
           <p14:sldIdLst>
             <p14:sldId id="335"/>
+            <p14:sldId id="364"/>
             <p14:sldId id="336"/>
             <p14:sldId id="337"/>
             <p14:sldId id="363"/>
@@ -444,7 +448,7 @@
           <a:p>
             <a:fld id="{DAF7419A-5719-4DB0-801F-AE25AB2C4835}" type="datetimeFigureOut">
               <a:rPr lang="en-US" smtClean="0"/>
-              <a:t>7/12/2022</a:t>
+              <a:t>7/13/2022</a:t>
             </a:fld>
             <a:endParaRPr lang="en-US" dirty="0"/>
           </a:p>
@@ -959,7 +963,7 @@
     </p:spTree>
     <p:extLst>
       <p:ext uri="{BB962C8B-B14F-4D97-AF65-F5344CB8AC3E}">
-        <p14:creationId xmlns:p14="http://schemas.microsoft.com/office/powerpoint/2010/main" val="397470668"/>
+        <p14:creationId xmlns:p14="http://schemas.microsoft.com/office/powerpoint/2010/main" val="232954569"/>
       </p:ext>
     </p:extLst>
   </p:cSld>
@@ -1043,7 +1047,7 @@
     </p:spTree>
     <p:extLst>
       <p:ext uri="{BB962C8B-B14F-4D97-AF65-F5344CB8AC3E}">
-        <p14:creationId xmlns:p14="http://schemas.microsoft.com/office/powerpoint/2010/main" val="2823396353"/>
+        <p14:creationId xmlns:p14="http://schemas.microsoft.com/office/powerpoint/2010/main" val="3301698305"/>
       </p:ext>
     </p:extLst>
   </p:cSld>
@@ -1127,7 +1131,7 @@
     </p:spTree>
     <p:extLst>
       <p:ext uri="{BB962C8B-B14F-4D97-AF65-F5344CB8AC3E}">
-        <p14:creationId xmlns:p14="http://schemas.microsoft.com/office/powerpoint/2010/main" val="418430412"/>
+        <p14:creationId xmlns:p14="http://schemas.microsoft.com/office/powerpoint/2010/main" val="397470668"/>
       </p:ext>
     </p:extLst>
   </p:cSld>
@@ -1211,7 +1215,7 @@
     </p:spTree>
     <p:extLst>
       <p:ext uri="{BB962C8B-B14F-4D97-AF65-F5344CB8AC3E}">
-        <p14:creationId xmlns:p14="http://schemas.microsoft.com/office/powerpoint/2010/main" val="2087517936"/>
+        <p14:creationId xmlns:p14="http://schemas.microsoft.com/office/powerpoint/2010/main" val="2823396353"/>
       </p:ext>
     </p:extLst>
   </p:cSld>
@@ -1287,6 +1291,174 @@
             <a:fld id="{BF1434EF-918F-4A4D-98D1-563F3F7CA387}" type="slidenum">
               <a:rPr lang="en-US" smtClean="0"/>
               <a:t>104</a:t>
+            </a:fld>
+            <a:endParaRPr lang="en-US" dirty="0"/>
+          </a:p>
+        </p:txBody>
+      </p:sp>
+    </p:spTree>
+    <p:extLst>
+      <p:ext uri="{BB962C8B-B14F-4D97-AF65-F5344CB8AC3E}">
+        <p14:creationId xmlns:p14="http://schemas.microsoft.com/office/powerpoint/2010/main" val="418430412"/>
+      </p:ext>
+    </p:extLst>
+  </p:cSld>
+  <p:clrMapOvr>
+    <a:masterClrMapping/>
+  </p:clrMapOvr>
+</p:notes>
+</file>
+
+<file path=ppt/notesSlides/notesSlide105.xml><?xml version="1.0" encoding="utf-8"?>
+<p:notes xmlns:a="http://schemas.openxmlformats.org/drawingml/2006/main" xmlns:r="http://schemas.openxmlformats.org/officeDocument/2006/relationships" xmlns:p="http://schemas.openxmlformats.org/presentationml/2006/main">
+  <p:cSld>
+    <p:spTree>
+      <p:nvGrpSpPr>
+        <p:cNvPr id="1" name=""/>
+        <p:cNvGrpSpPr/>
+        <p:nvPr/>
+      </p:nvGrpSpPr>
+      <p:grpSpPr>
+        <a:xfrm>
+          <a:off x="0" y="0"/>
+          <a:ext cx="0" cy="0"/>
+          <a:chOff x="0" y="0"/>
+          <a:chExt cx="0" cy="0"/>
+        </a:xfrm>
+      </p:grpSpPr>
+      <p:sp>
+        <p:nvSpPr>
+          <p:cNvPr id="2" name="Slide Image Placeholder 1"/>
+          <p:cNvSpPr>
+            <a:spLocks noGrp="1" noRot="1" noChangeAspect="1"/>
+          </p:cNvSpPr>
+          <p:nvPr>
+            <p:ph type="sldImg"/>
+          </p:nvPr>
+        </p:nvSpPr>
+        <p:spPr/>
+      </p:sp>
+      <p:sp>
+        <p:nvSpPr>
+          <p:cNvPr id="3" name="Notes Placeholder 2"/>
+          <p:cNvSpPr>
+            <a:spLocks noGrp="1"/>
+          </p:cNvSpPr>
+          <p:nvPr>
+            <p:ph type="body" idx="1"/>
+          </p:nvPr>
+        </p:nvSpPr>
+        <p:spPr/>
+        <p:txBody>
+          <a:bodyPr/>
+          <a:lstStyle/>
+          <a:p>
+            <a:endParaRPr lang="vi-VN" dirty="0"/>
+          </a:p>
+        </p:txBody>
+      </p:sp>
+      <p:sp>
+        <p:nvSpPr>
+          <p:cNvPr id="4" name="Slide Number Placeholder 3"/>
+          <p:cNvSpPr>
+            <a:spLocks noGrp="1"/>
+          </p:cNvSpPr>
+          <p:nvPr>
+            <p:ph type="sldNum" sz="quarter" idx="5"/>
+          </p:nvPr>
+        </p:nvSpPr>
+        <p:spPr/>
+        <p:txBody>
+          <a:bodyPr/>
+          <a:lstStyle/>
+          <a:p>
+            <a:fld id="{BF1434EF-918F-4A4D-98D1-563F3F7CA387}" type="slidenum">
+              <a:rPr lang="en-US" smtClean="0"/>
+              <a:t>105</a:t>
+            </a:fld>
+            <a:endParaRPr lang="en-US" dirty="0"/>
+          </a:p>
+        </p:txBody>
+      </p:sp>
+    </p:spTree>
+    <p:extLst>
+      <p:ext uri="{BB962C8B-B14F-4D97-AF65-F5344CB8AC3E}">
+        <p14:creationId xmlns:p14="http://schemas.microsoft.com/office/powerpoint/2010/main" val="2087517936"/>
+      </p:ext>
+    </p:extLst>
+  </p:cSld>
+  <p:clrMapOvr>
+    <a:masterClrMapping/>
+  </p:clrMapOvr>
+</p:notes>
+</file>
+
+<file path=ppt/notesSlides/notesSlide106.xml><?xml version="1.0" encoding="utf-8"?>
+<p:notes xmlns:a="http://schemas.openxmlformats.org/drawingml/2006/main" xmlns:r="http://schemas.openxmlformats.org/officeDocument/2006/relationships" xmlns:p="http://schemas.openxmlformats.org/presentationml/2006/main">
+  <p:cSld>
+    <p:spTree>
+      <p:nvGrpSpPr>
+        <p:cNvPr id="1" name=""/>
+        <p:cNvGrpSpPr/>
+        <p:nvPr/>
+      </p:nvGrpSpPr>
+      <p:grpSpPr>
+        <a:xfrm>
+          <a:off x="0" y="0"/>
+          <a:ext cx="0" cy="0"/>
+          <a:chOff x="0" y="0"/>
+          <a:chExt cx="0" cy="0"/>
+        </a:xfrm>
+      </p:grpSpPr>
+      <p:sp>
+        <p:nvSpPr>
+          <p:cNvPr id="2" name="Slide Image Placeholder 1"/>
+          <p:cNvSpPr>
+            <a:spLocks noGrp="1" noRot="1" noChangeAspect="1"/>
+          </p:cNvSpPr>
+          <p:nvPr>
+            <p:ph type="sldImg"/>
+          </p:nvPr>
+        </p:nvSpPr>
+        <p:spPr/>
+      </p:sp>
+      <p:sp>
+        <p:nvSpPr>
+          <p:cNvPr id="3" name="Notes Placeholder 2"/>
+          <p:cNvSpPr>
+            <a:spLocks noGrp="1"/>
+          </p:cNvSpPr>
+          <p:nvPr>
+            <p:ph type="body" idx="1"/>
+          </p:nvPr>
+        </p:nvSpPr>
+        <p:spPr/>
+        <p:txBody>
+          <a:bodyPr/>
+          <a:lstStyle/>
+          <a:p>
+            <a:endParaRPr lang="vi-VN" dirty="0"/>
+          </a:p>
+        </p:txBody>
+      </p:sp>
+      <p:sp>
+        <p:nvSpPr>
+          <p:cNvPr id="4" name="Slide Number Placeholder 3"/>
+          <p:cNvSpPr>
+            <a:spLocks noGrp="1"/>
+          </p:cNvSpPr>
+          <p:nvPr>
+            <p:ph type="sldNum" sz="quarter" idx="5"/>
+          </p:nvPr>
+        </p:nvSpPr>
+        <p:spPr/>
+        <p:txBody>
+          <a:bodyPr/>
+          <a:lstStyle/>
+          <a:p>
+            <a:fld id="{BF1434EF-918F-4A4D-98D1-563F3F7CA387}" type="slidenum">
+              <a:rPr lang="en-US" smtClean="0"/>
+              <a:t>106</a:t>
             </a:fld>
             <a:endParaRPr lang="en-US" dirty="0"/>
           </a:p>
@@ -2078,7 +2250,7 @@
     </p:spTree>
     <p:extLst>
       <p:ext uri="{BB962C8B-B14F-4D97-AF65-F5344CB8AC3E}">
-        <p14:creationId xmlns:p14="http://schemas.microsoft.com/office/powerpoint/2010/main" val="3415096069"/>
+        <p14:creationId xmlns:p14="http://schemas.microsoft.com/office/powerpoint/2010/main" val="3195449160"/>
       </p:ext>
     </p:extLst>
   </p:cSld>
@@ -2252,7 +2424,7 @@
     </p:spTree>
     <p:extLst>
       <p:ext uri="{BB962C8B-B14F-4D97-AF65-F5344CB8AC3E}">
-        <p14:creationId xmlns:p14="http://schemas.microsoft.com/office/powerpoint/2010/main" val="21921863"/>
+        <p14:creationId xmlns:p14="http://schemas.microsoft.com/office/powerpoint/2010/main" val="3415096069"/>
       </p:ext>
     </p:extLst>
   </p:cSld>
@@ -2339,7 +2511,7 @@
     </p:spTree>
     <p:extLst>
       <p:ext uri="{BB962C8B-B14F-4D97-AF65-F5344CB8AC3E}">
-        <p14:creationId xmlns:p14="http://schemas.microsoft.com/office/powerpoint/2010/main" val="2026805225"/>
+        <p14:creationId xmlns:p14="http://schemas.microsoft.com/office/powerpoint/2010/main" val="21921863"/>
       </p:ext>
     </p:extLst>
   </p:cSld>
@@ -2426,7 +2598,7 @@
     </p:spTree>
     <p:extLst>
       <p:ext uri="{BB962C8B-B14F-4D97-AF65-F5344CB8AC3E}">
-        <p14:creationId xmlns:p14="http://schemas.microsoft.com/office/powerpoint/2010/main" val="3480456557"/>
+        <p14:creationId xmlns:p14="http://schemas.microsoft.com/office/powerpoint/2010/main" val="2026805225"/>
       </p:ext>
     </p:extLst>
   </p:cSld>
@@ -2513,7 +2685,7 @@
     </p:spTree>
     <p:extLst>
       <p:ext uri="{BB962C8B-B14F-4D97-AF65-F5344CB8AC3E}">
-        <p14:creationId xmlns:p14="http://schemas.microsoft.com/office/powerpoint/2010/main" val="1461504021"/>
+        <p14:creationId xmlns:p14="http://schemas.microsoft.com/office/powerpoint/2010/main" val="3480456557"/>
       </p:ext>
     </p:extLst>
   </p:cSld>
@@ -2600,7 +2772,7 @@
     </p:spTree>
     <p:extLst>
       <p:ext uri="{BB962C8B-B14F-4D97-AF65-F5344CB8AC3E}">
-        <p14:creationId xmlns:p14="http://schemas.microsoft.com/office/powerpoint/2010/main" val="3937173517"/>
+        <p14:creationId xmlns:p14="http://schemas.microsoft.com/office/powerpoint/2010/main" val="1461504021"/>
       </p:ext>
     </p:extLst>
   </p:cSld>
@@ -2687,7 +2859,7 @@
     </p:spTree>
     <p:extLst>
       <p:ext uri="{BB962C8B-B14F-4D97-AF65-F5344CB8AC3E}">
-        <p14:creationId xmlns:p14="http://schemas.microsoft.com/office/powerpoint/2010/main" val="3995380738"/>
+        <p14:creationId xmlns:p14="http://schemas.microsoft.com/office/powerpoint/2010/main" val="3937173517"/>
       </p:ext>
     </p:extLst>
   </p:cSld>
@@ -2774,7 +2946,7 @@
     </p:spTree>
     <p:extLst>
       <p:ext uri="{BB962C8B-B14F-4D97-AF65-F5344CB8AC3E}">
-        <p14:creationId xmlns:p14="http://schemas.microsoft.com/office/powerpoint/2010/main" val="924781009"/>
+        <p14:creationId xmlns:p14="http://schemas.microsoft.com/office/powerpoint/2010/main" val="3995380738"/>
       </p:ext>
     </p:extLst>
   </p:cSld>
@@ -2861,7 +3033,7 @@
     </p:spTree>
     <p:extLst>
       <p:ext uri="{BB962C8B-B14F-4D97-AF65-F5344CB8AC3E}">
-        <p14:creationId xmlns:p14="http://schemas.microsoft.com/office/powerpoint/2010/main" val="3772280884"/>
+        <p14:creationId xmlns:p14="http://schemas.microsoft.com/office/powerpoint/2010/main" val="924781009"/>
       </p:ext>
     </p:extLst>
   </p:cSld>
@@ -2948,7 +3120,7 @@
     </p:spTree>
     <p:extLst>
       <p:ext uri="{BB962C8B-B14F-4D97-AF65-F5344CB8AC3E}">
-        <p14:creationId xmlns:p14="http://schemas.microsoft.com/office/powerpoint/2010/main" val="2256408668"/>
+        <p14:creationId xmlns:p14="http://schemas.microsoft.com/office/powerpoint/2010/main" val="3772280884"/>
       </p:ext>
     </p:extLst>
   </p:cSld>
@@ -3035,7 +3207,7 @@
     </p:spTree>
     <p:extLst>
       <p:ext uri="{BB962C8B-B14F-4D97-AF65-F5344CB8AC3E}">
-        <p14:creationId xmlns:p14="http://schemas.microsoft.com/office/powerpoint/2010/main" val="2032566503"/>
+        <p14:creationId xmlns:p14="http://schemas.microsoft.com/office/powerpoint/2010/main" val="2256408668"/>
       </p:ext>
     </p:extLst>
   </p:cSld>
@@ -3209,7 +3381,7 @@
     </p:spTree>
     <p:extLst>
       <p:ext uri="{BB962C8B-B14F-4D97-AF65-F5344CB8AC3E}">
-        <p14:creationId xmlns:p14="http://schemas.microsoft.com/office/powerpoint/2010/main" val="2325958145"/>
+        <p14:creationId xmlns:p14="http://schemas.microsoft.com/office/powerpoint/2010/main" val="2032566503"/>
       </p:ext>
     </p:extLst>
   </p:cSld>
@@ -3296,7 +3468,7 @@
     </p:spTree>
     <p:extLst>
       <p:ext uri="{BB962C8B-B14F-4D97-AF65-F5344CB8AC3E}">
-        <p14:creationId xmlns:p14="http://schemas.microsoft.com/office/powerpoint/2010/main" val="1097719778"/>
+        <p14:creationId xmlns:p14="http://schemas.microsoft.com/office/powerpoint/2010/main" val="2325958145"/>
       </p:ext>
     </p:extLst>
   </p:cSld>
@@ -3383,7 +3555,7 @@
     </p:spTree>
     <p:extLst>
       <p:ext uri="{BB962C8B-B14F-4D97-AF65-F5344CB8AC3E}">
-        <p14:creationId xmlns:p14="http://schemas.microsoft.com/office/powerpoint/2010/main" val="3748555977"/>
+        <p14:creationId xmlns:p14="http://schemas.microsoft.com/office/powerpoint/2010/main" val="1097719778"/>
       </p:ext>
     </p:extLst>
   </p:cSld>
@@ -3470,7 +3642,7 @@
     </p:spTree>
     <p:extLst>
       <p:ext uri="{BB962C8B-B14F-4D97-AF65-F5344CB8AC3E}">
-        <p14:creationId xmlns:p14="http://schemas.microsoft.com/office/powerpoint/2010/main" val="2363548433"/>
+        <p14:creationId xmlns:p14="http://schemas.microsoft.com/office/powerpoint/2010/main" val="3748555977"/>
       </p:ext>
     </p:extLst>
   </p:cSld>
@@ -3557,7 +3729,7 @@
     </p:spTree>
     <p:extLst>
       <p:ext uri="{BB962C8B-B14F-4D97-AF65-F5344CB8AC3E}">
-        <p14:creationId xmlns:p14="http://schemas.microsoft.com/office/powerpoint/2010/main" val="744233813"/>
+        <p14:creationId xmlns:p14="http://schemas.microsoft.com/office/powerpoint/2010/main" val="2363548433"/>
       </p:ext>
     </p:extLst>
   </p:cSld>
@@ -3644,7 +3816,7 @@
     </p:spTree>
     <p:extLst>
       <p:ext uri="{BB962C8B-B14F-4D97-AF65-F5344CB8AC3E}">
-        <p14:creationId xmlns:p14="http://schemas.microsoft.com/office/powerpoint/2010/main" val="1893953542"/>
+        <p14:creationId xmlns:p14="http://schemas.microsoft.com/office/powerpoint/2010/main" val="744233813"/>
       </p:ext>
     </p:extLst>
   </p:cSld>
@@ -3731,7 +3903,7 @@
     </p:spTree>
     <p:extLst>
       <p:ext uri="{BB962C8B-B14F-4D97-AF65-F5344CB8AC3E}">
-        <p14:creationId xmlns:p14="http://schemas.microsoft.com/office/powerpoint/2010/main" val="3168493218"/>
+        <p14:creationId xmlns:p14="http://schemas.microsoft.com/office/powerpoint/2010/main" val="1893953542"/>
       </p:ext>
     </p:extLst>
   </p:cSld>
@@ -3818,7 +3990,7 @@
     </p:spTree>
     <p:extLst>
       <p:ext uri="{BB962C8B-B14F-4D97-AF65-F5344CB8AC3E}">
-        <p14:creationId xmlns:p14="http://schemas.microsoft.com/office/powerpoint/2010/main" val="3675208382"/>
+        <p14:creationId xmlns:p14="http://schemas.microsoft.com/office/powerpoint/2010/main" val="3168493218"/>
       </p:ext>
     </p:extLst>
   </p:cSld>
@@ -3905,7 +4077,7 @@
     </p:spTree>
     <p:extLst>
       <p:ext uri="{BB962C8B-B14F-4D97-AF65-F5344CB8AC3E}">
-        <p14:creationId xmlns:p14="http://schemas.microsoft.com/office/powerpoint/2010/main" val="1038107778"/>
+        <p14:creationId xmlns:p14="http://schemas.microsoft.com/office/powerpoint/2010/main" val="3675208382"/>
       </p:ext>
     </p:extLst>
   </p:cSld>
@@ -3992,7 +4164,7 @@
     </p:spTree>
     <p:extLst>
       <p:ext uri="{BB962C8B-B14F-4D97-AF65-F5344CB8AC3E}">
-        <p14:creationId xmlns:p14="http://schemas.microsoft.com/office/powerpoint/2010/main" val="3604054009"/>
+        <p14:creationId xmlns:p14="http://schemas.microsoft.com/office/powerpoint/2010/main" val="1038107778"/>
       </p:ext>
     </p:extLst>
   </p:cSld>
@@ -4166,7 +4338,7 @@
     </p:spTree>
     <p:extLst>
       <p:ext uri="{BB962C8B-B14F-4D97-AF65-F5344CB8AC3E}">
-        <p14:creationId xmlns:p14="http://schemas.microsoft.com/office/powerpoint/2010/main" val="1485947883"/>
+        <p14:creationId xmlns:p14="http://schemas.microsoft.com/office/powerpoint/2010/main" val="3604054009"/>
       </p:ext>
     </p:extLst>
   </p:cSld>
@@ -4253,7 +4425,7 @@
     </p:spTree>
     <p:extLst>
       <p:ext uri="{BB962C8B-B14F-4D97-AF65-F5344CB8AC3E}">
-        <p14:creationId xmlns:p14="http://schemas.microsoft.com/office/powerpoint/2010/main" val="1181723326"/>
+        <p14:creationId xmlns:p14="http://schemas.microsoft.com/office/powerpoint/2010/main" val="1485947883"/>
       </p:ext>
     </p:extLst>
   </p:cSld>
@@ -4340,7 +4512,7 @@
     </p:spTree>
     <p:extLst>
       <p:ext uri="{BB962C8B-B14F-4D97-AF65-F5344CB8AC3E}">
-        <p14:creationId xmlns:p14="http://schemas.microsoft.com/office/powerpoint/2010/main" val="2009347609"/>
+        <p14:creationId xmlns:p14="http://schemas.microsoft.com/office/powerpoint/2010/main" val="1181723326"/>
       </p:ext>
     </p:extLst>
   </p:cSld>
@@ -4427,7 +4599,7 @@
     </p:spTree>
     <p:extLst>
       <p:ext uri="{BB962C8B-B14F-4D97-AF65-F5344CB8AC3E}">
-        <p14:creationId xmlns:p14="http://schemas.microsoft.com/office/powerpoint/2010/main" val="2448058965"/>
+        <p14:creationId xmlns:p14="http://schemas.microsoft.com/office/powerpoint/2010/main" val="2009347609"/>
       </p:ext>
     </p:extLst>
   </p:cSld>
@@ -4514,7 +4686,7 @@
     </p:spTree>
     <p:extLst>
       <p:ext uri="{BB962C8B-B14F-4D97-AF65-F5344CB8AC3E}">
-        <p14:creationId xmlns:p14="http://schemas.microsoft.com/office/powerpoint/2010/main" val="2407631095"/>
+        <p14:creationId xmlns:p14="http://schemas.microsoft.com/office/powerpoint/2010/main" val="2448058965"/>
       </p:ext>
     </p:extLst>
   </p:cSld>
@@ -4601,7 +4773,7 @@
     </p:spTree>
     <p:extLst>
       <p:ext uri="{BB962C8B-B14F-4D97-AF65-F5344CB8AC3E}">
-        <p14:creationId xmlns:p14="http://schemas.microsoft.com/office/powerpoint/2010/main" val="2955796875"/>
+        <p14:creationId xmlns:p14="http://schemas.microsoft.com/office/powerpoint/2010/main" val="2407631095"/>
       </p:ext>
     </p:extLst>
   </p:cSld>
@@ -4688,7 +4860,7 @@
     </p:spTree>
     <p:extLst>
       <p:ext uri="{BB962C8B-B14F-4D97-AF65-F5344CB8AC3E}">
-        <p14:creationId xmlns:p14="http://schemas.microsoft.com/office/powerpoint/2010/main" val="1640049325"/>
+        <p14:creationId xmlns:p14="http://schemas.microsoft.com/office/powerpoint/2010/main" val="2955796875"/>
       </p:ext>
     </p:extLst>
   </p:cSld>
@@ -4775,7 +4947,7 @@
     </p:spTree>
     <p:extLst>
       <p:ext uri="{BB962C8B-B14F-4D97-AF65-F5344CB8AC3E}">
-        <p14:creationId xmlns:p14="http://schemas.microsoft.com/office/powerpoint/2010/main" val="2602403636"/>
+        <p14:creationId xmlns:p14="http://schemas.microsoft.com/office/powerpoint/2010/main" val="1640049325"/>
       </p:ext>
     </p:extLst>
   </p:cSld>
@@ -4862,7 +5034,7 @@
     </p:spTree>
     <p:extLst>
       <p:ext uri="{BB962C8B-B14F-4D97-AF65-F5344CB8AC3E}">
-        <p14:creationId xmlns:p14="http://schemas.microsoft.com/office/powerpoint/2010/main" val="1424667021"/>
+        <p14:creationId xmlns:p14="http://schemas.microsoft.com/office/powerpoint/2010/main" val="2602403636"/>
       </p:ext>
     </p:extLst>
   </p:cSld>
@@ -4949,7 +5121,7 @@
     </p:spTree>
     <p:extLst>
       <p:ext uri="{BB962C8B-B14F-4D97-AF65-F5344CB8AC3E}">
-        <p14:creationId xmlns:p14="http://schemas.microsoft.com/office/powerpoint/2010/main" val="344612188"/>
+        <p14:creationId xmlns:p14="http://schemas.microsoft.com/office/powerpoint/2010/main" val="1424667021"/>
       </p:ext>
     </p:extLst>
   </p:cSld>
@@ -5123,7 +5295,7 @@
     </p:spTree>
     <p:extLst>
       <p:ext uri="{BB962C8B-B14F-4D97-AF65-F5344CB8AC3E}">
-        <p14:creationId xmlns:p14="http://schemas.microsoft.com/office/powerpoint/2010/main" val="969587728"/>
+        <p14:creationId xmlns:p14="http://schemas.microsoft.com/office/powerpoint/2010/main" val="344612188"/>
       </p:ext>
     </p:extLst>
   </p:cSld>
@@ -5210,7 +5382,7 @@
     </p:spTree>
     <p:extLst>
       <p:ext uri="{BB962C8B-B14F-4D97-AF65-F5344CB8AC3E}">
-        <p14:creationId xmlns:p14="http://schemas.microsoft.com/office/powerpoint/2010/main" val="159626782"/>
+        <p14:creationId xmlns:p14="http://schemas.microsoft.com/office/powerpoint/2010/main" val="969587728"/>
       </p:ext>
     </p:extLst>
   </p:cSld>
@@ -5297,7 +5469,7 @@
     </p:spTree>
     <p:extLst>
       <p:ext uri="{BB962C8B-B14F-4D97-AF65-F5344CB8AC3E}">
-        <p14:creationId xmlns:p14="http://schemas.microsoft.com/office/powerpoint/2010/main" val="2850039632"/>
+        <p14:creationId xmlns:p14="http://schemas.microsoft.com/office/powerpoint/2010/main" val="159626782"/>
       </p:ext>
     </p:extLst>
   </p:cSld>
@@ -5384,7 +5556,7 @@
     </p:spTree>
     <p:extLst>
       <p:ext uri="{BB962C8B-B14F-4D97-AF65-F5344CB8AC3E}">
-        <p14:creationId xmlns:p14="http://schemas.microsoft.com/office/powerpoint/2010/main" val="370790229"/>
+        <p14:creationId xmlns:p14="http://schemas.microsoft.com/office/powerpoint/2010/main" val="2850039632"/>
       </p:ext>
     </p:extLst>
   </p:cSld>
@@ -5471,7 +5643,7 @@
     </p:spTree>
     <p:extLst>
       <p:ext uri="{BB962C8B-B14F-4D97-AF65-F5344CB8AC3E}">
-        <p14:creationId xmlns:p14="http://schemas.microsoft.com/office/powerpoint/2010/main" val="2208964794"/>
+        <p14:creationId xmlns:p14="http://schemas.microsoft.com/office/powerpoint/2010/main" val="370790229"/>
       </p:ext>
     </p:extLst>
   </p:cSld>
@@ -5558,7 +5730,7 @@
     </p:spTree>
     <p:extLst>
       <p:ext uri="{BB962C8B-B14F-4D97-AF65-F5344CB8AC3E}">
-        <p14:creationId xmlns:p14="http://schemas.microsoft.com/office/powerpoint/2010/main" val="3165296681"/>
+        <p14:creationId xmlns:p14="http://schemas.microsoft.com/office/powerpoint/2010/main" val="2208964794"/>
       </p:ext>
     </p:extLst>
   </p:cSld>
@@ -5645,7 +5817,7 @@
     </p:spTree>
     <p:extLst>
       <p:ext uri="{BB962C8B-B14F-4D97-AF65-F5344CB8AC3E}">
-        <p14:creationId xmlns:p14="http://schemas.microsoft.com/office/powerpoint/2010/main" val="2561350912"/>
+        <p14:creationId xmlns:p14="http://schemas.microsoft.com/office/powerpoint/2010/main" val="3165296681"/>
       </p:ext>
     </p:extLst>
   </p:cSld>
@@ -5732,7 +5904,7 @@
     </p:spTree>
     <p:extLst>
       <p:ext uri="{BB962C8B-B14F-4D97-AF65-F5344CB8AC3E}">
-        <p14:creationId xmlns:p14="http://schemas.microsoft.com/office/powerpoint/2010/main" val="1521359899"/>
+        <p14:creationId xmlns:p14="http://schemas.microsoft.com/office/powerpoint/2010/main" val="2561350912"/>
       </p:ext>
     </p:extLst>
   </p:cSld>
@@ -5819,7 +5991,7 @@
     </p:spTree>
     <p:extLst>
       <p:ext uri="{BB962C8B-B14F-4D97-AF65-F5344CB8AC3E}">
-        <p14:creationId xmlns:p14="http://schemas.microsoft.com/office/powerpoint/2010/main" val="3242203159"/>
+        <p14:creationId xmlns:p14="http://schemas.microsoft.com/office/powerpoint/2010/main" val="1521359899"/>
       </p:ext>
     </p:extLst>
   </p:cSld>
@@ -5906,7 +6078,7 @@
     </p:spTree>
     <p:extLst>
       <p:ext uri="{BB962C8B-B14F-4D97-AF65-F5344CB8AC3E}">
-        <p14:creationId xmlns:p14="http://schemas.microsoft.com/office/powerpoint/2010/main" val="3945369064"/>
+        <p14:creationId xmlns:p14="http://schemas.microsoft.com/office/powerpoint/2010/main" val="3242203159"/>
       </p:ext>
     </p:extLst>
   </p:cSld>
@@ -6080,7 +6252,7 @@
     </p:spTree>
     <p:extLst>
       <p:ext uri="{BB962C8B-B14F-4D97-AF65-F5344CB8AC3E}">
-        <p14:creationId xmlns:p14="http://schemas.microsoft.com/office/powerpoint/2010/main" val="394189104"/>
+        <p14:creationId xmlns:p14="http://schemas.microsoft.com/office/powerpoint/2010/main" val="3945369064"/>
       </p:ext>
     </p:extLst>
   </p:cSld>
@@ -6167,7 +6339,7 @@
     </p:spTree>
     <p:extLst>
       <p:ext uri="{BB962C8B-B14F-4D97-AF65-F5344CB8AC3E}">
-        <p14:creationId xmlns:p14="http://schemas.microsoft.com/office/powerpoint/2010/main" val="3194313418"/>
+        <p14:creationId xmlns:p14="http://schemas.microsoft.com/office/powerpoint/2010/main" val="394189104"/>
       </p:ext>
     </p:extLst>
   </p:cSld>
@@ -6254,7 +6426,7 @@
     </p:spTree>
     <p:extLst>
       <p:ext uri="{BB962C8B-B14F-4D97-AF65-F5344CB8AC3E}">
-        <p14:creationId xmlns:p14="http://schemas.microsoft.com/office/powerpoint/2010/main" val="3249394556"/>
+        <p14:creationId xmlns:p14="http://schemas.microsoft.com/office/powerpoint/2010/main" val="3194313418"/>
       </p:ext>
     </p:extLst>
   </p:cSld>
@@ -6341,7 +6513,7 @@
     </p:spTree>
     <p:extLst>
       <p:ext uri="{BB962C8B-B14F-4D97-AF65-F5344CB8AC3E}">
-        <p14:creationId xmlns:p14="http://schemas.microsoft.com/office/powerpoint/2010/main" val="3389720365"/>
+        <p14:creationId xmlns:p14="http://schemas.microsoft.com/office/powerpoint/2010/main" val="3249394556"/>
       </p:ext>
     </p:extLst>
   </p:cSld>
@@ -6428,7 +6600,7 @@
     </p:spTree>
     <p:extLst>
       <p:ext uri="{BB962C8B-B14F-4D97-AF65-F5344CB8AC3E}">
-        <p14:creationId xmlns:p14="http://schemas.microsoft.com/office/powerpoint/2010/main" val="1365829805"/>
+        <p14:creationId xmlns:p14="http://schemas.microsoft.com/office/powerpoint/2010/main" val="3389720365"/>
       </p:ext>
     </p:extLst>
   </p:cSld>
@@ -6515,7 +6687,7 @@
     </p:spTree>
     <p:extLst>
       <p:ext uri="{BB962C8B-B14F-4D97-AF65-F5344CB8AC3E}">
-        <p14:creationId xmlns:p14="http://schemas.microsoft.com/office/powerpoint/2010/main" val="2843593165"/>
+        <p14:creationId xmlns:p14="http://schemas.microsoft.com/office/powerpoint/2010/main" val="1365829805"/>
       </p:ext>
     </p:extLst>
   </p:cSld>
@@ -6602,7 +6774,7 @@
     </p:spTree>
     <p:extLst>
       <p:ext uri="{BB962C8B-B14F-4D97-AF65-F5344CB8AC3E}">
-        <p14:creationId xmlns:p14="http://schemas.microsoft.com/office/powerpoint/2010/main" val="724719186"/>
+        <p14:creationId xmlns:p14="http://schemas.microsoft.com/office/powerpoint/2010/main" val="2843593165"/>
       </p:ext>
     </p:extLst>
   </p:cSld>
@@ -6689,7 +6861,7 @@
     </p:spTree>
     <p:extLst>
       <p:ext uri="{BB962C8B-B14F-4D97-AF65-F5344CB8AC3E}">
-        <p14:creationId xmlns:p14="http://schemas.microsoft.com/office/powerpoint/2010/main" val="2962120567"/>
+        <p14:creationId xmlns:p14="http://schemas.microsoft.com/office/powerpoint/2010/main" val="724719186"/>
       </p:ext>
     </p:extLst>
   </p:cSld>
@@ -6776,7 +6948,7 @@
     </p:spTree>
     <p:extLst>
       <p:ext uri="{BB962C8B-B14F-4D97-AF65-F5344CB8AC3E}">
-        <p14:creationId xmlns:p14="http://schemas.microsoft.com/office/powerpoint/2010/main" val="2659559245"/>
+        <p14:creationId xmlns:p14="http://schemas.microsoft.com/office/powerpoint/2010/main" val="2962120567"/>
       </p:ext>
     </p:extLst>
   </p:cSld>
@@ -6863,7 +7035,7 @@
     </p:spTree>
     <p:extLst>
       <p:ext uri="{BB962C8B-B14F-4D97-AF65-F5344CB8AC3E}">
-        <p14:creationId xmlns:p14="http://schemas.microsoft.com/office/powerpoint/2010/main" val="431653344"/>
+        <p14:creationId xmlns:p14="http://schemas.microsoft.com/office/powerpoint/2010/main" val="2659559245"/>
       </p:ext>
     </p:extLst>
   </p:cSld>
@@ -7037,7 +7209,7 @@
     </p:spTree>
     <p:extLst>
       <p:ext uri="{BB962C8B-B14F-4D97-AF65-F5344CB8AC3E}">
-        <p14:creationId xmlns:p14="http://schemas.microsoft.com/office/powerpoint/2010/main" val="2335092722"/>
+        <p14:creationId xmlns:p14="http://schemas.microsoft.com/office/powerpoint/2010/main" val="431653344"/>
       </p:ext>
     </p:extLst>
   </p:cSld>
@@ -7124,7 +7296,7 @@
     </p:spTree>
     <p:extLst>
       <p:ext uri="{BB962C8B-B14F-4D97-AF65-F5344CB8AC3E}">
-        <p14:creationId xmlns:p14="http://schemas.microsoft.com/office/powerpoint/2010/main" val="1312705917"/>
+        <p14:creationId xmlns:p14="http://schemas.microsoft.com/office/powerpoint/2010/main" val="2335092722"/>
       </p:ext>
     </p:extLst>
   </p:cSld>
@@ -7211,7 +7383,7 @@
     </p:spTree>
     <p:extLst>
       <p:ext uri="{BB962C8B-B14F-4D97-AF65-F5344CB8AC3E}">
-        <p14:creationId xmlns:p14="http://schemas.microsoft.com/office/powerpoint/2010/main" val="1785637746"/>
+        <p14:creationId xmlns:p14="http://schemas.microsoft.com/office/powerpoint/2010/main" val="1312705917"/>
       </p:ext>
     </p:extLst>
   </p:cSld>
@@ -7298,7 +7470,7 @@
     </p:spTree>
     <p:extLst>
       <p:ext uri="{BB962C8B-B14F-4D97-AF65-F5344CB8AC3E}">
-        <p14:creationId xmlns:p14="http://schemas.microsoft.com/office/powerpoint/2010/main" val="3392797855"/>
+        <p14:creationId xmlns:p14="http://schemas.microsoft.com/office/powerpoint/2010/main" val="1785637746"/>
       </p:ext>
     </p:extLst>
   </p:cSld>
@@ -7385,7 +7557,7 @@
     </p:spTree>
     <p:extLst>
       <p:ext uri="{BB962C8B-B14F-4D97-AF65-F5344CB8AC3E}">
-        <p14:creationId xmlns:p14="http://schemas.microsoft.com/office/powerpoint/2010/main" val="832370733"/>
+        <p14:creationId xmlns:p14="http://schemas.microsoft.com/office/powerpoint/2010/main" val="3392797855"/>
       </p:ext>
     </p:extLst>
   </p:cSld>
@@ -7472,7 +7644,7 @@
     </p:spTree>
     <p:extLst>
       <p:ext uri="{BB962C8B-B14F-4D97-AF65-F5344CB8AC3E}">
-        <p14:creationId xmlns:p14="http://schemas.microsoft.com/office/powerpoint/2010/main" val="937602996"/>
+        <p14:creationId xmlns:p14="http://schemas.microsoft.com/office/powerpoint/2010/main" val="832370733"/>
       </p:ext>
     </p:extLst>
   </p:cSld>
@@ -7559,7 +7731,7 @@
     </p:spTree>
     <p:extLst>
       <p:ext uri="{BB962C8B-B14F-4D97-AF65-F5344CB8AC3E}">
-        <p14:creationId xmlns:p14="http://schemas.microsoft.com/office/powerpoint/2010/main" val="3980041424"/>
+        <p14:creationId xmlns:p14="http://schemas.microsoft.com/office/powerpoint/2010/main" val="937602996"/>
       </p:ext>
     </p:extLst>
   </p:cSld>
@@ -7646,7 +7818,7 @@
     </p:spTree>
     <p:extLst>
       <p:ext uri="{BB962C8B-B14F-4D97-AF65-F5344CB8AC3E}">
-        <p14:creationId xmlns:p14="http://schemas.microsoft.com/office/powerpoint/2010/main" val="3799727254"/>
+        <p14:creationId xmlns:p14="http://schemas.microsoft.com/office/powerpoint/2010/main" val="3980041424"/>
       </p:ext>
     </p:extLst>
   </p:cSld>
@@ -7733,7 +7905,7 @@
     </p:spTree>
     <p:extLst>
       <p:ext uri="{BB962C8B-B14F-4D97-AF65-F5344CB8AC3E}">
-        <p14:creationId xmlns:p14="http://schemas.microsoft.com/office/powerpoint/2010/main" val="700827759"/>
+        <p14:creationId xmlns:p14="http://schemas.microsoft.com/office/powerpoint/2010/main" val="3799727254"/>
       </p:ext>
     </p:extLst>
   </p:cSld>
@@ -7820,7 +7992,7 @@
     </p:spTree>
     <p:extLst>
       <p:ext uri="{BB962C8B-B14F-4D97-AF65-F5344CB8AC3E}">
-        <p14:creationId xmlns:p14="http://schemas.microsoft.com/office/powerpoint/2010/main" val="3386018326"/>
+        <p14:creationId xmlns:p14="http://schemas.microsoft.com/office/powerpoint/2010/main" val="10944229"/>
       </p:ext>
     </p:extLst>
   </p:cSld>
@@ -7994,7 +8166,7 @@
     </p:spTree>
     <p:extLst>
       <p:ext uri="{BB962C8B-B14F-4D97-AF65-F5344CB8AC3E}">
-        <p14:creationId xmlns:p14="http://schemas.microsoft.com/office/powerpoint/2010/main" val="1146554716"/>
+        <p14:creationId xmlns:p14="http://schemas.microsoft.com/office/powerpoint/2010/main" val="700827759"/>
       </p:ext>
     </p:extLst>
   </p:cSld>
@@ -8081,7 +8253,7 @@
     </p:spTree>
     <p:extLst>
       <p:ext uri="{BB962C8B-B14F-4D97-AF65-F5344CB8AC3E}">
-        <p14:creationId xmlns:p14="http://schemas.microsoft.com/office/powerpoint/2010/main" val="4160672596"/>
+        <p14:creationId xmlns:p14="http://schemas.microsoft.com/office/powerpoint/2010/main" val="3386018326"/>
       </p:ext>
     </p:extLst>
   </p:cSld>
@@ -8168,7 +8340,7 @@
     </p:spTree>
     <p:extLst>
       <p:ext uri="{BB962C8B-B14F-4D97-AF65-F5344CB8AC3E}">
-        <p14:creationId xmlns:p14="http://schemas.microsoft.com/office/powerpoint/2010/main" val="3393828665"/>
+        <p14:creationId xmlns:p14="http://schemas.microsoft.com/office/powerpoint/2010/main" val="1146554716"/>
       </p:ext>
     </p:extLst>
   </p:cSld>
@@ -8255,7 +8427,7 @@
     </p:spTree>
     <p:extLst>
       <p:ext uri="{BB962C8B-B14F-4D97-AF65-F5344CB8AC3E}">
-        <p14:creationId xmlns:p14="http://schemas.microsoft.com/office/powerpoint/2010/main" val="990587759"/>
+        <p14:creationId xmlns:p14="http://schemas.microsoft.com/office/powerpoint/2010/main" val="4160672596"/>
       </p:ext>
     </p:extLst>
   </p:cSld>
@@ -8342,7 +8514,7 @@
     </p:spTree>
     <p:extLst>
       <p:ext uri="{BB962C8B-B14F-4D97-AF65-F5344CB8AC3E}">
-        <p14:creationId xmlns:p14="http://schemas.microsoft.com/office/powerpoint/2010/main" val="4172828660"/>
+        <p14:creationId xmlns:p14="http://schemas.microsoft.com/office/powerpoint/2010/main" val="3393828665"/>
       </p:ext>
     </p:extLst>
   </p:cSld>
@@ -8429,7 +8601,7 @@
     </p:spTree>
     <p:extLst>
       <p:ext uri="{BB962C8B-B14F-4D97-AF65-F5344CB8AC3E}">
-        <p14:creationId xmlns:p14="http://schemas.microsoft.com/office/powerpoint/2010/main" val="3603436678"/>
+        <p14:creationId xmlns:p14="http://schemas.microsoft.com/office/powerpoint/2010/main" val="990587759"/>
       </p:ext>
     </p:extLst>
   </p:cSld>
@@ -8516,7 +8688,7 @@
     </p:spTree>
     <p:extLst>
       <p:ext uri="{BB962C8B-B14F-4D97-AF65-F5344CB8AC3E}">
-        <p14:creationId xmlns:p14="http://schemas.microsoft.com/office/powerpoint/2010/main" val="516383350"/>
+        <p14:creationId xmlns:p14="http://schemas.microsoft.com/office/powerpoint/2010/main" val="4172828660"/>
       </p:ext>
     </p:extLst>
   </p:cSld>
@@ -8603,7 +8775,7 @@
     </p:spTree>
     <p:extLst>
       <p:ext uri="{BB962C8B-B14F-4D97-AF65-F5344CB8AC3E}">
-        <p14:creationId xmlns:p14="http://schemas.microsoft.com/office/powerpoint/2010/main" val="4228443951"/>
+        <p14:creationId xmlns:p14="http://schemas.microsoft.com/office/powerpoint/2010/main" val="3603436678"/>
       </p:ext>
     </p:extLst>
   </p:cSld>
@@ -8690,7 +8862,7 @@
     </p:spTree>
     <p:extLst>
       <p:ext uri="{BB962C8B-B14F-4D97-AF65-F5344CB8AC3E}">
-        <p14:creationId xmlns:p14="http://schemas.microsoft.com/office/powerpoint/2010/main" val="1964088912"/>
+        <p14:creationId xmlns:p14="http://schemas.microsoft.com/office/powerpoint/2010/main" val="516383350"/>
       </p:ext>
     </p:extLst>
   </p:cSld>
@@ -8777,7 +8949,7 @@
     </p:spTree>
     <p:extLst>
       <p:ext uri="{BB962C8B-B14F-4D97-AF65-F5344CB8AC3E}">
-        <p14:creationId xmlns:p14="http://schemas.microsoft.com/office/powerpoint/2010/main" val="2947646057"/>
+        <p14:creationId xmlns:p14="http://schemas.microsoft.com/office/powerpoint/2010/main" val="4228443951"/>
       </p:ext>
     </p:extLst>
   </p:cSld>
@@ -8951,7 +9123,7 @@
     </p:spTree>
     <p:extLst>
       <p:ext uri="{BB962C8B-B14F-4D97-AF65-F5344CB8AC3E}">
-        <p14:creationId xmlns:p14="http://schemas.microsoft.com/office/powerpoint/2010/main" val="3497460052"/>
+        <p14:creationId xmlns:p14="http://schemas.microsoft.com/office/powerpoint/2010/main" val="1964088912"/>
       </p:ext>
     </p:extLst>
   </p:cSld>
@@ -9038,7 +9210,7 @@
     </p:spTree>
     <p:extLst>
       <p:ext uri="{BB962C8B-B14F-4D97-AF65-F5344CB8AC3E}">
-        <p14:creationId xmlns:p14="http://schemas.microsoft.com/office/powerpoint/2010/main" val="3971005304"/>
+        <p14:creationId xmlns:p14="http://schemas.microsoft.com/office/powerpoint/2010/main" val="2947646057"/>
       </p:ext>
     </p:extLst>
   </p:cSld>
@@ -9125,7 +9297,7 @@
     </p:spTree>
     <p:extLst>
       <p:ext uri="{BB962C8B-B14F-4D97-AF65-F5344CB8AC3E}">
-        <p14:creationId xmlns:p14="http://schemas.microsoft.com/office/powerpoint/2010/main" val="927399378"/>
+        <p14:creationId xmlns:p14="http://schemas.microsoft.com/office/powerpoint/2010/main" val="3497460052"/>
       </p:ext>
     </p:extLst>
   </p:cSld>
@@ -9212,7 +9384,7 @@
     </p:spTree>
     <p:extLst>
       <p:ext uri="{BB962C8B-B14F-4D97-AF65-F5344CB8AC3E}">
-        <p14:creationId xmlns:p14="http://schemas.microsoft.com/office/powerpoint/2010/main" val="4263109715"/>
+        <p14:creationId xmlns:p14="http://schemas.microsoft.com/office/powerpoint/2010/main" val="3971005304"/>
       </p:ext>
     </p:extLst>
   </p:cSld>
@@ -9266,7 +9438,10 @@
           <a:bodyPr/>
           <a:lstStyle/>
           <a:p>
-            <a:endParaRPr lang="vi-VN" dirty="0"/>
+            <a:r>
+              <a:rPr lang="vi-VN" dirty="0"/>
+              <a:t>/?</a:t>
+            </a:r>
           </a:p>
         </p:txBody>
       </p:sp>
@@ -9296,7 +9471,7 @@
     </p:spTree>
     <p:extLst>
       <p:ext uri="{BB962C8B-B14F-4D97-AF65-F5344CB8AC3E}">
-        <p14:creationId xmlns:p14="http://schemas.microsoft.com/office/powerpoint/2010/main" val="3795521162"/>
+        <p14:creationId xmlns:p14="http://schemas.microsoft.com/office/powerpoint/2010/main" val="927399378"/>
       </p:ext>
     </p:extLst>
   </p:cSld>
@@ -9350,7 +9525,10 @@
           <a:bodyPr/>
           <a:lstStyle/>
           <a:p>
-            <a:endParaRPr lang="vi-VN" dirty="0"/>
+            <a:r>
+              <a:rPr lang="vi-VN" dirty="0"/>
+              <a:t>/?</a:t>
+            </a:r>
           </a:p>
         </p:txBody>
       </p:sp>
@@ -9380,7 +9558,7 @@
     </p:spTree>
     <p:extLst>
       <p:ext uri="{BB962C8B-B14F-4D97-AF65-F5344CB8AC3E}">
-        <p14:creationId xmlns:p14="http://schemas.microsoft.com/office/powerpoint/2010/main" val="1580828146"/>
+        <p14:creationId xmlns:p14="http://schemas.microsoft.com/office/powerpoint/2010/main" val="4263109715"/>
       </p:ext>
     </p:extLst>
   </p:cSld>
@@ -9464,7 +9642,7 @@
     </p:spTree>
     <p:extLst>
       <p:ext uri="{BB962C8B-B14F-4D97-AF65-F5344CB8AC3E}">
-        <p14:creationId xmlns:p14="http://schemas.microsoft.com/office/powerpoint/2010/main" val="880678517"/>
+        <p14:creationId xmlns:p14="http://schemas.microsoft.com/office/powerpoint/2010/main" val="3795521162"/>
       </p:ext>
     </p:extLst>
   </p:cSld>
@@ -9548,7 +9726,7 @@
     </p:spTree>
     <p:extLst>
       <p:ext uri="{BB962C8B-B14F-4D97-AF65-F5344CB8AC3E}">
-        <p14:creationId xmlns:p14="http://schemas.microsoft.com/office/powerpoint/2010/main" val="273468379"/>
+        <p14:creationId xmlns:p14="http://schemas.microsoft.com/office/powerpoint/2010/main" val="1580828146"/>
       </p:ext>
     </p:extLst>
   </p:cSld>
@@ -9632,7 +9810,7 @@
     </p:spTree>
     <p:extLst>
       <p:ext uri="{BB962C8B-B14F-4D97-AF65-F5344CB8AC3E}">
-        <p14:creationId xmlns:p14="http://schemas.microsoft.com/office/powerpoint/2010/main" val="232954569"/>
+        <p14:creationId xmlns:p14="http://schemas.microsoft.com/office/powerpoint/2010/main" val="880678517"/>
       </p:ext>
     </p:extLst>
   </p:cSld>
@@ -9716,7 +9894,7 @@
     </p:spTree>
     <p:extLst>
       <p:ext uri="{BB962C8B-B14F-4D97-AF65-F5344CB8AC3E}">
-        <p14:creationId xmlns:p14="http://schemas.microsoft.com/office/powerpoint/2010/main" val="3301698305"/>
+        <p14:creationId xmlns:p14="http://schemas.microsoft.com/office/powerpoint/2010/main" val="273468379"/>
       </p:ext>
     </p:extLst>
   </p:cSld>
@@ -9857,7 +10035,7 @@
           <a:p>
             <a:fld id="{6BAADE55-1DD3-44E1-A8C2-24E0E03344A6}" type="datetimeFigureOut">
               <a:rPr lang="en-US" smtClean="0"/>
-              <a:t>7/12/2022</a:t>
+              <a:t>7/13/2022</a:t>
             </a:fld>
             <a:endParaRPr lang="en-US" dirty="0"/>
           </a:p>
@@ -10027,7 +10205,7 @@
           <a:p>
             <a:fld id="{6BAADE55-1DD3-44E1-A8C2-24E0E03344A6}" type="datetimeFigureOut">
               <a:rPr lang="en-US" smtClean="0"/>
-              <a:t>7/12/2022</a:t>
+              <a:t>7/13/2022</a:t>
             </a:fld>
             <a:endParaRPr lang="en-US" dirty="0"/>
           </a:p>
@@ -10207,7 +10385,7 @@
           <a:p>
             <a:fld id="{6BAADE55-1DD3-44E1-A8C2-24E0E03344A6}" type="datetimeFigureOut">
               <a:rPr lang="en-US" smtClean="0"/>
-              <a:t>7/12/2022</a:t>
+              <a:t>7/13/2022</a:t>
             </a:fld>
             <a:endParaRPr lang="en-US" dirty="0"/>
           </a:p>
@@ -10377,7 +10555,7 @@
           <a:p>
             <a:fld id="{6BAADE55-1DD3-44E1-A8C2-24E0E03344A6}" type="datetimeFigureOut">
               <a:rPr lang="en-US" smtClean="0"/>
-              <a:t>7/12/2022</a:t>
+              <a:t>7/13/2022</a:t>
             </a:fld>
             <a:endParaRPr lang="en-US" dirty="0"/>
           </a:p>
@@ -10623,7 +10801,7 @@
           <a:p>
             <a:fld id="{6BAADE55-1DD3-44E1-A8C2-24E0E03344A6}" type="datetimeFigureOut">
               <a:rPr lang="en-US" smtClean="0"/>
-              <a:t>7/12/2022</a:t>
+              <a:t>7/13/2022</a:t>
             </a:fld>
             <a:endParaRPr lang="en-US" dirty="0"/>
           </a:p>
@@ -10855,7 +11033,7 @@
           <a:p>
             <a:fld id="{6BAADE55-1DD3-44E1-A8C2-24E0E03344A6}" type="datetimeFigureOut">
               <a:rPr lang="en-US" smtClean="0"/>
-              <a:t>7/12/2022</a:t>
+              <a:t>7/13/2022</a:t>
             </a:fld>
             <a:endParaRPr lang="en-US" dirty="0"/>
           </a:p>
@@ -11222,7 +11400,7 @@
           <a:p>
             <a:fld id="{6BAADE55-1DD3-44E1-A8C2-24E0E03344A6}" type="datetimeFigureOut">
               <a:rPr lang="en-US" smtClean="0"/>
-              <a:t>7/12/2022</a:t>
+              <a:t>7/13/2022</a:t>
             </a:fld>
             <a:endParaRPr lang="en-US" dirty="0"/>
           </a:p>
@@ -11340,7 +11518,7 @@
           <a:p>
             <a:fld id="{6BAADE55-1DD3-44E1-A8C2-24E0E03344A6}" type="datetimeFigureOut">
               <a:rPr lang="en-US" smtClean="0"/>
-              <a:t>7/12/2022</a:t>
+              <a:t>7/13/2022</a:t>
             </a:fld>
             <a:endParaRPr lang="en-US" dirty="0"/>
           </a:p>
@@ -11435,7 +11613,7 @@
           <a:p>
             <a:fld id="{6BAADE55-1DD3-44E1-A8C2-24E0E03344A6}" type="datetimeFigureOut">
               <a:rPr lang="en-US" smtClean="0"/>
-              <a:t>7/12/2022</a:t>
+              <a:t>7/13/2022</a:t>
             </a:fld>
             <a:endParaRPr lang="en-US" dirty="0"/>
           </a:p>
@@ -11712,7 +11890,7 @@
           <a:p>
             <a:fld id="{6BAADE55-1DD3-44E1-A8C2-24E0E03344A6}" type="datetimeFigureOut">
               <a:rPr lang="en-US" smtClean="0"/>
-              <a:t>7/12/2022</a:t>
+              <a:t>7/13/2022</a:t>
             </a:fld>
             <a:endParaRPr lang="en-US" dirty="0"/>
           </a:p>
@@ -11968,7 +12146,7 @@
           <a:p>
             <a:fld id="{6BAADE55-1DD3-44E1-A8C2-24E0E03344A6}" type="datetimeFigureOut">
               <a:rPr lang="en-US" smtClean="0"/>
-              <a:t>7/12/2022</a:t>
+              <a:t>7/13/2022</a:t>
             </a:fld>
             <a:endParaRPr lang="en-US" dirty="0"/>
           </a:p>
@@ -12187,7 +12365,7 @@
           <a:p>
             <a:fld id="{6BAADE55-1DD3-44E1-A8C2-24E0E03344A6}" type="datetimeFigureOut">
               <a:rPr lang="en-US" smtClean="0"/>
-              <a:t>7/12/2022</a:t>
+              <a:t>7/13/2022</a:t>
             </a:fld>
             <a:endParaRPr lang="en-US" dirty="0"/>
           </a:p>
@@ -13045,6 +13223,356 @@
         </p:nvSpPr>
         <p:spPr>
           <a:xfrm>
+            <a:off x="1594262" y="3858413"/>
+            <a:ext cx="5955476" cy="1015663"/>
+          </a:xfrm>
+          <a:prstGeom prst="rect">
+            <a:avLst/>
+          </a:prstGeom>
+          <a:noFill/>
+        </p:spPr>
+        <p:txBody>
+          <a:bodyPr wrap="none" rtlCol="0">
+            <a:spAutoFit/>
+          </a:bodyPr>
+          <a:lstStyle/>
+          <a:p>
+            <a:r>
+              <a:rPr lang="vi-VN" sz="6000" dirty="0">
+                <a:ln w="19050">
+                  <a:solidFill>
+                    <a:schemeClr val="tx1"/>
+                  </a:solidFill>
+                </a:ln>
+                <a:solidFill>
+                  <a:srgbClr val="FFFF00"/>
+                </a:solidFill>
+                <a:latin typeface="FVF Fernando 08" panose="02000507020000020003" pitchFamily="2" charset="0"/>
+              </a:rPr>
+              <a:t>Tạo UUID v4</a:t>
+            </a:r>
+            <a:endParaRPr lang="en-US" sz="6000" dirty="0">
+              <a:ln w="19050">
+                <a:solidFill>
+                  <a:schemeClr val="tx1"/>
+                </a:solidFill>
+              </a:ln>
+              <a:solidFill>
+                <a:srgbClr val="FFFF00"/>
+              </a:solidFill>
+              <a:latin typeface="FVF Fernando 08" panose="02000507020000020003" pitchFamily="2" charset="0"/>
+            </a:endParaRPr>
+          </a:p>
+        </p:txBody>
+      </p:sp>
+      <p:pic>
+        <p:nvPicPr>
+          <p:cNvPr id="14" name="Picture 13">
+            <a:extLst>
+              <a:ext uri="{FF2B5EF4-FFF2-40B4-BE49-F238E27FC236}">
+                <a16:creationId xmlns:a16="http://schemas.microsoft.com/office/drawing/2014/main" id="{E2D411D6-C028-4F7B-96FB-CC2855017620}"/>
+              </a:ext>
+            </a:extLst>
+          </p:cNvPr>
+          <p:cNvPicPr>
+            <a:picLocks noChangeAspect="1"/>
+          </p:cNvPicPr>
+          <p:nvPr/>
+        </p:nvPicPr>
+        <p:blipFill>
+          <a:blip r:embed="rId3">
+            <a:extLst>
+              <a:ext uri="{28A0092B-C50C-407E-A947-70E740481C1C}">
+                <a14:useLocalDpi xmlns:a14="http://schemas.microsoft.com/office/drawing/2010/main" val="0"/>
+              </a:ext>
+            </a:extLst>
+          </a:blip>
+          <a:srcRect/>
+          <a:stretch/>
+        </p:blipFill>
+        <p:spPr>
+          <a:xfrm>
+            <a:off x="7675990" y="30481"/>
+            <a:ext cx="1490870" cy="1490870"/>
+          </a:xfrm>
+          <a:prstGeom prst="rect">
+            <a:avLst/>
+          </a:prstGeom>
+          <a:ln w="19050">
+            <a:noFill/>
+          </a:ln>
+          <a:effectLst>
+            <a:outerShdw blurRad="63500" sx="104000" sy="104000" algn="ctr" rotWithShape="0">
+              <a:srgbClr val="FFFF00"/>
+            </a:outerShdw>
+          </a:effectLst>
+        </p:spPr>
+      </p:pic>
+      <p:sp>
+        <p:nvSpPr>
+          <p:cNvPr id="7" name="TextBox 6">
+            <a:extLst>
+              <a:ext uri="{FF2B5EF4-FFF2-40B4-BE49-F238E27FC236}">
+                <a16:creationId xmlns:a16="http://schemas.microsoft.com/office/drawing/2014/main" id="{D0620216-BC19-488E-8C33-44C2CB2D9635}"/>
+              </a:ext>
+            </a:extLst>
+          </p:cNvPr>
+          <p:cNvSpPr txBox="1"/>
+          <p:nvPr/>
+        </p:nvSpPr>
+        <p:spPr>
+          <a:xfrm>
+            <a:off x="440099" y="2340917"/>
+            <a:ext cx="8263801" cy="461665"/>
+          </a:xfrm>
+          <a:prstGeom prst="rect">
+            <a:avLst/>
+          </a:prstGeom>
+          <a:noFill/>
+        </p:spPr>
+        <p:txBody>
+          <a:bodyPr wrap="none" rtlCol="0">
+            <a:spAutoFit/>
+          </a:bodyPr>
+          <a:lstStyle/>
+          <a:p>
+            <a:r>
+              <a:rPr lang="vi-VN" sz="2400" dirty="0">
+                <a:ln w="19050">
+                  <a:solidFill>
+                    <a:schemeClr val="tx1"/>
+                  </a:solidFill>
+                </a:ln>
+                <a:solidFill>
+                  <a:srgbClr val="FFFF00"/>
+                </a:solidFill>
+                <a:latin typeface="FVF Fernando 08" panose="02000507020000020003" pitchFamily="2" charset="0"/>
+              </a:rPr>
+              <a:t>29e3c5d3-e87f-457a-7d3b-8b7a8eb855f4</a:t>
+            </a:r>
+            <a:endParaRPr lang="en-US" sz="2400" dirty="0">
+              <a:ln w="19050">
+                <a:solidFill>
+                  <a:schemeClr val="tx1"/>
+                </a:solidFill>
+              </a:ln>
+              <a:solidFill>
+                <a:srgbClr val="FFFF00"/>
+              </a:solidFill>
+              <a:latin typeface="FVF Fernando 08" panose="02000507020000020003" pitchFamily="2" charset="0"/>
+            </a:endParaRPr>
+          </a:p>
+        </p:txBody>
+      </p:sp>
+    </p:spTree>
+    <p:extLst>
+      <p:ext uri="{BB962C8B-B14F-4D97-AF65-F5344CB8AC3E}">
+        <p14:creationId xmlns:p14="http://schemas.microsoft.com/office/powerpoint/2010/main" val="2379345031"/>
+      </p:ext>
+    </p:extLst>
+  </p:cSld>
+  <p:clrMapOvr>
+    <a:masterClrMapping/>
+  </p:clrMapOvr>
+</p:sld>
+</file>
+
+<file path=ppt/slides/slide101.xml><?xml version="1.0" encoding="utf-8"?>
+<p:sld xmlns:a="http://schemas.openxmlformats.org/drawingml/2006/main" xmlns:r="http://schemas.openxmlformats.org/officeDocument/2006/relationships" xmlns:p="http://schemas.openxmlformats.org/presentationml/2006/main">
+  <p:cSld>
+    <p:spTree>
+      <p:nvGrpSpPr>
+        <p:cNvPr id="1" name=""/>
+        <p:cNvGrpSpPr/>
+        <p:nvPr/>
+      </p:nvGrpSpPr>
+      <p:grpSpPr>
+        <a:xfrm>
+          <a:off x="0" y="0"/>
+          <a:ext cx="0" cy="0"/>
+          <a:chOff x="0" y="0"/>
+          <a:chExt cx="0" cy="0"/>
+        </a:xfrm>
+      </p:grpSpPr>
+      <p:sp>
+        <p:nvSpPr>
+          <p:cNvPr id="11" name="TextBox 10">
+            <a:extLst>
+              <a:ext uri="{FF2B5EF4-FFF2-40B4-BE49-F238E27FC236}">
+                <a16:creationId xmlns:a16="http://schemas.microsoft.com/office/drawing/2014/main" id="{49A7B9B6-8455-43BE-8670-E01CE03933DF}"/>
+              </a:ext>
+            </a:extLst>
+          </p:cNvPr>
+          <p:cNvSpPr txBox="1"/>
+          <p:nvPr/>
+        </p:nvSpPr>
+        <p:spPr>
+          <a:xfrm>
+            <a:off x="440099" y="4097899"/>
+            <a:ext cx="8263801" cy="830997"/>
+          </a:xfrm>
+          <a:prstGeom prst="rect">
+            <a:avLst/>
+          </a:prstGeom>
+          <a:noFill/>
+        </p:spPr>
+        <p:txBody>
+          <a:bodyPr wrap="none" rtlCol="0">
+            <a:spAutoFit/>
+          </a:bodyPr>
+          <a:lstStyle/>
+          <a:p>
+            <a:r>
+              <a:rPr lang="vi-VN" sz="4800" dirty="0">
+                <a:ln w="19050">
+                  <a:solidFill>
+                    <a:schemeClr val="tx1"/>
+                  </a:solidFill>
+                </a:ln>
+                <a:solidFill>
+                  <a:srgbClr val="FFFF00"/>
+                </a:solidFill>
+                <a:latin typeface="FVF Fernando 08" panose="02000507020000020003" pitchFamily="2" charset="0"/>
+              </a:rPr>
+              <a:t>Tra kí tự trong Glyph</a:t>
+            </a:r>
+            <a:endParaRPr lang="en-US" sz="4800" dirty="0">
+              <a:ln w="19050">
+                <a:solidFill>
+                  <a:schemeClr val="tx1"/>
+                </a:solidFill>
+              </a:ln>
+              <a:solidFill>
+                <a:srgbClr val="FFFF00"/>
+              </a:solidFill>
+              <a:latin typeface="FVF Fernando 08" panose="02000507020000020003" pitchFamily="2" charset="0"/>
+            </a:endParaRPr>
+          </a:p>
+        </p:txBody>
+      </p:sp>
+      <p:pic>
+        <p:nvPicPr>
+          <p:cNvPr id="14" name="Picture 13">
+            <a:extLst>
+              <a:ext uri="{FF2B5EF4-FFF2-40B4-BE49-F238E27FC236}">
+                <a16:creationId xmlns:a16="http://schemas.microsoft.com/office/drawing/2014/main" id="{E2D411D6-C028-4F7B-96FB-CC2855017620}"/>
+              </a:ext>
+            </a:extLst>
+          </p:cNvPr>
+          <p:cNvPicPr>
+            <a:picLocks noChangeAspect="1"/>
+          </p:cNvPicPr>
+          <p:nvPr/>
+        </p:nvPicPr>
+        <p:blipFill>
+          <a:blip r:embed="rId3">
+            <a:extLst>
+              <a:ext uri="{28A0092B-C50C-407E-A947-70E740481C1C}">
+                <a14:useLocalDpi xmlns:a14="http://schemas.microsoft.com/office/drawing/2010/main" val="0"/>
+              </a:ext>
+            </a:extLst>
+          </a:blip>
+          <a:srcRect/>
+          <a:stretch/>
+        </p:blipFill>
+        <p:spPr>
+          <a:xfrm>
+            <a:off x="7675990" y="30481"/>
+            <a:ext cx="1490870" cy="1490870"/>
+          </a:xfrm>
+          <a:prstGeom prst="rect">
+            <a:avLst/>
+          </a:prstGeom>
+          <a:ln w="19050">
+            <a:noFill/>
+          </a:ln>
+          <a:effectLst>
+            <a:outerShdw blurRad="63500" sx="104000" sy="104000" algn="ctr" rotWithShape="0">
+              <a:srgbClr val="FFFF00"/>
+            </a:outerShdw>
+          </a:effectLst>
+        </p:spPr>
+      </p:pic>
+      <p:pic>
+        <p:nvPicPr>
+          <p:cNvPr id="3" name="Picture 2">
+            <a:extLst>
+              <a:ext uri="{FF2B5EF4-FFF2-40B4-BE49-F238E27FC236}">
+                <a16:creationId xmlns:a16="http://schemas.microsoft.com/office/drawing/2014/main" id="{DB3BC622-D549-4215-B4C7-2020B6078C4A}"/>
+              </a:ext>
+            </a:extLst>
+          </p:cNvPr>
+          <p:cNvPicPr>
+            <a:picLocks noChangeAspect="1"/>
+          </p:cNvPicPr>
+          <p:nvPr/>
+        </p:nvPicPr>
+        <p:blipFill>
+          <a:blip r:embed="rId4">
+            <a:extLst>
+              <a:ext uri="{28A0092B-C50C-407E-A947-70E740481C1C}">
+                <a14:useLocalDpi xmlns:a14="http://schemas.microsoft.com/office/drawing/2010/main" val="0"/>
+              </a:ext>
+            </a:extLst>
+          </a:blip>
+          <a:stretch>
+            <a:fillRect/>
+          </a:stretch>
+        </p:blipFill>
+        <p:spPr>
+          <a:xfrm>
+            <a:off x="3034329" y="602880"/>
+            <a:ext cx="3075339" cy="3075339"/>
+          </a:xfrm>
+          <a:prstGeom prst="rect">
+            <a:avLst/>
+          </a:prstGeom>
+        </p:spPr>
+      </p:pic>
+    </p:spTree>
+    <p:extLst>
+      <p:ext uri="{BB962C8B-B14F-4D97-AF65-F5344CB8AC3E}">
+        <p14:creationId xmlns:p14="http://schemas.microsoft.com/office/powerpoint/2010/main" val="3201819127"/>
+      </p:ext>
+    </p:extLst>
+  </p:cSld>
+  <p:clrMapOvr>
+    <a:masterClrMapping/>
+  </p:clrMapOvr>
+</p:sld>
+</file>
+
+<file path=ppt/slides/slide102.xml><?xml version="1.0" encoding="utf-8"?>
+<p:sld xmlns:a="http://schemas.openxmlformats.org/drawingml/2006/main" xmlns:r="http://schemas.openxmlformats.org/officeDocument/2006/relationships" xmlns:p="http://schemas.openxmlformats.org/presentationml/2006/main">
+  <p:cSld>
+    <p:spTree>
+      <p:nvGrpSpPr>
+        <p:cNvPr id="1" name=""/>
+        <p:cNvGrpSpPr/>
+        <p:nvPr/>
+      </p:nvGrpSpPr>
+      <p:grpSpPr>
+        <a:xfrm>
+          <a:off x="0" y="0"/>
+          <a:ext cx="0" cy="0"/>
+          <a:chOff x="0" y="0"/>
+          <a:chExt cx="0" cy="0"/>
+        </a:xfrm>
+      </p:grpSpPr>
+      <p:sp>
+        <p:nvSpPr>
+          <p:cNvPr id="11" name="TextBox 10">
+            <a:extLst>
+              <a:ext uri="{FF2B5EF4-FFF2-40B4-BE49-F238E27FC236}">
+                <a16:creationId xmlns:a16="http://schemas.microsoft.com/office/drawing/2014/main" id="{49A7B9B6-8455-43BE-8670-E01CE03933DF}"/>
+              </a:ext>
+            </a:extLst>
+          </p:cNvPr>
+          <p:cNvSpPr txBox="1"/>
+          <p:nvPr/>
+        </p:nvSpPr>
+        <p:spPr>
+          <a:xfrm>
             <a:off x="209267" y="4097899"/>
             <a:ext cx="8725466" cy="830997"/>
           </a:xfrm>
@@ -13253,7 +13781,7 @@
 </p:sld>
 </file>
 
-<file path=ppt/slides/slide101.xml><?xml version="1.0" encoding="utf-8"?>
+<file path=ppt/slides/slide103.xml><?xml version="1.0" encoding="utf-8"?>
 <p:sld xmlns:a="http://schemas.openxmlformats.org/drawingml/2006/main" xmlns:r="http://schemas.openxmlformats.org/officeDocument/2006/relationships" xmlns:p="http://schemas.openxmlformats.org/presentationml/2006/main">
   <p:cSld>
     <p:spTree>
@@ -13465,7 +13993,7 @@
 </p:sld>
 </file>
 
-<file path=ppt/slides/slide102.xml><?xml version="1.0" encoding="utf-8"?>
+<file path=ppt/slides/slide104.xml><?xml version="1.0" encoding="utf-8"?>
 <p:sld xmlns:a="http://schemas.openxmlformats.org/drawingml/2006/main" xmlns:r="http://schemas.openxmlformats.org/officeDocument/2006/relationships" xmlns:p="http://schemas.openxmlformats.org/presentationml/2006/main">
   <p:cSld>
     <p:spTree>
@@ -13619,7 +14147,7 @@
 </p:sld>
 </file>
 
-<file path=ppt/slides/slide103.xml><?xml version="1.0" encoding="utf-8"?>
+<file path=ppt/slides/slide105.xml><?xml version="1.0" encoding="utf-8"?>
 <p:sld xmlns:a="http://schemas.openxmlformats.org/drawingml/2006/main" xmlns:r="http://schemas.openxmlformats.org/officeDocument/2006/relationships" xmlns:p="http://schemas.openxmlformats.org/presentationml/2006/main">
   <p:cSld>
     <p:spTree>
@@ -13767,7 +14295,7 @@
 </p:sld>
 </file>
 
-<file path=ppt/slides/slide104.xml><?xml version="1.0" encoding="utf-8"?>
+<file path=ppt/slides/slide106.xml><?xml version="1.0" encoding="utf-8"?>
 <p:sld xmlns:a="http://schemas.openxmlformats.org/drawingml/2006/main" xmlns:r="http://schemas.openxmlformats.org/officeDocument/2006/relationships" xmlns:p="http://schemas.openxmlformats.org/presentationml/2006/main">
   <p:cSld>
     <p:spTree>
@@ -16850,6 +17378,1350 @@
         </p:nvSpPr>
         <p:spPr>
           <a:xfrm>
+            <a:off x="1065271" y="3858413"/>
+            <a:ext cx="7013458" cy="1015663"/>
+          </a:xfrm>
+          <a:prstGeom prst="rect">
+            <a:avLst/>
+          </a:prstGeom>
+          <a:noFill/>
+        </p:spPr>
+        <p:txBody>
+          <a:bodyPr wrap="none" rtlCol="0">
+            <a:spAutoFit/>
+          </a:bodyPr>
+          <a:lstStyle/>
+          <a:p>
+            <a:r>
+              <a:rPr lang="vi-VN" sz="6000">
+                <a:ln w="19050">
+                  <a:solidFill>
+                    <a:schemeClr val="tx1"/>
+                  </a:solidFill>
+                </a:ln>
+                <a:solidFill>
+                  <a:srgbClr val="FFFF00"/>
+                </a:solidFill>
+                <a:latin typeface="FVF Fernando 08" panose="02000507020000020003" pitchFamily="2" charset="0"/>
+              </a:rPr>
+              <a:t>/execute mới</a:t>
+            </a:r>
+            <a:endParaRPr lang="en-US" sz="6000" dirty="0">
+              <a:ln w="19050">
+                <a:solidFill>
+                  <a:schemeClr val="tx1"/>
+                </a:solidFill>
+              </a:ln>
+              <a:solidFill>
+                <a:srgbClr val="FFFF00"/>
+              </a:solidFill>
+              <a:latin typeface="FVF Fernando 08" panose="02000507020000020003" pitchFamily="2" charset="0"/>
+            </a:endParaRPr>
+          </a:p>
+        </p:txBody>
+      </p:sp>
+      <p:pic>
+        <p:nvPicPr>
+          <p:cNvPr id="14" name="Picture 13">
+            <a:extLst>
+              <a:ext uri="{FF2B5EF4-FFF2-40B4-BE49-F238E27FC236}">
+                <a16:creationId xmlns:a16="http://schemas.microsoft.com/office/drawing/2014/main" id="{E2D411D6-C028-4F7B-96FB-CC2855017620}"/>
+              </a:ext>
+            </a:extLst>
+          </p:cNvPr>
+          <p:cNvPicPr>
+            <a:picLocks noChangeAspect="1"/>
+          </p:cNvPicPr>
+          <p:nvPr/>
+        </p:nvPicPr>
+        <p:blipFill>
+          <a:blip r:embed="rId3">
+            <a:extLst>
+              <a:ext uri="{28A0092B-C50C-407E-A947-70E740481C1C}">
+                <a14:useLocalDpi xmlns:a14="http://schemas.microsoft.com/office/drawing/2010/main" val="0"/>
+              </a:ext>
+            </a:extLst>
+          </a:blip>
+          <a:srcRect/>
+          <a:stretch/>
+        </p:blipFill>
+        <p:spPr>
+          <a:xfrm>
+            <a:off x="7675990" y="30481"/>
+            <a:ext cx="1490870" cy="1490870"/>
+          </a:xfrm>
+          <a:prstGeom prst="rect">
+            <a:avLst/>
+          </a:prstGeom>
+          <a:ln w="19050">
+            <a:noFill/>
+          </a:ln>
+          <a:effectLst>
+            <a:outerShdw blurRad="63500" sx="104000" sy="104000" algn="ctr" rotWithShape="0">
+              <a:srgbClr val="FFFF00"/>
+            </a:outerShdw>
+          </a:effectLst>
+        </p:spPr>
+      </p:pic>
+      <p:grpSp>
+        <p:nvGrpSpPr>
+          <p:cNvPr id="2" name="Group 1">
+            <a:extLst>
+              <a:ext uri="{FF2B5EF4-FFF2-40B4-BE49-F238E27FC236}">
+                <a16:creationId xmlns:a16="http://schemas.microsoft.com/office/drawing/2014/main" id="{1C32A51B-DB13-71FF-D36D-8B4F29500097}"/>
+              </a:ext>
+            </a:extLst>
+          </p:cNvPr>
+          <p:cNvGrpSpPr/>
+          <p:nvPr/>
+        </p:nvGrpSpPr>
+        <p:grpSpPr>
+          <a:xfrm>
+            <a:off x="1065271" y="775916"/>
+            <a:ext cx="6653325" cy="2951635"/>
+            <a:chOff x="1012059" y="775916"/>
+            <a:chExt cx="6653325" cy="2951635"/>
+          </a:xfrm>
+        </p:grpSpPr>
+        <p:grpSp>
+          <p:nvGrpSpPr>
+            <p:cNvPr id="7" name="Group 6">
+              <a:extLst>
+                <a:ext uri="{FF2B5EF4-FFF2-40B4-BE49-F238E27FC236}">
+                  <a16:creationId xmlns:a16="http://schemas.microsoft.com/office/drawing/2014/main" id="{5446E4D1-F600-438D-A57E-7F216A7EF957}"/>
+                </a:ext>
+              </a:extLst>
+            </p:cNvPr>
+            <p:cNvGrpSpPr/>
+            <p:nvPr/>
+          </p:nvGrpSpPr>
+          <p:grpSpPr>
+            <a:xfrm>
+              <a:off x="2489473" y="775916"/>
+              <a:ext cx="5175911" cy="2916257"/>
+              <a:chOff x="2350454" y="590935"/>
+              <a:chExt cx="5175911" cy="2916257"/>
+            </a:xfrm>
+          </p:grpSpPr>
+          <p:pic>
+            <p:nvPicPr>
+              <p:cNvPr id="4" name="Picture 2">
+                <a:extLst>
+                  <a:ext uri="{FF2B5EF4-FFF2-40B4-BE49-F238E27FC236}">
+                    <a16:creationId xmlns:a16="http://schemas.microsoft.com/office/drawing/2014/main" id="{1F20AB56-D912-4F14-AA9A-DF8367B33E36}"/>
+                  </a:ext>
+                </a:extLst>
+              </p:cNvPr>
+              <p:cNvPicPr>
+                <a:picLocks noChangeAspect="1" noChangeArrowheads="1"/>
+              </p:cNvPicPr>
+              <p:nvPr/>
+            </p:nvPicPr>
+            <p:blipFill>
+              <a:blip r:embed="rId4">
+                <a:extLst>
+                  <a:ext uri="{28A0092B-C50C-407E-A947-70E740481C1C}">
+                    <a14:useLocalDpi xmlns:a14="http://schemas.microsoft.com/office/drawing/2010/main" val="0"/>
+                  </a:ext>
+                </a:extLst>
+              </a:blip>
+              <a:srcRect/>
+              <a:stretch>
+                <a:fillRect/>
+              </a:stretch>
+            </p:blipFill>
+            <p:spPr bwMode="auto">
+              <a:xfrm>
+                <a:off x="2350454" y="1299183"/>
+                <a:ext cx="1291766" cy="1551744"/>
+              </a:xfrm>
+              <a:prstGeom prst="rect">
+                <a:avLst/>
+              </a:prstGeom>
+              <a:noFill/>
+              <a:extLst>
+                <a:ext uri="{909E8E84-426E-40DD-AFC4-6F175D3DCCD1}">
+                  <a14:hiddenFill xmlns:a14="http://schemas.microsoft.com/office/drawing/2010/main">
+                    <a:solidFill>
+                      <a:srgbClr val="FFFFFF"/>
+                    </a:solidFill>
+                  </a14:hiddenFill>
+                </a:ext>
+              </a:extLst>
+            </p:spPr>
+          </p:pic>
+          <p:pic>
+            <p:nvPicPr>
+              <p:cNvPr id="5" name="Picture 2">
+                <a:extLst>
+                  <a:ext uri="{FF2B5EF4-FFF2-40B4-BE49-F238E27FC236}">
+                    <a16:creationId xmlns:a16="http://schemas.microsoft.com/office/drawing/2014/main" id="{87D5E2A9-E0CD-43C4-B09C-D9076FE2B5FE}"/>
+                  </a:ext>
+                </a:extLst>
+              </p:cNvPr>
+              <p:cNvPicPr>
+                <a:picLocks noChangeAspect="1" noChangeArrowheads="1"/>
+              </p:cNvPicPr>
+              <p:nvPr/>
+            </p:nvPicPr>
+            <p:blipFill>
+              <a:blip r:embed="rId5">
+                <a:extLst>
+                  <a:ext uri="{28A0092B-C50C-407E-A947-70E740481C1C}">
+                    <a14:useLocalDpi xmlns:a14="http://schemas.microsoft.com/office/drawing/2010/main" val="0"/>
+                  </a:ext>
+                </a:extLst>
+              </a:blip>
+              <a:srcRect/>
+              <a:stretch>
+                <a:fillRect/>
+              </a:stretch>
+            </p:blipFill>
+            <p:spPr bwMode="auto">
+              <a:xfrm flipH="1">
+                <a:off x="5588303" y="642920"/>
+                <a:ext cx="1402078" cy="2864272"/>
+              </a:xfrm>
+              <a:prstGeom prst="rect">
+                <a:avLst/>
+              </a:prstGeom>
+              <a:noFill/>
+              <a:extLst>
+                <a:ext uri="{909E8E84-426E-40DD-AFC4-6F175D3DCCD1}">
+                  <a14:hiddenFill xmlns:a14="http://schemas.microsoft.com/office/drawing/2010/main">
+                    <a:solidFill>
+                      <a:srgbClr val="FFFFFF"/>
+                    </a:solidFill>
+                  </a14:hiddenFill>
+                </a:ext>
+              </a:extLst>
+            </p:spPr>
+          </p:pic>
+          <p:sp>
+            <p:nvSpPr>
+              <p:cNvPr id="3" name="Arrow: Notched Right 2">
+                <a:extLst>
+                  <a:ext uri="{FF2B5EF4-FFF2-40B4-BE49-F238E27FC236}">
+                    <a16:creationId xmlns:a16="http://schemas.microsoft.com/office/drawing/2014/main" id="{18C3FDF3-0A26-4E1A-8E02-BCA686376F2E}"/>
+                  </a:ext>
+                </a:extLst>
+              </p:cNvPr>
+              <p:cNvSpPr/>
+              <p:nvPr/>
+            </p:nvSpPr>
+            <p:spPr>
+              <a:xfrm>
+                <a:off x="3880230" y="2064149"/>
+                <a:ext cx="1186626" cy="670095"/>
+              </a:xfrm>
+              <a:prstGeom prst="notchedRightArrow">
+                <a:avLst/>
+              </a:prstGeom>
+              <a:solidFill>
+                <a:srgbClr val="18FE00"/>
+              </a:solidFill>
+              <a:ln>
+                <a:noFill/>
+              </a:ln>
+            </p:spPr>
+            <p:style>
+              <a:lnRef idx="2">
+                <a:schemeClr val="accent1">
+                  <a:shade val="50000"/>
+                </a:schemeClr>
+              </a:lnRef>
+              <a:fillRef idx="1">
+                <a:schemeClr val="accent1"/>
+              </a:fillRef>
+              <a:effectRef idx="0">
+                <a:schemeClr val="accent1"/>
+              </a:effectRef>
+              <a:fontRef idx="minor">
+                <a:schemeClr val="lt1"/>
+              </a:fontRef>
+            </p:style>
+            <p:txBody>
+              <a:bodyPr rtlCol="0" anchor="ctr"/>
+              <a:lstStyle/>
+              <a:p>
+                <a:pPr algn="ctr"/>
+                <a:endParaRPr lang="en-US" dirty="0"/>
+              </a:p>
+            </p:txBody>
+          </p:sp>
+          <p:sp>
+            <p:nvSpPr>
+              <p:cNvPr id="8" name="Rectangle 7">
+                <a:extLst>
+                  <a:ext uri="{FF2B5EF4-FFF2-40B4-BE49-F238E27FC236}">
+                    <a16:creationId xmlns:a16="http://schemas.microsoft.com/office/drawing/2014/main" id="{5BA29D8A-8CA2-4E80-A419-5C29F9F19751}"/>
+                  </a:ext>
+                </a:extLst>
+              </p:cNvPr>
+              <p:cNvSpPr/>
+              <p:nvPr/>
+            </p:nvSpPr>
+            <p:spPr>
+              <a:xfrm rot="18757777">
+                <a:off x="5346956" y="431420"/>
+                <a:ext cx="116878" cy="466941"/>
+              </a:xfrm>
+              <a:prstGeom prst="rect">
+                <a:avLst/>
+              </a:prstGeom>
+              <a:solidFill>
+                <a:schemeClr val="bg1"/>
+              </a:solidFill>
+              <a:ln>
+                <a:noFill/>
+              </a:ln>
+            </p:spPr>
+            <p:style>
+              <a:lnRef idx="2">
+                <a:schemeClr val="accent1">
+                  <a:shade val="50000"/>
+                </a:schemeClr>
+              </a:lnRef>
+              <a:fillRef idx="1">
+                <a:schemeClr val="accent1"/>
+              </a:fillRef>
+              <a:effectRef idx="0">
+                <a:schemeClr val="accent1"/>
+              </a:effectRef>
+              <a:fontRef idx="minor">
+                <a:schemeClr val="lt1"/>
+              </a:fontRef>
+            </p:style>
+            <p:txBody>
+              <a:bodyPr rtlCol="0" anchor="ctr"/>
+              <a:lstStyle/>
+              <a:p>
+                <a:pPr algn="ctr"/>
+                <a:endParaRPr lang="en-US" dirty="0"/>
+              </a:p>
+            </p:txBody>
+          </p:sp>
+          <p:sp>
+            <p:nvSpPr>
+              <p:cNvPr id="9" name="Rectangle 8">
+                <a:extLst>
+                  <a:ext uri="{FF2B5EF4-FFF2-40B4-BE49-F238E27FC236}">
+                    <a16:creationId xmlns:a16="http://schemas.microsoft.com/office/drawing/2014/main" id="{54A62C1C-AF74-48D0-A3A0-48B3DB4ECBB5}"/>
+                  </a:ext>
+                </a:extLst>
+              </p:cNvPr>
+              <p:cNvSpPr/>
+              <p:nvPr/>
+            </p:nvSpPr>
+            <p:spPr>
+              <a:xfrm rot="16200000">
+                <a:off x="5158167" y="1272977"/>
+                <a:ext cx="116878" cy="466941"/>
+              </a:xfrm>
+              <a:prstGeom prst="rect">
+                <a:avLst/>
+              </a:prstGeom>
+              <a:solidFill>
+                <a:schemeClr val="bg1"/>
+              </a:solidFill>
+              <a:ln>
+                <a:noFill/>
+              </a:ln>
+            </p:spPr>
+            <p:style>
+              <a:lnRef idx="2">
+                <a:schemeClr val="accent1">
+                  <a:shade val="50000"/>
+                </a:schemeClr>
+              </a:lnRef>
+              <a:fillRef idx="1">
+                <a:schemeClr val="accent1"/>
+              </a:fillRef>
+              <a:effectRef idx="0">
+                <a:schemeClr val="accent1"/>
+              </a:effectRef>
+              <a:fontRef idx="minor">
+                <a:schemeClr val="lt1"/>
+              </a:fontRef>
+            </p:style>
+            <p:txBody>
+              <a:bodyPr rtlCol="0" anchor="ctr"/>
+              <a:lstStyle/>
+              <a:p>
+                <a:pPr algn="ctr"/>
+                <a:endParaRPr lang="en-US" dirty="0"/>
+              </a:p>
+            </p:txBody>
+          </p:sp>
+          <p:sp>
+            <p:nvSpPr>
+              <p:cNvPr id="10" name="Rectangle 9">
+                <a:extLst>
+                  <a:ext uri="{FF2B5EF4-FFF2-40B4-BE49-F238E27FC236}">
+                    <a16:creationId xmlns:a16="http://schemas.microsoft.com/office/drawing/2014/main" id="{02F6D6A9-C4E6-4A39-B3DA-3465EF87FB22}"/>
+                  </a:ext>
+                </a:extLst>
+              </p:cNvPr>
+              <p:cNvSpPr/>
+              <p:nvPr/>
+            </p:nvSpPr>
+            <p:spPr>
+              <a:xfrm rot="13797589">
+                <a:off x="5374506" y="2036523"/>
+                <a:ext cx="116878" cy="466941"/>
+              </a:xfrm>
+              <a:prstGeom prst="rect">
+                <a:avLst/>
+              </a:prstGeom>
+              <a:solidFill>
+                <a:schemeClr val="bg1"/>
+              </a:solidFill>
+              <a:ln>
+                <a:noFill/>
+              </a:ln>
+            </p:spPr>
+            <p:style>
+              <a:lnRef idx="2">
+                <a:schemeClr val="accent1">
+                  <a:shade val="50000"/>
+                </a:schemeClr>
+              </a:lnRef>
+              <a:fillRef idx="1">
+                <a:schemeClr val="accent1"/>
+              </a:fillRef>
+              <a:effectRef idx="0">
+                <a:schemeClr val="accent1"/>
+              </a:effectRef>
+              <a:fontRef idx="minor">
+                <a:schemeClr val="lt1"/>
+              </a:fontRef>
+            </p:style>
+            <p:txBody>
+              <a:bodyPr rtlCol="0" anchor="ctr"/>
+              <a:lstStyle/>
+              <a:p>
+                <a:pPr algn="ctr"/>
+                <a:endParaRPr lang="en-US" dirty="0"/>
+              </a:p>
+            </p:txBody>
+          </p:sp>
+          <p:grpSp>
+            <p:nvGrpSpPr>
+              <p:cNvPr id="6" name="Group 5">
+                <a:extLst>
+                  <a:ext uri="{FF2B5EF4-FFF2-40B4-BE49-F238E27FC236}">
+                    <a16:creationId xmlns:a16="http://schemas.microsoft.com/office/drawing/2014/main" id="{41355E1F-0747-4BC0-8815-2F9D578A3AA1}"/>
+                  </a:ext>
+                </a:extLst>
+              </p:cNvPr>
+              <p:cNvGrpSpPr/>
+              <p:nvPr/>
+            </p:nvGrpSpPr>
+            <p:grpSpPr>
+              <a:xfrm rot="10800000">
+                <a:off x="6934041" y="590935"/>
+                <a:ext cx="592324" cy="1743951"/>
+                <a:chOff x="5226491" y="736882"/>
+                <a:chExt cx="592324" cy="1743951"/>
+              </a:xfrm>
+            </p:grpSpPr>
+            <p:sp>
+              <p:nvSpPr>
+                <p:cNvPr id="12" name="Rectangle 11">
+                  <a:extLst>
+                    <a:ext uri="{FF2B5EF4-FFF2-40B4-BE49-F238E27FC236}">
+                      <a16:creationId xmlns:a16="http://schemas.microsoft.com/office/drawing/2014/main" id="{78EA1D55-4024-43E3-9DFE-5813C478DD23}"/>
+                    </a:ext>
+                  </a:extLst>
+                </p:cNvPr>
+                <p:cNvSpPr/>
+                <p:nvPr/>
+              </p:nvSpPr>
+              <p:spPr>
+                <a:xfrm rot="18757777">
+                  <a:off x="5470912" y="561850"/>
+                  <a:ext cx="116878" cy="466941"/>
+                </a:xfrm>
+                <a:prstGeom prst="rect">
+                  <a:avLst/>
+                </a:prstGeom>
+                <a:solidFill>
+                  <a:schemeClr val="bg1"/>
+                </a:solidFill>
+                <a:ln>
+                  <a:noFill/>
+                </a:ln>
+              </p:spPr>
+              <p:style>
+                <a:lnRef idx="2">
+                  <a:schemeClr val="accent1">
+                    <a:shade val="50000"/>
+                  </a:schemeClr>
+                </a:lnRef>
+                <a:fillRef idx="1">
+                  <a:schemeClr val="accent1"/>
+                </a:fillRef>
+                <a:effectRef idx="0">
+                  <a:schemeClr val="accent1"/>
+                </a:effectRef>
+                <a:fontRef idx="minor">
+                  <a:schemeClr val="lt1"/>
+                </a:fontRef>
+              </p:style>
+              <p:txBody>
+                <a:bodyPr rtlCol="0" anchor="ctr"/>
+                <a:lstStyle/>
+                <a:p>
+                  <a:pPr algn="ctr"/>
+                  <a:endParaRPr lang="en-US" dirty="0"/>
+                </a:p>
+              </p:txBody>
+            </p:sp>
+            <p:sp>
+              <p:nvSpPr>
+                <p:cNvPr id="13" name="Rectangle 12">
+                  <a:extLst>
+                    <a:ext uri="{FF2B5EF4-FFF2-40B4-BE49-F238E27FC236}">
+                      <a16:creationId xmlns:a16="http://schemas.microsoft.com/office/drawing/2014/main" id="{2B4205A2-04F3-4444-A6A1-E0B0F345EFED}"/>
+                    </a:ext>
+                  </a:extLst>
+                </p:cNvPr>
+                <p:cNvSpPr/>
+                <p:nvPr/>
+              </p:nvSpPr>
+              <p:spPr>
+                <a:xfrm rot="16200000">
+                  <a:off x="5401523" y="1366382"/>
+                  <a:ext cx="116878" cy="466941"/>
+                </a:xfrm>
+                <a:prstGeom prst="rect">
+                  <a:avLst/>
+                </a:prstGeom>
+                <a:solidFill>
+                  <a:schemeClr val="bg1"/>
+                </a:solidFill>
+                <a:ln>
+                  <a:noFill/>
+                </a:ln>
+              </p:spPr>
+              <p:style>
+                <a:lnRef idx="2">
+                  <a:schemeClr val="accent1">
+                    <a:shade val="50000"/>
+                  </a:schemeClr>
+                </a:lnRef>
+                <a:fillRef idx="1">
+                  <a:schemeClr val="accent1"/>
+                </a:fillRef>
+                <a:effectRef idx="0">
+                  <a:schemeClr val="accent1"/>
+                </a:effectRef>
+                <a:fontRef idx="minor">
+                  <a:schemeClr val="lt1"/>
+                </a:fontRef>
+              </p:style>
+              <p:txBody>
+                <a:bodyPr rtlCol="0" anchor="ctr"/>
+                <a:lstStyle/>
+                <a:p>
+                  <a:pPr algn="ctr"/>
+                  <a:endParaRPr lang="en-US" dirty="0"/>
+                </a:p>
+              </p:txBody>
+            </p:sp>
+            <p:sp>
+              <p:nvSpPr>
+                <p:cNvPr id="15" name="Rectangle 14">
+                  <a:extLst>
+                    <a:ext uri="{FF2B5EF4-FFF2-40B4-BE49-F238E27FC236}">
+                      <a16:creationId xmlns:a16="http://schemas.microsoft.com/office/drawing/2014/main" id="{3585A7A5-6015-4AF7-8250-16E7E0B927C6}"/>
+                    </a:ext>
+                  </a:extLst>
+                </p:cNvPr>
+                <p:cNvSpPr/>
+                <p:nvPr/>
+              </p:nvSpPr>
+              <p:spPr>
+                <a:xfrm rot="13797589">
+                  <a:off x="5526906" y="2188923"/>
+                  <a:ext cx="116878" cy="466941"/>
+                </a:xfrm>
+                <a:prstGeom prst="rect">
+                  <a:avLst/>
+                </a:prstGeom>
+                <a:solidFill>
+                  <a:schemeClr val="bg1"/>
+                </a:solidFill>
+                <a:ln>
+                  <a:noFill/>
+                </a:ln>
+              </p:spPr>
+              <p:style>
+                <a:lnRef idx="2">
+                  <a:schemeClr val="accent1">
+                    <a:shade val="50000"/>
+                  </a:schemeClr>
+                </a:lnRef>
+                <a:fillRef idx="1">
+                  <a:schemeClr val="accent1"/>
+                </a:fillRef>
+                <a:effectRef idx="0">
+                  <a:schemeClr val="accent1"/>
+                </a:effectRef>
+                <a:fontRef idx="minor">
+                  <a:schemeClr val="lt1"/>
+                </a:fontRef>
+              </p:style>
+              <p:txBody>
+                <a:bodyPr rtlCol="0" anchor="ctr"/>
+                <a:lstStyle/>
+                <a:p>
+                  <a:pPr algn="ctr"/>
+                  <a:endParaRPr lang="en-US" dirty="0"/>
+                </a:p>
+              </p:txBody>
+            </p:sp>
+          </p:grpSp>
+        </p:grpSp>
+        <p:sp>
+          <p:nvSpPr>
+            <p:cNvPr id="16" name="TextBox 15">
+              <a:extLst>
+                <a:ext uri="{FF2B5EF4-FFF2-40B4-BE49-F238E27FC236}">
+                  <a16:creationId xmlns:a16="http://schemas.microsoft.com/office/drawing/2014/main" id="{7C681FB7-9A02-4C94-8BEA-EE2A979C559D}"/>
+                </a:ext>
+              </a:extLst>
+            </p:cNvPr>
+            <p:cNvSpPr txBox="1"/>
+            <p:nvPr/>
+          </p:nvSpPr>
+          <p:spPr>
+            <a:xfrm>
+              <a:off x="1012059" y="826193"/>
+              <a:ext cx="3185487" cy="646331"/>
+            </a:xfrm>
+            <a:prstGeom prst="rect">
+              <a:avLst/>
+            </a:prstGeom>
+            <a:noFill/>
+          </p:spPr>
+          <p:txBody>
+            <a:bodyPr wrap="square" rtlCol="0">
+              <a:spAutoFit/>
+            </a:bodyPr>
+            <a:lstStyle/>
+            <a:p>
+              <a:r>
+                <a:rPr lang="vi-VN" sz="3600" dirty="0">
+                  <a:ln w="0">
+                    <a:solidFill>
+                      <a:schemeClr val="tx1"/>
+                    </a:solidFill>
+                  </a:ln>
+                  <a:solidFill>
+                    <a:srgbClr val="18FE00"/>
+                  </a:solidFill>
+                  <a:latin typeface="FVF Fernando 08" panose="02000507020000020003" pitchFamily="2" charset="0"/>
+                </a:rPr>
+                <a:t>/summon</a:t>
+              </a:r>
+              <a:endParaRPr lang="en-US" sz="3600" dirty="0">
+                <a:ln w="0">
+                  <a:solidFill>
+                    <a:schemeClr val="tx1"/>
+                  </a:solidFill>
+                </a:ln>
+                <a:solidFill>
+                  <a:srgbClr val="18FE00"/>
+                </a:solidFill>
+                <a:latin typeface="FVF Fernando 08" panose="02000507020000020003" pitchFamily="2" charset="0"/>
+              </a:endParaRPr>
+            </a:p>
+          </p:txBody>
+        </p:sp>
+        <p:pic>
+          <p:nvPicPr>
+            <p:cNvPr id="18" name="Picture 2">
+              <a:extLst>
+                <a:ext uri="{FF2B5EF4-FFF2-40B4-BE49-F238E27FC236}">
+                  <a16:creationId xmlns:a16="http://schemas.microsoft.com/office/drawing/2014/main" id="{B393ACDC-EEE3-6ECC-48E5-E788E55EEBE8}"/>
+                </a:ext>
+              </a:extLst>
+            </p:cNvPr>
+            <p:cNvPicPr>
+              <a:picLocks noChangeAspect="1" noChangeArrowheads="1"/>
+            </p:cNvPicPr>
+            <p:nvPr/>
+          </p:nvPicPr>
+          <p:blipFill>
+            <a:blip r:embed="rId6">
+              <a:extLst>
+                <a:ext uri="{28A0092B-C50C-407E-A947-70E740481C1C}">
+                  <a14:useLocalDpi xmlns:a14="http://schemas.microsoft.com/office/drawing/2010/main" val="0"/>
+                </a:ext>
+              </a:extLst>
+            </a:blip>
+            <a:srcRect/>
+            <a:stretch>
+              <a:fillRect/>
+            </a:stretch>
+          </p:blipFill>
+          <p:spPr bwMode="auto">
+            <a:xfrm>
+              <a:off x="1137287" y="2260036"/>
+              <a:ext cx="1467515" cy="1467515"/>
+            </a:xfrm>
+            <a:prstGeom prst="rect">
+              <a:avLst/>
+            </a:prstGeom>
+            <a:noFill/>
+            <a:extLst>
+              <a:ext uri="{909E8E84-426E-40DD-AFC4-6F175D3DCCD1}">
+                <a14:hiddenFill xmlns:a14="http://schemas.microsoft.com/office/drawing/2010/main">
+                  <a:solidFill>
+                    <a:srgbClr val="FFFFFF"/>
+                  </a:solidFill>
+                </a14:hiddenFill>
+              </a:ext>
+            </a:extLst>
+          </p:spPr>
+        </p:pic>
+      </p:grpSp>
+    </p:spTree>
+    <p:extLst>
+      <p:ext uri="{BB962C8B-B14F-4D97-AF65-F5344CB8AC3E}">
+        <p14:creationId xmlns:p14="http://schemas.microsoft.com/office/powerpoint/2010/main" val="2381968843"/>
+      </p:ext>
+    </p:extLst>
+  </p:cSld>
+  <p:clrMapOvr>
+    <a:masterClrMapping/>
+  </p:clrMapOvr>
+</p:sld>
+</file>
+
+<file path=ppt/slides/slide2.xml><?xml version="1.0" encoding="utf-8"?>
+<p:sld xmlns:a="http://schemas.openxmlformats.org/drawingml/2006/main" xmlns:r="http://schemas.openxmlformats.org/officeDocument/2006/relationships" xmlns:p="http://schemas.openxmlformats.org/presentationml/2006/main">
+  <p:cSld>
+    <p:spTree>
+      <p:nvGrpSpPr>
+        <p:cNvPr id="1" name=""/>
+        <p:cNvGrpSpPr/>
+        <p:nvPr/>
+      </p:nvGrpSpPr>
+      <p:grpSpPr>
+        <a:xfrm>
+          <a:off x="0" y="0"/>
+          <a:ext cx="0" cy="0"/>
+          <a:chOff x="0" y="0"/>
+          <a:chExt cx="0" cy="0"/>
+        </a:xfrm>
+      </p:grpSpPr>
+      <p:sp>
+        <p:nvSpPr>
+          <p:cNvPr id="11" name="TextBox 10">
+            <a:extLst>
+              <a:ext uri="{FF2B5EF4-FFF2-40B4-BE49-F238E27FC236}">
+                <a16:creationId xmlns:a16="http://schemas.microsoft.com/office/drawing/2014/main" id="{49A7B9B6-8455-43BE-8670-E01CE03933DF}"/>
+              </a:ext>
+            </a:extLst>
+          </p:cNvPr>
+          <p:cNvSpPr txBox="1"/>
+          <p:nvPr/>
+        </p:nvSpPr>
+        <p:spPr>
+          <a:xfrm>
+            <a:off x="2700334" y="3858413"/>
+            <a:ext cx="3743332" cy="1015663"/>
+          </a:xfrm>
+          <a:prstGeom prst="rect">
+            <a:avLst/>
+          </a:prstGeom>
+          <a:noFill/>
+        </p:spPr>
+        <p:txBody>
+          <a:bodyPr wrap="none" rtlCol="0">
+            <a:spAutoFit/>
+          </a:bodyPr>
+          <a:lstStyle/>
+          <a:p>
+            <a:r>
+              <a:rPr lang="vi-VN" sz="6000" dirty="0">
+                <a:ln w="19050">
+                  <a:solidFill>
+                    <a:schemeClr val="tx1"/>
+                  </a:solidFill>
+                </a:ln>
+                <a:solidFill>
+                  <a:srgbClr val="FFFF00"/>
+                </a:solidFill>
+                <a:latin typeface="FVF Fernando 08" panose="02000507020000020003" pitchFamily="2" charset="0"/>
+              </a:rPr>
+              <a:t>/ability</a:t>
+            </a:r>
+            <a:endParaRPr lang="en-US" sz="6000" dirty="0">
+              <a:ln w="19050">
+                <a:solidFill>
+                  <a:schemeClr val="tx1"/>
+                </a:solidFill>
+              </a:ln>
+              <a:solidFill>
+                <a:srgbClr val="FFFF00"/>
+              </a:solidFill>
+              <a:latin typeface="FVF Fernando 08" panose="02000507020000020003" pitchFamily="2" charset="0"/>
+            </a:endParaRPr>
+          </a:p>
+        </p:txBody>
+      </p:sp>
+      <p:pic>
+        <p:nvPicPr>
+          <p:cNvPr id="14" name="Picture 13">
+            <a:extLst>
+              <a:ext uri="{FF2B5EF4-FFF2-40B4-BE49-F238E27FC236}">
+                <a16:creationId xmlns:a16="http://schemas.microsoft.com/office/drawing/2014/main" id="{E2D411D6-C028-4F7B-96FB-CC2855017620}"/>
+              </a:ext>
+            </a:extLst>
+          </p:cNvPr>
+          <p:cNvPicPr>
+            <a:picLocks noChangeAspect="1"/>
+          </p:cNvPicPr>
+          <p:nvPr/>
+        </p:nvPicPr>
+        <p:blipFill>
+          <a:blip r:embed="rId3">
+            <a:extLst>
+              <a:ext uri="{28A0092B-C50C-407E-A947-70E740481C1C}">
+                <a14:useLocalDpi xmlns:a14="http://schemas.microsoft.com/office/drawing/2010/main" val="0"/>
+              </a:ext>
+            </a:extLst>
+          </a:blip>
+          <a:srcRect/>
+          <a:stretch/>
+        </p:blipFill>
+        <p:spPr>
+          <a:xfrm>
+            <a:off x="7675990" y="30481"/>
+            <a:ext cx="1490870" cy="1490870"/>
+          </a:xfrm>
+          <a:prstGeom prst="rect">
+            <a:avLst/>
+          </a:prstGeom>
+          <a:ln w="19050">
+            <a:noFill/>
+          </a:ln>
+          <a:effectLst>
+            <a:outerShdw blurRad="63500" sx="104000" sy="104000" algn="ctr" rotWithShape="0">
+              <a:srgbClr val="FFFF00"/>
+            </a:outerShdw>
+          </a:effectLst>
+        </p:spPr>
+      </p:pic>
+      <p:pic>
+        <p:nvPicPr>
+          <p:cNvPr id="3" name="Picture 2">
+            <a:extLst>
+              <a:ext uri="{FF2B5EF4-FFF2-40B4-BE49-F238E27FC236}">
+                <a16:creationId xmlns:a16="http://schemas.microsoft.com/office/drawing/2014/main" id="{18A90C58-A9D5-406F-AC0D-99F324E1A739}"/>
+              </a:ext>
+            </a:extLst>
+          </p:cNvPr>
+          <p:cNvPicPr>
+            <a:picLocks noChangeAspect="1"/>
+          </p:cNvPicPr>
+          <p:nvPr/>
+        </p:nvPicPr>
+        <p:blipFill>
+          <a:blip r:embed="rId4">
+            <a:extLst>
+              <a:ext uri="{BEBA8EAE-BF5A-486C-A8C5-ECC9F3942E4B}">
+                <a14:imgProps xmlns:a14="http://schemas.microsoft.com/office/drawing/2010/main">
+                  <a14:imgLayer r:embed="rId5">
+                    <a14:imgEffect>
+                      <a14:brightnessContrast bright="6000"/>
+                    </a14:imgEffect>
+                  </a14:imgLayer>
+                </a14:imgProps>
+              </a:ext>
+            </a:extLst>
+          </a:blip>
+          <a:stretch>
+            <a:fillRect/>
+          </a:stretch>
+        </p:blipFill>
+        <p:spPr>
+          <a:xfrm rot="5400000">
+            <a:off x="3650383" y="517322"/>
+            <a:ext cx="1843233" cy="3962606"/>
+          </a:xfrm>
+          <a:prstGeom prst="rect">
+            <a:avLst/>
+          </a:prstGeom>
+        </p:spPr>
+      </p:pic>
+      <p:sp>
+        <p:nvSpPr>
+          <p:cNvPr id="4" name="Rectangle 3">
+            <a:extLst>
+              <a:ext uri="{FF2B5EF4-FFF2-40B4-BE49-F238E27FC236}">
+                <a16:creationId xmlns:a16="http://schemas.microsoft.com/office/drawing/2014/main" id="{29FB872E-37B0-4CF1-96D0-D21B09506E12}"/>
+              </a:ext>
+            </a:extLst>
+          </p:cNvPr>
+          <p:cNvSpPr/>
+          <p:nvPr/>
+        </p:nvSpPr>
+        <p:spPr>
+          <a:xfrm>
+            <a:off x="3242029" y="894523"/>
+            <a:ext cx="225287" cy="1033669"/>
+          </a:xfrm>
+          <a:prstGeom prst="rect">
+            <a:avLst/>
+          </a:prstGeom>
+          <a:solidFill>
+            <a:schemeClr val="bg1"/>
+          </a:solidFill>
+          <a:ln>
+            <a:solidFill>
+              <a:schemeClr val="bg1"/>
+            </a:solidFill>
+          </a:ln>
+        </p:spPr>
+        <p:style>
+          <a:lnRef idx="2">
+            <a:schemeClr val="accent6"/>
+          </a:lnRef>
+          <a:fillRef idx="1">
+            <a:schemeClr val="lt1"/>
+          </a:fillRef>
+          <a:effectRef idx="0">
+            <a:schemeClr val="accent6"/>
+          </a:effectRef>
+          <a:fontRef idx="minor">
+            <a:schemeClr val="dk1"/>
+          </a:fontRef>
+        </p:style>
+        <p:txBody>
+          <a:bodyPr rtlCol="0" anchor="ctr"/>
+          <a:lstStyle/>
+          <a:p>
+            <a:pPr algn="ctr"/>
+            <a:endParaRPr lang="en-US" dirty="0"/>
+          </a:p>
+        </p:txBody>
+      </p:sp>
+      <p:sp>
+        <p:nvSpPr>
+          <p:cNvPr id="7" name="Rectangle 6">
+            <a:extLst>
+              <a:ext uri="{FF2B5EF4-FFF2-40B4-BE49-F238E27FC236}">
+                <a16:creationId xmlns:a16="http://schemas.microsoft.com/office/drawing/2014/main" id="{714D1804-A5F2-4DD5-80FF-4CBB6BDECBF8}"/>
+              </a:ext>
+            </a:extLst>
+          </p:cNvPr>
+          <p:cNvSpPr/>
+          <p:nvPr/>
+        </p:nvSpPr>
+        <p:spPr>
+          <a:xfrm>
+            <a:off x="3889462" y="202096"/>
+            <a:ext cx="225287" cy="1033669"/>
+          </a:xfrm>
+          <a:prstGeom prst="rect">
+            <a:avLst/>
+          </a:prstGeom>
+          <a:solidFill>
+            <a:schemeClr val="bg1"/>
+          </a:solidFill>
+          <a:ln>
+            <a:solidFill>
+              <a:schemeClr val="bg1"/>
+            </a:solidFill>
+          </a:ln>
+        </p:spPr>
+        <p:style>
+          <a:lnRef idx="2">
+            <a:schemeClr val="accent6"/>
+          </a:lnRef>
+          <a:fillRef idx="1">
+            <a:schemeClr val="lt1"/>
+          </a:fillRef>
+          <a:effectRef idx="0">
+            <a:schemeClr val="accent6"/>
+          </a:effectRef>
+          <a:fontRef idx="minor">
+            <a:schemeClr val="dk1"/>
+          </a:fontRef>
+        </p:style>
+        <p:txBody>
+          <a:bodyPr rtlCol="0" anchor="ctr"/>
+          <a:lstStyle/>
+          <a:p>
+            <a:pPr algn="ctr"/>
+            <a:endParaRPr lang="en-US" dirty="0"/>
+          </a:p>
+        </p:txBody>
+      </p:sp>
+      <p:sp>
+        <p:nvSpPr>
+          <p:cNvPr id="8" name="Rectangle 7">
+            <a:extLst>
+              <a:ext uri="{FF2B5EF4-FFF2-40B4-BE49-F238E27FC236}">
+                <a16:creationId xmlns:a16="http://schemas.microsoft.com/office/drawing/2014/main" id="{35896C80-2AD6-4224-9B08-046C66E8C05A}"/>
+              </a:ext>
+            </a:extLst>
+          </p:cNvPr>
+          <p:cNvSpPr/>
+          <p:nvPr/>
+        </p:nvSpPr>
+        <p:spPr>
+          <a:xfrm>
+            <a:off x="4459355" y="1286125"/>
+            <a:ext cx="225287" cy="1033669"/>
+          </a:xfrm>
+          <a:prstGeom prst="rect">
+            <a:avLst/>
+          </a:prstGeom>
+          <a:solidFill>
+            <a:schemeClr val="bg1"/>
+          </a:solidFill>
+          <a:ln>
+            <a:solidFill>
+              <a:schemeClr val="bg1"/>
+            </a:solidFill>
+          </a:ln>
+        </p:spPr>
+        <p:style>
+          <a:lnRef idx="2">
+            <a:schemeClr val="accent6"/>
+          </a:lnRef>
+          <a:fillRef idx="1">
+            <a:schemeClr val="lt1"/>
+          </a:fillRef>
+          <a:effectRef idx="0">
+            <a:schemeClr val="accent6"/>
+          </a:effectRef>
+          <a:fontRef idx="minor">
+            <a:schemeClr val="dk1"/>
+          </a:fontRef>
+        </p:style>
+        <p:txBody>
+          <a:bodyPr rtlCol="0" anchor="ctr"/>
+          <a:lstStyle/>
+          <a:p>
+            <a:pPr algn="ctr"/>
+            <a:endParaRPr lang="en-US" dirty="0"/>
+          </a:p>
+        </p:txBody>
+      </p:sp>
+      <p:sp>
+        <p:nvSpPr>
+          <p:cNvPr id="9" name="Rectangle 8">
+            <a:extLst>
+              <a:ext uri="{FF2B5EF4-FFF2-40B4-BE49-F238E27FC236}">
+                <a16:creationId xmlns:a16="http://schemas.microsoft.com/office/drawing/2014/main" id="{9F0D04D1-FBC0-4F3B-A7F8-0F1B923469B0}"/>
+              </a:ext>
+            </a:extLst>
+          </p:cNvPr>
+          <p:cNvSpPr/>
+          <p:nvPr/>
+        </p:nvSpPr>
+        <p:spPr>
+          <a:xfrm>
+            <a:off x="5208128" y="573156"/>
+            <a:ext cx="225287" cy="1033669"/>
+          </a:xfrm>
+          <a:prstGeom prst="rect">
+            <a:avLst/>
+          </a:prstGeom>
+          <a:solidFill>
+            <a:schemeClr val="bg1"/>
+          </a:solidFill>
+          <a:ln>
+            <a:solidFill>
+              <a:schemeClr val="bg1"/>
+            </a:solidFill>
+          </a:ln>
+        </p:spPr>
+        <p:style>
+          <a:lnRef idx="2">
+            <a:schemeClr val="accent6"/>
+          </a:lnRef>
+          <a:fillRef idx="1">
+            <a:schemeClr val="lt1"/>
+          </a:fillRef>
+          <a:effectRef idx="0">
+            <a:schemeClr val="accent6"/>
+          </a:effectRef>
+          <a:fontRef idx="minor">
+            <a:schemeClr val="dk1"/>
+          </a:fontRef>
+        </p:style>
+        <p:txBody>
+          <a:bodyPr rtlCol="0" anchor="ctr"/>
+          <a:lstStyle/>
+          <a:p>
+            <a:pPr algn="ctr"/>
+            <a:endParaRPr lang="en-US" dirty="0"/>
+          </a:p>
+        </p:txBody>
+      </p:sp>
+      <p:sp>
+        <p:nvSpPr>
+          <p:cNvPr id="12" name="TextBox 11">
+            <a:extLst>
+              <a:ext uri="{FF2B5EF4-FFF2-40B4-BE49-F238E27FC236}">
+                <a16:creationId xmlns:a16="http://schemas.microsoft.com/office/drawing/2014/main" id="{62EC23F5-97DF-4DF6-836D-38E53A21ED8A}"/>
+              </a:ext>
+            </a:extLst>
+          </p:cNvPr>
+          <p:cNvSpPr txBox="1"/>
+          <p:nvPr/>
+        </p:nvSpPr>
+        <p:spPr>
+          <a:xfrm rot="20303622">
+            <a:off x="506506" y="978416"/>
+            <a:ext cx="2394949" cy="1015663"/>
+          </a:xfrm>
+          <a:prstGeom prst="rect">
+            <a:avLst/>
+          </a:prstGeom>
+          <a:noFill/>
+        </p:spPr>
+        <p:txBody>
+          <a:bodyPr wrap="square" rtlCol="0">
+            <a:spAutoFit/>
+          </a:bodyPr>
+          <a:lstStyle/>
+          <a:p>
+            <a:r>
+              <a:rPr lang="vi-VN" sz="6000" dirty="0">
+                <a:ln w="19050">
+                  <a:solidFill>
+                    <a:schemeClr val="tx1"/>
+                  </a:solidFill>
+                </a:ln>
+                <a:solidFill>
+                  <a:srgbClr val="FFFF00"/>
+                </a:solidFill>
+                <a:latin typeface="FVF Fernando 08" panose="02000507020000020003" pitchFamily="2" charset="0"/>
+              </a:rPr>
+              <a:t>FLY</a:t>
+            </a:r>
+            <a:endParaRPr lang="en-US" sz="6000" dirty="0">
+              <a:ln w="19050">
+                <a:solidFill>
+                  <a:schemeClr val="tx1"/>
+                </a:solidFill>
+              </a:ln>
+              <a:solidFill>
+                <a:srgbClr val="FFFF00"/>
+              </a:solidFill>
+              <a:latin typeface="FVF Fernando 08" panose="02000507020000020003" pitchFamily="2" charset="0"/>
+            </a:endParaRPr>
+          </a:p>
+        </p:txBody>
+      </p:sp>
+      <p:sp>
+        <p:nvSpPr>
+          <p:cNvPr id="13" name="Rectangle 12">
+            <a:extLst>
+              <a:ext uri="{FF2B5EF4-FFF2-40B4-BE49-F238E27FC236}">
+                <a16:creationId xmlns:a16="http://schemas.microsoft.com/office/drawing/2014/main" id="{8A9E6B9A-8BAB-4121-B8BB-2121B94A6084}"/>
+              </a:ext>
+            </a:extLst>
+          </p:cNvPr>
+          <p:cNvSpPr/>
+          <p:nvPr/>
+        </p:nvSpPr>
+        <p:spPr>
+          <a:xfrm rot="18900000">
+            <a:off x="1458654" y="536048"/>
+            <a:ext cx="86002" cy="2119096"/>
+          </a:xfrm>
+          <a:prstGeom prst="rect">
+            <a:avLst/>
+          </a:prstGeom>
+          <a:solidFill>
+            <a:srgbClr val="FF0000"/>
+          </a:solidFill>
+          <a:ln>
+            <a:noFill/>
+          </a:ln>
+        </p:spPr>
+        <p:style>
+          <a:lnRef idx="2">
+            <a:schemeClr val="accent6"/>
+          </a:lnRef>
+          <a:fillRef idx="1">
+            <a:schemeClr val="lt1"/>
+          </a:fillRef>
+          <a:effectRef idx="0">
+            <a:schemeClr val="accent6"/>
+          </a:effectRef>
+          <a:fontRef idx="minor">
+            <a:schemeClr val="dk1"/>
+          </a:fontRef>
+        </p:style>
+        <p:txBody>
+          <a:bodyPr rtlCol="0" anchor="ctr"/>
+          <a:lstStyle/>
+          <a:p>
+            <a:pPr algn="ctr"/>
+            <a:endParaRPr lang="en-US" dirty="0"/>
+          </a:p>
+        </p:txBody>
+      </p:sp>
+      <p:sp>
+        <p:nvSpPr>
+          <p:cNvPr id="15" name="Rectangle 14">
+            <a:extLst>
+              <a:ext uri="{FF2B5EF4-FFF2-40B4-BE49-F238E27FC236}">
+                <a16:creationId xmlns:a16="http://schemas.microsoft.com/office/drawing/2014/main" id="{9E68A701-4D75-48AE-93E1-7FDF65635426}"/>
+              </a:ext>
+            </a:extLst>
+          </p:cNvPr>
+          <p:cNvSpPr/>
+          <p:nvPr/>
+        </p:nvSpPr>
+        <p:spPr>
+          <a:xfrm rot="1509777">
+            <a:off x="1392878" y="517459"/>
+            <a:ext cx="86002" cy="2119096"/>
+          </a:xfrm>
+          <a:prstGeom prst="rect">
+            <a:avLst/>
+          </a:prstGeom>
+          <a:solidFill>
+            <a:srgbClr val="FF0000"/>
+          </a:solidFill>
+          <a:ln>
+            <a:noFill/>
+          </a:ln>
+        </p:spPr>
+        <p:style>
+          <a:lnRef idx="2">
+            <a:schemeClr val="accent6"/>
+          </a:lnRef>
+          <a:fillRef idx="1">
+            <a:schemeClr val="lt1"/>
+          </a:fillRef>
+          <a:effectRef idx="0">
+            <a:schemeClr val="accent6"/>
+          </a:effectRef>
+          <a:fontRef idx="minor">
+            <a:schemeClr val="dk1"/>
+          </a:fontRef>
+        </p:style>
+        <p:txBody>
+          <a:bodyPr rtlCol="0" anchor="ctr"/>
+          <a:lstStyle/>
+          <a:p>
+            <a:pPr algn="ctr"/>
+            <a:endParaRPr lang="en-US" dirty="0"/>
+          </a:p>
+        </p:txBody>
+      </p:sp>
+      <p:sp>
+        <p:nvSpPr>
+          <p:cNvPr id="20" name="Arrow: Bent 19">
+            <a:extLst>
+              <a:ext uri="{FF2B5EF4-FFF2-40B4-BE49-F238E27FC236}">
+                <a16:creationId xmlns:a16="http://schemas.microsoft.com/office/drawing/2014/main" id="{35623FB4-CB0E-4DFC-9E08-2B3D4BA9AB33}"/>
+              </a:ext>
+            </a:extLst>
+          </p:cNvPr>
+          <p:cNvSpPr/>
+          <p:nvPr/>
+        </p:nvSpPr>
+        <p:spPr>
+          <a:xfrm rot="14507970">
+            <a:off x="1468139" y="2271695"/>
+            <a:ext cx="965744" cy="740928"/>
+          </a:xfrm>
+          <a:prstGeom prst="bentArrow">
+            <a:avLst/>
+          </a:prstGeom>
+          <a:solidFill>
+            <a:srgbClr val="FF0000"/>
+          </a:solidFill>
+          <a:ln>
+            <a:noFill/>
+          </a:ln>
+        </p:spPr>
+        <p:style>
+          <a:lnRef idx="2">
+            <a:schemeClr val="accent1">
+              <a:shade val="50000"/>
+            </a:schemeClr>
+          </a:lnRef>
+          <a:fillRef idx="1">
+            <a:schemeClr val="accent1"/>
+          </a:fillRef>
+          <a:effectRef idx="0">
+            <a:schemeClr val="accent1"/>
+          </a:effectRef>
+          <a:fontRef idx="minor">
+            <a:schemeClr val="lt1"/>
+          </a:fontRef>
+        </p:style>
+        <p:txBody>
+          <a:bodyPr rtlCol="0" anchor="ctr"/>
+          <a:lstStyle/>
+          <a:p>
+            <a:pPr algn="ctr"/>
+            <a:endParaRPr lang="en-US" dirty="0">
+              <a:solidFill>
+                <a:schemeClr val="tx1"/>
+              </a:solidFill>
+            </a:endParaRPr>
+          </a:p>
+        </p:txBody>
+      </p:sp>
+    </p:spTree>
+    <p:extLst>
+      <p:ext uri="{BB962C8B-B14F-4D97-AF65-F5344CB8AC3E}">
+        <p14:creationId xmlns:p14="http://schemas.microsoft.com/office/powerpoint/2010/main" val="693460662"/>
+      </p:ext>
+    </p:extLst>
+  </p:cSld>
+  <p:clrMapOvr>
+    <a:masterClrMapping/>
+  </p:clrMapOvr>
+</p:sld>
+</file>
+
+<file path=ppt/slides/slide20.xml><?xml version="1.0" encoding="utf-8"?>
+<p:sld xmlns:a="http://schemas.openxmlformats.org/drawingml/2006/main" xmlns:r="http://schemas.openxmlformats.org/officeDocument/2006/relationships" xmlns:p="http://schemas.openxmlformats.org/presentationml/2006/main">
+  <p:cSld>
+    <p:spTree>
+      <p:nvGrpSpPr>
+        <p:cNvPr id="1" name=""/>
+        <p:cNvGrpSpPr/>
+        <p:nvPr/>
+      </p:nvGrpSpPr>
+      <p:grpSpPr>
+        <a:xfrm>
+          <a:off x="0" y="0"/>
+          <a:ext cx="0" cy="0"/>
+          <a:chOff x="0" y="0"/>
+          <a:chExt cx="0" cy="0"/>
+        </a:xfrm>
+      </p:grpSpPr>
+      <p:sp>
+        <p:nvSpPr>
+          <p:cNvPr id="11" name="TextBox 10">
+            <a:extLst>
+              <a:ext uri="{FF2B5EF4-FFF2-40B4-BE49-F238E27FC236}">
+                <a16:creationId xmlns:a16="http://schemas.microsoft.com/office/drawing/2014/main" id="{49A7B9B6-8455-43BE-8670-E01CE03933DF}"/>
+              </a:ext>
+            </a:extLst>
+          </p:cNvPr>
+          <p:cNvSpPr txBox="1"/>
+          <p:nvPr/>
+        </p:nvSpPr>
+        <p:spPr>
+          <a:xfrm>
             <a:off x="3614045" y="3858413"/>
             <a:ext cx="1915909" cy="1015663"/>
           </a:xfrm>
@@ -17490,598 +19362,7 @@
 </p:sld>
 </file>
 
-<file path=ppt/slides/slide2.xml><?xml version="1.0" encoding="utf-8"?>
-<p:sld xmlns:a="http://schemas.openxmlformats.org/drawingml/2006/main" xmlns:r="http://schemas.openxmlformats.org/officeDocument/2006/relationships" xmlns:p="http://schemas.openxmlformats.org/presentationml/2006/main">
-  <p:cSld>
-    <p:spTree>
-      <p:nvGrpSpPr>
-        <p:cNvPr id="1" name=""/>
-        <p:cNvGrpSpPr/>
-        <p:nvPr/>
-      </p:nvGrpSpPr>
-      <p:grpSpPr>
-        <a:xfrm>
-          <a:off x="0" y="0"/>
-          <a:ext cx="0" cy="0"/>
-          <a:chOff x="0" y="0"/>
-          <a:chExt cx="0" cy="0"/>
-        </a:xfrm>
-      </p:grpSpPr>
-      <p:sp>
-        <p:nvSpPr>
-          <p:cNvPr id="11" name="TextBox 10">
-            <a:extLst>
-              <a:ext uri="{FF2B5EF4-FFF2-40B4-BE49-F238E27FC236}">
-                <a16:creationId xmlns:a16="http://schemas.microsoft.com/office/drawing/2014/main" id="{49A7B9B6-8455-43BE-8670-E01CE03933DF}"/>
-              </a:ext>
-            </a:extLst>
-          </p:cNvPr>
-          <p:cNvSpPr txBox="1"/>
-          <p:nvPr/>
-        </p:nvSpPr>
-        <p:spPr>
-          <a:xfrm>
-            <a:off x="2700334" y="3858413"/>
-            <a:ext cx="3743332" cy="1015663"/>
-          </a:xfrm>
-          <a:prstGeom prst="rect">
-            <a:avLst/>
-          </a:prstGeom>
-          <a:noFill/>
-        </p:spPr>
-        <p:txBody>
-          <a:bodyPr wrap="none" rtlCol="0">
-            <a:spAutoFit/>
-          </a:bodyPr>
-          <a:lstStyle/>
-          <a:p>
-            <a:r>
-              <a:rPr lang="vi-VN" sz="6000" dirty="0">
-                <a:ln w="19050">
-                  <a:solidFill>
-                    <a:schemeClr val="tx1"/>
-                  </a:solidFill>
-                </a:ln>
-                <a:solidFill>
-                  <a:srgbClr val="FFFF00"/>
-                </a:solidFill>
-                <a:latin typeface="FVF Fernando 08" panose="02000507020000020003" pitchFamily="2" charset="0"/>
-              </a:rPr>
-              <a:t>/ability</a:t>
-            </a:r>
-            <a:endParaRPr lang="en-US" sz="6000" dirty="0">
-              <a:ln w="19050">
-                <a:solidFill>
-                  <a:schemeClr val="tx1"/>
-                </a:solidFill>
-              </a:ln>
-              <a:solidFill>
-                <a:srgbClr val="FFFF00"/>
-              </a:solidFill>
-              <a:latin typeface="FVF Fernando 08" panose="02000507020000020003" pitchFamily="2" charset="0"/>
-            </a:endParaRPr>
-          </a:p>
-        </p:txBody>
-      </p:sp>
-      <p:pic>
-        <p:nvPicPr>
-          <p:cNvPr id="14" name="Picture 13">
-            <a:extLst>
-              <a:ext uri="{FF2B5EF4-FFF2-40B4-BE49-F238E27FC236}">
-                <a16:creationId xmlns:a16="http://schemas.microsoft.com/office/drawing/2014/main" id="{E2D411D6-C028-4F7B-96FB-CC2855017620}"/>
-              </a:ext>
-            </a:extLst>
-          </p:cNvPr>
-          <p:cNvPicPr>
-            <a:picLocks noChangeAspect="1"/>
-          </p:cNvPicPr>
-          <p:nvPr/>
-        </p:nvPicPr>
-        <p:blipFill>
-          <a:blip r:embed="rId3">
-            <a:extLst>
-              <a:ext uri="{28A0092B-C50C-407E-A947-70E740481C1C}">
-                <a14:useLocalDpi xmlns:a14="http://schemas.microsoft.com/office/drawing/2010/main" val="0"/>
-              </a:ext>
-            </a:extLst>
-          </a:blip>
-          <a:srcRect/>
-          <a:stretch/>
-        </p:blipFill>
-        <p:spPr>
-          <a:xfrm>
-            <a:off x="7675990" y="30481"/>
-            <a:ext cx="1490870" cy="1490870"/>
-          </a:xfrm>
-          <a:prstGeom prst="rect">
-            <a:avLst/>
-          </a:prstGeom>
-          <a:ln w="19050">
-            <a:noFill/>
-          </a:ln>
-          <a:effectLst>
-            <a:outerShdw blurRad="63500" sx="104000" sy="104000" algn="ctr" rotWithShape="0">
-              <a:srgbClr val="FFFF00"/>
-            </a:outerShdw>
-          </a:effectLst>
-        </p:spPr>
-      </p:pic>
-      <p:pic>
-        <p:nvPicPr>
-          <p:cNvPr id="3" name="Picture 2">
-            <a:extLst>
-              <a:ext uri="{FF2B5EF4-FFF2-40B4-BE49-F238E27FC236}">
-                <a16:creationId xmlns:a16="http://schemas.microsoft.com/office/drawing/2014/main" id="{18A90C58-A9D5-406F-AC0D-99F324E1A739}"/>
-              </a:ext>
-            </a:extLst>
-          </p:cNvPr>
-          <p:cNvPicPr>
-            <a:picLocks noChangeAspect="1"/>
-          </p:cNvPicPr>
-          <p:nvPr/>
-        </p:nvPicPr>
-        <p:blipFill>
-          <a:blip r:embed="rId4">
-            <a:extLst>
-              <a:ext uri="{BEBA8EAE-BF5A-486C-A8C5-ECC9F3942E4B}">
-                <a14:imgProps xmlns:a14="http://schemas.microsoft.com/office/drawing/2010/main">
-                  <a14:imgLayer r:embed="rId5">
-                    <a14:imgEffect>
-                      <a14:brightnessContrast bright="6000"/>
-                    </a14:imgEffect>
-                  </a14:imgLayer>
-                </a14:imgProps>
-              </a:ext>
-            </a:extLst>
-          </a:blip>
-          <a:stretch>
-            <a:fillRect/>
-          </a:stretch>
-        </p:blipFill>
-        <p:spPr>
-          <a:xfrm rot="5400000">
-            <a:off x="3650383" y="517322"/>
-            <a:ext cx="1843233" cy="3962606"/>
-          </a:xfrm>
-          <a:prstGeom prst="rect">
-            <a:avLst/>
-          </a:prstGeom>
-        </p:spPr>
-      </p:pic>
-      <p:sp>
-        <p:nvSpPr>
-          <p:cNvPr id="4" name="Rectangle 3">
-            <a:extLst>
-              <a:ext uri="{FF2B5EF4-FFF2-40B4-BE49-F238E27FC236}">
-                <a16:creationId xmlns:a16="http://schemas.microsoft.com/office/drawing/2014/main" id="{29FB872E-37B0-4CF1-96D0-D21B09506E12}"/>
-              </a:ext>
-            </a:extLst>
-          </p:cNvPr>
-          <p:cNvSpPr/>
-          <p:nvPr/>
-        </p:nvSpPr>
-        <p:spPr>
-          <a:xfrm>
-            <a:off x="3242029" y="894523"/>
-            <a:ext cx="225287" cy="1033669"/>
-          </a:xfrm>
-          <a:prstGeom prst="rect">
-            <a:avLst/>
-          </a:prstGeom>
-          <a:solidFill>
-            <a:schemeClr val="bg1"/>
-          </a:solidFill>
-          <a:ln>
-            <a:solidFill>
-              <a:schemeClr val="bg1"/>
-            </a:solidFill>
-          </a:ln>
-        </p:spPr>
-        <p:style>
-          <a:lnRef idx="2">
-            <a:schemeClr val="accent6"/>
-          </a:lnRef>
-          <a:fillRef idx="1">
-            <a:schemeClr val="lt1"/>
-          </a:fillRef>
-          <a:effectRef idx="0">
-            <a:schemeClr val="accent6"/>
-          </a:effectRef>
-          <a:fontRef idx="minor">
-            <a:schemeClr val="dk1"/>
-          </a:fontRef>
-        </p:style>
-        <p:txBody>
-          <a:bodyPr rtlCol="0" anchor="ctr"/>
-          <a:lstStyle/>
-          <a:p>
-            <a:pPr algn="ctr"/>
-            <a:endParaRPr lang="en-US" dirty="0"/>
-          </a:p>
-        </p:txBody>
-      </p:sp>
-      <p:sp>
-        <p:nvSpPr>
-          <p:cNvPr id="7" name="Rectangle 6">
-            <a:extLst>
-              <a:ext uri="{FF2B5EF4-FFF2-40B4-BE49-F238E27FC236}">
-                <a16:creationId xmlns:a16="http://schemas.microsoft.com/office/drawing/2014/main" id="{714D1804-A5F2-4DD5-80FF-4CBB6BDECBF8}"/>
-              </a:ext>
-            </a:extLst>
-          </p:cNvPr>
-          <p:cNvSpPr/>
-          <p:nvPr/>
-        </p:nvSpPr>
-        <p:spPr>
-          <a:xfrm>
-            <a:off x="3889462" y="202096"/>
-            <a:ext cx="225287" cy="1033669"/>
-          </a:xfrm>
-          <a:prstGeom prst="rect">
-            <a:avLst/>
-          </a:prstGeom>
-          <a:solidFill>
-            <a:schemeClr val="bg1"/>
-          </a:solidFill>
-          <a:ln>
-            <a:solidFill>
-              <a:schemeClr val="bg1"/>
-            </a:solidFill>
-          </a:ln>
-        </p:spPr>
-        <p:style>
-          <a:lnRef idx="2">
-            <a:schemeClr val="accent6"/>
-          </a:lnRef>
-          <a:fillRef idx="1">
-            <a:schemeClr val="lt1"/>
-          </a:fillRef>
-          <a:effectRef idx="0">
-            <a:schemeClr val="accent6"/>
-          </a:effectRef>
-          <a:fontRef idx="minor">
-            <a:schemeClr val="dk1"/>
-          </a:fontRef>
-        </p:style>
-        <p:txBody>
-          <a:bodyPr rtlCol="0" anchor="ctr"/>
-          <a:lstStyle/>
-          <a:p>
-            <a:pPr algn="ctr"/>
-            <a:endParaRPr lang="en-US" dirty="0"/>
-          </a:p>
-        </p:txBody>
-      </p:sp>
-      <p:sp>
-        <p:nvSpPr>
-          <p:cNvPr id="8" name="Rectangle 7">
-            <a:extLst>
-              <a:ext uri="{FF2B5EF4-FFF2-40B4-BE49-F238E27FC236}">
-                <a16:creationId xmlns:a16="http://schemas.microsoft.com/office/drawing/2014/main" id="{35896C80-2AD6-4224-9B08-046C66E8C05A}"/>
-              </a:ext>
-            </a:extLst>
-          </p:cNvPr>
-          <p:cNvSpPr/>
-          <p:nvPr/>
-        </p:nvSpPr>
-        <p:spPr>
-          <a:xfrm>
-            <a:off x="4459355" y="1286125"/>
-            <a:ext cx="225287" cy="1033669"/>
-          </a:xfrm>
-          <a:prstGeom prst="rect">
-            <a:avLst/>
-          </a:prstGeom>
-          <a:solidFill>
-            <a:schemeClr val="bg1"/>
-          </a:solidFill>
-          <a:ln>
-            <a:solidFill>
-              <a:schemeClr val="bg1"/>
-            </a:solidFill>
-          </a:ln>
-        </p:spPr>
-        <p:style>
-          <a:lnRef idx="2">
-            <a:schemeClr val="accent6"/>
-          </a:lnRef>
-          <a:fillRef idx="1">
-            <a:schemeClr val="lt1"/>
-          </a:fillRef>
-          <a:effectRef idx="0">
-            <a:schemeClr val="accent6"/>
-          </a:effectRef>
-          <a:fontRef idx="minor">
-            <a:schemeClr val="dk1"/>
-          </a:fontRef>
-        </p:style>
-        <p:txBody>
-          <a:bodyPr rtlCol="0" anchor="ctr"/>
-          <a:lstStyle/>
-          <a:p>
-            <a:pPr algn="ctr"/>
-            <a:endParaRPr lang="en-US" dirty="0"/>
-          </a:p>
-        </p:txBody>
-      </p:sp>
-      <p:sp>
-        <p:nvSpPr>
-          <p:cNvPr id="9" name="Rectangle 8">
-            <a:extLst>
-              <a:ext uri="{FF2B5EF4-FFF2-40B4-BE49-F238E27FC236}">
-                <a16:creationId xmlns:a16="http://schemas.microsoft.com/office/drawing/2014/main" id="{9F0D04D1-FBC0-4F3B-A7F8-0F1B923469B0}"/>
-              </a:ext>
-            </a:extLst>
-          </p:cNvPr>
-          <p:cNvSpPr/>
-          <p:nvPr/>
-        </p:nvSpPr>
-        <p:spPr>
-          <a:xfrm>
-            <a:off x="5208128" y="573156"/>
-            <a:ext cx="225287" cy="1033669"/>
-          </a:xfrm>
-          <a:prstGeom prst="rect">
-            <a:avLst/>
-          </a:prstGeom>
-          <a:solidFill>
-            <a:schemeClr val="bg1"/>
-          </a:solidFill>
-          <a:ln>
-            <a:solidFill>
-              <a:schemeClr val="bg1"/>
-            </a:solidFill>
-          </a:ln>
-        </p:spPr>
-        <p:style>
-          <a:lnRef idx="2">
-            <a:schemeClr val="accent6"/>
-          </a:lnRef>
-          <a:fillRef idx="1">
-            <a:schemeClr val="lt1"/>
-          </a:fillRef>
-          <a:effectRef idx="0">
-            <a:schemeClr val="accent6"/>
-          </a:effectRef>
-          <a:fontRef idx="minor">
-            <a:schemeClr val="dk1"/>
-          </a:fontRef>
-        </p:style>
-        <p:txBody>
-          <a:bodyPr rtlCol="0" anchor="ctr"/>
-          <a:lstStyle/>
-          <a:p>
-            <a:pPr algn="ctr"/>
-            <a:endParaRPr lang="en-US" dirty="0"/>
-          </a:p>
-        </p:txBody>
-      </p:sp>
-      <p:sp>
-        <p:nvSpPr>
-          <p:cNvPr id="12" name="TextBox 11">
-            <a:extLst>
-              <a:ext uri="{FF2B5EF4-FFF2-40B4-BE49-F238E27FC236}">
-                <a16:creationId xmlns:a16="http://schemas.microsoft.com/office/drawing/2014/main" id="{62EC23F5-97DF-4DF6-836D-38E53A21ED8A}"/>
-              </a:ext>
-            </a:extLst>
-          </p:cNvPr>
-          <p:cNvSpPr txBox="1"/>
-          <p:nvPr/>
-        </p:nvSpPr>
-        <p:spPr>
-          <a:xfrm rot="20303622">
-            <a:off x="506506" y="978416"/>
-            <a:ext cx="2394949" cy="1015663"/>
-          </a:xfrm>
-          <a:prstGeom prst="rect">
-            <a:avLst/>
-          </a:prstGeom>
-          <a:noFill/>
-        </p:spPr>
-        <p:txBody>
-          <a:bodyPr wrap="square" rtlCol="0">
-            <a:spAutoFit/>
-          </a:bodyPr>
-          <a:lstStyle/>
-          <a:p>
-            <a:r>
-              <a:rPr lang="vi-VN" sz="6000" dirty="0">
-                <a:ln w="19050">
-                  <a:solidFill>
-                    <a:schemeClr val="tx1"/>
-                  </a:solidFill>
-                </a:ln>
-                <a:solidFill>
-                  <a:srgbClr val="FFFF00"/>
-                </a:solidFill>
-                <a:latin typeface="FVF Fernando 08" panose="02000507020000020003" pitchFamily="2" charset="0"/>
-              </a:rPr>
-              <a:t>FLY</a:t>
-            </a:r>
-            <a:endParaRPr lang="en-US" sz="6000" dirty="0">
-              <a:ln w="19050">
-                <a:solidFill>
-                  <a:schemeClr val="tx1"/>
-                </a:solidFill>
-              </a:ln>
-              <a:solidFill>
-                <a:srgbClr val="FFFF00"/>
-              </a:solidFill>
-              <a:latin typeface="FVF Fernando 08" panose="02000507020000020003" pitchFamily="2" charset="0"/>
-            </a:endParaRPr>
-          </a:p>
-        </p:txBody>
-      </p:sp>
-      <p:sp>
-        <p:nvSpPr>
-          <p:cNvPr id="13" name="Rectangle 12">
-            <a:extLst>
-              <a:ext uri="{FF2B5EF4-FFF2-40B4-BE49-F238E27FC236}">
-                <a16:creationId xmlns:a16="http://schemas.microsoft.com/office/drawing/2014/main" id="{8A9E6B9A-8BAB-4121-B8BB-2121B94A6084}"/>
-              </a:ext>
-            </a:extLst>
-          </p:cNvPr>
-          <p:cNvSpPr/>
-          <p:nvPr/>
-        </p:nvSpPr>
-        <p:spPr>
-          <a:xfrm rot="18900000">
-            <a:off x="1458654" y="536048"/>
-            <a:ext cx="86002" cy="2119096"/>
-          </a:xfrm>
-          <a:prstGeom prst="rect">
-            <a:avLst/>
-          </a:prstGeom>
-          <a:solidFill>
-            <a:srgbClr val="FF0000"/>
-          </a:solidFill>
-          <a:ln>
-            <a:noFill/>
-          </a:ln>
-        </p:spPr>
-        <p:style>
-          <a:lnRef idx="2">
-            <a:schemeClr val="accent6"/>
-          </a:lnRef>
-          <a:fillRef idx="1">
-            <a:schemeClr val="lt1"/>
-          </a:fillRef>
-          <a:effectRef idx="0">
-            <a:schemeClr val="accent6"/>
-          </a:effectRef>
-          <a:fontRef idx="minor">
-            <a:schemeClr val="dk1"/>
-          </a:fontRef>
-        </p:style>
-        <p:txBody>
-          <a:bodyPr rtlCol="0" anchor="ctr"/>
-          <a:lstStyle/>
-          <a:p>
-            <a:pPr algn="ctr"/>
-            <a:endParaRPr lang="en-US" dirty="0"/>
-          </a:p>
-        </p:txBody>
-      </p:sp>
-      <p:sp>
-        <p:nvSpPr>
-          <p:cNvPr id="15" name="Rectangle 14">
-            <a:extLst>
-              <a:ext uri="{FF2B5EF4-FFF2-40B4-BE49-F238E27FC236}">
-                <a16:creationId xmlns:a16="http://schemas.microsoft.com/office/drawing/2014/main" id="{9E68A701-4D75-48AE-93E1-7FDF65635426}"/>
-              </a:ext>
-            </a:extLst>
-          </p:cNvPr>
-          <p:cNvSpPr/>
-          <p:nvPr/>
-        </p:nvSpPr>
-        <p:spPr>
-          <a:xfrm rot="1509777">
-            <a:off x="1392878" y="517459"/>
-            <a:ext cx="86002" cy="2119096"/>
-          </a:xfrm>
-          <a:prstGeom prst="rect">
-            <a:avLst/>
-          </a:prstGeom>
-          <a:solidFill>
-            <a:srgbClr val="FF0000"/>
-          </a:solidFill>
-          <a:ln>
-            <a:noFill/>
-          </a:ln>
-        </p:spPr>
-        <p:style>
-          <a:lnRef idx="2">
-            <a:schemeClr val="accent6"/>
-          </a:lnRef>
-          <a:fillRef idx="1">
-            <a:schemeClr val="lt1"/>
-          </a:fillRef>
-          <a:effectRef idx="0">
-            <a:schemeClr val="accent6"/>
-          </a:effectRef>
-          <a:fontRef idx="minor">
-            <a:schemeClr val="dk1"/>
-          </a:fontRef>
-        </p:style>
-        <p:txBody>
-          <a:bodyPr rtlCol="0" anchor="ctr"/>
-          <a:lstStyle/>
-          <a:p>
-            <a:pPr algn="ctr"/>
-            <a:endParaRPr lang="en-US" dirty="0"/>
-          </a:p>
-        </p:txBody>
-      </p:sp>
-      <p:sp>
-        <p:nvSpPr>
-          <p:cNvPr id="20" name="Arrow: Bent 19">
-            <a:extLst>
-              <a:ext uri="{FF2B5EF4-FFF2-40B4-BE49-F238E27FC236}">
-                <a16:creationId xmlns:a16="http://schemas.microsoft.com/office/drawing/2014/main" id="{35623FB4-CB0E-4DFC-9E08-2B3D4BA9AB33}"/>
-              </a:ext>
-            </a:extLst>
-          </p:cNvPr>
-          <p:cNvSpPr/>
-          <p:nvPr/>
-        </p:nvSpPr>
-        <p:spPr>
-          <a:xfrm rot="14507970">
-            <a:off x="1468139" y="2271695"/>
-            <a:ext cx="965744" cy="740928"/>
-          </a:xfrm>
-          <a:prstGeom prst="bentArrow">
-            <a:avLst/>
-          </a:prstGeom>
-          <a:solidFill>
-            <a:srgbClr val="FF0000"/>
-          </a:solidFill>
-          <a:ln>
-            <a:noFill/>
-          </a:ln>
-        </p:spPr>
-        <p:style>
-          <a:lnRef idx="2">
-            <a:schemeClr val="accent1">
-              <a:shade val="50000"/>
-            </a:schemeClr>
-          </a:lnRef>
-          <a:fillRef idx="1">
-            <a:schemeClr val="accent1"/>
-          </a:fillRef>
-          <a:effectRef idx="0">
-            <a:schemeClr val="accent1"/>
-          </a:effectRef>
-          <a:fontRef idx="minor">
-            <a:schemeClr val="lt1"/>
-          </a:fontRef>
-        </p:style>
-        <p:txBody>
-          <a:bodyPr rtlCol="0" anchor="ctr"/>
-          <a:lstStyle/>
-          <a:p>
-            <a:pPr algn="ctr"/>
-            <a:endParaRPr lang="en-US" dirty="0">
-              <a:solidFill>
-                <a:schemeClr val="tx1"/>
-              </a:solidFill>
-            </a:endParaRPr>
-          </a:p>
-        </p:txBody>
-      </p:sp>
-    </p:spTree>
-    <p:extLst>
-      <p:ext uri="{BB962C8B-B14F-4D97-AF65-F5344CB8AC3E}">
-        <p14:creationId xmlns:p14="http://schemas.microsoft.com/office/powerpoint/2010/main" val="693460662"/>
-      </p:ext>
-    </p:extLst>
-  </p:cSld>
-  <p:clrMapOvr>
-    <a:masterClrMapping/>
-  </p:clrMapOvr>
-</p:sld>
-</file>
-
-<file path=ppt/slides/slide20.xml><?xml version="1.0" encoding="utf-8"?>
+<file path=ppt/slides/slide21.xml><?xml version="1.0" encoding="utf-8"?>
 <p:sld xmlns:a="http://schemas.openxmlformats.org/drawingml/2006/main" xmlns:r="http://schemas.openxmlformats.org/officeDocument/2006/relationships" xmlns:p="http://schemas.openxmlformats.org/presentationml/2006/main">
   <p:cSld>
     <p:spTree>
@@ -19156,7 +20437,7 @@
 </p:sld>
 </file>
 
-<file path=ppt/slides/slide21.xml><?xml version="1.0" encoding="utf-8"?>
+<file path=ppt/slides/slide22.xml><?xml version="1.0" encoding="utf-8"?>
 <p:sld xmlns:a="http://schemas.openxmlformats.org/drawingml/2006/main" xmlns:r="http://schemas.openxmlformats.org/officeDocument/2006/relationships" xmlns:p="http://schemas.openxmlformats.org/presentationml/2006/main">
   <p:cSld>
     <p:spTree>
@@ -19574,7 +20855,7 @@
 </p:sld>
 </file>
 
-<file path=ppt/slides/slide22.xml><?xml version="1.0" encoding="utf-8"?>
+<file path=ppt/slides/slide23.xml><?xml version="1.0" encoding="utf-8"?>
 <p:sld xmlns:a="http://schemas.openxmlformats.org/drawingml/2006/main" xmlns:r="http://schemas.openxmlformats.org/officeDocument/2006/relationships" xmlns:p="http://schemas.openxmlformats.org/presentationml/2006/main">
   <p:cSld>
     <p:spTree>
@@ -19848,7 +21129,7 @@
 </p:sld>
 </file>
 
-<file path=ppt/slides/slide23.xml><?xml version="1.0" encoding="utf-8"?>
+<file path=ppt/slides/slide24.xml><?xml version="1.0" encoding="utf-8"?>
 <p:sld xmlns:a="http://schemas.openxmlformats.org/drawingml/2006/main" xmlns:r="http://schemas.openxmlformats.org/officeDocument/2006/relationships" xmlns:p="http://schemas.openxmlformats.org/presentationml/2006/main">
   <p:cSld>
     <p:spTree>
@@ -20189,7 +21470,7 @@
 </p:sld>
 </file>
 
-<file path=ppt/slides/slide24.xml><?xml version="1.0" encoding="utf-8"?>
+<file path=ppt/slides/slide25.xml><?xml version="1.0" encoding="utf-8"?>
 <p:sld xmlns:a="http://schemas.openxmlformats.org/drawingml/2006/main" xmlns:r="http://schemas.openxmlformats.org/officeDocument/2006/relationships" xmlns:p="http://schemas.openxmlformats.org/presentationml/2006/main">
   <p:cSld>
     <p:spTree>
@@ -20458,7 +21739,7 @@
 </p:sld>
 </file>
 
-<file path=ppt/slides/slide25.xml><?xml version="1.0" encoding="utf-8"?>
+<file path=ppt/slides/slide26.xml><?xml version="1.0" encoding="utf-8"?>
 <p:sld xmlns:a="http://schemas.openxmlformats.org/drawingml/2006/main" xmlns:r="http://schemas.openxmlformats.org/officeDocument/2006/relationships" xmlns:p="http://schemas.openxmlformats.org/presentationml/2006/main">
   <p:cSld>
     <p:spTree>
@@ -20938,7 +22219,7 @@
 </p:sld>
 </file>
 
-<file path=ppt/slides/slide26.xml><?xml version="1.0" encoding="utf-8"?>
+<file path=ppt/slides/slide27.xml><?xml version="1.0" encoding="utf-8"?>
 <p:sld xmlns:a="http://schemas.openxmlformats.org/drawingml/2006/main" xmlns:r="http://schemas.openxmlformats.org/officeDocument/2006/relationships" xmlns:p="http://schemas.openxmlformats.org/presentationml/2006/main">
   <p:cSld>
     <p:spTree>
@@ -21097,7 +22378,7 @@
 </p:sld>
 </file>
 
-<file path=ppt/slides/slide27.xml><?xml version="1.0" encoding="utf-8"?>
+<file path=ppt/slides/slide28.xml><?xml version="1.0" encoding="utf-8"?>
 <p:sld xmlns:a="http://schemas.openxmlformats.org/drawingml/2006/main" xmlns:r="http://schemas.openxmlformats.org/officeDocument/2006/relationships" xmlns:p="http://schemas.openxmlformats.org/presentationml/2006/main">
   <p:cSld>
     <p:spTree>
@@ -21472,7 +22753,7 @@
 </p:sld>
 </file>
 
-<file path=ppt/slides/slide28.xml><?xml version="1.0" encoding="utf-8"?>
+<file path=ppt/slides/slide29.xml><?xml version="1.0" encoding="utf-8"?>
 <p:sld xmlns:a="http://schemas.openxmlformats.org/drawingml/2006/main" xmlns:r="http://schemas.openxmlformats.org/officeDocument/2006/relationships" xmlns:p="http://schemas.openxmlformats.org/presentationml/2006/main">
   <p:cSld>
     <p:spTree>
@@ -21727,201 +23008,6 @@
 </p:sld>
 </file>
 
-<file path=ppt/slides/slide29.xml><?xml version="1.0" encoding="utf-8"?>
-<p:sld xmlns:a="http://schemas.openxmlformats.org/drawingml/2006/main" xmlns:r="http://schemas.openxmlformats.org/officeDocument/2006/relationships" xmlns:p="http://schemas.openxmlformats.org/presentationml/2006/main">
-  <p:cSld>
-    <p:spTree>
-      <p:nvGrpSpPr>
-        <p:cNvPr id="1" name=""/>
-        <p:cNvGrpSpPr/>
-        <p:nvPr/>
-      </p:nvGrpSpPr>
-      <p:grpSpPr>
-        <a:xfrm>
-          <a:off x="0" y="0"/>
-          <a:ext cx="0" cy="0"/>
-          <a:chOff x="0" y="0"/>
-          <a:chExt cx="0" cy="0"/>
-        </a:xfrm>
-      </p:grpSpPr>
-      <p:sp>
-        <p:nvSpPr>
-          <p:cNvPr id="11" name="TextBox 10">
-            <a:extLst>
-              <a:ext uri="{FF2B5EF4-FFF2-40B4-BE49-F238E27FC236}">
-                <a16:creationId xmlns:a16="http://schemas.microsoft.com/office/drawing/2014/main" id="{49A7B9B6-8455-43BE-8670-E01CE03933DF}"/>
-              </a:ext>
-            </a:extLst>
-          </p:cNvPr>
-          <p:cNvSpPr txBox="1"/>
-          <p:nvPr/>
-        </p:nvSpPr>
-        <p:spPr>
-          <a:xfrm>
-            <a:off x="3565955" y="3858413"/>
-            <a:ext cx="2012089" cy="1015663"/>
-          </a:xfrm>
-          <a:prstGeom prst="rect">
-            <a:avLst/>
-          </a:prstGeom>
-          <a:noFill/>
-        </p:spPr>
-        <p:txBody>
-          <a:bodyPr wrap="none" rtlCol="0">
-            <a:spAutoFit/>
-          </a:bodyPr>
-          <a:lstStyle/>
-          <a:p>
-            <a:r>
-              <a:rPr lang="vi-VN" sz="6000" dirty="0">
-                <a:ln w="19050">
-                  <a:solidFill>
-                    <a:schemeClr val="tx1"/>
-                  </a:solidFill>
-                </a:ln>
-                <a:solidFill>
-                  <a:srgbClr val="FFFF00"/>
-                </a:solidFill>
-                <a:latin typeface="FVF Fernando 08" panose="02000507020000020003" pitchFamily="2" charset="0"/>
-              </a:rPr>
-              <a:t>/kill</a:t>
-            </a:r>
-            <a:endParaRPr lang="en-US" sz="6000" dirty="0">
-              <a:ln w="19050">
-                <a:solidFill>
-                  <a:schemeClr val="tx1"/>
-                </a:solidFill>
-              </a:ln>
-              <a:solidFill>
-                <a:srgbClr val="FFFF00"/>
-              </a:solidFill>
-              <a:latin typeface="FVF Fernando 08" panose="02000507020000020003" pitchFamily="2" charset="0"/>
-            </a:endParaRPr>
-          </a:p>
-        </p:txBody>
-      </p:sp>
-      <p:pic>
-        <p:nvPicPr>
-          <p:cNvPr id="14" name="Picture 13">
-            <a:extLst>
-              <a:ext uri="{FF2B5EF4-FFF2-40B4-BE49-F238E27FC236}">
-                <a16:creationId xmlns:a16="http://schemas.microsoft.com/office/drawing/2014/main" id="{E2D411D6-C028-4F7B-96FB-CC2855017620}"/>
-              </a:ext>
-            </a:extLst>
-          </p:cNvPr>
-          <p:cNvPicPr>
-            <a:picLocks noChangeAspect="1"/>
-          </p:cNvPicPr>
-          <p:nvPr/>
-        </p:nvPicPr>
-        <p:blipFill>
-          <a:blip r:embed="rId3">
-            <a:extLst>
-              <a:ext uri="{28A0092B-C50C-407E-A947-70E740481C1C}">
-                <a14:useLocalDpi xmlns:a14="http://schemas.microsoft.com/office/drawing/2010/main" val="0"/>
-              </a:ext>
-            </a:extLst>
-          </a:blip>
-          <a:srcRect/>
-          <a:stretch/>
-        </p:blipFill>
-        <p:spPr>
-          <a:xfrm>
-            <a:off x="7675990" y="30481"/>
-            <a:ext cx="1490870" cy="1490870"/>
-          </a:xfrm>
-          <a:prstGeom prst="rect">
-            <a:avLst/>
-          </a:prstGeom>
-          <a:ln w="19050">
-            <a:noFill/>
-          </a:ln>
-          <a:effectLst>
-            <a:outerShdw blurRad="63500" sx="104000" sy="104000" algn="ctr" rotWithShape="0">
-              <a:srgbClr val="FFFF00"/>
-            </a:outerShdw>
-          </a:effectLst>
-        </p:spPr>
-      </p:pic>
-      <p:pic>
-        <p:nvPicPr>
-          <p:cNvPr id="3" name="Picture 2">
-            <a:extLst>
-              <a:ext uri="{FF2B5EF4-FFF2-40B4-BE49-F238E27FC236}">
-                <a16:creationId xmlns:a16="http://schemas.microsoft.com/office/drawing/2014/main" id="{AFFB6F05-F819-4616-96E1-AB4B8766FFA0}"/>
-              </a:ext>
-            </a:extLst>
-          </p:cNvPr>
-          <p:cNvPicPr>
-            <a:picLocks noChangeAspect="1"/>
-          </p:cNvPicPr>
-          <p:nvPr/>
-        </p:nvPicPr>
-        <p:blipFill>
-          <a:blip r:embed="rId4"/>
-          <a:stretch>
-            <a:fillRect/>
-          </a:stretch>
-        </p:blipFill>
-        <p:spPr>
-          <a:xfrm rot="5400000">
-            <a:off x="3905913" y="682935"/>
-            <a:ext cx="1332171" cy="4380672"/>
-          </a:xfrm>
-          <a:prstGeom prst="rect">
-            <a:avLst/>
-          </a:prstGeom>
-        </p:spPr>
-      </p:pic>
-      <p:pic>
-        <p:nvPicPr>
-          <p:cNvPr id="6" name="Picture 5">
-            <a:extLst>
-              <a:ext uri="{FF2B5EF4-FFF2-40B4-BE49-F238E27FC236}">
-                <a16:creationId xmlns:a16="http://schemas.microsoft.com/office/drawing/2014/main" id="{41CF83DC-3E5E-49EF-AD9F-1266AD264E32}"/>
-              </a:ext>
-            </a:extLst>
-          </p:cNvPr>
-          <p:cNvPicPr>
-            <a:picLocks noChangeAspect="1"/>
-          </p:cNvPicPr>
-          <p:nvPr/>
-        </p:nvPicPr>
-        <p:blipFill>
-          <a:blip r:embed="rId5">
-            <a:extLst>
-              <a:ext uri="{28A0092B-C50C-407E-A947-70E740481C1C}">
-                <a14:useLocalDpi xmlns:a14="http://schemas.microsoft.com/office/drawing/2010/main" val="0"/>
-              </a:ext>
-            </a:extLst>
-          </a:blip>
-          <a:stretch>
-            <a:fillRect/>
-          </a:stretch>
-        </p:blipFill>
-        <p:spPr>
-          <a:xfrm>
-            <a:off x="5578044" y="824533"/>
-            <a:ext cx="666750" cy="857250"/>
-          </a:xfrm>
-          <a:prstGeom prst="rect">
-            <a:avLst/>
-          </a:prstGeom>
-        </p:spPr>
-      </p:pic>
-    </p:spTree>
-    <p:extLst>
-      <p:ext uri="{BB962C8B-B14F-4D97-AF65-F5344CB8AC3E}">
-        <p14:creationId xmlns:p14="http://schemas.microsoft.com/office/powerpoint/2010/main" val="585780059"/>
-      </p:ext>
-    </p:extLst>
-  </p:cSld>
-  <p:clrMapOvr>
-    <a:masterClrMapping/>
-  </p:clrMapOvr>
-</p:sld>
-</file>
-
 <file path=ppt/slides/slide3.xml><?xml version="1.0" encoding="utf-8"?>
 <p:sld xmlns:a="http://schemas.openxmlformats.org/drawingml/2006/main" xmlns:r="http://schemas.openxmlformats.org/officeDocument/2006/relationships" xmlns:p="http://schemas.openxmlformats.org/presentationml/2006/main">
   <p:cSld>
@@ -22129,6 +23215,201 @@
         </p:nvSpPr>
         <p:spPr>
           <a:xfrm>
+            <a:off x="3565955" y="3858413"/>
+            <a:ext cx="2012089" cy="1015663"/>
+          </a:xfrm>
+          <a:prstGeom prst="rect">
+            <a:avLst/>
+          </a:prstGeom>
+          <a:noFill/>
+        </p:spPr>
+        <p:txBody>
+          <a:bodyPr wrap="none" rtlCol="0">
+            <a:spAutoFit/>
+          </a:bodyPr>
+          <a:lstStyle/>
+          <a:p>
+            <a:r>
+              <a:rPr lang="vi-VN" sz="6000" dirty="0">
+                <a:ln w="19050">
+                  <a:solidFill>
+                    <a:schemeClr val="tx1"/>
+                  </a:solidFill>
+                </a:ln>
+                <a:solidFill>
+                  <a:srgbClr val="FFFF00"/>
+                </a:solidFill>
+                <a:latin typeface="FVF Fernando 08" panose="02000507020000020003" pitchFamily="2" charset="0"/>
+              </a:rPr>
+              <a:t>/kill</a:t>
+            </a:r>
+            <a:endParaRPr lang="en-US" sz="6000" dirty="0">
+              <a:ln w="19050">
+                <a:solidFill>
+                  <a:schemeClr val="tx1"/>
+                </a:solidFill>
+              </a:ln>
+              <a:solidFill>
+                <a:srgbClr val="FFFF00"/>
+              </a:solidFill>
+              <a:latin typeface="FVF Fernando 08" panose="02000507020000020003" pitchFamily="2" charset="0"/>
+            </a:endParaRPr>
+          </a:p>
+        </p:txBody>
+      </p:sp>
+      <p:pic>
+        <p:nvPicPr>
+          <p:cNvPr id="14" name="Picture 13">
+            <a:extLst>
+              <a:ext uri="{FF2B5EF4-FFF2-40B4-BE49-F238E27FC236}">
+                <a16:creationId xmlns:a16="http://schemas.microsoft.com/office/drawing/2014/main" id="{E2D411D6-C028-4F7B-96FB-CC2855017620}"/>
+              </a:ext>
+            </a:extLst>
+          </p:cNvPr>
+          <p:cNvPicPr>
+            <a:picLocks noChangeAspect="1"/>
+          </p:cNvPicPr>
+          <p:nvPr/>
+        </p:nvPicPr>
+        <p:blipFill>
+          <a:blip r:embed="rId3">
+            <a:extLst>
+              <a:ext uri="{28A0092B-C50C-407E-A947-70E740481C1C}">
+                <a14:useLocalDpi xmlns:a14="http://schemas.microsoft.com/office/drawing/2010/main" val="0"/>
+              </a:ext>
+            </a:extLst>
+          </a:blip>
+          <a:srcRect/>
+          <a:stretch/>
+        </p:blipFill>
+        <p:spPr>
+          <a:xfrm>
+            <a:off x="7675990" y="30481"/>
+            <a:ext cx="1490870" cy="1490870"/>
+          </a:xfrm>
+          <a:prstGeom prst="rect">
+            <a:avLst/>
+          </a:prstGeom>
+          <a:ln w="19050">
+            <a:noFill/>
+          </a:ln>
+          <a:effectLst>
+            <a:outerShdw blurRad="63500" sx="104000" sy="104000" algn="ctr" rotWithShape="0">
+              <a:srgbClr val="FFFF00"/>
+            </a:outerShdw>
+          </a:effectLst>
+        </p:spPr>
+      </p:pic>
+      <p:pic>
+        <p:nvPicPr>
+          <p:cNvPr id="3" name="Picture 2">
+            <a:extLst>
+              <a:ext uri="{FF2B5EF4-FFF2-40B4-BE49-F238E27FC236}">
+                <a16:creationId xmlns:a16="http://schemas.microsoft.com/office/drawing/2014/main" id="{AFFB6F05-F819-4616-96E1-AB4B8766FFA0}"/>
+              </a:ext>
+            </a:extLst>
+          </p:cNvPr>
+          <p:cNvPicPr>
+            <a:picLocks noChangeAspect="1"/>
+          </p:cNvPicPr>
+          <p:nvPr/>
+        </p:nvPicPr>
+        <p:blipFill>
+          <a:blip r:embed="rId4"/>
+          <a:stretch>
+            <a:fillRect/>
+          </a:stretch>
+        </p:blipFill>
+        <p:spPr>
+          <a:xfrm rot="5400000">
+            <a:off x="3905913" y="682935"/>
+            <a:ext cx="1332171" cy="4380672"/>
+          </a:xfrm>
+          <a:prstGeom prst="rect">
+            <a:avLst/>
+          </a:prstGeom>
+        </p:spPr>
+      </p:pic>
+      <p:pic>
+        <p:nvPicPr>
+          <p:cNvPr id="6" name="Picture 5">
+            <a:extLst>
+              <a:ext uri="{FF2B5EF4-FFF2-40B4-BE49-F238E27FC236}">
+                <a16:creationId xmlns:a16="http://schemas.microsoft.com/office/drawing/2014/main" id="{41CF83DC-3E5E-49EF-AD9F-1266AD264E32}"/>
+              </a:ext>
+            </a:extLst>
+          </p:cNvPr>
+          <p:cNvPicPr>
+            <a:picLocks noChangeAspect="1"/>
+          </p:cNvPicPr>
+          <p:nvPr/>
+        </p:nvPicPr>
+        <p:blipFill>
+          <a:blip r:embed="rId5">
+            <a:extLst>
+              <a:ext uri="{28A0092B-C50C-407E-A947-70E740481C1C}">
+                <a14:useLocalDpi xmlns:a14="http://schemas.microsoft.com/office/drawing/2010/main" val="0"/>
+              </a:ext>
+            </a:extLst>
+          </a:blip>
+          <a:stretch>
+            <a:fillRect/>
+          </a:stretch>
+        </p:blipFill>
+        <p:spPr>
+          <a:xfrm>
+            <a:off x="5578044" y="824533"/>
+            <a:ext cx="666750" cy="857250"/>
+          </a:xfrm>
+          <a:prstGeom prst="rect">
+            <a:avLst/>
+          </a:prstGeom>
+        </p:spPr>
+      </p:pic>
+    </p:spTree>
+    <p:extLst>
+      <p:ext uri="{BB962C8B-B14F-4D97-AF65-F5344CB8AC3E}">
+        <p14:creationId xmlns:p14="http://schemas.microsoft.com/office/powerpoint/2010/main" val="585780059"/>
+      </p:ext>
+    </p:extLst>
+  </p:cSld>
+  <p:clrMapOvr>
+    <a:masterClrMapping/>
+  </p:clrMapOvr>
+</p:sld>
+</file>
+
+<file path=ppt/slides/slide31.xml><?xml version="1.0" encoding="utf-8"?>
+<p:sld xmlns:a="http://schemas.openxmlformats.org/drawingml/2006/main" xmlns:r="http://schemas.openxmlformats.org/officeDocument/2006/relationships" xmlns:p="http://schemas.openxmlformats.org/presentationml/2006/main">
+  <p:cSld>
+    <p:spTree>
+      <p:nvGrpSpPr>
+        <p:cNvPr id="1" name=""/>
+        <p:cNvGrpSpPr/>
+        <p:nvPr/>
+      </p:nvGrpSpPr>
+      <p:grpSpPr>
+        <a:xfrm>
+          <a:off x="0" y="0"/>
+          <a:ext cx="0" cy="0"/>
+          <a:chOff x="0" y="0"/>
+          <a:chExt cx="0" cy="0"/>
+        </a:xfrm>
+      </p:grpSpPr>
+      <p:sp>
+        <p:nvSpPr>
+          <p:cNvPr id="11" name="TextBox 10">
+            <a:extLst>
+              <a:ext uri="{FF2B5EF4-FFF2-40B4-BE49-F238E27FC236}">
+                <a16:creationId xmlns:a16="http://schemas.microsoft.com/office/drawing/2014/main" id="{49A7B9B6-8455-43BE-8670-E01CE03933DF}"/>
+              </a:ext>
+            </a:extLst>
+          </p:cNvPr>
+          <p:cNvSpPr txBox="1"/>
+          <p:nvPr/>
+        </p:nvSpPr>
+        <p:spPr>
+          <a:xfrm>
             <a:off x="3373595" y="3858413"/>
             <a:ext cx="2396810" cy="1015663"/>
           </a:xfrm>
@@ -22263,7 +23544,7 @@
 </p:sld>
 </file>
 
-<file path=ppt/slides/slide31.xml><?xml version="1.0" encoding="utf-8"?>
+<file path=ppt/slides/slide32.xml><?xml version="1.0" encoding="utf-8"?>
 <p:sld xmlns:a="http://schemas.openxmlformats.org/drawingml/2006/main" xmlns:r="http://schemas.openxmlformats.org/officeDocument/2006/relationships" xmlns:p="http://schemas.openxmlformats.org/presentationml/2006/main">
   <p:cSld>
     <p:spTree>
@@ -22766,7 +24047,7 @@
 </p:sld>
 </file>
 
-<file path=ppt/slides/slide32.xml><?xml version="1.0" encoding="utf-8"?>
+<file path=ppt/slides/slide33.xml><?xml version="1.0" encoding="utf-8"?>
 <p:sld xmlns:a="http://schemas.openxmlformats.org/drawingml/2006/main" xmlns:r="http://schemas.openxmlformats.org/officeDocument/2006/relationships" xmlns:p="http://schemas.openxmlformats.org/presentationml/2006/main">
   <p:cSld>
     <p:spTree>
@@ -23086,7 +24367,7 @@
 </p:sld>
 </file>
 
-<file path=ppt/slides/slide33.xml><?xml version="1.0" encoding="utf-8"?>
+<file path=ppt/slides/slide34.xml><?xml version="1.0" encoding="utf-8"?>
 <p:sld xmlns:a="http://schemas.openxmlformats.org/drawingml/2006/main" xmlns:r="http://schemas.openxmlformats.org/officeDocument/2006/relationships" xmlns:p="http://schemas.openxmlformats.org/presentationml/2006/main">
   <p:cSld>
     <p:spTree>
@@ -23434,7 +24715,7 @@
 </p:sld>
 </file>
 
-<file path=ppt/slides/slide34.xml><?xml version="1.0" encoding="utf-8"?>
+<file path=ppt/slides/slide35.xml><?xml version="1.0" encoding="utf-8"?>
 <p:sld xmlns:a="http://schemas.openxmlformats.org/drawingml/2006/main" xmlns:r="http://schemas.openxmlformats.org/officeDocument/2006/relationships" xmlns:p="http://schemas.openxmlformats.org/presentationml/2006/main">
   <p:cSld>
     <p:spTree>
@@ -23710,7 +24991,7 @@
 </p:sld>
 </file>
 
-<file path=ppt/slides/slide35.xml><?xml version="1.0" encoding="utf-8"?>
+<file path=ppt/slides/slide36.xml><?xml version="1.0" encoding="utf-8"?>
 <p:sld xmlns:a="http://schemas.openxmlformats.org/drawingml/2006/main" xmlns:r="http://schemas.openxmlformats.org/officeDocument/2006/relationships" xmlns:p="http://schemas.openxmlformats.org/presentationml/2006/main">
   <p:cSld>
     <p:spTree>
@@ -24274,7 +25555,7 @@
 </p:sld>
 </file>
 
-<file path=ppt/slides/slide36.xml><?xml version="1.0" encoding="utf-8"?>
+<file path=ppt/slides/slide37.xml><?xml version="1.0" encoding="utf-8"?>
 <p:sld xmlns:a="http://schemas.openxmlformats.org/drawingml/2006/main" xmlns:r="http://schemas.openxmlformats.org/officeDocument/2006/relationships" xmlns:p="http://schemas.openxmlformats.org/presentationml/2006/main">
   <p:cSld>
     <p:spTree>
@@ -24537,7 +25818,7 @@
 </p:sld>
 </file>
 
-<file path=ppt/slides/slide37.xml><?xml version="1.0" encoding="utf-8"?>
+<file path=ppt/slides/slide38.xml><?xml version="1.0" encoding="utf-8"?>
 <p:sld xmlns:a="http://schemas.openxmlformats.org/drawingml/2006/main" xmlns:r="http://schemas.openxmlformats.org/officeDocument/2006/relationships" xmlns:p="http://schemas.openxmlformats.org/presentationml/2006/main">
   <p:cSld>
     <p:spTree>
@@ -24753,7 +26034,7 @@
 </p:sld>
 </file>
 
-<file path=ppt/slides/slide38.xml><?xml version="1.0" encoding="utf-8"?>
+<file path=ppt/slides/slide39.xml><?xml version="1.0" encoding="utf-8"?>
 <p:sld xmlns:a="http://schemas.openxmlformats.org/drawingml/2006/main" xmlns:r="http://schemas.openxmlformats.org/officeDocument/2006/relationships" xmlns:p="http://schemas.openxmlformats.org/presentationml/2006/main">
   <p:cSld>
     <p:spTree>
@@ -25119,179 +26400,6 @@
 </p:sld>
 </file>
 
-<file path=ppt/slides/slide39.xml><?xml version="1.0" encoding="utf-8"?>
-<p:sld xmlns:a="http://schemas.openxmlformats.org/drawingml/2006/main" xmlns:r="http://schemas.openxmlformats.org/officeDocument/2006/relationships" xmlns:p="http://schemas.openxmlformats.org/presentationml/2006/main">
-  <p:cSld>
-    <p:spTree>
-      <p:nvGrpSpPr>
-        <p:cNvPr id="1" name=""/>
-        <p:cNvGrpSpPr/>
-        <p:nvPr/>
-      </p:nvGrpSpPr>
-      <p:grpSpPr>
-        <a:xfrm>
-          <a:off x="0" y="0"/>
-          <a:ext cx="0" cy="0"/>
-          <a:chOff x="0" y="0"/>
-          <a:chExt cx="0" cy="0"/>
-        </a:xfrm>
-      </p:grpSpPr>
-      <p:sp>
-        <p:nvSpPr>
-          <p:cNvPr id="11" name="TextBox 10">
-            <a:extLst>
-              <a:ext uri="{FF2B5EF4-FFF2-40B4-BE49-F238E27FC236}">
-                <a16:creationId xmlns:a16="http://schemas.microsoft.com/office/drawing/2014/main" id="{49A7B9B6-8455-43BE-8670-E01CE03933DF}"/>
-              </a:ext>
-            </a:extLst>
-          </p:cNvPr>
-          <p:cNvSpPr txBox="1"/>
-          <p:nvPr/>
-        </p:nvSpPr>
-        <p:spPr>
-          <a:xfrm>
-            <a:off x="776730" y="3858413"/>
-            <a:ext cx="7590539" cy="1015663"/>
-          </a:xfrm>
-          <a:prstGeom prst="rect">
-            <a:avLst/>
-          </a:prstGeom>
-          <a:noFill/>
-        </p:spPr>
-        <p:txBody>
-          <a:bodyPr wrap="none" rtlCol="0">
-            <a:spAutoFit/>
-          </a:bodyPr>
-          <a:lstStyle/>
-          <a:p>
-            <a:r>
-              <a:rPr lang="vi-VN" sz="6000" dirty="0">
-                <a:ln w="19050">
-                  <a:solidFill>
-                    <a:schemeClr val="tx1"/>
-                  </a:solidFill>
-                </a:ln>
-                <a:solidFill>
-                  <a:srgbClr val="FFFF00"/>
-                </a:solidFill>
-                <a:latin typeface="FVF Fernando 08" panose="02000507020000020003" pitchFamily="2" charset="0"/>
-              </a:rPr>
-              <a:t>/playanimation</a:t>
-            </a:r>
-            <a:endParaRPr lang="en-US" sz="6000" dirty="0">
-              <a:ln w="19050">
-                <a:solidFill>
-                  <a:schemeClr val="tx1"/>
-                </a:solidFill>
-              </a:ln>
-              <a:solidFill>
-                <a:srgbClr val="FFFF00"/>
-              </a:solidFill>
-              <a:latin typeface="FVF Fernando 08" panose="02000507020000020003" pitchFamily="2" charset="0"/>
-            </a:endParaRPr>
-          </a:p>
-        </p:txBody>
-      </p:sp>
-      <p:pic>
-        <p:nvPicPr>
-          <p:cNvPr id="14" name="Picture 13">
-            <a:extLst>
-              <a:ext uri="{FF2B5EF4-FFF2-40B4-BE49-F238E27FC236}">
-                <a16:creationId xmlns:a16="http://schemas.microsoft.com/office/drawing/2014/main" id="{E2D411D6-C028-4F7B-96FB-CC2855017620}"/>
-              </a:ext>
-            </a:extLst>
-          </p:cNvPr>
-          <p:cNvPicPr>
-            <a:picLocks noChangeAspect="1"/>
-          </p:cNvPicPr>
-          <p:nvPr/>
-        </p:nvPicPr>
-        <p:blipFill>
-          <a:blip r:embed="rId3">
-            <a:extLst>
-              <a:ext uri="{28A0092B-C50C-407E-A947-70E740481C1C}">
-                <a14:useLocalDpi xmlns:a14="http://schemas.microsoft.com/office/drawing/2010/main" val="0"/>
-              </a:ext>
-            </a:extLst>
-          </a:blip>
-          <a:srcRect/>
-          <a:stretch/>
-        </p:blipFill>
-        <p:spPr>
-          <a:xfrm>
-            <a:off x="7675990" y="30481"/>
-            <a:ext cx="1490870" cy="1490870"/>
-          </a:xfrm>
-          <a:prstGeom prst="rect">
-            <a:avLst/>
-          </a:prstGeom>
-          <a:ln w="19050">
-            <a:noFill/>
-          </a:ln>
-          <a:effectLst>
-            <a:outerShdw blurRad="63500" sx="104000" sy="104000" algn="ctr" rotWithShape="0">
-              <a:srgbClr val="FFFF00"/>
-            </a:outerShdw>
-          </a:effectLst>
-        </p:spPr>
-      </p:pic>
-      <p:pic>
-        <p:nvPicPr>
-          <p:cNvPr id="3" name="Picture 2">
-            <a:extLst>
-              <a:ext uri="{FF2B5EF4-FFF2-40B4-BE49-F238E27FC236}">
-                <a16:creationId xmlns:a16="http://schemas.microsoft.com/office/drawing/2014/main" id="{F82727BE-2B52-4A67-943F-6B3C16E323F3}"/>
-              </a:ext>
-            </a:extLst>
-          </p:cNvPr>
-          <p:cNvPicPr>
-            <a:picLocks noChangeAspect="1"/>
-          </p:cNvPicPr>
-          <p:nvPr/>
-        </p:nvPicPr>
-        <p:blipFill>
-          <a:blip r:embed="rId4">
-            <a:extLst>
-              <a:ext uri="{28A0092B-C50C-407E-A947-70E740481C1C}">
-                <a14:useLocalDpi xmlns:a14="http://schemas.microsoft.com/office/drawing/2010/main" val="0"/>
-              </a:ext>
-            </a:extLst>
-          </a:blip>
-          <a:stretch>
-            <a:fillRect/>
-          </a:stretch>
-        </p:blipFill>
-        <p:spPr>
-          <a:xfrm>
-            <a:off x="2887848" y="424070"/>
-            <a:ext cx="3368301" cy="3334952"/>
-          </a:xfrm>
-          <a:prstGeom prst="rect">
-            <a:avLst/>
-          </a:prstGeom>
-          <a:ln w="50800">
-            <a:noFill/>
-          </a:ln>
-          <a:effectLst>
-            <a:glow rad="12700">
-              <a:schemeClr val="bg1"/>
-            </a:glow>
-          </a:effectLst>
-        </p:spPr>
-      </p:pic>
-    </p:spTree>
-    <p:extLst>
-      <p:ext uri="{BB962C8B-B14F-4D97-AF65-F5344CB8AC3E}">
-        <p14:creationId xmlns:p14="http://schemas.microsoft.com/office/powerpoint/2010/main" val="3249019606"/>
-      </p:ext>
-    </p:extLst>
-  </p:cSld>
-  <p:clrMapOvr>
-    <a:masterClrMapping/>
-  </p:clrMapOvr>
-</p:sld>
-</file>
-
 <file path=ppt/slides/slide4.xml><?xml version="1.0" encoding="utf-8"?>
 <p:sld xmlns:a="http://schemas.openxmlformats.org/drawingml/2006/main" xmlns:r="http://schemas.openxmlformats.org/officeDocument/2006/relationships" xmlns:p="http://schemas.openxmlformats.org/presentationml/2006/main">
   <p:cSld>
@@ -25515,6 +26623,179 @@
 </file>
 
 <file path=ppt/slides/slide40.xml><?xml version="1.0" encoding="utf-8"?>
+<p:sld xmlns:a="http://schemas.openxmlformats.org/drawingml/2006/main" xmlns:r="http://schemas.openxmlformats.org/officeDocument/2006/relationships" xmlns:p="http://schemas.openxmlformats.org/presentationml/2006/main">
+  <p:cSld>
+    <p:spTree>
+      <p:nvGrpSpPr>
+        <p:cNvPr id="1" name=""/>
+        <p:cNvGrpSpPr/>
+        <p:nvPr/>
+      </p:nvGrpSpPr>
+      <p:grpSpPr>
+        <a:xfrm>
+          <a:off x="0" y="0"/>
+          <a:ext cx="0" cy="0"/>
+          <a:chOff x="0" y="0"/>
+          <a:chExt cx="0" cy="0"/>
+        </a:xfrm>
+      </p:grpSpPr>
+      <p:sp>
+        <p:nvSpPr>
+          <p:cNvPr id="11" name="TextBox 10">
+            <a:extLst>
+              <a:ext uri="{FF2B5EF4-FFF2-40B4-BE49-F238E27FC236}">
+                <a16:creationId xmlns:a16="http://schemas.microsoft.com/office/drawing/2014/main" id="{49A7B9B6-8455-43BE-8670-E01CE03933DF}"/>
+              </a:ext>
+            </a:extLst>
+          </p:cNvPr>
+          <p:cNvSpPr txBox="1"/>
+          <p:nvPr/>
+        </p:nvSpPr>
+        <p:spPr>
+          <a:xfrm>
+            <a:off x="776730" y="3858413"/>
+            <a:ext cx="7590539" cy="1015663"/>
+          </a:xfrm>
+          <a:prstGeom prst="rect">
+            <a:avLst/>
+          </a:prstGeom>
+          <a:noFill/>
+        </p:spPr>
+        <p:txBody>
+          <a:bodyPr wrap="none" rtlCol="0">
+            <a:spAutoFit/>
+          </a:bodyPr>
+          <a:lstStyle/>
+          <a:p>
+            <a:r>
+              <a:rPr lang="vi-VN" sz="6000" dirty="0">
+                <a:ln w="19050">
+                  <a:solidFill>
+                    <a:schemeClr val="tx1"/>
+                  </a:solidFill>
+                </a:ln>
+                <a:solidFill>
+                  <a:srgbClr val="FFFF00"/>
+                </a:solidFill>
+                <a:latin typeface="FVF Fernando 08" panose="02000507020000020003" pitchFamily="2" charset="0"/>
+              </a:rPr>
+              <a:t>/playanimation</a:t>
+            </a:r>
+            <a:endParaRPr lang="en-US" sz="6000" dirty="0">
+              <a:ln w="19050">
+                <a:solidFill>
+                  <a:schemeClr val="tx1"/>
+                </a:solidFill>
+              </a:ln>
+              <a:solidFill>
+                <a:srgbClr val="FFFF00"/>
+              </a:solidFill>
+              <a:latin typeface="FVF Fernando 08" panose="02000507020000020003" pitchFamily="2" charset="0"/>
+            </a:endParaRPr>
+          </a:p>
+        </p:txBody>
+      </p:sp>
+      <p:pic>
+        <p:nvPicPr>
+          <p:cNvPr id="14" name="Picture 13">
+            <a:extLst>
+              <a:ext uri="{FF2B5EF4-FFF2-40B4-BE49-F238E27FC236}">
+                <a16:creationId xmlns:a16="http://schemas.microsoft.com/office/drawing/2014/main" id="{E2D411D6-C028-4F7B-96FB-CC2855017620}"/>
+              </a:ext>
+            </a:extLst>
+          </p:cNvPr>
+          <p:cNvPicPr>
+            <a:picLocks noChangeAspect="1"/>
+          </p:cNvPicPr>
+          <p:nvPr/>
+        </p:nvPicPr>
+        <p:blipFill>
+          <a:blip r:embed="rId3">
+            <a:extLst>
+              <a:ext uri="{28A0092B-C50C-407E-A947-70E740481C1C}">
+                <a14:useLocalDpi xmlns:a14="http://schemas.microsoft.com/office/drawing/2010/main" val="0"/>
+              </a:ext>
+            </a:extLst>
+          </a:blip>
+          <a:srcRect/>
+          <a:stretch/>
+        </p:blipFill>
+        <p:spPr>
+          <a:xfrm>
+            <a:off x="7675990" y="30481"/>
+            <a:ext cx="1490870" cy="1490870"/>
+          </a:xfrm>
+          <a:prstGeom prst="rect">
+            <a:avLst/>
+          </a:prstGeom>
+          <a:ln w="19050">
+            <a:noFill/>
+          </a:ln>
+          <a:effectLst>
+            <a:outerShdw blurRad="63500" sx="104000" sy="104000" algn="ctr" rotWithShape="0">
+              <a:srgbClr val="FFFF00"/>
+            </a:outerShdw>
+          </a:effectLst>
+        </p:spPr>
+      </p:pic>
+      <p:pic>
+        <p:nvPicPr>
+          <p:cNvPr id="3" name="Picture 2">
+            <a:extLst>
+              <a:ext uri="{FF2B5EF4-FFF2-40B4-BE49-F238E27FC236}">
+                <a16:creationId xmlns:a16="http://schemas.microsoft.com/office/drawing/2014/main" id="{F82727BE-2B52-4A67-943F-6B3C16E323F3}"/>
+              </a:ext>
+            </a:extLst>
+          </p:cNvPr>
+          <p:cNvPicPr>
+            <a:picLocks noChangeAspect="1"/>
+          </p:cNvPicPr>
+          <p:nvPr/>
+        </p:nvPicPr>
+        <p:blipFill>
+          <a:blip r:embed="rId4">
+            <a:extLst>
+              <a:ext uri="{28A0092B-C50C-407E-A947-70E740481C1C}">
+                <a14:useLocalDpi xmlns:a14="http://schemas.microsoft.com/office/drawing/2010/main" val="0"/>
+              </a:ext>
+            </a:extLst>
+          </a:blip>
+          <a:stretch>
+            <a:fillRect/>
+          </a:stretch>
+        </p:blipFill>
+        <p:spPr>
+          <a:xfrm>
+            <a:off x="2887848" y="424070"/>
+            <a:ext cx="3368301" cy="3334952"/>
+          </a:xfrm>
+          <a:prstGeom prst="rect">
+            <a:avLst/>
+          </a:prstGeom>
+          <a:ln w="50800">
+            <a:noFill/>
+          </a:ln>
+          <a:effectLst>
+            <a:glow rad="12700">
+              <a:schemeClr val="bg1"/>
+            </a:glow>
+          </a:effectLst>
+        </p:spPr>
+      </p:pic>
+    </p:spTree>
+    <p:extLst>
+      <p:ext uri="{BB962C8B-B14F-4D97-AF65-F5344CB8AC3E}">
+        <p14:creationId xmlns:p14="http://schemas.microsoft.com/office/powerpoint/2010/main" val="3249019606"/>
+      </p:ext>
+    </p:extLst>
+  </p:cSld>
+  <p:clrMapOvr>
+    <a:masterClrMapping/>
+  </p:clrMapOvr>
+</p:sld>
+</file>
+
+<file path=ppt/slides/slide41.xml><?xml version="1.0" encoding="utf-8"?>
 <p:sld xmlns:a="http://schemas.openxmlformats.org/drawingml/2006/main" xmlns:r="http://schemas.openxmlformats.org/officeDocument/2006/relationships" xmlns:p="http://schemas.openxmlformats.org/presentationml/2006/main">
   <p:cSld>
     <p:spTree>
@@ -26047,7 +27328,7 @@
 </p:sld>
 </file>
 
-<file path=ppt/slides/slide41.xml><?xml version="1.0" encoding="utf-8"?>
+<file path=ppt/slides/slide42.xml><?xml version="1.0" encoding="utf-8"?>
 <p:sld xmlns:a="http://schemas.openxmlformats.org/drawingml/2006/main" xmlns:r="http://schemas.openxmlformats.org/officeDocument/2006/relationships" xmlns:p="http://schemas.openxmlformats.org/presentationml/2006/main">
   <p:cSld>
     <p:spTree>
@@ -26529,7 +27810,7 @@
 </p:sld>
 </file>
 
-<file path=ppt/slides/slide42.xml><?xml version="1.0" encoding="utf-8"?>
+<file path=ppt/slides/slide43.xml><?xml version="1.0" encoding="utf-8"?>
 <p:sld xmlns:a="http://schemas.openxmlformats.org/drawingml/2006/main" xmlns:r="http://schemas.openxmlformats.org/officeDocument/2006/relationships" xmlns:p="http://schemas.openxmlformats.org/presentationml/2006/main">
   <p:cSld>
     <p:spTree>
@@ -26976,7 +28257,7 @@
 </p:sld>
 </file>
 
-<file path=ppt/slides/slide43.xml><?xml version="1.0" encoding="utf-8"?>
+<file path=ppt/slides/slide44.xml><?xml version="1.0" encoding="utf-8"?>
 <p:sld xmlns:a="http://schemas.openxmlformats.org/drawingml/2006/main" xmlns:r="http://schemas.openxmlformats.org/officeDocument/2006/relationships" xmlns:p="http://schemas.openxmlformats.org/presentationml/2006/main">
   <p:cSld>
     <p:spTree>
@@ -27152,7 +28433,7 @@
 </p:sld>
 </file>
 
-<file path=ppt/slides/slide44.xml><?xml version="1.0" encoding="utf-8"?>
+<file path=ppt/slides/slide45.xml><?xml version="1.0" encoding="utf-8"?>
 <p:sld xmlns:a="http://schemas.openxmlformats.org/drawingml/2006/main" xmlns:r="http://schemas.openxmlformats.org/officeDocument/2006/relationships" xmlns:p="http://schemas.openxmlformats.org/presentationml/2006/main">
   <p:cSld>
     <p:spTree>
@@ -27440,7 +28721,7 @@
 </p:sld>
 </file>
 
-<file path=ppt/slides/slide45.xml><?xml version="1.0" encoding="utf-8"?>
+<file path=ppt/slides/slide46.xml><?xml version="1.0" encoding="utf-8"?>
 <p:sld xmlns:a="http://schemas.openxmlformats.org/drawingml/2006/main" xmlns:r="http://schemas.openxmlformats.org/officeDocument/2006/relationships" xmlns:p="http://schemas.openxmlformats.org/presentationml/2006/main">
   <p:cSld>
     <p:spTree>
@@ -28347,7 +29628,7 @@
 </p:sld>
 </file>
 
-<file path=ppt/slides/slide46.xml><?xml version="1.0" encoding="utf-8"?>
+<file path=ppt/slides/slide47.xml><?xml version="1.0" encoding="utf-8"?>
 <p:sld xmlns:a="http://schemas.openxmlformats.org/drawingml/2006/main" xmlns:r="http://schemas.openxmlformats.org/officeDocument/2006/relationships" xmlns:p="http://schemas.openxmlformats.org/presentationml/2006/main">
   <p:cSld>
     <p:spTree>
@@ -28564,7 +29845,7 @@
 </p:sld>
 </file>
 
-<file path=ppt/slides/slide47.xml><?xml version="1.0" encoding="utf-8"?>
+<file path=ppt/slides/slide48.xml><?xml version="1.0" encoding="utf-8"?>
 <p:sld xmlns:a="http://schemas.openxmlformats.org/drawingml/2006/main" xmlns:r="http://schemas.openxmlformats.org/officeDocument/2006/relationships" xmlns:p="http://schemas.openxmlformats.org/presentationml/2006/main">
   <p:cSld>
     <p:spTree>
@@ -28833,7 +30114,7 @@
 </p:sld>
 </file>
 
-<file path=ppt/slides/slide48.xml><?xml version="1.0" encoding="utf-8"?>
+<file path=ppt/slides/slide49.xml><?xml version="1.0" encoding="utf-8"?>
 <p:sld xmlns:a="http://schemas.openxmlformats.org/drawingml/2006/main" xmlns:r="http://schemas.openxmlformats.org/officeDocument/2006/relationships" xmlns:p="http://schemas.openxmlformats.org/presentationml/2006/main">
   <p:cSld>
     <p:spTree>
@@ -29363,7 +30644,551 @@
 </p:sld>
 </file>
 
-<file path=ppt/slides/slide49.xml><?xml version="1.0" encoding="utf-8"?>
+<file path=ppt/slides/slide5.xml><?xml version="1.0" encoding="utf-8"?>
+<p:sld xmlns:a="http://schemas.openxmlformats.org/drawingml/2006/main" xmlns:r="http://schemas.openxmlformats.org/officeDocument/2006/relationships" xmlns:p="http://schemas.openxmlformats.org/presentationml/2006/main">
+  <p:cSld>
+    <p:spTree>
+      <p:nvGrpSpPr>
+        <p:cNvPr id="1" name=""/>
+        <p:cNvGrpSpPr/>
+        <p:nvPr/>
+      </p:nvGrpSpPr>
+      <p:grpSpPr>
+        <a:xfrm>
+          <a:off x="0" y="0"/>
+          <a:ext cx="0" cy="0"/>
+          <a:chOff x="0" y="0"/>
+          <a:chExt cx="0" cy="0"/>
+        </a:xfrm>
+      </p:grpSpPr>
+      <p:pic>
+        <p:nvPicPr>
+          <p:cNvPr id="9" name="Picture 8">
+            <a:extLst>
+              <a:ext uri="{FF2B5EF4-FFF2-40B4-BE49-F238E27FC236}">
+                <a16:creationId xmlns:a16="http://schemas.microsoft.com/office/drawing/2014/main" id="{6C7DB398-7211-4D51-8E9F-CF1ADF837140}"/>
+              </a:ext>
+            </a:extLst>
+          </p:cNvPr>
+          <p:cNvPicPr>
+            <a:picLocks noChangeAspect="1"/>
+          </p:cNvPicPr>
+          <p:nvPr/>
+        </p:nvPicPr>
+        <p:blipFill>
+          <a:blip r:embed="rId3">
+            <a:extLst>
+              <a:ext uri="{BEBA8EAE-BF5A-486C-A8C5-ECC9F3942E4B}">
+                <a14:imgProps xmlns:a14="http://schemas.microsoft.com/office/drawing/2010/main">
+                  <a14:imgLayer r:embed="rId4">
+                    <a14:imgEffect>
+                      <a14:brightnessContrast bright="6000"/>
+                    </a14:imgEffect>
+                  </a14:imgLayer>
+                </a14:imgProps>
+              </a:ext>
+            </a:extLst>
+          </a:blip>
+          <a:stretch>
+            <a:fillRect/>
+          </a:stretch>
+        </p:blipFill>
+        <p:spPr>
+          <a:xfrm rot="1857656">
+            <a:off x="4005822" y="264418"/>
+            <a:ext cx="1478425" cy="2832537"/>
+          </a:xfrm>
+          <a:prstGeom prst="rect">
+            <a:avLst/>
+          </a:prstGeom>
+        </p:spPr>
+      </p:pic>
+      <p:sp>
+        <p:nvSpPr>
+          <p:cNvPr id="11" name="TextBox 10">
+            <a:extLst>
+              <a:ext uri="{FF2B5EF4-FFF2-40B4-BE49-F238E27FC236}">
+                <a16:creationId xmlns:a16="http://schemas.microsoft.com/office/drawing/2014/main" id="{49A7B9B6-8455-43BE-8670-E01CE03933DF}"/>
+              </a:ext>
+            </a:extLst>
+          </p:cNvPr>
+          <p:cNvSpPr txBox="1"/>
+          <p:nvPr/>
+        </p:nvSpPr>
+        <p:spPr>
+          <a:xfrm>
+            <a:off x="824820" y="3858413"/>
+            <a:ext cx="7494359" cy="1015663"/>
+          </a:xfrm>
+          <a:prstGeom prst="rect">
+            <a:avLst/>
+          </a:prstGeom>
+          <a:noFill/>
+        </p:spPr>
+        <p:txBody>
+          <a:bodyPr wrap="none" rtlCol="0">
+            <a:spAutoFit/>
+          </a:bodyPr>
+          <a:lstStyle/>
+          <a:p>
+            <a:r>
+              <a:rPr lang="vi-VN" sz="6000" dirty="0">
+                <a:ln w="19050">
+                  <a:solidFill>
+                    <a:schemeClr val="tx1"/>
+                  </a:solidFill>
+                </a:ln>
+                <a:solidFill>
+                  <a:srgbClr val="FFFF00"/>
+                </a:solidFill>
+                <a:latin typeface="FVF Fernando 08" panose="02000507020000020003" pitchFamily="2" charset="0"/>
+              </a:rPr>
+              <a:t>/camerashake</a:t>
+            </a:r>
+            <a:endParaRPr lang="en-US" sz="6000" dirty="0">
+              <a:ln w="19050">
+                <a:solidFill>
+                  <a:schemeClr val="tx1"/>
+                </a:solidFill>
+              </a:ln>
+              <a:solidFill>
+                <a:srgbClr val="FFFF00"/>
+              </a:solidFill>
+              <a:latin typeface="FVF Fernando 08" panose="02000507020000020003" pitchFamily="2" charset="0"/>
+            </a:endParaRPr>
+          </a:p>
+        </p:txBody>
+      </p:sp>
+      <p:pic>
+        <p:nvPicPr>
+          <p:cNvPr id="14" name="Picture 13">
+            <a:extLst>
+              <a:ext uri="{FF2B5EF4-FFF2-40B4-BE49-F238E27FC236}">
+                <a16:creationId xmlns:a16="http://schemas.microsoft.com/office/drawing/2014/main" id="{E2D411D6-C028-4F7B-96FB-CC2855017620}"/>
+              </a:ext>
+            </a:extLst>
+          </p:cNvPr>
+          <p:cNvPicPr>
+            <a:picLocks noChangeAspect="1"/>
+          </p:cNvPicPr>
+          <p:nvPr/>
+        </p:nvPicPr>
+        <p:blipFill>
+          <a:blip r:embed="rId5">
+            <a:extLst>
+              <a:ext uri="{28A0092B-C50C-407E-A947-70E740481C1C}">
+                <a14:useLocalDpi xmlns:a14="http://schemas.microsoft.com/office/drawing/2010/main" val="0"/>
+              </a:ext>
+            </a:extLst>
+          </a:blip>
+          <a:srcRect/>
+          <a:stretch/>
+        </p:blipFill>
+        <p:spPr>
+          <a:xfrm>
+            <a:off x="7675990" y="30481"/>
+            <a:ext cx="1490870" cy="1490870"/>
+          </a:xfrm>
+          <a:prstGeom prst="rect">
+            <a:avLst/>
+          </a:prstGeom>
+          <a:ln w="19050">
+            <a:noFill/>
+          </a:ln>
+          <a:effectLst>
+            <a:outerShdw blurRad="63500" sx="104000" sy="104000" algn="ctr" rotWithShape="0">
+              <a:srgbClr val="FFFF00"/>
+            </a:outerShdw>
+          </a:effectLst>
+        </p:spPr>
+      </p:pic>
+      <p:grpSp>
+        <p:nvGrpSpPr>
+          <p:cNvPr id="4" name="Group 3">
+            <a:extLst>
+              <a:ext uri="{FF2B5EF4-FFF2-40B4-BE49-F238E27FC236}">
+                <a16:creationId xmlns:a16="http://schemas.microsoft.com/office/drawing/2014/main" id="{88C2CAB4-704F-4EDB-8357-51B1932F6C59}"/>
+              </a:ext>
+            </a:extLst>
+          </p:cNvPr>
+          <p:cNvGrpSpPr/>
+          <p:nvPr/>
+        </p:nvGrpSpPr>
+        <p:grpSpPr>
+          <a:xfrm>
+            <a:off x="2701788" y="2849217"/>
+            <a:ext cx="3740421" cy="935105"/>
+            <a:chOff x="2451654" y="1856132"/>
+            <a:chExt cx="3922640" cy="980660"/>
+          </a:xfrm>
+        </p:grpSpPr>
+        <p:pic>
+          <p:nvPicPr>
+            <p:cNvPr id="3" name="Picture 2">
+              <a:extLst>
+                <a:ext uri="{FF2B5EF4-FFF2-40B4-BE49-F238E27FC236}">
+                  <a16:creationId xmlns:a16="http://schemas.microsoft.com/office/drawing/2014/main" id="{5348D2FB-0A96-4340-A6A4-DCACEA1813EC}"/>
+                </a:ext>
+              </a:extLst>
+            </p:cNvPr>
+            <p:cNvPicPr>
+              <a:picLocks noChangeAspect="1"/>
+            </p:cNvPicPr>
+            <p:nvPr/>
+          </p:nvPicPr>
+          <p:blipFill>
+            <a:blip r:embed="rId6">
+              <a:extLst>
+                <a:ext uri="{28A0092B-C50C-407E-A947-70E740481C1C}">
+                  <a14:useLocalDpi xmlns:a14="http://schemas.microsoft.com/office/drawing/2010/main" val="0"/>
+                </a:ext>
+              </a:extLst>
+            </a:blip>
+            <a:stretch>
+              <a:fillRect/>
+            </a:stretch>
+          </p:blipFill>
+          <p:spPr>
+            <a:xfrm>
+              <a:off x="4412974" y="1856132"/>
+              <a:ext cx="980660" cy="980660"/>
+            </a:xfrm>
+            <a:prstGeom prst="rect">
+              <a:avLst/>
+            </a:prstGeom>
+          </p:spPr>
+        </p:pic>
+        <p:pic>
+          <p:nvPicPr>
+            <p:cNvPr id="6" name="Picture 5">
+              <a:extLst>
+                <a:ext uri="{FF2B5EF4-FFF2-40B4-BE49-F238E27FC236}">
+                  <a16:creationId xmlns:a16="http://schemas.microsoft.com/office/drawing/2014/main" id="{A4EF97E5-2FBD-487A-9CE3-521C5DAA7888}"/>
+                </a:ext>
+              </a:extLst>
+            </p:cNvPr>
+            <p:cNvPicPr>
+              <a:picLocks noChangeAspect="1"/>
+            </p:cNvPicPr>
+            <p:nvPr/>
+          </p:nvPicPr>
+          <p:blipFill>
+            <a:blip r:embed="rId6">
+              <a:extLst>
+                <a:ext uri="{28A0092B-C50C-407E-A947-70E740481C1C}">
+                  <a14:useLocalDpi xmlns:a14="http://schemas.microsoft.com/office/drawing/2010/main" val="0"/>
+                </a:ext>
+              </a:extLst>
+            </a:blip>
+            <a:stretch>
+              <a:fillRect/>
+            </a:stretch>
+          </p:blipFill>
+          <p:spPr>
+            <a:xfrm>
+              <a:off x="5393634" y="1856132"/>
+              <a:ext cx="980660" cy="980660"/>
+            </a:xfrm>
+            <a:prstGeom prst="rect">
+              <a:avLst/>
+            </a:prstGeom>
+          </p:spPr>
+        </p:pic>
+        <p:pic>
+          <p:nvPicPr>
+            <p:cNvPr id="7" name="Picture 6">
+              <a:extLst>
+                <a:ext uri="{FF2B5EF4-FFF2-40B4-BE49-F238E27FC236}">
+                  <a16:creationId xmlns:a16="http://schemas.microsoft.com/office/drawing/2014/main" id="{051A0BEF-DEA8-462B-9BB1-F3E87E65B3AD}"/>
+                </a:ext>
+              </a:extLst>
+            </p:cNvPr>
+            <p:cNvPicPr>
+              <a:picLocks noChangeAspect="1"/>
+            </p:cNvPicPr>
+            <p:nvPr/>
+          </p:nvPicPr>
+          <p:blipFill>
+            <a:blip r:embed="rId6">
+              <a:extLst>
+                <a:ext uri="{28A0092B-C50C-407E-A947-70E740481C1C}">
+                  <a14:useLocalDpi xmlns:a14="http://schemas.microsoft.com/office/drawing/2010/main" val="0"/>
+                </a:ext>
+              </a:extLst>
+            </a:blip>
+            <a:stretch>
+              <a:fillRect/>
+            </a:stretch>
+          </p:blipFill>
+          <p:spPr>
+            <a:xfrm>
+              <a:off x="2451654" y="1856132"/>
+              <a:ext cx="980660" cy="980660"/>
+            </a:xfrm>
+            <a:prstGeom prst="rect">
+              <a:avLst/>
+            </a:prstGeom>
+          </p:spPr>
+        </p:pic>
+        <p:pic>
+          <p:nvPicPr>
+            <p:cNvPr id="8" name="Picture 7">
+              <a:extLst>
+                <a:ext uri="{FF2B5EF4-FFF2-40B4-BE49-F238E27FC236}">
+                  <a16:creationId xmlns:a16="http://schemas.microsoft.com/office/drawing/2014/main" id="{02787358-B1B7-4505-9642-C432BFBFBEAC}"/>
+                </a:ext>
+              </a:extLst>
+            </p:cNvPr>
+            <p:cNvPicPr>
+              <a:picLocks noChangeAspect="1"/>
+            </p:cNvPicPr>
+            <p:nvPr/>
+          </p:nvPicPr>
+          <p:blipFill>
+            <a:blip r:embed="rId6">
+              <a:extLst>
+                <a:ext uri="{28A0092B-C50C-407E-A947-70E740481C1C}">
+                  <a14:useLocalDpi xmlns:a14="http://schemas.microsoft.com/office/drawing/2010/main" val="0"/>
+                </a:ext>
+              </a:extLst>
+            </a:blip>
+            <a:stretch>
+              <a:fillRect/>
+            </a:stretch>
+          </p:blipFill>
+          <p:spPr>
+            <a:xfrm>
+              <a:off x="3432314" y="1856132"/>
+              <a:ext cx="980660" cy="980660"/>
+            </a:xfrm>
+            <a:prstGeom prst="rect">
+              <a:avLst/>
+            </a:prstGeom>
+          </p:spPr>
+        </p:pic>
+      </p:grpSp>
+      <p:sp>
+        <p:nvSpPr>
+          <p:cNvPr id="12" name="Moon 11">
+            <a:extLst>
+              <a:ext uri="{FF2B5EF4-FFF2-40B4-BE49-F238E27FC236}">
+                <a16:creationId xmlns:a16="http://schemas.microsoft.com/office/drawing/2014/main" id="{AE60DD0F-7B3D-45F4-B1DE-545DCC7006DB}"/>
+              </a:ext>
+            </a:extLst>
+          </p:cNvPr>
+          <p:cNvSpPr/>
+          <p:nvPr/>
+        </p:nvSpPr>
+        <p:spPr>
+          <a:xfrm rot="1479021">
+            <a:off x="3606973" y="1248401"/>
+            <a:ext cx="199335" cy="1328291"/>
+          </a:xfrm>
+          <a:prstGeom prst="moon">
+            <a:avLst/>
+          </a:prstGeom>
+          <a:solidFill>
+            <a:schemeClr val="bg1"/>
+          </a:solidFill>
+          <a:ln>
+            <a:noFill/>
+          </a:ln>
+        </p:spPr>
+        <p:style>
+          <a:lnRef idx="2">
+            <a:schemeClr val="accent1">
+              <a:shade val="50000"/>
+            </a:schemeClr>
+          </a:lnRef>
+          <a:fillRef idx="1">
+            <a:schemeClr val="accent1"/>
+          </a:fillRef>
+          <a:effectRef idx="0">
+            <a:schemeClr val="accent1"/>
+          </a:effectRef>
+          <a:fontRef idx="minor">
+            <a:schemeClr val="lt1"/>
+          </a:fontRef>
+        </p:style>
+        <p:txBody>
+          <a:bodyPr rtlCol="0" anchor="ctr"/>
+          <a:lstStyle/>
+          <a:p>
+            <a:pPr algn="ctr"/>
+            <a:endParaRPr lang="en-US" dirty="0"/>
+          </a:p>
+        </p:txBody>
+      </p:sp>
+      <p:sp>
+        <p:nvSpPr>
+          <p:cNvPr id="15" name="Moon 14">
+            <a:extLst>
+              <a:ext uri="{FF2B5EF4-FFF2-40B4-BE49-F238E27FC236}">
+                <a16:creationId xmlns:a16="http://schemas.microsoft.com/office/drawing/2014/main" id="{7ABF45B3-8679-4A71-A522-F032E48162CF}"/>
+              </a:ext>
+            </a:extLst>
+          </p:cNvPr>
+          <p:cNvSpPr/>
+          <p:nvPr/>
+        </p:nvSpPr>
+        <p:spPr>
+          <a:xfrm rot="11830366">
+            <a:off x="5791716" y="824364"/>
+            <a:ext cx="152182" cy="1150300"/>
+          </a:xfrm>
+          <a:prstGeom prst="moon">
+            <a:avLst/>
+          </a:prstGeom>
+          <a:solidFill>
+            <a:schemeClr val="bg1"/>
+          </a:solidFill>
+          <a:ln>
+            <a:noFill/>
+          </a:ln>
+        </p:spPr>
+        <p:style>
+          <a:lnRef idx="2">
+            <a:schemeClr val="accent1">
+              <a:shade val="50000"/>
+            </a:schemeClr>
+          </a:lnRef>
+          <a:fillRef idx="1">
+            <a:schemeClr val="accent1"/>
+          </a:fillRef>
+          <a:effectRef idx="0">
+            <a:schemeClr val="accent1"/>
+          </a:effectRef>
+          <a:fontRef idx="minor">
+            <a:schemeClr val="lt1"/>
+          </a:fontRef>
+        </p:style>
+        <p:txBody>
+          <a:bodyPr rtlCol="0" anchor="ctr"/>
+          <a:lstStyle/>
+          <a:p>
+            <a:pPr algn="ctr"/>
+            <a:endParaRPr lang="en-US" dirty="0"/>
+          </a:p>
+        </p:txBody>
+      </p:sp>
+      <p:sp>
+        <p:nvSpPr>
+          <p:cNvPr id="16" name="Moon 15">
+            <a:extLst>
+              <a:ext uri="{FF2B5EF4-FFF2-40B4-BE49-F238E27FC236}">
+                <a16:creationId xmlns:a16="http://schemas.microsoft.com/office/drawing/2014/main" id="{C403BECF-BB55-48D5-A9A5-C4757D46BF7A}"/>
+              </a:ext>
+            </a:extLst>
+          </p:cNvPr>
+          <p:cNvSpPr/>
+          <p:nvPr/>
+        </p:nvSpPr>
+        <p:spPr>
+          <a:xfrm rot="2472180">
+            <a:off x="3870970" y="299263"/>
+            <a:ext cx="152182" cy="1150300"/>
+          </a:xfrm>
+          <a:prstGeom prst="moon">
+            <a:avLst/>
+          </a:prstGeom>
+          <a:solidFill>
+            <a:schemeClr val="bg1"/>
+          </a:solidFill>
+          <a:ln>
+            <a:noFill/>
+          </a:ln>
+        </p:spPr>
+        <p:style>
+          <a:lnRef idx="2">
+            <a:schemeClr val="accent1">
+              <a:shade val="50000"/>
+            </a:schemeClr>
+          </a:lnRef>
+          <a:fillRef idx="1">
+            <a:schemeClr val="accent1"/>
+          </a:fillRef>
+          <a:effectRef idx="0">
+            <a:schemeClr val="accent1"/>
+          </a:effectRef>
+          <a:fontRef idx="minor">
+            <a:schemeClr val="lt1"/>
+          </a:fontRef>
+        </p:style>
+        <p:txBody>
+          <a:bodyPr rtlCol="0" anchor="ctr"/>
+          <a:lstStyle/>
+          <a:p>
+            <a:pPr algn="ctr"/>
+            <a:endParaRPr lang="en-US" dirty="0"/>
+          </a:p>
+        </p:txBody>
+      </p:sp>
+      <p:sp>
+        <p:nvSpPr>
+          <p:cNvPr id="17" name="Moon 16">
+            <a:extLst>
+              <a:ext uri="{FF2B5EF4-FFF2-40B4-BE49-F238E27FC236}">
+                <a16:creationId xmlns:a16="http://schemas.microsoft.com/office/drawing/2014/main" id="{F9E1FC02-C91E-4DAF-BB47-9247A014A53F}"/>
+              </a:ext>
+            </a:extLst>
+          </p:cNvPr>
+          <p:cNvSpPr/>
+          <p:nvPr/>
+        </p:nvSpPr>
+        <p:spPr>
+          <a:xfrm rot="13483816">
+            <a:off x="5439011" y="1765796"/>
+            <a:ext cx="242541" cy="1149105"/>
+          </a:xfrm>
+          <a:prstGeom prst="moon">
+            <a:avLst/>
+          </a:prstGeom>
+          <a:solidFill>
+            <a:schemeClr val="bg1"/>
+          </a:solidFill>
+          <a:ln>
+            <a:noFill/>
+          </a:ln>
+        </p:spPr>
+        <p:style>
+          <a:lnRef idx="2">
+            <a:schemeClr val="accent1">
+              <a:shade val="50000"/>
+            </a:schemeClr>
+          </a:lnRef>
+          <a:fillRef idx="1">
+            <a:schemeClr val="accent1"/>
+          </a:fillRef>
+          <a:effectRef idx="0">
+            <a:schemeClr val="accent1"/>
+          </a:effectRef>
+          <a:fontRef idx="minor">
+            <a:schemeClr val="lt1"/>
+          </a:fontRef>
+        </p:style>
+        <p:txBody>
+          <a:bodyPr rtlCol="0" anchor="ctr"/>
+          <a:lstStyle/>
+          <a:p>
+            <a:pPr algn="ctr"/>
+            <a:endParaRPr lang="en-US" dirty="0"/>
+          </a:p>
+        </p:txBody>
+      </p:sp>
+    </p:spTree>
+    <p:extLst>
+      <p:ext uri="{BB962C8B-B14F-4D97-AF65-F5344CB8AC3E}">
+        <p14:creationId xmlns:p14="http://schemas.microsoft.com/office/powerpoint/2010/main" val="4226281013"/>
+      </p:ext>
+    </p:extLst>
+  </p:cSld>
+  <p:clrMapOvr>
+    <a:masterClrMapping/>
+  </p:clrMapOvr>
+</p:sld>
+</file>
+
+<file path=ppt/slides/slide50.xml><?xml version="1.0" encoding="utf-8"?>
 <p:sld xmlns:a="http://schemas.openxmlformats.org/drawingml/2006/main" xmlns:r="http://schemas.openxmlformats.org/officeDocument/2006/relationships" xmlns:p="http://schemas.openxmlformats.org/presentationml/2006/main">
   <p:cSld>
     <p:spTree>
@@ -29653,551 +31478,7 @@
 </p:sld>
 </file>
 
-<file path=ppt/slides/slide5.xml><?xml version="1.0" encoding="utf-8"?>
-<p:sld xmlns:a="http://schemas.openxmlformats.org/drawingml/2006/main" xmlns:r="http://schemas.openxmlformats.org/officeDocument/2006/relationships" xmlns:p="http://schemas.openxmlformats.org/presentationml/2006/main">
-  <p:cSld>
-    <p:spTree>
-      <p:nvGrpSpPr>
-        <p:cNvPr id="1" name=""/>
-        <p:cNvGrpSpPr/>
-        <p:nvPr/>
-      </p:nvGrpSpPr>
-      <p:grpSpPr>
-        <a:xfrm>
-          <a:off x="0" y="0"/>
-          <a:ext cx="0" cy="0"/>
-          <a:chOff x="0" y="0"/>
-          <a:chExt cx="0" cy="0"/>
-        </a:xfrm>
-      </p:grpSpPr>
-      <p:pic>
-        <p:nvPicPr>
-          <p:cNvPr id="9" name="Picture 8">
-            <a:extLst>
-              <a:ext uri="{FF2B5EF4-FFF2-40B4-BE49-F238E27FC236}">
-                <a16:creationId xmlns:a16="http://schemas.microsoft.com/office/drawing/2014/main" id="{6C7DB398-7211-4D51-8E9F-CF1ADF837140}"/>
-              </a:ext>
-            </a:extLst>
-          </p:cNvPr>
-          <p:cNvPicPr>
-            <a:picLocks noChangeAspect="1"/>
-          </p:cNvPicPr>
-          <p:nvPr/>
-        </p:nvPicPr>
-        <p:blipFill>
-          <a:blip r:embed="rId3">
-            <a:extLst>
-              <a:ext uri="{BEBA8EAE-BF5A-486C-A8C5-ECC9F3942E4B}">
-                <a14:imgProps xmlns:a14="http://schemas.microsoft.com/office/drawing/2010/main">
-                  <a14:imgLayer r:embed="rId4">
-                    <a14:imgEffect>
-                      <a14:brightnessContrast bright="6000"/>
-                    </a14:imgEffect>
-                  </a14:imgLayer>
-                </a14:imgProps>
-              </a:ext>
-            </a:extLst>
-          </a:blip>
-          <a:stretch>
-            <a:fillRect/>
-          </a:stretch>
-        </p:blipFill>
-        <p:spPr>
-          <a:xfrm rot="1857656">
-            <a:off x="4005822" y="264418"/>
-            <a:ext cx="1478425" cy="2832537"/>
-          </a:xfrm>
-          <a:prstGeom prst="rect">
-            <a:avLst/>
-          </a:prstGeom>
-        </p:spPr>
-      </p:pic>
-      <p:sp>
-        <p:nvSpPr>
-          <p:cNvPr id="11" name="TextBox 10">
-            <a:extLst>
-              <a:ext uri="{FF2B5EF4-FFF2-40B4-BE49-F238E27FC236}">
-                <a16:creationId xmlns:a16="http://schemas.microsoft.com/office/drawing/2014/main" id="{49A7B9B6-8455-43BE-8670-E01CE03933DF}"/>
-              </a:ext>
-            </a:extLst>
-          </p:cNvPr>
-          <p:cNvSpPr txBox="1"/>
-          <p:nvPr/>
-        </p:nvSpPr>
-        <p:spPr>
-          <a:xfrm>
-            <a:off x="824820" y="3858413"/>
-            <a:ext cx="7494359" cy="1015663"/>
-          </a:xfrm>
-          <a:prstGeom prst="rect">
-            <a:avLst/>
-          </a:prstGeom>
-          <a:noFill/>
-        </p:spPr>
-        <p:txBody>
-          <a:bodyPr wrap="none" rtlCol="0">
-            <a:spAutoFit/>
-          </a:bodyPr>
-          <a:lstStyle/>
-          <a:p>
-            <a:r>
-              <a:rPr lang="vi-VN" sz="6000" dirty="0">
-                <a:ln w="19050">
-                  <a:solidFill>
-                    <a:schemeClr val="tx1"/>
-                  </a:solidFill>
-                </a:ln>
-                <a:solidFill>
-                  <a:srgbClr val="FFFF00"/>
-                </a:solidFill>
-                <a:latin typeface="FVF Fernando 08" panose="02000507020000020003" pitchFamily="2" charset="0"/>
-              </a:rPr>
-              <a:t>/camerashake</a:t>
-            </a:r>
-            <a:endParaRPr lang="en-US" sz="6000" dirty="0">
-              <a:ln w="19050">
-                <a:solidFill>
-                  <a:schemeClr val="tx1"/>
-                </a:solidFill>
-              </a:ln>
-              <a:solidFill>
-                <a:srgbClr val="FFFF00"/>
-              </a:solidFill>
-              <a:latin typeface="FVF Fernando 08" panose="02000507020000020003" pitchFamily="2" charset="0"/>
-            </a:endParaRPr>
-          </a:p>
-        </p:txBody>
-      </p:sp>
-      <p:pic>
-        <p:nvPicPr>
-          <p:cNvPr id="14" name="Picture 13">
-            <a:extLst>
-              <a:ext uri="{FF2B5EF4-FFF2-40B4-BE49-F238E27FC236}">
-                <a16:creationId xmlns:a16="http://schemas.microsoft.com/office/drawing/2014/main" id="{E2D411D6-C028-4F7B-96FB-CC2855017620}"/>
-              </a:ext>
-            </a:extLst>
-          </p:cNvPr>
-          <p:cNvPicPr>
-            <a:picLocks noChangeAspect="1"/>
-          </p:cNvPicPr>
-          <p:nvPr/>
-        </p:nvPicPr>
-        <p:blipFill>
-          <a:blip r:embed="rId5">
-            <a:extLst>
-              <a:ext uri="{28A0092B-C50C-407E-A947-70E740481C1C}">
-                <a14:useLocalDpi xmlns:a14="http://schemas.microsoft.com/office/drawing/2010/main" val="0"/>
-              </a:ext>
-            </a:extLst>
-          </a:blip>
-          <a:srcRect/>
-          <a:stretch/>
-        </p:blipFill>
-        <p:spPr>
-          <a:xfrm>
-            <a:off x="7675990" y="30481"/>
-            <a:ext cx="1490870" cy="1490870"/>
-          </a:xfrm>
-          <a:prstGeom prst="rect">
-            <a:avLst/>
-          </a:prstGeom>
-          <a:ln w="19050">
-            <a:noFill/>
-          </a:ln>
-          <a:effectLst>
-            <a:outerShdw blurRad="63500" sx="104000" sy="104000" algn="ctr" rotWithShape="0">
-              <a:srgbClr val="FFFF00"/>
-            </a:outerShdw>
-          </a:effectLst>
-        </p:spPr>
-      </p:pic>
-      <p:grpSp>
-        <p:nvGrpSpPr>
-          <p:cNvPr id="4" name="Group 3">
-            <a:extLst>
-              <a:ext uri="{FF2B5EF4-FFF2-40B4-BE49-F238E27FC236}">
-                <a16:creationId xmlns:a16="http://schemas.microsoft.com/office/drawing/2014/main" id="{88C2CAB4-704F-4EDB-8357-51B1932F6C59}"/>
-              </a:ext>
-            </a:extLst>
-          </p:cNvPr>
-          <p:cNvGrpSpPr/>
-          <p:nvPr/>
-        </p:nvGrpSpPr>
-        <p:grpSpPr>
-          <a:xfrm>
-            <a:off x="2701788" y="2849217"/>
-            <a:ext cx="3740421" cy="935105"/>
-            <a:chOff x="2451654" y="1856132"/>
-            <a:chExt cx="3922640" cy="980660"/>
-          </a:xfrm>
-        </p:grpSpPr>
-        <p:pic>
-          <p:nvPicPr>
-            <p:cNvPr id="3" name="Picture 2">
-              <a:extLst>
-                <a:ext uri="{FF2B5EF4-FFF2-40B4-BE49-F238E27FC236}">
-                  <a16:creationId xmlns:a16="http://schemas.microsoft.com/office/drawing/2014/main" id="{5348D2FB-0A96-4340-A6A4-DCACEA1813EC}"/>
-                </a:ext>
-              </a:extLst>
-            </p:cNvPr>
-            <p:cNvPicPr>
-              <a:picLocks noChangeAspect="1"/>
-            </p:cNvPicPr>
-            <p:nvPr/>
-          </p:nvPicPr>
-          <p:blipFill>
-            <a:blip r:embed="rId6">
-              <a:extLst>
-                <a:ext uri="{28A0092B-C50C-407E-A947-70E740481C1C}">
-                  <a14:useLocalDpi xmlns:a14="http://schemas.microsoft.com/office/drawing/2010/main" val="0"/>
-                </a:ext>
-              </a:extLst>
-            </a:blip>
-            <a:stretch>
-              <a:fillRect/>
-            </a:stretch>
-          </p:blipFill>
-          <p:spPr>
-            <a:xfrm>
-              <a:off x="4412974" y="1856132"/>
-              <a:ext cx="980660" cy="980660"/>
-            </a:xfrm>
-            <a:prstGeom prst="rect">
-              <a:avLst/>
-            </a:prstGeom>
-          </p:spPr>
-        </p:pic>
-        <p:pic>
-          <p:nvPicPr>
-            <p:cNvPr id="6" name="Picture 5">
-              <a:extLst>
-                <a:ext uri="{FF2B5EF4-FFF2-40B4-BE49-F238E27FC236}">
-                  <a16:creationId xmlns:a16="http://schemas.microsoft.com/office/drawing/2014/main" id="{A4EF97E5-2FBD-487A-9CE3-521C5DAA7888}"/>
-                </a:ext>
-              </a:extLst>
-            </p:cNvPr>
-            <p:cNvPicPr>
-              <a:picLocks noChangeAspect="1"/>
-            </p:cNvPicPr>
-            <p:nvPr/>
-          </p:nvPicPr>
-          <p:blipFill>
-            <a:blip r:embed="rId6">
-              <a:extLst>
-                <a:ext uri="{28A0092B-C50C-407E-A947-70E740481C1C}">
-                  <a14:useLocalDpi xmlns:a14="http://schemas.microsoft.com/office/drawing/2010/main" val="0"/>
-                </a:ext>
-              </a:extLst>
-            </a:blip>
-            <a:stretch>
-              <a:fillRect/>
-            </a:stretch>
-          </p:blipFill>
-          <p:spPr>
-            <a:xfrm>
-              <a:off x="5393634" y="1856132"/>
-              <a:ext cx="980660" cy="980660"/>
-            </a:xfrm>
-            <a:prstGeom prst="rect">
-              <a:avLst/>
-            </a:prstGeom>
-          </p:spPr>
-        </p:pic>
-        <p:pic>
-          <p:nvPicPr>
-            <p:cNvPr id="7" name="Picture 6">
-              <a:extLst>
-                <a:ext uri="{FF2B5EF4-FFF2-40B4-BE49-F238E27FC236}">
-                  <a16:creationId xmlns:a16="http://schemas.microsoft.com/office/drawing/2014/main" id="{051A0BEF-DEA8-462B-9BB1-F3E87E65B3AD}"/>
-                </a:ext>
-              </a:extLst>
-            </p:cNvPr>
-            <p:cNvPicPr>
-              <a:picLocks noChangeAspect="1"/>
-            </p:cNvPicPr>
-            <p:nvPr/>
-          </p:nvPicPr>
-          <p:blipFill>
-            <a:blip r:embed="rId6">
-              <a:extLst>
-                <a:ext uri="{28A0092B-C50C-407E-A947-70E740481C1C}">
-                  <a14:useLocalDpi xmlns:a14="http://schemas.microsoft.com/office/drawing/2010/main" val="0"/>
-                </a:ext>
-              </a:extLst>
-            </a:blip>
-            <a:stretch>
-              <a:fillRect/>
-            </a:stretch>
-          </p:blipFill>
-          <p:spPr>
-            <a:xfrm>
-              <a:off x="2451654" y="1856132"/>
-              <a:ext cx="980660" cy="980660"/>
-            </a:xfrm>
-            <a:prstGeom prst="rect">
-              <a:avLst/>
-            </a:prstGeom>
-          </p:spPr>
-        </p:pic>
-        <p:pic>
-          <p:nvPicPr>
-            <p:cNvPr id="8" name="Picture 7">
-              <a:extLst>
-                <a:ext uri="{FF2B5EF4-FFF2-40B4-BE49-F238E27FC236}">
-                  <a16:creationId xmlns:a16="http://schemas.microsoft.com/office/drawing/2014/main" id="{02787358-B1B7-4505-9642-C432BFBFBEAC}"/>
-                </a:ext>
-              </a:extLst>
-            </p:cNvPr>
-            <p:cNvPicPr>
-              <a:picLocks noChangeAspect="1"/>
-            </p:cNvPicPr>
-            <p:nvPr/>
-          </p:nvPicPr>
-          <p:blipFill>
-            <a:blip r:embed="rId6">
-              <a:extLst>
-                <a:ext uri="{28A0092B-C50C-407E-A947-70E740481C1C}">
-                  <a14:useLocalDpi xmlns:a14="http://schemas.microsoft.com/office/drawing/2010/main" val="0"/>
-                </a:ext>
-              </a:extLst>
-            </a:blip>
-            <a:stretch>
-              <a:fillRect/>
-            </a:stretch>
-          </p:blipFill>
-          <p:spPr>
-            <a:xfrm>
-              <a:off x="3432314" y="1856132"/>
-              <a:ext cx="980660" cy="980660"/>
-            </a:xfrm>
-            <a:prstGeom prst="rect">
-              <a:avLst/>
-            </a:prstGeom>
-          </p:spPr>
-        </p:pic>
-      </p:grpSp>
-      <p:sp>
-        <p:nvSpPr>
-          <p:cNvPr id="12" name="Moon 11">
-            <a:extLst>
-              <a:ext uri="{FF2B5EF4-FFF2-40B4-BE49-F238E27FC236}">
-                <a16:creationId xmlns:a16="http://schemas.microsoft.com/office/drawing/2014/main" id="{AE60DD0F-7B3D-45F4-B1DE-545DCC7006DB}"/>
-              </a:ext>
-            </a:extLst>
-          </p:cNvPr>
-          <p:cNvSpPr/>
-          <p:nvPr/>
-        </p:nvSpPr>
-        <p:spPr>
-          <a:xfrm rot="1479021">
-            <a:off x="3606973" y="1248401"/>
-            <a:ext cx="199335" cy="1328291"/>
-          </a:xfrm>
-          <a:prstGeom prst="moon">
-            <a:avLst/>
-          </a:prstGeom>
-          <a:solidFill>
-            <a:schemeClr val="bg1"/>
-          </a:solidFill>
-          <a:ln>
-            <a:noFill/>
-          </a:ln>
-        </p:spPr>
-        <p:style>
-          <a:lnRef idx="2">
-            <a:schemeClr val="accent1">
-              <a:shade val="50000"/>
-            </a:schemeClr>
-          </a:lnRef>
-          <a:fillRef idx="1">
-            <a:schemeClr val="accent1"/>
-          </a:fillRef>
-          <a:effectRef idx="0">
-            <a:schemeClr val="accent1"/>
-          </a:effectRef>
-          <a:fontRef idx="minor">
-            <a:schemeClr val="lt1"/>
-          </a:fontRef>
-        </p:style>
-        <p:txBody>
-          <a:bodyPr rtlCol="0" anchor="ctr"/>
-          <a:lstStyle/>
-          <a:p>
-            <a:pPr algn="ctr"/>
-            <a:endParaRPr lang="en-US" dirty="0"/>
-          </a:p>
-        </p:txBody>
-      </p:sp>
-      <p:sp>
-        <p:nvSpPr>
-          <p:cNvPr id="15" name="Moon 14">
-            <a:extLst>
-              <a:ext uri="{FF2B5EF4-FFF2-40B4-BE49-F238E27FC236}">
-                <a16:creationId xmlns:a16="http://schemas.microsoft.com/office/drawing/2014/main" id="{7ABF45B3-8679-4A71-A522-F032E48162CF}"/>
-              </a:ext>
-            </a:extLst>
-          </p:cNvPr>
-          <p:cNvSpPr/>
-          <p:nvPr/>
-        </p:nvSpPr>
-        <p:spPr>
-          <a:xfrm rot="11830366">
-            <a:off x="5791716" y="824364"/>
-            <a:ext cx="152182" cy="1150300"/>
-          </a:xfrm>
-          <a:prstGeom prst="moon">
-            <a:avLst/>
-          </a:prstGeom>
-          <a:solidFill>
-            <a:schemeClr val="bg1"/>
-          </a:solidFill>
-          <a:ln>
-            <a:noFill/>
-          </a:ln>
-        </p:spPr>
-        <p:style>
-          <a:lnRef idx="2">
-            <a:schemeClr val="accent1">
-              <a:shade val="50000"/>
-            </a:schemeClr>
-          </a:lnRef>
-          <a:fillRef idx="1">
-            <a:schemeClr val="accent1"/>
-          </a:fillRef>
-          <a:effectRef idx="0">
-            <a:schemeClr val="accent1"/>
-          </a:effectRef>
-          <a:fontRef idx="minor">
-            <a:schemeClr val="lt1"/>
-          </a:fontRef>
-        </p:style>
-        <p:txBody>
-          <a:bodyPr rtlCol="0" anchor="ctr"/>
-          <a:lstStyle/>
-          <a:p>
-            <a:pPr algn="ctr"/>
-            <a:endParaRPr lang="en-US" dirty="0"/>
-          </a:p>
-        </p:txBody>
-      </p:sp>
-      <p:sp>
-        <p:nvSpPr>
-          <p:cNvPr id="16" name="Moon 15">
-            <a:extLst>
-              <a:ext uri="{FF2B5EF4-FFF2-40B4-BE49-F238E27FC236}">
-                <a16:creationId xmlns:a16="http://schemas.microsoft.com/office/drawing/2014/main" id="{C403BECF-BB55-48D5-A9A5-C4757D46BF7A}"/>
-              </a:ext>
-            </a:extLst>
-          </p:cNvPr>
-          <p:cNvSpPr/>
-          <p:nvPr/>
-        </p:nvSpPr>
-        <p:spPr>
-          <a:xfrm rot="2472180">
-            <a:off x="3870970" y="299263"/>
-            <a:ext cx="152182" cy="1150300"/>
-          </a:xfrm>
-          <a:prstGeom prst="moon">
-            <a:avLst/>
-          </a:prstGeom>
-          <a:solidFill>
-            <a:schemeClr val="bg1"/>
-          </a:solidFill>
-          <a:ln>
-            <a:noFill/>
-          </a:ln>
-        </p:spPr>
-        <p:style>
-          <a:lnRef idx="2">
-            <a:schemeClr val="accent1">
-              <a:shade val="50000"/>
-            </a:schemeClr>
-          </a:lnRef>
-          <a:fillRef idx="1">
-            <a:schemeClr val="accent1"/>
-          </a:fillRef>
-          <a:effectRef idx="0">
-            <a:schemeClr val="accent1"/>
-          </a:effectRef>
-          <a:fontRef idx="minor">
-            <a:schemeClr val="lt1"/>
-          </a:fontRef>
-        </p:style>
-        <p:txBody>
-          <a:bodyPr rtlCol="0" anchor="ctr"/>
-          <a:lstStyle/>
-          <a:p>
-            <a:pPr algn="ctr"/>
-            <a:endParaRPr lang="en-US" dirty="0"/>
-          </a:p>
-        </p:txBody>
-      </p:sp>
-      <p:sp>
-        <p:nvSpPr>
-          <p:cNvPr id="17" name="Moon 16">
-            <a:extLst>
-              <a:ext uri="{FF2B5EF4-FFF2-40B4-BE49-F238E27FC236}">
-                <a16:creationId xmlns:a16="http://schemas.microsoft.com/office/drawing/2014/main" id="{F9E1FC02-C91E-4DAF-BB47-9247A014A53F}"/>
-              </a:ext>
-            </a:extLst>
-          </p:cNvPr>
-          <p:cNvSpPr/>
-          <p:nvPr/>
-        </p:nvSpPr>
-        <p:spPr>
-          <a:xfrm rot="13483816">
-            <a:off x="5439011" y="1765796"/>
-            <a:ext cx="242541" cy="1149105"/>
-          </a:xfrm>
-          <a:prstGeom prst="moon">
-            <a:avLst/>
-          </a:prstGeom>
-          <a:solidFill>
-            <a:schemeClr val="bg1"/>
-          </a:solidFill>
-          <a:ln>
-            <a:noFill/>
-          </a:ln>
-        </p:spPr>
-        <p:style>
-          <a:lnRef idx="2">
-            <a:schemeClr val="accent1">
-              <a:shade val="50000"/>
-            </a:schemeClr>
-          </a:lnRef>
-          <a:fillRef idx="1">
-            <a:schemeClr val="accent1"/>
-          </a:fillRef>
-          <a:effectRef idx="0">
-            <a:schemeClr val="accent1"/>
-          </a:effectRef>
-          <a:fontRef idx="minor">
-            <a:schemeClr val="lt1"/>
-          </a:fontRef>
-        </p:style>
-        <p:txBody>
-          <a:bodyPr rtlCol="0" anchor="ctr"/>
-          <a:lstStyle/>
-          <a:p>
-            <a:pPr algn="ctr"/>
-            <a:endParaRPr lang="en-US" dirty="0"/>
-          </a:p>
-        </p:txBody>
-      </p:sp>
-    </p:spTree>
-    <p:extLst>
-      <p:ext uri="{BB962C8B-B14F-4D97-AF65-F5344CB8AC3E}">
-        <p14:creationId xmlns:p14="http://schemas.microsoft.com/office/powerpoint/2010/main" val="4226281013"/>
-      </p:ext>
-    </p:extLst>
-  </p:cSld>
-  <p:clrMapOvr>
-    <a:masterClrMapping/>
-  </p:clrMapOvr>
-</p:sld>
-</file>
-
-<file path=ppt/slides/slide50.xml><?xml version="1.0" encoding="utf-8"?>
+<file path=ppt/slides/slide51.xml><?xml version="1.0" encoding="utf-8"?>
 <p:sld xmlns:a="http://schemas.openxmlformats.org/drawingml/2006/main" xmlns:r="http://schemas.openxmlformats.org/officeDocument/2006/relationships" xmlns:p="http://schemas.openxmlformats.org/presentationml/2006/main">
   <p:cSld>
     <p:spTree>
@@ -30608,7 +31889,7 @@
 </p:sld>
 </file>
 
-<file path=ppt/slides/slide51.xml><?xml version="1.0" encoding="utf-8"?>
+<file path=ppt/slides/slide52.xml><?xml version="1.0" encoding="utf-8"?>
 <p:sld xmlns:a="http://schemas.openxmlformats.org/drawingml/2006/main" xmlns:r="http://schemas.openxmlformats.org/officeDocument/2006/relationships" xmlns:p="http://schemas.openxmlformats.org/presentationml/2006/main">
   <p:cSld>
     <p:spTree>
@@ -31010,7 +32291,7 @@
 </p:sld>
 </file>
 
-<file path=ppt/slides/slide52.xml><?xml version="1.0" encoding="utf-8"?>
+<file path=ppt/slides/slide53.xml><?xml version="1.0" encoding="utf-8"?>
 <p:sld xmlns:a="http://schemas.openxmlformats.org/drawingml/2006/main" xmlns:r="http://schemas.openxmlformats.org/officeDocument/2006/relationships" xmlns:p="http://schemas.openxmlformats.org/presentationml/2006/main">
   <p:cSld>
     <p:spTree>
@@ -32080,7 +33361,7 @@
 </p:sld>
 </file>
 
-<file path=ppt/slides/slide53.xml><?xml version="1.0" encoding="utf-8"?>
+<file path=ppt/slides/slide54.xml><?xml version="1.0" encoding="utf-8"?>
 <p:sld xmlns:a="http://schemas.openxmlformats.org/drawingml/2006/main" xmlns:r="http://schemas.openxmlformats.org/officeDocument/2006/relationships" xmlns:p="http://schemas.openxmlformats.org/presentationml/2006/main">
   <p:cSld>
     <p:spTree>
@@ -32558,7 +33839,7 @@
 </p:sld>
 </file>
 
-<file path=ppt/slides/slide54.xml><?xml version="1.0" encoding="utf-8"?>
+<file path=ppt/slides/slide55.xml><?xml version="1.0" encoding="utf-8"?>
 <p:sld xmlns:a="http://schemas.openxmlformats.org/drawingml/2006/main" xmlns:r="http://schemas.openxmlformats.org/officeDocument/2006/relationships" xmlns:p="http://schemas.openxmlformats.org/presentationml/2006/main">
   <p:cSld>
     <p:spTree>
@@ -32723,7 +34004,7 @@
 </p:sld>
 </file>
 
-<file path=ppt/slides/slide55.xml><?xml version="1.0" encoding="utf-8"?>
+<file path=ppt/slides/slide56.xml><?xml version="1.0" encoding="utf-8"?>
 <p:sld xmlns:a="http://schemas.openxmlformats.org/drawingml/2006/main" xmlns:r="http://schemas.openxmlformats.org/officeDocument/2006/relationships" xmlns:p="http://schemas.openxmlformats.org/presentationml/2006/main">
   <p:cSld>
     <p:spTree>
@@ -33232,7 +34513,7 @@
 </p:sld>
 </file>
 
-<file path=ppt/slides/slide56.xml><?xml version="1.0" encoding="utf-8"?>
+<file path=ppt/slides/slide57.xml><?xml version="1.0" encoding="utf-8"?>
 <p:sld xmlns:a="http://schemas.openxmlformats.org/drawingml/2006/main" xmlns:r="http://schemas.openxmlformats.org/officeDocument/2006/relationships" xmlns:p="http://schemas.openxmlformats.org/presentationml/2006/main">
   <p:cSld>
     <p:spTree>
@@ -33845,7 +35126,7 @@
 </p:sld>
 </file>
 
-<file path=ppt/slides/slide57.xml><?xml version="1.0" encoding="utf-8"?>
+<file path=ppt/slides/slide58.xml><?xml version="1.0" encoding="utf-8"?>
 <p:sld xmlns:a="http://schemas.openxmlformats.org/drawingml/2006/main" xmlns:r="http://schemas.openxmlformats.org/officeDocument/2006/relationships" xmlns:p="http://schemas.openxmlformats.org/presentationml/2006/main">
   <p:cSld>
     <p:spTree>
@@ -34447,7 +35728,7 @@
 </p:sld>
 </file>
 
-<file path=ppt/slides/slide58.xml><?xml version="1.0" encoding="utf-8"?>
+<file path=ppt/slides/slide59.xml><?xml version="1.0" encoding="utf-8"?>
 <p:sld xmlns:a="http://schemas.openxmlformats.org/drawingml/2006/main" xmlns:r="http://schemas.openxmlformats.org/officeDocument/2006/relationships" xmlns:p="http://schemas.openxmlformats.org/presentationml/2006/main">
   <p:cSld>
     <p:spTree>
@@ -35011,351 +36292,6 @@
 </p:sld>
 </file>
 
-<file path=ppt/slides/slide59.xml><?xml version="1.0" encoding="utf-8"?>
-<p:sld xmlns:a="http://schemas.openxmlformats.org/drawingml/2006/main" xmlns:r="http://schemas.openxmlformats.org/officeDocument/2006/relationships" xmlns:p="http://schemas.openxmlformats.org/presentationml/2006/main">
-  <p:cSld>
-    <p:spTree>
-      <p:nvGrpSpPr>
-        <p:cNvPr id="1" name=""/>
-        <p:cNvGrpSpPr/>
-        <p:nvPr/>
-      </p:nvGrpSpPr>
-      <p:grpSpPr>
-        <a:xfrm>
-          <a:off x="0" y="0"/>
-          <a:ext cx="0" cy="0"/>
-          <a:chOff x="0" y="0"/>
-          <a:chExt cx="0" cy="0"/>
-        </a:xfrm>
-      </p:grpSpPr>
-      <p:sp>
-        <p:nvSpPr>
-          <p:cNvPr id="11" name="TextBox 10">
-            <a:extLst>
-              <a:ext uri="{FF2B5EF4-FFF2-40B4-BE49-F238E27FC236}">
-                <a16:creationId xmlns:a16="http://schemas.microsoft.com/office/drawing/2014/main" id="{49A7B9B6-8455-43BE-8670-E01CE03933DF}"/>
-              </a:ext>
-            </a:extLst>
-          </p:cNvPr>
-          <p:cNvSpPr txBox="1"/>
-          <p:nvPr/>
-        </p:nvSpPr>
-        <p:spPr>
-          <a:xfrm>
-            <a:off x="2459883" y="3858413"/>
-            <a:ext cx="4224233" cy="1015663"/>
-          </a:xfrm>
-          <a:prstGeom prst="rect">
-            <a:avLst/>
-          </a:prstGeom>
-          <a:noFill/>
-        </p:spPr>
-        <p:txBody>
-          <a:bodyPr wrap="none" rtlCol="0">
-            <a:spAutoFit/>
-          </a:bodyPr>
-          <a:lstStyle/>
-          <a:p>
-            <a:r>
-              <a:rPr lang="vi-VN" sz="6000" dirty="0">
-                <a:ln w="19050">
-                  <a:solidFill>
-                    <a:schemeClr val="tx1"/>
-                  </a:solidFill>
-                </a:ln>
-                <a:solidFill>
-                  <a:srgbClr val="FFFF00"/>
-                </a:solidFill>
-                <a:latin typeface="FVF Fernando 08" panose="02000507020000020003" pitchFamily="2" charset="0"/>
-              </a:rPr>
-              <a:t>/tellraw</a:t>
-            </a:r>
-            <a:endParaRPr lang="en-US" sz="6000" dirty="0">
-              <a:ln w="19050">
-                <a:solidFill>
-                  <a:schemeClr val="tx1"/>
-                </a:solidFill>
-              </a:ln>
-              <a:solidFill>
-                <a:srgbClr val="FFFF00"/>
-              </a:solidFill>
-              <a:latin typeface="FVF Fernando 08" panose="02000507020000020003" pitchFamily="2" charset="0"/>
-            </a:endParaRPr>
-          </a:p>
-        </p:txBody>
-      </p:sp>
-      <p:pic>
-        <p:nvPicPr>
-          <p:cNvPr id="14" name="Picture 13">
-            <a:extLst>
-              <a:ext uri="{FF2B5EF4-FFF2-40B4-BE49-F238E27FC236}">
-                <a16:creationId xmlns:a16="http://schemas.microsoft.com/office/drawing/2014/main" id="{E2D411D6-C028-4F7B-96FB-CC2855017620}"/>
-              </a:ext>
-            </a:extLst>
-          </p:cNvPr>
-          <p:cNvPicPr>
-            <a:picLocks noChangeAspect="1"/>
-          </p:cNvPicPr>
-          <p:nvPr/>
-        </p:nvPicPr>
-        <p:blipFill>
-          <a:blip r:embed="rId3">
-            <a:extLst>
-              <a:ext uri="{28A0092B-C50C-407E-A947-70E740481C1C}">
-                <a14:useLocalDpi xmlns:a14="http://schemas.microsoft.com/office/drawing/2010/main" val="0"/>
-              </a:ext>
-            </a:extLst>
-          </a:blip>
-          <a:srcRect/>
-          <a:stretch/>
-        </p:blipFill>
-        <p:spPr>
-          <a:xfrm>
-            <a:off x="7675990" y="30481"/>
-            <a:ext cx="1490870" cy="1490870"/>
-          </a:xfrm>
-          <a:prstGeom prst="rect">
-            <a:avLst/>
-          </a:prstGeom>
-          <a:ln w="19050">
-            <a:noFill/>
-          </a:ln>
-          <a:effectLst>
-            <a:outerShdw blurRad="63500" sx="104000" sy="104000" algn="ctr" rotWithShape="0">
-              <a:srgbClr val="FFFF00"/>
-            </a:outerShdw>
-          </a:effectLst>
-        </p:spPr>
-      </p:pic>
-      <p:grpSp>
-        <p:nvGrpSpPr>
-          <p:cNvPr id="2" name="Group 1">
-            <a:extLst>
-              <a:ext uri="{FF2B5EF4-FFF2-40B4-BE49-F238E27FC236}">
-                <a16:creationId xmlns:a16="http://schemas.microsoft.com/office/drawing/2014/main" id="{3C69ACFD-1CA3-4BE2-8898-6EDCFB652416}"/>
-              </a:ext>
-            </a:extLst>
-          </p:cNvPr>
-          <p:cNvGrpSpPr/>
-          <p:nvPr/>
-        </p:nvGrpSpPr>
-        <p:grpSpPr>
-          <a:xfrm>
-            <a:off x="3332063" y="789876"/>
-            <a:ext cx="2479874" cy="2890388"/>
-            <a:chOff x="3332063" y="789876"/>
-            <a:chExt cx="2479874" cy="2890388"/>
-          </a:xfrm>
-        </p:grpSpPr>
-        <p:grpSp>
-          <p:nvGrpSpPr>
-            <p:cNvPr id="4" name="Group 3">
-              <a:extLst>
-                <a:ext uri="{FF2B5EF4-FFF2-40B4-BE49-F238E27FC236}">
-                  <a16:creationId xmlns:a16="http://schemas.microsoft.com/office/drawing/2014/main" id="{D99440A8-1901-4164-8368-8135F6EB1766}"/>
-                </a:ext>
-              </a:extLst>
-            </p:cNvPr>
-            <p:cNvGrpSpPr/>
-            <p:nvPr/>
-          </p:nvGrpSpPr>
-          <p:grpSpPr>
-            <a:xfrm>
-              <a:off x="3332063" y="789876"/>
-              <a:ext cx="2479874" cy="2890388"/>
-              <a:chOff x="3034447" y="741015"/>
-              <a:chExt cx="2479874" cy="2890388"/>
-            </a:xfrm>
-          </p:grpSpPr>
-          <p:pic>
-            <p:nvPicPr>
-              <p:cNvPr id="5" name="Picture 4">
-                <a:extLst>
-                  <a:ext uri="{FF2B5EF4-FFF2-40B4-BE49-F238E27FC236}">
-                    <a16:creationId xmlns:a16="http://schemas.microsoft.com/office/drawing/2014/main" id="{E51F435D-8B17-44E6-AD4B-09237AF891F0}"/>
-                  </a:ext>
-                </a:extLst>
-              </p:cNvPr>
-              <p:cNvPicPr>
-                <a:picLocks noChangeAspect="1"/>
-              </p:cNvPicPr>
-              <p:nvPr/>
-            </p:nvPicPr>
-            <p:blipFill>
-              <a:blip r:embed="rId4"/>
-              <a:stretch>
-                <a:fillRect/>
-              </a:stretch>
-            </p:blipFill>
-            <p:spPr>
-              <a:xfrm>
-                <a:off x="3034447" y="741015"/>
-                <a:ext cx="1152249" cy="2890388"/>
-              </a:xfrm>
-              <a:prstGeom prst="rect">
-                <a:avLst/>
-              </a:prstGeom>
-            </p:spPr>
-          </p:pic>
-          <p:sp>
-            <p:nvSpPr>
-              <p:cNvPr id="6" name="Speech Bubble: Rectangle 5">
-                <a:extLst>
-                  <a:ext uri="{FF2B5EF4-FFF2-40B4-BE49-F238E27FC236}">
-                    <a16:creationId xmlns:a16="http://schemas.microsoft.com/office/drawing/2014/main" id="{31156EC1-825A-493E-BA0E-84410D1CB730}"/>
-                  </a:ext>
-                </a:extLst>
-              </p:cNvPr>
-              <p:cNvSpPr/>
-              <p:nvPr/>
-            </p:nvSpPr>
-            <p:spPr>
-              <a:xfrm rot="5400000">
-                <a:off x="4506288" y="1132122"/>
-                <a:ext cx="884311" cy="1015663"/>
-              </a:xfrm>
-              <a:prstGeom prst="wedgeRectCallout">
-                <a:avLst/>
-              </a:prstGeom>
-              <a:solidFill>
-                <a:schemeClr val="bg1"/>
-              </a:solidFill>
-              <a:ln>
-                <a:noFill/>
-              </a:ln>
-            </p:spPr>
-            <p:style>
-              <a:lnRef idx="2">
-                <a:schemeClr val="accent1">
-                  <a:shade val="50000"/>
-                </a:schemeClr>
-              </a:lnRef>
-              <a:fillRef idx="1">
-                <a:schemeClr val="accent1"/>
-              </a:fillRef>
-              <a:effectRef idx="0">
-                <a:schemeClr val="accent1"/>
-              </a:effectRef>
-              <a:fontRef idx="minor">
-                <a:schemeClr val="lt1"/>
-              </a:fontRef>
-            </p:style>
-            <p:txBody>
-              <a:bodyPr rtlCol="0" anchor="ctr"/>
-              <a:lstStyle/>
-              <a:p>
-                <a:pPr algn="ctr"/>
-                <a:endParaRPr lang="en-US" dirty="0"/>
-              </a:p>
-            </p:txBody>
-          </p:sp>
-          <p:sp>
-            <p:nvSpPr>
-              <p:cNvPr id="7" name="TextBox 6">
-                <a:extLst>
-                  <a:ext uri="{FF2B5EF4-FFF2-40B4-BE49-F238E27FC236}">
-                    <a16:creationId xmlns:a16="http://schemas.microsoft.com/office/drawing/2014/main" id="{F1E49494-335E-4467-8C47-BB90B4D6A52E}"/>
-                  </a:ext>
-                </a:extLst>
-              </p:cNvPr>
-              <p:cNvSpPr txBox="1"/>
-              <p:nvPr/>
-            </p:nvSpPr>
-            <p:spPr>
-              <a:xfrm>
-                <a:off x="4552295" y="1409120"/>
-                <a:ext cx="962026" cy="461665"/>
-              </a:xfrm>
-              <a:prstGeom prst="rect">
-                <a:avLst/>
-              </a:prstGeom>
-              <a:noFill/>
-            </p:spPr>
-            <p:txBody>
-              <a:bodyPr wrap="square" rtlCol="0">
-                <a:spAutoFit/>
-              </a:bodyPr>
-              <a:lstStyle/>
-              <a:p>
-                <a:r>
-                  <a:rPr lang="vi-VN" sz="2400" dirty="0">
-                    <a:ln w="3175">
-                      <a:solidFill>
-                        <a:schemeClr val="tx1"/>
-                      </a:solidFill>
-                    </a:ln>
-                    <a:solidFill>
-                      <a:srgbClr val="FFFF00"/>
-                    </a:solidFill>
-                    <a:latin typeface="FVF Fernando 08" panose="02000507020000020003" pitchFamily="2" charset="0"/>
-                  </a:rPr>
-                  <a:t>???</a:t>
-                </a:r>
-                <a:endParaRPr lang="en-US" sz="2400" dirty="0">
-                  <a:ln w="3175">
-                    <a:solidFill>
-                      <a:schemeClr val="tx1"/>
-                    </a:solidFill>
-                  </a:ln>
-                  <a:solidFill>
-                    <a:srgbClr val="FFFF00"/>
-                  </a:solidFill>
-                  <a:latin typeface="FVF Fernando 08" panose="02000507020000020003" pitchFamily="2" charset="0"/>
-                </a:endParaRPr>
-              </a:p>
-            </p:txBody>
-          </p:sp>
-        </p:grpSp>
-        <p:pic>
-          <p:nvPicPr>
-            <p:cNvPr id="8" name="Picture 7">
-              <a:extLst>
-                <a:ext uri="{FF2B5EF4-FFF2-40B4-BE49-F238E27FC236}">
-                  <a16:creationId xmlns:a16="http://schemas.microsoft.com/office/drawing/2014/main" id="{7C01DACA-5889-4CEB-AE43-D7D1BCD83EFE}"/>
-                </a:ext>
-              </a:extLst>
-            </p:cNvPr>
-            <p:cNvPicPr>
-              <a:picLocks noChangeAspect="1"/>
-            </p:cNvPicPr>
-            <p:nvPr/>
-          </p:nvPicPr>
-          <p:blipFill>
-            <a:blip r:embed="rId5">
-              <a:extLst>
-                <a:ext uri="{28A0092B-C50C-407E-A947-70E740481C1C}">
-                  <a14:useLocalDpi xmlns:a14="http://schemas.microsoft.com/office/drawing/2010/main" val="0"/>
-                </a:ext>
-              </a:extLst>
-            </a:blip>
-            <a:stretch>
-              <a:fillRect/>
-            </a:stretch>
-          </p:blipFill>
-          <p:spPr>
-            <a:xfrm>
-              <a:off x="4767598" y="2342292"/>
-              <a:ext cx="956922" cy="1030531"/>
-            </a:xfrm>
-            <a:prstGeom prst="rect">
-              <a:avLst/>
-            </a:prstGeom>
-          </p:spPr>
-        </p:pic>
-      </p:grpSp>
-    </p:spTree>
-    <p:extLst>
-      <p:ext uri="{BB962C8B-B14F-4D97-AF65-F5344CB8AC3E}">
-        <p14:creationId xmlns:p14="http://schemas.microsoft.com/office/powerpoint/2010/main" val="1779180086"/>
-      </p:ext>
-    </p:extLst>
-  </p:cSld>
-  <p:clrMapOvr>
-    <a:masterClrMapping/>
-  </p:clrMapOvr>
-</p:sld>
-</file>
-
 <file path=ppt/slides/slide6.xml><?xml version="1.0" encoding="utf-8"?>
 <p:sld xmlns:a="http://schemas.openxmlformats.org/drawingml/2006/main" xmlns:r="http://schemas.openxmlformats.org/officeDocument/2006/relationships" xmlns:p="http://schemas.openxmlformats.org/presentationml/2006/main">
   <p:cSld>
@@ -35726,6 +36662,351 @@
         </p:nvSpPr>
         <p:spPr>
           <a:xfrm>
+            <a:off x="2459883" y="3858413"/>
+            <a:ext cx="4224233" cy="1015663"/>
+          </a:xfrm>
+          <a:prstGeom prst="rect">
+            <a:avLst/>
+          </a:prstGeom>
+          <a:noFill/>
+        </p:spPr>
+        <p:txBody>
+          <a:bodyPr wrap="none" rtlCol="0">
+            <a:spAutoFit/>
+          </a:bodyPr>
+          <a:lstStyle/>
+          <a:p>
+            <a:r>
+              <a:rPr lang="vi-VN" sz="6000" dirty="0">
+                <a:ln w="19050">
+                  <a:solidFill>
+                    <a:schemeClr val="tx1"/>
+                  </a:solidFill>
+                </a:ln>
+                <a:solidFill>
+                  <a:srgbClr val="FFFF00"/>
+                </a:solidFill>
+                <a:latin typeface="FVF Fernando 08" panose="02000507020000020003" pitchFamily="2" charset="0"/>
+              </a:rPr>
+              <a:t>/tellraw</a:t>
+            </a:r>
+            <a:endParaRPr lang="en-US" sz="6000" dirty="0">
+              <a:ln w="19050">
+                <a:solidFill>
+                  <a:schemeClr val="tx1"/>
+                </a:solidFill>
+              </a:ln>
+              <a:solidFill>
+                <a:srgbClr val="FFFF00"/>
+              </a:solidFill>
+              <a:latin typeface="FVF Fernando 08" panose="02000507020000020003" pitchFamily="2" charset="0"/>
+            </a:endParaRPr>
+          </a:p>
+        </p:txBody>
+      </p:sp>
+      <p:pic>
+        <p:nvPicPr>
+          <p:cNvPr id="14" name="Picture 13">
+            <a:extLst>
+              <a:ext uri="{FF2B5EF4-FFF2-40B4-BE49-F238E27FC236}">
+                <a16:creationId xmlns:a16="http://schemas.microsoft.com/office/drawing/2014/main" id="{E2D411D6-C028-4F7B-96FB-CC2855017620}"/>
+              </a:ext>
+            </a:extLst>
+          </p:cNvPr>
+          <p:cNvPicPr>
+            <a:picLocks noChangeAspect="1"/>
+          </p:cNvPicPr>
+          <p:nvPr/>
+        </p:nvPicPr>
+        <p:blipFill>
+          <a:blip r:embed="rId3">
+            <a:extLst>
+              <a:ext uri="{28A0092B-C50C-407E-A947-70E740481C1C}">
+                <a14:useLocalDpi xmlns:a14="http://schemas.microsoft.com/office/drawing/2010/main" val="0"/>
+              </a:ext>
+            </a:extLst>
+          </a:blip>
+          <a:srcRect/>
+          <a:stretch/>
+        </p:blipFill>
+        <p:spPr>
+          <a:xfrm>
+            <a:off x="7675990" y="30481"/>
+            <a:ext cx="1490870" cy="1490870"/>
+          </a:xfrm>
+          <a:prstGeom prst="rect">
+            <a:avLst/>
+          </a:prstGeom>
+          <a:ln w="19050">
+            <a:noFill/>
+          </a:ln>
+          <a:effectLst>
+            <a:outerShdw blurRad="63500" sx="104000" sy="104000" algn="ctr" rotWithShape="0">
+              <a:srgbClr val="FFFF00"/>
+            </a:outerShdw>
+          </a:effectLst>
+        </p:spPr>
+      </p:pic>
+      <p:grpSp>
+        <p:nvGrpSpPr>
+          <p:cNvPr id="2" name="Group 1">
+            <a:extLst>
+              <a:ext uri="{FF2B5EF4-FFF2-40B4-BE49-F238E27FC236}">
+                <a16:creationId xmlns:a16="http://schemas.microsoft.com/office/drawing/2014/main" id="{3C69ACFD-1CA3-4BE2-8898-6EDCFB652416}"/>
+              </a:ext>
+            </a:extLst>
+          </p:cNvPr>
+          <p:cNvGrpSpPr/>
+          <p:nvPr/>
+        </p:nvGrpSpPr>
+        <p:grpSpPr>
+          <a:xfrm>
+            <a:off x="3332063" y="789876"/>
+            <a:ext cx="2479874" cy="2890388"/>
+            <a:chOff x="3332063" y="789876"/>
+            <a:chExt cx="2479874" cy="2890388"/>
+          </a:xfrm>
+        </p:grpSpPr>
+        <p:grpSp>
+          <p:nvGrpSpPr>
+            <p:cNvPr id="4" name="Group 3">
+              <a:extLst>
+                <a:ext uri="{FF2B5EF4-FFF2-40B4-BE49-F238E27FC236}">
+                  <a16:creationId xmlns:a16="http://schemas.microsoft.com/office/drawing/2014/main" id="{D99440A8-1901-4164-8368-8135F6EB1766}"/>
+                </a:ext>
+              </a:extLst>
+            </p:cNvPr>
+            <p:cNvGrpSpPr/>
+            <p:nvPr/>
+          </p:nvGrpSpPr>
+          <p:grpSpPr>
+            <a:xfrm>
+              <a:off x="3332063" y="789876"/>
+              <a:ext cx="2479874" cy="2890388"/>
+              <a:chOff x="3034447" y="741015"/>
+              <a:chExt cx="2479874" cy="2890388"/>
+            </a:xfrm>
+          </p:grpSpPr>
+          <p:pic>
+            <p:nvPicPr>
+              <p:cNvPr id="5" name="Picture 4">
+                <a:extLst>
+                  <a:ext uri="{FF2B5EF4-FFF2-40B4-BE49-F238E27FC236}">
+                    <a16:creationId xmlns:a16="http://schemas.microsoft.com/office/drawing/2014/main" id="{E51F435D-8B17-44E6-AD4B-09237AF891F0}"/>
+                  </a:ext>
+                </a:extLst>
+              </p:cNvPr>
+              <p:cNvPicPr>
+                <a:picLocks noChangeAspect="1"/>
+              </p:cNvPicPr>
+              <p:nvPr/>
+            </p:nvPicPr>
+            <p:blipFill>
+              <a:blip r:embed="rId4"/>
+              <a:stretch>
+                <a:fillRect/>
+              </a:stretch>
+            </p:blipFill>
+            <p:spPr>
+              <a:xfrm>
+                <a:off x="3034447" y="741015"/>
+                <a:ext cx="1152249" cy="2890388"/>
+              </a:xfrm>
+              <a:prstGeom prst="rect">
+                <a:avLst/>
+              </a:prstGeom>
+            </p:spPr>
+          </p:pic>
+          <p:sp>
+            <p:nvSpPr>
+              <p:cNvPr id="6" name="Speech Bubble: Rectangle 5">
+                <a:extLst>
+                  <a:ext uri="{FF2B5EF4-FFF2-40B4-BE49-F238E27FC236}">
+                    <a16:creationId xmlns:a16="http://schemas.microsoft.com/office/drawing/2014/main" id="{31156EC1-825A-493E-BA0E-84410D1CB730}"/>
+                  </a:ext>
+                </a:extLst>
+              </p:cNvPr>
+              <p:cNvSpPr/>
+              <p:nvPr/>
+            </p:nvSpPr>
+            <p:spPr>
+              <a:xfrm rot="5400000">
+                <a:off x="4506288" y="1132122"/>
+                <a:ext cx="884311" cy="1015663"/>
+              </a:xfrm>
+              <a:prstGeom prst="wedgeRectCallout">
+                <a:avLst/>
+              </a:prstGeom>
+              <a:solidFill>
+                <a:schemeClr val="bg1"/>
+              </a:solidFill>
+              <a:ln>
+                <a:noFill/>
+              </a:ln>
+            </p:spPr>
+            <p:style>
+              <a:lnRef idx="2">
+                <a:schemeClr val="accent1">
+                  <a:shade val="50000"/>
+                </a:schemeClr>
+              </a:lnRef>
+              <a:fillRef idx="1">
+                <a:schemeClr val="accent1"/>
+              </a:fillRef>
+              <a:effectRef idx="0">
+                <a:schemeClr val="accent1"/>
+              </a:effectRef>
+              <a:fontRef idx="minor">
+                <a:schemeClr val="lt1"/>
+              </a:fontRef>
+            </p:style>
+            <p:txBody>
+              <a:bodyPr rtlCol="0" anchor="ctr"/>
+              <a:lstStyle/>
+              <a:p>
+                <a:pPr algn="ctr"/>
+                <a:endParaRPr lang="en-US" dirty="0"/>
+              </a:p>
+            </p:txBody>
+          </p:sp>
+          <p:sp>
+            <p:nvSpPr>
+              <p:cNvPr id="7" name="TextBox 6">
+                <a:extLst>
+                  <a:ext uri="{FF2B5EF4-FFF2-40B4-BE49-F238E27FC236}">
+                    <a16:creationId xmlns:a16="http://schemas.microsoft.com/office/drawing/2014/main" id="{F1E49494-335E-4467-8C47-BB90B4D6A52E}"/>
+                  </a:ext>
+                </a:extLst>
+              </p:cNvPr>
+              <p:cNvSpPr txBox="1"/>
+              <p:nvPr/>
+            </p:nvSpPr>
+            <p:spPr>
+              <a:xfrm>
+                <a:off x="4552295" y="1409120"/>
+                <a:ext cx="962026" cy="461665"/>
+              </a:xfrm>
+              <a:prstGeom prst="rect">
+                <a:avLst/>
+              </a:prstGeom>
+              <a:noFill/>
+            </p:spPr>
+            <p:txBody>
+              <a:bodyPr wrap="square" rtlCol="0">
+                <a:spAutoFit/>
+              </a:bodyPr>
+              <a:lstStyle/>
+              <a:p>
+                <a:r>
+                  <a:rPr lang="vi-VN" sz="2400" dirty="0">
+                    <a:ln w="3175">
+                      <a:solidFill>
+                        <a:schemeClr val="tx1"/>
+                      </a:solidFill>
+                    </a:ln>
+                    <a:solidFill>
+                      <a:srgbClr val="FFFF00"/>
+                    </a:solidFill>
+                    <a:latin typeface="FVF Fernando 08" panose="02000507020000020003" pitchFamily="2" charset="0"/>
+                  </a:rPr>
+                  <a:t>???</a:t>
+                </a:r>
+                <a:endParaRPr lang="en-US" sz="2400" dirty="0">
+                  <a:ln w="3175">
+                    <a:solidFill>
+                      <a:schemeClr val="tx1"/>
+                    </a:solidFill>
+                  </a:ln>
+                  <a:solidFill>
+                    <a:srgbClr val="FFFF00"/>
+                  </a:solidFill>
+                  <a:latin typeface="FVF Fernando 08" panose="02000507020000020003" pitchFamily="2" charset="0"/>
+                </a:endParaRPr>
+              </a:p>
+            </p:txBody>
+          </p:sp>
+        </p:grpSp>
+        <p:pic>
+          <p:nvPicPr>
+            <p:cNvPr id="8" name="Picture 7">
+              <a:extLst>
+                <a:ext uri="{FF2B5EF4-FFF2-40B4-BE49-F238E27FC236}">
+                  <a16:creationId xmlns:a16="http://schemas.microsoft.com/office/drawing/2014/main" id="{7C01DACA-5889-4CEB-AE43-D7D1BCD83EFE}"/>
+                </a:ext>
+              </a:extLst>
+            </p:cNvPr>
+            <p:cNvPicPr>
+              <a:picLocks noChangeAspect="1"/>
+            </p:cNvPicPr>
+            <p:nvPr/>
+          </p:nvPicPr>
+          <p:blipFill>
+            <a:blip r:embed="rId5">
+              <a:extLst>
+                <a:ext uri="{28A0092B-C50C-407E-A947-70E740481C1C}">
+                  <a14:useLocalDpi xmlns:a14="http://schemas.microsoft.com/office/drawing/2010/main" val="0"/>
+                </a:ext>
+              </a:extLst>
+            </a:blip>
+            <a:stretch>
+              <a:fillRect/>
+            </a:stretch>
+          </p:blipFill>
+          <p:spPr>
+            <a:xfrm>
+              <a:off x="4767598" y="2342292"/>
+              <a:ext cx="956922" cy="1030531"/>
+            </a:xfrm>
+            <a:prstGeom prst="rect">
+              <a:avLst/>
+            </a:prstGeom>
+          </p:spPr>
+        </p:pic>
+      </p:grpSp>
+    </p:spTree>
+    <p:extLst>
+      <p:ext uri="{BB962C8B-B14F-4D97-AF65-F5344CB8AC3E}">
+        <p14:creationId xmlns:p14="http://schemas.microsoft.com/office/powerpoint/2010/main" val="1779180086"/>
+      </p:ext>
+    </p:extLst>
+  </p:cSld>
+  <p:clrMapOvr>
+    <a:masterClrMapping/>
+  </p:clrMapOvr>
+</p:sld>
+</file>
+
+<file path=ppt/slides/slide61.xml><?xml version="1.0" encoding="utf-8"?>
+<p:sld xmlns:a="http://schemas.openxmlformats.org/drawingml/2006/main" xmlns:r="http://schemas.openxmlformats.org/officeDocument/2006/relationships" xmlns:p="http://schemas.openxmlformats.org/presentationml/2006/main">
+  <p:cSld>
+    <p:spTree>
+      <p:nvGrpSpPr>
+        <p:cNvPr id="1" name=""/>
+        <p:cNvGrpSpPr/>
+        <p:nvPr/>
+      </p:nvGrpSpPr>
+      <p:grpSpPr>
+        <a:xfrm>
+          <a:off x="0" y="0"/>
+          <a:ext cx="0" cy="0"/>
+          <a:chOff x="0" y="0"/>
+          <a:chExt cx="0" cy="0"/>
+        </a:xfrm>
+      </p:grpSpPr>
+      <p:sp>
+        <p:nvSpPr>
+          <p:cNvPr id="11" name="TextBox 10">
+            <a:extLst>
+              <a:ext uri="{FF2B5EF4-FFF2-40B4-BE49-F238E27FC236}">
+                <a16:creationId xmlns:a16="http://schemas.microsoft.com/office/drawing/2014/main" id="{49A7B9B6-8455-43BE-8670-E01CE03933DF}"/>
+              </a:ext>
+            </a:extLst>
+          </p:cNvPr>
+          <p:cNvSpPr txBox="1"/>
+          <p:nvPr/>
+        </p:nvSpPr>
+        <p:spPr>
+          <a:xfrm>
             <a:off x="2315613" y="3858413"/>
             <a:ext cx="4512774" cy="1015663"/>
           </a:xfrm>
@@ -35958,7 +37239,7 @@
 </p:sld>
 </file>
 
-<file path=ppt/slides/slide61.xml><?xml version="1.0" encoding="utf-8"?>
+<file path=ppt/slides/slide62.xml><?xml version="1.0" encoding="utf-8"?>
 <p:sld xmlns:a="http://schemas.openxmlformats.org/drawingml/2006/main" xmlns:r="http://schemas.openxmlformats.org/officeDocument/2006/relationships" xmlns:p="http://schemas.openxmlformats.org/presentationml/2006/main">
   <p:cSld>
     <p:spTree>
@@ -36242,7 +37523,7 @@
 </p:sld>
 </file>
 
-<file path=ppt/slides/slide62.xml><?xml version="1.0" encoding="utf-8"?>
+<file path=ppt/slides/slide63.xml><?xml version="1.0" encoding="utf-8"?>
 <p:sld xmlns:a="http://schemas.openxmlformats.org/drawingml/2006/main" xmlns:r="http://schemas.openxmlformats.org/officeDocument/2006/relationships" xmlns:p="http://schemas.openxmlformats.org/presentationml/2006/main">
   <p:cSld>
     <p:spTree>
@@ -36604,7 +37885,7 @@
 </p:sld>
 </file>
 
-<file path=ppt/slides/slide63.xml><?xml version="1.0" encoding="utf-8"?>
+<file path=ppt/slides/slide64.xml><?xml version="1.0" encoding="utf-8"?>
 <p:sld xmlns:a="http://schemas.openxmlformats.org/drawingml/2006/main" xmlns:r="http://schemas.openxmlformats.org/officeDocument/2006/relationships" xmlns:p="http://schemas.openxmlformats.org/presentationml/2006/main">
   <p:cSld>
     <p:spTree>
@@ -37546,7 +38827,7 @@
 </p:sld>
 </file>
 
-<file path=ppt/slides/slide64.xml><?xml version="1.0" encoding="utf-8"?>
+<file path=ppt/slides/slide65.xml><?xml version="1.0" encoding="utf-8"?>
 <p:sld xmlns:a="http://schemas.openxmlformats.org/drawingml/2006/main" xmlns:r="http://schemas.openxmlformats.org/officeDocument/2006/relationships" xmlns:p="http://schemas.openxmlformats.org/presentationml/2006/main">
   <p:cSld>
     <p:spTree>
@@ -37948,7 +39229,7 @@
 </p:sld>
 </file>
 
-<file path=ppt/slides/slide65.xml><?xml version="1.0" encoding="utf-8"?>
+<file path=ppt/slides/slide66.xml><?xml version="1.0" encoding="utf-8"?>
 <p:sld xmlns:a="http://schemas.openxmlformats.org/drawingml/2006/main" xmlns:r="http://schemas.openxmlformats.org/officeDocument/2006/relationships" xmlns:p="http://schemas.openxmlformats.org/presentationml/2006/main">
   <p:cSld>
     <p:spTree>
@@ -38236,7 +39517,7 @@
 </p:sld>
 </file>
 
-<file path=ppt/slides/slide66.xml><?xml version="1.0" encoding="utf-8"?>
+<file path=ppt/slides/slide67.xml><?xml version="1.0" encoding="utf-8"?>
 <p:sld xmlns:a="http://schemas.openxmlformats.org/drawingml/2006/main" xmlns:r="http://schemas.openxmlformats.org/officeDocument/2006/relationships" xmlns:p="http://schemas.openxmlformats.org/presentationml/2006/main">
   <p:cSld>
     <p:spTree>
@@ -38581,7 +39862,7 @@
 </p:sld>
 </file>
 
-<file path=ppt/slides/slide67.xml><?xml version="1.0" encoding="utf-8"?>
+<file path=ppt/slides/slide68.xml><?xml version="1.0" encoding="utf-8"?>
 <p:sld xmlns:a="http://schemas.openxmlformats.org/drawingml/2006/main" xmlns:r="http://schemas.openxmlformats.org/officeDocument/2006/relationships" xmlns:p="http://schemas.openxmlformats.org/presentationml/2006/main">
   <p:cSld>
     <p:spTree>
@@ -38746,7 +40027,7 @@
 </p:sld>
 </file>
 
-<file path=ppt/slides/slide68.xml><?xml version="1.0" encoding="utf-8"?>
+<file path=ppt/slides/slide69.xml><?xml version="1.0" encoding="utf-8"?>
 <p:sld xmlns:a="http://schemas.openxmlformats.org/drawingml/2006/main" xmlns:r="http://schemas.openxmlformats.org/officeDocument/2006/relationships" xmlns:p="http://schemas.openxmlformats.org/presentationml/2006/main">
   <p:cSld>
     <p:spTree>
@@ -39348,7 +40629,370 @@
 </p:sld>
 </file>
 
-<file path=ppt/slides/slide69.xml><?xml version="1.0" encoding="utf-8"?>
+<file path=ppt/slides/slide7.xml><?xml version="1.0" encoding="utf-8"?>
+<p:sld xmlns:a="http://schemas.openxmlformats.org/drawingml/2006/main" xmlns:r="http://schemas.openxmlformats.org/officeDocument/2006/relationships" xmlns:p="http://schemas.openxmlformats.org/presentationml/2006/main">
+  <p:cSld>
+    <p:spTree>
+      <p:nvGrpSpPr>
+        <p:cNvPr id="1" name=""/>
+        <p:cNvGrpSpPr/>
+        <p:nvPr/>
+      </p:nvGrpSpPr>
+      <p:grpSpPr>
+        <a:xfrm>
+          <a:off x="0" y="0"/>
+          <a:ext cx="0" cy="0"/>
+          <a:chOff x="0" y="0"/>
+          <a:chExt cx="0" cy="0"/>
+        </a:xfrm>
+      </p:grpSpPr>
+      <p:sp>
+        <p:nvSpPr>
+          <p:cNvPr id="11" name="TextBox 10">
+            <a:extLst>
+              <a:ext uri="{FF2B5EF4-FFF2-40B4-BE49-F238E27FC236}">
+                <a16:creationId xmlns:a16="http://schemas.microsoft.com/office/drawing/2014/main" id="{49A7B9B6-8455-43BE-8670-E01CE03933DF}"/>
+              </a:ext>
+            </a:extLst>
+          </p:cNvPr>
+          <p:cNvSpPr txBox="1"/>
+          <p:nvPr/>
+        </p:nvSpPr>
+        <p:spPr>
+          <a:xfrm>
+            <a:off x="151559" y="3858413"/>
+            <a:ext cx="8840882" cy="1015663"/>
+          </a:xfrm>
+          <a:prstGeom prst="rect">
+            <a:avLst/>
+          </a:prstGeom>
+          <a:noFill/>
+        </p:spPr>
+        <p:txBody>
+          <a:bodyPr wrap="none" rtlCol="0">
+            <a:spAutoFit/>
+          </a:bodyPr>
+          <a:lstStyle/>
+          <a:p>
+            <a:r>
+              <a:rPr lang="vi-VN" sz="6000" dirty="0">
+                <a:ln w="19050">
+                  <a:solidFill>
+                    <a:schemeClr val="tx1"/>
+                  </a:solidFill>
+                </a:ln>
+                <a:solidFill>
+                  <a:srgbClr val="FFFF00"/>
+                </a:solidFill>
+                <a:latin typeface="FVF Fernando 08" panose="02000507020000020003" pitchFamily="2" charset="0"/>
+              </a:rPr>
+              <a:t>/clearspawnpoint</a:t>
+            </a:r>
+            <a:endParaRPr lang="en-US" sz="6000" dirty="0">
+              <a:ln w="19050">
+                <a:solidFill>
+                  <a:schemeClr val="tx1"/>
+                </a:solidFill>
+              </a:ln>
+              <a:solidFill>
+                <a:srgbClr val="FFFF00"/>
+              </a:solidFill>
+              <a:latin typeface="FVF Fernando 08" panose="02000507020000020003" pitchFamily="2" charset="0"/>
+            </a:endParaRPr>
+          </a:p>
+        </p:txBody>
+      </p:sp>
+      <p:pic>
+        <p:nvPicPr>
+          <p:cNvPr id="14" name="Picture 13">
+            <a:extLst>
+              <a:ext uri="{FF2B5EF4-FFF2-40B4-BE49-F238E27FC236}">
+                <a16:creationId xmlns:a16="http://schemas.microsoft.com/office/drawing/2014/main" id="{E2D411D6-C028-4F7B-96FB-CC2855017620}"/>
+              </a:ext>
+            </a:extLst>
+          </p:cNvPr>
+          <p:cNvPicPr>
+            <a:picLocks noChangeAspect="1"/>
+          </p:cNvPicPr>
+          <p:nvPr/>
+        </p:nvPicPr>
+        <p:blipFill>
+          <a:blip r:embed="rId3">
+            <a:extLst>
+              <a:ext uri="{28A0092B-C50C-407E-A947-70E740481C1C}">
+                <a14:useLocalDpi xmlns:a14="http://schemas.microsoft.com/office/drawing/2010/main" val="0"/>
+              </a:ext>
+            </a:extLst>
+          </a:blip>
+          <a:srcRect/>
+          <a:stretch/>
+        </p:blipFill>
+        <p:spPr>
+          <a:xfrm>
+            <a:off x="7675990" y="30481"/>
+            <a:ext cx="1490870" cy="1490870"/>
+          </a:xfrm>
+          <a:prstGeom prst="rect">
+            <a:avLst/>
+          </a:prstGeom>
+          <a:ln w="19050">
+            <a:noFill/>
+          </a:ln>
+          <a:effectLst>
+            <a:outerShdw blurRad="63500" sx="104000" sy="104000" algn="ctr" rotWithShape="0">
+              <a:srgbClr val="FFFF00"/>
+            </a:outerShdw>
+          </a:effectLst>
+        </p:spPr>
+      </p:pic>
+      <p:grpSp>
+        <p:nvGrpSpPr>
+          <p:cNvPr id="2" name="Group 1">
+            <a:extLst>
+              <a:ext uri="{FF2B5EF4-FFF2-40B4-BE49-F238E27FC236}">
+                <a16:creationId xmlns:a16="http://schemas.microsoft.com/office/drawing/2014/main" id="{57DEA255-84B0-449E-A869-DC068C286121}"/>
+              </a:ext>
+            </a:extLst>
+          </p:cNvPr>
+          <p:cNvGrpSpPr/>
+          <p:nvPr/>
+        </p:nvGrpSpPr>
+        <p:grpSpPr>
+          <a:xfrm>
+            <a:off x="2782328" y="269424"/>
+            <a:ext cx="3579343" cy="3813341"/>
+            <a:chOff x="2958914" y="399194"/>
+            <a:chExt cx="3579343" cy="3813341"/>
+          </a:xfrm>
+        </p:grpSpPr>
+        <p:pic>
+          <p:nvPicPr>
+            <p:cNvPr id="9" name="Picture 8">
+              <a:extLst>
+                <a:ext uri="{FF2B5EF4-FFF2-40B4-BE49-F238E27FC236}">
+                  <a16:creationId xmlns:a16="http://schemas.microsoft.com/office/drawing/2014/main" id="{398555A6-141B-4F31-BE78-C854C206CE39}"/>
+                </a:ext>
+              </a:extLst>
+            </p:cNvPr>
+            <p:cNvPicPr>
+              <a:picLocks noChangeAspect="1"/>
+            </p:cNvPicPr>
+            <p:nvPr/>
+          </p:nvPicPr>
+          <p:blipFill>
+            <a:blip r:embed="rId4">
+              <a:extLst>
+                <a:ext uri="{BEBA8EAE-BF5A-486C-A8C5-ECC9F3942E4B}">
+                  <a14:imgProps xmlns:a14="http://schemas.microsoft.com/office/drawing/2010/main">
+                    <a14:imgLayer r:embed="rId5">
+                      <a14:imgEffect>
+                        <a14:brightnessContrast bright="100000"/>
+                      </a14:imgEffect>
+                    </a14:imgLayer>
+                  </a14:imgProps>
+                </a:ext>
+                <a:ext uri="{28A0092B-C50C-407E-A947-70E740481C1C}">
+                  <a14:useLocalDpi xmlns:a14="http://schemas.microsoft.com/office/drawing/2010/main" val="0"/>
+                </a:ext>
+              </a:extLst>
+            </a:blip>
+            <a:stretch>
+              <a:fillRect/>
+            </a:stretch>
+          </p:blipFill>
+          <p:spPr>
+            <a:xfrm rot="20408167">
+              <a:off x="2958914" y="833797"/>
+              <a:ext cx="1248223" cy="1248223"/>
+            </a:xfrm>
+            <a:prstGeom prst="rect">
+              <a:avLst/>
+            </a:prstGeom>
+          </p:spPr>
+        </p:pic>
+        <p:grpSp>
+          <p:nvGrpSpPr>
+            <p:cNvPr id="25" name="Group 24">
+              <a:extLst>
+                <a:ext uri="{FF2B5EF4-FFF2-40B4-BE49-F238E27FC236}">
+                  <a16:creationId xmlns:a16="http://schemas.microsoft.com/office/drawing/2014/main" id="{352DFCB2-9A22-40F9-9A91-CBC6F7AB0FCA}"/>
+                </a:ext>
+              </a:extLst>
+            </p:cNvPr>
+            <p:cNvGrpSpPr/>
+            <p:nvPr/>
+          </p:nvGrpSpPr>
+          <p:grpSpPr>
+            <a:xfrm>
+              <a:off x="3540025" y="399194"/>
+              <a:ext cx="2998232" cy="3813341"/>
+              <a:chOff x="3360945" y="399194"/>
+              <a:chExt cx="2998232" cy="3813341"/>
+            </a:xfrm>
+          </p:grpSpPr>
+          <p:pic>
+            <p:nvPicPr>
+              <p:cNvPr id="1026" name="Picture 2">
+                <a:extLst>
+                  <a:ext uri="{FF2B5EF4-FFF2-40B4-BE49-F238E27FC236}">
+                    <a16:creationId xmlns:a16="http://schemas.microsoft.com/office/drawing/2014/main" id="{D24C860E-A56E-4566-B235-FAF3AA8E74A5}"/>
+                  </a:ext>
+                </a:extLst>
+              </p:cNvPr>
+              <p:cNvPicPr>
+                <a:picLocks noChangeAspect="1" noChangeArrowheads="1"/>
+              </p:cNvPicPr>
+              <p:nvPr/>
+            </p:nvPicPr>
+            <p:blipFill>
+              <a:blip r:embed="rId6">
+                <a:extLst>
+                  <a:ext uri="{28A0092B-C50C-407E-A947-70E740481C1C}">
+                    <a14:useLocalDpi xmlns:a14="http://schemas.microsoft.com/office/drawing/2010/main" val="0"/>
+                  </a:ext>
+                </a:extLst>
+              </a:blip>
+              <a:srcRect/>
+              <a:stretch>
+                <a:fillRect/>
+              </a:stretch>
+            </p:blipFill>
+            <p:spPr bwMode="auto">
+              <a:xfrm>
+                <a:off x="3501677" y="1355035"/>
+                <a:ext cx="2857500" cy="2857500"/>
+              </a:xfrm>
+              <a:prstGeom prst="rect">
+                <a:avLst/>
+              </a:prstGeom>
+              <a:noFill/>
+              <a:extLst>
+                <a:ext uri="{909E8E84-426E-40DD-AFC4-6F175D3DCCD1}">
+                  <a14:hiddenFill xmlns:a14="http://schemas.microsoft.com/office/drawing/2010/main">
+                    <a:solidFill>
+                      <a:srgbClr val="FFFFFF"/>
+                    </a:solidFill>
+                  </a14:hiddenFill>
+                </a:ext>
+              </a:extLst>
+            </p:spPr>
+          </p:pic>
+          <p:sp>
+            <p:nvSpPr>
+              <p:cNvPr id="16" name="Rectangle 15">
+                <a:extLst>
+                  <a:ext uri="{FF2B5EF4-FFF2-40B4-BE49-F238E27FC236}">
+                    <a16:creationId xmlns:a16="http://schemas.microsoft.com/office/drawing/2014/main" id="{43FBFD0C-FDC5-46BD-A58C-0AEB5A2A314C}"/>
+                  </a:ext>
+                </a:extLst>
+              </p:cNvPr>
+              <p:cNvSpPr/>
+              <p:nvPr/>
+            </p:nvSpPr>
+            <p:spPr>
+              <a:xfrm rot="18900000">
+                <a:off x="3426721" y="417783"/>
+                <a:ext cx="86002" cy="2119096"/>
+              </a:xfrm>
+              <a:prstGeom prst="rect">
+                <a:avLst/>
+              </a:prstGeom>
+              <a:solidFill>
+                <a:srgbClr val="FF0000"/>
+              </a:solidFill>
+              <a:ln>
+                <a:noFill/>
+              </a:ln>
+            </p:spPr>
+            <p:style>
+              <a:lnRef idx="2">
+                <a:schemeClr val="accent6"/>
+              </a:lnRef>
+              <a:fillRef idx="1">
+                <a:schemeClr val="lt1"/>
+              </a:fillRef>
+              <a:effectRef idx="0">
+                <a:schemeClr val="accent6"/>
+              </a:effectRef>
+              <a:fontRef idx="minor">
+                <a:schemeClr val="dk1"/>
+              </a:fontRef>
+            </p:style>
+            <p:txBody>
+              <a:bodyPr rtlCol="0" anchor="ctr"/>
+              <a:lstStyle/>
+              <a:p>
+                <a:pPr algn="ctr"/>
+                <a:endParaRPr lang="en-US" dirty="0"/>
+              </a:p>
+            </p:txBody>
+          </p:sp>
+          <p:sp>
+            <p:nvSpPr>
+              <p:cNvPr id="17" name="Rectangle 16">
+                <a:extLst>
+                  <a:ext uri="{FF2B5EF4-FFF2-40B4-BE49-F238E27FC236}">
+                    <a16:creationId xmlns:a16="http://schemas.microsoft.com/office/drawing/2014/main" id="{F9AFF716-9FF9-47F5-BB7B-110E75DC411A}"/>
+                  </a:ext>
+                </a:extLst>
+              </p:cNvPr>
+              <p:cNvSpPr/>
+              <p:nvPr/>
+            </p:nvSpPr>
+            <p:spPr>
+              <a:xfrm rot="1509777">
+                <a:off x="3360945" y="399194"/>
+                <a:ext cx="86002" cy="2119096"/>
+              </a:xfrm>
+              <a:prstGeom prst="rect">
+                <a:avLst/>
+              </a:prstGeom>
+              <a:solidFill>
+                <a:srgbClr val="FF0000"/>
+              </a:solidFill>
+              <a:ln>
+                <a:noFill/>
+              </a:ln>
+            </p:spPr>
+            <p:style>
+              <a:lnRef idx="2">
+                <a:schemeClr val="accent6"/>
+              </a:lnRef>
+              <a:fillRef idx="1">
+                <a:schemeClr val="lt1"/>
+              </a:fillRef>
+              <a:effectRef idx="0">
+                <a:schemeClr val="accent6"/>
+              </a:effectRef>
+              <a:fontRef idx="minor">
+                <a:schemeClr val="dk1"/>
+              </a:fontRef>
+            </p:style>
+            <p:txBody>
+              <a:bodyPr rtlCol="0" anchor="ctr"/>
+              <a:lstStyle/>
+              <a:p>
+                <a:pPr algn="ctr"/>
+                <a:endParaRPr lang="en-US" dirty="0"/>
+              </a:p>
+            </p:txBody>
+          </p:sp>
+        </p:grpSp>
+      </p:grpSp>
+    </p:spTree>
+    <p:extLst>
+      <p:ext uri="{BB962C8B-B14F-4D97-AF65-F5344CB8AC3E}">
+        <p14:creationId xmlns:p14="http://schemas.microsoft.com/office/powerpoint/2010/main" val="1580290684"/>
+      </p:ext>
+    </p:extLst>
+  </p:cSld>
+  <p:clrMapOvr>
+    <a:masterClrMapping/>
+  </p:clrMapOvr>
+</p:sld>
+</file>
+
+<file path=ppt/slides/slide70.xml><?xml version="1.0" encoding="utf-8"?>
 <p:sld xmlns:a="http://schemas.openxmlformats.org/drawingml/2006/main" xmlns:r="http://schemas.openxmlformats.org/officeDocument/2006/relationships" xmlns:p="http://schemas.openxmlformats.org/presentationml/2006/main">
   <p:cSld>
     <p:spTree>
@@ -40061,370 +41705,7 @@
 </p:sld>
 </file>
 
-<file path=ppt/slides/slide7.xml><?xml version="1.0" encoding="utf-8"?>
-<p:sld xmlns:a="http://schemas.openxmlformats.org/drawingml/2006/main" xmlns:r="http://schemas.openxmlformats.org/officeDocument/2006/relationships" xmlns:p="http://schemas.openxmlformats.org/presentationml/2006/main">
-  <p:cSld>
-    <p:spTree>
-      <p:nvGrpSpPr>
-        <p:cNvPr id="1" name=""/>
-        <p:cNvGrpSpPr/>
-        <p:nvPr/>
-      </p:nvGrpSpPr>
-      <p:grpSpPr>
-        <a:xfrm>
-          <a:off x="0" y="0"/>
-          <a:ext cx="0" cy="0"/>
-          <a:chOff x="0" y="0"/>
-          <a:chExt cx="0" cy="0"/>
-        </a:xfrm>
-      </p:grpSpPr>
-      <p:sp>
-        <p:nvSpPr>
-          <p:cNvPr id="11" name="TextBox 10">
-            <a:extLst>
-              <a:ext uri="{FF2B5EF4-FFF2-40B4-BE49-F238E27FC236}">
-                <a16:creationId xmlns:a16="http://schemas.microsoft.com/office/drawing/2014/main" id="{49A7B9B6-8455-43BE-8670-E01CE03933DF}"/>
-              </a:ext>
-            </a:extLst>
-          </p:cNvPr>
-          <p:cNvSpPr txBox="1"/>
-          <p:nvPr/>
-        </p:nvSpPr>
-        <p:spPr>
-          <a:xfrm>
-            <a:off x="151559" y="3858413"/>
-            <a:ext cx="8840882" cy="1015663"/>
-          </a:xfrm>
-          <a:prstGeom prst="rect">
-            <a:avLst/>
-          </a:prstGeom>
-          <a:noFill/>
-        </p:spPr>
-        <p:txBody>
-          <a:bodyPr wrap="none" rtlCol="0">
-            <a:spAutoFit/>
-          </a:bodyPr>
-          <a:lstStyle/>
-          <a:p>
-            <a:r>
-              <a:rPr lang="vi-VN" sz="6000" dirty="0">
-                <a:ln w="19050">
-                  <a:solidFill>
-                    <a:schemeClr val="tx1"/>
-                  </a:solidFill>
-                </a:ln>
-                <a:solidFill>
-                  <a:srgbClr val="FFFF00"/>
-                </a:solidFill>
-                <a:latin typeface="FVF Fernando 08" panose="02000507020000020003" pitchFamily="2" charset="0"/>
-              </a:rPr>
-              <a:t>/clearspawnpoint</a:t>
-            </a:r>
-            <a:endParaRPr lang="en-US" sz="6000" dirty="0">
-              <a:ln w="19050">
-                <a:solidFill>
-                  <a:schemeClr val="tx1"/>
-                </a:solidFill>
-              </a:ln>
-              <a:solidFill>
-                <a:srgbClr val="FFFF00"/>
-              </a:solidFill>
-              <a:latin typeface="FVF Fernando 08" panose="02000507020000020003" pitchFamily="2" charset="0"/>
-            </a:endParaRPr>
-          </a:p>
-        </p:txBody>
-      </p:sp>
-      <p:pic>
-        <p:nvPicPr>
-          <p:cNvPr id="14" name="Picture 13">
-            <a:extLst>
-              <a:ext uri="{FF2B5EF4-FFF2-40B4-BE49-F238E27FC236}">
-                <a16:creationId xmlns:a16="http://schemas.microsoft.com/office/drawing/2014/main" id="{E2D411D6-C028-4F7B-96FB-CC2855017620}"/>
-              </a:ext>
-            </a:extLst>
-          </p:cNvPr>
-          <p:cNvPicPr>
-            <a:picLocks noChangeAspect="1"/>
-          </p:cNvPicPr>
-          <p:nvPr/>
-        </p:nvPicPr>
-        <p:blipFill>
-          <a:blip r:embed="rId3">
-            <a:extLst>
-              <a:ext uri="{28A0092B-C50C-407E-A947-70E740481C1C}">
-                <a14:useLocalDpi xmlns:a14="http://schemas.microsoft.com/office/drawing/2010/main" val="0"/>
-              </a:ext>
-            </a:extLst>
-          </a:blip>
-          <a:srcRect/>
-          <a:stretch/>
-        </p:blipFill>
-        <p:spPr>
-          <a:xfrm>
-            <a:off x="7675990" y="30481"/>
-            <a:ext cx="1490870" cy="1490870"/>
-          </a:xfrm>
-          <a:prstGeom prst="rect">
-            <a:avLst/>
-          </a:prstGeom>
-          <a:ln w="19050">
-            <a:noFill/>
-          </a:ln>
-          <a:effectLst>
-            <a:outerShdw blurRad="63500" sx="104000" sy="104000" algn="ctr" rotWithShape="0">
-              <a:srgbClr val="FFFF00"/>
-            </a:outerShdw>
-          </a:effectLst>
-        </p:spPr>
-      </p:pic>
-      <p:grpSp>
-        <p:nvGrpSpPr>
-          <p:cNvPr id="2" name="Group 1">
-            <a:extLst>
-              <a:ext uri="{FF2B5EF4-FFF2-40B4-BE49-F238E27FC236}">
-                <a16:creationId xmlns:a16="http://schemas.microsoft.com/office/drawing/2014/main" id="{57DEA255-84B0-449E-A869-DC068C286121}"/>
-              </a:ext>
-            </a:extLst>
-          </p:cNvPr>
-          <p:cNvGrpSpPr/>
-          <p:nvPr/>
-        </p:nvGrpSpPr>
-        <p:grpSpPr>
-          <a:xfrm>
-            <a:off x="2782328" y="269424"/>
-            <a:ext cx="3579343" cy="3813341"/>
-            <a:chOff x="2958914" y="399194"/>
-            <a:chExt cx="3579343" cy="3813341"/>
-          </a:xfrm>
-        </p:grpSpPr>
-        <p:pic>
-          <p:nvPicPr>
-            <p:cNvPr id="9" name="Picture 8">
-              <a:extLst>
-                <a:ext uri="{FF2B5EF4-FFF2-40B4-BE49-F238E27FC236}">
-                  <a16:creationId xmlns:a16="http://schemas.microsoft.com/office/drawing/2014/main" id="{398555A6-141B-4F31-BE78-C854C206CE39}"/>
-                </a:ext>
-              </a:extLst>
-            </p:cNvPr>
-            <p:cNvPicPr>
-              <a:picLocks noChangeAspect="1"/>
-            </p:cNvPicPr>
-            <p:nvPr/>
-          </p:nvPicPr>
-          <p:blipFill>
-            <a:blip r:embed="rId4">
-              <a:extLst>
-                <a:ext uri="{BEBA8EAE-BF5A-486C-A8C5-ECC9F3942E4B}">
-                  <a14:imgProps xmlns:a14="http://schemas.microsoft.com/office/drawing/2010/main">
-                    <a14:imgLayer r:embed="rId5">
-                      <a14:imgEffect>
-                        <a14:brightnessContrast bright="100000"/>
-                      </a14:imgEffect>
-                    </a14:imgLayer>
-                  </a14:imgProps>
-                </a:ext>
-                <a:ext uri="{28A0092B-C50C-407E-A947-70E740481C1C}">
-                  <a14:useLocalDpi xmlns:a14="http://schemas.microsoft.com/office/drawing/2010/main" val="0"/>
-                </a:ext>
-              </a:extLst>
-            </a:blip>
-            <a:stretch>
-              <a:fillRect/>
-            </a:stretch>
-          </p:blipFill>
-          <p:spPr>
-            <a:xfrm rot="20408167">
-              <a:off x="2958914" y="833797"/>
-              <a:ext cx="1248223" cy="1248223"/>
-            </a:xfrm>
-            <a:prstGeom prst="rect">
-              <a:avLst/>
-            </a:prstGeom>
-          </p:spPr>
-        </p:pic>
-        <p:grpSp>
-          <p:nvGrpSpPr>
-            <p:cNvPr id="25" name="Group 24">
-              <a:extLst>
-                <a:ext uri="{FF2B5EF4-FFF2-40B4-BE49-F238E27FC236}">
-                  <a16:creationId xmlns:a16="http://schemas.microsoft.com/office/drawing/2014/main" id="{352DFCB2-9A22-40F9-9A91-CBC6F7AB0FCA}"/>
-                </a:ext>
-              </a:extLst>
-            </p:cNvPr>
-            <p:cNvGrpSpPr/>
-            <p:nvPr/>
-          </p:nvGrpSpPr>
-          <p:grpSpPr>
-            <a:xfrm>
-              <a:off x="3540025" y="399194"/>
-              <a:ext cx="2998232" cy="3813341"/>
-              <a:chOff x="3360945" y="399194"/>
-              <a:chExt cx="2998232" cy="3813341"/>
-            </a:xfrm>
-          </p:grpSpPr>
-          <p:pic>
-            <p:nvPicPr>
-              <p:cNvPr id="1026" name="Picture 2">
-                <a:extLst>
-                  <a:ext uri="{FF2B5EF4-FFF2-40B4-BE49-F238E27FC236}">
-                    <a16:creationId xmlns:a16="http://schemas.microsoft.com/office/drawing/2014/main" id="{D24C860E-A56E-4566-B235-FAF3AA8E74A5}"/>
-                  </a:ext>
-                </a:extLst>
-              </p:cNvPr>
-              <p:cNvPicPr>
-                <a:picLocks noChangeAspect="1" noChangeArrowheads="1"/>
-              </p:cNvPicPr>
-              <p:nvPr/>
-            </p:nvPicPr>
-            <p:blipFill>
-              <a:blip r:embed="rId6">
-                <a:extLst>
-                  <a:ext uri="{28A0092B-C50C-407E-A947-70E740481C1C}">
-                    <a14:useLocalDpi xmlns:a14="http://schemas.microsoft.com/office/drawing/2010/main" val="0"/>
-                  </a:ext>
-                </a:extLst>
-              </a:blip>
-              <a:srcRect/>
-              <a:stretch>
-                <a:fillRect/>
-              </a:stretch>
-            </p:blipFill>
-            <p:spPr bwMode="auto">
-              <a:xfrm>
-                <a:off x="3501677" y="1355035"/>
-                <a:ext cx="2857500" cy="2857500"/>
-              </a:xfrm>
-              <a:prstGeom prst="rect">
-                <a:avLst/>
-              </a:prstGeom>
-              <a:noFill/>
-              <a:extLst>
-                <a:ext uri="{909E8E84-426E-40DD-AFC4-6F175D3DCCD1}">
-                  <a14:hiddenFill xmlns:a14="http://schemas.microsoft.com/office/drawing/2010/main">
-                    <a:solidFill>
-                      <a:srgbClr val="FFFFFF"/>
-                    </a:solidFill>
-                  </a14:hiddenFill>
-                </a:ext>
-              </a:extLst>
-            </p:spPr>
-          </p:pic>
-          <p:sp>
-            <p:nvSpPr>
-              <p:cNvPr id="16" name="Rectangle 15">
-                <a:extLst>
-                  <a:ext uri="{FF2B5EF4-FFF2-40B4-BE49-F238E27FC236}">
-                    <a16:creationId xmlns:a16="http://schemas.microsoft.com/office/drawing/2014/main" id="{43FBFD0C-FDC5-46BD-A58C-0AEB5A2A314C}"/>
-                  </a:ext>
-                </a:extLst>
-              </p:cNvPr>
-              <p:cNvSpPr/>
-              <p:nvPr/>
-            </p:nvSpPr>
-            <p:spPr>
-              <a:xfrm rot="18900000">
-                <a:off x="3426721" y="417783"/>
-                <a:ext cx="86002" cy="2119096"/>
-              </a:xfrm>
-              <a:prstGeom prst="rect">
-                <a:avLst/>
-              </a:prstGeom>
-              <a:solidFill>
-                <a:srgbClr val="FF0000"/>
-              </a:solidFill>
-              <a:ln>
-                <a:noFill/>
-              </a:ln>
-            </p:spPr>
-            <p:style>
-              <a:lnRef idx="2">
-                <a:schemeClr val="accent6"/>
-              </a:lnRef>
-              <a:fillRef idx="1">
-                <a:schemeClr val="lt1"/>
-              </a:fillRef>
-              <a:effectRef idx="0">
-                <a:schemeClr val="accent6"/>
-              </a:effectRef>
-              <a:fontRef idx="minor">
-                <a:schemeClr val="dk1"/>
-              </a:fontRef>
-            </p:style>
-            <p:txBody>
-              <a:bodyPr rtlCol="0" anchor="ctr"/>
-              <a:lstStyle/>
-              <a:p>
-                <a:pPr algn="ctr"/>
-                <a:endParaRPr lang="en-US" dirty="0"/>
-              </a:p>
-            </p:txBody>
-          </p:sp>
-          <p:sp>
-            <p:nvSpPr>
-              <p:cNvPr id="17" name="Rectangle 16">
-                <a:extLst>
-                  <a:ext uri="{FF2B5EF4-FFF2-40B4-BE49-F238E27FC236}">
-                    <a16:creationId xmlns:a16="http://schemas.microsoft.com/office/drawing/2014/main" id="{F9AFF716-9FF9-47F5-BB7B-110E75DC411A}"/>
-                  </a:ext>
-                </a:extLst>
-              </p:cNvPr>
-              <p:cNvSpPr/>
-              <p:nvPr/>
-            </p:nvSpPr>
-            <p:spPr>
-              <a:xfrm rot="1509777">
-                <a:off x="3360945" y="399194"/>
-                <a:ext cx="86002" cy="2119096"/>
-              </a:xfrm>
-              <a:prstGeom prst="rect">
-                <a:avLst/>
-              </a:prstGeom>
-              <a:solidFill>
-                <a:srgbClr val="FF0000"/>
-              </a:solidFill>
-              <a:ln>
-                <a:noFill/>
-              </a:ln>
-            </p:spPr>
-            <p:style>
-              <a:lnRef idx="2">
-                <a:schemeClr val="accent6"/>
-              </a:lnRef>
-              <a:fillRef idx="1">
-                <a:schemeClr val="lt1"/>
-              </a:fillRef>
-              <a:effectRef idx="0">
-                <a:schemeClr val="accent6"/>
-              </a:effectRef>
-              <a:fontRef idx="minor">
-                <a:schemeClr val="dk1"/>
-              </a:fontRef>
-            </p:style>
-            <p:txBody>
-              <a:bodyPr rtlCol="0" anchor="ctr"/>
-              <a:lstStyle/>
-              <a:p>
-                <a:pPr algn="ctr"/>
-                <a:endParaRPr lang="en-US" dirty="0"/>
-              </a:p>
-            </p:txBody>
-          </p:sp>
-        </p:grpSp>
-      </p:grpSp>
-    </p:spTree>
-    <p:extLst>
-      <p:ext uri="{BB962C8B-B14F-4D97-AF65-F5344CB8AC3E}">
-        <p14:creationId xmlns:p14="http://schemas.microsoft.com/office/powerpoint/2010/main" val="1580290684"/>
-      </p:ext>
-    </p:extLst>
-  </p:cSld>
-  <p:clrMapOvr>
-    <a:masterClrMapping/>
-  </p:clrMapOvr>
-</p:sld>
-</file>
-
-<file path=ppt/slides/slide70.xml><?xml version="1.0" encoding="utf-8"?>
+<file path=ppt/slides/slide71.xml><?xml version="1.0" encoding="utf-8"?>
 <p:sld xmlns:a="http://schemas.openxmlformats.org/drawingml/2006/main" xmlns:r="http://schemas.openxmlformats.org/officeDocument/2006/relationships" xmlns:p="http://schemas.openxmlformats.org/presentationml/2006/main">
   <p:cSld>
     <p:spTree>
@@ -40991,7 +42272,7 @@
 </p:sld>
 </file>
 
-<file path=ppt/slides/slide71.xml><?xml version="1.0" encoding="utf-8"?>
+<file path=ppt/slides/slide72.xml><?xml version="1.0" encoding="utf-8"?>
 <p:sld xmlns:a="http://schemas.openxmlformats.org/drawingml/2006/main" xmlns:r="http://schemas.openxmlformats.org/officeDocument/2006/relationships" xmlns:p="http://schemas.openxmlformats.org/presentationml/2006/main">
   <p:cSld>
     <p:spTree>
@@ -41380,7 +42661,7 @@
 </p:sld>
 </file>
 
-<file path=ppt/slides/slide72.xml><?xml version="1.0" encoding="utf-8"?>
+<file path=ppt/slides/slide73.xml><?xml version="1.0" encoding="utf-8"?>
 <p:sld xmlns:a="http://schemas.openxmlformats.org/drawingml/2006/main" xmlns:r="http://schemas.openxmlformats.org/officeDocument/2006/relationships" xmlns:p="http://schemas.openxmlformats.org/presentationml/2006/main">
   <p:cSld>
     <p:spTree>
@@ -41674,7 +42955,7 @@
 </p:sld>
 </file>
 
-<file path=ppt/slides/slide73.xml><?xml version="1.0" encoding="utf-8"?>
+<file path=ppt/slides/slide74.xml><?xml version="1.0" encoding="utf-8"?>
 <p:sld xmlns:a="http://schemas.openxmlformats.org/drawingml/2006/main" xmlns:r="http://schemas.openxmlformats.org/officeDocument/2006/relationships" xmlns:p="http://schemas.openxmlformats.org/presentationml/2006/main">
   <p:cSld>
     <p:spTree>
@@ -42060,7 +43341,7 @@
 </p:sld>
 </file>
 
-<file path=ppt/slides/slide74.xml><?xml version="1.0" encoding="utf-8"?>
+<file path=ppt/slides/slide75.xml><?xml version="1.0" encoding="utf-8"?>
 <p:sld xmlns:a="http://schemas.openxmlformats.org/drawingml/2006/main" xmlns:r="http://schemas.openxmlformats.org/officeDocument/2006/relationships" xmlns:p="http://schemas.openxmlformats.org/presentationml/2006/main">
   <p:cSld>
     <p:spTree>
@@ -42329,7 +43610,7 @@
 </p:sld>
 </file>
 
-<file path=ppt/slides/slide75.xml><?xml version="1.0" encoding="utf-8"?>
+<file path=ppt/slides/slide76.xml><?xml version="1.0" encoding="utf-8"?>
 <p:sld xmlns:a="http://schemas.openxmlformats.org/drawingml/2006/main" xmlns:r="http://schemas.openxmlformats.org/officeDocument/2006/relationships" xmlns:p="http://schemas.openxmlformats.org/presentationml/2006/main">
   <p:cSld>
     <p:spTree>
@@ -42797,7 +44078,7 @@
 </p:sld>
 </file>
 
-<file path=ppt/slides/slide76.xml><?xml version="1.0" encoding="utf-8"?>
+<file path=ppt/slides/slide77.xml><?xml version="1.0" encoding="utf-8"?>
 <p:sld xmlns:a="http://schemas.openxmlformats.org/drawingml/2006/main" xmlns:r="http://schemas.openxmlformats.org/officeDocument/2006/relationships" xmlns:p="http://schemas.openxmlformats.org/presentationml/2006/main">
   <p:cSld>
     <p:spTree>
@@ -42926,7 +44207,7 @@
 </p:sld>
 </file>
 
-<file path=ppt/slides/slide77.xml><?xml version="1.0" encoding="utf-8"?>
+<file path=ppt/slides/slide78.xml><?xml version="1.0" encoding="utf-8"?>
 <p:sld xmlns:a="http://schemas.openxmlformats.org/drawingml/2006/main" xmlns:r="http://schemas.openxmlformats.org/officeDocument/2006/relationships" xmlns:p="http://schemas.openxmlformats.org/presentationml/2006/main">
   <p:cSld>
     <p:spTree>
@@ -43096,7 +44377,7 @@
 </p:sld>
 </file>
 
-<file path=ppt/slides/slide78.xml><?xml version="1.0" encoding="utf-8"?>
+<file path=ppt/slides/slide79.xml><?xml version="1.0" encoding="utf-8"?>
 <p:sld xmlns:a="http://schemas.openxmlformats.org/drawingml/2006/main" xmlns:r="http://schemas.openxmlformats.org/officeDocument/2006/relationships" xmlns:p="http://schemas.openxmlformats.org/presentationml/2006/main">
   <p:cSld>
     <p:spTree>
@@ -43127,8 +44408,8 @@
         </p:nvSpPr>
         <p:spPr>
           <a:xfrm>
-            <a:off x="1257629" y="3858413"/>
-            <a:ext cx="6628738" cy="1015663"/>
+            <a:off x="2507971" y="3858413"/>
+            <a:ext cx="4128053" cy="1015663"/>
           </a:xfrm>
           <a:prstGeom prst="rect">
             <a:avLst/>
@@ -43142,6 +44423,20 @@
           <a:lstStyle/>
           <a:p>
             <a:r>
+              <a:rPr lang="vi-VN" sz="6000">
+                <a:ln w="19050">
+                  <a:solidFill>
+                    <a:schemeClr val="tx1"/>
+                  </a:solidFill>
+                </a:ln>
+                <a:solidFill>
+                  <a:srgbClr val="FFFF00"/>
+                </a:solidFill>
+                <a:latin typeface="FVF Fernando 08" panose="02000507020000020003" pitchFamily="2" charset="0"/>
+              </a:rPr>
+              <a:t>Biome </a:t>
+            </a:r>
+            <a:r>
               <a:rPr lang="vi-VN" sz="6000" dirty="0">
                 <a:ln w="19050">
                   <a:solidFill>
@@ -43153,7 +44448,7 @@
                 </a:solidFill>
                 <a:latin typeface="FVF Fernando 08" panose="02000507020000020003" pitchFamily="2" charset="0"/>
               </a:rPr>
-              <a:t>Block state Id</a:t>
+              <a:t>Id</a:t>
             </a:r>
             <a:endParaRPr lang="en-US" sz="6000" dirty="0">
               <a:ln w="19050">
@@ -43256,177 +44551,7 @@
     </p:spTree>
     <p:extLst>
       <p:ext uri="{BB962C8B-B14F-4D97-AF65-F5344CB8AC3E}">
-        <p14:creationId xmlns:p14="http://schemas.microsoft.com/office/powerpoint/2010/main" val="1834945509"/>
-      </p:ext>
-    </p:extLst>
-  </p:cSld>
-  <p:clrMapOvr>
-    <a:masterClrMapping/>
-  </p:clrMapOvr>
-</p:sld>
-</file>
-
-<file path=ppt/slides/slide79.xml><?xml version="1.0" encoding="utf-8"?>
-<p:sld xmlns:a="http://schemas.openxmlformats.org/drawingml/2006/main" xmlns:r="http://schemas.openxmlformats.org/officeDocument/2006/relationships" xmlns:p="http://schemas.openxmlformats.org/presentationml/2006/main">
-  <p:cSld>
-    <p:spTree>
-      <p:nvGrpSpPr>
-        <p:cNvPr id="1" name=""/>
-        <p:cNvGrpSpPr/>
-        <p:nvPr/>
-      </p:nvGrpSpPr>
-      <p:grpSpPr>
-        <a:xfrm>
-          <a:off x="0" y="0"/>
-          <a:ext cx="0" cy="0"/>
-          <a:chOff x="0" y="0"/>
-          <a:chExt cx="0" cy="0"/>
-        </a:xfrm>
-      </p:grpSpPr>
-      <p:sp>
-        <p:nvSpPr>
-          <p:cNvPr id="11" name="TextBox 10">
-            <a:extLst>
-              <a:ext uri="{FF2B5EF4-FFF2-40B4-BE49-F238E27FC236}">
-                <a16:creationId xmlns:a16="http://schemas.microsoft.com/office/drawing/2014/main" id="{49A7B9B6-8455-43BE-8670-E01CE03933DF}"/>
-              </a:ext>
-            </a:extLst>
-          </p:cNvPr>
-          <p:cNvSpPr txBox="1"/>
-          <p:nvPr/>
-        </p:nvSpPr>
-        <p:spPr>
-          <a:xfrm>
-            <a:off x="1161449" y="3858413"/>
-            <a:ext cx="6821098" cy="1015663"/>
-          </a:xfrm>
-          <a:prstGeom prst="rect">
-            <a:avLst/>
-          </a:prstGeom>
-          <a:noFill/>
-        </p:spPr>
-        <p:txBody>
-          <a:bodyPr wrap="none" rtlCol="0">
-            <a:spAutoFit/>
-          </a:bodyPr>
-          <a:lstStyle/>
-          <a:p>
-            <a:r>
-              <a:rPr lang="vi-VN" sz="6000" dirty="0">
-                <a:ln w="19050">
-                  <a:solidFill>
-                    <a:schemeClr val="tx1"/>
-                  </a:solidFill>
-                </a:ln>
-                <a:solidFill>
-                  <a:srgbClr val="FFFF00"/>
-                </a:solidFill>
-                <a:latin typeface="FVF Fernando 08" panose="02000507020000020003" pitchFamily="2" charset="0"/>
-              </a:rPr>
-              <a:t>Component Id</a:t>
-            </a:r>
-            <a:endParaRPr lang="en-US" sz="6000" dirty="0">
-              <a:ln w="19050">
-                <a:solidFill>
-                  <a:schemeClr val="tx1"/>
-                </a:solidFill>
-              </a:ln>
-              <a:solidFill>
-                <a:srgbClr val="FFFF00"/>
-              </a:solidFill>
-              <a:latin typeface="FVF Fernando 08" panose="02000507020000020003" pitchFamily="2" charset="0"/>
-            </a:endParaRPr>
-          </a:p>
-        </p:txBody>
-      </p:sp>
-      <p:pic>
-        <p:nvPicPr>
-          <p:cNvPr id="14" name="Picture 13">
-            <a:extLst>
-              <a:ext uri="{FF2B5EF4-FFF2-40B4-BE49-F238E27FC236}">
-                <a16:creationId xmlns:a16="http://schemas.microsoft.com/office/drawing/2014/main" id="{E2D411D6-C028-4F7B-96FB-CC2855017620}"/>
-              </a:ext>
-            </a:extLst>
-          </p:cNvPr>
-          <p:cNvPicPr>
-            <a:picLocks noChangeAspect="1"/>
-          </p:cNvPicPr>
-          <p:nvPr/>
-        </p:nvPicPr>
-        <p:blipFill>
-          <a:blip r:embed="rId3">
-            <a:extLst>
-              <a:ext uri="{28A0092B-C50C-407E-A947-70E740481C1C}">
-                <a14:useLocalDpi xmlns:a14="http://schemas.microsoft.com/office/drawing/2010/main" val="0"/>
-              </a:ext>
-            </a:extLst>
-          </a:blip>
-          <a:srcRect/>
-          <a:stretch/>
-        </p:blipFill>
-        <p:spPr>
-          <a:xfrm>
-            <a:off x="7675990" y="30481"/>
-            <a:ext cx="1490870" cy="1490870"/>
-          </a:xfrm>
-          <a:prstGeom prst="rect">
-            <a:avLst/>
-          </a:prstGeom>
-          <a:ln w="19050">
-            <a:noFill/>
-          </a:ln>
-          <a:effectLst>
-            <a:outerShdw blurRad="63500" sx="104000" sy="104000" algn="ctr" rotWithShape="0">
-              <a:srgbClr val="FFFF00"/>
-            </a:outerShdw>
-          </a:effectLst>
-        </p:spPr>
-      </p:pic>
-      <p:pic>
-        <p:nvPicPr>
-          <p:cNvPr id="3" name="Picture 2">
-            <a:extLst>
-              <a:ext uri="{FF2B5EF4-FFF2-40B4-BE49-F238E27FC236}">
-                <a16:creationId xmlns:a16="http://schemas.microsoft.com/office/drawing/2014/main" id="{5BA2E600-ACA3-41D4-AE81-59539181FF36}"/>
-              </a:ext>
-            </a:extLst>
-          </p:cNvPr>
-          <p:cNvPicPr>
-            <a:picLocks noChangeAspect="1"/>
-          </p:cNvPicPr>
-          <p:nvPr/>
-        </p:nvPicPr>
-        <p:blipFill>
-          <a:blip r:embed="rId4">
-            <a:extLst>
-              <a:ext uri="{28A0092B-C50C-407E-A947-70E740481C1C}">
-                <a14:useLocalDpi xmlns:a14="http://schemas.microsoft.com/office/drawing/2010/main" val="0"/>
-              </a:ext>
-            </a:extLst>
-          </a:blip>
-          <a:stretch>
-            <a:fillRect/>
-          </a:stretch>
-        </p:blipFill>
-        <p:spPr>
-          <a:xfrm>
-            <a:off x="3025669" y="1513735"/>
-            <a:ext cx="3092659" cy="2116030"/>
-          </a:xfrm>
-          <a:prstGeom prst="rect">
-            <a:avLst/>
-          </a:prstGeom>
-          <a:effectLst>
-            <a:glow rad="63500">
-              <a:srgbClr val="FFC000"/>
-            </a:glow>
-          </a:effectLst>
-        </p:spPr>
-      </p:pic>
-    </p:spTree>
-    <p:extLst>
-      <p:ext uri="{BB962C8B-B14F-4D97-AF65-F5344CB8AC3E}">
-        <p14:creationId xmlns:p14="http://schemas.microsoft.com/office/powerpoint/2010/main" val="3286605201"/>
+        <p14:creationId xmlns:p14="http://schemas.microsoft.com/office/powerpoint/2010/main" val="3490997377"/>
       </p:ext>
     </p:extLst>
   </p:cSld>
@@ -43763,6 +44888,346 @@
         </p:nvSpPr>
         <p:spPr>
           <a:xfrm>
+            <a:off x="1257629" y="3858413"/>
+            <a:ext cx="6628738" cy="1015663"/>
+          </a:xfrm>
+          <a:prstGeom prst="rect">
+            <a:avLst/>
+          </a:prstGeom>
+          <a:noFill/>
+        </p:spPr>
+        <p:txBody>
+          <a:bodyPr wrap="none" rtlCol="0">
+            <a:spAutoFit/>
+          </a:bodyPr>
+          <a:lstStyle/>
+          <a:p>
+            <a:r>
+              <a:rPr lang="vi-VN" sz="6000" dirty="0">
+                <a:ln w="19050">
+                  <a:solidFill>
+                    <a:schemeClr val="tx1"/>
+                  </a:solidFill>
+                </a:ln>
+                <a:solidFill>
+                  <a:srgbClr val="FFFF00"/>
+                </a:solidFill>
+                <a:latin typeface="FVF Fernando 08" panose="02000507020000020003" pitchFamily="2" charset="0"/>
+              </a:rPr>
+              <a:t>Block state Id</a:t>
+            </a:r>
+            <a:endParaRPr lang="en-US" sz="6000" dirty="0">
+              <a:ln w="19050">
+                <a:solidFill>
+                  <a:schemeClr val="tx1"/>
+                </a:solidFill>
+              </a:ln>
+              <a:solidFill>
+                <a:srgbClr val="FFFF00"/>
+              </a:solidFill>
+              <a:latin typeface="FVF Fernando 08" panose="02000507020000020003" pitchFamily="2" charset="0"/>
+            </a:endParaRPr>
+          </a:p>
+        </p:txBody>
+      </p:sp>
+      <p:pic>
+        <p:nvPicPr>
+          <p:cNvPr id="14" name="Picture 13">
+            <a:extLst>
+              <a:ext uri="{FF2B5EF4-FFF2-40B4-BE49-F238E27FC236}">
+                <a16:creationId xmlns:a16="http://schemas.microsoft.com/office/drawing/2014/main" id="{E2D411D6-C028-4F7B-96FB-CC2855017620}"/>
+              </a:ext>
+            </a:extLst>
+          </p:cNvPr>
+          <p:cNvPicPr>
+            <a:picLocks noChangeAspect="1"/>
+          </p:cNvPicPr>
+          <p:nvPr/>
+        </p:nvPicPr>
+        <p:blipFill>
+          <a:blip r:embed="rId3">
+            <a:extLst>
+              <a:ext uri="{28A0092B-C50C-407E-A947-70E740481C1C}">
+                <a14:useLocalDpi xmlns:a14="http://schemas.microsoft.com/office/drawing/2010/main" val="0"/>
+              </a:ext>
+            </a:extLst>
+          </a:blip>
+          <a:srcRect/>
+          <a:stretch/>
+        </p:blipFill>
+        <p:spPr>
+          <a:xfrm>
+            <a:off x="7675990" y="30481"/>
+            <a:ext cx="1490870" cy="1490870"/>
+          </a:xfrm>
+          <a:prstGeom prst="rect">
+            <a:avLst/>
+          </a:prstGeom>
+          <a:ln w="19050">
+            <a:noFill/>
+          </a:ln>
+          <a:effectLst>
+            <a:outerShdw blurRad="63500" sx="104000" sy="104000" algn="ctr" rotWithShape="0">
+              <a:srgbClr val="FFFF00"/>
+            </a:outerShdw>
+          </a:effectLst>
+        </p:spPr>
+      </p:pic>
+      <p:pic>
+        <p:nvPicPr>
+          <p:cNvPr id="3" name="Picture 2">
+            <a:extLst>
+              <a:ext uri="{FF2B5EF4-FFF2-40B4-BE49-F238E27FC236}">
+                <a16:creationId xmlns:a16="http://schemas.microsoft.com/office/drawing/2014/main" id="{5BA2E600-ACA3-41D4-AE81-59539181FF36}"/>
+              </a:ext>
+            </a:extLst>
+          </p:cNvPr>
+          <p:cNvPicPr>
+            <a:picLocks noChangeAspect="1"/>
+          </p:cNvPicPr>
+          <p:nvPr/>
+        </p:nvPicPr>
+        <p:blipFill>
+          <a:blip r:embed="rId4">
+            <a:extLst>
+              <a:ext uri="{28A0092B-C50C-407E-A947-70E740481C1C}">
+                <a14:useLocalDpi xmlns:a14="http://schemas.microsoft.com/office/drawing/2010/main" val="0"/>
+              </a:ext>
+            </a:extLst>
+          </a:blip>
+          <a:stretch>
+            <a:fillRect/>
+          </a:stretch>
+        </p:blipFill>
+        <p:spPr>
+          <a:xfrm>
+            <a:off x="3025669" y="1513735"/>
+            <a:ext cx="3092659" cy="2116030"/>
+          </a:xfrm>
+          <a:prstGeom prst="rect">
+            <a:avLst/>
+          </a:prstGeom>
+          <a:effectLst>
+            <a:glow rad="63500">
+              <a:srgbClr val="FFC000"/>
+            </a:glow>
+          </a:effectLst>
+        </p:spPr>
+      </p:pic>
+    </p:spTree>
+    <p:extLst>
+      <p:ext uri="{BB962C8B-B14F-4D97-AF65-F5344CB8AC3E}">
+        <p14:creationId xmlns:p14="http://schemas.microsoft.com/office/powerpoint/2010/main" val="1834945509"/>
+      </p:ext>
+    </p:extLst>
+  </p:cSld>
+  <p:clrMapOvr>
+    <a:masterClrMapping/>
+  </p:clrMapOvr>
+</p:sld>
+</file>
+
+<file path=ppt/slides/slide81.xml><?xml version="1.0" encoding="utf-8"?>
+<p:sld xmlns:a="http://schemas.openxmlformats.org/drawingml/2006/main" xmlns:r="http://schemas.openxmlformats.org/officeDocument/2006/relationships" xmlns:p="http://schemas.openxmlformats.org/presentationml/2006/main">
+  <p:cSld>
+    <p:spTree>
+      <p:nvGrpSpPr>
+        <p:cNvPr id="1" name=""/>
+        <p:cNvGrpSpPr/>
+        <p:nvPr/>
+      </p:nvGrpSpPr>
+      <p:grpSpPr>
+        <a:xfrm>
+          <a:off x="0" y="0"/>
+          <a:ext cx="0" cy="0"/>
+          <a:chOff x="0" y="0"/>
+          <a:chExt cx="0" cy="0"/>
+        </a:xfrm>
+      </p:grpSpPr>
+      <p:sp>
+        <p:nvSpPr>
+          <p:cNvPr id="11" name="TextBox 10">
+            <a:extLst>
+              <a:ext uri="{FF2B5EF4-FFF2-40B4-BE49-F238E27FC236}">
+                <a16:creationId xmlns:a16="http://schemas.microsoft.com/office/drawing/2014/main" id="{49A7B9B6-8455-43BE-8670-E01CE03933DF}"/>
+              </a:ext>
+            </a:extLst>
+          </p:cNvPr>
+          <p:cNvSpPr txBox="1"/>
+          <p:nvPr/>
+        </p:nvSpPr>
+        <p:spPr>
+          <a:xfrm>
+            <a:off x="1161449" y="3858413"/>
+            <a:ext cx="6821098" cy="1015663"/>
+          </a:xfrm>
+          <a:prstGeom prst="rect">
+            <a:avLst/>
+          </a:prstGeom>
+          <a:noFill/>
+        </p:spPr>
+        <p:txBody>
+          <a:bodyPr wrap="none" rtlCol="0">
+            <a:spAutoFit/>
+          </a:bodyPr>
+          <a:lstStyle/>
+          <a:p>
+            <a:r>
+              <a:rPr lang="vi-VN" sz="6000" dirty="0">
+                <a:ln w="19050">
+                  <a:solidFill>
+                    <a:schemeClr val="tx1"/>
+                  </a:solidFill>
+                </a:ln>
+                <a:solidFill>
+                  <a:srgbClr val="FFFF00"/>
+                </a:solidFill>
+                <a:latin typeface="FVF Fernando 08" panose="02000507020000020003" pitchFamily="2" charset="0"/>
+              </a:rPr>
+              <a:t>Component Id</a:t>
+            </a:r>
+            <a:endParaRPr lang="en-US" sz="6000" dirty="0">
+              <a:ln w="19050">
+                <a:solidFill>
+                  <a:schemeClr val="tx1"/>
+                </a:solidFill>
+              </a:ln>
+              <a:solidFill>
+                <a:srgbClr val="FFFF00"/>
+              </a:solidFill>
+              <a:latin typeface="FVF Fernando 08" panose="02000507020000020003" pitchFamily="2" charset="0"/>
+            </a:endParaRPr>
+          </a:p>
+        </p:txBody>
+      </p:sp>
+      <p:pic>
+        <p:nvPicPr>
+          <p:cNvPr id="14" name="Picture 13">
+            <a:extLst>
+              <a:ext uri="{FF2B5EF4-FFF2-40B4-BE49-F238E27FC236}">
+                <a16:creationId xmlns:a16="http://schemas.microsoft.com/office/drawing/2014/main" id="{E2D411D6-C028-4F7B-96FB-CC2855017620}"/>
+              </a:ext>
+            </a:extLst>
+          </p:cNvPr>
+          <p:cNvPicPr>
+            <a:picLocks noChangeAspect="1"/>
+          </p:cNvPicPr>
+          <p:nvPr/>
+        </p:nvPicPr>
+        <p:blipFill>
+          <a:blip r:embed="rId3">
+            <a:extLst>
+              <a:ext uri="{28A0092B-C50C-407E-A947-70E740481C1C}">
+                <a14:useLocalDpi xmlns:a14="http://schemas.microsoft.com/office/drawing/2010/main" val="0"/>
+              </a:ext>
+            </a:extLst>
+          </a:blip>
+          <a:srcRect/>
+          <a:stretch/>
+        </p:blipFill>
+        <p:spPr>
+          <a:xfrm>
+            <a:off x="7675990" y="30481"/>
+            <a:ext cx="1490870" cy="1490870"/>
+          </a:xfrm>
+          <a:prstGeom prst="rect">
+            <a:avLst/>
+          </a:prstGeom>
+          <a:ln w="19050">
+            <a:noFill/>
+          </a:ln>
+          <a:effectLst>
+            <a:outerShdw blurRad="63500" sx="104000" sy="104000" algn="ctr" rotWithShape="0">
+              <a:srgbClr val="FFFF00"/>
+            </a:outerShdw>
+          </a:effectLst>
+        </p:spPr>
+      </p:pic>
+      <p:pic>
+        <p:nvPicPr>
+          <p:cNvPr id="3" name="Picture 2">
+            <a:extLst>
+              <a:ext uri="{FF2B5EF4-FFF2-40B4-BE49-F238E27FC236}">
+                <a16:creationId xmlns:a16="http://schemas.microsoft.com/office/drawing/2014/main" id="{5BA2E600-ACA3-41D4-AE81-59539181FF36}"/>
+              </a:ext>
+            </a:extLst>
+          </p:cNvPr>
+          <p:cNvPicPr>
+            <a:picLocks noChangeAspect="1"/>
+          </p:cNvPicPr>
+          <p:nvPr/>
+        </p:nvPicPr>
+        <p:blipFill>
+          <a:blip r:embed="rId4">
+            <a:extLst>
+              <a:ext uri="{28A0092B-C50C-407E-A947-70E740481C1C}">
+                <a14:useLocalDpi xmlns:a14="http://schemas.microsoft.com/office/drawing/2010/main" val="0"/>
+              </a:ext>
+            </a:extLst>
+          </a:blip>
+          <a:stretch>
+            <a:fillRect/>
+          </a:stretch>
+        </p:blipFill>
+        <p:spPr>
+          <a:xfrm>
+            <a:off x="3025669" y="1513735"/>
+            <a:ext cx="3092659" cy="2116030"/>
+          </a:xfrm>
+          <a:prstGeom prst="rect">
+            <a:avLst/>
+          </a:prstGeom>
+          <a:effectLst>
+            <a:glow rad="63500">
+              <a:srgbClr val="FFC000"/>
+            </a:glow>
+          </a:effectLst>
+        </p:spPr>
+      </p:pic>
+    </p:spTree>
+    <p:extLst>
+      <p:ext uri="{BB962C8B-B14F-4D97-AF65-F5344CB8AC3E}">
+        <p14:creationId xmlns:p14="http://schemas.microsoft.com/office/powerpoint/2010/main" val="3286605201"/>
+      </p:ext>
+    </p:extLst>
+  </p:cSld>
+  <p:clrMapOvr>
+    <a:masterClrMapping/>
+  </p:clrMapOvr>
+</p:sld>
+</file>
+
+<file path=ppt/slides/slide82.xml><?xml version="1.0" encoding="utf-8"?>
+<p:sld xmlns:a="http://schemas.openxmlformats.org/drawingml/2006/main" xmlns:r="http://schemas.openxmlformats.org/officeDocument/2006/relationships" xmlns:p="http://schemas.openxmlformats.org/presentationml/2006/main">
+  <p:cSld>
+    <p:spTree>
+      <p:nvGrpSpPr>
+        <p:cNvPr id="1" name=""/>
+        <p:cNvGrpSpPr/>
+        <p:nvPr/>
+      </p:nvGrpSpPr>
+      <p:grpSpPr>
+        <a:xfrm>
+          <a:off x="0" y="0"/>
+          <a:ext cx="0" cy="0"/>
+          <a:chOff x="0" y="0"/>
+          <a:chExt cx="0" cy="0"/>
+        </a:xfrm>
+      </p:grpSpPr>
+      <p:sp>
+        <p:nvSpPr>
+          <p:cNvPr id="11" name="TextBox 10">
+            <a:extLst>
+              <a:ext uri="{FF2B5EF4-FFF2-40B4-BE49-F238E27FC236}">
+                <a16:creationId xmlns:a16="http://schemas.microsoft.com/office/drawing/2014/main" id="{49A7B9B6-8455-43BE-8670-E01CE03933DF}"/>
+              </a:ext>
+            </a:extLst>
+          </p:cNvPr>
+          <p:cNvSpPr txBox="1"/>
+          <p:nvPr/>
+        </p:nvSpPr>
+        <p:spPr>
+          <a:xfrm>
             <a:off x="1546169" y="3858413"/>
             <a:ext cx="6051657" cy="1015663"/>
           </a:xfrm>
@@ -43916,7 +45381,7 @@
 </p:sld>
 </file>
 
-<file path=ppt/slides/slide81.xml><?xml version="1.0" encoding="utf-8"?>
+<file path=ppt/slides/slide83.xml><?xml version="1.0" encoding="utf-8"?>
 <p:sld xmlns:a="http://schemas.openxmlformats.org/drawingml/2006/main" xmlns:r="http://schemas.openxmlformats.org/officeDocument/2006/relationships" xmlns:p="http://schemas.openxmlformats.org/presentationml/2006/main">
   <p:cSld>
     <p:spTree>
@@ -44086,7 +45551,7 @@
 </p:sld>
 </file>
 
-<file path=ppt/slides/slide82.xml><?xml version="1.0" encoding="utf-8"?>
+<file path=ppt/slides/slide84.xml><?xml version="1.0" encoding="utf-8"?>
 <p:sld xmlns:a="http://schemas.openxmlformats.org/drawingml/2006/main" xmlns:r="http://schemas.openxmlformats.org/officeDocument/2006/relationships" xmlns:p="http://schemas.openxmlformats.org/presentationml/2006/main">
   <p:cSld>
     <p:spTree>
@@ -44256,7 +45721,7 @@
 </p:sld>
 </file>
 
-<file path=ppt/slides/slide83.xml><?xml version="1.0" encoding="utf-8"?>
+<file path=ppt/slides/slide85.xml><?xml version="1.0" encoding="utf-8"?>
 <p:sld xmlns:a="http://schemas.openxmlformats.org/drawingml/2006/main" xmlns:r="http://schemas.openxmlformats.org/officeDocument/2006/relationships" xmlns:p="http://schemas.openxmlformats.org/presentationml/2006/main">
   <p:cSld>
     <p:spTree>
@@ -44426,7 +45891,7 @@
 </p:sld>
 </file>
 
-<file path=ppt/slides/slide84.xml><?xml version="1.0" encoding="utf-8"?>
+<file path=ppt/slides/slide86.xml><?xml version="1.0" encoding="utf-8"?>
 <p:sld xmlns:a="http://schemas.openxmlformats.org/drawingml/2006/main" xmlns:r="http://schemas.openxmlformats.org/officeDocument/2006/relationships" xmlns:p="http://schemas.openxmlformats.org/presentationml/2006/main">
   <p:cSld>
     <p:spTree>
@@ -44596,7 +46061,7 @@
 </p:sld>
 </file>
 
-<file path=ppt/slides/slide85.xml><?xml version="1.0" encoding="utf-8"?>
+<file path=ppt/slides/slide87.xml><?xml version="1.0" encoding="utf-8"?>
 <p:sld xmlns:a="http://schemas.openxmlformats.org/drawingml/2006/main" xmlns:r="http://schemas.openxmlformats.org/officeDocument/2006/relationships" xmlns:p="http://schemas.openxmlformats.org/presentationml/2006/main">
   <p:cSld>
     <p:spTree>
@@ -44780,7 +46245,7 @@
 </p:sld>
 </file>
 
-<file path=ppt/slides/slide86.xml><?xml version="1.0" encoding="utf-8"?>
+<file path=ppt/slides/slide88.xml><?xml version="1.0" encoding="utf-8"?>
 <p:sld xmlns:a="http://schemas.openxmlformats.org/drawingml/2006/main" xmlns:r="http://schemas.openxmlformats.org/officeDocument/2006/relationships" xmlns:p="http://schemas.openxmlformats.org/presentationml/2006/main">
   <p:cSld>
     <p:spTree>
@@ -44950,7 +46415,7 @@
 </p:sld>
 </file>
 
-<file path=ppt/slides/slide87.xml><?xml version="1.0" encoding="utf-8"?>
+<file path=ppt/slides/slide89.xml><?xml version="1.0" encoding="utf-8"?>
 <p:sld xmlns:a="http://schemas.openxmlformats.org/drawingml/2006/main" xmlns:r="http://schemas.openxmlformats.org/officeDocument/2006/relationships" xmlns:p="http://schemas.openxmlformats.org/presentationml/2006/main">
   <p:cSld>
     <p:spTree>
@@ -45125,346 +46590,6 @@
     <p:extLst>
       <p:ext uri="{BB962C8B-B14F-4D97-AF65-F5344CB8AC3E}">
         <p14:creationId xmlns:p14="http://schemas.microsoft.com/office/powerpoint/2010/main" val="1944632821"/>
-      </p:ext>
-    </p:extLst>
-  </p:cSld>
-  <p:clrMapOvr>
-    <a:masterClrMapping/>
-  </p:clrMapOvr>
-</p:sld>
-</file>
-
-<file path=ppt/slides/slide88.xml><?xml version="1.0" encoding="utf-8"?>
-<p:sld xmlns:a="http://schemas.openxmlformats.org/drawingml/2006/main" xmlns:r="http://schemas.openxmlformats.org/officeDocument/2006/relationships" xmlns:p="http://schemas.openxmlformats.org/presentationml/2006/main">
-  <p:cSld>
-    <p:spTree>
-      <p:nvGrpSpPr>
-        <p:cNvPr id="1" name=""/>
-        <p:cNvGrpSpPr/>
-        <p:nvPr/>
-      </p:nvGrpSpPr>
-      <p:grpSpPr>
-        <a:xfrm>
-          <a:off x="0" y="0"/>
-          <a:ext cx="0" cy="0"/>
-          <a:chOff x="0" y="0"/>
-          <a:chExt cx="0" cy="0"/>
-        </a:xfrm>
-      </p:grpSpPr>
-      <p:sp>
-        <p:nvSpPr>
-          <p:cNvPr id="11" name="TextBox 10">
-            <a:extLst>
-              <a:ext uri="{FF2B5EF4-FFF2-40B4-BE49-F238E27FC236}">
-                <a16:creationId xmlns:a16="http://schemas.microsoft.com/office/drawing/2014/main" id="{49A7B9B6-8455-43BE-8670-E01CE03933DF}"/>
-              </a:ext>
-            </a:extLst>
-          </p:cNvPr>
-          <p:cNvSpPr txBox="1"/>
-          <p:nvPr/>
-        </p:nvSpPr>
-        <p:spPr>
-          <a:xfrm>
-            <a:off x="2075160" y="3858413"/>
-            <a:ext cx="4993675" cy="1015663"/>
-          </a:xfrm>
-          <a:prstGeom prst="rect">
-            <a:avLst/>
-          </a:prstGeom>
-          <a:noFill/>
-        </p:spPr>
-        <p:txBody>
-          <a:bodyPr wrap="none" rtlCol="0">
-            <a:spAutoFit/>
-          </a:bodyPr>
-          <a:lstStyle/>
-          <a:p>
-            <a:r>
-              <a:rPr lang="vi-VN" sz="6000" dirty="0">
-                <a:ln w="19050">
-                  <a:solidFill>
-                    <a:schemeClr val="tx1"/>
-                  </a:solidFill>
-                </a:ln>
-                <a:solidFill>
-                  <a:srgbClr val="FFFF00"/>
-                </a:solidFill>
-                <a:latin typeface="FVF Fernando 08" panose="02000507020000020003" pitchFamily="2" charset="0"/>
-              </a:rPr>
-              <a:t>Particle Id</a:t>
-            </a:r>
-            <a:endParaRPr lang="en-US" sz="6000" dirty="0">
-              <a:ln w="19050">
-                <a:solidFill>
-                  <a:schemeClr val="tx1"/>
-                </a:solidFill>
-              </a:ln>
-              <a:solidFill>
-                <a:srgbClr val="FFFF00"/>
-              </a:solidFill>
-              <a:latin typeface="FVF Fernando 08" panose="02000507020000020003" pitchFamily="2" charset="0"/>
-            </a:endParaRPr>
-          </a:p>
-        </p:txBody>
-      </p:sp>
-      <p:pic>
-        <p:nvPicPr>
-          <p:cNvPr id="14" name="Picture 13">
-            <a:extLst>
-              <a:ext uri="{FF2B5EF4-FFF2-40B4-BE49-F238E27FC236}">
-                <a16:creationId xmlns:a16="http://schemas.microsoft.com/office/drawing/2014/main" id="{E2D411D6-C028-4F7B-96FB-CC2855017620}"/>
-              </a:ext>
-            </a:extLst>
-          </p:cNvPr>
-          <p:cNvPicPr>
-            <a:picLocks noChangeAspect="1"/>
-          </p:cNvPicPr>
-          <p:nvPr/>
-        </p:nvPicPr>
-        <p:blipFill>
-          <a:blip r:embed="rId3">
-            <a:extLst>
-              <a:ext uri="{28A0092B-C50C-407E-A947-70E740481C1C}">
-                <a14:useLocalDpi xmlns:a14="http://schemas.microsoft.com/office/drawing/2010/main" val="0"/>
-              </a:ext>
-            </a:extLst>
-          </a:blip>
-          <a:srcRect/>
-          <a:stretch/>
-        </p:blipFill>
-        <p:spPr>
-          <a:xfrm>
-            <a:off x="7675990" y="30481"/>
-            <a:ext cx="1490870" cy="1490870"/>
-          </a:xfrm>
-          <a:prstGeom prst="rect">
-            <a:avLst/>
-          </a:prstGeom>
-          <a:ln w="19050">
-            <a:noFill/>
-          </a:ln>
-          <a:effectLst>
-            <a:outerShdw blurRad="63500" sx="104000" sy="104000" algn="ctr" rotWithShape="0">
-              <a:srgbClr val="FFFF00"/>
-            </a:outerShdw>
-          </a:effectLst>
-        </p:spPr>
-      </p:pic>
-      <p:pic>
-        <p:nvPicPr>
-          <p:cNvPr id="3" name="Picture 2">
-            <a:extLst>
-              <a:ext uri="{FF2B5EF4-FFF2-40B4-BE49-F238E27FC236}">
-                <a16:creationId xmlns:a16="http://schemas.microsoft.com/office/drawing/2014/main" id="{5BA2E600-ACA3-41D4-AE81-59539181FF36}"/>
-              </a:ext>
-            </a:extLst>
-          </p:cNvPr>
-          <p:cNvPicPr>
-            <a:picLocks noChangeAspect="1"/>
-          </p:cNvPicPr>
-          <p:nvPr/>
-        </p:nvPicPr>
-        <p:blipFill>
-          <a:blip r:embed="rId4">
-            <a:extLst>
-              <a:ext uri="{28A0092B-C50C-407E-A947-70E740481C1C}">
-                <a14:useLocalDpi xmlns:a14="http://schemas.microsoft.com/office/drawing/2010/main" val="0"/>
-              </a:ext>
-            </a:extLst>
-          </a:blip>
-          <a:stretch>
-            <a:fillRect/>
-          </a:stretch>
-        </p:blipFill>
-        <p:spPr>
-          <a:xfrm>
-            <a:off x="3025669" y="1513735"/>
-            <a:ext cx="3092659" cy="2116030"/>
-          </a:xfrm>
-          <a:prstGeom prst="rect">
-            <a:avLst/>
-          </a:prstGeom>
-          <a:effectLst>
-            <a:glow rad="63500">
-              <a:srgbClr val="FFC000"/>
-            </a:glow>
-          </a:effectLst>
-        </p:spPr>
-      </p:pic>
-    </p:spTree>
-    <p:extLst>
-      <p:ext uri="{BB962C8B-B14F-4D97-AF65-F5344CB8AC3E}">
-        <p14:creationId xmlns:p14="http://schemas.microsoft.com/office/powerpoint/2010/main" val="1175927574"/>
-      </p:ext>
-    </p:extLst>
-  </p:cSld>
-  <p:clrMapOvr>
-    <a:masterClrMapping/>
-  </p:clrMapOvr>
-</p:sld>
-</file>
-
-<file path=ppt/slides/slide89.xml><?xml version="1.0" encoding="utf-8"?>
-<p:sld xmlns:a="http://schemas.openxmlformats.org/drawingml/2006/main" xmlns:r="http://schemas.openxmlformats.org/officeDocument/2006/relationships" xmlns:p="http://schemas.openxmlformats.org/presentationml/2006/main">
-  <p:cSld>
-    <p:spTree>
-      <p:nvGrpSpPr>
-        <p:cNvPr id="1" name=""/>
-        <p:cNvGrpSpPr/>
-        <p:nvPr/>
-      </p:nvGrpSpPr>
-      <p:grpSpPr>
-        <a:xfrm>
-          <a:off x="0" y="0"/>
-          <a:ext cx="0" cy="0"/>
-          <a:chOff x="0" y="0"/>
-          <a:chExt cx="0" cy="0"/>
-        </a:xfrm>
-      </p:grpSpPr>
-      <p:sp>
-        <p:nvSpPr>
-          <p:cNvPr id="11" name="TextBox 10">
-            <a:extLst>
-              <a:ext uri="{FF2B5EF4-FFF2-40B4-BE49-F238E27FC236}">
-                <a16:creationId xmlns:a16="http://schemas.microsoft.com/office/drawing/2014/main" id="{49A7B9B6-8455-43BE-8670-E01CE03933DF}"/>
-              </a:ext>
-            </a:extLst>
-          </p:cNvPr>
-          <p:cNvSpPr txBox="1"/>
-          <p:nvPr/>
-        </p:nvSpPr>
-        <p:spPr>
-          <a:xfrm>
-            <a:off x="584368" y="3858413"/>
-            <a:ext cx="7975260" cy="1015663"/>
-          </a:xfrm>
-          <a:prstGeom prst="rect">
-            <a:avLst/>
-          </a:prstGeom>
-          <a:noFill/>
-        </p:spPr>
-        <p:txBody>
-          <a:bodyPr wrap="none" rtlCol="0">
-            <a:spAutoFit/>
-          </a:bodyPr>
-          <a:lstStyle/>
-          <a:p>
-            <a:r>
-              <a:rPr lang="vi-VN" sz="6000" dirty="0">
-                <a:ln w="19050">
-                  <a:solidFill>
-                    <a:schemeClr val="tx1"/>
-                  </a:solidFill>
-                </a:ln>
-                <a:solidFill>
-                  <a:srgbClr val="FFFF00"/>
-                </a:solidFill>
-                <a:latin typeface="FVF Fernando 08" panose="02000507020000020003" pitchFamily="2" charset="0"/>
-              </a:rPr>
-              <a:t>Raw message Id</a:t>
-            </a:r>
-            <a:endParaRPr lang="en-US" sz="6000" dirty="0">
-              <a:ln w="19050">
-                <a:solidFill>
-                  <a:schemeClr val="tx1"/>
-                </a:solidFill>
-              </a:ln>
-              <a:solidFill>
-                <a:srgbClr val="FFFF00"/>
-              </a:solidFill>
-              <a:latin typeface="FVF Fernando 08" panose="02000507020000020003" pitchFamily="2" charset="0"/>
-            </a:endParaRPr>
-          </a:p>
-        </p:txBody>
-      </p:sp>
-      <p:pic>
-        <p:nvPicPr>
-          <p:cNvPr id="14" name="Picture 13">
-            <a:extLst>
-              <a:ext uri="{FF2B5EF4-FFF2-40B4-BE49-F238E27FC236}">
-                <a16:creationId xmlns:a16="http://schemas.microsoft.com/office/drawing/2014/main" id="{E2D411D6-C028-4F7B-96FB-CC2855017620}"/>
-              </a:ext>
-            </a:extLst>
-          </p:cNvPr>
-          <p:cNvPicPr>
-            <a:picLocks noChangeAspect="1"/>
-          </p:cNvPicPr>
-          <p:nvPr/>
-        </p:nvPicPr>
-        <p:blipFill>
-          <a:blip r:embed="rId3">
-            <a:extLst>
-              <a:ext uri="{28A0092B-C50C-407E-A947-70E740481C1C}">
-                <a14:useLocalDpi xmlns:a14="http://schemas.microsoft.com/office/drawing/2010/main" val="0"/>
-              </a:ext>
-            </a:extLst>
-          </a:blip>
-          <a:srcRect/>
-          <a:stretch/>
-        </p:blipFill>
-        <p:spPr>
-          <a:xfrm>
-            <a:off x="7675990" y="30481"/>
-            <a:ext cx="1490870" cy="1490870"/>
-          </a:xfrm>
-          <a:prstGeom prst="rect">
-            <a:avLst/>
-          </a:prstGeom>
-          <a:ln w="19050">
-            <a:noFill/>
-          </a:ln>
-          <a:effectLst>
-            <a:outerShdw blurRad="63500" sx="104000" sy="104000" algn="ctr" rotWithShape="0">
-              <a:srgbClr val="FFFF00"/>
-            </a:outerShdw>
-          </a:effectLst>
-        </p:spPr>
-      </p:pic>
-      <p:pic>
-        <p:nvPicPr>
-          <p:cNvPr id="3" name="Picture 2">
-            <a:extLst>
-              <a:ext uri="{FF2B5EF4-FFF2-40B4-BE49-F238E27FC236}">
-                <a16:creationId xmlns:a16="http://schemas.microsoft.com/office/drawing/2014/main" id="{5BA2E600-ACA3-41D4-AE81-59539181FF36}"/>
-              </a:ext>
-            </a:extLst>
-          </p:cNvPr>
-          <p:cNvPicPr>
-            <a:picLocks noChangeAspect="1"/>
-          </p:cNvPicPr>
-          <p:nvPr/>
-        </p:nvPicPr>
-        <p:blipFill>
-          <a:blip r:embed="rId4">
-            <a:extLst>
-              <a:ext uri="{28A0092B-C50C-407E-A947-70E740481C1C}">
-                <a14:useLocalDpi xmlns:a14="http://schemas.microsoft.com/office/drawing/2010/main" val="0"/>
-              </a:ext>
-            </a:extLst>
-          </a:blip>
-          <a:stretch>
-            <a:fillRect/>
-          </a:stretch>
-        </p:blipFill>
-        <p:spPr>
-          <a:xfrm>
-            <a:off x="3025669" y="1513735"/>
-            <a:ext cx="3092659" cy="2116030"/>
-          </a:xfrm>
-          <a:prstGeom prst="rect">
-            <a:avLst/>
-          </a:prstGeom>
-          <a:effectLst>
-            <a:glow rad="63500">
-              <a:srgbClr val="FFC000"/>
-            </a:glow>
-          </a:effectLst>
-        </p:spPr>
-      </p:pic>
-    </p:spTree>
-    <p:extLst>
-      <p:ext uri="{BB962C8B-B14F-4D97-AF65-F5344CB8AC3E}">
-        <p14:creationId xmlns:p14="http://schemas.microsoft.com/office/powerpoint/2010/main" val="2043191019"/>
       </p:ext>
     </p:extLst>
   </p:cSld>
@@ -45774,6 +46899,346 @@
         </p:nvSpPr>
         <p:spPr>
           <a:xfrm>
+            <a:off x="2075160" y="3858413"/>
+            <a:ext cx="4993675" cy="1015663"/>
+          </a:xfrm>
+          <a:prstGeom prst="rect">
+            <a:avLst/>
+          </a:prstGeom>
+          <a:noFill/>
+        </p:spPr>
+        <p:txBody>
+          <a:bodyPr wrap="none" rtlCol="0">
+            <a:spAutoFit/>
+          </a:bodyPr>
+          <a:lstStyle/>
+          <a:p>
+            <a:r>
+              <a:rPr lang="vi-VN" sz="6000" dirty="0">
+                <a:ln w="19050">
+                  <a:solidFill>
+                    <a:schemeClr val="tx1"/>
+                  </a:solidFill>
+                </a:ln>
+                <a:solidFill>
+                  <a:srgbClr val="FFFF00"/>
+                </a:solidFill>
+                <a:latin typeface="FVF Fernando 08" panose="02000507020000020003" pitchFamily="2" charset="0"/>
+              </a:rPr>
+              <a:t>Particle Id</a:t>
+            </a:r>
+            <a:endParaRPr lang="en-US" sz="6000" dirty="0">
+              <a:ln w="19050">
+                <a:solidFill>
+                  <a:schemeClr val="tx1"/>
+                </a:solidFill>
+              </a:ln>
+              <a:solidFill>
+                <a:srgbClr val="FFFF00"/>
+              </a:solidFill>
+              <a:latin typeface="FVF Fernando 08" panose="02000507020000020003" pitchFamily="2" charset="0"/>
+            </a:endParaRPr>
+          </a:p>
+        </p:txBody>
+      </p:sp>
+      <p:pic>
+        <p:nvPicPr>
+          <p:cNvPr id="14" name="Picture 13">
+            <a:extLst>
+              <a:ext uri="{FF2B5EF4-FFF2-40B4-BE49-F238E27FC236}">
+                <a16:creationId xmlns:a16="http://schemas.microsoft.com/office/drawing/2014/main" id="{E2D411D6-C028-4F7B-96FB-CC2855017620}"/>
+              </a:ext>
+            </a:extLst>
+          </p:cNvPr>
+          <p:cNvPicPr>
+            <a:picLocks noChangeAspect="1"/>
+          </p:cNvPicPr>
+          <p:nvPr/>
+        </p:nvPicPr>
+        <p:blipFill>
+          <a:blip r:embed="rId3">
+            <a:extLst>
+              <a:ext uri="{28A0092B-C50C-407E-A947-70E740481C1C}">
+                <a14:useLocalDpi xmlns:a14="http://schemas.microsoft.com/office/drawing/2010/main" val="0"/>
+              </a:ext>
+            </a:extLst>
+          </a:blip>
+          <a:srcRect/>
+          <a:stretch/>
+        </p:blipFill>
+        <p:spPr>
+          <a:xfrm>
+            <a:off x="7675990" y="30481"/>
+            <a:ext cx="1490870" cy="1490870"/>
+          </a:xfrm>
+          <a:prstGeom prst="rect">
+            <a:avLst/>
+          </a:prstGeom>
+          <a:ln w="19050">
+            <a:noFill/>
+          </a:ln>
+          <a:effectLst>
+            <a:outerShdw blurRad="63500" sx="104000" sy="104000" algn="ctr" rotWithShape="0">
+              <a:srgbClr val="FFFF00"/>
+            </a:outerShdw>
+          </a:effectLst>
+        </p:spPr>
+      </p:pic>
+      <p:pic>
+        <p:nvPicPr>
+          <p:cNvPr id="3" name="Picture 2">
+            <a:extLst>
+              <a:ext uri="{FF2B5EF4-FFF2-40B4-BE49-F238E27FC236}">
+                <a16:creationId xmlns:a16="http://schemas.microsoft.com/office/drawing/2014/main" id="{5BA2E600-ACA3-41D4-AE81-59539181FF36}"/>
+              </a:ext>
+            </a:extLst>
+          </p:cNvPr>
+          <p:cNvPicPr>
+            <a:picLocks noChangeAspect="1"/>
+          </p:cNvPicPr>
+          <p:nvPr/>
+        </p:nvPicPr>
+        <p:blipFill>
+          <a:blip r:embed="rId4">
+            <a:extLst>
+              <a:ext uri="{28A0092B-C50C-407E-A947-70E740481C1C}">
+                <a14:useLocalDpi xmlns:a14="http://schemas.microsoft.com/office/drawing/2010/main" val="0"/>
+              </a:ext>
+            </a:extLst>
+          </a:blip>
+          <a:stretch>
+            <a:fillRect/>
+          </a:stretch>
+        </p:blipFill>
+        <p:spPr>
+          <a:xfrm>
+            <a:off x="3025669" y="1513735"/>
+            <a:ext cx="3092659" cy="2116030"/>
+          </a:xfrm>
+          <a:prstGeom prst="rect">
+            <a:avLst/>
+          </a:prstGeom>
+          <a:effectLst>
+            <a:glow rad="63500">
+              <a:srgbClr val="FFC000"/>
+            </a:glow>
+          </a:effectLst>
+        </p:spPr>
+      </p:pic>
+    </p:spTree>
+    <p:extLst>
+      <p:ext uri="{BB962C8B-B14F-4D97-AF65-F5344CB8AC3E}">
+        <p14:creationId xmlns:p14="http://schemas.microsoft.com/office/powerpoint/2010/main" val="1175927574"/>
+      </p:ext>
+    </p:extLst>
+  </p:cSld>
+  <p:clrMapOvr>
+    <a:masterClrMapping/>
+  </p:clrMapOvr>
+</p:sld>
+</file>
+
+<file path=ppt/slides/slide91.xml><?xml version="1.0" encoding="utf-8"?>
+<p:sld xmlns:a="http://schemas.openxmlformats.org/drawingml/2006/main" xmlns:r="http://schemas.openxmlformats.org/officeDocument/2006/relationships" xmlns:p="http://schemas.openxmlformats.org/presentationml/2006/main">
+  <p:cSld>
+    <p:spTree>
+      <p:nvGrpSpPr>
+        <p:cNvPr id="1" name=""/>
+        <p:cNvGrpSpPr/>
+        <p:nvPr/>
+      </p:nvGrpSpPr>
+      <p:grpSpPr>
+        <a:xfrm>
+          <a:off x="0" y="0"/>
+          <a:ext cx="0" cy="0"/>
+          <a:chOff x="0" y="0"/>
+          <a:chExt cx="0" cy="0"/>
+        </a:xfrm>
+      </p:grpSpPr>
+      <p:sp>
+        <p:nvSpPr>
+          <p:cNvPr id="11" name="TextBox 10">
+            <a:extLst>
+              <a:ext uri="{FF2B5EF4-FFF2-40B4-BE49-F238E27FC236}">
+                <a16:creationId xmlns:a16="http://schemas.microsoft.com/office/drawing/2014/main" id="{49A7B9B6-8455-43BE-8670-E01CE03933DF}"/>
+              </a:ext>
+            </a:extLst>
+          </p:cNvPr>
+          <p:cNvSpPr txBox="1"/>
+          <p:nvPr/>
+        </p:nvSpPr>
+        <p:spPr>
+          <a:xfrm>
+            <a:off x="584368" y="3858413"/>
+            <a:ext cx="7975260" cy="1015663"/>
+          </a:xfrm>
+          <a:prstGeom prst="rect">
+            <a:avLst/>
+          </a:prstGeom>
+          <a:noFill/>
+        </p:spPr>
+        <p:txBody>
+          <a:bodyPr wrap="none" rtlCol="0">
+            <a:spAutoFit/>
+          </a:bodyPr>
+          <a:lstStyle/>
+          <a:p>
+            <a:r>
+              <a:rPr lang="vi-VN" sz="6000" dirty="0">
+                <a:ln w="19050">
+                  <a:solidFill>
+                    <a:schemeClr val="tx1"/>
+                  </a:solidFill>
+                </a:ln>
+                <a:solidFill>
+                  <a:srgbClr val="FFFF00"/>
+                </a:solidFill>
+                <a:latin typeface="FVF Fernando 08" panose="02000507020000020003" pitchFamily="2" charset="0"/>
+              </a:rPr>
+              <a:t>Raw message Id</a:t>
+            </a:r>
+            <a:endParaRPr lang="en-US" sz="6000" dirty="0">
+              <a:ln w="19050">
+                <a:solidFill>
+                  <a:schemeClr val="tx1"/>
+                </a:solidFill>
+              </a:ln>
+              <a:solidFill>
+                <a:srgbClr val="FFFF00"/>
+              </a:solidFill>
+              <a:latin typeface="FVF Fernando 08" panose="02000507020000020003" pitchFamily="2" charset="0"/>
+            </a:endParaRPr>
+          </a:p>
+        </p:txBody>
+      </p:sp>
+      <p:pic>
+        <p:nvPicPr>
+          <p:cNvPr id="14" name="Picture 13">
+            <a:extLst>
+              <a:ext uri="{FF2B5EF4-FFF2-40B4-BE49-F238E27FC236}">
+                <a16:creationId xmlns:a16="http://schemas.microsoft.com/office/drawing/2014/main" id="{E2D411D6-C028-4F7B-96FB-CC2855017620}"/>
+              </a:ext>
+            </a:extLst>
+          </p:cNvPr>
+          <p:cNvPicPr>
+            <a:picLocks noChangeAspect="1"/>
+          </p:cNvPicPr>
+          <p:nvPr/>
+        </p:nvPicPr>
+        <p:blipFill>
+          <a:blip r:embed="rId3">
+            <a:extLst>
+              <a:ext uri="{28A0092B-C50C-407E-A947-70E740481C1C}">
+                <a14:useLocalDpi xmlns:a14="http://schemas.microsoft.com/office/drawing/2010/main" val="0"/>
+              </a:ext>
+            </a:extLst>
+          </a:blip>
+          <a:srcRect/>
+          <a:stretch/>
+        </p:blipFill>
+        <p:spPr>
+          <a:xfrm>
+            <a:off x="7675990" y="30481"/>
+            <a:ext cx="1490870" cy="1490870"/>
+          </a:xfrm>
+          <a:prstGeom prst="rect">
+            <a:avLst/>
+          </a:prstGeom>
+          <a:ln w="19050">
+            <a:noFill/>
+          </a:ln>
+          <a:effectLst>
+            <a:outerShdw blurRad="63500" sx="104000" sy="104000" algn="ctr" rotWithShape="0">
+              <a:srgbClr val="FFFF00"/>
+            </a:outerShdw>
+          </a:effectLst>
+        </p:spPr>
+      </p:pic>
+      <p:pic>
+        <p:nvPicPr>
+          <p:cNvPr id="3" name="Picture 2">
+            <a:extLst>
+              <a:ext uri="{FF2B5EF4-FFF2-40B4-BE49-F238E27FC236}">
+                <a16:creationId xmlns:a16="http://schemas.microsoft.com/office/drawing/2014/main" id="{5BA2E600-ACA3-41D4-AE81-59539181FF36}"/>
+              </a:ext>
+            </a:extLst>
+          </p:cNvPr>
+          <p:cNvPicPr>
+            <a:picLocks noChangeAspect="1"/>
+          </p:cNvPicPr>
+          <p:nvPr/>
+        </p:nvPicPr>
+        <p:blipFill>
+          <a:blip r:embed="rId4">
+            <a:extLst>
+              <a:ext uri="{28A0092B-C50C-407E-A947-70E740481C1C}">
+                <a14:useLocalDpi xmlns:a14="http://schemas.microsoft.com/office/drawing/2010/main" val="0"/>
+              </a:ext>
+            </a:extLst>
+          </a:blip>
+          <a:stretch>
+            <a:fillRect/>
+          </a:stretch>
+        </p:blipFill>
+        <p:spPr>
+          <a:xfrm>
+            <a:off x="3025669" y="1513735"/>
+            <a:ext cx="3092659" cy="2116030"/>
+          </a:xfrm>
+          <a:prstGeom prst="rect">
+            <a:avLst/>
+          </a:prstGeom>
+          <a:effectLst>
+            <a:glow rad="63500">
+              <a:srgbClr val="FFC000"/>
+            </a:glow>
+          </a:effectLst>
+        </p:spPr>
+      </p:pic>
+    </p:spTree>
+    <p:extLst>
+      <p:ext uri="{BB962C8B-B14F-4D97-AF65-F5344CB8AC3E}">
+        <p14:creationId xmlns:p14="http://schemas.microsoft.com/office/powerpoint/2010/main" val="2043191019"/>
+      </p:ext>
+    </p:extLst>
+  </p:cSld>
+  <p:clrMapOvr>
+    <a:masterClrMapping/>
+  </p:clrMapOvr>
+</p:sld>
+</file>
+
+<file path=ppt/slides/slide92.xml><?xml version="1.0" encoding="utf-8"?>
+<p:sld xmlns:a="http://schemas.openxmlformats.org/drawingml/2006/main" xmlns:r="http://schemas.openxmlformats.org/officeDocument/2006/relationships" xmlns:p="http://schemas.openxmlformats.org/presentationml/2006/main">
+  <p:cSld>
+    <p:spTree>
+      <p:nvGrpSpPr>
+        <p:cNvPr id="1" name=""/>
+        <p:cNvGrpSpPr/>
+        <p:nvPr/>
+      </p:nvGrpSpPr>
+      <p:grpSpPr>
+        <a:xfrm>
+          <a:off x="0" y="0"/>
+          <a:ext cx="0" cy="0"/>
+          <a:chOff x="0" y="0"/>
+          <a:chExt cx="0" cy="0"/>
+        </a:xfrm>
+      </p:grpSpPr>
+      <p:sp>
+        <p:nvSpPr>
+          <p:cNvPr id="11" name="TextBox 10">
+            <a:extLst>
+              <a:ext uri="{FF2B5EF4-FFF2-40B4-BE49-F238E27FC236}">
+                <a16:creationId xmlns:a16="http://schemas.microsoft.com/office/drawing/2014/main" id="{49A7B9B6-8455-43BE-8670-E01CE03933DF}"/>
+              </a:ext>
+            </a:extLst>
+          </p:cNvPr>
+          <p:cNvSpPr txBox="1"/>
+          <p:nvPr/>
+        </p:nvSpPr>
+        <p:spPr>
+          <a:xfrm>
             <a:off x="2459881" y="3858413"/>
             <a:ext cx="4224233" cy="1015663"/>
           </a:xfrm>
@@ -45927,7 +47392,7 @@
 </p:sld>
 </file>
 
-<file path=ppt/slides/slide91.xml><?xml version="1.0" encoding="utf-8"?>
+<file path=ppt/slides/slide93.xml><?xml version="1.0" encoding="utf-8"?>
 <p:sld xmlns:a="http://schemas.openxmlformats.org/drawingml/2006/main" xmlns:r="http://schemas.openxmlformats.org/officeDocument/2006/relationships" xmlns:p="http://schemas.openxmlformats.org/presentationml/2006/main">
   <p:cSld>
     <p:spTree>
@@ -46097,7 +47562,7 @@
 </p:sld>
 </file>
 
-<file path=ppt/slides/slide92.xml><?xml version="1.0" encoding="utf-8"?>
+<file path=ppt/slides/slide94.xml><?xml version="1.0" encoding="utf-8"?>
 <p:sld xmlns:a="http://schemas.openxmlformats.org/drawingml/2006/main" xmlns:r="http://schemas.openxmlformats.org/officeDocument/2006/relationships" xmlns:p="http://schemas.openxmlformats.org/presentationml/2006/main">
   <p:cSld>
     <p:spTree>
@@ -46267,7 +47732,7 @@
 </p:sld>
 </file>
 
-<file path=ppt/slides/slide93.xml><?xml version="1.0" encoding="utf-8"?>
+<file path=ppt/slides/slide95.xml><?xml version="1.0" encoding="utf-8"?>
 <p:sld xmlns:a="http://schemas.openxmlformats.org/drawingml/2006/main" xmlns:r="http://schemas.openxmlformats.org/officeDocument/2006/relationships" xmlns:p="http://schemas.openxmlformats.org/presentationml/2006/main">
   <p:cSld>
     <p:spTree>
@@ -46437,7 +47902,7 @@
 </p:sld>
 </file>
 
-<file path=ppt/slides/slide94.xml><?xml version="1.0" encoding="utf-8"?>
+<file path=ppt/slides/slide96.xml><?xml version="1.0" encoding="utf-8"?>
 <p:sld xmlns:a="http://schemas.openxmlformats.org/drawingml/2006/main" xmlns:r="http://schemas.openxmlformats.org/officeDocument/2006/relationships" xmlns:p="http://schemas.openxmlformats.org/presentationml/2006/main">
   <p:cSld>
     <p:spTree>
@@ -46622,7 +48087,7 @@
 </p:sld>
 </file>
 
-<file path=ppt/slides/slide95.xml><?xml version="1.0" encoding="utf-8"?>
+<file path=ppt/slides/slide97.xml><?xml version="1.0" encoding="utf-8"?>
 <p:sld xmlns:a="http://schemas.openxmlformats.org/drawingml/2006/main" xmlns:r="http://schemas.openxmlformats.org/officeDocument/2006/relationships" xmlns:p="http://schemas.openxmlformats.org/presentationml/2006/main">
   <p:cSld>
     <p:spTree>
@@ -46807,7 +48272,7 @@
 </p:sld>
 </file>
 
-<file path=ppt/slides/slide96.xml><?xml version="1.0" encoding="utf-8"?>
+<file path=ppt/slides/slide98.xml><?xml version="1.0" encoding="utf-8"?>
 <p:sld xmlns:a="http://schemas.openxmlformats.org/drawingml/2006/main" xmlns:r="http://schemas.openxmlformats.org/officeDocument/2006/relationships" xmlns:p="http://schemas.openxmlformats.org/presentationml/2006/main">
   <p:cSld>
     <p:spTree>
@@ -47077,7 +48542,7 @@
 </p:sld>
 </file>
 
-<file path=ppt/slides/slide97.xml><?xml version="1.0" encoding="utf-8"?>
+<file path=ppt/slides/slide99.xml><?xml version="1.0" encoding="utf-8"?>
 <p:sld xmlns:a="http://schemas.openxmlformats.org/drawingml/2006/main" xmlns:r="http://schemas.openxmlformats.org/officeDocument/2006/relationships" xmlns:p="http://schemas.openxmlformats.org/presentationml/2006/main">
   <p:cSld>
     <p:spTree>
@@ -47233,356 +48698,6 @@
     <p:extLst>
       <p:ext uri="{BB962C8B-B14F-4D97-AF65-F5344CB8AC3E}">
         <p14:creationId xmlns:p14="http://schemas.microsoft.com/office/powerpoint/2010/main" val="3730852028"/>
-      </p:ext>
-    </p:extLst>
-  </p:cSld>
-  <p:clrMapOvr>
-    <a:masterClrMapping/>
-  </p:clrMapOvr>
-</p:sld>
-</file>
-
-<file path=ppt/slides/slide98.xml><?xml version="1.0" encoding="utf-8"?>
-<p:sld xmlns:a="http://schemas.openxmlformats.org/drawingml/2006/main" xmlns:r="http://schemas.openxmlformats.org/officeDocument/2006/relationships" xmlns:p="http://schemas.openxmlformats.org/presentationml/2006/main">
-  <p:cSld>
-    <p:spTree>
-      <p:nvGrpSpPr>
-        <p:cNvPr id="1" name=""/>
-        <p:cNvGrpSpPr/>
-        <p:nvPr/>
-      </p:nvGrpSpPr>
-      <p:grpSpPr>
-        <a:xfrm>
-          <a:off x="0" y="0"/>
-          <a:ext cx="0" cy="0"/>
-          <a:chOff x="0" y="0"/>
-          <a:chExt cx="0" cy="0"/>
-        </a:xfrm>
-      </p:grpSpPr>
-      <p:sp>
-        <p:nvSpPr>
-          <p:cNvPr id="11" name="TextBox 10">
-            <a:extLst>
-              <a:ext uri="{FF2B5EF4-FFF2-40B4-BE49-F238E27FC236}">
-                <a16:creationId xmlns:a16="http://schemas.microsoft.com/office/drawing/2014/main" id="{49A7B9B6-8455-43BE-8670-E01CE03933DF}"/>
-              </a:ext>
-            </a:extLst>
-          </p:cNvPr>
-          <p:cNvSpPr txBox="1"/>
-          <p:nvPr/>
-        </p:nvSpPr>
-        <p:spPr>
-          <a:xfrm>
-            <a:off x="1594262" y="3858413"/>
-            <a:ext cx="5955476" cy="1015663"/>
-          </a:xfrm>
-          <a:prstGeom prst="rect">
-            <a:avLst/>
-          </a:prstGeom>
-          <a:noFill/>
-        </p:spPr>
-        <p:txBody>
-          <a:bodyPr wrap="none" rtlCol="0">
-            <a:spAutoFit/>
-          </a:bodyPr>
-          <a:lstStyle/>
-          <a:p>
-            <a:r>
-              <a:rPr lang="vi-VN" sz="6000" dirty="0">
-                <a:ln w="19050">
-                  <a:solidFill>
-                    <a:schemeClr val="tx1"/>
-                  </a:solidFill>
-                </a:ln>
-                <a:solidFill>
-                  <a:srgbClr val="FFFF00"/>
-                </a:solidFill>
-                <a:latin typeface="FVF Fernando 08" panose="02000507020000020003" pitchFamily="2" charset="0"/>
-              </a:rPr>
-              <a:t>Tạo UUID v4</a:t>
-            </a:r>
-            <a:endParaRPr lang="en-US" sz="6000" dirty="0">
-              <a:ln w="19050">
-                <a:solidFill>
-                  <a:schemeClr val="tx1"/>
-                </a:solidFill>
-              </a:ln>
-              <a:solidFill>
-                <a:srgbClr val="FFFF00"/>
-              </a:solidFill>
-              <a:latin typeface="FVF Fernando 08" panose="02000507020000020003" pitchFamily="2" charset="0"/>
-            </a:endParaRPr>
-          </a:p>
-        </p:txBody>
-      </p:sp>
-      <p:pic>
-        <p:nvPicPr>
-          <p:cNvPr id="14" name="Picture 13">
-            <a:extLst>
-              <a:ext uri="{FF2B5EF4-FFF2-40B4-BE49-F238E27FC236}">
-                <a16:creationId xmlns:a16="http://schemas.microsoft.com/office/drawing/2014/main" id="{E2D411D6-C028-4F7B-96FB-CC2855017620}"/>
-              </a:ext>
-            </a:extLst>
-          </p:cNvPr>
-          <p:cNvPicPr>
-            <a:picLocks noChangeAspect="1"/>
-          </p:cNvPicPr>
-          <p:nvPr/>
-        </p:nvPicPr>
-        <p:blipFill>
-          <a:blip r:embed="rId3">
-            <a:extLst>
-              <a:ext uri="{28A0092B-C50C-407E-A947-70E740481C1C}">
-                <a14:useLocalDpi xmlns:a14="http://schemas.microsoft.com/office/drawing/2010/main" val="0"/>
-              </a:ext>
-            </a:extLst>
-          </a:blip>
-          <a:srcRect/>
-          <a:stretch/>
-        </p:blipFill>
-        <p:spPr>
-          <a:xfrm>
-            <a:off x="7675990" y="30481"/>
-            <a:ext cx="1490870" cy="1490870"/>
-          </a:xfrm>
-          <a:prstGeom prst="rect">
-            <a:avLst/>
-          </a:prstGeom>
-          <a:ln w="19050">
-            <a:noFill/>
-          </a:ln>
-          <a:effectLst>
-            <a:outerShdw blurRad="63500" sx="104000" sy="104000" algn="ctr" rotWithShape="0">
-              <a:srgbClr val="FFFF00"/>
-            </a:outerShdw>
-          </a:effectLst>
-        </p:spPr>
-      </p:pic>
-      <p:sp>
-        <p:nvSpPr>
-          <p:cNvPr id="7" name="TextBox 6">
-            <a:extLst>
-              <a:ext uri="{FF2B5EF4-FFF2-40B4-BE49-F238E27FC236}">
-                <a16:creationId xmlns:a16="http://schemas.microsoft.com/office/drawing/2014/main" id="{D0620216-BC19-488E-8C33-44C2CB2D9635}"/>
-              </a:ext>
-            </a:extLst>
-          </p:cNvPr>
-          <p:cNvSpPr txBox="1"/>
-          <p:nvPr/>
-        </p:nvSpPr>
-        <p:spPr>
-          <a:xfrm>
-            <a:off x="440099" y="2340917"/>
-            <a:ext cx="8263801" cy="461665"/>
-          </a:xfrm>
-          <a:prstGeom prst="rect">
-            <a:avLst/>
-          </a:prstGeom>
-          <a:noFill/>
-        </p:spPr>
-        <p:txBody>
-          <a:bodyPr wrap="none" rtlCol="0">
-            <a:spAutoFit/>
-          </a:bodyPr>
-          <a:lstStyle/>
-          <a:p>
-            <a:r>
-              <a:rPr lang="vi-VN" sz="2400" dirty="0">
-                <a:ln w="19050">
-                  <a:solidFill>
-                    <a:schemeClr val="tx1"/>
-                  </a:solidFill>
-                </a:ln>
-                <a:solidFill>
-                  <a:srgbClr val="FFFF00"/>
-                </a:solidFill>
-                <a:latin typeface="FVF Fernando 08" panose="02000507020000020003" pitchFamily="2" charset="0"/>
-              </a:rPr>
-              <a:t>29e3c5d3-e87f-457a-7d3b-8b7a8eb855f4</a:t>
-            </a:r>
-            <a:endParaRPr lang="en-US" sz="2400" dirty="0">
-              <a:ln w="19050">
-                <a:solidFill>
-                  <a:schemeClr val="tx1"/>
-                </a:solidFill>
-              </a:ln>
-              <a:solidFill>
-                <a:srgbClr val="FFFF00"/>
-              </a:solidFill>
-              <a:latin typeface="FVF Fernando 08" panose="02000507020000020003" pitchFamily="2" charset="0"/>
-            </a:endParaRPr>
-          </a:p>
-        </p:txBody>
-      </p:sp>
-    </p:spTree>
-    <p:extLst>
-      <p:ext uri="{BB962C8B-B14F-4D97-AF65-F5344CB8AC3E}">
-        <p14:creationId xmlns:p14="http://schemas.microsoft.com/office/powerpoint/2010/main" val="2379345031"/>
-      </p:ext>
-    </p:extLst>
-  </p:cSld>
-  <p:clrMapOvr>
-    <a:masterClrMapping/>
-  </p:clrMapOvr>
-</p:sld>
-</file>
-
-<file path=ppt/slides/slide99.xml><?xml version="1.0" encoding="utf-8"?>
-<p:sld xmlns:a="http://schemas.openxmlformats.org/drawingml/2006/main" xmlns:r="http://schemas.openxmlformats.org/officeDocument/2006/relationships" xmlns:p="http://schemas.openxmlformats.org/presentationml/2006/main">
-  <p:cSld>
-    <p:spTree>
-      <p:nvGrpSpPr>
-        <p:cNvPr id="1" name=""/>
-        <p:cNvGrpSpPr/>
-        <p:nvPr/>
-      </p:nvGrpSpPr>
-      <p:grpSpPr>
-        <a:xfrm>
-          <a:off x="0" y="0"/>
-          <a:ext cx="0" cy="0"/>
-          <a:chOff x="0" y="0"/>
-          <a:chExt cx="0" cy="0"/>
-        </a:xfrm>
-      </p:grpSpPr>
-      <p:sp>
-        <p:nvSpPr>
-          <p:cNvPr id="11" name="TextBox 10">
-            <a:extLst>
-              <a:ext uri="{FF2B5EF4-FFF2-40B4-BE49-F238E27FC236}">
-                <a16:creationId xmlns:a16="http://schemas.microsoft.com/office/drawing/2014/main" id="{49A7B9B6-8455-43BE-8670-E01CE03933DF}"/>
-              </a:ext>
-            </a:extLst>
-          </p:cNvPr>
-          <p:cNvSpPr txBox="1"/>
-          <p:nvPr/>
-        </p:nvSpPr>
-        <p:spPr>
-          <a:xfrm>
-            <a:off x="440099" y="4097899"/>
-            <a:ext cx="8263801" cy="830997"/>
-          </a:xfrm>
-          <a:prstGeom prst="rect">
-            <a:avLst/>
-          </a:prstGeom>
-          <a:noFill/>
-        </p:spPr>
-        <p:txBody>
-          <a:bodyPr wrap="none" rtlCol="0">
-            <a:spAutoFit/>
-          </a:bodyPr>
-          <a:lstStyle/>
-          <a:p>
-            <a:r>
-              <a:rPr lang="vi-VN" sz="4800" dirty="0">
-                <a:ln w="19050">
-                  <a:solidFill>
-                    <a:schemeClr val="tx1"/>
-                  </a:solidFill>
-                </a:ln>
-                <a:solidFill>
-                  <a:srgbClr val="FFFF00"/>
-                </a:solidFill>
-                <a:latin typeface="FVF Fernando 08" panose="02000507020000020003" pitchFamily="2" charset="0"/>
-              </a:rPr>
-              <a:t>Tra kí tự trong Glyph</a:t>
-            </a:r>
-            <a:endParaRPr lang="en-US" sz="4800" dirty="0">
-              <a:ln w="19050">
-                <a:solidFill>
-                  <a:schemeClr val="tx1"/>
-                </a:solidFill>
-              </a:ln>
-              <a:solidFill>
-                <a:srgbClr val="FFFF00"/>
-              </a:solidFill>
-              <a:latin typeface="FVF Fernando 08" panose="02000507020000020003" pitchFamily="2" charset="0"/>
-            </a:endParaRPr>
-          </a:p>
-        </p:txBody>
-      </p:sp>
-      <p:pic>
-        <p:nvPicPr>
-          <p:cNvPr id="14" name="Picture 13">
-            <a:extLst>
-              <a:ext uri="{FF2B5EF4-FFF2-40B4-BE49-F238E27FC236}">
-                <a16:creationId xmlns:a16="http://schemas.microsoft.com/office/drawing/2014/main" id="{E2D411D6-C028-4F7B-96FB-CC2855017620}"/>
-              </a:ext>
-            </a:extLst>
-          </p:cNvPr>
-          <p:cNvPicPr>
-            <a:picLocks noChangeAspect="1"/>
-          </p:cNvPicPr>
-          <p:nvPr/>
-        </p:nvPicPr>
-        <p:blipFill>
-          <a:blip r:embed="rId3">
-            <a:extLst>
-              <a:ext uri="{28A0092B-C50C-407E-A947-70E740481C1C}">
-                <a14:useLocalDpi xmlns:a14="http://schemas.microsoft.com/office/drawing/2010/main" val="0"/>
-              </a:ext>
-            </a:extLst>
-          </a:blip>
-          <a:srcRect/>
-          <a:stretch/>
-        </p:blipFill>
-        <p:spPr>
-          <a:xfrm>
-            <a:off x="7675990" y="30481"/>
-            <a:ext cx="1490870" cy="1490870"/>
-          </a:xfrm>
-          <a:prstGeom prst="rect">
-            <a:avLst/>
-          </a:prstGeom>
-          <a:ln w="19050">
-            <a:noFill/>
-          </a:ln>
-          <a:effectLst>
-            <a:outerShdw blurRad="63500" sx="104000" sy="104000" algn="ctr" rotWithShape="0">
-              <a:srgbClr val="FFFF00"/>
-            </a:outerShdw>
-          </a:effectLst>
-        </p:spPr>
-      </p:pic>
-      <p:pic>
-        <p:nvPicPr>
-          <p:cNvPr id="3" name="Picture 2">
-            <a:extLst>
-              <a:ext uri="{FF2B5EF4-FFF2-40B4-BE49-F238E27FC236}">
-                <a16:creationId xmlns:a16="http://schemas.microsoft.com/office/drawing/2014/main" id="{DB3BC622-D549-4215-B4C7-2020B6078C4A}"/>
-              </a:ext>
-            </a:extLst>
-          </p:cNvPr>
-          <p:cNvPicPr>
-            <a:picLocks noChangeAspect="1"/>
-          </p:cNvPicPr>
-          <p:nvPr/>
-        </p:nvPicPr>
-        <p:blipFill>
-          <a:blip r:embed="rId4">
-            <a:extLst>
-              <a:ext uri="{28A0092B-C50C-407E-A947-70E740481C1C}">
-                <a14:useLocalDpi xmlns:a14="http://schemas.microsoft.com/office/drawing/2010/main" val="0"/>
-              </a:ext>
-            </a:extLst>
-          </a:blip>
-          <a:stretch>
-            <a:fillRect/>
-          </a:stretch>
-        </p:blipFill>
-        <p:spPr>
-          <a:xfrm>
-            <a:off x="3034329" y="602880"/>
-            <a:ext cx="3075339" cy="3075339"/>
-          </a:xfrm>
-          <a:prstGeom prst="rect">
-            <a:avLst/>
-          </a:prstGeom>
-        </p:spPr>
-      </p:pic>
-    </p:spTree>
-    <p:extLst>
-      <p:ext uri="{BB962C8B-B14F-4D97-AF65-F5344CB8AC3E}">
-        <p14:creationId xmlns:p14="http://schemas.microsoft.com/office/powerpoint/2010/main" val="3201819127"/>
       </p:ext>
     </p:extLst>
   </p:cSld>

--- a/assets/media/thumbnail/template.pptx
+++ b/assets/media/thumbnail/template.pptx
@@ -5,7 +5,7 @@
     <p:sldMasterId id="2147483660" r:id="rId1"/>
   </p:sldMasterIdLst>
   <p:notesMasterIdLst>
-    <p:notesMasterId r:id="rId108"/>
+    <p:notesMasterId r:id="rId109"/>
   </p:notesMasterIdLst>
   <p:sldIdLst>
     <p:sldId id="259" r:id="rId2"/>
@@ -113,7 +113,8 @@
     <p:sldId id="360" r:id="rId104"/>
     <p:sldId id="349" r:id="rId105"/>
     <p:sldId id="350" r:id="rId106"/>
-    <p:sldId id="332" r:id="rId107"/>
+    <p:sldId id="366" r:id="rId107"/>
+    <p:sldId id="332" r:id="rId108"/>
   </p:sldIdLst>
   <p:sldSz cx="9144000" cy="5143500" type="screen16x9"/>
   <p:notesSz cx="6858000" cy="9144000"/>
@@ -338,6 +339,7 @@
           <p14:sldIdLst>
             <p14:sldId id="349"/>
             <p14:sldId id="350"/>
+            <p14:sldId id="366"/>
           </p14:sldIdLst>
         </p14:section>
         <p14:section name="Something" id="{E40927D6-B2DF-4FE8-BB0E-CFE5C0FC8D5D}">
@@ -448,7 +450,7 @@
           <a:p>
             <a:fld id="{DAF7419A-5719-4DB0-801F-AE25AB2C4835}" type="datetimeFigureOut">
               <a:rPr lang="en-US" smtClean="0"/>
-              <a:t>7/13/2022</a:t>
+              <a:t>8/3/2022</a:t>
             </a:fld>
             <a:endParaRPr lang="en-US" dirty="0"/>
           </a:p>
@@ -1467,6 +1469,90 @@
     </p:spTree>
     <p:extLst>
       <p:ext uri="{BB962C8B-B14F-4D97-AF65-F5344CB8AC3E}">
+        <p14:creationId xmlns:p14="http://schemas.microsoft.com/office/powerpoint/2010/main" val="188503816"/>
+      </p:ext>
+    </p:extLst>
+  </p:cSld>
+  <p:clrMapOvr>
+    <a:masterClrMapping/>
+  </p:clrMapOvr>
+</p:notes>
+</file>
+
+<file path=ppt/notesSlides/notesSlide107.xml><?xml version="1.0" encoding="utf-8"?>
+<p:notes xmlns:a="http://schemas.openxmlformats.org/drawingml/2006/main" xmlns:r="http://schemas.openxmlformats.org/officeDocument/2006/relationships" xmlns:p="http://schemas.openxmlformats.org/presentationml/2006/main">
+  <p:cSld>
+    <p:spTree>
+      <p:nvGrpSpPr>
+        <p:cNvPr id="1" name=""/>
+        <p:cNvGrpSpPr/>
+        <p:nvPr/>
+      </p:nvGrpSpPr>
+      <p:grpSpPr>
+        <a:xfrm>
+          <a:off x="0" y="0"/>
+          <a:ext cx="0" cy="0"/>
+          <a:chOff x="0" y="0"/>
+          <a:chExt cx="0" cy="0"/>
+        </a:xfrm>
+      </p:grpSpPr>
+      <p:sp>
+        <p:nvSpPr>
+          <p:cNvPr id="2" name="Slide Image Placeholder 1"/>
+          <p:cNvSpPr>
+            <a:spLocks noGrp="1" noRot="1" noChangeAspect="1"/>
+          </p:cNvSpPr>
+          <p:nvPr>
+            <p:ph type="sldImg"/>
+          </p:nvPr>
+        </p:nvSpPr>
+        <p:spPr/>
+      </p:sp>
+      <p:sp>
+        <p:nvSpPr>
+          <p:cNvPr id="3" name="Notes Placeholder 2"/>
+          <p:cNvSpPr>
+            <a:spLocks noGrp="1"/>
+          </p:cNvSpPr>
+          <p:nvPr>
+            <p:ph type="body" idx="1"/>
+          </p:nvPr>
+        </p:nvSpPr>
+        <p:spPr/>
+        <p:txBody>
+          <a:bodyPr/>
+          <a:lstStyle/>
+          <a:p>
+            <a:endParaRPr lang="vi-VN" dirty="0"/>
+          </a:p>
+        </p:txBody>
+      </p:sp>
+      <p:sp>
+        <p:nvSpPr>
+          <p:cNvPr id="4" name="Slide Number Placeholder 3"/>
+          <p:cNvSpPr>
+            <a:spLocks noGrp="1"/>
+          </p:cNvSpPr>
+          <p:nvPr>
+            <p:ph type="sldNum" sz="quarter" idx="5"/>
+          </p:nvPr>
+        </p:nvSpPr>
+        <p:spPr/>
+        <p:txBody>
+          <a:bodyPr/>
+          <a:lstStyle/>
+          <a:p>
+            <a:fld id="{BF1434EF-918F-4A4D-98D1-563F3F7CA387}" type="slidenum">
+              <a:rPr lang="en-US" smtClean="0"/>
+              <a:t>107</a:t>
+            </a:fld>
+            <a:endParaRPr lang="en-US" dirty="0"/>
+          </a:p>
+        </p:txBody>
+      </p:sp>
+    </p:spTree>
+    <p:extLst>
+      <p:ext uri="{BB962C8B-B14F-4D97-AF65-F5344CB8AC3E}">
         <p14:creationId xmlns:p14="http://schemas.microsoft.com/office/powerpoint/2010/main" val="3986409411"/>
       </p:ext>
     </p:extLst>
@@ -10035,7 +10121,7 @@
           <a:p>
             <a:fld id="{6BAADE55-1DD3-44E1-A8C2-24E0E03344A6}" type="datetimeFigureOut">
               <a:rPr lang="en-US" smtClean="0"/>
-              <a:t>7/13/2022</a:t>
+              <a:t>8/3/2022</a:t>
             </a:fld>
             <a:endParaRPr lang="en-US" dirty="0"/>
           </a:p>
@@ -10205,7 +10291,7 @@
           <a:p>
             <a:fld id="{6BAADE55-1DD3-44E1-A8C2-24E0E03344A6}" type="datetimeFigureOut">
               <a:rPr lang="en-US" smtClean="0"/>
-              <a:t>7/13/2022</a:t>
+              <a:t>8/3/2022</a:t>
             </a:fld>
             <a:endParaRPr lang="en-US" dirty="0"/>
           </a:p>
@@ -10385,7 +10471,7 @@
           <a:p>
             <a:fld id="{6BAADE55-1DD3-44E1-A8C2-24E0E03344A6}" type="datetimeFigureOut">
               <a:rPr lang="en-US" smtClean="0"/>
-              <a:t>7/13/2022</a:t>
+              <a:t>8/3/2022</a:t>
             </a:fld>
             <a:endParaRPr lang="en-US" dirty="0"/>
           </a:p>
@@ -10555,7 +10641,7 @@
           <a:p>
             <a:fld id="{6BAADE55-1DD3-44E1-A8C2-24E0E03344A6}" type="datetimeFigureOut">
               <a:rPr lang="en-US" smtClean="0"/>
-              <a:t>7/13/2022</a:t>
+              <a:t>8/3/2022</a:t>
             </a:fld>
             <a:endParaRPr lang="en-US" dirty="0"/>
           </a:p>
@@ -10801,7 +10887,7 @@
           <a:p>
             <a:fld id="{6BAADE55-1DD3-44E1-A8C2-24E0E03344A6}" type="datetimeFigureOut">
               <a:rPr lang="en-US" smtClean="0"/>
-              <a:t>7/13/2022</a:t>
+              <a:t>8/3/2022</a:t>
             </a:fld>
             <a:endParaRPr lang="en-US" dirty="0"/>
           </a:p>
@@ -11033,7 +11119,7 @@
           <a:p>
             <a:fld id="{6BAADE55-1DD3-44E1-A8C2-24E0E03344A6}" type="datetimeFigureOut">
               <a:rPr lang="en-US" smtClean="0"/>
-              <a:t>7/13/2022</a:t>
+              <a:t>8/3/2022</a:t>
             </a:fld>
             <a:endParaRPr lang="en-US" dirty="0"/>
           </a:p>
@@ -11400,7 +11486,7 @@
           <a:p>
             <a:fld id="{6BAADE55-1DD3-44E1-A8C2-24E0E03344A6}" type="datetimeFigureOut">
               <a:rPr lang="en-US" smtClean="0"/>
-              <a:t>7/13/2022</a:t>
+              <a:t>8/3/2022</a:t>
             </a:fld>
             <a:endParaRPr lang="en-US" dirty="0"/>
           </a:p>
@@ -11518,7 +11604,7 @@
           <a:p>
             <a:fld id="{6BAADE55-1DD3-44E1-A8C2-24E0E03344A6}" type="datetimeFigureOut">
               <a:rPr lang="en-US" smtClean="0"/>
-              <a:t>7/13/2022</a:t>
+              <a:t>8/3/2022</a:t>
             </a:fld>
             <a:endParaRPr lang="en-US" dirty="0"/>
           </a:p>
@@ -11613,7 +11699,7 @@
           <a:p>
             <a:fld id="{6BAADE55-1DD3-44E1-A8C2-24E0E03344A6}" type="datetimeFigureOut">
               <a:rPr lang="en-US" smtClean="0"/>
-              <a:t>7/13/2022</a:t>
+              <a:t>8/3/2022</a:t>
             </a:fld>
             <a:endParaRPr lang="en-US" dirty="0"/>
           </a:p>
@@ -11890,7 +11976,7 @@
           <a:p>
             <a:fld id="{6BAADE55-1DD3-44E1-A8C2-24E0E03344A6}" type="datetimeFigureOut">
               <a:rPr lang="en-US" smtClean="0"/>
-              <a:t>7/13/2022</a:t>
+              <a:t>8/3/2022</a:t>
             </a:fld>
             <a:endParaRPr lang="en-US" dirty="0"/>
           </a:p>
@@ -12146,7 +12232,7 @@
           <a:p>
             <a:fld id="{6BAADE55-1DD3-44E1-A8C2-24E0E03344A6}" type="datetimeFigureOut">
               <a:rPr lang="en-US" smtClean="0"/>
-              <a:t>7/13/2022</a:t>
+              <a:t>8/3/2022</a:t>
             </a:fld>
             <a:endParaRPr lang="en-US" dirty="0"/>
           </a:p>
@@ -12365,7 +12451,7 @@
           <a:p>
             <a:fld id="{6BAADE55-1DD3-44E1-A8C2-24E0E03344A6}" type="datetimeFigureOut">
               <a:rPr lang="en-US" smtClean="0"/>
-              <a:t>7/13/2022</a:t>
+              <a:t>8/3/2022</a:t>
             </a:fld>
             <a:endParaRPr lang="en-US" dirty="0"/>
           </a:p>
@@ -14296,6 +14382,255 @@
 </file>
 
 <file path=ppt/slides/slide106.xml><?xml version="1.0" encoding="utf-8"?>
+<p:sld xmlns:a="http://schemas.openxmlformats.org/drawingml/2006/main" xmlns:r="http://schemas.openxmlformats.org/officeDocument/2006/relationships" xmlns:p="http://schemas.openxmlformats.org/presentationml/2006/main">
+  <p:cSld>
+    <p:spTree>
+      <p:nvGrpSpPr>
+        <p:cNvPr id="1" name=""/>
+        <p:cNvGrpSpPr/>
+        <p:nvPr/>
+      </p:nvGrpSpPr>
+      <p:grpSpPr>
+        <a:xfrm>
+          <a:off x="0" y="0"/>
+          <a:ext cx="0" cy="0"/>
+          <a:chOff x="0" y="0"/>
+          <a:chExt cx="0" cy="0"/>
+        </a:xfrm>
+      </p:grpSpPr>
+      <p:sp>
+        <p:nvSpPr>
+          <p:cNvPr id="11" name="TextBox 10">
+            <a:extLst>
+              <a:ext uri="{FF2B5EF4-FFF2-40B4-BE49-F238E27FC236}">
+                <a16:creationId xmlns:a16="http://schemas.microsoft.com/office/drawing/2014/main" id="{49A7B9B6-8455-43BE-8670-E01CE03933DF}"/>
+              </a:ext>
+            </a:extLst>
+          </p:cNvPr>
+          <p:cNvSpPr txBox="1"/>
+          <p:nvPr/>
+        </p:nvSpPr>
+        <p:spPr>
+          <a:xfrm>
+            <a:off x="2123252" y="3858413"/>
+            <a:ext cx="4897495" cy="1015663"/>
+          </a:xfrm>
+          <a:prstGeom prst="rect">
+            <a:avLst/>
+          </a:prstGeom>
+          <a:noFill/>
+        </p:spPr>
+        <p:txBody>
+          <a:bodyPr wrap="none" rtlCol="0">
+            <a:spAutoFit/>
+          </a:bodyPr>
+          <a:lstStyle/>
+          <a:p>
+            <a:r>
+              <a:rPr lang="vi-VN" sz="6000" dirty="0">
+                <a:ln w="19050">
+                  <a:solidFill>
+                    <a:schemeClr val="tx1"/>
+                  </a:solidFill>
+                </a:ln>
+                <a:solidFill>
+                  <a:srgbClr val="FFFF00"/>
+                </a:solidFill>
+                <a:latin typeface="FVF Fernando 08" panose="02000507020000020003" pitchFamily="2" charset="0"/>
+              </a:rPr>
+              <a:t>Preloader</a:t>
+            </a:r>
+            <a:endParaRPr lang="en-US" sz="6000" dirty="0">
+              <a:ln w="19050">
+                <a:solidFill>
+                  <a:schemeClr val="tx1"/>
+                </a:solidFill>
+              </a:ln>
+              <a:solidFill>
+                <a:srgbClr val="FFFF00"/>
+              </a:solidFill>
+              <a:latin typeface="FVF Fernando 08" panose="02000507020000020003" pitchFamily="2" charset="0"/>
+            </a:endParaRPr>
+          </a:p>
+        </p:txBody>
+      </p:sp>
+      <p:pic>
+        <p:nvPicPr>
+          <p:cNvPr id="14" name="Picture 13">
+            <a:extLst>
+              <a:ext uri="{FF2B5EF4-FFF2-40B4-BE49-F238E27FC236}">
+                <a16:creationId xmlns:a16="http://schemas.microsoft.com/office/drawing/2014/main" id="{E2D411D6-C028-4F7B-96FB-CC2855017620}"/>
+              </a:ext>
+            </a:extLst>
+          </p:cNvPr>
+          <p:cNvPicPr>
+            <a:picLocks noChangeAspect="1"/>
+          </p:cNvPicPr>
+          <p:nvPr/>
+        </p:nvPicPr>
+        <p:blipFill>
+          <a:blip r:embed="rId3">
+            <a:extLst>
+              <a:ext uri="{28A0092B-C50C-407E-A947-70E740481C1C}">
+                <a14:useLocalDpi xmlns:a14="http://schemas.microsoft.com/office/drawing/2010/main" val="0"/>
+              </a:ext>
+            </a:extLst>
+          </a:blip>
+          <a:srcRect/>
+          <a:stretch/>
+        </p:blipFill>
+        <p:spPr>
+          <a:xfrm>
+            <a:off x="7675990" y="30481"/>
+            <a:ext cx="1490870" cy="1490870"/>
+          </a:xfrm>
+          <a:prstGeom prst="rect">
+            <a:avLst/>
+          </a:prstGeom>
+          <a:ln w="19050">
+            <a:noFill/>
+          </a:ln>
+          <a:effectLst>
+            <a:outerShdw blurRad="63500" sx="104000" sy="104000" algn="ctr" rotWithShape="0">
+              <a:srgbClr val="FFFF00"/>
+            </a:outerShdw>
+          </a:effectLst>
+        </p:spPr>
+      </p:pic>
+      <p:grpSp>
+        <p:nvGrpSpPr>
+          <p:cNvPr id="2" name="Group 1">
+            <a:extLst>
+              <a:ext uri="{FF2B5EF4-FFF2-40B4-BE49-F238E27FC236}">
+                <a16:creationId xmlns:a16="http://schemas.microsoft.com/office/drawing/2014/main" id="{1848D0C9-D311-3E95-9EEA-92435C3553FE}"/>
+              </a:ext>
+            </a:extLst>
+          </p:cNvPr>
+          <p:cNvGrpSpPr/>
+          <p:nvPr/>
+        </p:nvGrpSpPr>
+        <p:grpSpPr>
+          <a:xfrm>
+            <a:off x="1787392" y="1271507"/>
+            <a:ext cx="5569214" cy="2022960"/>
+            <a:chOff x="1599738" y="323178"/>
+            <a:chExt cx="5569214" cy="2022960"/>
+          </a:xfrm>
+        </p:grpSpPr>
+        <p:pic>
+          <p:nvPicPr>
+            <p:cNvPr id="6" name="Picture 5">
+              <a:extLst>
+                <a:ext uri="{FF2B5EF4-FFF2-40B4-BE49-F238E27FC236}">
+                  <a16:creationId xmlns:a16="http://schemas.microsoft.com/office/drawing/2014/main" id="{B045331D-45AB-61C9-2CCE-68EE1CF6D316}"/>
+                </a:ext>
+              </a:extLst>
+            </p:cNvPr>
+            <p:cNvPicPr>
+              <a:picLocks noChangeAspect="1"/>
+            </p:cNvPicPr>
+            <p:nvPr/>
+          </p:nvPicPr>
+          <p:blipFill>
+            <a:blip r:embed="rId3">
+              <a:extLst>
+                <a:ext uri="{28A0092B-C50C-407E-A947-70E740481C1C}">
+                  <a14:useLocalDpi xmlns:a14="http://schemas.microsoft.com/office/drawing/2010/main" val="0"/>
+                </a:ext>
+              </a:extLst>
+            </a:blip>
+            <a:srcRect/>
+            <a:stretch/>
+          </p:blipFill>
+          <p:spPr>
+            <a:xfrm>
+              <a:off x="1599738" y="323178"/>
+              <a:ext cx="2022960" cy="2022960"/>
+            </a:xfrm>
+            <a:prstGeom prst="rect">
+              <a:avLst/>
+            </a:prstGeom>
+            <a:ln w="19050">
+              <a:noFill/>
+            </a:ln>
+            <a:effectLst>
+              <a:outerShdw sx="1000" sy="1000" algn="ctr" rotWithShape="0">
+                <a:srgbClr val="FFFF00"/>
+              </a:outerShdw>
+            </a:effectLst>
+          </p:spPr>
+        </p:pic>
+        <p:sp>
+          <p:nvSpPr>
+            <p:cNvPr id="7" name="TextBox 6">
+              <a:extLst>
+                <a:ext uri="{FF2B5EF4-FFF2-40B4-BE49-F238E27FC236}">
+                  <a16:creationId xmlns:a16="http://schemas.microsoft.com/office/drawing/2014/main" id="{2DB92FC1-2451-7BA4-0C5F-4A47C7F6C883}"/>
+                </a:ext>
+              </a:extLst>
+            </p:cNvPr>
+            <p:cNvSpPr txBox="1"/>
+            <p:nvPr/>
+          </p:nvSpPr>
+          <p:spPr>
+            <a:xfrm>
+              <a:off x="3622698" y="919159"/>
+              <a:ext cx="3546254" cy="830997"/>
+            </a:xfrm>
+            <a:prstGeom prst="rect">
+              <a:avLst/>
+            </a:prstGeom>
+            <a:noFill/>
+          </p:spPr>
+          <p:txBody>
+            <a:bodyPr wrap="square" rtlCol="0">
+              <a:spAutoFit/>
+            </a:bodyPr>
+            <a:lstStyle/>
+            <a:p>
+              <a:r>
+                <a:rPr lang="vi-VN" sz="4800" dirty="0">
+                  <a:ln w="19050">
+                    <a:solidFill>
+                      <a:schemeClr val="tx1"/>
+                    </a:solidFill>
+                  </a:ln>
+                  <a:solidFill>
+                    <a:schemeClr val="bg1"/>
+                  </a:solidFill>
+                  <a:latin typeface="FVF Fernando 08" panose="02000507020000020003" pitchFamily="2" charset="0"/>
+                </a:rPr>
+                <a:t>Loading...</a:t>
+              </a:r>
+              <a:endParaRPr lang="en-US" sz="4800" dirty="0">
+                <a:ln w="19050">
+                  <a:solidFill>
+                    <a:schemeClr val="tx1"/>
+                  </a:solidFill>
+                </a:ln>
+                <a:solidFill>
+                  <a:schemeClr val="bg1"/>
+                </a:solidFill>
+                <a:latin typeface="FVF Fernando 08" panose="02000507020000020003" pitchFamily="2" charset="0"/>
+              </a:endParaRPr>
+            </a:p>
+          </p:txBody>
+        </p:sp>
+      </p:grpSp>
+    </p:spTree>
+    <p:extLst>
+      <p:ext uri="{BB962C8B-B14F-4D97-AF65-F5344CB8AC3E}">
+        <p14:creationId xmlns:p14="http://schemas.microsoft.com/office/powerpoint/2010/main" val="1497643824"/>
+      </p:ext>
+    </p:extLst>
+  </p:cSld>
+  <p:clrMapOvr>
+    <a:masterClrMapping/>
+  </p:clrMapOvr>
+</p:sld>
+</file>
+
+<file path=ppt/slides/slide107.xml><?xml version="1.0" encoding="utf-8"?>
 <p:sld xmlns:a="http://schemas.openxmlformats.org/drawingml/2006/main" xmlns:r="http://schemas.openxmlformats.org/officeDocument/2006/relationships" xmlns:p="http://schemas.openxmlformats.org/presentationml/2006/main">
   <p:cSld>
     <p:spTree>

--- a/assets/media/thumbnail/template.pptx
+++ b/assets/media/thumbnail/template.pptx
@@ -5,7 +5,7 @@
     <p:sldMasterId id="2147483660" r:id="rId1"/>
   </p:sldMasterIdLst>
   <p:notesMasterIdLst>
-    <p:notesMasterId r:id="rId109"/>
+    <p:notesMasterId r:id="rId110"/>
   </p:notesMasterIdLst>
   <p:sldIdLst>
     <p:sldId id="259" r:id="rId2"/>
@@ -96,25 +96,26 @@
     <p:sldId id="339" r:id="rId87"/>
     <p:sldId id="347" r:id="rId88"/>
     <p:sldId id="342" r:id="rId89"/>
-    <p:sldId id="348" r:id="rId90"/>
-    <p:sldId id="343" r:id="rId91"/>
-    <p:sldId id="344" r:id="rId92"/>
-    <p:sldId id="356" r:id="rId93"/>
-    <p:sldId id="345" r:id="rId94"/>
-    <p:sldId id="346" r:id="rId95"/>
-    <p:sldId id="358" r:id="rId96"/>
-    <p:sldId id="353" r:id="rId97"/>
-    <p:sldId id="351" r:id="rId98"/>
-    <p:sldId id="352" r:id="rId99"/>
-    <p:sldId id="361" r:id="rId100"/>
-    <p:sldId id="354" r:id="rId101"/>
-    <p:sldId id="355" r:id="rId102"/>
-    <p:sldId id="357" r:id="rId103"/>
-    <p:sldId id="360" r:id="rId104"/>
-    <p:sldId id="349" r:id="rId105"/>
-    <p:sldId id="350" r:id="rId106"/>
-    <p:sldId id="366" r:id="rId107"/>
-    <p:sldId id="332" r:id="rId108"/>
+    <p:sldId id="367" r:id="rId90"/>
+    <p:sldId id="348" r:id="rId91"/>
+    <p:sldId id="343" r:id="rId92"/>
+    <p:sldId id="344" r:id="rId93"/>
+    <p:sldId id="356" r:id="rId94"/>
+    <p:sldId id="345" r:id="rId95"/>
+    <p:sldId id="346" r:id="rId96"/>
+    <p:sldId id="358" r:id="rId97"/>
+    <p:sldId id="353" r:id="rId98"/>
+    <p:sldId id="351" r:id="rId99"/>
+    <p:sldId id="352" r:id="rId100"/>
+    <p:sldId id="361" r:id="rId101"/>
+    <p:sldId id="354" r:id="rId102"/>
+    <p:sldId id="355" r:id="rId103"/>
+    <p:sldId id="357" r:id="rId104"/>
+    <p:sldId id="360" r:id="rId105"/>
+    <p:sldId id="349" r:id="rId106"/>
+    <p:sldId id="350" r:id="rId107"/>
+    <p:sldId id="366" r:id="rId108"/>
+    <p:sldId id="332" r:id="rId109"/>
   </p:sldIdLst>
   <p:sldSz cx="9144000" cy="5143500" type="screen16x9"/>
   <p:notesSz cx="6858000" cy="9144000"/>
@@ -310,6 +311,7 @@
             <p14:sldId id="339"/>
             <p14:sldId id="347"/>
             <p14:sldId id="342"/>
+            <p14:sldId id="367"/>
             <p14:sldId id="348"/>
             <p14:sldId id="343"/>
             <p14:sldId id="344"/>
@@ -450,7 +452,7 @@
           <a:p>
             <a:fld id="{DAF7419A-5719-4DB0-801F-AE25AB2C4835}" type="datetimeFigureOut">
               <a:rPr lang="en-US" smtClean="0"/>
-              <a:t>8/3/2022</a:t>
+              <a:t>8/11/2022</a:t>
             </a:fld>
             <a:endParaRPr lang="en-US" dirty="0"/>
           </a:p>
@@ -965,7 +967,7 @@
     </p:spTree>
     <p:extLst>
       <p:ext uri="{BB962C8B-B14F-4D97-AF65-F5344CB8AC3E}">
-        <p14:creationId xmlns:p14="http://schemas.microsoft.com/office/powerpoint/2010/main" val="232954569"/>
+        <p14:creationId xmlns:p14="http://schemas.microsoft.com/office/powerpoint/2010/main" val="273468379"/>
       </p:ext>
     </p:extLst>
   </p:cSld>
@@ -1049,7 +1051,7 @@
     </p:spTree>
     <p:extLst>
       <p:ext uri="{BB962C8B-B14F-4D97-AF65-F5344CB8AC3E}">
-        <p14:creationId xmlns:p14="http://schemas.microsoft.com/office/powerpoint/2010/main" val="3301698305"/>
+        <p14:creationId xmlns:p14="http://schemas.microsoft.com/office/powerpoint/2010/main" val="232954569"/>
       </p:ext>
     </p:extLst>
   </p:cSld>
@@ -1133,7 +1135,7 @@
     </p:spTree>
     <p:extLst>
       <p:ext uri="{BB962C8B-B14F-4D97-AF65-F5344CB8AC3E}">
-        <p14:creationId xmlns:p14="http://schemas.microsoft.com/office/powerpoint/2010/main" val="397470668"/>
+        <p14:creationId xmlns:p14="http://schemas.microsoft.com/office/powerpoint/2010/main" val="3301698305"/>
       </p:ext>
     </p:extLst>
   </p:cSld>
@@ -1217,7 +1219,7 @@
     </p:spTree>
     <p:extLst>
       <p:ext uri="{BB962C8B-B14F-4D97-AF65-F5344CB8AC3E}">
-        <p14:creationId xmlns:p14="http://schemas.microsoft.com/office/powerpoint/2010/main" val="2823396353"/>
+        <p14:creationId xmlns:p14="http://schemas.microsoft.com/office/powerpoint/2010/main" val="397470668"/>
       </p:ext>
     </p:extLst>
   </p:cSld>
@@ -1301,7 +1303,7 @@
     </p:spTree>
     <p:extLst>
       <p:ext uri="{BB962C8B-B14F-4D97-AF65-F5344CB8AC3E}">
-        <p14:creationId xmlns:p14="http://schemas.microsoft.com/office/powerpoint/2010/main" val="418430412"/>
+        <p14:creationId xmlns:p14="http://schemas.microsoft.com/office/powerpoint/2010/main" val="2823396353"/>
       </p:ext>
     </p:extLst>
   </p:cSld>
@@ -1385,7 +1387,7 @@
     </p:spTree>
     <p:extLst>
       <p:ext uri="{BB962C8B-B14F-4D97-AF65-F5344CB8AC3E}">
-        <p14:creationId xmlns:p14="http://schemas.microsoft.com/office/powerpoint/2010/main" val="2087517936"/>
+        <p14:creationId xmlns:p14="http://schemas.microsoft.com/office/powerpoint/2010/main" val="418430412"/>
       </p:ext>
     </p:extLst>
   </p:cSld>
@@ -1469,7 +1471,7 @@
     </p:spTree>
     <p:extLst>
       <p:ext uri="{BB962C8B-B14F-4D97-AF65-F5344CB8AC3E}">
-        <p14:creationId xmlns:p14="http://schemas.microsoft.com/office/powerpoint/2010/main" val="188503816"/>
+        <p14:creationId xmlns:p14="http://schemas.microsoft.com/office/powerpoint/2010/main" val="2087517936"/>
       </p:ext>
     </p:extLst>
   </p:cSld>
@@ -1545,6 +1547,90 @@
             <a:fld id="{BF1434EF-918F-4A4D-98D1-563F3F7CA387}" type="slidenum">
               <a:rPr lang="en-US" smtClean="0"/>
               <a:t>107</a:t>
+            </a:fld>
+            <a:endParaRPr lang="en-US" dirty="0"/>
+          </a:p>
+        </p:txBody>
+      </p:sp>
+    </p:spTree>
+    <p:extLst>
+      <p:ext uri="{BB962C8B-B14F-4D97-AF65-F5344CB8AC3E}">
+        <p14:creationId xmlns:p14="http://schemas.microsoft.com/office/powerpoint/2010/main" val="188503816"/>
+      </p:ext>
+    </p:extLst>
+  </p:cSld>
+  <p:clrMapOvr>
+    <a:masterClrMapping/>
+  </p:clrMapOvr>
+</p:notes>
+</file>
+
+<file path=ppt/notesSlides/notesSlide108.xml><?xml version="1.0" encoding="utf-8"?>
+<p:notes xmlns:a="http://schemas.openxmlformats.org/drawingml/2006/main" xmlns:r="http://schemas.openxmlformats.org/officeDocument/2006/relationships" xmlns:p="http://schemas.openxmlformats.org/presentationml/2006/main">
+  <p:cSld>
+    <p:spTree>
+      <p:nvGrpSpPr>
+        <p:cNvPr id="1" name=""/>
+        <p:cNvGrpSpPr/>
+        <p:nvPr/>
+      </p:nvGrpSpPr>
+      <p:grpSpPr>
+        <a:xfrm>
+          <a:off x="0" y="0"/>
+          <a:ext cx="0" cy="0"/>
+          <a:chOff x="0" y="0"/>
+          <a:chExt cx="0" cy="0"/>
+        </a:xfrm>
+      </p:grpSpPr>
+      <p:sp>
+        <p:nvSpPr>
+          <p:cNvPr id="2" name="Slide Image Placeholder 1"/>
+          <p:cNvSpPr>
+            <a:spLocks noGrp="1" noRot="1" noChangeAspect="1"/>
+          </p:cNvSpPr>
+          <p:nvPr>
+            <p:ph type="sldImg"/>
+          </p:nvPr>
+        </p:nvSpPr>
+        <p:spPr/>
+      </p:sp>
+      <p:sp>
+        <p:nvSpPr>
+          <p:cNvPr id="3" name="Notes Placeholder 2"/>
+          <p:cNvSpPr>
+            <a:spLocks noGrp="1"/>
+          </p:cNvSpPr>
+          <p:nvPr>
+            <p:ph type="body" idx="1"/>
+          </p:nvPr>
+        </p:nvSpPr>
+        <p:spPr/>
+        <p:txBody>
+          <a:bodyPr/>
+          <a:lstStyle/>
+          <a:p>
+            <a:endParaRPr lang="vi-VN" dirty="0"/>
+          </a:p>
+        </p:txBody>
+      </p:sp>
+      <p:sp>
+        <p:nvSpPr>
+          <p:cNvPr id="4" name="Slide Number Placeholder 3"/>
+          <p:cNvSpPr>
+            <a:spLocks noGrp="1"/>
+          </p:cNvSpPr>
+          <p:nvPr>
+            <p:ph type="sldNum" sz="quarter" idx="5"/>
+          </p:nvPr>
+        </p:nvSpPr>
+        <p:spPr/>
+        <p:txBody>
+          <a:bodyPr/>
+          <a:lstStyle/>
+          <a:p>
+            <a:fld id="{BF1434EF-918F-4A4D-98D1-563F3F7CA387}" type="slidenum">
+              <a:rPr lang="en-US" smtClean="0"/>
+              <a:t>108</a:t>
             </a:fld>
             <a:endParaRPr lang="en-US" dirty="0"/>
           </a:p>
@@ -9035,7 +9121,7 @@
     </p:spTree>
     <p:extLst>
       <p:ext uri="{BB962C8B-B14F-4D97-AF65-F5344CB8AC3E}">
-        <p14:creationId xmlns:p14="http://schemas.microsoft.com/office/powerpoint/2010/main" val="4228443951"/>
+        <p14:creationId xmlns:p14="http://schemas.microsoft.com/office/powerpoint/2010/main" val="3652361467"/>
       </p:ext>
     </p:extLst>
   </p:cSld>
@@ -9209,7 +9295,7 @@
     </p:spTree>
     <p:extLst>
       <p:ext uri="{BB962C8B-B14F-4D97-AF65-F5344CB8AC3E}">
-        <p14:creationId xmlns:p14="http://schemas.microsoft.com/office/powerpoint/2010/main" val="1964088912"/>
+        <p14:creationId xmlns:p14="http://schemas.microsoft.com/office/powerpoint/2010/main" val="4228443951"/>
       </p:ext>
     </p:extLst>
   </p:cSld>
@@ -9296,7 +9382,7 @@
     </p:spTree>
     <p:extLst>
       <p:ext uri="{BB962C8B-B14F-4D97-AF65-F5344CB8AC3E}">
-        <p14:creationId xmlns:p14="http://schemas.microsoft.com/office/powerpoint/2010/main" val="2947646057"/>
+        <p14:creationId xmlns:p14="http://schemas.microsoft.com/office/powerpoint/2010/main" val="1964088912"/>
       </p:ext>
     </p:extLst>
   </p:cSld>
@@ -9383,7 +9469,7 @@
     </p:spTree>
     <p:extLst>
       <p:ext uri="{BB962C8B-B14F-4D97-AF65-F5344CB8AC3E}">
-        <p14:creationId xmlns:p14="http://schemas.microsoft.com/office/powerpoint/2010/main" val="3497460052"/>
+        <p14:creationId xmlns:p14="http://schemas.microsoft.com/office/powerpoint/2010/main" val="2947646057"/>
       </p:ext>
     </p:extLst>
   </p:cSld>
@@ -9470,7 +9556,7 @@
     </p:spTree>
     <p:extLst>
       <p:ext uri="{BB962C8B-B14F-4D97-AF65-F5344CB8AC3E}">
-        <p14:creationId xmlns:p14="http://schemas.microsoft.com/office/powerpoint/2010/main" val="3971005304"/>
+        <p14:creationId xmlns:p14="http://schemas.microsoft.com/office/powerpoint/2010/main" val="3497460052"/>
       </p:ext>
     </p:extLst>
   </p:cSld>
@@ -9557,7 +9643,7 @@
     </p:spTree>
     <p:extLst>
       <p:ext uri="{BB962C8B-B14F-4D97-AF65-F5344CB8AC3E}">
-        <p14:creationId xmlns:p14="http://schemas.microsoft.com/office/powerpoint/2010/main" val="927399378"/>
+        <p14:creationId xmlns:p14="http://schemas.microsoft.com/office/powerpoint/2010/main" val="3971005304"/>
       </p:ext>
     </p:extLst>
   </p:cSld>
@@ -9644,7 +9730,7 @@
     </p:spTree>
     <p:extLst>
       <p:ext uri="{BB962C8B-B14F-4D97-AF65-F5344CB8AC3E}">
-        <p14:creationId xmlns:p14="http://schemas.microsoft.com/office/powerpoint/2010/main" val="4263109715"/>
+        <p14:creationId xmlns:p14="http://schemas.microsoft.com/office/powerpoint/2010/main" val="927399378"/>
       </p:ext>
     </p:extLst>
   </p:cSld>
@@ -9698,7 +9784,10 @@
           <a:bodyPr/>
           <a:lstStyle/>
           <a:p>
-            <a:endParaRPr lang="vi-VN" dirty="0"/>
+            <a:r>
+              <a:rPr lang="vi-VN" dirty="0"/>
+              <a:t>/?</a:t>
+            </a:r>
           </a:p>
         </p:txBody>
       </p:sp>
@@ -9728,7 +9817,7 @@
     </p:spTree>
     <p:extLst>
       <p:ext uri="{BB962C8B-B14F-4D97-AF65-F5344CB8AC3E}">
-        <p14:creationId xmlns:p14="http://schemas.microsoft.com/office/powerpoint/2010/main" val="3795521162"/>
+        <p14:creationId xmlns:p14="http://schemas.microsoft.com/office/powerpoint/2010/main" val="4263109715"/>
       </p:ext>
     </p:extLst>
   </p:cSld>
@@ -9812,7 +9901,7 @@
     </p:spTree>
     <p:extLst>
       <p:ext uri="{BB962C8B-B14F-4D97-AF65-F5344CB8AC3E}">
-        <p14:creationId xmlns:p14="http://schemas.microsoft.com/office/powerpoint/2010/main" val="1580828146"/>
+        <p14:creationId xmlns:p14="http://schemas.microsoft.com/office/powerpoint/2010/main" val="3795521162"/>
       </p:ext>
     </p:extLst>
   </p:cSld>
@@ -9896,7 +9985,7 @@
     </p:spTree>
     <p:extLst>
       <p:ext uri="{BB962C8B-B14F-4D97-AF65-F5344CB8AC3E}">
-        <p14:creationId xmlns:p14="http://schemas.microsoft.com/office/powerpoint/2010/main" val="880678517"/>
+        <p14:creationId xmlns:p14="http://schemas.microsoft.com/office/powerpoint/2010/main" val="1580828146"/>
       </p:ext>
     </p:extLst>
   </p:cSld>
@@ -9980,7 +10069,7 @@
     </p:spTree>
     <p:extLst>
       <p:ext uri="{BB962C8B-B14F-4D97-AF65-F5344CB8AC3E}">
-        <p14:creationId xmlns:p14="http://schemas.microsoft.com/office/powerpoint/2010/main" val="273468379"/>
+        <p14:creationId xmlns:p14="http://schemas.microsoft.com/office/powerpoint/2010/main" val="880678517"/>
       </p:ext>
     </p:extLst>
   </p:cSld>
@@ -10121,7 +10210,7 @@
           <a:p>
             <a:fld id="{6BAADE55-1DD3-44E1-A8C2-24E0E03344A6}" type="datetimeFigureOut">
               <a:rPr lang="en-US" smtClean="0"/>
-              <a:t>8/3/2022</a:t>
+              <a:t>8/11/2022</a:t>
             </a:fld>
             <a:endParaRPr lang="en-US" dirty="0"/>
           </a:p>
@@ -10291,7 +10380,7 @@
           <a:p>
             <a:fld id="{6BAADE55-1DD3-44E1-A8C2-24E0E03344A6}" type="datetimeFigureOut">
               <a:rPr lang="en-US" smtClean="0"/>
-              <a:t>8/3/2022</a:t>
+              <a:t>8/11/2022</a:t>
             </a:fld>
             <a:endParaRPr lang="en-US" dirty="0"/>
           </a:p>
@@ -10471,7 +10560,7 @@
           <a:p>
             <a:fld id="{6BAADE55-1DD3-44E1-A8C2-24E0E03344A6}" type="datetimeFigureOut">
               <a:rPr lang="en-US" smtClean="0"/>
-              <a:t>8/3/2022</a:t>
+              <a:t>8/11/2022</a:t>
             </a:fld>
             <a:endParaRPr lang="en-US" dirty="0"/>
           </a:p>
@@ -10641,7 +10730,7 @@
           <a:p>
             <a:fld id="{6BAADE55-1DD3-44E1-A8C2-24E0E03344A6}" type="datetimeFigureOut">
               <a:rPr lang="en-US" smtClean="0"/>
-              <a:t>8/3/2022</a:t>
+              <a:t>8/11/2022</a:t>
             </a:fld>
             <a:endParaRPr lang="en-US" dirty="0"/>
           </a:p>
@@ -10887,7 +10976,7 @@
           <a:p>
             <a:fld id="{6BAADE55-1DD3-44E1-A8C2-24E0E03344A6}" type="datetimeFigureOut">
               <a:rPr lang="en-US" smtClean="0"/>
-              <a:t>8/3/2022</a:t>
+              <a:t>8/11/2022</a:t>
             </a:fld>
             <a:endParaRPr lang="en-US" dirty="0"/>
           </a:p>
@@ -11119,7 +11208,7 @@
           <a:p>
             <a:fld id="{6BAADE55-1DD3-44E1-A8C2-24E0E03344A6}" type="datetimeFigureOut">
               <a:rPr lang="en-US" smtClean="0"/>
-              <a:t>8/3/2022</a:t>
+              <a:t>8/11/2022</a:t>
             </a:fld>
             <a:endParaRPr lang="en-US" dirty="0"/>
           </a:p>
@@ -11486,7 +11575,7 @@
           <a:p>
             <a:fld id="{6BAADE55-1DD3-44E1-A8C2-24E0E03344A6}" type="datetimeFigureOut">
               <a:rPr lang="en-US" smtClean="0"/>
-              <a:t>8/3/2022</a:t>
+              <a:t>8/11/2022</a:t>
             </a:fld>
             <a:endParaRPr lang="en-US" dirty="0"/>
           </a:p>
@@ -11604,7 +11693,7 @@
           <a:p>
             <a:fld id="{6BAADE55-1DD3-44E1-A8C2-24E0E03344A6}" type="datetimeFigureOut">
               <a:rPr lang="en-US" smtClean="0"/>
-              <a:t>8/3/2022</a:t>
+              <a:t>8/11/2022</a:t>
             </a:fld>
             <a:endParaRPr lang="en-US" dirty="0"/>
           </a:p>
@@ -11699,7 +11788,7 @@
           <a:p>
             <a:fld id="{6BAADE55-1DD3-44E1-A8C2-24E0E03344A6}" type="datetimeFigureOut">
               <a:rPr lang="en-US" smtClean="0"/>
-              <a:t>8/3/2022</a:t>
+              <a:t>8/11/2022</a:t>
             </a:fld>
             <a:endParaRPr lang="en-US" dirty="0"/>
           </a:p>
@@ -11976,7 +12065,7 @@
           <a:p>
             <a:fld id="{6BAADE55-1DD3-44E1-A8C2-24E0E03344A6}" type="datetimeFigureOut">
               <a:rPr lang="en-US" smtClean="0"/>
-              <a:t>8/3/2022</a:t>
+              <a:t>8/11/2022</a:t>
             </a:fld>
             <a:endParaRPr lang="en-US" dirty="0"/>
           </a:p>
@@ -12232,7 +12321,7 @@
           <a:p>
             <a:fld id="{6BAADE55-1DD3-44E1-A8C2-24E0E03344A6}" type="datetimeFigureOut">
               <a:rPr lang="en-US" smtClean="0"/>
-              <a:t>8/3/2022</a:t>
+              <a:t>8/11/2022</a:t>
             </a:fld>
             <a:endParaRPr lang="en-US" dirty="0"/>
           </a:p>
@@ -12451,7 +12540,7 @@
           <a:p>
             <a:fld id="{6BAADE55-1DD3-44E1-A8C2-24E0E03344A6}" type="datetimeFigureOut">
               <a:rPr lang="en-US" smtClean="0"/>
-              <a:t>8/3/2022</a:t>
+              <a:t>8/11/2022</a:t>
             </a:fld>
             <a:endParaRPr lang="en-US" dirty="0"/>
           </a:p>
@@ -13309,6 +13398,171 @@
         </p:nvSpPr>
         <p:spPr>
           <a:xfrm>
+            <a:off x="3527483" y="4016867"/>
+            <a:ext cx="2089033" cy="923330"/>
+          </a:xfrm>
+          <a:prstGeom prst="rect">
+            <a:avLst/>
+          </a:prstGeom>
+          <a:noFill/>
+        </p:spPr>
+        <p:txBody>
+          <a:bodyPr wrap="none" rtlCol="0">
+            <a:spAutoFit/>
+          </a:bodyPr>
+          <a:lstStyle/>
+          <a:p>
+            <a:r>
+              <a:rPr lang="vi-VN" sz="5400">
+                <a:ln w="19050">
+                  <a:solidFill>
+                    <a:schemeClr val="tx1"/>
+                  </a:solidFill>
+                </a:ln>
+                <a:solidFill>
+                  <a:srgbClr val="FFFF00"/>
+                </a:solidFill>
+                <a:latin typeface="FVF Fernando 08" panose="02000507020000020003" pitchFamily="2" charset="0"/>
+              </a:rPr>
+              <a:t>NPC</a:t>
+            </a:r>
+            <a:endParaRPr lang="en-US" sz="5400" dirty="0">
+              <a:ln w="19050">
+                <a:solidFill>
+                  <a:schemeClr val="tx1"/>
+                </a:solidFill>
+              </a:ln>
+              <a:solidFill>
+                <a:srgbClr val="FFFF00"/>
+              </a:solidFill>
+              <a:latin typeface="FVF Fernando 08" panose="02000507020000020003" pitchFamily="2" charset="0"/>
+            </a:endParaRPr>
+          </a:p>
+        </p:txBody>
+      </p:sp>
+      <p:pic>
+        <p:nvPicPr>
+          <p:cNvPr id="14" name="Picture 13">
+            <a:extLst>
+              <a:ext uri="{FF2B5EF4-FFF2-40B4-BE49-F238E27FC236}">
+                <a16:creationId xmlns:a16="http://schemas.microsoft.com/office/drawing/2014/main" id="{E2D411D6-C028-4F7B-96FB-CC2855017620}"/>
+              </a:ext>
+            </a:extLst>
+          </p:cNvPr>
+          <p:cNvPicPr>
+            <a:picLocks noChangeAspect="1"/>
+          </p:cNvPicPr>
+          <p:nvPr/>
+        </p:nvPicPr>
+        <p:blipFill>
+          <a:blip r:embed="rId3">
+            <a:extLst>
+              <a:ext uri="{28A0092B-C50C-407E-A947-70E740481C1C}">
+                <a14:useLocalDpi xmlns:a14="http://schemas.microsoft.com/office/drawing/2010/main" val="0"/>
+              </a:ext>
+            </a:extLst>
+          </a:blip>
+          <a:srcRect/>
+          <a:stretch/>
+        </p:blipFill>
+        <p:spPr>
+          <a:xfrm>
+            <a:off x="7675990" y="30481"/>
+            <a:ext cx="1490870" cy="1490870"/>
+          </a:xfrm>
+          <a:prstGeom prst="rect">
+            <a:avLst/>
+          </a:prstGeom>
+          <a:ln w="19050">
+            <a:noFill/>
+          </a:ln>
+          <a:effectLst>
+            <a:outerShdw blurRad="63500" sx="104000" sy="104000" algn="ctr" rotWithShape="0">
+              <a:srgbClr val="FFFF00"/>
+            </a:outerShdw>
+          </a:effectLst>
+        </p:spPr>
+      </p:pic>
+      <p:pic>
+        <p:nvPicPr>
+          <p:cNvPr id="3" name="Picture 2">
+            <a:extLst>
+              <a:ext uri="{FF2B5EF4-FFF2-40B4-BE49-F238E27FC236}">
+                <a16:creationId xmlns:a16="http://schemas.microsoft.com/office/drawing/2014/main" id="{D3B27F49-B261-D44D-F0B4-FC06C91BF72C}"/>
+              </a:ext>
+            </a:extLst>
+          </p:cNvPr>
+          <p:cNvPicPr>
+            <a:picLocks noChangeAspect="1"/>
+          </p:cNvPicPr>
+          <p:nvPr/>
+        </p:nvPicPr>
+        <p:blipFill>
+          <a:blip r:embed="rId4">
+            <a:extLst>
+              <a:ext uri="{28A0092B-C50C-407E-A947-70E740481C1C}">
+                <a14:useLocalDpi xmlns:a14="http://schemas.microsoft.com/office/drawing/2010/main" val="0"/>
+              </a:ext>
+            </a:extLst>
+          </a:blip>
+          <a:stretch>
+            <a:fillRect/>
+          </a:stretch>
+        </p:blipFill>
+        <p:spPr>
+          <a:xfrm>
+            <a:off x="2104516" y="760191"/>
+            <a:ext cx="4934967" cy="2775919"/>
+          </a:xfrm>
+          <a:prstGeom prst="rect">
+            <a:avLst/>
+          </a:prstGeom>
+        </p:spPr>
+      </p:pic>
+    </p:spTree>
+    <p:extLst>
+      <p:ext uri="{BB962C8B-B14F-4D97-AF65-F5344CB8AC3E}">
+        <p14:creationId xmlns:p14="http://schemas.microsoft.com/office/powerpoint/2010/main" val="3730852028"/>
+      </p:ext>
+    </p:extLst>
+  </p:cSld>
+  <p:clrMapOvr>
+    <a:masterClrMapping/>
+  </p:clrMapOvr>
+</p:sld>
+</file>
+
+<file path=ppt/slides/slide101.xml><?xml version="1.0" encoding="utf-8"?>
+<p:sld xmlns:a="http://schemas.openxmlformats.org/drawingml/2006/main" xmlns:r="http://schemas.openxmlformats.org/officeDocument/2006/relationships" xmlns:p="http://schemas.openxmlformats.org/presentationml/2006/main">
+  <p:cSld>
+    <p:spTree>
+      <p:nvGrpSpPr>
+        <p:cNvPr id="1" name=""/>
+        <p:cNvGrpSpPr/>
+        <p:nvPr/>
+      </p:nvGrpSpPr>
+      <p:grpSpPr>
+        <a:xfrm>
+          <a:off x="0" y="0"/>
+          <a:ext cx="0" cy="0"/>
+          <a:chOff x="0" y="0"/>
+          <a:chExt cx="0" cy="0"/>
+        </a:xfrm>
+      </p:grpSpPr>
+      <p:sp>
+        <p:nvSpPr>
+          <p:cNvPr id="11" name="TextBox 10">
+            <a:extLst>
+              <a:ext uri="{FF2B5EF4-FFF2-40B4-BE49-F238E27FC236}">
+                <a16:creationId xmlns:a16="http://schemas.microsoft.com/office/drawing/2014/main" id="{49A7B9B6-8455-43BE-8670-E01CE03933DF}"/>
+              </a:ext>
+            </a:extLst>
+          </p:cNvPr>
+          <p:cNvSpPr txBox="1"/>
+          <p:nvPr/>
+        </p:nvSpPr>
+        <p:spPr>
+          <a:xfrm>
             <a:off x="1594262" y="3858413"/>
             <a:ext cx="5955476" cy="1015663"/>
           </a:xfrm>
@@ -13463,7 +13717,7 @@
 </p:sld>
 </file>
 
-<file path=ppt/slides/slide101.xml><?xml version="1.0" encoding="utf-8"?>
+<file path=ppt/slides/slide102.xml><?xml version="1.0" encoding="utf-8"?>
 <p:sld xmlns:a="http://schemas.openxmlformats.org/drawingml/2006/main" xmlns:r="http://schemas.openxmlformats.org/officeDocument/2006/relationships" xmlns:p="http://schemas.openxmlformats.org/presentationml/2006/main">
   <p:cSld>
     <p:spTree>
@@ -13628,7 +13882,7 @@
 </p:sld>
 </file>
 
-<file path=ppt/slides/slide102.xml><?xml version="1.0" encoding="utf-8"?>
+<file path=ppt/slides/slide103.xml><?xml version="1.0" encoding="utf-8"?>
 <p:sld xmlns:a="http://schemas.openxmlformats.org/drawingml/2006/main" xmlns:r="http://schemas.openxmlformats.org/officeDocument/2006/relationships" xmlns:p="http://schemas.openxmlformats.org/presentationml/2006/main">
   <p:cSld>
     <p:spTree>
@@ -13867,7 +14121,7 @@
 </p:sld>
 </file>
 
-<file path=ppt/slides/slide103.xml><?xml version="1.0" encoding="utf-8"?>
+<file path=ppt/slides/slide104.xml><?xml version="1.0" encoding="utf-8"?>
 <p:sld xmlns:a="http://schemas.openxmlformats.org/drawingml/2006/main" xmlns:r="http://schemas.openxmlformats.org/officeDocument/2006/relationships" xmlns:p="http://schemas.openxmlformats.org/presentationml/2006/main">
   <p:cSld>
     <p:spTree>
@@ -14079,7 +14333,7 @@
 </p:sld>
 </file>
 
-<file path=ppt/slides/slide104.xml><?xml version="1.0" encoding="utf-8"?>
+<file path=ppt/slides/slide105.xml><?xml version="1.0" encoding="utf-8"?>
 <p:sld xmlns:a="http://schemas.openxmlformats.org/drawingml/2006/main" xmlns:r="http://schemas.openxmlformats.org/officeDocument/2006/relationships" xmlns:p="http://schemas.openxmlformats.org/presentationml/2006/main">
   <p:cSld>
     <p:spTree>
@@ -14233,7 +14487,7 @@
 </p:sld>
 </file>
 
-<file path=ppt/slides/slide105.xml><?xml version="1.0" encoding="utf-8"?>
+<file path=ppt/slides/slide106.xml><?xml version="1.0" encoding="utf-8"?>
 <p:sld xmlns:a="http://schemas.openxmlformats.org/drawingml/2006/main" xmlns:r="http://schemas.openxmlformats.org/officeDocument/2006/relationships" xmlns:p="http://schemas.openxmlformats.org/presentationml/2006/main">
   <p:cSld>
     <p:spTree>
@@ -14381,7 +14635,7 @@
 </p:sld>
 </file>
 
-<file path=ppt/slides/slide106.xml><?xml version="1.0" encoding="utf-8"?>
+<file path=ppt/slides/slide107.xml><?xml version="1.0" encoding="utf-8"?>
 <p:sld xmlns:a="http://schemas.openxmlformats.org/drawingml/2006/main" xmlns:r="http://schemas.openxmlformats.org/officeDocument/2006/relationships" xmlns:p="http://schemas.openxmlformats.org/presentationml/2006/main">
   <p:cSld>
     <p:spTree>
@@ -14630,7 +14884,7 @@
 </p:sld>
 </file>
 
-<file path=ppt/slides/slide107.xml><?xml version="1.0" encoding="utf-8"?>
+<file path=ppt/slides/slide108.xml><?xml version="1.0" encoding="utf-8"?>
 <p:sld xmlns:a="http://schemas.openxmlformats.org/drawingml/2006/main" xmlns:r="http://schemas.openxmlformats.org/officeDocument/2006/relationships" xmlns:p="http://schemas.openxmlformats.org/presentationml/2006/main">
   <p:cSld>
     <p:spTree>
@@ -46796,7 +47050,7 @@
           <a:lstStyle/>
           <a:p>
             <a:r>
-              <a:rPr lang="vi-VN" sz="6000">
+              <a:rPr lang="en-US" sz="6000" dirty="0">
                 <a:ln w="19050">
                   <a:solidFill>
                     <a:schemeClr val="tx1"/>
@@ -46807,7 +47061,7 @@
                 </a:solidFill>
                 <a:latin typeface="FVF Fernando 08" panose="02000507020000020003" pitchFamily="2" charset="0"/>
               </a:rPr>
-              <a:t>Loot </a:t>
+              <a:t>Item</a:t>
             </a:r>
             <a:r>
               <a:rPr lang="vi-VN" sz="6000" dirty="0">
@@ -46821,7 +47075,7 @@
                 </a:solidFill>
                 <a:latin typeface="FVF Fernando 08" panose="02000507020000020003" pitchFamily="2" charset="0"/>
               </a:rPr>
-              <a:t>Id</a:t>
+              <a:t> Id</a:t>
             </a:r>
             <a:endParaRPr lang="en-US" sz="6000" dirty="0">
               <a:ln w="19050">
@@ -46924,7 +47178,7 @@
     </p:spTree>
     <p:extLst>
       <p:ext uri="{BB962C8B-B14F-4D97-AF65-F5344CB8AC3E}">
-        <p14:creationId xmlns:p14="http://schemas.microsoft.com/office/powerpoint/2010/main" val="1944632821"/>
+        <p14:creationId xmlns:p14="http://schemas.microsoft.com/office/powerpoint/2010/main" val="2225301795"/>
       </p:ext>
     </p:extLst>
   </p:cSld>
@@ -47234,6 +47488,190 @@
         </p:nvSpPr>
         <p:spPr>
           <a:xfrm>
+            <a:off x="2844602" y="3858413"/>
+            <a:ext cx="3454792" cy="1015663"/>
+          </a:xfrm>
+          <a:prstGeom prst="rect">
+            <a:avLst/>
+          </a:prstGeom>
+          <a:noFill/>
+        </p:spPr>
+        <p:txBody>
+          <a:bodyPr wrap="none" rtlCol="0">
+            <a:spAutoFit/>
+          </a:bodyPr>
+          <a:lstStyle/>
+          <a:p>
+            <a:r>
+              <a:rPr lang="vi-VN" sz="6000">
+                <a:ln w="19050">
+                  <a:solidFill>
+                    <a:schemeClr val="tx1"/>
+                  </a:solidFill>
+                </a:ln>
+                <a:solidFill>
+                  <a:srgbClr val="FFFF00"/>
+                </a:solidFill>
+                <a:latin typeface="FVF Fernando 08" panose="02000507020000020003" pitchFamily="2" charset="0"/>
+              </a:rPr>
+              <a:t>Loot </a:t>
+            </a:r>
+            <a:r>
+              <a:rPr lang="vi-VN" sz="6000" dirty="0">
+                <a:ln w="19050">
+                  <a:solidFill>
+                    <a:schemeClr val="tx1"/>
+                  </a:solidFill>
+                </a:ln>
+                <a:solidFill>
+                  <a:srgbClr val="FFFF00"/>
+                </a:solidFill>
+                <a:latin typeface="FVF Fernando 08" panose="02000507020000020003" pitchFamily="2" charset="0"/>
+              </a:rPr>
+              <a:t>Id</a:t>
+            </a:r>
+            <a:endParaRPr lang="en-US" sz="6000" dirty="0">
+              <a:ln w="19050">
+                <a:solidFill>
+                  <a:schemeClr val="tx1"/>
+                </a:solidFill>
+              </a:ln>
+              <a:solidFill>
+                <a:srgbClr val="FFFF00"/>
+              </a:solidFill>
+              <a:latin typeface="FVF Fernando 08" panose="02000507020000020003" pitchFamily="2" charset="0"/>
+            </a:endParaRPr>
+          </a:p>
+        </p:txBody>
+      </p:sp>
+      <p:pic>
+        <p:nvPicPr>
+          <p:cNvPr id="14" name="Picture 13">
+            <a:extLst>
+              <a:ext uri="{FF2B5EF4-FFF2-40B4-BE49-F238E27FC236}">
+                <a16:creationId xmlns:a16="http://schemas.microsoft.com/office/drawing/2014/main" id="{E2D411D6-C028-4F7B-96FB-CC2855017620}"/>
+              </a:ext>
+            </a:extLst>
+          </p:cNvPr>
+          <p:cNvPicPr>
+            <a:picLocks noChangeAspect="1"/>
+          </p:cNvPicPr>
+          <p:nvPr/>
+        </p:nvPicPr>
+        <p:blipFill>
+          <a:blip r:embed="rId3">
+            <a:extLst>
+              <a:ext uri="{28A0092B-C50C-407E-A947-70E740481C1C}">
+                <a14:useLocalDpi xmlns:a14="http://schemas.microsoft.com/office/drawing/2010/main" val="0"/>
+              </a:ext>
+            </a:extLst>
+          </a:blip>
+          <a:srcRect/>
+          <a:stretch/>
+        </p:blipFill>
+        <p:spPr>
+          <a:xfrm>
+            <a:off x="7675990" y="30481"/>
+            <a:ext cx="1490870" cy="1490870"/>
+          </a:xfrm>
+          <a:prstGeom prst="rect">
+            <a:avLst/>
+          </a:prstGeom>
+          <a:ln w="19050">
+            <a:noFill/>
+          </a:ln>
+          <a:effectLst>
+            <a:outerShdw blurRad="63500" sx="104000" sy="104000" algn="ctr" rotWithShape="0">
+              <a:srgbClr val="FFFF00"/>
+            </a:outerShdw>
+          </a:effectLst>
+        </p:spPr>
+      </p:pic>
+      <p:pic>
+        <p:nvPicPr>
+          <p:cNvPr id="3" name="Picture 2">
+            <a:extLst>
+              <a:ext uri="{FF2B5EF4-FFF2-40B4-BE49-F238E27FC236}">
+                <a16:creationId xmlns:a16="http://schemas.microsoft.com/office/drawing/2014/main" id="{5BA2E600-ACA3-41D4-AE81-59539181FF36}"/>
+              </a:ext>
+            </a:extLst>
+          </p:cNvPr>
+          <p:cNvPicPr>
+            <a:picLocks noChangeAspect="1"/>
+          </p:cNvPicPr>
+          <p:nvPr/>
+        </p:nvPicPr>
+        <p:blipFill>
+          <a:blip r:embed="rId4">
+            <a:extLst>
+              <a:ext uri="{28A0092B-C50C-407E-A947-70E740481C1C}">
+                <a14:useLocalDpi xmlns:a14="http://schemas.microsoft.com/office/drawing/2010/main" val="0"/>
+              </a:ext>
+            </a:extLst>
+          </a:blip>
+          <a:stretch>
+            <a:fillRect/>
+          </a:stretch>
+        </p:blipFill>
+        <p:spPr>
+          <a:xfrm>
+            <a:off x="3025669" y="1513735"/>
+            <a:ext cx="3092659" cy="2116030"/>
+          </a:xfrm>
+          <a:prstGeom prst="rect">
+            <a:avLst/>
+          </a:prstGeom>
+          <a:effectLst>
+            <a:glow rad="63500">
+              <a:srgbClr val="FFC000"/>
+            </a:glow>
+          </a:effectLst>
+        </p:spPr>
+      </p:pic>
+    </p:spTree>
+    <p:extLst>
+      <p:ext uri="{BB962C8B-B14F-4D97-AF65-F5344CB8AC3E}">
+        <p14:creationId xmlns:p14="http://schemas.microsoft.com/office/powerpoint/2010/main" val="1944632821"/>
+      </p:ext>
+    </p:extLst>
+  </p:cSld>
+  <p:clrMapOvr>
+    <a:masterClrMapping/>
+  </p:clrMapOvr>
+</p:sld>
+</file>
+
+<file path=ppt/slides/slide91.xml><?xml version="1.0" encoding="utf-8"?>
+<p:sld xmlns:a="http://schemas.openxmlformats.org/drawingml/2006/main" xmlns:r="http://schemas.openxmlformats.org/officeDocument/2006/relationships" xmlns:p="http://schemas.openxmlformats.org/presentationml/2006/main">
+  <p:cSld>
+    <p:spTree>
+      <p:nvGrpSpPr>
+        <p:cNvPr id="1" name=""/>
+        <p:cNvGrpSpPr/>
+        <p:nvPr/>
+      </p:nvGrpSpPr>
+      <p:grpSpPr>
+        <a:xfrm>
+          <a:off x="0" y="0"/>
+          <a:ext cx="0" cy="0"/>
+          <a:chOff x="0" y="0"/>
+          <a:chExt cx="0" cy="0"/>
+        </a:xfrm>
+      </p:grpSpPr>
+      <p:sp>
+        <p:nvSpPr>
+          <p:cNvPr id="11" name="TextBox 10">
+            <a:extLst>
+              <a:ext uri="{FF2B5EF4-FFF2-40B4-BE49-F238E27FC236}">
+                <a16:creationId xmlns:a16="http://schemas.microsoft.com/office/drawing/2014/main" id="{49A7B9B6-8455-43BE-8670-E01CE03933DF}"/>
+              </a:ext>
+            </a:extLst>
+          </p:cNvPr>
+          <p:cNvSpPr txBox="1"/>
+          <p:nvPr/>
+        </p:nvSpPr>
+        <p:spPr>
+          <a:xfrm>
             <a:off x="2075160" y="3858413"/>
             <a:ext cx="4993675" cy="1015663"/>
           </a:xfrm>
@@ -47373,7 +47811,7 @@
 </p:sld>
 </file>
 
-<file path=ppt/slides/slide91.xml><?xml version="1.0" encoding="utf-8"?>
+<file path=ppt/slides/slide92.xml><?xml version="1.0" encoding="utf-8"?>
 <p:sld xmlns:a="http://schemas.openxmlformats.org/drawingml/2006/main" xmlns:r="http://schemas.openxmlformats.org/officeDocument/2006/relationships" xmlns:p="http://schemas.openxmlformats.org/presentationml/2006/main">
   <p:cSld>
     <p:spTree>
@@ -47543,7 +47981,7 @@
 </p:sld>
 </file>
 
-<file path=ppt/slides/slide92.xml><?xml version="1.0" encoding="utf-8"?>
+<file path=ppt/slides/slide93.xml><?xml version="1.0" encoding="utf-8"?>
 <p:sld xmlns:a="http://schemas.openxmlformats.org/drawingml/2006/main" xmlns:r="http://schemas.openxmlformats.org/officeDocument/2006/relationships" xmlns:p="http://schemas.openxmlformats.org/presentationml/2006/main">
   <p:cSld>
     <p:spTree>
@@ -47727,7 +48165,7 @@
 </p:sld>
 </file>
 
-<file path=ppt/slides/slide93.xml><?xml version="1.0" encoding="utf-8"?>
+<file path=ppt/slides/slide94.xml><?xml version="1.0" encoding="utf-8"?>
 <p:sld xmlns:a="http://schemas.openxmlformats.org/drawingml/2006/main" xmlns:r="http://schemas.openxmlformats.org/officeDocument/2006/relationships" xmlns:p="http://schemas.openxmlformats.org/presentationml/2006/main">
   <p:cSld>
     <p:spTree>
@@ -47897,7 +48335,7 @@
 </p:sld>
 </file>
 
-<file path=ppt/slides/slide94.xml><?xml version="1.0" encoding="utf-8"?>
+<file path=ppt/slides/slide95.xml><?xml version="1.0" encoding="utf-8"?>
 <p:sld xmlns:a="http://schemas.openxmlformats.org/drawingml/2006/main" xmlns:r="http://schemas.openxmlformats.org/officeDocument/2006/relationships" xmlns:p="http://schemas.openxmlformats.org/presentationml/2006/main">
   <p:cSld>
     <p:spTree>
@@ -48067,7 +48505,7 @@
 </p:sld>
 </file>
 
-<file path=ppt/slides/slide95.xml><?xml version="1.0" encoding="utf-8"?>
+<file path=ppt/slides/slide96.xml><?xml version="1.0" encoding="utf-8"?>
 <p:sld xmlns:a="http://schemas.openxmlformats.org/drawingml/2006/main" xmlns:r="http://schemas.openxmlformats.org/officeDocument/2006/relationships" xmlns:p="http://schemas.openxmlformats.org/presentationml/2006/main">
   <p:cSld>
     <p:spTree>
@@ -48237,7 +48675,7 @@
 </p:sld>
 </file>
 
-<file path=ppt/slides/slide96.xml><?xml version="1.0" encoding="utf-8"?>
+<file path=ppt/slides/slide97.xml><?xml version="1.0" encoding="utf-8"?>
 <p:sld xmlns:a="http://schemas.openxmlformats.org/drawingml/2006/main" xmlns:r="http://schemas.openxmlformats.org/officeDocument/2006/relationships" xmlns:p="http://schemas.openxmlformats.org/presentationml/2006/main">
   <p:cSld>
     <p:spTree>
@@ -48422,7 +48860,7 @@
 </p:sld>
 </file>
 
-<file path=ppt/slides/slide97.xml><?xml version="1.0" encoding="utf-8"?>
+<file path=ppt/slides/slide98.xml><?xml version="1.0" encoding="utf-8"?>
 <p:sld xmlns:a="http://schemas.openxmlformats.org/drawingml/2006/main" xmlns:r="http://schemas.openxmlformats.org/officeDocument/2006/relationships" xmlns:p="http://schemas.openxmlformats.org/presentationml/2006/main">
   <p:cSld>
     <p:spTree>
@@ -48607,7 +49045,7 @@
 </p:sld>
 </file>
 
-<file path=ppt/slides/slide98.xml><?xml version="1.0" encoding="utf-8"?>
+<file path=ppt/slides/slide99.xml><?xml version="1.0" encoding="utf-8"?>
 <p:sld xmlns:a="http://schemas.openxmlformats.org/drawingml/2006/main" xmlns:r="http://schemas.openxmlformats.org/officeDocument/2006/relationships" xmlns:p="http://schemas.openxmlformats.org/presentationml/2006/main">
   <p:cSld>
     <p:spTree>
@@ -48868,171 +49306,6 @@
     <p:extLst>
       <p:ext uri="{BB962C8B-B14F-4D97-AF65-F5344CB8AC3E}">
         <p14:creationId xmlns:p14="http://schemas.microsoft.com/office/powerpoint/2010/main" val="226282209"/>
-      </p:ext>
-    </p:extLst>
-  </p:cSld>
-  <p:clrMapOvr>
-    <a:masterClrMapping/>
-  </p:clrMapOvr>
-</p:sld>
-</file>
-
-<file path=ppt/slides/slide99.xml><?xml version="1.0" encoding="utf-8"?>
-<p:sld xmlns:a="http://schemas.openxmlformats.org/drawingml/2006/main" xmlns:r="http://schemas.openxmlformats.org/officeDocument/2006/relationships" xmlns:p="http://schemas.openxmlformats.org/presentationml/2006/main">
-  <p:cSld>
-    <p:spTree>
-      <p:nvGrpSpPr>
-        <p:cNvPr id="1" name=""/>
-        <p:cNvGrpSpPr/>
-        <p:nvPr/>
-      </p:nvGrpSpPr>
-      <p:grpSpPr>
-        <a:xfrm>
-          <a:off x="0" y="0"/>
-          <a:ext cx="0" cy="0"/>
-          <a:chOff x="0" y="0"/>
-          <a:chExt cx="0" cy="0"/>
-        </a:xfrm>
-      </p:grpSpPr>
-      <p:sp>
-        <p:nvSpPr>
-          <p:cNvPr id="11" name="TextBox 10">
-            <a:extLst>
-              <a:ext uri="{FF2B5EF4-FFF2-40B4-BE49-F238E27FC236}">
-                <a16:creationId xmlns:a16="http://schemas.microsoft.com/office/drawing/2014/main" id="{49A7B9B6-8455-43BE-8670-E01CE03933DF}"/>
-              </a:ext>
-            </a:extLst>
-          </p:cNvPr>
-          <p:cNvSpPr txBox="1"/>
-          <p:nvPr/>
-        </p:nvSpPr>
-        <p:spPr>
-          <a:xfrm>
-            <a:off x="3527483" y="4016867"/>
-            <a:ext cx="2089033" cy="923330"/>
-          </a:xfrm>
-          <a:prstGeom prst="rect">
-            <a:avLst/>
-          </a:prstGeom>
-          <a:noFill/>
-        </p:spPr>
-        <p:txBody>
-          <a:bodyPr wrap="none" rtlCol="0">
-            <a:spAutoFit/>
-          </a:bodyPr>
-          <a:lstStyle/>
-          <a:p>
-            <a:r>
-              <a:rPr lang="vi-VN" sz="5400">
-                <a:ln w="19050">
-                  <a:solidFill>
-                    <a:schemeClr val="tx1"/>
-                  </a:solidFill>
-                </a:ln>
-                <a:solidFill>
-                  <a:srgbClr val="FFFF00"/>
-                </a:solidFill>
-                <a:latin typeface="FVF Fernando 08" panose="02000507020000020003" pitchFamily="2" charset="0"/>
-              </a:rPr>
-              <a:t>NPC</a:t>
-            </a:r>
-            <a:endParaRPr lang="en-US" sz="5400" dirty="0">
-              <a:ln w="19050">
-                <a:solidFill>
-                  <a:schemeClr val="tx1"/>
-                </a:solidFill>
-              </a:ln>
-              <a:solidFill>
-                <a:srgbClr val="FFFF00"/>
-              </a:solidFill>
-              <a:latin typeface="FVF Fernando 08" panose="02000507020000020003" pitchFamily="2" charset="0"/>
-            </a:endParaRPr>
-          </a:p>
-        </p:txBody>
-      </p:sp>
-      <p:pic>
-        <p:nvPicPr>
-          <p:cNvPr id="14" name="Picture 13">
-            <a:extLst>
-              <a:ext uri="{FF2B5EF4-FFF2-40B4-BE49-F238E27FC236}">
-                <a16:creationId xmlns:a16="http://schemas.microsoft.com/office/drawing/2014/main" id="{E2D411D6-C028-4F7B-96FB-CC2855017620}"/>
-              </a:ext>
-            </a:extLst>
-          </p:cNvPr>
-          <p:cNvPicPr>
-            <a:picLocks noChangeAspect="1"/>
-          </p:cNvPicPr>
-          <p:nvPr/>
-        </p:nvPicPr>
-        <p:blipFill>
-          <a:blip r:embed="rId3">
-            <a:extLst>
-              <a:ext uri="{28A0092B-C50C-407E-A947-70E740481C1C}">
-                <a14:useLocalDpi xmlns:a14="http://schemas.microsoft.com/office/drawing/2010/main" val="0"/>
-              </a:ext>
-            </a:extLst>
-          </a:blip>
-          <a:srcRect/>
-          <a:stretch/>
-        </p:blipFill>
-        <p:spPr>
-          <a:xfrm>
-            <a:off x="7675990" y="30481"/>
-            <a:ext cx="1490870" cy="1490870"/>
-          </a:xfrm>
-          <a:prstGeom prst="rect">
-            <a:avLst/>
-          </a:prstGeom>
-          <a:ln w="19050">
-            <a:noFill/>
-          </a:ln>
-          <a:effectLst>
-            <a:outerShdw blurRad="63500" sx="104000" sy="104000" algn="ctr" rotWithShape="0">
-              <a:srgbClr val="FFFF00"/>
-            </a:outerShdw>
-          </a:effectLst>
-        </p:spPr>
-      </p:pic>
-      <p:pic>
-        <p:nvPicPr>
-          <p:cNvPr id="3" name="Picture 2">
-            <a:extLst>
-              <a:ext uri="{FF2B5EF4-FFF2-40B4-BE49-F238E27FC236}">
-                <a16:creationId xmlns:a16="http://schemas.microsoft.com/office/drawing/2014/main" id="{D3B27F49-B261-D44D-F0B4-FC06C91BF72C}"/>
-              </a:ext>
-            </a:extLst>
-          </p:cNvPr>
-          <p:cNvPicPr>
-            <a:picLocks noChangeAspect="1"/>
-          </p:cNvPicPr>
-          <p:nvPr/>
-        </p:nvPicPr>
-        <p:blipFill>
-          <a:blip r:embed="rId4">
-            <a:extLst>
-              <a:ext uri="{28A0092B-C50C-407E-A947-70E740481C1C}">
-                <a14:useLocalDpi xmlns:a14="http://schemas.microsoft.com/office/drawing/2010/main" val="0"/>
-              </a:ext>
-            </a:extLst>
-          </a:blip>
-          <a:stretch>
-            <a:fillRect/>
-          </a:stretch>
-        </p:blipFill>
-        <p:spPr>
-          <a:xfrm>
-            <a:off x="2104516" y="760191"/>
-            <a:ext cx="4934967" cy="2775919"/>
-          </a:xfrm>
-          <a:prstGeom prst="rect">
-            <a:avLst/>
-          </a:prstGeom>
-        </p:spPr>
-      </p:pic>
-    </p:spTree>
-    <p:extLst>
-      <p:ext uri="{BB962C8B-B14F-4D97-AF65-F5344CB8AC3E}">
-        <p14:creationId xmlns:p14="http://schemas.microsoft.com/office/powerpoint/2010/main" val="3730852028"/>
       </p:ext>
     </p:extLst>
   </p:cSld>

--- a/assets/media/thumbnail/template.pptx
+++ b/assets/media/thumbnail/template.pptx
@@ -5,7 +5,7 @@
     <p:sldMasterId id="2147483660" r:id="rId1"/>
   </p:sldMasterIdLst>
   <p:notesMasterIdLst>
-    <p:notesMasterId r:id="rId110"/>
+    <p:notesMasterId r:id="rId111"/>
   </p:notesMasterIdLst>
   <p:sldIdLst>
     <p:sldId id="259" r:id="rId2"/>
@@ -87,35 +87,36 @@
     <p:sldId id="331" r:id="rId78"/>
     <p:sldId id="335" r:id="rId79"/>
     <p:sldId id="364" r:id="rId80"/>
-    <p:sldId id="336" r:id="rId81"/>
-    <p:sldId id="337" r:id="rId82"/>
-    <p:sldId id="363" r:id="rId83"/>
-    <p:sldId id="338" r:id="rId84"/>
-    <p:sldId id="340" r:id="rId85"/>
-    <p:sldId id="341" r:id="rId86"/>
-    <p:sldId id="339" r:id="rId87"/>
-    <p:sldId id="347" r:id="rId88"/>
-    <p:sldId id="342" r:id="rId89"/>
-    <p:sldId id="367" r:id="rId90"/>
-    <p:sldId id="348" r:id="rId91"/>
-    <p:sldId id="343" r:id="rId92"/>
-    <p:sldId id="344" r:id="rId93"/>
-    <p:sldId id="356" r:id="rId94"/>
-    <p:sldId id="345" r:id="rId95"/>
-    <p:sldId id="346" r:id="rId96"/>
-    <p:sldId id="358" r:id="rId97"/>
-    <p:sldId id="353" r:id="rId98"/>
-    <p:sldId id="351" r:id="rId99"/>
-    <p:sldId id="352" r:id="rId100"/>
-    <p:sldId id="361" r:id="rId101"/>
-    <p:sldId id="354" r:id="rId102"/>
-    <p:sldId id="355" r:id="rId103"/>
-    <p:sldId id="357" r:id="rId104"/>
-    <p:sldId id="360" r:id="rId105"/>
-    <p:sldId id="349" r:id="rId106"/>
-    <p:sldId id="350" r:id="rId107"/>
-    <p:sldId id="366" r:id="rId108"/>
-    <p:sldId id="332" r:id="rId109"/>
+    <p:sldId id="368" r:id="rId81"/>
+    <p:sldId id="336" r:id="rId82"/>
+    <p:sldId id="337" r:id="rId83"/>
+    <p:sldId id="363" r:id="rId84"/>
+    <p:sldId id="338" r:id="rId85"/>
+    <p:sldId id="340" r:id="rId86"/>
+    <p:sldId id="341" r:id="rId87"/>
+    <p:sldId id="339" r:id="rId88"/>
+    <p:sldId id="347" r:id="rId89"/>
+    <p:sldId id="342" r:id="rId90"/>
+    <p:sldId id="367" r:id="rId91"/>
+    <p:sldId id="348" r:id="rId92"/>
+    <p:sldId id="343" r:id="rId93"/>
+    <p:sldId id="344" r:id="rId94"/>
+    <p:sldId id="356" r:id="rId95"/>
+    <p:sldId id="345" r:id="rId96"/>
+    <p:sldId id="346" r:id="rId97"/>
+    <p:sldId id="358" r:id="rId98"/>
+    <p:sldId id="353" r:id="rId99"/>
+    <p:sldId id="351" r:id="rId100"/>
+    <p:sldId id="352" r:id="rId101"/>
+    <p:sldId id="361" r:id="rId102"/>
+    <p:sldId id="354" r:id="rId103"/>
+    <p:sldId id="355" r:id="rId104"/>
+    <p:sldId id="357" r:id="rId105"/>
+    <p:sldId id="360" r:id="rId106"/>
+    <p:sldId id="349" r:id="rId107"/>
+    <p:sldId id="350" r:id="rId108"/>
+    <p:sldId id="366" r:id="rId109"/>
+    <p:sldId id="332" r:id="rId110"/>
   </p:sldIdLst>
   <p:sldSz cx="9144000" cy="5143500" type="screen16x9"/>
   <p:notesSz cx="6858000" cy="9144000"/>
@@ -302,6 +303,7 @@
           <p14:sldIdLst>
             <p14:sldId id="335"/>
             <p14:sldId id="364"/>
+            <p14:sldId id="368"/>
             <p14:sldId id="336"/>
             <p14:sldId id="337"/>
             <p14:sldId id="363"/>
@@ -967,7 +969,7 @@
     </p:spTree>
     <p:extLst>
       <p:ext uri="{BB962C8B-B14F-4D97-AF65-F5344CB8AC3E}">
-        <p14:creationId xmlns:p14="http://schemas.microsoft.com/office/powerpoint/2010/main" val="273468379"/>
+        <p14:creationId xmlns:p14="http://schemas.microsoft.com/office/powerpoint/2010/main" val="880678517"/>
       </p:ext>
     </p:extLst>
   </p:cSld>
@@ -1051,7 +1053,7 @@
     </p:spTree>
     <p:extLst>
       <p:ext uri="{BB962C8B-B14F-4D97-AF65-F5344CB8AC3E}">
-        <p14:creationId xmlns:p14="http://schemas.microsoft.com/office/powerpoint/2010/main" val="232954569"/>
+        <p14:creationId xmlns:p14="http://schemas.microsoft.com/office/powerpoint/2010/main" val="273468379"/>
       </p:ext>
     </p:extLst>
   </p:cSld>
@@ -1135,7 +1137,7 @@
     </p:spTree>
     <p:extLst>
       <p:ext uri="{BB962C8B-B14F-4D97-AF65-F5344CB8AC3E}">
-        <p14:creationId xmlns:p14="http://schemas.microsoft.com/office/powerpoint/2010/main" val="3301698305"/>
+        <p14:creationId xmlns:p14="http://schemas.microsoft.com/office/powerpoint/2010/main" val="232954569"/>
       </p:ext>
     </p:extLst>
   </p:cSld>
@@ -1219,7 +1221,7 @@
     </p:spTree>
     <p:extLst>
       <p:ext uri="{BB962C8B-B14F-4D97-AF65-F5344CB8AC3E}">
-        <p14:creationId xmlns:p14="http://schemas.microsoft.com/office/powerpoint/2010/main" val="397470668"/>
+        <p14:creationId xmlns:p14="http://schemas.microsoft.com/office/powerpoint/2010/main" val="3301698305"/>
       </p:ext>
     </p:extLst>
   </p:cSld>
@@ -1303,7 +1305,7 @@
     </p:spTree>
     <p:extLst>
       <p:ext uri="{BB962C8B-B14F-4D97-AF65-F5344CB8AC3E}">
-        <p14:creationId xmlns:p14="http://schemas.microsoft.com/office/powerpoint/2010/main" val="2823396353"/>
+        <p14:creationId xmlns:p14="http://schemas.microsoft.com/office/powerpoint/2010/main" val="397470668"/>
       </p:ext>
     </p:extLst>
   </p:cSld>
@@ -1387,7 +1389,7 @@
     </p:spTree>
     <p:extLst>
       <p:ext uri="{BB962C8B-B14F-4D97-AF65-F5344CB8AC3E}">
-        <p14:creationId xmlns:p14="http://schemas.microsoft.com/office/powerpoint/2010/main" val="418430412"/>
+        <p14:creationId xmlns:p14="http://schemas.microsoft.com/office/powerpoint/2010/main" val="2823396353"/>
       </p:ext>
     </p:extLst>
   </p:cSld>
@@ -1471,7 +1473,7 @@
     </p:spTree>
     <p:extLst>
       <p:ext uri="{BB962C8B-B14F-4D97-AF65-F5344CB8AC3E}">
-        <p14:creationId xmlns:p14="http://schemas.microsoft.com/office/powerpoint/2010/main" val="2087517936"/>
+        <p14:creationId xmlns:p14="http://schemas.microsoft.com/office/powerpoint/2010/main" val="418430412"/>
       </p:ext>
     </p:extLst>
   </p:cSld>
@@ -1555,7 +1557,7 @@
     </p:spTree>
     <p:extLst>
       <p:ext uri="{BB962C8B-B14F-4D97-AF65-F5344CB8AC3E}">
-        <p14:creationId xmlns:p14="http://schemas.microsoft.com/office/powerpoint/2010/main" val="188503816"/>
+        <p14:creationId xmlns:p14="http://schemas.microsoft.com/office/powerpoint/2010/main" val="2087517936"/>
       </p:ext>
     </p:extLst>
   </p:cSld>
@@ -1631,6 +1633,90 @@
             <a:fld id="{BF1434EF-918F-4A4D-98D1-563F3F7CA387}" type="slidenum">
               <a:rPr lang="en-US" smtClean="0"/>
               <a:t>108</a:t>
+            </a:fld>
+            <a:endParaRPr lang="en-US" dirty="0"/>
+          </a:p>
+        </p:txBody>
+      </p:sp>
+    </p:spTree>
+    <p:extLst>
+      <p:ext uri="{BB962C8B-B14F-4D97-AF65-F5344CB8AC3E}">
+        <p14:creationId xmlns:p14="http://schemas.microsoft.com/office/powerpoint/2010/main" val="188503816"/>
+      </p:ext>
+    </p:extLst>
+  </p:cSld>
+  <p:clrMapOvr>
+    <a:masterClrMapping/>
+  </p:clrMapOvr>
+</p:notes>
+</file>
+
+<file path=ppt/notesSlides/notesSlide109.xml><?xml version="1.0" encoding="utf-8"?>
+<p:notes xmlns:a="http://schemas.openxmlformats.org/drawingml/2006/main" xmlns:r="http://schemas.openxmlformats.org/officeDocument/2006/relationships" xmlns:p="http://schemas.openxmlformats.org/presentationml/2006/main">
+  <p:cSld>
+    <p:spTree>
+      <p:nvGrpSpPr>
+        <p:cNvPr id="1" name=""/>
+        <p:cNvGrpSpPr/>
+        <p:nvPr/>
+      </p:nvGrpSpPr>
+      <p:grpSpPr>
+        <a:xfrm>
+          <a:off x="0" y="0"/>
+          <a:ext cx="0" cy="0"/>
+          <a:chOff x="0" y="0"/>
+          <a:chExt cx="0" cy="0"/>
+        </a:xfrm>
+      </p:grpSpPr>
+      <p:sp>
+        <p:nvSpPr>
+          <p:cNvPr id="2" name="Slide Image Placeholder 1"/>
+          <p:cNvSpPr>
+            <a:spLocks noGrp="1" noRot="1" noChangeAspect="1"/>
+          </p:cNvSpPr>
+          <p:nvPr>
+            <p:ph type="sldImg"/>
+          </p:nvPr>
+        </p:nvSpPr>
+        <p:spPr/>
+      </p:sp>
+      <p:sp>
+        <p:nvSpPr>
+          <p:cNvPr id="3" name="Notes Placeholder 2"/>
+          <p:cNvSpPr>
+            <a:spLocks noGrp="1"/>
+          </p:cNvSpPr>
+          <p:nvPr>
+            <p:ph type="body" idx="1"/>
+          </p:nvPr>
+        </p:nvSpPr>
+        <p:spPr/>
+        <p:txBody>
+          <a:bodyPr/>
+          <a:lstStyle/>
+          <a:p>
+            <a:endParaRPr lang="vi-VN" dirty="0"/>
+          </a:p>
+        </p:txBody>
+      </p:sp>
+      <p:sp>
+        <p:nvSpPr>
+          <p:cNvPr id="4" name="Slide Number Placeholder 3"/>
+          <p:cNvSpPr>
+            <a:spLocks noGrp="1"/>
+          </p:cNvSpPr>
+          <p:nvPr>
+            <p:ph type="sldNum" sz="quarter" idx="5"/>
+          </p:nvPr>
+        </p:nvSpPr>
+        <p:spPr/>
+        <p:txBody>
+          <a:bodyPr/>
+          <a:lstStyle/>
+          <a:p>
+            <a:fld id="{BF1434EF-918F-4A4D-98D1-563F3F7CA387}" type="slidenum">
+              <a:rPr lang="en-US" smtClean="0"/>
+              <a:t>109</a:t>
             </a:fld>
             <a:endParaRPr lang="en-US" dirty="0"/>
           </a:p>
@@ -8338,7 +8424,7 @@
     </p:spTree>
     <p:extLst>
       <p:ext uri="{BB962C8B-B14F-4D97-AF65-F5344CB8AC3E}">
-        <p14:creationId xmlns:p14="http://schemas.microsoft.com/office/powerpoint/2010/main" val="700827759"/>
+        <p14:creationId xmlns:p14="http://schemas.microsoft.com/office/powerpoint/2010/main" val="692379215"/>
       </p:ext>
     </p:extLst>
   </p:cSld>
@@ -8425,7 +8511,7 @@
     </p:spTree>
     <p:extLst>
       <p:ext uri="{BB962C8B-B14F-4D97-AF65-F5344CB8AC3E}">
-        <p14:creationId xmlns:p14="http://schemas.microsoft.com/office/powerpoint/2010/main" val="3386018326"/>
+        <p14:creationId xmlns:p14="http://schemas.microsoft.com/office/powerpoint/2010/main" val="700827759"/>
       </p:ext>
     </p:extLst>
   </p:cSld>
@@ -8512,7 +8598,7 @@
     </p:spTree>
     <p:extLst>
       <p:ext uri="{BB962C8B-B14F-4D97-AF65-F5344CB8AC3E}">
-        <p14:creationId xmlns:p14="http://schemas.microsoft.com/office/powerpoint/2010/main" val="1146554716"/>
+        <p14:creationId xmlns:p14="http://schemas.microsoft.com/office/powerpoint/2010/main" val="3386018326"/>
       </p:ext>
     </p:extLst>
   </p:cSld>
@@ -8599,7 +8685,7 @@
     </p:spTree>
     <p:extLst>
       <p:ext uri="{BB962C8B-B14F-4D97-AF65-F5344CB8AC3E}">
-        <p14:creationId xmlns:p14="http://schemas.microsoft.com/office/powerpoint/2010/main" val="4160672596"/>
+        <p14:creationId xmlns:p14="http://schemas.microsoft.com/office/powerpoint/2010/main" val="1146554716"/>
       </p:ext>
     </p:extLst>
   </p:cSld>
@@ -8686,7 +8772,7 @@
     </p:spTree>
     <p:extLst>
       <p:ext uri="{BB962C8B-B14F-4D97-AF65-F5344CB8AC3E}">
-        <p14:creationId xmlns:p14="http://schemas.microsoft.com/office/powerpoint/2010/main" val="3393828665"/>
+        <p14:creationId xmlns:p14="http://schemas.microsoft.com/office/powerpoint/2010/main" val="4160672596"/>
       </p:ext>
     </p:extLst>
   </p:cSld>
@@ -8773,7 +8859,7 @@
     </p:spTree>
     <p:extLst>
       <p:ext uri="{BB962C8B-B14F-4D97-AF65-F5344CB8AC3E}">
-        <p14:creationId xmlns:p14="http://schemas.microsoft.com/office/powerpoint/2010/main" val="990587759"/>
+        <p14:creationId xmlns:p14="http://schemas.microsoft.com/office/powerpoint/2010/main" val="3393828665"/>
       </p:ext>
     </p:extLst>
   </p:cSld>
@@ -8860,7 +8946,7 @@
     </p:spTree>
     <p:extLst>
       <p:ext uri="{BB962C8B-B14F-4D97-AF65-F5344CB8AC3E}">
-        <p14:creationId xmlns:p14="http://schemas.microsoft.com/office/powerpoint/2010/main" val="4172828660"/>
+        <p14:creationId xmlns:p14="http://schemas.microsoft.com/office/powerpoint/2010/main" val="990587759"/>
       </p:ext>
     </p:extLst>
   </p:cSld>
@@ -8947,7 +9033,7 @@
     </p:spTree>
     <p:extLst>
       <p:ext uri="{BB962C8B-B14F-4D97-AF65-F5344CB8AC3E}">
-        <p14:creationId xmlns:p14="http://schemas.microsoft.com/office/powerpoint/2010/main" val="3603436678"/>
+        <p14:creationId xmlns:p14="http://schemas.microsoft.com/office/powerpoint/2010/main" val="4172828660"/>
       </p:ext>
     </p:extLst>
   </p:cSld>
@@ -9034,7 +9120,7 @@
     </p:spTree>
     <p:extLst>
       <p:ext uri="{BB962C8B-B14F-4D97-AF65-F5344CB8AC3E}">
-        <p14:creationId xmlns:p14="http://schemas.microsoft.com/office/powerpoint/2010/main" val="516383350"/>
+        <p14:creationId xmlns:p14="http://schemas.microsoft.com/office/powerpoint/2010/main" val="3603436678"/>
       </p:ext>
     </p:extLst>
   </p:cSld>
@@ -9121,7 +9207,7 @@
     </p:spTree>
     <p:extLst>
       <p:ext uri="{BB962C8B-B14F-4D97-AF65-F5344CB8AC3E}">
-        <p14:creationId xmlns:p14="http://schemas.microsoft.com/office/powerpoint/2010/main" val="3652361467"/>
+        <p14:creationId xmlns:p14="http://schemas.microsoft.com/office/powerpoint/2010/main" val="516383350"/>
       </p:ext>
     </p:extLst>
   </p:cSld>
@@ -9295,7 +9381,7 @@
     </p:spTree>
     <p:extLst>
       <p:ext uri="{BB962C8B-B14F-4D97-AF65-F5344CB8AC3E}">
-        <p14:creationId xmlns:p14="http://schemas.microsoft.com/office/powerpoint/2010/main" val="4228443951"/>
+        <p14:creationId xmlns:p14="http://schemas.microsoft.com/office/powerpoint/2010/main" val="3652361467"/>
       </p:ext>
     </p:extLst>
   </p:cSld>
@@ -9382,7 +9468,7 @@
     </p:spTree>
     <p:extLst>
       <p:ext uri="{BB962C8B-B14F-4D97-AF65-F5344CB8AC3E}">
-        <p14:creationId xmlns:p14="http://schemas.microsoft.com/office/powerpoint/2010/main" val="1964088912"/>
+        <p14:creationId xmlns:p14="http://schemas.microsoft.com/office/powerpoint/2010/main" val="4228443951"/>
       </p:ext>
     </p:extLst>
   </p:cSld>
@@ -9469,7 +9555,7 @@
     </p:spTree>
     <p:extLst>
       <p:ext uri="{BB962C8B-B14F-4D97-AF65-F5344CB8AC3E}">
-        <p14:creationId xmlns:p14="http://schemas.microsoft.com/office/powerpoint/2010/main" val="2947646057"/>
+        <p14:creationId xmlns:p14="http://schemas.microsoft.com/office/powerpoint/2010/main" val="1964088912"/>
       </p:ext>
     </p:extLst>
   </p:cSld>
@@ -9556,7 +9642,7 @@
     </p:spTree>
     <p:extLst>
       <p:ext uri="{BB962C8B-B14F-4D97-AF65-F5344CB8AC3E}">
-        <p14:creationId xmlns:p14="http://schemas.microsoft.com/office/powerpoint/2010/main" val="3497460052"/>
+        <p14:creationId xmlns:p14="http://schemas.microsoft.com/office/powerpoint/2010/main" val="2947646057"/>
       </p:ext>
     </p:extLst>
   </p:cSld>
@@ -9643,7 +9729,7 @@
     </p:spTree>
     <p:extLst>
       <p:ext uri="{BB962C8B-B14F-4D97-AF65-F5344CB8AC3E}">
-        <p14:creationId xmlns:p14="http://schemas.microsoft.com/office/powerpoint/2010/main" val="3971005304"/>
+        <p14:creationId xmlns:p14="http://schemas.microsoft.com/office/powerpoint/2010/main" val="3497460052"/>
       </p:ext>
     </p:extLst>
   </p:cSld>
@@ -9730,7 +9816,7 @@
     </p:spTree>
     <p:extLst>
       <p:ext uri="{BB962C8B-B14F-4D97-AF65-F5344CB8AC3E}">
-        <p14:creationId xmlns:p14="http://schemas.microsoft.com/office/powerpoint/2010/main" val="927399378"/>
+        <p14:creationId xmlns:p14="http://schemas.microsoft.com/office/powerpoint/2010/main" val="3971005304"/>
       </p:ext>
     </p:extLst>
   </p:cSld>
@@ -9817,7 +9903,7 @@
     </p:spTree>
     <p:extLst>
       <p:ext uri="{BB962C8B-B14F-4D97-AF65-F5344CB8AC3E}">
-        <p14:creationId xmlns:p14="http://schemas.microsoft.com/office/powerpoint/2010/main" val="4263109715"/>
+        <p14:creationId xmlns:p14="http://schemas.microsoft.com/office/powerpoint/2010/main" val="927399378"/>
       </p:ext>
     </p:extLst>
   </p:cSld>
@@ -9871,7 +9957,10 @@
           <a:bodyPr/>
           <a:lstStyle/>
           <a:p>
-            <a:endParaRPr lang="vi-VN" dirty="0"/>
+            <a:r>
+              <a:rPr lang="vi-VN" dirty="0"/>
+              <a:t>/?</a:t>
+            </a:r>
           </a:p>
         </p:txBody>
       </p:sp>
@@ -9901,7 +9990,7 @@
     </p:spTree>
     <p:extLst>
       <p:ext uri="{BB962C8B-B14F-4D97-AF65-F5344CB8AC3E}">
-        <p14:creationId xmlns:p14="http://schemas.microsoft.com/office/powerpoint/2010/main" val="3795521162"/>
+        <p14:creationId xmlns:p14="http://schemas.microsoft.com/office/powerpoint/2010/main" val="4263109715"/>
       </p:ext>
     </p:extLst>
   </p:cSld>
@@ -9985,7 +10074,7 @@
     </p:spTree>
     <p:extLst>
       <p:ext uri="{BB962C8B-B14F-4D97-AF65-F5344CB8AC3E}">
-        <p14:creationId xmlns:p14="http://schemas.microsoft.com/office/powerpoint/2010/main" val="1580828146"/>
+        <p14:creationId xmlns:p14="http://schemas.microsoft.com/office/powerpoint/2010/main" val="3795521162"/>
       </p:ext>
     </p:extLst>
   </p:cSld>
@@ -10069,7 +10158,7 @@
     </p:spTree>
     <p:extLst>
       <p:ext uri="{BB962C8B-B14F-4D97-AF65-F5344CB8AC3E}">
-        <p14:creationId xmlns:p14="http://schemas.microsoft.com/office/powerpoint/2010/main" val="880678517"/>
+        <p14:creationId xmlns:p14="http://schemas.microsoft.com/office/powerpoint/2010/main" val="1580828146"/>
       </p:ext>
     </p:extLst>
   </p:cSld>
@@ -13398,6 +13487,276 @@
         </p:nvSpPr>
         <p:spPr>
           <a:xfrm>
+            <a:off x="1060461" y="4016867"/>
+            <a:ext cx="7023076" cy="923330"/>
+          </a:xfrm>
+          <a:prstGeom prst="rect">
+            <a:avLst/>
+          </a:prstGeom>
+          <a:noFill/>
+        </p:spPr>
+        <p:txBody>
+          <a:bodyPr wrap="none" rtlCol="0">
+            <a:spAutoFit/>
+          </a:bodyPr>
+          <a:lstStyle/>
+          <a:p>
+            <a:r>
+              <a:rPr lang="vi-VN" sz="5400">
+                <a:ln w="19050">
+                  <a:solidFill>
+                    <a:schemeClr val="tx1"/>
+                  </a:solidFill>
+                </a:ln>
+                <a:solidFill>
+                  <a:srgbClr val="FFFF00"/>
+                </a:solidFill>
+                <a:latin typeface="FVF Fernando 08" panose="02000507020000020003" pitchFamily="2" charset="0"/>
+              </a:rPr>
+              <a:t>Command Block</a:t>
+            </a:r>
+            <a:endParaRPr lang="en-US" sz="5400" dirty="0">
+              <a:ln w="19050">
+                <a:solidFill>
+                  <a:schemeClr val="tx1"/>
+                </a:solidFill>
+              </a:ln>
+              <a:solidFill>
+                <a:srgbClr val="FFFF00"/>
+              </a:solidFill>
+              <a:latin typeface="FVF Fernando 08" panose="02000507020000020003" pitchFamily="2" charset="0"/>
+            </a:endParaRPr>
+          </a:p>
+        </p:txBody>
+      </p:sp>
+      <p:pic>
+        <p:nvPicPr>
+          <p:cNvPr id="14" name="Picture 13">
+            <a:extLst>
+              <a:ext uri="{FF2B5EF4-FFF2-40B4-BE49-F238E27FC236}">
+                <a16:creationId xmlns:a16="http://schemas.microsoft.com/office/drawing/2014/main" id="{E2D411D6-C028-4F7B-96FB-CC2855017620}"/>
+              </a:ext>
+            </a:extLst>
+          </p:cNvPr>
+          <p:cNvPicPr>
+            <a:picLocks noChangeAspect="1"/>
+          </p:cNvPicPr>
+          <p:nvPr/>
+        </p:nvPicPr>
+        <p:blipFill>
+          <a:blip r:embed="rId3">
+            <a:extLst>
+              <a:ext uri="{28A0092B-C50C-407E-A947-70E740481C1C}">
+                <a14:useLocalDpi xmlns:a14="http://schemas.microsoft.com/office/drawing/2010/main" val="0"/>
+              </a:ext>
+            </a:extLst>
+          </a:blip>
+          <a:srcRect/>
+          <a:stretch/>
+        </p:blipFill>
+        <p:spPr>
+          <a:xfrm>
+            <a:off x="7675990" y="30481"/>
+            <a:ext cx="1490870" cy="1490870"/>
+          </a:xfrm>
+          <a:prstGeom prst="rect">
+            <a:avLst/>
+          </a:prstGeom>
+          <a:ln w="19050">
+            <a:noFill/>
+          </a:ln>
+          <a:effectLst>
+            <a:outerShdw blurRad="63500" sx="104000" sy="104000" algn="ctr" rotWithShape="0">
+              <a:srgbClr val="FFFF00"/>
+            </a:outerShdw>
+          </a:effectLst>
+        </p:spPr>
+      </p:pic>
+      <p:pic>
+        <p:nvPicPr>
+          <p:cNvPr id="1026" name="Picture 2">
+            <a:extLst>
+              <a:ext uri="{FF2B5EF4-FFF2-40B4-BE49-F238E27FC236}">
+                <a16:creationId xmlns:a16="http://schemas.microsoft.com/office/drawing/2014/main" id="{DFA32F66-57EE-4D13-8CA9-3E7C48BF14A4}"/>
+              </a:ext>
+            </a:extLst>
+          </p:cNvPr>
+          <p:cNvPicPr>
+            <a:picLocks noChangeAspect="1" noChangeArrowheads="1"/>
+          </p:cNvPicPr>
+          <p:nvPr/>
+        </p:nvPicPr>
+        <p:blipFill>
+          <a:blip r:embed="rId4">
+            <a:extLst>
+              <a:ext uri="{28A0092B-C50C-407E-A947-70E740481C1C}">
+                <a14:useLocalDpi xmlns:a14="http://schemas.microsoft.com/office/drawing/2010/main" val="0"/>
+              </a:ext>
+            </a:extLst>
+          </a:blip>
+          <a:srcRect/>
+          <a:stretch>
+            <a:fillRect/>
+          </a:stretch>
+        </p:blipFill>
+        <p:spPr bwMode="auto">
+          <a:xfrm>
+            <a:off x="1398211" y="1777103"/>
+            <a:ext cx="1589294" cy="1589294"/>
+          </a:xfrm>
+          <a:prstGeom prst="rect">
+            <a:avLst/>
+          </a:prstGeom>
+          <a:noFill/>
+          <a:extLst>
+            <a:ext uri="{909E8E84-426E-40DD-AFC4-6F175D3DCCD1}">
+              <a14:hiddenFill xmlns:a14="http://schemas.microsoft.com/office/drawing/2010/main">
+                <a:solidFill>
+                  <a:srgbClr val="FFFFFF"/>
+                </a:solidFill>
+              </a14:hiddenFill>
+            </a:ext>
+          </a:extLst>
+        </p:spPr>
+      </p:pic>
+      <p:pic>
+        <p:nvPicPr>
+          <p:cNvPr id="1028" name="Picture 4">
+            <a:extLst>
+              <a:ext uri="{FF2B5EF4-FFF2-40B4-BE49-F238E27FC236}">
+                <a16:creationId xmlns:a16="http://schemas.microsoft.com/office/drawing/2014/main" id="{DB2B4B05-1C91-43DF-9A45-E60896370AFC}"/>
+              </a:ext>
+            </a:extLst>
+          </p:cNvPr>
+          <p:cNvPicPr>
+            <a:picLocks noChangeAspect="1" noChangeArrowheads="1"/>
+          </p:cNvPicPr>
+          <p:nvPr/>
+        </p:nvPicPr>
+        <p:blipFill>
+          <a:blip r:embed="rId5">
+            <a:extLst>
+              <a:ext uri="{28A0092B-C50C-407E-A947-70E740481C1C}">
+                <a14:useLocalDpi xmlns:a14="http://schemas.microsoft.com/office/drawing/2010/main" val="0"/>
+              </a:ext>
+            </a:extLst>
+          </a:blip>
+          <a:srcRect/>
+          <a:stretch>
+            <a:fillRect/>
+          </a:stretch>
+        </p:blipFill>
+        <p:spPr bwMode="auto">
+          <a:xfrm>
+            <a:off x="3777353" y="1777103"/>
+            <a:ext cx="1589294" cy="1589294"/>
+          </a:xfrm>
+          <a:prstGeom prst="rect">
+            <a:avLst/>
+          </a:prstGeom>
+          <a:noFill/>
+          <a:extLst>
+            <a:ext uri="{909E8E84-426E-40DD-AFC4-6F175D3DCCD1}">
+              <a14:hiddenFill xmlns:a14="http://schemas.microsoft.com/office/drawing/2010/main">
+                <a:solidFill>
+                  <a:srgbClr val="FFFFFF"/>
+                </a:solidFill>
+              </a14:hiddenFill>
+            </a:ext>
+          </a:extLst>
+        </p:spPr>
+      </p:pic>
+      <p:pic>
+        <p:nvPicPr>
+          <p:cNvPr id="1030" name="Picture 6">
+            <a:extLst>
+              <a:ext uri="{FF2B5EF4-FFF2-40B4-BE49-F238E27FC236}">
+                <a16:creationId xmlns:a16="http://schemas.microsoft.com/office/drawing/2014/main" id="{C04F03EC-AC9E-4E8B-A216-07CA544FFCA2}"/>
+              </a:ext>
+            </a:extLst>
+          </p:cNvPr>
+          <p:cNvPicPr>
+            <a:picLocks noChangeAspect="1" noChangeArrowheads="1"/>
+          </p:cNvPicPr>
+          <p:nvPr/>
+        </p:nvPicPr>
+        <p:blipFill>
+          <a:blip r:embed="rId6">
+            <a:extLst>
+              <a:ext uri="{28A0092B-C50C-407E-A947-70E740481C1C}">
+                <a14:useLocalDpi xmlns:a14="http://schemas.microsoft.com/office/drawing/2010/main" val="0"/>
+              </a:ext>
+            </a:extLst>
+          </a:blip>
+          <a:srcRect/>
+          <a:stretch>
+            <a:fillRect/>
+          </a:stretch>
+        </p:blipFill>
+        <p:spPr bwMode="auto">
+          <a:xfrm>
+            <a:off x="6156495" y="1777103"/>
+            <a:ext cx="1589294" cy="1589294"/>
+          </a:xfrm>
+          <a:prstGeom prst="rect">
+            <a:avLst/>
+          </a:prstGeom>
+          <a:noFill/>
+          <a:extLst>
+            <a:ext uri="{909E8E84-426E-40DD-AFC4-6F175D3DCCD1}">
+              <a14:hiddenFill xmlns:a14="http://schemas.microsoft.com/office/drawing/2010/main">
+                <a:solidFill>
+                  <a:srgbClr val="FFFFFF"/>
+                </a:solidFill>
+              </a14:hiddenFill>
+            </a:ext>
+          </a:extLst>
+        </p:spPr>
+      </p:pic>
+    </p:spTree>
+    <p:extLst>
+      <p:ext uri="{BB962C8B-B14F-4D97-AF65-F5344CB8AC3E}">
+        <p14:creationId xmlns:p14="http://schemas.microsoft.com/office/powerpoint/2010/main" val="226282209"/>
+      </p:ext>
+    </p:extLst>
+  </p:cSld>
+  <p:clrMapOvr>
+    <a:masterClrMapping/>
+  </p:clrMapOvr>
+</p:sld>
+</file>
+
+<file path=ppt/slides/slide101.xml><?xml version="1.0" encoding="utf-8"?>
+<p:sld xmlns:a="http://schemas.openxmlformats.org/drawingml/2006/main" xmlns:r="http://schemas.openxmlformats.org/officeDocument/2006/relationships" xmlns:p="http://schemas.openxmlformats.org/presentationml/2006/main">
+  <p:cSld>
+    <p:spTree>
+      <p:nvGrpSpPr>
+        <p:cNvPr id="1" name=""/>
+        <p:cNvGrpSpPr/>
+        <p:nvPr/>
+      </p:nvGrpSpPr>
+      <p:grpSpPr>
+        <a:xfrm>
+          <a:off x="0" y="0"/>
+          <a:ext cx="0" cy="0"/>
+          <a:chOff x="0" y="0"/>
+          <a:chExt cx="0" cy="0"/>
+        </a:xfrm>
+      </p:grpSpPr>
+      <p:sp>
+        <p:nvSpPr>
+          <p:cNvPr id="11" name="TextBox 10">
+            <a:extLst>
+              <a:ext uri="{FF2B5EF4-FFF2-40B4-BE49-F238E27FC236}">
+                <a16:creationId xmlns:a16="http://schemas.microsoft.com/office/drawing/2014/main" id="{49A7B9B6-8455-43BE-8670-E01CE03933DF}"/>
+              </a:ext>
+            </a:extLst>
+          </p:cNvPr>
+          <p:cNvSpPr txBox="1"/>
+          <p:nvPr/>
+        </p:nvSpPr>
+        <p:spPr>
+          <a:xfrm>
             <a:off x="3527483" y="4016867"/>
             <a:ext cx="2089033" cy="923330"/>
           </a:xfrm>
@@ -13532,7 +13891,7 @@
 </p:sld>
 </file>
 
-<file path=ppt/slides/slide101.xml><?xml version="1.0" encoding="utf-8"?>
+<file path=ppt/slides/slide102.xml><?xml version="1.0" encoding="utf-8"?>
 <p:sld xmlns:a="http://schemas.openxmlformats.org/drawingml/2006/main" xmlns:r="http://schemas.openxmlformats.org/officeDocument/2006/relationships" xmlns:p="http://schemas.openxmlformats.org/presentationml/2006/main">
   <p:cSld>
     <p:spTree>
@@ -13717,7 +14076,7 @@
 </p:sld>
 </file>
 
-<file path=ppt/slides/slide102.xml><?xml version="1.0" encoding="utf-8"?>
+<file path=ppt/slides/slide103.xml><?xml version="1.0" encoding="utf-8"?>
 <p:sld xmlns:a="http://schemas.openxmlformats.org/drawingml/2006/main" xmlns:r="http://schemas.openxmlformats.org/officeDocument/2006/relationships" xmlns:p="http://schemas.openxmlformats.org/presentationml/2006/main">
   <p:cSld>
     <p:spTree>
@@ -13882,7 +14241,7 @@
 </p:sld>
 </file>
 
-<file path=ppt/slides/slide103.xml><?xml version="1.0" encoding="utf-8"?>
+<file path=ppt/slides/slide104.xml><?xml version="1.0" encoding="utf-8"?>
 <p:sld xmlns:a="http://schemas.openxmlformats.org/drawingml/2006/main" xmlns:r="http://schemas.openxmlformats.org/officeDocument/2006/relationships" xmlns:p="http://schemas.openxmlformats.org/presentationml/2006/main">
   <p:cSld>
     <p:spTree>
@@ -14121,7 +14480,7 @@
 </p:sld>
 </file>
 
-<file path=ppt/slides/slide104.xml><?xml version="1.0" encoding="utf-8"?>
+<file path=ppt/slides/slide105.xml><?xml version="1.0" encoding="utf-8"?>
 <p:sld xmlns:a="http://schemas.openxmlformats.org/drawingml/2006/main" xmlns:r="http://schemas.openxmlformats.org/officeDocument/2006/relationships" xmlns:p="http://schemas.openxmlformats.org/presentationml/2006/main">
   <p:cSld>
     <p:spTree>
@@ -14333,7 +14692,7 @@
 </p:sld>
 </file>
 
-<file path=ppt/slides/slide105.xml><?xml version="1.0" encoding="utf-8"?>
+<file path=ppt/slides/slide106.xml><?xml version="1.0" encoding="utf-8"?>
 <p:sld xmlns:a="http://schemas.openxmlformats.org/drawingml/2006/main" xmlns:r="http://schemas.openxmlformats.org/officeDocument/2006/relationships" xmlns:p="http://schemas.openxmlformats.org/presentationml/2006/main">
   <p:cSld>
     <p:spTree>
@@ -14487,7 +14846,7 @@
 </p:sld>
 </file>
 
-<file path=ppt/slides/slide106.xml><?xml version="1.0" encoding="utf-8"?>
+<file path=ppt/slides/slide107.xml><?xml version="1.0" encoding="utf-8"?>
 <p:sld xmlns:a="http://schemas.openxmlformats.org/drawingml/2006/main" xmlns:r="http://schemas.openxmlformats.org/officeDocument/2006/relationships" xmlns:p="http://schemas.openxmlformats.org/presentationml/2006/main">
   <p:cSld>
     <p:spTree>
@@ -14635,7 +14994,7 @@
 </p:sld>
 </file>
 
-<file path=ppt/slides/slide107.xml><?xml version="1.0" encoding="utf-8"?>
+<file path=ppt/slides/slide108.xml><?xml version="1.0" encoding="utf-8"?>
 <p:sld xmlns:a="http://schemas.openxmlformats.org/drawingml/2006/main" xmlns:r="http://schemas.openxmlformats.org/officeDocument/2006/relationships" xmlns:p="http://schemas.openxmlformats.org/presentationml/2006/main">
   <p:cSld>
     <p:spTree>
@@ -14884,7 +15243,7 @@
 </p:sld>
 </file>
 
-<file path=ppt/slides/slide108.xml><?xml version="1.0" encoding="utf-8"?>
+<file path=ppt/slides/slide109.xml><?xml version="1.0" encoding="utf-8"?>
 <p:sld xmlns:a="http://schemas.openxmlformats.org/drawingml/2006/main" xmlns:r="http://schemas.openxmlformats.org/officeDocument/2006/relationships" xmlns:p="http://schemas.openxmlformats.org/presentationml/2006/main">
   <p:cSld>
     <p:spTree>
@@ -45477,6 +45836,190 @@
         </p:nvSpPr>
         <p:spPr>
           <a:xfrm>
+            <a:off x="2748422" y="3858413"/>
+            <a:ext cx="3647152" cy="1015663"/>
+          </a:xfrm>
+          <a:prstGeom prst="rect">
+            <a:avLst/>
+          </a:prstGeom>
+          <a:noFill/>
+        </p:spPr>
+        <p:txBody>
+          <a:bodyPr wrap="none" rtlCol="0">
+            <a:spAutoFit/>
+          </a:bodyPr>
+          <a:lstStyle/>
+          <a:p>
+            <a:r>
+              <a:rPr lang="vi-VN" sz="6000">
+                <a:ln w="19050">
+                  <a:solidFill>
+                    <a:schemeClr val="tx1"/>
+                  </a:solidFill>
+                </a:ln>
+                <a:solidFill>
+                  <a:srgbClr val="FFFF00"/>
+                </a:solidFill>
+                <a:latin typeface="FVF Fernando 08" panose="02000507020000020003" pitchFamily="2" charset="0"/>
+              </a:rPr>
+              <a:t>Block </a:t>
+            </a:r>
+            <a:r>
+              <a:rPr lang="vi-VN" sz="6000" dirty="0">
+                <a:ln w="19050">
+                  <a:solidFill>
+                    <a:schemeClr val="tx1"/>
+                  </a:solidFill>
+                </a:ln>
+                <a:solidFill>
+                  <a:srgbClr val="FFFF00"/>
+                </a:solidFill>
+                <a:latin typeface="FVF Fernando 08" panose="02000507020000020003" pitchFamily="2" charset="0"/>
+              </a:rPr>
+              <a:t>Id</a:t>
+            </a:r>
+            <a:endParaRPr lang="en-US" sz="6000" dirty="0">
+              <a:ln w="19050">
+                <a:solidFill>
+                  <a:schemeClr val="tx1"/>
+                </a:solidFill>
+              </a:ln>
+              <a:solidFill>
+                <a:srgbClr val="FFFF00"/>
+              </a:solidFill>
+              <a:latin typeface="FVF Fernando 08" panose="02000507020000020003" pitchFamily="2" charset="0"/>
+            </a:endParaRPr>
+          </a:p>
+        </p:txBody>
+      </p:sp>
+      <p:pic>
+        <p:nvPicPr>
+          <p:cNvPr id="14" name="Picture 13">
+            <a:extLst>
+              <a:ext uri="{FF2B5EF4-FFF2-40B4-BE49-F238E27FC236}">
+                <a16:creationId xmlns:a16="http://schemas.microsoft.com/office/drawing/2014/main" id="{E2D411D6-C028-4F7B-96FB-CC2855017620}"/>
+              </a:ext>
+            </a:extLst>
+          </p:cNvPr>
+          <p:cNvPicPr>
+            <a:picLocks noChangeAspect="1"/>
+          </p:cNvPicPr>
+          <p:nvPr/>
+        </p:nvPicPr>
+        <p:blipFill>
+          <a:blip r:embed="rId3">
+            <a:extLst>
+              <a:ext uri="{28A0092B-C50C-407E-A947-70E740481C1C}">
+                <a14:useLocalDpi xmlns:a14="http://schemas.microsoft.com/office/drawing/2010/main" val="0"/>
+              </a:ext>
+            </a:extLst>
+          </a:blip>
+          <a:srcRect/>
+          <a:stretch/>
+        </p:blipFill>
+        <p:spPr>
+          <a:xfrm>
+            <a:off x="7675990" y="30481"/>
+            <a:ext cx="1490870" cy="1490870"/>
+          </a:xfrm>
+          <a:prstGeom prst="rect">
+            <a:avLst/>
+          </a:prstGeom>
+          <a:ln w="19050">
+            <a:noFill/>
+          </a:ln>
+          <a:effectLst>
+            <a:outerShdw blurRad="63500" sx="104000" sy="104000" algn="ctr" rotWithShape="0">
+              <a:srgbClr val="FFFF00"/>
+            </a:outerShdw>
+          </a:effectLst>
+        </p:spPr>
+      </p:pic>
+      <p:pic>
+        <p:nvPicPr>
+          <p:cNvPr id="3" name="Picture 2">
+            <a:extLst>
+              <a:ext uri="{FF2B5EF4-FFF2-40B4-BE49-F238E27FC236}">
+                <a16:creationId xmlns:a16="http://schemas.microsoft.com/office/drawing/2014/main" id="{5BA2E600-ACA3-41D4-AE81-59539181FF36}"/>
+              </a:ext>
+            </a:extLst>
+          </p:cNvPr>
+          <p:cNvPicPr>
+            <a:picLocks noChangeAspect="1"/>
+          </p:cNvPicPr>
+          <p:nvPr/>
+        </p:nvPicPr>
+        <p:blipFill>
+          <a:blip r:embed="rId4">
+            <a:extLst>
+              <a:ext uri="{28A0092B-C50C-407E-A947-70E740481C1C}">
+                <a14:useLocalDpi xmlns:a14="http://schemas.microsoft.com/office/drawing/2010/main" val="0"/>
+              </a:ext>
+            </a:extLst>
+          </a:blip>
+          <a:stretch>
+            <a:fillRect/>
+          </a:stretch>
+        </p:blipFill>
+        <p:spPr>
+          <a:xfrm>
+            <a:off x="3025669" y="1513735"/>
+            <a:ext cx="3092659" cy="2116030"/>
+          </a:xfrm>
+          <a:prstGeom prst="rect">
+            <a:avLst/>
+          </a:prstGeom>
+          <a:effectLst>
+            <a:glow rad="63500">
+              <a:srgbClr val="FFC000"/>
+            </a:glow>
+          </a:effectLst>
+        </p:spPr>
+      </p:pic>
+    </p:spTree>
+    <p:extLst>
+      <p:ext uri="{BB962C8B-B14F-4D97-AF65-F5344CB8AC3E}">
+        <p14:creationId xmlns:p14="http://schemas.microsoft.com/office/powerpoint/2010/main" val="679985179"/>
+      </p:ext>
+    </p:extLst>
+  </p:cSld>
+  <p:clrMapOvr>
+    <a:masterClrMapping/>
+  </p:clrMapOvr>
+</p:sld>
+</file>
+
+<file path=ppt/slides/slide81.xml><?xml version="1.0" encoding="utf-8"?>
+<p:sld xmlns:a="http://schemas.openxmlformats.org/drawingml/2006/main" xmlns:r="http://schemas.openxmlformats.org/officeDocument/2006/relationships" xmlns:p="http://schemas.openxmlformats.org/presentationml/2006/main">
+  <p:cSld>
+    <p:spTree>
+      <p:nvGrpSpPr>
+        <p:cNvPr id="1" name=""/>
+        <p:cNvGrpSpPr/>
+        <p:nvPr/>
+      </p:nvGrpSpPr>
+      <p:grpSpPr>
+        <a:xfrm>
+          <a:off x="0" y="0"/>
+          <a:ext cx="0" cy="0"/>
+          <a:chOff x="0" y="0"/>
+          <a:chExt cx="0" cy="0"/>
+        </a:xfrm>
+      </p:grpSpPr>
+      <p:sp>
+        <p:nvSpPr>
+          <p:cNvPr id="11" name="TextBox 10">
+            <a:extLst>
+              <a:ext uri="{FF2B5EF4-FFF2-40B4-BE49-F238E27FC236}">
+                <a16:creationId xmlns:a16="http://schemas.microsoft.com/office/drawing/2014/main" id="{49A7B9B6-8455-43BE-8670-E01CE03933DF}"/>
+              </a:ext>
+            </a:extLst>
+          </p:cNvPr>
+          <p:cNvSpPr txBox="1"/>
+          <p:nvPr/>
+        </p:nvSpPr>
+        <p:spPr>
+          <a:xfrm>
             <a:off x="1257629" y="3858413"/>
             <a:ext cx="6628738" cy="1015663"/>
           </a:xfrm>
@@ -45616,7 +46159,7 @@
 </p:sld>
 </file>
 
-<file path=ppt/slides/slide81.xml><?xml version="1.0" encoding="utf-8"?>
+<file path=ppt/slides/slide82.xml><?xml version="1.0" encoding="utf-8"?>
 <p:sld xmlns:a="http://schemas.openxmlformats.org/drawingml/2006/main" xmlns:r="http://schemas.openxmlformats.org/officeDocument/2006/relationships" xmlns:p="http://schemas.openxmlformats.org/presentationml/2006/main">
   <p:cSld>
     <p:spTree>
@@ -45786,7 +46329,7 @@
 </p:sld>
 </file>
 
-<file path=ppt/slides/slide82.xml><?xml version="1.0" encoding="utf-8"?>
+<file path=ppt/slides/slide83.xml><?xml version="1.0" encoding="utf-8"?>
 <p:sld xmlns:a="http://schemas.openxmlformats.org/drawingml/2006/main" xmlns:r="http://schemas.openxmlformats.org/officeDocument/2006/relationships" xmlns:p="http://schemas.openxmlformats.org/presentationml/2006/main">
   <p:cSld>
     <p:spTree>
@@ -45970,7 +46513,7 @@
 </p:sld>
 </file>
 
-<file path=ppt/slides/slide83.xml><?xml version="1.0" encoding="utf-8"?>
+<file path=ppt/slides/slide84.xml><?xml version="1.0" encoding="utf-8"?>
 <p:sld xmlns:a="http://schemas.openxmlformats.org/drawingml/2006/main" xmlns:r="http://schemas.openxmlformats.org/officeDocument/2006/relationships" xmlns:p="http://schemas.openxmlformats.org/presentationml/2006/main">
   <p:cSld>
     <p:spTree>
@@ -46140,7 +46683,7 @@
 </p:sld>
 </file>
 
-<file path=ppt/slides/slide84.xml><?xml version="1.0" encoding="utf-8"?>
+<file path=ppt/slides/slide85.xml><?xml version="1.0" encoding="utf-8"?>
 <p:sld xmlns:a="http://schemas.openxmlformats.org/drawingml/2006/main" xmlns:r="http://schemas.openxmlformats.org/officeDocument/2006/relationships" xmlns:p="http://schemas.openxmlformats.org/presentationml/2006/main">
   <p:cSld>
     <p:spTree>
@@ -46310,7 +46853,7 @@
 </p:sld>
 </file>
 
-<file path=ppt/slides/slide85.xml><?xml version="1.0" encoding="utf-8"?>
+<file path=ppt/slides/slide86.xml><?xml version="1.0" encoding="utf-8"?>
 <p:sld xmlns:a="http://schemas.openxmlformats.org/drawingml/2006/main" xmlns:r="http://schemas.openxmlformats.org/officeDocument/2006/relationships" xmlns:p="http://schemas.openxmlformats.org/presentationml/2006/main">
   <p:cSld>
     <p:spTree>
@@ -46480,7 +47023,7 @@
 </p:sld>
 </file>
 
-<file path=ppt/slides/slide86.xml><?xml version="1.0" encoding="utf-8"?>
+<file path=ppt/slides/slide87.xml><?xml version="1.0" encoding="utf-8"?>
 <p:sld xmlns:a="http://schemas.openxmlformats.org/drawingml/2006/main" xmlns:r="http://schemas.openxmlformats.org/officeDocument/2006/relationships" xmlns:p="http://schemas.openxmlformats.org/presentationml/2006/main">
   <p:cSld>
     <p:spTree>
@@ -46650,7 +47193,7 @@
 </p:sld>
 </file>
 
-<file path=ppt/slides/slide87.xml><?xml version="1.0" encoding="utf-8"?>
+<file path=ppt/slides/slide88.xml><?xml version="1.0" encoding="utf-8"?>
 <p:sld xmlns:a="http://schemas.openxmlformats.org/drawingml/2006/main" xmlns:r="http://schemas.openxmlformats.org/officeDocument/2006/relationships" xmlns:p="http://schemas.openxmlformats.org/presentationml/2006/main">
   <p:cSld>
     <p:spTree>
@@ -46834,7 +47377,7 @@
 </p:sld>
 </file>
 
-<file path=ppt/slides/slide88.xml><?xml version="1.0" encoding="utf-8"?>
+<file path=ppt/slides/slide89.xml><?xml version="1.0" encoding="utf-8"?>
 <p:sld xmlns:a="http://schemas.openxmlformats.org/drawingml/2006/main" xmlns:r="http://schemas.openxmlformats.org/officeDocument/2006/relationships" xmlns:p="http://schemas.openxmlformats.org/presentationml/2006/main">
   <p:cSld>
     <p:spTree>
@@ -46995,190 +47538,6 @@
     <p:extLst>
       <p:ext uri="{BB962C8B-B14F-4D97-AF65-F5344CB8AC3E}">
         <p14:creationId xmlns:p14="http://schemas.microsoft.com/office/powerpoint/2010/main" val="446051723"/>
-      </p:ext>
-    </p:extLst>
-  </p:cSld>
-  <p:clrMapOvr>
-    <a:masterClrMapping/>
-  </p:clrMapOvr>
-</p:sld>
-</file>
-
-<file path=ppt/slides/slide89.xml><?xml version="1.0" encoding="utf-8"?>
-<p:sld xmlns:a="http://schemas.openxmlformats.org/drawingml/2006/main" xmlns:r="http://schemas.openxmlformats.org/officeDocument/2006/relationships" xmlns:p="http://schemas.openxmlformats.org/presentationml/2006/main">
-  <p:cSld>
-    <p:spTree>
-      <p:nvGrpSpPr>
-        <p:cNvPr id="1" name=""/>
-        <p:cNvGrpSpPr/>
-        <p:nvPr/>
-      </p:nvGrpSpPr>
-      <p:grpSpPr>
-        <a:xfrm>
-          <a:off x="0" y="0"/>
-          <a:ext cx="0" cy="0"/>
-          <a:chOff x="0" y="0"/>
-          <a:chExt cx="0" cy="0"/>
-        </a:xfrm>
-      </p:grpSpPr>
-      <p:sp>
-        <p:nvSpPr>
-          <p:cNvPr id="11" name="TextBox 10">
-            <a:extLst>
-              <a:ext uri="{FF2B5EF4-FFF2-40B4-BE49-F238E27FC236}">
-                <a16:creationId xmlns:a16="http://schemas.microsoft.com/office/drawing/2014/main" id="{49A7B9B6-8455-43BE-8670-E01CE03933DF}"/>
-              </a:ext>
-            </a:extLst>
-          </p:cNvPr>
-          <p:cNvSpPr txBox="1"/>
-          <p:nvPr/>
-        </p:nvSpPr>
-        <p:spPr>
-          <a:xfrm>
-            <a:off x="2844602" y="3858413"/>
-            <a:ext cx="3454792" cy="1015663"/>
-          </a:xfrm>
-          <a:prstGeom prst="rect">
-            <a:avLst/>
-          </a:prstGeom>
-          <a:noFill/>
-        </p:spPr>
-        <p:txBody>
-          <a:bodyPr wrap="none" rtlCol="0">
-            <a:spAutoFit/>
-          </a:bodyPr>
-          <a:lstStyle/>
-          <a:p>
-            <a:r>
-              <a:rPr lang="en-US" sz="6000" dirty="0">
-                <a:ln w="19050">
-                  <a:solidFill>
-                    <a:schemeClr val="tx1"/>
-                  </a:solidFill>
-                </a:ln>
-                <a:solidFill>
-                  <a:srgbClr val="FFFF00"/>
-                </a:solidFill>
-                <a:latin typeface="FVF Fernando 08" panose="02000507020000020003" pitchFamily="2" charset="0"/>
-              </a:rPr>
-              <a:t>Item</a:t>
-            </a:r>
-            <a:r>
-              <a:rPr lang="vi-VN" sz="6000" dirty="0">
-                <a:ln w="19050">
-                  <a:solidFill>
-                    <a:schemeClr val="tx1"/>
-                  </a:solidFill>
-                </a:ln>
-                <a:solidFill>
-                  <a:srgbClr val="FFFF00"/>
-                </a:solidFill>
-                <a:latin typeface="FVF Fernando 08" panose="02000507020000020003" pitchFamily="2" charset="0"/>
-              </a:rPr>
-              <a:t> Id</a:t>
-            </a:r>
-            <a:endParaRPr lang="en-US" sz="6000" dirty="0">
-              <a:ln w="19050">
-                <a:solidFill>
-                  <a:schemeClr val="tx1"/>
-                </a:solidFill>
-              </a:ln>
-              <a:solidFill>
-                <a:srgbClr val="FFFF00"/>
-              </a:solidFill>
-              <a:latin typeface="FVF Fernando 08" panose="02000507020000020003" pitchFamily="2" charset="0"/>
-            </a:endParaRPr>
-          </a:p>
-        </p:txBody>
-      </p:sp>
-      <p:pic>
-        <p:nvPicPr>
-          <p:cNvPr id="14" name="Picture 13">
-            <a:extLst>
-              <a:ext uri="{FF2B5EF4-FFF2-40B4-BE49-F238E27FC236}">
-                <a16:creationId xmlns:a16="http://schemas.microsoft.com/office/drawing/2014/main" id="{E2D411D6-C028-4F7B-96FB-CC2855017620}"/>
-              </a:ext>
-            </a:extLst>
-          </p:cNvPr>
-          <p:cNvPicPr>
-            <a:picLocks noChangeAspect="1"/>
-          </p:cNvPicPr>
-          <p:nvPr/>
-        </p:nvPicPr>
-        <p:blipFill>
-          <a:blip r:embed="rId3">
-            <a:extLst>
-              <a:ext uri="{28A0092B-C50C-407E-A947-70E740481C1C}">
-                <a14:useLocalDpi xmlns:a14="http://schemas.microsoft.com/office/drawing/2010/main" val="0"/>
-              </a:ext>
-            </a:extLst>
-          </a:blip>
-          <a:srcRect/>
-          <a:stretch/>
-        </p:blipFill>
-        <p:spPr>
-          <a:xfrm>
-            <a:off x="7675990" y="30481"/>
-            <a:ext cx="1490870" cy="1490870"/>
-          </a:xfrm>
-          <a:prstGeom prst="rect">
-            <a:avLst/>
-          </a:prstGeom>
-          <a:ln w="19050">
-            <a:noFill/>
-          </a:ln>
-          <a:effectLst>
-            <a:outerShdw blurRad="63500" sx="104000" sy="104000" algn="ctr" rotWithShape="0">
-              <a:srgbClr val="FFFF00"/>
-            </a:outerShdw>
-          </a:effectLst>
-        </p:spPr>
-      </p:pic>
-      <p:pic>
-        <p:nvPicPr>
-          <p:cNvPr id="3" name="Picture 2">
-            <a:extLst>
-              <a:ext uri="{FF2B5EF4-FFF2-40B4-BE49-F238E27FC236}">
-                <a16:creationId xmlns:a16="http://schemas.microsoft.com/office/drawing/2014/main" id="{5BA2E600-ACA3-41D4-AE81-59539181FF36}"/>
-              </a:ext>
-            </a:extLst>
-          </p:cNvPr>
-          <p:cNvPicPr>
-            <a:picLocks noChangeAspect="1"/>
-          </p:cNvPicPr>
-          <p:nvPr/>
-        </p:nvPicPr>
-        <p:blipFill>
-          <a:blip r:embed="rId4">
-            <a:extLst>
-              <a:ext uri="{28A0092B-C50C-407E-A947-70E740481C1C}">
-                <a14:useLocalDpi xmlns:a14="http://schemas.microsoft.com/office/drawing/2010/main" val="0"/>
-              </a:ext>
-            </a:extLst>
-          </a:blip>
-          <a:stretch>
-            <a:fillRect/>
-          </a:stretch>
-        </p:blipFill>
-        <p:spPr>
-          <a:xfrm>
-            <a:off x="3025669" y="1513735"/>
-            <a:ext cx="3092659" cy="2116030"/>
-          </a:xfrm>
-          <a:prstGeom prst="rect">
-            <a:avLst/>
-          </a:prstGeom>
-          <a:effectLst>
-            <a:glow rad="63500">
-              <a:srgbClr val="FFC000"/>
-            </a:glow>
-          </a:effectLst>
-        </p:spPr>
-      </p:pic>
-    </p:spTree>
-    <p:extLst>
-      <p:ext uri="{BB962C8B-B14F-4D97-AF65-F5344CB8AC3E}">
-        <p14:creationId xmlns:p14="http://schemas.microsoft.com/office/powerpoint/2010/main" val="2225301795"/>
       </p:ext>
     </p:extLst>
   </p:cSld>
@@ -47503,6 +47862,190 @@
           <a:lstStyle/>
           <a:p>
             <a:r>
+              <a:rPr lang="en-US" sz="6000" dirty="0">
+                <a:ln w="19050">
+                  <a:solidFill>
+                    <a:schemeClr val="tx1"/>
+                  </a:solidFill>
+                </a:ln>
+                <a:solidFill>
+                  <a:srgbClr val="FFFF00"/>
+                </a:solidFill>
+                <a:latin typeface="FVF Fernando 08" panose="02000507020000020003" pitchFamily="2" charset="0"/>
+              </a:rPr>
+              <a:t>Item</a:t>
+            </a:r>
+            <a:r>
+              <a:rPr lang="vi-VN" sz="6000" dirty="0">
+                <a:ln w="19050">
+                  <a:solidFill>
+                    <a:schemeClr val="tx1"/>
+                  </a:solidFill>
+                </a:ln>
+                <a:solidFill>
+                  <a:srgbClr val="FFFF00"/>
+                </a:solidFill>
+                <a:latin typeface="FVF Fernando 08" panose="02000507020000020003" pitchFamily="2" charset="0"/>
+              </a:rPr>
+              <a:t> Id</a:t>
+            </a:r>
+            <a:endParaRPr lang="en-US" sz="6000" dirty="0">
+              <a:ln w="19050">
+                <a:solidFill>
+                  <a:schemeClr val="tx1"/>
+                </a:solidFill>
+              </a:ln>
+              <a:solidFill>
+                <a:srgbClr val="FFFF00"/>
+              </a:solidFill>
+              <a:latin typeface="FVF Fernando 08" panose="02000507020000020003" pitchFamily="2" charset="0"/>
+            </a:endParaRPr>
+          </a:p>
+        </p:txBody>
+      </p:sp>
+      <p:pic>
+        <p:nvPicPr>
+          <p:cNvPr id="14" name="Picture 13">
+            <a:extLst>
+              <a:ext uri="{FF2B5EF4-FFF2-40B4-BE49-F238E27FC236}">
+                <a16:creationId xmlns:a16="http://schemas.microsoft.com/office/drawing/2014/main" id="{E2D411D6-C028-4F7B-96FB-CC2855017620}"/>
+              </a:ext>
+            </a:extLst>
+          </p:cNvPr>
+          <p:cNvPicPr>
+            <a:picLocks noChangeAspect="1"/>
+          </p:cNvPicPr>
+          <p:nvPr/>
+        </p:nvPicPr>
+        <p:blipFill>
+          <a:blip r:embed="rId3">
+            <a:extLst>
+              <a:ext uri="{28A0092B-C50C-407E-A947-70E740481C1C}">
+                <a14:useLocalDpi xmlns:a14="http://schemas.microsoft.com/office/drawing/2010/main" val="0"/>
+              </a:ext>
+            </a:extLst>
+          </a:blip>
+          <a:srcRect/>
+          <a:stretch/>
+        </p:blipFill>
+        <p:spPr>
+          <a:xfrm>
+            <a:off x="7675990" y="30481"/>
+            <a:ext cx="1490870" cy="1490870"/>
+          </a:xfrm>
+          <a:prstGeom prst="rect">
+            <a:avLst/>
+          </a:prstGeom>
+          <a:ln w="19050">
+            <a:noFill/>
+          </a:ln>
+          <a:effectLst>
+            <a:outerShdw blurRad="63500" sx="104000" sy="104000" algn="ctr" rotWithShape="0">
+              <a:srgbClr val="FFFF00"/>
+            </a:outerShdw>
+          </a:effectLst>
+        </p:spPr>
+      </p:pic>
+      <p:pic>
+        <p:nvPicPr>
+          <p:cNvPr id="3" name="Picture 2">
+            <a:extLst>
+              <a:ext uri="{FF2B5EF4-FFF2-40B4-BE49-F238E27FC236}">
+                <a16:creationId xmlns:a16="http://schemas.microsoft.com/office/drawing/2014/main" id="{5BA2E600-ACA3-41D4-AE81-59539181FF36}"/>
+              </a:ext>
+            </a:extLst>
+          </p:cNvPr>
+          <p:cNvPicPr>
+            <a:picLocks noChangeAspect="1"/>
+          </p:cNvPicPr>
+          <p:nvPr/>
+        </p:nvPicPr>
+        <p:blipFill>
+          <a:blip r:embed="rId4">
+            <a:extLst>
+              <a:ext uri="{28A0092B-C50C-407E-A947-70E740481C1C}">
+                <a14:useLocalDpi xmlns:a14="http://schemas.microsoft.com/office/drawing/2010/main" val="0"/>
+              </a:ext>
+            </a:extLst>
+          </a:blip>
+          <a:stretch>
+            <a:fillRect/>
+          </a:stretch>
+        </p:blipFill>
+        <p:spPr>
+          <a:xfrm>
+            <a:off x="3025669" y="1513735"/>
+            <a:ext cx="3092659" cy="2116030"/>
+          </a:xfrm>
+          <a:prstGeom prst="rect">
+            <a:avLst/>
+          </a:prstGeom>
+          <a:effectLst>
+            <a:glow rad="63500">
+              <a:srgbClr val="FFC000"/>
+            </a:glow>
+          </a:effectLst>
+        </p:spPr>
+      </p:pic>
+    </p:spTree>
+    <p:extLst>
+      <p:ext uri="{BB962C8B-B14F-4D97-AF65-F5344CB8AC3E}">
+        <p14:creationId xmlns:p14="http://schemas.microsoft.com/office/powerpoint/2010/main" val="2225301795"/>
+      </p:ext>
+    </p:extLst>
+  </p:cSld>
+  <p:clrMapOvr>
+    <a:masterClrMapping/>
+  </p:clrMapOvr>
+</p:sld>
+</file>
+
+<file path=ppt/slides/slide91.xml><?xml version="1.0" encoding="utf-8"?>
+<p:sld xmlns:a="http://schemas.openxmlformats.org/drawingml/2006/main" xmlns:r="http://schemas.openxmlformats.org/officeDocument/2006/relationships" xmlns:p="http://schemas.openxmlformats.org/presentationml/2006/main">
+  <p:cSld>
+    <p:spTree>
+      <p:nvGrpSpPr>
+        <p:cNvPr id="1" name=""/>
+        <p:cNvGrpSpPr/>
+        <p:nvPr/>
+      </p:nvGrpSpPr>
+      <p:grpSpPr>
+        <a:xfrm>
+          <a:off x="0" y="0"/>
+          <a:ext cx="0" cy="0"/>
+          <a:chOff x="0" y="0"/>
+          <a:chExt cx="0" cy="0"/>
+        </a:xfrm>
+      </p:grpSpPr>
+      <p:sp>
+        <p:nvSpPr>
+          <p:cNvPr id="11" name="TextBox 10">
+            <a:extLst>
+              <a:ext uri="{FF2B5EF4-FFF2-40B4-BE49-F238E27FC236}">
+                <a16:creationId xmlns:a16="http://schemas.microsoft.com/office/drawing/2014/main" id="{49A7B9B6-8455-43BE-8670-E01CE03933DF}"/>
+              </a:ext>
+            </a:extLst>
+          </p:cNvPr>
+          <p:cNvSpPr txBox="1"/>
+          <p:nvPr/>
+        </p:nvSpPr>
+        <p:spPr>
+          <a:xfrm>
+            <a:off x="2844602" y="3858413"/>
+            <a:ext cx="3454792" cy="1015663"/>
+          </a:xfrm>
+          <a:prstGeom prst="rect">
+            <a:avLst/>
+          </a:prstGeom>
+          <a:noFill/>
+        </p:spPr>
+        <p:txBody>
+          <a:bodyPr wrap="none" rtlCol="0">
+            <a:spAutoFit/>
+          </a:bodyPr>
+          <a:lstStyle/>
+          <a:p>
+            <a:r>
               <a:rPr lang="vi-VN" sz="6000">
                 <a:ln w="19050">
                   <a:solidFill>
@@ -47641,7 +48184,7 @@
 </p:sld>
 </file>
 
-<file path=ppt/slides/slide91.xml><?xml version="1.0" encoding="utf-8"?>
+<file path=ppt/slides/slide92.xml><?xml version="1.0" encoding="utf-8"?>
 <p:sld xmlns:a="http://schemas.openxmlformats.org/drawingml/2006/main" xmlns:r="http://schemas.openxmlformats.org/officeDocument/2006/relationships" xmlns:p="http://schemas.openxmlformats.org/presentationml/2006/main">
   <p:cSld>
     <p:spTree>
@@ -47811,7 +48354,7 @@
 </p:sld>
 </file>
 
-<file path=ppt/slides/slide92.xml><?xml version="1.0" encoding="utf-8"?>
+<file path=ppt/slides/slide93.xml><?xml version="1.0" encoding="utf-8"?>
 <p:sld xmlns:a="http://schemas.openxmlformats.org/drawingml/2006/main" xmlns:r="http://schemas.openxmlformats.org/officeDocument/2006/relationships" xmlns:p="http://schemas.openxmlformats.org/presentationml/2006/main">
   <p:cSld>
     <p:spTree>
@@ -47981,7 +48524,7 @@
 </p:sld>
 </file>
 
-<file path=ppt/slides/slide93.xml><?xml version="1.0" encoding="utf-8"?>
+<file path=ppt/slides/slide94.xml><?xml version="1.0" encoding="utf-8"?>
 <p:sld xmlns:a="http://schemas.openxmlformats.org/drawingml/2006/main" xmlns:r="http://schemas.openxmlformats.org/officeDocument/2006/relationships" xmlns:p="http://schemas.openxmlformats.org/presentationml/2006/main">
   <p:cSld>
     <p:spTree>
@@ -48165,7 +48708,7 @@
 </p:sld>
 </file>
 
-<file path=ppt/slides/slide94.xml><?xml version="1.0" encoding="utf-8"?>
+<file path=ppt/slides/slide95.xml><?xml version="1.0" encoding="utf-8"?>
 <p:sld xmlns:a="http://schemas.openxmlformats.org/drawingml/2006/main" xmlns:r="http://schemas.openxmlformats.org/officeDocument/2006/relationships" xmlns:p="http://schemas.openxmlformats.org/presentationml/2006/main">
   <p:cSld>
     <p:spTree>
@@ -48335,7 +48878,7 @@
 </p:sld>
 </file>
 
-<file path=ppt/slides/slide95.xml><?xml version="1.0" encoding="utf-8"?>
+<file path=ppt/slides/slide96.xml><?xml version="1.0" encoding="utf-8"?>
 <p:sld xmlns:a="http://schemas.openxmlformats.org/drawingml/2006/main" xmlns:r="http://schemas.openxmlformats.org/officeDocument/2006/relationships" xmlns:p="http://schemas.openxmlformats.org/presentationml/2006/main">
   <p:cSld>
     <p:spTree>
@@ -48505,7 +49048,7 @@
 </p:sld>
 </file>
 
-<file path=ppt/slides/slide96.xml><?xml version="1.0" encoding="utf-8"?>
+<file path=ppt/slides/slide97.xml><?xml version="1.0" encoding="utf-8"?>
 <p:sld xmlns:a="http://schemas.openxmlformats.org/drawingml/2006/main" xmlns:r="http://schemas.openxmlformats.org/officeDocument/2006/relationships" xmlns:p="http://schemas.openxmlformats.org/presentationml/2006/main">
   <p:cSld>
     <p:spTree>
@@ -48675,7 +49218,7 @@
 </p:sld>
 </file>
 
-<file path=ppt/slides/slide97.xml><?xml version="1.0" encoding="utf-8"?>
+<file path=ppt/slides/slide98.xml><?xml version="1.0" encoding="utf-8"?>
 <p:sld xmlns:a="http://schemas.openxmlformats.org/drawingml/2006/main" xmlns:r="http://schemas.openxmlformats.org/officeDocument/2006/relationships" xmlns:p="http://schemas.openxmlformats.org/presentationml/2006/main">
   <p:cSld>
     <p:spTree>
@@ -48860,7 +49403,7 @@
 </p:sld>
 </file>
 
-<file path=ppt/slides/slide98.xml><?xml version="1.0" encoding="utf-8"?>
+<file path=ppt/slides/slide99.xml><?xml version="1.0" encoding="utf-8"?>
 <p:sld xmlns:a="http://schemas.openxmlformats.org/drawingml/2006/main" xmlns:r="http://schemas.openxmlformats.org/officeDocument/2006/relationships" xmlns:p="http://schemas.openxmlformats.org/presentationml/2006/main">
   <p:cSld>
     <p:spTree>
@@ -49036,276 +49579,6 @@
     <p:extLst>
       <p:ext uri="{BB962C8B-B14F-4D97-AF65-F5344CB8AC3E}">
         <p14:creationId xmlns:p14="http://schemas.microsoft.com/office/powerpoint/2010/main" val="608305956"/>
-      </p:ext>
-    </p:extLst>
-  </p:cSld>
-  <p:clrMapOvr>
-    <a:masterClrMapping/>
-  </p:clrMapOvr>
-</p:sld>
-</file>
-
-<file path=ppt/slides/slide99.xml><?xml version="1.0" encoding="utf-8"?>
-<p:sld xmlns:a="http://schemas.openxmlformats.org/drawingml/2006/main" xmlns:r="http://schemas.openxmlformats.org/officeDocument/2006/relationships" xmlns:p="http://schemas.openxmlformats.org/presentationml/2006/main">
-  <p:cSld>
-    <p:spTree>
-      <p:nvGrpSpPr>
-        <p:cNvPr id="1" name=""/>
-        <p:cNvGrpSpPr/>
-        <p:nvPr/>
-      </p:nvGrpSpPr>
-      <p:grpSpPr>
-        <a:xfrm>
-          <a:off x="0" y="0"/>
-          <a:ext cx="0" cy="0"/>
-          <a:chOff x="0" y="0"/>
-          <a:chExt cx="0" cy="0"/>
-        </a:xfrm>
-      </p:grpSpPr>
-      <p:sp>
-        <p:nvSpPr>
-          <p:cNvPr id="11" name="TextBox 10">
-            <a:extLst>
-              <a:ext uri="{FF2B5EF4-FFF2-40B4-BE49-F238E27FC236}">
-                <a16:creationId xmlns:a16="http://schemas.microsoft.com/office/drawing/2014/main" id="{49A7B9B6-8455-43BE-8670-E01CE03933DF}"/>
-              </a:ext>
-            </a:extLst>
-          </p:cNvPr>
-          <p:cNvSpPr txBox="1"/>
-          <p:nvPr/>
-        </p:nvSpPr>
-        <p:spPr>
-          <a:xfrm>
-            <a:off x="1060461" y="4016867"/>
-            <a:ext cx="7023076" cy="923330"/>
-          </a:xfrm>
-          <a:prstGeom prst="rect">
-            <a:avLst/>
-          </a:prstGeom>
-          <a:noFill/>
-        </p:spPr>
-        <p:txBody>
-          <a:bodyPr wrap="none" rtlCol="0">
-            <a:spAutoFit/>
-          </a:bodyPr>
-          <a:lstStyle/>
-          <a:p>
-            <a:r>
-              <a:rPr lang="vi-VN" sz="5400">
-                <a:ln w="19050">
-                  <a:solidFill>
-                    <a:schemeClr val="tx1"/>
-                  </a:solidFill>
-                </a:ln>
-                <a:solidFill>
-                  <a:srgbClr val="FFFF00"/>
-                </a:solidFill>
-                <a:latin typeface="FVF Fernando 08" panose="02000507020000020003" pitchFamily="2" charset="0"/>
-              </a:rPr>
-              <a:t>Command Block</a:t>
-            </a:r>
-            <a:endParaRPr lang="en-US" sz="5400" dirty="0">
-              <a:ln w="19050">
-                <a:solidFill>
-                  <a:schemeClr val="tx1"/>
-                </a:solidFill>
-              </a:ln>
-              <a:solidFill>
-                <a:srgbClr val="FFFF00"/>
-              </a:solidFill>
-              <a:latin typeface="FVF Fernando 08" panose="02000507020000020003" pitchFamily="2" charset="0"/>
-            </a:endParaRPr>
-          </a:p>
-        </p:txBody>
-      </p:sp>
-      <p:pic>
-        <p:nvPicPr>
-          <p:cNvPr id="14" name="Picture 13">
-            <a:extLst>
-              <a:ext uri="{FF2B5EF4-FFF2-40B4-BE49-F238E27FC236}">
-                <a16:creationId xmlns:a16="http://schemas.microsoft.com/office/drawing/2014/main" id="{E2D411D6-C028-4F7B-96FB-CC2855017620}"/>
-              </a:ext>
-            </a:extLst>
-          </p:cNvPr>
-          <p:cNvPicPr>
-            <a:picLocks noChangeAspect="1"/>
-          </p:cNvPicPr>
-          <p:nvPr/>
-        </p:nvPicPr>
-        <p:blipFill>
-          <a:blip r:embed="rId3">
-            <a:extLst>
-              <a:ext uri="{28A0092B-C50C-407E-A947-70E740481C1C}">
-                <a14:useLocalDpi xmlns:a14="http://schemas.microsoft.com/office/drawing/2010/main" val="0"/>
-              </a:ext>
-            </a:extLst>
-          </a:blip>
-          <a:srcRect/>
-          <a:stretch/>
-        </p:blipFill>
-        <p:spPr>
-          <a:xfrm>
-            <a:off x="7675990" y="30481"/>
-            <a:ext cx="1490870" cy="1490870"/>
-          </a:xfrm>
-          <a:prstGeom prst="rect">
-            <a:avLst/>
-          </a:prstGeom>
-          <a:ln w="19050">
-            <a:noFill/>
-          </a:ln>
-          <a:effectLst>
-            <a:outerShdw blurRad="63500" sx="104000" sy="104000" algn="ctr" rotWithShape="0">
-              <a:srgbClr val="FFFF00"/>
-            </a:outerShdw>
-          </a:effectLst>
-        </p:spPr>
-      </p:pic>
-      <p:pic>
-        <p:nvPicPr>
-          <p:cNvPr id="1026" name="Picture 2">
-            <a:extLst>
-              <a:ext uri="{FF2B5EF4-FFF2-40B4-BE49-F238E27FC236}">
-                <a16:creationId xmlns:a16="http://schemas.microsoft.com/office/drawing/2014/main" id="{DFA32F66-57EE-4D13-8CA9-3E7C48BF14A4}"/>
-              </a:ext>
-            </a:extLst>
-          </p:cNvPr>
-          <p:cNvPicPr>
-            <a:picLocks noChangeAspect="1" noChangeArrowheads="1"/>
-          </p:cNvPicPr>
-          <p:nvPr/>
-        </p:nvPicPr>
-        <p:blipFill>
-          <a:blip r:embed="rId4">
-            <a:extLst>
-              <a:ext uri="{28A0092B-C50C-407E-A947-70E740481C1C}">
-                <a14:useLocalDpi xmlns:a14="http://schemas.microsoft.com/office/drawing/2010/main" val="0"/>
-              </a:ext>
-            </a:extLst>
-          </a:blip>
-          <a:srcRect/>
-          <a:stretch>
-            <a:fillRect/>
-          </a:stretch>
-        </p:blipFill>
-        <p:spPr bwMode="auto">
-          <a:xfrm>
-            <a:off x="1398211" y="1777103"/>
-            <a:ext cx="1589294" cy="1589294"/>
-          </a:xfrm>
-          <a:prstGeom prst="rect">
-            <a:avLst/>
-          </a:prstGeom>
-          <a:noFill/>
-          <a:extLst>
-            <a:ext uri="{909E8E84-426E-40DD-AFC4-6F175D3DCCD1}">
-              <a14:hiddenFill xmlns:a14="http://schemas.microsoft.com/office/drawing/2010/main">
-                <a:solidFill>
-                  <a:srgbClr val="FFFFFF"/>
-                </a:solidFill>
-              </a14:hiddenFill>
-            </a:ext>
-          </a:extLst>
-        </p:spPr>
-      </p:pic>
-      <p:pic>
-        <p:nvPicPr>
-          <p:cNvPr id="1028" name="Picture 4">
-            <a:extLst>
-              <a:ext uri="{FF2B5EF4-FFF2-40B4-BE49-F238E27FC236}">
-                <a16:creationId xmlns:a16="http://schemas.microsoft.com/office/drawing/2014/main" id="{DB2B4B05-1C91-43DF-9A45-E60896370AFC}"/>
-              </a:ext>
-            </a:extLst>
-          </p:cNvPr>
-          <p:cNvPicPr>
-            <a:picLocks noChangeAspect="1" noChangeArrowheads="1"/>
-          </p:cNvPicPr>
-          <p:nvPr/>
-        </p:nvPicPr>
-        <p:blipFill>
-          <a:blip r:embed="rId5">
-            <a:extLst>
-              <a:ext uri="{28A0092B-C50C-407E-A947-70E740481C1C}">
-                <a14:useLocalDpi xmlns:a14="http://schemas.microsoft.com/office/drawing/2010/main" val="0"/>
-              </a:ext>
-            </a:extLst>
-          </a:blip>
-          <a:srcRect/>
-          <a:stretch>
-            <a:fillRect/>
-          </a:stretch>
-        </p:blipFill>
-        <p:spPr bwMode="auto">
-          <a:xfrm>
-            <a:off x="3777353" y="1777103"/>
-            <a:ext cx="1589294" cy="1589294"/>
-          </a:xfrm>
-          <a:prstGeom prst="rect">
-            <a:avLst/>
-          </a:prstGeom>
-          <a:noFill/>
-          <a:extLst>
-            <a:ext uri="{909E8E84-426E-40DD-AFC4-6F175D3DCCD1}">
-              <a14:hiddenFill xmlns:a14="http://schemas.microsoft.com/office/drawing/2010/main">
-                <a:solidFill>
-                  <a:srgbClr val="FFFFFF"/>
-                </a:solidFill>
-              </a14:hiddenFill>
-            </a:ext>
-          </a:extLst>
-        </p:spPr>
-      </p:pic>
-      <p:pic>
-        <p:nvPicPr>
-          <p:cNvPr id="1030" name="Picture 6">
-            <a:extLst>
-              <a:ext uri="{FF2B5EF4-FFF2-40B4-BE49-F238E27FC236}">
-                <a16:creationId xmlns:a16="http://schemas.microsoft.com/office/drawing/2014/main" id="{C04F03EC-AC9E-4E8B-A216-07CA544FFCA2}"/>
-              </a:ext>
-            </a:extLst>
-          </p:cNvPr>
-          <p:cNvPicPr>
-            <a:picLocks noChangeAspect="1" noChangeArrowheads="1"/>
-          </p:cNvPicPr>
-          <p:nvPr/>
-        </p:nvPicPr>
-        <p:blipFill>
-          <a:blip r:embed="rId6">
-            <a:extLst>
-              <a:ext uri="{28A0092B-C50C-407E-A947-70E740481C1C}">
-                <a14:useLocalDpi xmlns:a14="http://schemas.microsoft.com/office/drawing/2010/main" val="0"/>
-              </a:ext>
-            </a:extLst>
-          </a:blip>
-          <a:srcRect/>
-          <a:stretch>
-            <a:fillRect/>
-          </a:stretch>
-        </p:blipFill>
-        <p:spPr bwMode="auto">
-          <a:xfrm>
-            <a:off x="6156495" y="1777103"/>
-            <a:ext cx="1589294" cy="1589294"/>
-          </a:xfrm>
-          <a:prstGeom prst="rect">
-            <a:avLst/>
-          </a:prstGeom>
-          <a:noFill/>
-          <a:extLst>
-            <a:ext uri="{909E8E84-426E-40DD-AFC4-6F175D3DCCD1}">
-              <a14:hiddenFill xmlns:a14="http://schemas.microsoft.com/office/drawing/2010/main">
-                <a:solidFill>
-                  <a:srgbClr val="FFFFFF"/>
-                </a:solidFill>
-              </a14:hiddenFill>
-            </a:ext>
-          </a:extLst>
-        </p:spPr>
-      </p:pic>
-    </p:spTree>
-    <p:extLst>
-      <p:ext uri="{BB962C8B-B14F-4D97-AF65-F5344CB8AC3E}">
-        <p14:creationId xmlns:p14="http://schemas.microsoft.com/office/powerpoint/2010/main" val="226282209"/>
       </p:ext>
     </p:extLst>
   </p:cSld>
